--- a/Presentation/WorkerEval.pptx
+++ b/Presentation/WorkerEval.pptx
@@ -6,6 +6,10 @@
   </p:sldMasterIdLst>
   <p:sldIdLst>
     <p:sldId id="256" r:id="rId2"/>
+    <p:sldId id="257" r:id="rId3"/>
+    <p:sldId id="258" r:id="rId4"/>
+    <p:sldId id="259" r:id="rId5"/>
+    <p:sldId id="260" r:id="rId6"/>
   </p:sldIdLst>
   <p:sldSz cx="9144000" cy="6858000" type="screen4x3"/>
   <p:notesSz cx="6858000" cy="9144000"/>
@@ -389,7 +393,7 @@
             <a:fld id="{9D21D778-B565-4D7E-94D7-64010A445B68}" type="datetimeFigureOut">
               <a:rPr lang="en-US" smtClean="0"/>
               <a:pPr eaLnBrk="1" latinLnBrk="0" hangingPunct="1"/>
-              <a:t>3/28/15</a:t>
+              <a:t>3/31/15</a:t>
             </a:fld>
             <a:endParaRPr lang="en-US"/>
           </a:p>
@@ -791,7 +795,7 @@
             <a:fld id="{9D21D778-B565-4D7E-94D7-64010A445B68}" type="datetimeFigureOut">
               <a:rPr lang="en-US" smtClean="0"/>
               <a:pPr eaLnBrk="1" latinLnBrk="0" hangingPunct="1"/>
-              <a:t>3/28/15</a:t>
+              <a:t>3/31/15</a:t>
             </a:fld>
             <a:endParaRPr lang="en-US"/>
           </a:p>
@@ -1327,7 +1331,7 @@
             <a:fld id="{9D21D778-B565-4D7E-94D7-64010A445B68}" type="datetimeFigureOut">
               <a:rPr lang="en-US" smtClean="0"/>
               <a:pPr eaLnBrk="1" latinLnBrk="0" hangingPunct="1"/>
-              <a:t>3/28/15</a:t>
+              <a:t>3/31/15</a:t>
             </a:fld>
             <a:endParaRPr lang="en-US"/>
           </a:p>
@@ -1462,7 +1466,7 @@
             <a:fld id="{9D21D778-B565-4D7E-94D7-64010A445B68}" type="datetimeFigureOut">
               <a:rPr lang="en-US" smtClean="0"/>
               <a:pPr eaLnBrk="1" latinLnBrk="0" hangingPunct="1"/>
-              <a:t>3/28/15</a:t>
+              <a:t>3/31/15</a:t>
             </a:fld>
             <a:endParaRPr lang="en-US"/>
           </a:p>
@@ -2008,7 +2012,7 @@
             <a:fld id="{9D21D778-B565-4D7E-94D7-64010A445B68}" type="datetimeFigureOut">
               <a:rPr lang="en-US" smtClean="0"/>
               <a:pPr eaLnBrk="1" latinLnBrk="0" hangingPunct="1"/>
-              <a:t>3/28/15</a:t>
+              <a:t>3/31/15</a:t>
             </a:fld>
             <a:endParaRPr lang="en-US"/>
           </a:p>
@@ -2312,7 +2316,7 @@
             <a:fld id="{9D21D778-B565-4D7E-94D7-64010A445B68}" type="datetimeFigureOut">
               <a:rPr lang="en-US" smtClean="0"/>
               <a:pPr eaLnBrk="1" latinLnBrk="0" hangingPunct="1"/>
-              <a:t>3/28/15</a:t>
+              <a:t>3/31/15</a:t>
             </a:fld>
             <a:endParaRPr lang="en-US"/>
           </a:p>
@@ -2974,7 +2978,7 @@
             <a:fld id="{9D21D778-B565-4D7E-94D7-64010A445B68}" type="datetimeFigureOut">
               <a:rPr lang="en-US" smtClean="0"/>
               <a:pPr eaLnBrk="1" latinLnBrk="0" hangingPunct="1"/>
-              <a:t>3/28/15</a:t>
+              <a:t>3/31/15</a:t>
             </a:fld>
             <a:endParaRPr lang="en-US"/>
           </a:p>
@@ -3414,7 +3418,7 @@
             <a:fld id="{9D21D778-B565-4D7E-94D7-64010A445B68}" type="datetimeFigureOut">
               <a:rPr lang="en-US" smtClean="0"/>
               <a:pPr eaLnBrk="1" latinLnBrk="0" hangingPunct="1"/>
-              <a:t>3/28/15</a:t>
+              <a:t>3/31/15</a:t>
             </a:fld>
             <a:endParaRPr lang="en-US"/>
           </a:p>
@@ -3730,7 +3734,7 @@
             <a:fld id="{9D21D778-B565-4D7E-94D7-64010A445B68}" type="datetimeFigureOut">
               <a:rPr lang="en-US" smtClean="0"/>
               <a:pPr eaLnBrk="1" latinLnBrk="0" hangingPunct="1"/>
-              <a:t>3/28/15</a:t>
+              <a:t>3/31/15</a:t>
             </a:fld>
             <a:endParaRPr lang="en-US"/>
           </a:p>
@@ -4476,7 +4480,7 @@
             <a:fld id="{9D21D778-B565-4D7E-94D7-64010A445B68}" type="datetimeFigureOut">
               <a:rPr lang="en-US" smtClean="0"/>
               <a:pPr eaLnBrk="1" latinLnBrk="0" hangingPunct="1"/>
-              <a:t>3/28/15</a:t>
+              <a:t>3/31/15</a:t>
             </a:fld>
             <a:endParaRPr lang="en-US"/>
           </a:p>
@@ -5143,7 +5147,7 @@
             <a:fld id="{9D21D778-B565-4D7E-94D7-64010A445B68}" type="datetimeFigureOut">
               <a:rPr lang="en-US" smtClean="0"/>
               <a:pPr eaLnBrk="1" latinLnBrk="0" hangingPunct="1"/>
-              <a:t>3/28/15</a:t>
+              <a:t>3/31/15</a:t>
             </a:fld>
             <a:endParaRPr lang="en-US" dirty="0"/>
           </a:p>
@@ -5418,7 +5422,7 @@
             <a:fld id="{9D21D778-B565-4D7E-94D7-64010A445B68}" type="datetimeFigureOut">
               <a:rPr lang="en-US" smtClean="0"/>
               <a:pPr algn="r" eaLnBrk="1" latinLnBrk="0" hangingPunct="1"/>
-              <a:t>3/28/15</a:t>
+              <a:t>3/31/15</a:t>
             </a:fld>
             <a:endParaRPr lang="en-US" sz="1400" dirty="0">
               <a:solidFill>
@@ -6123,7 +6127,11 @@
           <a:bodyPr/>
           <a:lstStyle/>
           <a:p>
-            <a:endParaRPr lang="en-US"/>
+            <a:r>
+              <a:rPr lang="en-US" dirty="0" smtClean="0"/>
+              <a:t>Computing Calibrated Confidence Intervals for Crowdsourcing Worker Quality</a:t>
+            </a:r>
+            <a:endParaRPr lang="en-US" dirty="0"/>
           </a:p>
         </p:txBody>
       </p:sp>
@@ -6142,7 +6150,11 @@
           <a:bodyPr/>
           <a:lstStyle/>
           <a:p>
-            <a:endParaRPr lang="en-US"/>
+            <a:r>
+              <a:rPr lang="en-US" dirty="0" smtClean="0"/>
+              <a:t>Reliable Crowd Assessment Algorithms</a:t>
+            </a:r>
+            <a:endParaRPr lang="en-US" dirty="0"/>
           </a:p>
         </p:txBody>
       </p:sp>
@@ -6150,6 +6162,290 @@
     <p:extLst>
       <p:ext uri="{BB962C8B-B14F-4D97-AF65-F5344CB8AC3E}">
         <p14:creationId xmlns:p14="http://schemas.microsoft.com/office/powerpoint/2010/main" val="851645699"/>
+      </p:ext>
+    </p:extLst>
+  </p:cSld>
+  <p:clrMapOvr>
+    <a:masterClrMapping/>
+  </p:clrMapOvr>
+</p:sld>
+</file>
+
+<file path=ppt/slides/slide2.xml><?xml version="1.0" encoding="utf-8"?>
+<p:sld xmlns:a="http://schemas.openxmlformats.org/drawingml/2006/main" xmlns:r="http://schemas.openxmlformats.org/officeDocument/2006/relationships" xmlns:p="http://schemas.openxmlformats.org/presentationml/2006/main">
+  <p:cSld>
+    <p:spTree>
+      <p:nvGrpSpPr>
+        <p:cNvPr id="1" name=""/>
+        <p:cNvGrpSpPr/>
+        <p:nvPr/>
+      </p:nvGrpSpPr>
+      <p:grpSpPr>
+        <a:xfrm>
+          <a:off x="0" y="0"/>
+          <a:ext cx="0" cy="0"/>
+          <a:chOff x="0" y="0"/>
+          <a:chExt cx="0" cy="0"/>
+        </a:xfrm>
+      </p:grpSpPr>
+      <p:sp>
+        <p:nvSpPr>
+          <p:cNvPr id="2" name="Title 1"/>
+          <p:cNvSpPr>
+            <a:spLocks noGrp="1"/>
+          </p:cNvSpPr>
+          <p:nvPr>
+            <p:ph type="title"/>
+          </p:nvPr>
+        </p:nvSpPr>
+        <p:spPr/>
+        <p:txBody>
+          <a:bodyPr/>
+          <a:lstStyle/>
+          <a:p>
+            <a:endParaRPr lang="en-US"/>
+          </a:p>
+        </p:txBody>
+      </p:sp>
+      <p:sp>
+        <p:nvSpPr>
+          <p:cNvPr id="3" name="Content Placeholder 2"/>
+          <p:cNvSpPr>
+            <a:spLocks noGrp="1"/>
+          </p:cNvSpPr>
+          <p:nvPr>
+            <p:ph sz="quarter" idx="1"/>
+          </p:nvPr>
+        </p:nvSpPr>
+        <p:spPr/>
+        <p:txBody>
+          <a:bodyPr/>
+          <a:lstStyle/>
+          <a:p>
+            <a:endParaRPr lang="en-US"/>
+          </a:p>
+        </p:txBody>
+      </p:sp>
+    </p:spTree>
+    <p:extLst>
+      <p:ext uri="{BB962C8B-B14F-4D97-AF65-F5344CB8AC3E}">
+        <p14:creationId xmlns:p14="http://schemas.microsoft.com/office/powerpoint/2010/main" val="2189281271"/>
+      </p:ext>
+    </p:extLst>
+  </p:cSld>
+  <p:clrMapOvr>
+    <a:masterClrMapping/>
+  </p:clrMapOvr>
+</p:sld>
+</file>
+
+<file path=ppt/slides/slide3.xml><?xml version="1.0" encoding="utf-8"?>
+<p:sld xmlns:a="http://schemas.openxmlformats.org/drawingml/2006/main" xmlns:r="http://schemas.openxmlformats.org/officeDocument/2006/relationships" xmlns:p="http://schemas.openxmlformats.org/presentationml/2006/main">
+  <p:cSld>
+    <p:spTree>
+      <p:nvGrpSpPr>
+        <p:cNvPr id="1" name=""/>
+        <p:cNvGrpSpPr/>
+        <p:nvPr/>
+      </p:nvGrpSpPr>
+      <p:grpSpPr>
+        <a:xfrm>
+          <a:off x="0" y="0"/>
+          <a:ext cx="0" cy="0"/>
+          <a:chOff x="0" y="0"/>
+          <a:chExt cx="0" cy="0"/>
+        </a:xfrm>
+      </p:grpSpPr>
+      <p:sp>
+        <p:nvSpPr>
+          <p:cNvPr id="2" name="Title 1"/>
+          <p:cNvSpPr>
+            <a:spLocks noGrp="1"/>
+          </p:cNvSpPr>
+          <p:nvPr>
+            <p:ph type="title"/>
+          </p:nvPr>
+        </p:nvSpPr>
+        <p:spPr/>
+        <p:txBody>
+          <a:bodyPr/>
+          <a:lstStyle/>
+          <a:p>
+            <a:r>
+              <a:rPr lang="en-US" dirty="0" smtClean="0"/>
+              <a:t>The Simple Case: 3 workers</a:t>
+            </a:r>
+            <a:endParaRPr lang="en-US" dirty="0"/>
+          </a:p>
+        </p:txBody>
+      </p:sp>
+      <p:sp>
+        <p:nvSpPr>
+          <p:cNvPr id="3" name="Content Placeholder 2"/>
+          <p:cNvSpPr>
+            <a:spLocks noGrp="1"/>
+          </p:cNvSpPr>
+          <p:nvPr>
+            <p:ph sz="quarter" idx="1"/>
+          </p:nvPr>
+        </p:nvSpPr>
+        <p:spPr/>
+        <p:txBody>
+          <a:bodyPr/>
+          <a:lstStyle/>
+          <a:p>
+            <a:endParaRPr lang="en-US"/>
+          </a:p>
+        </p:txBody>
+      </p:sp>
+    </p:spTree>
+    <p:extLst>
+      <p:ext uri="{BB962C8B-B14F-4D97-AF65-F5344CB8AC3E}">
+        <p14:creationId xmlns:p14="http://schemas.microsoft.com/office/powerpoint/2010/main" val="4111877557"/>
+      </p:ext>
+    </p:extLst>
+  </p:cSld>
+  <p:clrMapOvr>
+    <a:masterClrMapping/>
+  </p:clrMapOvr>
+</p:sld>
+</file>
+
+<file path=ppt/slides/slide4.xml><?xml version="1.0" encoding="utf-8"?>
+<p:sld xmlns:a="http://schemas.openxmlformats.org/drawingml/2006/main" xmlns:r="http://schemas.openxmlformats.org/officeDocument/2006/relationships" xmlns:p="http://schemas.openxmlformats.org/presentationml/2006/main">
+  <p:cSld>
+    <p:spTree>
+      <p:nvGrpSpPr>
+        <p:cNvPr id="1" name=""/>
+        <p:cNvGrpSpPr/>
+        <p:nvPr/>
+      </p:nvGrpSpPr>
+      <p:grpSpPr>
+        <a:xfrm>
+          <a:off x="0" y="0"/>
+          <a:ext cx="0" cy="0"/>
+          <a:chOff x="0" y="0"/>
+          <a:chExt cx="0" cy="0"/>
+        </a:xfrm>
+      </p:grpSpPr>
+      <p:sp>
+        <p:nvSpPr>
+          <p:cNvPr id="2" name="Title 1"/>
+          <p:cNvSpPr>
+            <a:spLocks noGrp="1"/>
+          </p:cNvSpPr>
+          <p:nvPr>
+            <p:ph type="title"/>
+          </p:nvPr>
+        </p:nvSpPr>
+        <p:spPr/>
+        <p:txBody>
+          <a:bodyPr/>
+          <a:lstStyle/>
+          <a:p>
+            <a:r>
+              <a:rPr lang="en-US" dirty="0" smtClean="0"/>
+              <a:t>Generalizing to many workers</a:t>
+            </a:r>
+            <a:endParaRPr lang="en-US" dirty="0"/>
+          </a:p>
+        </p:txBody>
+      </p:sp>
+      <p:sp>
+        <p:nvSpPr>
+          <p:cNvPr id="3" name="Content Placeholder 2"/>
+          <p:cNvSpPr>
+            <a:spLocks noGrp="1"/>
+          </p:cNvSpPr>
+          <p:nvPr>
+            <p:ph sz="quarter" idx="1"/>
+          </p:nvPr>
+        </p:nvSpPr>
+        <p:spPr/>
+        <p:txBody>
+          <a:bodyPr/>
+          <a:lstStyle/>
+          <a:p>
+            <a:endParaRPr lang="en-US"/>
+          </a:p>
+        </p:txBody>
+      </p:sp>
+    </p:spTree>
+    <p:extLst>
+      <p:ext uri="{BB962C8B-B14F-4D97-AF65-F5344CB8AC3E}">
+        <p14:creationId xmlns:p14="http://schemas.microsoft.com/office/powerpoint/2010/main" val="1730068441"/>
+      </p:ext>
+    </p:extLst>
+  </p:cSld>
+  <p:clrMapOvr>
+    <a:masterClrMapping/>
+  </p:clrMapOvr>
+</p:sld>
+</file>
+
+<file path=ppt/slides/slide5.xml><?xml version="1.0" encoding="utf-8"?>
+<p:sld xmlns:a="http://schemas.openxmlformats.org/drawingml/2006/main" xmlns:r="http://schemas.openxmlformats.org/officeDocument/2006/relationships" xmlns:p="http://schemas.openxmlformats.org/presentationml/2006/main">
+  <p:cSld>
+    <p:spTree>
+      <p:nvGrpSpPr>
+        <p:cNvPr id="1" name=""/>
+        <p:cNvGrpSpPr/>
+        <p:nvPr/>
+      </p:nvGrpSpPr>
+      <p:grpSpPr>
+        <a:xfrm>
+          <a:off x="0" y="0"/>
+          <a:ext cx="0" cy="0"/>
+          <a:chOff x="0" y="0"/>
+          <a:chExt cx="0" cy="0"/>
+        </a:xfrm>
+      </p:grpSpPr>
+      <p:sp>
+        <p:nvSpPr>
+          <p:cNvPr id="2" name="Title 1"/>
+          <p:cNvSpPr>
+            <a:spLocks noGrp="1"/>
+          </p:cNvSpPr>
+          <p:nvPr>
+            <p:ph type="title"/>
+          </p:nvPr>
+        </p:nvSpPr>
+        <p:spPr/>
+        <p:txBody>
+          <a:bodyPr/>
+          <a:lstStyle/>
+          <a:p>
+            <a:r>
+              <a:rPr lang="en-US" dirty="0" smtClean="0"/>
+              <a:t>Non-binary Tasks</a:t>
+            </a:r>
+            <a:endParaRPr lang="en-US" dirty="0"/>
+          </a:p>
+        </p:txBody>
+      </p:sp>
+      <p:sp>
+        <p:nvSpPr>
+          <p:cNvPr id="3" name="Content Placeholder 2"/>
+          <p:cNvSpPr>
+            <a:spLocks noGrp="1"/>
+          </p:cNvSpPr>
+          <p:nvPr>
+            <p:ph sz="quarter" idx="1"/>
+          </p:nvPr>
+        </p:nvSpPr>
+        <p:spPr/>
+        <p:txBody>
+          <a:bodyPr/>
+          <a:lstStyle/>
+          <a:p>
+            <a:endParaRPr lang="en-US"/>
+          </a:p>
+        </p:txBody>
+      </p:sp>
+    </p:spTree>
+    <p:extLst>
+      <p:ext uri="{BB962C8B-B14F-4D97-AF65-F5344CB8AC3E}">
+        <p14:creationId xmlns:p14="http://schemas.microsoft.com/office/powerpoint/2010/main" val="2726224389"/>
       </p:ext>
     </p:extLst>
   </p:cSld>

--- a/Presentation/WorkerEval.pptx
+++ b/Presentation/WorkerEval.pptx
@@ -7,9 +7,12 @@
   <p:sldIdLst>
     <p:sldId id="256" r:id="rId2"/>
     <p:sldId id="257" r:id="rId3"/>
-    <p:sldId id="258" r:id="rId4"/>
-    <p:sldId id="259" r:id="rId5"/>
-    <p:sldId id="260" r:id="rId6"/>
+    <p:sldId id="261" r:id="rId4"/>
+    <p:sldId id="262" r:id="rId5"/>
+    <p:sldId id="263" r:id="rId6"/>
+    <p:sldId id="258" r:id="rId7"/>
+    <p:sldId id="259" r:id="rId8"/>
+    <p:sldId id="260" r:id="rId9"/>
   </p:sldIdLst>
   <p:sldSz cx="9144000" cy="6858000" type="screen4x3"/>
   <p:notesSz cx="6858000" cy="9144000"/>
@@ -6129,7 +6132,27 @@
           <a:p>
             <a:r>
               <a:rPr lang="en-US" dirty="0" smtClean="0"/>
-              <a:t>Computing Calibrated Confidence Intervals for Crowdsourcing Worker Quality</a:t>
+              <a:t>Manas Joglekar </a:t>
+            </a:r>
+          </a:p>
+          <a:p>
+            <a:r>
+              <a:rPr lang="en-US" dirty="0" smtClean="0"/>
+              <a:t>Hector Garcia-Molina</a:t>
+            </a:r>
+          </a:p>
+          <a:p>
+            <a:r>
+              <a:rPr lang="en-US" dirty="0" err="1" smtClean="0"/>
+              <a:t>Aditya</a:t>
+            </a:r>
+            <a:r>
+              <a:rPr lang="en-US" dirty="0" smtClean="0"/>
+              <a:t> </a:t>
+            </a:r>
+            <a:r>
+              <a:rPr lang="en-US" dirty="0" err="1" smtClean="0"/>
+              <a:t>parameswaran</a:t>
             </a:r>
             <a:endParaRPr lang="en-US" dirty="0"/>
           </a:p>
@@ -6152,7 +6175,11 @@
           <a:p>
             <a:r>
               <a:rPr lang="en-US" dirty="0" smtClean="0"/>
-              <a:t>Reliable Crowd Assessment Algorithms</a:t>
+              <a:t>Comprehensive and Reliable </a:t>
+            </a:r>
+            <a:r>
+              <a:rPr lang="en-US" dirty="0" smtClean="0"/>
+              <a:t>Crowd Assessment Algorithms</a:t>
             </a:r>
             <a:endParaRPr lang="en-US" dirty="0"/>
           </a:p>
@@ -6203,7 +6230,11 @@
           <a:bodyPr/>
           <a:lstStyle/>
           <a:p>
-            <a:endParaRPr lang="en-US"/>
+            <a:r>
+              <a:rPr lang="en-US" dirty="0" smtClean="0"/>
+              <a:t>Outline of this talk</a:t>
+            </a:r>
+            <a:endParaRPr lang="en-US" dirty="0"/>
           </a:p>
         </p:txBody>
       </p:sp>
@@ -6222,7 +6253,35 @@
           <a:bodyPr/>
           <a:lstStyle/>
           <a:p>
-            <a:endParaRPr lang="en-US"/>
+            <a:r>
+              <a:rPr lang="en-US" dirty="0" smtClean="0"/>
+              <a:t>Problem Setting and Motivation</a:t>
+            </a:r>
+          </a:p>
+          <a:p>
+            <a:r>
+              <a:rPr lang="en-US" dirty="0" smtClean="0"/>
+              <a:t>The simple case: 3 workers binary tasks</a:t>
+            </a:r>
+          </a:p>
+          <a:p>
+            <a:r>
+              <a:rPr lang="en-US" dirty="0" smtClean="0"/>
+              <a:t>Generalizing to many workers</a:t>
+            </a:r>
+          </a:p>
+          <a:p>
+            <a:r>
+              <a:rPr lang="en-US" dirty="0" smtClean="0"/>
+              <a:t>Non-binary tasks</a:t>
+            </a:r>
+          </a:p>
+          <a:p>
+            <a:r>
+              <a:rPr lang="en-US" dirty="0" smtClean="0"/>
+              <a:t>Results</a:t>
+            </a:r>
+            <a:endParaRPr lang="en-US" dirty="0"/>
           </a:p>
         </p:txBody>
       </p:sp>
@@ -6273,7 +6332,7 @@
           <a:p>
             <a:r>
               <a:rPr lang="en-US" dirty="0" smtClean="0"/>
-              <a:t>The Simple Case: 3 workers</a:t>
+              <a:t>Background</a:t>
             </a:r>
             <a:endParaRPr lang="en-US" dirty="0"/>
           </a:p>
@@ -6294,14 +6353,34 @@
           <a:bodyPr/>
           <a:lstStyle/>
           <a:p>
-            <a:endParaRPr lang="en-US"/>
+            <a:r>
+              <a:rPr lang="en-US" dirty="0" smtClean="0"/>
+              <a:t>Crowdsourcing: Human workers perform tasks that are hard for computers, such as image tagging</a:t>
+            </a:r>
+          </a:p>
+          <a:p>
+            <a:r>
+              <a:rPr lang="en-US" dirty="0" smtClean="0"/>
+              <a:t>Workers are often </a:t>
+            </a:r>
+            <a:r>
+              <a:rPr lang="en-US" i="1" dirty="0" smtClean="0"/>
+              <a:t>unreliable</a:t>
+            </a:r>
+          </a:p>
+          <a:p>
+            <a:r>
+              <a:rPr lang="en-US" dirty="0" smtClean="0"/>
+              <a:t> Need to assess quality</a:t>
+            </a:r>
+            <a:endParaRPr lang="en-US" dirty="0"/>
           </a:p>
         </p:txBody>
       </p:sp>
     </p:spTree>
     <p:extLst>
       <p:ext uri="{BB962C8B-B14F-4D97-AF65-F5344CB8AC3E}">
-        <p14:creationId xmlns:p14="http://schemas.microsoft.com/office/powerpoint/2010/main" val="4111877557"/>
+        <p14:creationId xmlns:p14="http://schemas.microsoft.com/office/powerpoint/2010/main" val="2584856485"/>
       </p:ext>
     </p:extLst>
   </p:cSld>
@@ -6345,7 +6424,7 @@
           <a:p>
             <a:r>
               <a:rPr lang="en-US" dirty="0" smtClean="0"/>
-              <a:t>Generalizing to many workers</a:t>
+              <a:t>Previous work</a:t>
             </a:r>
             <a:endParaRPr lang="en-US" dirty="0"/>
           </a:p>
@@ -6366,14 +6445,38 @@
           <a:bodyPr/>
           <a:lstStyle/>
           <a:p>
-            <a:endParaRPr lang="en-US"/>
+            <a:r>
+              <a:rPr lang="en-US" dirty="0" smtClean="0"/>
+              <a:t>Point estimates</a:t>
+            </a:r>
+          </a:p>
+          <a:p>
+            <a:r>
+              <a:rPr lang="en-US" dirty="0" smtClean="0"/>
+              <a:t>1/3 errors </a:t>
+            </a:r>
+            <a:r>
+              <a:rPr lang="en-US" dirty="0" err="1" smtClean="0"/>
+              <a:t>vs</a:t>
+            </a:r>
+            <a:r>
+              <a:rPr lang="en-US" dirty="0" smtClean="0"/>
+              <a:t> 10/30 errors</a:t>
+            </a:r>
+          </a:p>
+          <a:p>
+            <a:r>
+              <a:rPr lang="en-US" dirty="0" smtClean="0"/>
+              <a:t>Locally Optimum: EM</a:t>
+            </a:r>
+            <a:endParaRPr lang="en-US" dirty="0"/>
           </a:p>
         </p:txBody>
       </p:sp>
     </p:spTree>
     <p:extLst>
       <p:ext uri="{BB962C8B-B14F-4D97-AF65-F5344CB8AC3E}">
-        <p14:creationId xmlns:p14="http://schemas.microsoft.com/office/powerpoint/2010/main" val="1730068441"/>
+        <p14:creationId xmlns:p14="http://schemas.microsoft.com/office/powerpoint/2010/main" val="324074709"/>
       </p:ext>
     </p:extLst>
   </p:cSld>
@@ -6417,7 +6520,7 @@
           <a:p>
             <a:r>
               <a:rPr lang="en-US" dirty="0" smtClean="0"/>
-              <a:t>Non-binary Tasks</a:t>
+              <a:t>Problem Setting</a:t>
             </a:r>
             <a:endParaRPr lang="en-US" dirty="0"/>
           </a:p>
@@ -6438,7 +6541,347 @@
           <a:bodyPr/>
           <a:lstStyle/>
           <a:p>
-            <a:endParaRPr lang="en-US"/>
+            <a:r>
+              <a:rPr lang="en-US" dirty="0" smtClean="0"/>
+              <a:t>Discrete tasks</a:t>
+            </a:r>
+          </a:p>
+          <a:p>
+            <a:r>
+              <a:rPr lang="en-US" dirty="0" smtClean="0"/>
+              <a:t>Any number of workers</a:t>
+            </a:r>
+            <a:endParaRPr lang="en-US" dirty="0"/>
+          </a:p>
+          <a:p>
+            <a:r>
+              <a:rPr lang="en-US" dirty="0"/>
+              <a:t>Non-regular </a:t>
+            </a:r>
+            <a:r>
+              <a:rPr lang="en-US" dirty="0" smtClean="0"/>
+              <a:t>data</a:t>
+            </a:r>
+          </a:p>
+          <a:p>
+            <a:r>
+              <a:rPr lang="en-US" dirty="0" smtClean="0"/>
+              <a:t>Accuracy model, Independence</a:t>
+            </a:r>
+            <a:endParaRPr lang="en-US" dirty="0"/>
+          </a:p>
+        </p:txBody>
+      </p:sp>
+    </p:spTree>
+    <p:extLst>
+      <p:ext uri="{BB962C8B-B14F-4D97-AF65-F5344CB8AC3E}">
+        <p14:creationId xmlns:p14="http://schemas.microsoft.com/office/powerpoint/2010/main" val="1500197799"/>
+      </p:ext>
+    </p:extLst>
+  </p:cSld>
+  <p:clrMapOvr>
+    <a:masterClrMapping/>
+  </p:clrMapOvr>
+</p:sld>
+</file>
+
+<file path=ppt/slides/slide6.xml><?xml version="1.0" encoding="utf-8"?>
+<p:sld xmlns:a="http://schemas.openxmlformats.org/drawingml/2006/main" xmlns:r="http://schemas.openxmlformats.org/officeDocument/2006/relationships" xmlns:p="http://schemas.openxmlformats.org/presentationml/2006/main">
+  <p:cSld>
+    <p:spTree>
+      <p:nvGrpSpPr>
+        <p:cNvPr id="1" name=""/>
+        <p:cNvGrpSpPr/>
+        <p:nvPr/>
+      </p:nvGrpSpPr>
+      <p:grpSpPr>
+        <a:xfrm>
+          <a:off x="0" y="0"/>
+          <a:ext cx="0" cy="0"/>
+          <a:chOff x="0" y="0"/>
+          <a:chExt cx="0" cy="0"/>
+        </a:xfrm>
+      </p:grpSpPr>
+      <p:sp>
+        <p:nvSpPr>
+          <p:cNvPr id="2" name="Title 1"/>
+          <p:cNvSpPr>
+            <a:spLocks noGrp="1"/>
+          </p:cNvSpPr>
+          <p:nvPr>
+            <p:ph type="title"/>
+          </p:nvPr>
+        </p:nvSpPr>
+        <p:spPr/>
+        <p:txBody>
+          <a:bodyPr/>
+          <a:lstStyle/>
+          <a:p>
+            <a:r>
+              <a:rPr lang="en-US" dirty="0" smtClean="0"/>
+              <a:t>The Simple Case: 3 workers</a:t>
+            </a:r>
+            <a:endParaRPr lang="en-US" dirty="0"/>
+          </a:p>
+        </p:txBody>
+      </p:sp>
+      <p:sp>
+        <p:nvSpPr>
+          <p:cNvPr id="3" name="Content Placeholder 2"/>
+          <p:cNvSpPr>
+            <a:spLocks noGrp="1"/>
+          </p:cNvSpPr>
+          <p:nvPr>
+            <p:ph sz="quarter" idx="1"/>
+          </p:nvPr>
+        </p:nvSpPr>
+        <p:spPr/>
+        <p:txBody>
+          <a:bodyPr/>
+          <a:lstStyle/>
+          <a:p>
+            <a:r>
+              <a:rPr lang="en-US" dirty="0" smtClean="0"/>
+              <a:t>Compute agreement rates</a:t>
+            </a:r>
+          </a:p>
+          <a:p>
+            <a:r>
+              <a:rPr lang="en-US" dirty="0" smtClean="0"/>
+              <a:t>Equations, solution</a:t>
+            </a:r>
+          </a:p>
+          <a:p>
+            <a:r>
+              <a:rPr lang="en-US" dirty="0" smtClean="0"/>
+              <a:t>Variances, </a:t>
+            </a:r>
+            <a:r>
+              <a:rPr lang="en-US" dirty="0" err="1" smtClean="0"/>
+              <a:t>covariances</a:t>
+            </a:r>
+            <a:endParaRPr lang="en-US" dirty="0" smtClean="0"/>
+          </a:p>
+          <a:p>
+            <a:r>
+              <a:rPr lang="en-US" dirty="0" smtClean="0"/>
+              <a:t>Derivative</a:t>
+            </a:r>
+            <a:endParaRPr lang="en-US" dirty="0" smtClean="0"/>
+          </a:p>
+          <a:p>
+            <a:endParaRPr lang="en-US" dirty="0"/>
+          </a:p>
+        </p:txBody>
+      </p:sp>
+    </p:spTree>
+    <p:extLst>
+      <p:ext uri="{BB962C8B-B14F-4D97-AF65-F5344CB8AC3E}">
+        <p14:creationId xmlns:p14="http://schemas.microsoft.com/office/powerpoint/2010/main" val="4111877557"/>
+      </p:ext>
+    </p:extLst>
+  </p:cSld>
+  <p:clrMapOvr>
+    <a:masterClrMapping/>
+  </p:clrMapOvr>
+</p:sld>
+</file>
+
+<file path=ppt/slides/slide7.xml><?xml version="1.0" encoding="utf-8"?>
+<p:sld xmlns:a="http://schemas.openxmlformats.org/drawingml/2006/main" xmlns:r="http://schemas.openxmlformats.org/officeDocument/2006/relationships" xmlns:p="http://schemas.openxmlformats.org/presentationml/2006/main">
+  <p:cSld>
+    <p:spTree>
+      <p:nvGrpSpPr>
+        <p:cNvPr id="1" name=""/>
+        <p:cNvGrpSpPr/>
+        <p:nvPr/>
+      </p:nvGrpSpPr>
+      <p:grpSpPr>
+        <a:xfrm>
+          <a:off x="0" y="0"/>
+          <a:ext cx="0" cy="0"/>
+          <a:chOff x="0" y="0"/>
+          <a:chExt cx="0" cy="0"/>
+        </a:xfrm>
+      </p:grpSpPr>
+      <p:sp>
+        <p:nvSpPr>
+          <p:cNvPr id="2" name="Title 1"/>
+          <p:cNvSpPr>
+            <a:spLocks noGrp="1"/>
+          </p:cNvSpPr>
+          <p:nvPr>
+            <p:ph type="title"/>
+          </p:nvPr>
+        </p:nvSpPr>
+        <p:spPr/>
+        <p:txBody>
+          <a:bodyPr/>
+          <a:lstStyle/>
+          <a:p>
+            <a:r>
+              <a:rPr lang="en-US" dirty="0" smtClean="0"/>
+              <a:t>Generalizing to many workers</a:t>
+            </a:r>
+            <a:endParaRPr lang="en-US" dirty="0"/>
+          </a:p>
+        </p:txBody>
+      </p:sp>
+      <p:sp>
+        <p:nvSpPr>
+          <p:cNvPr id="3" name="Content Placeholder 2"/>
+          <p:cNvSpPr>
+            <a:spLocks noGrp="1"/>
+          </p:cNvSpPr>
+          <p:nvPr>
+            <p:ph sz="quarter" idx="1"/>
+          </p:nvPr>
+        </p:nvSpPr>
+        <p:spPr/>
+        <p:txBody>
+          <a:bodyPr/>
+          <a:lstStyle/>
+          <a:p>
+            <a:r>
+              <a:rPr lang="en-US" dirty="0" smtClean="0"/>
+              <a:t>Key Idea: Take multiple sets of 3 workers and combine estimates</a:t>
+            </a:r>
+          </a:p>
+          <a:p>
+            <a:r>
+              <a:rPr lang="en-US" dirty="0" smtClean="0"/>
+              <a:t>For each worker, form N/2 triples. </a:t>
+            </a:r>
+            <a:endParaRPr lang="en-US" dirty="0"/>
+          </a:p>
+          <a:p>
+            <a:r>
+              <a:rPr lang="en-US" dirty="0" smtClean="0"/>
+              <a:t>Compute variances, </a:t>
+            </a:r>
+            <a:r>
+              <a:rPr lang="en-US" dirty="0" err="1" smtClean="0"/>
+              <a:t>covariances</a:t>
+            </a:r>
+            <a:r>
+              <a:rPr lang="en-US" dirty="0" smtClean="0"/>
+              <a:t> of estimates</a:t>
+            </a:r>
+          </a:p>
+          <a:p>
+            <a:r>
+              <a:rPr lang="en-US" dirty="0" smtClean="0"/>
+              <a:t>Optimum weights for combining</a:t>
+            </a:r>
+          </a:p>
+          <a:p>
+            <a:r>
+              <a:rPr lang="en-US" dirty="0" smtClean="0"/>
+              <a:t>Greedy way of group forming</a:t>
+            </a:r>
+            <a:endParaRPr lang="en-US" dirty="0"/>
+          </a:p>
+        </p:txBody>
+      </p:sp>
+    </p:spTree>
+    <p:extLst>
+      <p:ext uri="{BB962C8B-B14F-4D97-AF65-F5344CB8AC3E}">
+        <p14:creationId xmlns:p14="http://schemas.microsoft.com/office/powerpoint/2010/main" val="1730068441"/>
+      </p:ext>
+    </p:extLst>
+  </p:cSld>
+  <p:clrMapOvr>
+    <a:masterClrMapping/>
+  </p:clrMapOvr>
+</p:sld>
+</file>
+
+<file path=ppt/slides/slide8.xml><?xml version="1.0" encoding="utf-8"?>
+<p:sld xmlns:a="http://schemas.openxmlformats.org/drawingml/2006/main" xmlns:r="http://schemas.openxmlformats.org/officeDocument/2006/relationships" xmlns:p="http://schemas.openxmlformats.org/presentationml/2006/main">
+  <p:cSld>
+    <p:spTree>
+      <p:nvGrpSpPr>
+        <p:cNvPr id="1" name=""/>
+        <p:cNvGrpSpPr/>
+        <p:nvPr/>
+      </p:nvGrpSpPr>
+      <p:grpSpPr>
+        <a:xfrm>
+          <a:off x="0" y="0"/>
+          <a:ext cx="0" cy="0"/>
+          <a:chOff x="0" y="0"/>
+          <a:chExt cx="0" cy="0"/>
+        </a:xfrm>
+      </p:grpSpPr>
+      <p:sp>
+        <p:nvSpPr>
+          <p:cNvPr id="2" name="Title 1"/>
+          <p:cNvSpPr>
+            <a:spLocks noGrp="1"/>
+          </p:cNvSpPr>
+          <p:nvPr>
+            <p:ph type="title"/>
+          </p:nvPr>
+        </p:nvSpPr>
+        <p:spPr/>
+        <p:txBody>
+          <a:bodyPr/>
+          <a:lstStyle/>
+          <a:p>
+            <a:r>
+              <a:rPr lang="en-US" dirty="0" smtClean="0"/>
+              <a:t>3 Workers Non-binary Tasks</a:t>
+            </a:r>
+            <a:endParaRPr lang="en-US" dirty="0"/>
+          </a:p>
+        </p:txBody>
+      </p:sp>
+      <p:sp>
+        <p:nvSpPr>
+          <p:cNvPr id="3" name="Content Placeholder 2"/>
+          <p:cNvSpPr>
+            <a:spLocks noGrp="1"/>
+          </p:cNvSpPr>
+          <p:nvPr>
+            <p:ph sz="quarter" idx="1"/>
+          </p:nvPr>
+        </p:nvSpPr>
+        <p:spPr/>
+        <p:txBody>
+          <a:bodyPr/>
+          <a:lstStyle/>
+          <a:p>
+            <a:r>
+              <a:rPr lang="en-US" dirty="0" smtClean="0"/>
+              <a:t>Confusion matrix, selectivity matrix</a:t>
+            </a:r>
+          </a:p>
+          <a:p>
+            <a:r>
+              <a:rPr lang="en-US" dirty="0" smtClean="0"/>
+              <a:t>Observation probabilities</a:t>
+            </a:r>
+          </a:p>
+          <a:p>
+            <a:r>
+              <a:rPr lang="en-US" dirty="0" smtClean="0"/>
+              <a:t>Comparison matrix</a:t>
+            </a:r>
+          </a:p>
+          <a:p>
+            <a:r>
+              <a:rPr lang="en-US" dirty="0" smtClean="0"/>
+              <a:t>Solving, unitary matrix, </a:t>
+            </a:r>
+            <a:r>
+              <a:rPr lang="en-US" dirty="0" err="1" smtClean="0"/>
+              <a:t>eigen</a:t>
+            </a:r>
+            <a:r>
+              <a:rPr lang="en-US" dirty="0" smtClean="0"/>
+              <a:t> solution</a:t>
+            </a:r>
+            <a:endParaRPr lang="en-US" dirty="0"/>
           </a:p>
         </p:txBody>
       </p:sp>
@@ -6452,6 +6895,13 @@
   <p:clrMapOvr>
     <a:masterClrMapping/>
   </p:clrMapOvr>
+  <p:timing>
+    <p:tnLst>
+      <p:par>
+        <p:cTn xmlns:p14="http://schemas.microsoft.com/office/powerpoint/2010/main" id="1" dur="indefinite" restart="never" nodeType="tmRoot"/>
+      </p:par>
+    </p:tnLst>
+  </p:timing>
 </p:sld>
 </file>
 

--- a/Presentation/WorkerEval.pptx
+++ b/Presentation/WorkerEval.pptx
@@ -11,8 +11,10 @@
     <p:sldId id="262" r:id="rId5"/>
     <p:sldId id="263" r:id="rId6"/>
     <p:sldId id="258" r:id="rId7"/>
-    <p:sldId id="259" r:id="rId8"/>
-    <p:sldId id="260" r:id="rId9"/>
+    <p:sldId id="264" r:id="rId8"/>
+    <p:sldId id="259" r:id="rId9"/>
+    <p:sldId id="260" r:id="rId10"/>
+    <p:sldId id="265" r:id="rId11"/>
   </p:sldIdLst>
   <p:sldSz cx="9144000" cy="6858000" type="screen4x3"/>
   <p:notesSz cx="6858000" cy="9144000"/>
@@ -6198,6 +6200,119 @@
 </p:sld>
 </file>
 
+<file path=ppt/slides/slide10.xml><?xml version="1.0" encoding="utf-8"?>
+<p:sld xmlns:a="http://schemas.openxmlformats.org/drawingml/2006/main" xmlns:r="http://schemas.openxmlformats.org/officeDocument/2006/relationships" xmlns:p="http://schemas.openxmlformats.org/presentationml/2006/main">
+  <p:cSld>
+    <p:spTree>
+      <p:nvGrpSpPr>
+        <p:cNvPr id="1" name=""/>
+        <p:cNvGrpSpPr/>
+        <p:nvPr/>
+      </p:nvGrpSpPr>
+      <p:grpSpPr>
+        <a:xfrm>
+          <a:off x="0" y="0"/>
+          <a:ext cx="0" cy="0"/>
+          <a:chOff x="0" y="0"/>
+          <a:chExt cx="0" cy="0"/>
+        </a:xfrm>
+      </p:grpSpPr>
+      <p:sp>
+        <p:nvSpPr>
+          <p:cNvPr id="2" name="Title 1"/>
+          <p:cNvSpPr>
+            <a:spLocks noGrp="1"/>
+          </p:cNvSpPr>
+          <p:nvPr>
+            <p:ph type="title"/>
+          </p:nvPr>
+        </p:nvSpPr>
+        <p:spPr/>
+        <p:txBody>
+          <a:bodyPr/>
+          <a:lstStyle/>
+          <a:p>
+            <a:r>
+              <a:rPr lang="en-US" dirty="0" smtClean="0"/>
+              <a:t>Results: Calibration</a:t>
+            </a:r>
+            <a:endParaRPr lang="en-US" dirty="0"/>
+          </a:p>
+        </p:txBody>
+      </p:sp>
+      <p:pic>
+        <p:nvPicPr>
+          <p:cNvPr id="5" name="Picture 4" descr="k_conf_acc.pdf"/>
+          <p:cNvPicPr>
+            <a:picLocks noChangeAspect="1"/>
+          </p:cNvPicPr>
+          <p:nvPr/>
+        </p:nvPicPr>
+        <p:blipFill>
+          <a:blip r:embed="rId2">
+            <a:extLst>
+              <a:ext uri="{28A0092B-C50C-407E-A947-70E740481C1C}">
+                <a14:useLocalDpi xmlns:a14="http://schemas.microsoft.com/office/drawing/2010/main" val="0"/>
+              </a:ext>
+            </a:extLst>
+          </a:blip>
+          <a:stretch>
+            <a:fillRect/>
+          </a:stretch>
+        </p:blipFill>
+        <p:spPr>
+          <a:xfrm>
+            <a:off x="4572000" y="1588490"/>
+            <a:ext cx="4572000" cy="2743200"/>
+          </a:xfrm>
+          <a:prstGeom prst="rect">
+            <a:avLst/>
+          </a:prstGeom>
+        </p:spPr>
+      </p:pic>
+      <p:pic>
+        <p:nvPicPr>
+          <p:cNvPr id="9" name="Content Placeholder 8" descr="k_conf_acc_real.pdf"/>
+          <p:cNvPicPr>
+            <a:picLocks noGrp="1" noChangeAspect="1"/>
+          </p:cNvPicPr>
+          <p:nvPr>
+            <p:ph sz="quarter" idx="1"/>
+          </p:nvPr>
+        </p:nvPicPr>
+        <p:blipFill>
+          <a:blip r:embed="rId3">
+            <a:extLst>
+              <a:ext uri="{28A0092B-C50C-407E-A947-70E740481C1C}">
+                <a14:useLocalDpi xmlns:a14="http://schemas.microsoft.com/office/drawing/2010/main" val="0"/>
+              </a:ext>
+            </a:extLst>
+          </a:blip>
+          <a:srcRect t="5199" b="5199"/>
+          <a:stretch>
+            <a:fillRect/>
+          </a:stretch>
+        </p:blipFill>
+        <p:spPr>
+          <a:xfrm>
+            <a:off x="0" y="1588490"/>
+            <a:ext cx="4572000" cy="2626450"/>
+          </a:xfrm>
+        </p:spPr>
+      </p:pic>
+    </p:spTree>
+    <p:extLst>
+      <p:ext uri="{BB962C8B-B14F-4D97-AF65-F5344CB8AC3E}">
+        <p14:creationId xmlns:p14="http://schemas.microsoft.com/office/powerpoint/2010/main" val="3251541435"/>
+      </p:ext>
+    </p:extLst>
+  </p:cSld>
+  <p:clrMapOvr>
+    <a:masterClrMapping/>
+  </p:clrMapOvr>
+</p:sld>
+</file>
+
 <file path=ppt/slides/slide2.xml><?xml version="1.0" encoding="utf-8"?>
 <p:sld xmlns:a="http://schemas.openxmlformats.org/drawingml/2006/main" xmlns:r="http://schemas.openxmlformats.org/officeDocument/2006/relationships" xmlns:p="http://schemas.openxmlformats.org/presentationml/2006/main">
   <p:cSld>
@@ -6359,6 +6474,15 @@
             </a:r>
           </a:p>
           <a:p>
+            <a:pPr marL="0" indent="0">
+              <a:buNone/>
+            </a:pPr>
+            <a:r>
+              <a:rPr lang="en-US" dirty="0" smtClean="0"/>
+              <a:t>&lt;Picture of crowd stick figures&gt;</a:t>
+            </a:r>
+          </a:p>
+          <a:p>
             <a:r>
               <a:rPr lang="en-US" dirty="0" smtClean="0"/>
               <a:t>Workers are often </a:t>
@@ -6373,7 +6497,6 @@
               <a:rPr lang="en-US" dirty="0" smtClean="0"/>
               <a:t> Need to assess quality</a:t>
             </a:r>
-            <a:endParaRPr lang="en-US" dirty="0"/>
           </a:p>
         </p:txBody>
       </p:sp>
@@ -6453,26 +6576,196 @@
           <a:p>
             <a:r>
               <a:rPr lang="en-US" dirty="0" smtClean="0"/>
-              <a:t>1/3 errors </a:t>
+              <a:t>Locally Optimum: EM</a:t>
+            </a:r>
+          </a:p>
+          <a:p>
+            <a:r>
+              <a:rPr lang="en-US" dirty="0" smtClean="0"/>
+              <a:t>Need for confidence intervals:       </a:t>
             </a:r>
             <a:r>
               <a:rPr lang="en-US" dirty="0" err="1" smtClean="0"/>
               <a:t>vs</a:t>
             </a:r>
-            <a:r>
-              <a:rPr lang="en-US" dirty="0" smtClean="0"/>
-              <a:t> 10/30 errors</a:t>
-            </a:r>
-          </a:p>
-          <a:p>
-            <a:r>
-              <a:rPr lang="en-US" dirty="0" smtClean="0"/>
-              <a:t>Locally Optimum: EM</a:t>
-            </a:r>
             <a:endParaRPr lang="en-US" dirty="0"/>
           </a:p>
-        </p:txBody>
-      </p:sp>
+          <a:p>
+            <a:endParaRPr lang="en-US" dirty="0"/>
+          </a:p>
+        </p:txBody>
+      </p:sp>
+      <p:graphicFrame>
+        <p:nvGraphicFramePr>
+          <p:cNvPr id="4" name="Object 3"/>
+          <p:cNvGraphicFramePr>
+            <a:graphicFrameLocks noChangeAspect="1"/>
+          </p:cNvGraphicFramePr>
+          <p:nvPr>
+            <p:extLst>
+              <p:ext uri="{D42A27DB-BD31-4B8C-83A1-F6EECF244321}">
+                <p14:modId xmlns:p14="http://schemas.microsoft.com/office/powerpoint/2010/main" val="2757370029"/>
+              </p:ext>
+            </p:extLst>
+          </p:nvPr>
+        </p:nvGraphicFramePr>
+        <p:xfrm>
+          <a:off x="4514850" y="3346450"/>
+          <a:ext cx="114300" cy="165100"/>
+        </p:xfrm>
+        <a:graphic>
+          <a:graphicData uri="http://schemas.openxmlformats.org/presentationml/2006/ole">
+            <mc:AlternateContent xmlns:mc="http://schemas.openxmlformats.org/markup-compatibility/2006">
+              <mc:Choice xmlns:v="urn:schemas-microsoft-com:vml" Requires="v">
+                <p:oleObj spid="_x0000_s1058" name="Equation" r:id="rId3" imgW="114300" imgH="165100" progId="Equation.3">
+                  <p:embed/>
+                </p:oleObj>
+              </mc:Choice>
+              <mc:Fallback>
+                <p:oleObj name="Equation" r:id="rId3" imgW="114300" imgH="165100" progId="Equation.3">
+                  <p:embed/>
+                  <p:pic>
+                    <p:nvPicPr>
+                      <p:cNvPr id="0" name=""/>
+                      <p:cNvPicPr/>
+                      <p:nvPr/>
+                    </p:nvPicPr>
+                    <p:blipFill>
+                      <a:blip r:embed="rId4"/>
+                      <a:stretch>
+                        <a:fillRect/>
+                      </a:stretch>
+                    </p:blipFill>
+                    <p:spPr>
+                      <a:xfrm>
+                        <a:off x="4514850" y="3346450"/>
+                        <a:ext cx="114300" cy="165100"/>
+                      </a:xfrm>
+                      <a:prstGeom prst="rect">
+                        <a:avLst/>
+                      </a:prstGeom>
+                    </p:spPr>
+                  </p:pic>
+                </p:oleObj>
+              </mc:Fallback>
+            </mc:AlternateContent>
+          </a:graphicData>
+        </a:graphic>
+      </p:graphicFrame>
+      <p:graphicFrame>
+        <p:nvGraphicFramePr>
+          <p:cNvPr id="5" name="Object 4"/>
+          <p:cNvGraphicFramePr>
+            <a:graphicFrameLocks noChangeAspect="1"/>
+          </p:cNvGraphicFramePr>
+          <p:nvPr>
+            <p:extLst>
+              <p:ext uri="{D42A27DB-BD31-4B8C-83A1-F6EECF244321}">
+                <p14:modId xmlns:p14="http://schemas.microsoft.com/office/powerpoint/2010/main" val="1664689667"/>
+              </p:ext>
+            </p:extLst>
+          </p:nvPr>
+        </p:nvGraphicFramePr>
+        <p:xfrm>
+          <a:off x="5335128" y="2453898"/>
+          <a:ext cx="277243" cy="604780"/>
+        </p:xfrm>
+        <a:graphic>
+          <a:graphicData uri="http://schemas.openxmlformats.org/presentationml/2006/ole">
+            <mc:AlternateContent xmlns:mc="http://schemas.openxmlformats.org/markup-compatibility/2006">
+              <mc:Choice xmlns:v="urn:schemas-microsoft-com:vml" Requires="v">
+                <p:oleObj spid="_x0000_s1059" name="Equation" r:id="rId5" imgW="139700" imgH="393700" progId="Equation.3">
+                  <p:embed/>
+                </p:oleObj>
+              </mc:Choice>
+              <mc:Fallback>
+                <p:oleObj name="Equation" r:id="rId5" imgW="139700" imgH="393700" progId="Equation.3">
+                  <p:embed/>
+                  <p:pic>
+                    <p:nvPicPr>
+                      <p:cNvPr id="0" name=""/>
+                      <p:cNvPicPr/>
+                      <p:nvPr/>
+                    </p:nvPicPr>
+                    <p:blipFill>
+                      <a:blip r:embed="rId6"/>
+                      <a:stretch>
+                        <a:fillRect/>
+                      </a:stretch>
+                    </p:blipFill>
+                    <p:spPr>
+                      <a:xfrm>
+                        <a:off x="5335128" y="2453898"/>
+                        <a:ext cx="277243" cy="604780"/>
+                      </a:xfrm>
+                      <a:prstGeom prst="rect">
+                        <a:avLst/>
+                      </a:prstGeom>
+                    </p:spPr>
+                  </p:pic>
+                </p:oleObj>
+              </mc:Fallback>
+            </mc:AlternateContent>
+          </a:graphicData>
+        </a:graphic>
+      </p:graphicFrame>
+      <p:graphicFrame>
+        <p:nvGraphicFramePr>
+          <p:cNvPr id="6" name="Object 5"/>
+          <p:cNvGraphicFramePr>
+            <a:graphicFrameLocks noChangeAspect="1"/>
+          </p:cNvGraphicFramePr>
+          <p:nvPr>
+            <p:extLst>
+              <p:ext uri="{D42A27DB-BD31-4B8C-83A1-F6EECF244321}">
+                <p14:modId xmlns:p14="http://schemas.microsoft.com/office/powerpoint/2010/main" val="1594547608"/>
+              </p:ext>
+            </p:extLst>
+          </p:nvPr>
+        </p:nvGraphicFramePr>
+        <p:xfrm>
+          <a:off x="6334125" y="2453840"/>
+          <a:ext cx="452611" cy="604838"/>
+        </p:xfrm>
+        <a:graphic>
+          <a:graphicData uri="http://schemas.openxmlformats.org/presentationml/2006/ole">
+            <mc:AlternateContent xmlns:mc="http://schemas.openxmlformats.org/markup-compatibility/2006">
+              <mc:Choice xmlns:v="urn:schemas-microsoft-com:vml" Requires="v">
+                <p:oleObj spid="_x0000_s1060" name="Equation" r:id="rId7" imgW="228600" imgH="393700" progId="Equation.3">
+                  <p:embed/>
+                </p:oleObj>
+              </mc:Choice>
+              <mc:Fallback>
+                <p:oleObj name="Equation" r:id="rId7" imgW="228600" imgH="393700" progId="Equation.3">
+                  <p:embed/>
+                  <p:pic>
+                    <p:nvPicPr>
+                      <p:cNvPr id="0" name=""/>
+                      <p:cNvPicPr/>
+                      <p:nvPr/>
+                    </p:nvPicPr>
+                    <p:blipFill>
+                      <a:blip r:embed="rId8"/>
+                      <a:stretch>
+                        <a:fillRect/>
+                      </a:stretch>
+                    </p:blipFill>
+                    <p:spPr>
+                      <a:xfrm>
+                        <a:off x="6334125" y="2453840"/>
+                        <a:ext cx="452611" cy="604838"/>
+                      </a:xfrm>
+                      <a:prstGeom prst="rect">
+                        <a:avLst/>
+                      </a:prstGeom>
+                    </p:spPr>
+                  </p:pic>
+                </p:oleObj>
+              </mc:Fallback>
+            </mc:AlternateContent>
+          </a:graphicData>
+        </a:graphic>
+      </p:graphicFrame>
     </p:spTree>
     <p:extLst>
       <p:ext uri="{BB962C8B-B14F-4D97-AF65-F5344CB8AC3E}">
@@ -6542,14 +6835,92 @@
           <a:lstStyle/>
           <a:p>
             <a:r>
+              <a:rPr lang="en-US" b="1" dirty="0" smtClean="0"/>
+              <a:t>m</a:t>
+            </a:r>
+            <a:r>
               <a:rPr lang="en-US" dirty="0" smtClean="0"/>
-              <a:t>Discrete tasks</a:t>
-            </a:r>
-          </a:p>
-          <a:p>
+              <a:t> tasks (t</a:t>
+            </a:r>
+            <a:r>
+              <a:rPr lang="en-US" baseline="-25000" dirty="0" smtClean="0"/>
+              <a:t>1</a:t>
+            </a:r>
             <a:r>
               <a:rPr lang="en-US" dirty="0" smtClean="0"/>
-              <a:t>Any number of workers</a:t>
+              <a:t>…t</a:t>
+            </a:r>
+            <a:r>
+              <a:rPr lang="en-US" baseline="-25000" dirty="0" smtClean="0"/>
+              <a:t>m</a:t>
+            </a:r>
+            <a:r>
+              <a:rPr lang="en-US" dirty="0" smtClean="0"/>
+              <a:t>) </a:t>
+            </a:r>
+          </a:p>
+          <a:p>
+            <a:r>
+              <a:rPr lang="en-US" b="1" dirty="0" smtClean="0"/>
+              <a:t>k</a:t>
+            </a:r>
+            <a:r>
+              <a:rPr lang="en-US" dirty="0" smtClean="0"/>
+              <a:t> responses (r</a:t>
+            </a:r>
+            <a:r>
+              <a:rPr lang="en-US" baseline="-25000" dirty="0" smtClean="0"/>
+              <a:t>1</a:t>
+            </a:r>
+            <a:r>
+              <a:rPr lang="en-US" dirty="0" smtClean="0"/>
+              <a:t>…</a:t>
+            </a:r>
+            <a:r>
+              <a:rPr lang="en-US" dirty="0" err="1" smtClean="0"/>
+              <a:t>r</a:t>
+            </a:r>
+            <a:r>
+              <a:rPr lang="en-US" baseline="-25000" dirty="0" err="1" smtClean="0"/>
+              <a:t>k</a:t>
+            </a:r>
+            <a:r>
+              <a:rPr lang="en-US" baseline="-25000" dirty="0" smtClean="0"/>
+              <a:t>)</a:t>
+            </a:r>
+          </a:p>
+          <a:p>
+            <a:r>
+              <a:rPr lang="en-US" b="1" dirty="0" smtClean="0"/>
+              <a:t>n</a:t>
+            </a:r>
+            <a:r>
+              <a:rPr lang="en-US" dirty="0" smtClean="0"/>
+              <a:t> workers (w</a:t>
+            </a:r>
+            <a:r>
+              <a:rPr lang="en-US" baseline="-25000" dirty="0" smtClean="0"/>
+              <a:t>1</a:t>
+            </a:r>
+            <a:r>
+              <a:rPr lang="en-US" dirty="0"/>
+              <a:t>.</a:t>
+            </a:r>
+            <a:r>
+              <a:rPr lang="en-US" dirty="0" smtClean="0"/>
+              <a:t>..</a:t>
+            </a:r>
+            <a:r>
+              <a:rPr lang="en-US" dirty="0" err="1" smtClean="0"/>
+              <a:t>w</a:t>
+            </a:r>
+            <a:r>
+              <a:rPr lang="en-US" baseline="-25000" dirty="0" err="1" smtClean="0"/>
+              <a:t>n</a:t>
+            </a:r>
+            <a:r>
+              <a:rPr lang="en-US" dirty="0" smtClean="0"/>
+              <a:t>)</a:t>
             </a:r>
             <a:endParaRPr lang="en-US" dirty="0"/>
           </a:p>
@@ -6564,9 +6935,70 @@
             </a:r>
           </a:p>
           <a:p>
+            <a:pPr lvl="1"/>
             <a:r>
               <a:rPr lang="en-US" dirty="0" smtClean="0"/>
-              <a:t>Accuracy model, Independence</a:t>
+              <a:t>A worker may not respond to every task</a:t>
+            </a:r>
+          </a:p>
+          <a:p>
+            <a:r>
+              <a:rPr lang="en-US" dirty="0" smtClean="0"/>
+              <a:t>Accuracy model</a:t>
+            </a:r>
+          </a:p>
+          <a:p>
+            <a:pPr lvl="1"/>
+            <a:r>
+              <a:rPr lang="en-US" dirty="0" smtClean="0"/>
+              <a:t>Worker </a:t>
+            </a:r>
+            <a:r>
+              <a:rPr lang="en-US" b="1" dirty="0" err="1" smtClean="0"/>
+              <a:t>w</a:t>
+            </a:r>
+            <a:r>
+              <a:rPr lang="en-US" b="1" baseline="-25000" dirty="0" err="1" smtClean="0"/>
+              <a:t>i</a:t>
+            </a:r>
+            <a:r>
+              <a:rPr lang="en-US" dirty="0" smtClean="0"/>
+              <a:t> has error rate </a:t>
+            </a:r>
+            <a:r>
+              <a:rPr lang="en-US" b="1" dirty="0" smtClean="0"/>
+              <a:t>p</a:t>
+            </a:r>
+            <a:r>
+              <a:rPr lang="en-US" b="1" baseline="-25000" dirty="0" smtClean="0"/>
+              <a:t>i</a:t>
+            </a:r>
+            <a:r>
+              <a:rPr lang="en-US" dirty="0" smtClean="0"/>
+              <a:t>, or confusion matrix </a:t>
+            </a:r>
+            <a:r>
+              <a:rPr lang="en-US" b="1" dirty="0" smtClean="0"/>
+              <a:t>P</a:t>
+            </a:r>
+            <a:r>
+              <a:rPr lang="en-US" b="1" baseline="-25000" dirty="0" smtClean="0"/>
+              <a:t>i</a:t>
+            </a:r>
+          </a:p>
+          <a:p>
+            <a:pPr lvl="1"/>
+            <a:r>
+              <a:rPr lang="en-US" dirty="0" smtClean="0"/>
+              <a:t>Worker response </a:t>
+            </a:r>
+            <a:r>
+              <a:rPr lang="en-US" b="1" dirty="0" smtClean="0"/>
+              <a:t>independent</a:t>
+            </a:r>
+            <a:r>
+              <a:rPr lang="en-US" dirty="0" smtClean="0"/>
+              <a:t> of each other, given true answer</a:t>
             </a:r>
             <a:endParaRPr lang="en-US" dirty="0"/>
           </a:p>
@@ -6619,7 +7051,7 @@
           <a:p>
             <a:r>
               <a:rPr lang="en-US" dirty="0" smtClean="0"/>
-              <a:t>The Simple Case: 3 workers</a:t>
+              <a:t>Warm-up: 3 workers, binary tasks</a:t>
             </a:r>
             <a:endParaRPr lang="en-US" dirty="0"/>
           </a:p>
@@ -6642,8 +7074,56 @@
           <a:p>
             <a:r>
               <a:rPr lang="en-US" dirty="0" smtClean="0"/>
-              <a:t>Compute agreement rates</a:t>
-            </a:r>
+              <a:t>Compute agreement rates (</a:t>
+            </a:r>
+            <a:r>
+              <a:rPr lang="en-US" dirty="0" err="1" smtClean="0"/>
+              <a:t>Q</a:t>
+            </a:r>
+            <a:r>
+              <a:rPr lang="en-US" baseline="-25000" dirty="0" err="1" smtClean="0"/>
+              <a:t>ij</a:t>
+            </a:r>
+            <a:r>
+              <a:rPr lang="en-US" dirty="0" smtClean="0"/>
+              <a:t> for worker </a:t>
+            </a:r>
+            <a:r>
+              <a:rPr lang="en-US" dirty="0" err="1" smtClean="0"/>
+              <a:t>w</a:t>
+            </a:r>
+            <a:r>
+              <a:rPr lang="en-US" baseline="-25000" dirty="0" err="1" smtClean="0"/>
+              <a:t>i</a:t>
+            </a:r>
+            <a:r>
+              <a:rPr lang="en-US" dirty="0" smtClean="0"/>
+              <a:t>, </a:t>
+            </a:r>
+            <a:r>
+              <a:rPr lang="en-US" dirty="0" err="1" smtClean="0"/>
+              <a:t>w</a:t>
+            </a:r>
+            <a:r>
+              <a:rPr lang="en-US" baseline="-25000" dirty="0" err="1" smtClean="0"/>
+              <a:t>j</a:t>
+            </a:r>
+            <a:r>
+              <a:rPr lang="en-US" dirty="0" smtClean="0"/>
+              <a:t>)</a:t>
+            </a:r>
+          </a:p>
+          <a:p>
+            <a:endParaRPr lang="en-US" dirty="0" smtClean="0"/>
+          </a:p>
+          <a:p>
+            <a:endParaRPr lang="en-US" dirty="0"/>
+          </a:p>
+          <a:p>
+            <a:endParaRPr lang="en-US" dirty="0" smtClean="0"/>
+          </a:p>
+          <a:p>
+            <a:endParaRPr lang="en-US" dirty="0" smtClean="0"/>
           </a:p>
           <a:p>
             <a:r>
@@ -6670,6 +7150,588 @@
             <a:endParaRPr lang="en-US" dirty="0" smtClean="0"/>
           </a:p>
           <a:p>
+            <a:endParaRPr lang="en-US" dirty="0"/>
+          </a:p>
+        </p:txBody>
+      </p:sp>
+      <p:graphicFrame>
+        <p:nvGraphicFramePr>
+          <p:cNvPr id="5" name="Table 4"/>
+          <p:cNvGraphicFramePr>
+            <a:graphicFrameLocks noGrp="1"/>
+          </p:cNvGraphicFramePr>
+          <p:nvPr>
+            <p:extLst>
+              <p:ext uri="{D42A27DB-BD31-4B8C-83A1-F6EECF244321}">
+                <p14:modId xmlns:p14="http://schemas.microsoft.com/office/powerpoint/2010/main" val="255962805"/>
+              </p:ext>
+            </p:extLst>
+          </p:nvPr>
+        </p:nvGraphicFramePr>
+        <p:xfrm>
+          <a:off x="636399" y="2171073"/>
+          <a:ext cx="3746988" cy="1679510"/>
+        </p:xfrm>
+        <a:graphic>
+          <a:graphicData uri="http://schemas.openxmlformats.org/drawingml/2006/table">
+            <a:tbl>
+              <a:tblPr firstRow="1" bandRow="1">
+                <a:tableStyleId>{5C22544A-7EE6-4342-B048-85BDC9FD1C3A}</a:tableStyleId>
+              </a:tblPr>
+              <a:tblGrid>
+                <a:gridCol w="624498"/>
+                <a:gridCol w="624498"/>
+                <a:gridCol w="624498"/>
+                <a:gridCol w="624498"/>
+                <a:gridCol w="624498"/>
+                <a:gridCol w="624498"/>
+              </a:tblGrid>
+              <a:tr h="335902">
+                <a:tc>
+                  <a:txBody>
+                    <a:bodyPr/>
+                    <a:lstStyle/>
+                    <a:p>
+                      <a:endParaRPr lang="en-US" sz="1500" dirty="0"/>
+                    </a:p>
+                  </a:txBody>
+                  <a:tcPr/>
+                </a:tc>
+                <a:tc>
+                  <a:txBody>
+                    <a:bodyPr/>
+                    <a:lstStyle/>
+                    <a:p>
+                      <a:r>
+                        <a:rPr lang="en-US" sz="1500" dirty="0" smtClean="0"/>
+                        <a:t>t</a:t>
+                      </a:r>
+                      <a:r>
+                        <a:rPr lang="en-US" sz="1500" baseline="-25000" dirty="0" smtClean="0"/>
+                        <a:t>1</a:t>
+                      </a:r>
+                      <a:endParaRPr lang="en-US" sz="1500" baseline="-25000" dirty="0"/>
+                    </a:p>
+                  </a:txBody>
+                  <a:tcPr/>
+                </a:tc>
+                <a:tc>
+                  <a:txBody>
+                    <a:bodyPr/>
+                    <a:lstStyle/>
+                    <a:p>
+                      <a:r>
+                        <a:rPr lang="en-US" sz="1500" dirty="0" smtClean="0"/>
+                        <a:t>t</a:t>
+                      </a:r>
+                      <a:r>
+                        <a:rPr lang="en-US" sz="1500" baseline="-25000" dirty="0" smtClean="0"/>
+                        <a:t>2</a:t>
+                      </a:r>
+                      <a:endParaRPr lang="en-US" sz="1500" baseline="-25000" dirty="0"/>
+                    </a:p>
+                  </a:txBody>
+                  <a:tcPr/>
+                </a:tc>
+                <a:tc>
+                  <a:txBody>
+                    <a:bodyPr/>
+                    <a:lstStyle/>
+                    <a:p>
+                      <a:r>
+                        <a:rPr lang="en-US" sz="1500" dirty="0" smtClean="0"/>
+                        <a:t>t</a:t>
+                      </a:r>
+                      <a:r>
+                        <a:rPr lang="en-US" sz="1500" baseline="-25000" dirty="0" smtClean="0"/>
+                        <a:t>3</a:t>
+                      </a:r>
+                      <a:endParaRPr lang="en-US" sz="1500" baseline="-25000" dirty="0"/>
+                    </a:p>
+                  </a:txBody>
+                  <a:tcPr/>
+                </a:tc>
+                <a:tc>
+                  <a:txBody>
+                    <a:bodyPr/>
+                    <a:lstStyle/>
+                    <a:p>
+                      <a:r>
+                        <a:rPr lang="en-US" sz="1500" dirty="0" smtClean="0"/>
+                        <a:t>t</a:t>
+                      </a:r>
+                      <a:r>
+                        <a:rPr lang="en-US" sz="1500" baseline="-25000" dirty="0" smtClean="0"/>
+                        <a:t>4</a:t>
+                      </a:r>
+                      <a:endParaRPr lang="en-US" sz="1500" baseline="-25000" dirty="0"/>
+                    </a:p>
+                  </a:txBody>
+                  <a:tcPr/>
+                </a:tc>
+                <a:tc>
+                  <a:txBody>
+                    <a:bodyPr/>
+                    <a:lstStyle/>
+                    <a:p>
+                      <a:r>
+                        <a:rPr lang="en-US" sz="1500" dirty="0" smtClean="0"/>
+                        <a:t>t</a:t>
+                      </a:r>
+                      <a:r>
+                        <a:rPr lang="en-US" sz="1500" baseline="-25000" dirty="0" smtClean="0"/>
+                        <a:t>5</a:t>
+                      </a:r>
+                      <a:endParaRPr lang="en-US" sz="1500" baseline="-25000" dirty="0"/>
+                    </a:p>
+                  </a:txBody>
+                  <a:tcPr/>
+                </a:tc>
+              </a:tr>
+              <a:tr h="335902">
+                <a:tc>
+                  <a:txBody>
+                    <a:bodyPr/>
+                    <a:lstStyle/>
+                    <a:p>
+                      <a:r>
+                        <a:rPr lang="en-US" sz="1500" dirty="0" smtClean="0"/>
+                        <a:t>w</a:t>
+                      </a:r>
+                      <a:r>
+                        <a:rPr lang="en-US" sz="1500" baseline="-25000" dirty="0" smtClean="0"/>
+                        <a:t>1</a:t>
+                      </a:r>
+                      <a:endParaRPr lang="en-US" sz="1500" baseline="-25000" dirty="0"/>
+                    </a:p>
+                  </a:txBody>
+                  <a:tcPr/>
+                </a:tc>
+                <a:tc>
+                  <a:txBody>
+                    <a:bodyPr/>
+                    <a:lstStyle/>
+                    <a:p>
+                      <a:r>
+                        <a:rPr lang="en-US" sz="1500" dirty="0" smtClean="0"/>
+                        <a:t>Y</a:t>
+                      </a:r>
+                      <a:endParaRPr lang="en-US" sz="1500" dirty="0"/>
+                    </a:p>
+                  </a:txBody>
+                  <a:tcPr/>
+                </a:tc>
+                <a:tc>
+                  <a:txBody>
+                    <a:bodyPr/>
+                    <a:lstStyle/>
+                    <a:p>
+                      <a:r>
+                        <a:rPr lang="en-US" sz="1500" dirty="0" smtClean="0"/>
+                        <a:t>Y</a:t>
+                      </a:r>
+                      <a:endParaRPr lang="en-US" sz="1500" dirty="0"/>
+                    </a:p>
+                  </a:txBody>
+                  <a:tcPr/>
+                </a:tc>
+                <a:tc>
+                  <a:txBody>
+                    <a:bodyPr/>
+                    <a:lstStyle/>
+                    <a:p>
+                      <a:r>
+                        <a:rPr lang="en-US" sz="1500" dirty="0" smtClean="0"/>
+                        <a:t>-</a:t>
+                      </a:r>
+                      <a:endParaRPr lang="en-US" sz="1500" dirty="0"/>
+                    </a:p>
+                  </a:txBody>
+                  <a:tcPr/>
+                </a:tc>
+                <a:tc>
+                  <a:txBody>
+                    <a:bodyPr/>
+                    <a:lstStyle/>
+                    <a:p>
+                      <a:r>
+                        <a:rPr lang="en-US" sz="1500" dirty="0" smtClean="0"/>
+                        <a:t>N</a:t>
+                      </a:r>
+                      <a:endParaRPr lang="en-US" sz="1500" dirty="0"/>
+                    </a:p>
+                  </a:txBody>
+                  <a:tcPr/>
+                </a:tc>
+                <a:tc>
+                  <a:txBody>
+                    <a:bodyPr/>
+                    <a:lstStyle/>
+                    <a:p>
+                      <a:r>
+                        <a:rPr lang="en-US" sz="1500" dirty="0" smtClean="0"/>
+                        <a:t>N</a:t>
+                      </a:r>
+                      <a:endParaRPr lang="en-US" sz="1500" dirty="0"/>
+                    </a:p>
+                  </a:txBody>
+                  <a:tcPr/>
+                </a:tc>
+              </a:tr>
+              <a:tr h="335902">
+                <a:tc>
+                  <a:txBody>
+                    <a:bodyPr/>
+                    <a:lstStyle/>
+                    <a:p>
+                      <a:r>
+                        <a:rPr lang="en-US" sz="1500" dirty="0" smtClean="0"/>
+                        <a:t>w</a:t>
+                      </a:r>
+                      <a:r>
+                        <a:rPr lang="en-US" sz="1500" baseline="-25000" dirty="0" smtClean="0"/>
+                        <a:t>2</a:t>
+                      </a:r>
+                      <a:endParaRPr lang="en-US" sz="1500" baseline="-25000" dirty="0"/>
+                    </a:p>
+                  </a:txBody>
+                  <a:tcPr/>
+                </a:tc>
+                <a:tc>
+                  <a:txBody>
+                    <a:bodyPr/>
+                    <a:lstStyle/>
+                    <a:p>
+                      <a:r>
+                        <a:rPr lang="en-US" sz="1500" dirty="0" smtClean="0"/>
+                        <a:t>N</a:t>
+                      </a:r>
+                      <a:endParaRPr lang="en-US" sz="1500" dirty="0"/>
+                    </a:p>
+                  </a:txBody>
+                  <a:tcPr/>
+                </a:tc>
+                <a:tc>
+                  <a:txBody>
+                    <a:bodyPr/>
+                    <a:lstStyle/>
+                    <a:p>
+                      <a:r>
+                        <a:rPr lang="en-US" sz="1500" dirty="0" smtClean="0"/>
+                        <a:t>-</a:t>
+                      </a:r>
+                      <a:endParaRPr lang="en-US" sz="1500" dirty="0"/>
+                    </a:p>
+                  </a:txBody>
+                  <a:tcPr/>
+                </a:tc>
+                <a:tc>
+                  <a:txBody>
+                    <a:bodyPr/>
+                    <a:lstStyle/>
+                    <a:p>
+                      <a:r>
+                        <a:rPr lang="en-US" sz="1500" dirty="0" smtClean="0"/>
+                        <a:t>Y</a:t>
+                      </a:r>
+                      <a:endParaRPr lang="en-US" sz="1500" dirty="0"/>
+                    </a:p>
+                  </a:txBody>
+                  <a:tcPr/>
+                </a:tc>
+                <a:tc>
+                  <a:txBody>
+                    <a:bodyPr/>
+                    <a:lstStyle/>
+                    <a:p>
+                      <a:r>
+                        <a:rPr lang="en-US" sz="1500" dirty="0" smtClean="0"/>
+                        <a:t>N</a:t>
+                      </a:r>
+                      <a:endParaRPr lang="en-US" sz="1500" dirty="0"/>
+                    </a:p>
+                  </a:txBody>
+                  <a:tcPr/>
+                </a:tc>
+                <a:tc>
+                  <a:txBody>
+                    <a:bodyPr/>
+                    <a:lstStyle/>
+                    <a:p>
+                      <a:r>
+                        <a:rPr lang="en-US" sz="1500" dirty="0" smtClean="0"/>
+                        <a:t>N</a:t>
+                      </a:r>
+                      <a:endParaRPr lang="en-US" sz="1500" dirty="0"/>
+                    </a:p>
+                  </a:txBody>
+                  <a:tcPr/>
+                </a:tc>
+              </a:tr>
+              <a:tr h="335902">
+                <a:tc>
+                  <a:txBody>
+                    <a:bodyPr/>
+                    <a:lstStyle/>
+                    <a:p>
+                      <a:r>
+                        <a:rPr lang="en-US" sz="1500" dirty="0" smtClean="0"/>
+                        <a:t>w</a:t>
+                      </a:r>
+                      <a:r>
+                        <a:rPr lang="en-US" sz="1500" baseline="-25000" dirty="0" smtClean="0"/>
+                        <a:t>3</a:t>
+                      </a:r>
+                      <a:endParaRPr lang="en-US" sz="1500" baseline="-25000" dirty="0"/>
+                    </a:p>
+                  </a:txBody>
+                  <a:tcPr/>
+                </a:tc>
+                <a:tc>
+                  <a:txBody>
+                    <a:bodyPr/>
+                    <a:lstStyle/>
+                    <a:p>
+                      <a:r>
+                        <a:rPr lang="en-US" sz="1500" dirty="0" smtClean="0"/>
+                        <a:t>-</a:t>
+                      </a:r>
+                      <a:endParaRPr lang="en-US" sz="1500" dirty="0"/>
+                    </a:p>
+                  </a:txBody>
+                  <a:tcPr/>
+                </a:tc>
+                <a:tc>
+                  <a:txBody>
+                    <a:bodyPr/>
+                    <a:lstStyle/>
+                    <a:p>
+                      <a:r>
+                        <a:rPr lang="en-US" sz="1500" dirty="0" smtClean="0"/>
+                        <a:t>Y</a:t>
+                      </a:r>
+                      <a:endParaRPr lang="en-US" sz="1500" dirty="0"/>
+                    </a:p>
+                  </a:txBody>
+                  <a:tcPr/>
+                </a:tc>
+                <a:tc>
+                  <a:txBody>
+                    <a:bodyPr/>
+                    <a:lstStyle/>
+                    <a:p>
+                      <a:r>
+                        <a:rPr lang="en-US" sz="1500" dirty="0" smtClean="0"/>
+                        <a:t>Y</a:t>
+                      </a:r>
+                      <a:endParaRPr lang="en-US" sz="1500" dirty="0"/>
+                    </a:p>
+                  </a:txBody>
+                  <a:tcPr/>
+                </a:tc>
+                <a:tc>
+                  <a:txBody>
+                    <a:bodyPr/>
+                    <a:lstStyle/>
+                    <a:p>
+                      <a:r>
+                        <a:rPr lang="en-US" sz="1500" dirty="0" smtClean="0"/>
+                        <a:t>N</a:t>
+                      </a:r>
+                      <a:endParaRPr lang="en-US" sz="1500" dirty="0"/>
+                    </a:p>
+                  </a:txBody>
+                  <a:tcPr/>
+                </a:tc>
+                <a:tc>
+                  <a:txBody>
+                    <a:bodyPr/>
+                    <a:lstStyle/>
+                    <a:p>
+                      <a:r>
+                        <a:rPr lang="en-US" sz="1500" dirty="0" smtClean="0"/>
+                        <a:t>Y</a:t>
+                      </a:r>
+                      <a:endParaRPr lang="en-US" sz="1500" dirty="0"/>
+                    </a:p>
+                  </a:txBody>
+                  <a:tcPr/>
+                </a:tc>
+              </a:tr>
+              <a:tr h="335902">
+                <a:tc>
+                  <a:txBody>
+                    <a:bodyPr/>
+                    <a:lstStyle/>
+                    <a:p>
+                      <a:r>
+                        <a:rPr lang="en-US" sz="1500" baseline="0" dirty="0" smtClean="0"/>
+                        <a:t>True</a:t>
+                      </a:r>
+                      <a:endParaRPr lang="en-US" sz="1500" baseline="-25000" dirty="0"/>
+                    </a:p>
+                  </a:txBody>
+                  <a:tcPr/>
+                </a:tc>
+                <a:tc>
+                  <a:txBody>
+                    <a:bodyPr/>
+                    <a:lstStyle/>
+                    <a:p>
+                      <a:r>
+                        <a:rPr lang="en-US" sz="1500" dirty="0" smtClean="0"/>
+                        <a:t>N</a:t>
+                      </a:r>
+                      <a:endParaRPr lang="en-US" sz="1500" dirty="0"/>
+                    </a:p>
+                  </a:txBody>
+                  <a:tcPr/>
+                </a:tc>
+                <a:tc>
+                  <a:txBody>
+                    <a:bodyPr/>
+                    <a:lstStyle/>
+                    <a:p>
+                      <a:r>
+                        <a:rPr lang="en-US" sz="1500" dirty="0" smtClean="0"/>
+                        <a:t>Y</a:t>
+                      </a:r>
+                      <a:endParaRPr lang="en-US" sz="1500" dirty="0"/>
+                    </a:p>
+                  </a:txBody>
+                  <a:tcPr/>
+                </a:tc>
+                <a:tc>
+                  <a:txBody>
+                    <a:bodyPr/>
+                    <a:lstStyle/>
+                    <a:p>
+                      <a:r>
+                        <a:rPr lang="en-US" sz="1500" dirty="0" smtClean="0"/>
+                        <a:t>Y</a:t>
+                      </a:r>
+                      <a:endParaRPr lang="en-US" sz="1500" dirty="0"/>
+                    </a:p>
+                  </a:txBody>
+                  <a:tcPr/>
+                </a:tc>
+                <a:tc>
+                  <a:txBody>
+                    <a:bodyPr/>
+                    <a:lstStyle/>
+                    <a:p>
+                      <a:r>
+                        <a:rPr lang="en-US" sz="1500" dirty="0" smtClean="0"/>
+                        <a:t>N</a:t>
+                      </a:r>
+                      <a:endParaRPr lang="en-US" sz="1500" dirty="0"/>
+                    </a:p>
+                  </a:txBody>
+                  <a:tcPr/>
+                </a:tc>
+                <a:tc>
+                  <a:txBody>
+                    <a:bodyPr/>
+                    <a:lstStyle/>
+                    <a:p>
+                      <a:r>
+                        <a:rPr lang="en-US" sz="1500" dirty="0" smtClean="0"/>
+                        <a:t>N</a:t>
+                      </a:r>
+                      <a:endParaRPr lang="en-US" sz="1500" dirty="0"/>
+                    </a:p>
+                  </a:txBody>
+                  <a:tcPr/>
+                </a:tc>
+              </a:tr>
+            </a:tbl>
+          </a:graphicData>
+        </a:graphic>
+      </p:graphicFrame>
+      <p:sp>
+        <p:nvSpPr>
+          <p:cNvPr id="6" name="Right Brace 5"/>
+          <p:cNvSpPr/>
+          <p:nvPr/>
+        </p:nvSpPr>
+        <p:spPr>
+          <a:xfrm>
+            <a:off x="4383388" y="2621674"/>
+            <a:ext cx="409660" cy="464255"/>
+          </a:xfrm>
+          <a:prstGeom prst="rightBrace">
+            <a:avLst/>
+          </a:prstGeom>
+        </p:spPr>
+        <p:style>
+          <a:lnRef idx="2">
+            <a:schemeClr val="accent1"/>
+          </a:lnRef>
+          <a:fillRef idx="0">
+            <a:schemeClr val="accent1"/>
+          </a:fillRef>
+          <a:effectRef idx="1">
+            <a:schemeClr val="accent1"/>
+          </a:effectRef>
+          <a:fontRef idx="minor">
+            <a:schemeClr val="tx1"/>
+          </a:fontRef>
+        </p:style>
+        <p:txBody>
+          <a:bodyPr rtlCol="0" anchor="ctr"/>
+          <a:lstStyle/>
+          <a:p>
+            <a:pPr algn="ctr"/>
+            <a:endParaRPr lang="en-US"/>
+          </a:p>
+        </p:txBody>
+      </p:sp>
+      <p:sp>
+        <p:nvSpPr>
+          <p:cNvPr id="7" name="Rounded Rectangle 6"/>
+          <p:cNvSpPr/>
+          <p:nvPr/>
+        </p:nvSpPr>
+        <p:spPr>
+          <a:xfrm>
+            <a:off x="4793048" y="2621674"/>
+            <a:ext cx="2813012" cy="464255"/>
+          </a:xfrm>
+          <a:prstGeom prst="roundRect">
+            <a:avLst/>
+          </a:prstGeom>
+        </p:spPr>
+        <p:style>
+          <a:lnRef idx="1">
+            <a:schemeClr val="accent1"/>
+          </a:lnRef>
+          <a:fillRef idx="3">
+            <a:schemeClr val="accent1"/>
+          </a:fillRef>
+          <a:effectRef idx="2">
+            <a:schemeClr val="accent1"/>
+          </a:effectRef>
+          <a:fontRef idx="minor">
+            <a:schemeClr val="lt1"/>
+          </a:fontRef>
+        </p:style>
+        <p:txBody>
+          <a:bodyPr rtlCol="0" anchor="ctr"/>
+          <a:lstStyle/>
+          <a:p>
+            <a:pPr algn="ctr"/>
+            <a:r>
+              <a:rPr lang="en-US" dirty="0" smtClean="0"/>
+              <a:t>E[Q</a:t>
+            </a:r>
+            <a:r>
+              <a:rPr lang="en-US" baseline="-25000" dirty="0" smtClean="0"/>
+              <a:t>12</a:t>
+            </a:r>
+            <a:r>
+              <a:rPr lang="en-US" dirty="0" smtClean="0"/>
+              <a:t>] = 2/3</a:t>
+            </a:r>
             <a:endParaRPr lang="en-US" dirty="0"/>
           </a:p>
         </p:txBody>
@@ -6720,6 +7782,77 @@
           <a:lstStyle/>
           <a:p>
             <a:r>
+              <a:rPr lang="en-US" dirty="0"/>
+              <a:t>Warm-up: 3 workers, binary tasks</a:t>
+            </a:r>
+          </a:p>
+        </p:txBody>
+      </p:sp>
+      <p:sp>
+        <p:nvSpPr>
+          <p:cNvPr id="3" name="Content Placeholder 2"/>
+          <p:cNvSpPr>
+            <a:spLocks noGrp="1"/>
+          </p:cNvSpPr>
+          <p:nvPr>
+            <p:ph sz="quarter" idx="1"/>
+          </p:nvPr>
+        </p:nvSpPr>
+        <p:spPr/>
+        <p:txBody>
+          <a:bodyPr/>
+          <a:lstStyle/>
+          <a:p>
+            <a:endParaRPr lang="en-US" dirty="0"/>
+          </a:p>
+        </p:txBody>
+      </p:sp>
+    </p:spTree>
+    <p:extLst>
+      <p:ext uri="{BB962C8B-B14F-4D97-AF65-F5344CB8AC3E}">
+        <p14:creationId xmlns:p14="http://schemas.microsoft.com/office/powerpoint/2010/main" val="775948302"/>
+      </p:ext>
+    </p:extLst>
+  </p:cSld>
+  <p:clrMapOvr>
+    <a:masterClrMapping/>
+  </p:clrMapOvr>
+</p:sld>
+</file>
+
+<file path=ppt/slides/slide8.xml><?xml version="1.0" encoding="utf-8"?>
+<p:sld xmlns:a="http://schemas.openxmlformats.org/drawingml/2006/main" xmlns:r="http://schemas.openxmlformats.org/officeDocument/2006/relationships" xmlns:p="http://schemas.openxmlformats.org/presentationml/2006/main">
+  <p:cSld>
+    <p:spTree>
+      <p:nvGrpSpPr>
+        <p:cNvPr id="1" name=""/>
+        <p:cNvGrpSpPr/>
+        <p:nvPr/>
+      </p:nvGrpSpPr>
+      <p:grpSpPr>
+        <a:xfrm>
+          <a:off x="0" y="0"/>
+          <a:ext cx="0" cy="0"/>
+          <a:chOff x="0" y="0"/>
+          <a:chExt cx="0" cy="0"/>
+        </a:xfrm>
+      </p:grpSpPr>
+      <p:sp>
+        <p:nvSpPr>
+          <p:cNvPr id="2" name="Title 1"/>
+          <p:cNvSpPr>
+            <a:spLocks noGrp="1"/>
+          </p:cNvSpPr>
+          <p:nvPr>
+            <p:ph type="title"/>
+          </p:nvPr>
+        </p:nvSpPr>
+        <p:spPr/>
+        <p:txBody>
+          <a:bodyPr/>
+          <a:lstStyle/>
+          <a:p>
+            <a:r>
               <a:rPr lang="en-US" dirty="0" smtClean="0"/>
               <a:t>Generalizing to many workers</a:t>
             </a:r>
@@ -6796,7 +7929,7 @@
 </p:sld>
 </file>
 
-<file path=ppt/slides/slide8.xml><?xml version="1.0" encoding="utf-8"?>
+<file path=ppt/slides/slide9.xml><?xml version="1.0" encoding="utf-8"?>
 <p:sld xmlns:a="http://schemas.openxmlformats.org/drawingml/2006/main" xmlns:r="http://schemas.openxmlformats.org/officeDocument/2006/relationships" xmlns:p="http://schemas.openxmlformats.org/presentationml/2006/main">
   <p:cSld>
     <p:spTree>

--- a/Presentation/WorkerEval.pptx
+++ b/Presentation/WorkerEval.pptx
@@ -14,7 +14,9 @@
     <p:sldId id="264" r:id="rId8"/>
     <p:sldId id="259" r:id="rId9"/>
     <p:sldId id="260" r:id="rId10"/>
-    <p:sldId id="265" r:id="rId11"/>
+    <p:sldId id="266" r:id="rId11"/>
+    <p:sldId id="267" r:id="rId12"/>
+    <p:sldId id="265" r:id="rId13"/>
   </p:sldIdLst>
   <p:sldSz cx="9144000" cy="6858000" type="screen4x3"/>
   <p:notesSz cx="6858000" cy="9144000"/>
@@ -114,6 +116,8278 @@
     </a:lvl9pPr>
   </p:defaultTextStyle>
 </p:presentation>
+</file>
+
+<file path=ppt/diagrams/colors1.xml><?xml version="1.0" encoding="utf-8"?>
+<dgm:colorsDef xmlns:dgm="http://schemas.openxmlformats.org/drawingml/2006/diagram" xmlns:a="http://schemas.openxmlformats.org/drawingml/2006/main" uniqueId="urn:microsoft.com/office/officeart/2005/8/colors/accent3_5">
+  <dgm:title val=""/>
+  <dgm:desc val=""/>
+  <dgm:catLst>
+    <dgm:cat type="accent3" pri="11500"/>
+  </dgm:catLst>
+  <dgm:styleLbl name="node0">
+    <dgm:fillClrLst meth="cycle">
+      <a:schemeClr val="accent3">
+        <a:alpha val="80000"/>
+      </a:schemeClr>
+    </dgm:fillClrLst>
+    <dgm:linClrLst meth="repeat">
+      <a:schemeClr val="lt1"/>
+    </dgm:linClrLst>
+    <dgm:effectClrLst/>
+    <dgm:txLinClrLst/>
+    <dgm:txFillClrLst/>
+    <dgm:txEffectClrLst/>
+  </dgm:styleLbl>
+  <dgm:styleLbl name="node1">
+    <dgm:fillClrLst>
+      <a:schemeClr val="accent3">
+        <a:alpha val="90000"/>
+      </a:schemeClr>
+      <a:schemeClr val="accent3">
+        <a:alpha val="50000"/>
+      </a:schemeClr>
+    </dgm:fillClrLst>
+    <dgm:linClrLst meth="repeat">
+      <a:schemeClr val="lt1"/>
+    </dgm:linClrLst>
+    <dgm:effectClrLst/>
+    <dgm:txLinClrLst/>
+    <dgm:txFillClrLst/>
+    <dgm:txEffectClrLst/>
+  </dgm:styleLbl>
+  <dgm:styleLbl name="alignNode1">
+    <dgm:fillClrLst>
+      <a:schemeClr val="accent3">
+        <a:alpha val="90000"/>
+      </a:schemeClr>
+      <a:schemeClr val="accent3">
+        <a:alpha val="50000"/>
+      </a:schemeClr>
+    </dgm:fillClrLst>
+    <dgm:linClrLst>
+      <a:schemeClr val="accent3">
+        <a:alpha val="90000"/>
+      </a:schemeClr>
+      <a:schemeClr val="accent3">
+        <a:alpha val="50000"/>
+      </a:schemeClr>
+    </dgm:linClrLst>
+    <dgm:effectClrLst/>
+    <dgm:txLinClrLst/>
+    <dgm:txFillClrLst/>
+    <dgm:txEffectClrLst/>
+  </dgm:styleLbl>
+  <dgm:styleLbl name="lnNode1">
+    <dgm:fillClrLst>
+      <a:schemeClr val="accent3">
+        <a:shade val="90000"/>
+      </a:schemeClr>
+      <a:schemeClr val="accent3">
+        <a:alpha val="50000"/>
+        <a:tint val="50000"/>
+      </a:schemeClr>
+    </dgm:fillClrLst>
+    <dgm:linClrLst meth="repeat">
+      <a:schemeClr val="lt1"/>
+    </dgm:linClrLst>
+    <dgm:effectClrLst/>
+    <dgm:txLinClrLst/>
+    <dgm:txFillClrLst/>
+    <dgm:txEffectClrLst/>
+  </dgm:styleLbl>
+  <dgm:styleLbl name="vennNode1">
+    <dgm:fillClrLst>
+      <a:schemeClr val="accent3">
+        <a:shade val="80000"/>
+        <a:alpha val="50000"/>
+      </a:schemeClr>
+      <a:schemeClr val="accent3">
+        <a:alpha val="80000"/>
+      </a:schemeClr>
+    </dgm:fillClrLst>
+    <dgm:linClrLst meth="repeat">
+      <a:schemeClr val="lt1"/>
+    </dgm:linClrLst>
+    <dgm:effectClrLst/>
+    <dgm:txLinClrLst/>
+    <dgm:txFillClrLst/>
+    <dgm:txEffectClrLst/>
+  </dgm:styleLbl>
+  <dgm:styleLbl name="node2">
+    <dgm:fillClrLst>
+      <a:schemeClr val="accent3">
+        <a:alpha val="70000"/>
+      </a:schemeClr>
+    </dgm:fillClrLst>
+    <dgm:linClrLst meth="repeat">
+      <a:schemeClr val="lt1"/>
+    </dgm:linClrLst>
+    <dgm:effectClrLst/>
+    <dgm:txLinClrLst/>
+    <dgm:txFillClrLst/>
+    <dgm:txEffectClrLst/>
+  </dgm:styleLbl>
+  <dgm:styleLbl name="node3">
+    <dgm:fillClrLst>
+      <a:schemeClr val="accent3">
+        <a:alpha val="50000"/>
+      </a:schemeClr>
+    </dgm:fillClrLst>
+    <dgm:linClrLst meth="repeat">
+      <a:schemeClr val="lt1"/>
+    </dgm:linClrLst>
+    <dgm:effectClrLst/>
+    <dgm:txLinClrLst/>
+    <dgm:txFillClrLst/>
+    <dgm:txEffectClrLst/>
+  </dgm:styleLbl>
+  <dgm:styleLbl name="node4">
+    <dgm:fillClrLst>
+      <a:schemeClr val="accent3">
+        <a:alpha val="30000"/>
+      </a:schemeClr>
+    </dgm:fillClrLst>
+    <dgm:linClrLst meth="repeat">
+      <a:schemeClr val="lt1"/>
+    </dgm:linClrLst>
+    <dgm:effectClrLst/>
+    <dgm:txLinClrLst/>
+    <dgm:txFillClrLst/>
+    <dgm:txEffectClrLst/>
+  </dgm:styleLbl>
+  <dgm:styleLbl name="fgImgPlace1">
+    <dgm:fillClrLst>
+      <a:schemeClr val="accent3">
+        <a:tint val="50000"/>
+        <a:alpha val="90000"/>
+      </a:schemeClr>
+      <a:schemeClr val="accent3">
+        <a:tint val="20000"/>
+        <a:alpha val="50000"/>
+      </a:schemeClr>
+    </dgm:fillClrLst>
+    <dgm:linClrLst meth="repeat">
+      <a:schemeClr val="lt1"/>
+    </dgm:linClrLst>
+    <dgm:effectClrLst/>
+    <dgm:txLinClrLst/>
+    <dgm:txFillClrLst meth="repeat">
+      <a:schemeClr val="lt1"/>
+    </dgm:txFillClrLst>
+    <dgm:txEffectClrLst/>
+  </dgm:styleLbl>
+  <dgm:styleLbl name="alignImgPlace1">
+    <dgm:fillClrLst>
+      <a:schemeClr val="accent3">
+        <a:tint val="50000"/>
+      </a:schemeClr>
+      <a:schemeClr val="accent3">
+        <a:tint val="20000"/>
+      </a:schemeClr>
+    </dgm:fillClrLst>
+    <dgm:linClrLst meth="repeat">
+      <a:schemeClr val="lt1"/>
+    </dgm:linClrLst>
+    <dgm:effectClrLst/>
+    <dgm:txLinClrLst/>
+    <dgm:txFillClrLst meth="repeat">
+      <a:schemeClr val="lt1"/>
+    </dgm:txFillClrLst>
+    <dgm:txEffectClrLst/>
+  </dgm:styleLbl>
+  <dgm:styleLbl name="bgImgPlace1">
+    <dgm:fillClrLst>
+      <a:schemeClr val="accent3">
+        <a:tint val="50000"/>
+      </a:schemeClr>
+      <a:schemeClr val="accent3">
+        <a:tint val="20000"/>
+      </a:schemeClr>
+    </dgm:fillClrLst>
+    <dgm:linClrLst meth="repeat">
+      <a:schemeClr val="lt1"/>
+    </dgm:linClrLst>
+    <dgm:effectClrLst/>
+    <dgm:txLinClrLst/>
+    <dgm:txFillClrLst meth="repeat">
+      <a:schemeClr val="lt1"/>
+    </dgm:txFillClrLst>
+    <dgm:txEffectClrLst/>
+  </dgm:styleLbl>
+  <dgm:styleLbl name="sibTrans2D1">
+    <dgm:fillClrLst>
+      <a:schemeClr val="accent3">
+        <a:shade val="90000"/>
+      </a:schemeClr>
+      <a:schemeClr val="accent3">
+        <a:tint val="50000"/>
+      </a:schemeClr>
+    </dgm:fillClrLst>
+    <dgm:linClrLst>
+      <a:schemeClr val="accent3">
+        <a:shade val="90000"/>
+      </a:schemeClr>
+      <a:schemeClr val="accent3">
+        <a:tint val="50000"/>
+      </a:schemeClr>
+    </dgm:linClrLst>
+    <dgm:effectClrLst/>
+    <dgm:txLinClrLst/>
+    <dgm:txFillClrLst/>
+    <dgm:txEffectClrLst/>
+  </dgm:styleLbl>
+  <dgm:styleLbl name="fgSibTrans2D1">
+    <dgm:fillClrLst>
+      <a:schemeClr val="accent3">
+        <a:shade val="90000"/>
+      </a:schemeClr>
+      <a:schemeClr val="accent3">
+        <a:tint val="50000"/>
+      </a:schemeClr>
+    </dgm:fillClrLst>
+    <dgm:linClrLst>
+      <a:schemeClr val="accent3">
+        <a:shade val="90000"/>
+      </a:schemeClr>
+      <a:schemeClr val="accent3">
+        <a:tint val="50000"/>
+      </a:schemeClr>
+    </dgm:linClrLst>
+    <dgm:effectClrLst/>
+    <dgm:txLinClrLst/>
+    <dgm:txFillClrLst/>
+    <dgm:txEffectClrLst/>
+  </dgm:styleLbl>
+  <dgm:styleLbl name="bgSibTrans2D1">
+    <dgm:fillClrLst>
+      <a:schemeClr val="accent3">
+        <a:shade val="90000"/>
+      </a:schemeClr>
+      <a:schemeClr val="accent3">
+        <a:tint val="50000"/>
+      </a:schemeClr>
+    </dgm:fillClrLst>
+    <dgm:linClrLst>
+      <a:schemeClr val="accent3">
+        <a:shade val="90000"/>
+      </a:schemeClr>
+      <a:schemeClr val="accent3">
+        <a:tint val="50000"/>
+      </a:schemeClr>
+    </dgm:linClrLst>
+    <dgm:effectClrLst/>
+    <dgm:txLinClrLst/>
+    <dgm:txFillClrLst/>
+    <dgm:txEffectClrLst/>
+  </dgm:styleLbl>
+  <dgm:styleLbl name="sibTrans1D1">
+    <dgm:fillClrLst>
+      <a:schemeClr val="accent3">
+        <a:shade val="90000"/>
+      </a:schemeClr>
+      <a:schemeClr val="accent3">
+        <a:tint val="50000"/>
+      </a:schemeClr>
+    </dgm:fillClrLst>
+    <dgm:linClrLst>
+      <a:schemeClr val="accent3">
+        <a:shade val="90000"/>
+      </a:schemeClr>
+      <a:schemeClr val="accent3">
+        <a:tint val="50000"/>
+      </a:schemeClr>
+    </dgm:linClrLst>
+    <dgm:effectClrLst/>
+    <dgm:txLinClrLst/>
+    <dgm:txFillClrLst meth="repeat">
+      <a:schemeClr val="tx1"/>
+    </dgm:txFillClrLst>
+    <dgm:txEffectClrLst/>
+  </dgm:styleLbl>
+  <dgm:styleLbl name="callout">
+    <dgm:fillClrLst meth="repeat">
+      <a:schemeClr val="accent3"/>
+    </dgm:fillClrLst>
+    <dgm:linClrLst meth="repeat">
+      <a:schemeClr val="accent3"/>
+    </dgm:linClrLst>
+    <dgm:effectClrLst/>
+    <dgm:txLinClrLst/>
+    <dgm:txFillClrLst meth="repeat">
+      <a:schemeClr val="tx1"/>
+    </dgm:txFillClrLst>
+    <dgm:txEffectClrLst/>
+  </dgm:styleLbl>
+  <dgm:styleLbl name="asst0">
+    <dgm:fillClrLst meth="repeat">
+      <a:schemeClr val="accent3">
+        <a:alpha val="90000"/>
+      </a:schemeClr>
+    </dgm:fillClrLst>
+    <dgm:linClrLst meth="repeat">
+      <a:schemeClr val="lt1"/>
+    </dgm:linClrLst>
+    <dgm:effectClrLst/>
+    <dgm:txLinClrLst/>
+    <dgm:txFillClrLst/>
+    <dgm:txEffectClrLst/>
+  </dgm:styleLbl>
+  <dgm:styleLbl name="asst1">
+    <dgm:fillClrLst meth="repeat">
+      <a:schemeClr val="accent3">
+        <a:alpha val="90000"/>
+      </a:schemeClr>
+    </dgm:fillClrLst>
+    <dgm:linClrLst meth="repeat">
+      <a:schemeClr val="lt1"/>
+    </dgm:linClrLst>
+    <dgm:effectClrLst/>
+    <dgm:txLinClrLst/>
+    <dgm:txFillClrLst/>
+    <dgm:txEffectClrLst/>
+  </dgm:styleLbl>
+  <dgm:styleLbl name="asst2">
+    <dgm:fillClrLst>
+      <a:schemeClr val="accent3">
+        <a:alpha val="90000"/>
+      </a:schemeClr>
+    </dgm:fillClrLst>
+    <dgm:linClrLst meth="repeat">
+      <a:schemeClr val="lt1"/>
+    </dgm:linClrLst>
+    <dgm:effectClrLst/>
+    <dgm:txLinClrLst/>
+    <dgm:txFillClrLst/>
+    <dgm:txEffectClrLst/>
+  </dgm:styleLbl>
+  <dgm:styleLbl name="asst3">
+    <dgm:fillClrLst>
+      <a:schemeClr val="accent3">
+        <a:alpha val="70000"/>
+      </a:schemeClr>
+    </dgm:fillClrLst>
+    <dgm:linClrLst meth="repeat">
+      <a:schemeClr val="lt1"/>
+    </dgm:linClrLst>
+    <dgm:effectClrLst/>
+    <dgm:txLinClrLst/>
+    <dgm:txFillClrLst/>
+    <dgm:txEffectClrLst/>
+  </dgm:styleLbl>
+  <dgm:styleLbl name="asst4">
+    <dgm:fillClrLst>
+      <a:schemeClr val="accent3">
+        <a:alpha val="50000"/>
+      </a:schemeClr>
+    </dgm:fillClrLst>
+    <dgm:linClrLst meth="repeat">
+      <a:schemeClr val="lt1"/>
+    </dgm:linClrLst>
+    <dgm:effectClrLst/>
+    <dgm:txLinClrLst/>
+    <dgm:txFillClrLst/>
+    <dgm:txEffectClrLst/>
+  </dgm:styleLbl>
+  <dgm:styleLbl name="parChTrans2D1">
+    <dgm:fillClrLst meth="repeat">
+      <a:schemeClr val="accent3">
+        <a:shade val="80000"/>
+      </a:schemeClr>
+    </dgm:fillClrLst>
+    <dgm:linClrLst meth="repeat">
+      <a:schemeClr val="accent3">
+        <a:shade val="80000"/>
+      </a:schemeClr>
+    </dgm:linClrLst>
+    <dgm:effectClrLst/>
+    <dgm:txLinClrLst/>
+    <dgm:txFillClrLst/>
+    <dgm:txEffectClrLst/>
+  </dgm:styleLbl>
+  <dgm:styleLbl name="parChTrans2D2">
+    <dgm:fillClrLst meth="repeat">
+      <a:schemeClr val="accent3">
+        <a:tint val="90000"/>
+      </a:schemeClr>
+    </dgm:fillClrLst>
+    <dgm:linClrLst meth="repeat">
+      <a:schemeClr val="accent3">
+        <a:tint val="90000"/>
+      </a:schemeClr>
+    </dgm:linClrLst>
+    <dgm:effectClrLst/>
+    <dgm:txLinClrLst/>
+    <dgm:txFillClrLst/>
+    <dgm:txEffectClrLst/>
+  </dgm:styleLbl>
+  <dgm:styleLbl name="parChTrans2D3">
+    <dgm:fillClrLst meth="repeat">
+      <a:schemeClr val="accent3">
+        <a:tint val="70000"/>
+      </a:schemeClr>
+    </dgm:fillClrLst>
+    <dgm:linClrLst meth="repeat">
+      <a:schemeClr val="accent3">
+        <a:tint val="70000"/>
+      </a:schemeClr>
+    </dgm:linClrLst>
+    <dgm:effectClrLst/>
+    <dgm:txLinClrLst/>
+    <dgm:txFillClrLst/>
+    <dgm:txEffectClrLst/>
+  </dgm:styleLbl>
+  <dgm:styleLbl name="parChTrans2D4">
+    <dgm:fillClrLst meth="repeat">
+      <a:schemeClr val="accent3">
+        <a:tint val="50000"/>
+      </a:schemeClr>
+    </dgm:fillClrLst>
+    <dgm:linClrLst meth="repeat">
+      <a:schemeClr val="accent3">
+        <a:tint val="50000"/>
+      </a:schemeClr>
+    </dgm:linClrLst>
+    <dgm:effectClrLst/>
+    <dgm:txLinClrLst/>
+    <dgm:txFillClrLst meth="repeat">
+      <a:schemeClr val="dk1"/>
+    </dgm:txFillClrLst>
+    <dgm:txEffectClrLst/>
+  </dgm:styleLbl>
+  <dgm:styleLbl name="parChTrans1D1">
+    <dgm:fillClrLst meth="repeat">
+      <a:schemeClr val="accent3">
+        <a:shade val="80000"/>
+      </a:schemeClr>
+    </dgm:fillClrLst>
+    <dgm:linClrLst meth="repeat">
+      <a:schemeClr val="accent3">
+        <a:shade val="80000"/>
+      </a:schemeClr>
+    </dgm:linClrLst>
+    <dgm:effectClrLst/>
+    <dgm:txLinClrLst/>
+    <dgm:txFillClrLst meth="repeat">
+      <a:schemeClr val="tx1"/>
+    </dgm:txFillClrLst>
+    <dgm:txEffectClrLst/>
+  </dgm:styleLbl>
+  <dgm:styleLbl name="parChTrans1D2">
+    <dgm:fillClrLst meth="repeat">
+      <a:schemeClr val="accent3">
+        <a:tint val="90000"/>
+      </a:schemeClr>
+    </dgm:fillClrLst>
+    <dgm:linClrLst meth="repeat">
+      <a:schemeClr val="accent3">
+        <a:tint val="90000"/>
+      </a:schemeClr>
+    </dgm:linClrLst>
+    <dgm:effectClrLst/>
+    <dgm:txLinClrLst/>
+    <dgm:txFillClrLst meth="repeat">
+      <a:schemeClr val="tx1"/>
+    </dgm:txFillClrLst>
+    <dgm:txEffectClrLst/>
+  </dgm:styleLbl>
+  <dgm:styleLbl name="parChTrans1D3">
+    <dgm:fillClrLst meth="repeat">
+      <a:schemeClr val="accent3">
+        <a:tint val="70000"/>
+      </a:schemeClr>
+    </dgm:fillClrLst>
+    <dgm:linClrLst meth="repeat">
+      <a:schemeClr val="accent3">
+        <a:tint val="70000"/>
+      </a:schemeClr>
+    </dgm:linClrLst>
+    <dgm:effectClrLst/>
+    <dgm:txLinClrLst/>
+    <dgm:txFillClrLst meth="repeat">
+      <a:schemeClr val="tx1"/>
+    </dgm:txFillClrLst>
+    <dgm:txEffectClrLst/>
+  </dgm:styleLbl>
+  <dgm:styleLbl name="parChTrans1D4">
+    <dgm:fillClrLst meth="repeat">
+      <a:schemeClr val="accent3">
+        <a:tint val="50000"/>
+      </a:schemeClr>
+    </dgm:fillClrLst>
+    <dgm:linClrLst meth="repeat">
+      <a:schemeClr val="accent3">
+        <a:tint val="50000"/>
+      </a:schemeClr>
+    </dgm:linClrLst>
+    <dgm:effectClrLst/>
+    <dgm:txLinClrLst/>
+    <dgm:txFillClrLst meth="repeat">
+      <a:schemeClr val="tx1"/>
+    </dgm:txFillClrLst>
+    <dgm:txEffectClrLst/>
+  </dgm:styleLbl>
+  <dgm:styleLbl name="fgAcc1">
+    <dgm:fillClrLst meth="repeat">
+      <a:schemeClr val="lt1">
+        <a:alpha val="90000"/>
+      </a:schemeClr>
+    </dgm:fillClrLst>
+    <dgm:linClrLst>
+      <a:schemeClr val="accent3">
+        <a:alpha val="90000"/>
+      </a:schemeClr>
+      <a:schemeClr val="accent3">
+        <a:alpha val="50000"/>
+      </a:schemeClr>
+    </dgm:linClrLst>
+    <dgm:effectClrLst/>
+    <dgm:txLinClrLst/>
+    <dgm:txFillClrLst meth="repeat">
+      <a:schemeClr val="dk1"/>
+    </dgm:txFillClrLst>
+    <dgm:txEffectClrLst/>
+  </dgm:styleLbl>
+  <dgm:styleLbl name="conFgAcc1">
+    <dgm:fillClrLst meth="repeat">
+      <a:schemeClr val="lt1">
+        <a:alpha val="90000"/>
+      </a:schemeClr>
+    </dgm:fillClrLst>
+    <dgm:linClrLst>
+      <a:schemeClr val="accent3">
+        <a:alpha val="90000"/>
+      </a:schemeClr>
+      <a:schemeClr val="accent3">
+        <a:alpha val="50000"/>
+      </a:schemeClr>
+    </dgm:linClrLst>
+    <dgm:effectClrLst/>
+    <dgm:txLinClrLst/>
+    <dgm:txFillClrLst meth="repeat">
+      <a:schemeClr val="dk1"/>
+    </dgm:txFillClrLst>
+    <dgm:txEffectClrLst/>
+  </dgm:styleLbl>
+  <dgm:styleLbl name="alignAcc1">
+    <dgm:fillClrLst meth="repeat">
+      <a:schemeClr val="lt1">
+        <a:alpha val="90000"/>
+      </a:schemeClr>
+    </dgm:fillClrLst>
+    <dgm:linClrLst>
+      <a:schemeClr val="accent3">
+        <a:alpha val="90000"/>
+      </a:schemeClr>
+      <a:schemeClr val="accent3">
+        <a:alpha val="50000"/>
+      </a:schemeClr>
+    </dgm:linClrLst>
+    <dgm:effectClrLst/>
+    <dgm:txLinClrLst/>
+    <dgm:txFillClrLst meth="repeat">
+      <a:schemeClr val="dk1"/>
+    </dgm:txFillClrLst>
+    <dgm:txEffectClrLst/>
+  </dgm:styleLbl>
+  <dgm:styleLbl name="trAlignAcc1">
+    <dgm:fillClrLst meth="repeat">
+      <a:schemeClr val="lt1">
+        <a:alpha val="40000"/>
+      </a:schemeClr>
+    </dgm:fillClrLst>
+    <dgm:linClrLst>
+      <a:schemeClr val="accent3">
+        <a:alpha val="90000"/>
+      </a:schemeClr>
+      <a:schemeClr val="accent3">
+        <a:alpha val="50000"/>
+      </a:schemeClr>
+    </dgm:linClrLst>
+    <dgm:effectClrLst/>
+    <dgm:txLinClrLst/>
+    <dgm:txFillClrLst meth="repeat">
+      <a:schemeClr val="dk1"/>
+    </dgm:txFillClrLst>
+    <dgm:txEffectClrLst/>
+  </dgm:styleLbl>
+  <dgm:styleLbl name="bgAcc1">
+    <dgm:fillClrLst meth="repeat">
+      <a:schemeClr val="lt1">
+        <a:alpha val="90000"/>
+      </a:schemeClr>
+    </dgm:fillClrLst>
+    <dgm:linClrLst>
+      <a:schemeClr val="accent3">
+        <a:alpha val="90000"/>
+      </a:schemeClr>
+      <a:schemeClr val="accent3">
+        <a:alpha val="50000"/>
+      </a:schemeClr>
+    </dgm:linClrLst>
+    <dgm:effectClrLst/>
+    <dgm:txLinClrLst/>
+    <dgm:txFillClrLst meth="repeat">
+      <a:schemeClr val="dk1"/>
+    </dgm:txFillClrLst>
+    <dgm:txEffectClrLst/>
+  </dgm:styleLbl>
+  <dgm:styleLbl name="solidFgAcc1">
+    <dgm:fillClrLst meth="repeat">
+      <a:schemeClr val="lt1"/>
+    </dgm:fillClrLst>
+    <dgm:linClrLst>
+      <a:schemeClr val="accent3">
+        <a:alpha val="90000"/>
+      </a:schemeClr>
+      <a:schemeClr val="accent3">
+        <a:alpha val="50000"/>
+      </a:schemeClr>
+    </dgm:linClrLst>
+    <dgm:effectClrLst/>
+    <dgm:txLinClrLst/>
+    <dgm:txFillClrLst meth="repeat">
+      <a:schemeClr val="dk1"/>
+    </dgm:txFillClrLst>
+    <dgm:txEffectClrLst/>
+  </dgm:styleLbl>
+  <dgm:styleLbl name="solidAlignAcc1">
+    <dgm:fillClrLst meth="repeat">
+      <a:schemeClr val="lt1"/>
+    </dgm:fillClrLst>
+    <dgm:linClrLst meth="repeat">
+      <a:schemeClr val="accent3"/>
+    </dgm:linClrLst>
+    <dgm:effectClrLst/>
+    <dgm:txLinClrLst/>
+    <dgm:txFillClrLst meth="repeat">
+      <a:schemeClr val="dk1"/>
+    </dgm:txFillClrLst>
+    <dgm:txEffectClrLst/>
+  </dgm:styleLbl>
+  <dgm:styleLbl name="solidBgAcc1">
+    <dgm:fillClrLst meth="repeat">
+      <a:schemeClr val="lt1"/>
+    </dgm:fillClrLst>
+    <dgm:linClrLst meth="repeat">
+      <a:schemeClr val="accent3"/>
+    </dgm:linClrLst>
+    <dgm:effectClrLst/>
+    <dgm:txLinClrLst/>
+    <dgm:txFillClrLst meth="repeat">
+      <a:schemeClr val="dk1"/>
+    </dgm:txFillClrLst>
+    <dgm:txEffectClrLst/>
+  </dgm:styleLbl>
+  <dgm:styleLbl name="fgAccFollowNode1">
+    <dgm:fillClrLst>
+      <a:schemeClr val="accent3">
+        <a:alpha val="90000"/>
+        <a:tint val="40000"/>
+      </a:schemeClr>
+      <a:schemeClr val="accent3">
+        <a:alpha val="50000"/>
+        <a:tint val="40000"/>
+      </a:schemeClr>
+    </dgm:fillClrLst>
+    <dgm:linClrLst meth="repeat">
+      <a:schemeClr val="accent3">
+        <a:alpha val="90000"/>
+        <a:tint val="40000"/>
+      </a:schemeClr>
+    </dgm:linClrLst>
+    <dgm:effectClrLst/>
+    <dgm:txLinClrLst/>
+    <dgm:txFillClrLst meth="repeat">
+      <a:schemeClr val="dk1"/>
+    </dgm:txFillClrLst>
+    <dgm:txEffectClrLst/>
+  </dgm:styleLbl>
+  <dgm:styleLbl name="alignAccFollowNode1">
+    <dgm:fillClrLst meth="repeat">
+      <a:schemeClr val="accent3">
+        <a:alpha val="90000"/>
+        <a:tint val="40000"/>
+      </a:schemeClr>
+    </dgm:fillClrLst>
+    <dgm:linClrLst meth="repeat">
+      <a:schemeClr val="accent3">
+        <a:alpha val="90000"/>
+        <a:tint val="40000"/>
+      </a:schemeClr>
+    </dgm:linClrLst>
+    <dgm:effectClrLst/>
+    <dgm:txLinClrLst/>
+    <dgm:txFillClrLst meth="repeat">
+      <a:schemeClr val="dk1"/>
+    </dgm:txFillClrLst>
+    <dgm:txEffectClrLst/>
+  </dgm:styleLbl>
+  <dgm:styleLbl name="bgAccFollowNode1">
+    <dgm:fillClrLst meth="repeat">
+      <a:schemeClr val="accent3">
+        <a:alpha val="90000"/>
+        <a:tint val="40000"/>
+      </a:schemeClr>
+    </dgm:fillClrLst>
+    <dgm:linClrLst meth="repeat">
+      <a:schemeClr val="lt1"/>
+    </dgm:linClrLst>
+    <dgm:effectClrLst/>
+    <dgm:txLinClrLst/>
+    <dgm:txFillClrLst meth="repeat">
+      <a:schemeClr val="dk1"/>
+    </dgm:txFillClrLst>
+    <dgm:txEffectClrLst/>
+  </dgm:styleLbl>
+  <dgm:styleLbl name="fgAcc0">
+    <dgm:fillClrLst meth="repeat">
+      <a:schemeClr val="lt1">
+        <a:alpha val="90000"/>
+      </a:schemeClr>
+    </dgm:fillClrLst>
+    <dgm:linClrLst meth="repeat">
+      <a:schemeClr val="accent3">
+        <a:shade val="80000"/>
+      </a:schemeClr>
+    </dgm:linClrLst>
+    <dgm:effectClrLst/>
+    <dgm:txLinClrLst/>
+    <dgm:txFillClrLst meth="repeat">
+      <a:schemeClr val="dk1"/>
+    </dgm:txFillClrLst>
+    <dgm:txEffectClrLst/>
+  </dgm:styleLbl>
+  <dgm:styleLbl name="fgAcc2">
+    <dgm:fillClrLst meth="repeat">
+      <a:schemeClr val="lt1">
+        <a:alpha val="90000"/>
+      </a:schemeClr>
+    </dgm:fillClrLst>
+    <dgm:linClrLst meth="repeat">
+      <a:schemeClr val="accent3">
+        <a:tint val="90000"/>
+      </a:schemeClr>
+    </dgm:linClrLst>
+    <dgm:effectClrLst/>
+    <dgm:txLinClrLst/>
+    <dgm:txFillClrLst meth="repeat">
+      <a:schemeClr val="dk1"/>
+    </dgm:txFillClrLst>
+    <dgm:txEffectClrLst/>
+  </dgm:styleLbl>
+  <dgm:styleLbl name="fgAcc3">
+    <dgm:fillClrLst meth="repeat">
+      <a:schemeClr val="lt1">
+        <a:alpha val="90000"/>
+      </a:schemeClr>
+    </dgm:fillClrLst>
+    <dgm:linClrLst meth="repeat">
+      <a:schemeClr val="accent3">
+        <a:tint val="70000"/>
+      </a:schemeClr>
+    </dgm:linClrLst>
+    <dgm:effectClrLst/>
+    <dgm:txLinClrLst/>
+    <dgm:txFillClrLst meth="repeat">
+      <a:schemeClr val="dk1"/>
+    </dgm:txFillClrLst>
+    <dgm:txEffectClrLst/>
+  </dgm:styleLbl>
+  <dgm:styleLbl name="fgAcc4">
+    <dgm:fillClrLst meth="repeat">
+      <a:schemeClr val="lt1">
+        <a:alpha val="90000"/>
+      </a:schemeClr>
+    </dgm:fillClrLst>
+    <dgm:linClrLst meth="repeat">
+      <a:schemeClr val="accent3">
+        <a:tint val="50000"/>
+      </a:schemeClr>
+    </dgm:linClrLst>
+    <dgm:effectClrLst/>
+    <dgm:txLinClrLst/>
+    <dgm:txFillClrLst meth="repeat">
+      <a:schemeClr val="dk1"/>
+    </dgm:txFillClrLst>
+    <dgm:txEffectClrLst/>
+  </dgm:styleLbl>
+  <dgm:styleLbl name="bgShp">
+    <dgm:fillClrLst meth="repeat">
+      <a:schemeClr val="accent3">
+        <a:tint val="40000"/>
+      </a:schemeClr>
+    </dgm:fillClrLst>
+    <dgm:linClrLst meth="repeat">
+      <a:schemeClr val="dk1"/>
+    </dgm:linClrLst>
+    <dgm:effectClrLst/>
+    <dgm:txLinClrLst/>
+    <dgm:txFillClrLst meth="repeat">
+      <a:schemeClr val="dk1"/>
+    </dgm:txFillClrLst>
+    <dgm:txEffectClrLst/>
+  </dgm:styleLbl>
+  <dgm:styleLbl name="dkBgShp">
+    <dgm:fillClrLst meth="repeat">
+      <a:schemeClr val="accent3">
+        <a:shade val="90000"/>
+      </a:schemeClr>
+    </dgm:fillClrLst>
+    <dgm:linClrLst meth="repeat">
+      <a:schemeClr val="dk1"/>
+    </dgm:linClrLst>
+    <dgm:effectClrLst/>
+    <dgm:txLinClrLst/>
+    <dgm:txFillClrLst meth="repeat">
+      <a:schemeClr val="lt1"/>
+    </dgm:txFillClrLst>
+    <dgm:txEffectClrLst/>
+  </dgm:styleLbl>
+  <dgm:styleLbl name="trBgShp">
+    <dgm:fillClrLst meth="repeat">
+      <a:schemeClr val="accent3">
+        <a:tint val="50000"/>
+        <a:alpha val="40000"/>
+      </a:schemeClr>
+    </dgm:fillClrLst>
+    <dgm:linClrLst meth="repeat">
+      <a:schemeClr val="accent3"/>
+    </dgm:linClrLst>
+    <dgm:effectClrLst/>
+    <dgm:txLinClrLst/>
+    <dgm:txFillClrLst meth="repeat">
+      <a:schemeClr val="lt1"/>
+    </dgm:txFillClrLst>
+    <dgm:txEffectClrLst/>
+  </dgm:styleLbl>
+  <dgm:styleLbl name="fgShp">
+    <dgm:fillClrLst meth="repeat">
+      <a:schemeClr val="accent3">
+        <a:tint val="40000"/>
+      </a:schemeClr>
+    </dgm:fillClrLst>
+    <dgm:linClrLst meth="repeat">
+      <a:schemeClr val="lt1"/>
+    </dgm:linClrLst>
+    <dgm:effectClrLst/>
+    <dgm:txLinClrLst/>
+    <dgm:txFillClrLst meth="repeat">
+      <a:schemeClr val="dk1"/>
+    </dgm:txFillClrLst>
+    <dgm:txEffectClrLst/>
+  </dgm:styleLbl>
+  <dgm:styleLbl name="revTx">
+    <dgm:fillClrLst meth="repeat">
+      <a:schemeClr val="lt1">
+        <a:alpha val="0"/>
+      </a:schemeClr>
+    </dgm:fillClrLst>
+    <dgm:linClrLst meth="repeat">
+      <a:schemeClr val="dk1">
+        <a:alpha val="0"/>
+      </a:schemeClr>
+    </dgm:linClrLst>
+    <dgm:effectClrLst/>
+    <dgm:txLinClrLst/>
+    <dgm:txFillClrLst meth="repeat">
+      <a:schemeClr val="tx1"/>
+    </dgm:txFillClrLst>
+    <dgm:txEffectClrLst/>
+  </dgm:styleLbl>
+</dgm:colorsDef>
+</file>
+
+<file path=ppt/diagrams/colors2.xml><?xml version="1.0" encoding="utf-8"?>
+<dgm:colorsDef xmlns:dgm="http://schemas.openxmlformats.org/drawingml/2006/diagram" xmlns:a="http://schemas.openxmlformats.org/drawingml/2006/main" uniqueId="urn:microsoft.com/office/officeart/2005/8/colors/accent3_5">
+  <dgm:title val=""/>
+  <dgm:desc val=""/>
+  <dgm:catLst>
+    <dgm:cat type="accent3" pri="11500"/>
+  </dgm:catLst>
+  <dgm:styleLbl name="node0">
+    <dgm:fillClrLst meth="cycle">
+      <a:schemeClr val="accent3">
+        <a:alpha val="80000"/>
+      </a:schemeClr>
+    </dgm:fillClrLst>
+    <dgm:linClrLst meth="repeat">
+      <a:schemeClr val="lt1"/>
+    </dgm:linClrLst>
+    <dgm:effectClrLst/>
+    <dgm:txLinClrLst/>
+    <dgm:txFillClrLst/>
+    <dgm:txEffectClrLst/>
+  </dgm:styleLbl>
+  <dgm:styleLbl name="node1">
+    <dgm:fillClrLst>
+      <a:schemeClr val="accent3">
+        <a:alpha val="90000"/>
+      </a:schemeClr>
+      <a:schemeClr val="accent3">
+        <a:alpha val="50000"/>
+      </a:schemeClr>
+    </dgm:fillClrLst>
+    <dgm:linClrLst meth="repeat">
+      <a:schemeClr val="lt1"/>
+    </dgm:linClrLst>
+    <dgm:effectClrLst/>
+    <dgm:txLinClrLst/>
+    <dgm:txFillClrLst/>
+    <dgm:txEffectClrLst/>
+  </dgm:styleLbl>
+  <dgm:styleLbl name="alignNode1">
+    <dgm:fillClrLst>
+      <a:schemeClr val="accent3">
+        <a:alpha val="90000"/>
+      </a:schemeClr>
+      <a:schemeClr val="accent3">
+        <a:alpha val="50000"/>
+      </a:schemeClr>
+    </dgm:fillClrLst>
+    <dgm:linClrLst>
+      <a:schemeClr val="accent3">
+        <a:alpha val="90000"/>
+      </a:schemeClr>
+      <a:schemeClr val="accent3">
+        <a:alpha val="50000"/>
+      </a:schemeClr>
+    </dgm:linClrLst>
+    <dgm:effectClrLst/>
+    <dgm:txLinClrLst/>
+    <dgm:txFillClrLst/>
+    <dgm:txEffectClrLst/>
+  </dgm:styleLbl>
+  <dgm:styleLbl name="lnNode1">
+    <dgm:fillClrLst>
+      <a:schemeClr val="accent3">
+        <a:shade val="90000"/>
+      </a:schemeClr>
+      <a:schemeClr val="accent3">
+        <a:alpha val="50000"/>
+        <a:tint val="50000"/>
+      </a:schemeClr>
+    </dgm:fillClrLst>
+    <dgm:linClrLst meth="repeat">
+      <a:schemeClr val="lt1"/>
+    </dgm:linClrLst>
+    <dgm:effectClrLst/>
+    <dgm:txLinClrLst/>
+    <dgm:txFillClrLst/>
+    <dgm:txEffectClrLst/>
+  </dgm:styleLbl>
+  <dgm:styleLbl name="vennNode1">
+    <dgm:fillClrLst>
+      <a:schemeClr val="accent3">
+        <a:shade val="80000"/>
+        <a:alpha val="50000"/>
+      </a:schemeClr>
+      <a:schemeClr val="accent3">
+        <a:alpha val="80000"/>
+      </a:schemeClr>
+    </dgm:fillClrLst>
+    <dgm:linClrLst meth="repeat">
+      <a:schemeClr val="lt1"/>
+    </dgm:linClrLst>
+    <dgm:effectClrLst/>
+    <dgm:txLinClrLst/>
+    <dgm:txFillClrLst/>
+    <dgm:txEffectClrLst/>
+  </dgm:styleLbl>
+  <dgm:styleLbl name="node2">
+    <dgm:fillClrLst>
+      <a:schemeClr val="accent3">
+        <a:alpha val="70000"/>
+      </a:schemeClr>
+    </dgm:fillClrLst>
+    <dgm:linClrLst meth="repeat">
+      <a:schemeClr val="lt1"/>
+    </dgm:linClrLst>
+    <dgm:effectClrLst/>
+    <dgm:txLinClrLst/>
+    <dgm:txFillClrLst/>
+    <dgm:txEffectClrLst/>
+  </dgm:styleLbl>
+  <dgm:styleLbl name="node3">
+    <dgm:fillClrLst>
+      <a:schemeClr val="accent3">
+        <a:alpha val="50000"/>
+      </a:schemeClr>
+    </dgm:fillClrLst>
+    <dgm:linClrLst meth="repeat">
+      <a:schemeClr val="lt1"/>
+    </dgm:linClrLst>
+    <dgm:effectClrLst/>
+    <dgm:txLinClrLst/>
+    <dgm:txFillClrLst/>
+    <dgm:txEffectClrLst/>
+  </dgm:styleLbl>
+  <dgm:styleLbl name="node4">
+    <dgm:fillClrLst>
+      <a:schemeClr val="accent3">
+        <a:alpha val="30000"/>
+      </a:schemeClr>
+    </dgm:fillClrLst>
+    <dgm:linClrLst meth="repeat">
+      <a:schemeClr val="lt1"/>
+    </dgm:linClrLst>
+    <dgm:effectClrLst/>
+    <dgm:txLinClrLst/>
+    <dgm:txFillClrLst/>
+    <dgm:txEffectClrLst/>
+  </dgm:styleLbl>
+  <dgm:styleLbl name="fgImgPlace1">
+    <dgm:fillClrLst>
+      <a:schemeClr val="accent3">
+        <a:tint val="50000"/>
+        <a:alpha val="90000"/>
+      </a:schemeClr>
+      <a:schemeClr val="accent3">
+        <a:tint val="20000"/>
+        <a:alpha val="50000"/>
+      </a:schemeClr>
+    </dgm:fillClrLst>
+    <dgm:linClrLst meth="repeat">
+      <a:schemeClr val="lt1"/>
+    </dgm:linClrLst>
+    <dgm:effectClrLst/>
+    <dgm:txLinClrLst/>
+    <dgm:txFillClrLst meth="repeat">
+      <a:schemeClr val="lt1"/>
+    </dgm:txFillClrLst>
+    <dgm:txEffectClrLst/>
+  </dgm:styleLbl>
+  <dgm:styleLbl name="alignImgPlace1">
+    <dgm:fillClrLst>
+      <a:schemeClr val="accent3">
+        <a:tint val="50000"/>
+      </a:schemeClr>
+      <a:schemeClr val="accent3">
+        <a:tint val="20000"/>
+      </a:schemeClr>
+    </dgm:fillClrLst>
+    <dgm:linClrLst meth="repeat">
+      <a:schemeClr val="lt1"/>
+    </dgm:linClrLst>
+    <dgm:effectClrLst/>
+    <dgm:txLinClrLst/>
+    <dgm:txFillClrLst meth="repeat">
+      <a:schemeClr val="lt1"/>
+    </dgm:txFillClrLst>
+    <dgm:txEffectClrLst/>
+  </dgm:styleLbl>
+  <dgm:styleLbl name="bgImgPlace1">
+    <dgm:fillClrLst>
+      <a:schemeClr val="accent3">
+        <a:tint val="50000"/>
+      </a:schemeClr>
+      <a:schemeClr val="accent3">
+        <a:tint val="20000"/>
+      </a:schemeClr>
+    </dgm:fillClrLst>
+    <dgm:linClrLst meth="repeat">
+      <a:schemeClr val="lt1"/>
+    </dgm:linClrLst>
+    <dgm:effectClrLst/>
+    <dgm:txLinClrLst/>
+    <dgm:txFillClrLst meth="repeat">
+      <a:schemeClr val="lt1"/>
+    </dgm:txFillClrLst>
+    <dgm:txEffectClrLst/>
+  </dgm:styleLbl>
+  <dgm:styleLbl name="sibTrans2D1">
+    <dgm:fillClrLst>
+      <a:schemeClr val="accent3">
+        <a:shade val="90000"/>
+      </a:schemeClr>
+      <a:schemeClr val="accent3">
+        <a:tint val="50000"/>
+      </a:schemeClr>
+    </dgm:fillClrLst>
+    <dgm:linClrLst>
+      <a:schemeClr val="accent3">
+        <a:shade val="90000"/>
+      </a:schemeClr>
+      <a:schemeClr val="accent3">
+        <a:tint val="50000"/>
+      </a:schemeClr>
+    </dgm:linClrLst>
+    <dgm:effectClrLst/>
+    <dgm:txLinClrLst/>
+    <dgm:txFillClrLst/>
+    <dgm:txEffectClrLst/>
+  </dgm:styleLbl>
+  <dgm:styleLbl name="fgSibTrans2D1">
+    <dgm:fillClrLst>
+      <a:schemeClr val="accent3">
+        <a:shade val="90000"/>
+      </a:schemeClr>
+      <a:schemeClr val="accent3">
+        <a:tint val="50000"/>
+      </a:schemeClr>
+    </dgm:fillClrLst>
+    <dgm:linClrLst>
+      <a:schemeClr val="accent3">
+        <a:shade val="90000"/>
+      </a:schemeClr>
+      <a:schemeClr val="accent3">
+        <a:tint val="50000"/>
+      </a:schemeClr>
+    </dgm:linClrLst>
+    <dgm:effectClrLst/>
+    <dgm:txLinClrLst/>
+    <dgm:txFillClrLst/>
+    <dgm:txEffectClrLst/>
+  </dgm:styleLbl>
+  <dgm:styleLbl name="bgSibTrans2D1">
+    <dgm:fillClrLst>
+      <a:schemeClr val="accent3">
+        <a:shade val="90000"/>
+      </a:schemeClr>
+      <a:schemeClr val="accent3">
+        <a:tint val="50000"/>
+      </a:schemeClr>
+    </dgm:fillClrLst>
+    <dgm:linClrLst>
+      <a:schemeClr val="accent3">
+        <a:shade val="90000"/>
+      </a:schemeClr>
+      <a:schemeClr val="accent3">
+        <a:tint val="50000"/>
+      </a:schemeClr>
+    </dgm:linClrLst>
+    <dgm:effectClrLst/>
+    <dgm:txLinClrLst/>
+    <dgm:txFillClrLst/>
+    <dgm:txEffectClrLst/>
+  </dgm:styleLbl>
+  <dgm:styleLbl name="sibTrans1D1">
+    <dgm:fillClrLst>
+      <a:schemeClr val="accent3">
+        <a:shade val="90000"/>
+      </a:schemeClr>
+      <a:schemeClr val="accent3">
+        <a:tint val="50000"/>
+      </a:schemeClr>
+    </dgm:fillClrLst>
+    <dgm:linClrLst>
+      <a:schemeClr val="accent3">
+        <a:shade val="90000"/>
+      </a:schemeClr>
+      <a:schemeClr val="accent3">
+        <a:tint val="50000"/>
+      </a:schemeClr>
+    </dgm:linClrLst>
+    <dgm:effectClrLst/>
+    <dgm:txLinClrLst/>
+    <dgm:txFillClrLst meth="repeat">
+      <a:schemeClr val="tx1"/>
+    </dgm:txFillClrLst>
+    <dgm:txEffectClrLst/>
+  </dgm:styleLbl>
+  <dgm:styleLbl name="callout">
+    <dgm:fillClrLst meth="repeat">
+      <a:schemeClr val="accent3"/>
+    </dgm:fillClrLst>
+    <dgm:linClrLst meth="repeat">
+      <a:schemeClr val="accent3"/>
+    </dgm:linClrLst>
+    <dgm:effectClrLst/>
+    <dgm:txLinClrLst/>
+    <dgm:txFillClrLst meth="repeat">
+      <a:schemeClr val="tx1"/>
+    </dgm:txFillClrLst>
+    <dgm:txEffectClrLst/>
+  </dgm:styleLbl>
+  <dgm:styleLbl name="asst0">
+    <dgm:fillClrLst meth="repeat">
+      <a:schemeClr val="accent3">
+        <a:alpha val="90000"/>
+      </a:schemeClr>
+    </dgm:fillClrLst>
+    <dgm:linClrLst meth="repeat">
+      <a:schemeClr val="lt1"/>
+    </dgm:linClrLst>
+    <dgm:effectClrLst/>
+    <dgm:txLinClrLst/>
+    <dgm:txFillClrLst/>
+    <dgm:txEffectClrLst/>
+  </dgm:styleLbl>
+  <dgm:styleLbl name="asst1">
+    <dgm:fillClrLst meth="repeat">
+      <a:schemeClr val="accent3">
+        <a:alpha val="90000"/>
+      </a:schemeClr>
+    </dgm:fillClrLst>
+    <dgm:linClrLst meth="repeat">
+      <a:schemeClr val="lt1"/>
+    </dgm:linClrLst>
+    <dgm:effectClrLst/>
+    <dgm:txLinClrLst/>
+    <dgm:txFillClrLst/>
+    <dgm:txEffectClrLst/>
+  </dgm:styleLbl>
+  <dgm:styleLbl name="asst2">
+    <dgm:fillClrLst>
+      <a:schemeClr val="accent3">
+        <a:alpha val="90000"/>
+      </a:schemeClr>
+    </dgm:fillClrLst>
+    <dgm:linClrLst meth="repeat">
+      <a:schemeClr val="lt1"/>
+    </dgm:linClrLst>
+    <dgm:effectClrLst/>
+    <dgm:txLinClrLst/>
+    <dgm:txFillClrLst/>
+    <dgm:txEffectClrLst/>
+  </dgm:styleLbl>
+  <dgm:styleLbl name="asst3">
+    <dgm:fillClrLst>
+      <a:schemeClr val="accent3">
+        <a:alpha val="70000"/>
+      </a:schemeClr>
+    </dgm:fillClrLst>
+    <dgm:linClrLst meth="repeat">
+      <a:schemeClr val="lt1"/>
+    </dgm:linClrLst>
+    <dgm:effectClrLst/>
+    <dgm:txLinClrLst/>
+    <dgm:txFillClrLst/>
+    <dgm:txEffectClrLst/>
+  </dgm:styleLbl>
+  <dgm:styleLbl name="asst4">
+    <dgm:fillClrLst>
+      <a:schemeClr val="accent3">
+        <a:alpha val="50000"/>
+      </a:schemeClr>
+    </dgm:fillClrLst>
+    <dgm:linClrLst meth="repeat">
+      <a:schemeClr val="lt1"/>
+    </dgm:linClrLst>
+    <dgm:effectClrLst/>
+    <dgm:txLinClrLst/>
+    <dgm:txFillClrLst/>
+    <dgm:txEffectClrLst/>
+  </dgm:styleLbl>
+  <dgm:styleLbl name="parChTrans2D1">
+    <dgm:fillClrLst meth="repeat">
+      <a:schemeClr val="accent3">
+        <a:shade val="80000"/>
+      </a:schemeClr>
+    </dgm:fillClrLst>
+    <dgm:linClrLst meth="repeat">
+      <a:schemeClr val="accent3">
+        <a:shade val="80000"/>
+      </a:schemeClr>
+    </dgm:linClrLst>
+    <dgm:effectClrLst/>
+    <dgm:txLinClrLst/>
+    <dgm:txFillClrLst/>
+    <dgm:txEffectClrLst/>
+  </dgm:styleLbl>
+  <dgm:styleLbl name="parChTrans2D2">
+    <dgm:fillClrLst meth="repeat">
+      <a:schemeClr val="accent3">
+        <a:tint val="90000"/>
+      </a:schemeClr>
+    </dgm:fillClrLst>
+    <dgm:linClrLst meth="repeat">
+      <a:schemeClr val="accent3">
+        <a:tint val="90000"/>
+      </a:schemeClr>
+    </dgm:linClrLst>
+    <dgm:effectClrLst/>
+    <dgm:txLinClrLst/>
+    <dgm:txFillClrLst/>
+    <dgm:txEffectClrLst/>
+  </dgm:styleLbl>
+  <dgm:styleLbl name="parChTrans2D3">
+    <dgm:fillClrLst meth="repeat">
+      <a:schemeClr val="accent3">
+        <a:tint val="70000"/>
+      </a:schemeClr>
+    </dgm:fillClrLst>
+    <dgm:linClrLst meth="repeat">
+      <a:schemeClr val="accent3">
+        <a:tint val="70000"/>
+      </a:schemeClr>
+    </dgm:linClrLst>
+    <dgm:effectClrLst/>
+    <dgm:txLinClrLst/>
+    <dgm:txFillClrLst/>
+    <dgm:txEffectClrLst/>
+  </dgm:styleLbl>
+  <dgm:styleLbl name="parChTrans2D4">
+    <dgm:fillClrLst meth="repeat">
+      <a:schemeClr val="accent3">
+        <a:tint val="50000"/>
+      </a:schemeClr>
+    </dgm:fillClrLst>
+    <dgm:linClrLst meth="repeat">
+      <a:schemeClr val="accent3">
+        <a:tint val="50000"/>
+      </a:schemeClr>
+    </dgm:linClrLst>
+    <dgm:effectClrLst/>
+    <dgm:txLinClrLst/>
+    <dgm:txFillClrLst meth="repeat">
+      <a:schemeClr val="dk1"/>
+    </dgm:txFillClrLst>
+    <dgm:txEffectClrLst/>
+  </dgm:styleLbl>
+  <dgm:styleLbl name="parChTrans1D1">
+    <dgm:fillClrLst meth="repeat">
+      <a:schemeClr val="accent3">
+        <a:shade val="80000"/>
+      </a:schemeClr>
+    </dgm:fillClrLst>
+    <dgm:linClrLst meth="repeat">
+      <a:schemeClr val="accent3">
+        <a:shade val="80000"/>
+      </a:schemeClr>
+    </dgm:linClrLst>
+    <dgm:effectClrLst/>
+    <dgm:txLinClrLst/>
+    <dgm:txFillClrLst meth="repeat">
+      <a:schemeClr val="tx1"/>
+    </dgm:txFillClrLst>
+    <dgm:txEffectClrLst/>
+  </dgm:styleLbl>
+  <dgm:styleLbl name="parChTrans1D2">
+    <dgm:fillClrLst meth="repeat">
+      <a:schemeClr val="accent3">
+        <a:tint val="90000"/>
+      </a:schemeClr>
+    </dgm:fillClrLst>
+    <dgm:linClrLst meth="repeat">
+      <a:schemeClr val="accent3">
+        <a:tint val="90000"/>
+      </a:schemeClr>
+    </dgm:linClrLst>
+    <dgm:effectClrLst/>
+    <dgm:txLinClrLst/>
+    <dgm:txFillClrLst meth="repeat">
+      <a:schemeClr val="tx1"/>
+    </dgm:txFillClrLst>
+    <dgm:txEffectClrLst/>
+  </dgm:styleLbl>
+  <dgm:styleLbl name="parChTrans1D3">
+    <dgm:fillClrLst meth="repeat">
+      <a:schemeClr val="accent3">
+        <a:tint val="70000"/>
+      </a:schemeClr>
+    </dgm:fillClrLst>
+    <dgm:linClrLst meth="repeat">
+      <a:schemeClr val="accent3">
+        <a:tint val="70000"/>
+      </a:schemeClr>
+    </dgm:linClrLst>
+    <dgm:effectClrLst/>
+    <dgm:txLinClrLst/>
+    <dgm:txFillClrLst meth="repeat">
+      <a:schemeClr val="tx1"/>
+    </dgm:txFillClrLst>
+    <dgm:txEffectClrLst/>
+  </dgm:styleLbl>
+  <dgm:styleLbl name="parChTrans1D4">
+    <dgm:fillClrLst meth="repeat">
+      <a:schemeClr val="accent3">
+        <a:tint val="50000"/>
+      </a:schemeClr>
+    </dgm:fillClrLst>
+    <dgm:linClrLst meth="repeat">
+      <a:schemeClr val="accent3">
+        <a:tint val="50000"/>
+      </a:schemeClr>
+    </dgm:linClrLst>
+    <dgm:effectClrLst/>
+    <dgm:txLinClrLst/>
+    <dgm:txFillClrLst meth="repeat">
+      <a:schemeClr val="tx1"/>
+    </dgm:txFillClrLst>
+    <dgm:txEffectClrLst/>
+  </dgm:styleLbl>
+  <dgm:styleLbl name="fgAcc1">
+    <dgm:fillClrLst meth="repeat">
+      <a:schemeClr val="lt1">
+        <a:alpha val="90000"/>
+      </a:schemeClr>
+    </dgm:fillClrLst>
+    <dgm:linClrLst>
+      <a:schemeClr val="accent3">
+        <a:alpha val="90000"/>
+      </a:schemeClr>
+      <a:schemeClr val="accent3">
+        <a:alpha val="50000"/>
+      </a:schemeClr>
+    </dgm:linClrLst>
+    <dgm:effectClrLst/>
+    <dgm:txLinClrLst/>
+    <dgm:txFillClrLst meth="repeat">
+      <a:schemeClr val="dk1"/>
+    </dgm:txFillClrLst>
+    <dgm:txEffectClrLst/>
+  </dgm:styleLbl>
+  <dgm:styleLbl name="conFgAcc1">
+    <dgm:fillClrLst meth="repeat">
+      <a:schemeClr val="lt1">
+        <a:alpha val="90000"/>
+      </a:schemeClr>
+    </dgm:fillClrLst>
+    <dgm:linClrLst>
+      <a:schemeClr val="accent3">
+        <a:alpha val="90000"/>
+      </a:schemeClr>
+      <a:schemeClr val="accent3">
+        <a:alpha val="50000"/>
+      </a:schemeClr>
+    </dgm:linClrLst>
+    <dgm:effectClrLst/>
+    <dgm:txLinClrLst/>
+    <dgm:txFillClrLst meth="repeat">
+      <a:schemeClr val="dk1"/>
+    </dgm:txFillClrLst>
+    <dgm:txEffectClrLst/>
+  </dgm:styleLbl>
+  <dgm:styleLbl name="alignAcc1">
+    <dgm:fillClrLst meth="repeat">
+      <a:schemeClr val="lt1">
+        <a:alpha val="90000"/>
+      </a:schemeClr>
+    </dgm:fillClrLst>
+    <dgm:linClrLst>
+      <a:schemeClr val="accent3">
+        <a:alpha val="90000"/>
+      </a:schemeClr>
+      <a:schemeClr val="accent3">
+        <a:alpha val="50000"/>
+      </a:schemeClr>
+    </dgm:linClrLst>
+    <dgm:effectClrLst/>
+    <dgm:txLinClrLst/>
+    <dgm:txFillClrLst meth="repeat">
+      <a:schemeClr val="dk1"/>
+    </dgm:txFillClrLst>
+    <dgm:txEffectClrLst/>
+  </dgm:styleLbl>
+  <dgm:styleLbl name="trAlignAcc1">
+    <dgm:fillClrLst meth="repeat">
+      <a:schemeClr val="lt1">
+        <a:alpha val="40000"/>
+      </a:schemeClr>
+    </dgm:fillClrLst>
+    <dgm:linClrLst>
+      <a:schemeClr val="accent3">
+        <a:alpha val="90000"/>
+      </a:schemeClr>
+      <a:schemeClr val="accent3">
+        <a:alpha val="50000"/>
+      </a:schemeClr>
+    </dgm:linClrLst>
+    <dgm:effectClrLst/>
+    <dgm:txLinClrLst/>
+    <dgm:txFillClrLst meth="repeat">
+      <a:schemeClr val="dk1"/>
+    </dgm:txFillClrLst>
+    <dgm:txEffectClrLst/>
+  </dgm:styleLbl>
+  <dgm:styleLbl name="bgAcc1">
+    <dgm:fillClrLst meth="repeat">
+      <a:schemeClr val="lt1">
+        <a:alpha val="90000"/>
+      </a:schemeClr>
+    </dgm:fillClrLst>
+    <dgm:linClrLst>
+      <a:schemeClr val="accent3">
+        <a:alpha val="90000"/>
+      </a:schemeClr>
+      <a:schemeClr val="accent3">
+        <a:alpha val="50000"/>
+      </a:schemeClr>
+    </dgm:linClrLst>
+    <dgm:effectClrLst/>
+    <dgm:txLinClrLst/>
+    <dgm:txFillClrLst meth="repeat">
+      <a:schemeClr val="dk1"/>
+    </dgm:txFillClrLst>
+    <dgm:txEffectClrLst/>
+  </dgm:styleLbl>
+  <dgm:styleLbl name="solidFgAcc1">
+    <dgm:fillClrLst meth="repeat">
+      <a:schemeClr val="lt1"/>
+    </dgm:fillClrLst>
+    <dgm:linClrLst>
+      <a:schemeClr val="accent3">
+        <a:alpha val="90000"/>
+      </a:schemeClr>
+      <a:schemeClr val="accent3">
+        <a:alpha val="50000"/>
+      </a:schemeClr>
+    </dgm:linClrLst>
+    <dgm:effectClrLst/>
+    <dgm:txLinClrLst/>
+    <dgm:txFillClrLst meth="repeat">
+      <a:schemeClr val="dk1"/>
+    </dgm:txFillClrLst>
+    <dgm:txEffectClrLst/>
+  </dgm:styleLbl>
+  <dgm:styleLbl name="solidAlignAcc1">
+    <dgm:fillClrLst meth="repeat">
+      <a:schemeClr val="lt1"/>
+    </dgm:fillClrLst>
+    <dgm:linClrLst meth="repeat">
+      <a:schemeClr val="accent3"/>
+    </dgm:linClrLst>
+    <dgm:effectClrLst/>
+    <dgm:txLinClrLst/>
+    <dgm:txFillClrLst meth="repeat">
+      <a:schemeClr val="dk1"/>
+    </dgm:txFillClrLst>
+    <dgm:txEffectClrLst/>
+  </dgm:styleLbl>
+  <dgm:styleLbl name="solidBgAcc1">
+    <dgm:fillClrLst meth="repeat">
+      <a:schemeClr val="lt1"/>
+    </dgm:fillClrLst>
+    <dgm:linClrLst meth="repeat">
+      <a:schemeClr val="accent3"/>
+    </dgm:linClrLst>
+    <dgm:effectClrLst/>
+    <dgm:txLinClrLst/>
+    <dgm:txFillClrLst meth="repeat">
+      <a:schemeClr val="dk1"/>
+    </dgm:txFillClrLst>
+    <dgm:txEffectClrLst/>
+  </dgm:styleLbl>
+  <dgm:styleLbl name="fgAccFollowNode1">
+    <dgm:fillClrLst>
+      <a:schemeClr val="accent3">
+        <a:alpha val="90000"/>
+        <a:tint val="40000"/>
+      </a:schemeClr>
+      <a:schemeClr val="accent3">
+        <a:alpha val="50000"/>
+        <a:tint val="40000"/>
+      </a:schemeClr>
+    </dgm:fillClrLst>
+    <dgm:linClrLst meth="repeat">
+      <a:schemeClr val="accent3">
+        <a:alpha val="90000"/>
+        <a:tint val="40000"/>
+      </a:schemeClr>
+    </dgm:linClrLst>
+    <dgm:effectClrLst/>
+    <dgm:txLinClrLst/>
+    <dgm:txFillClrLst meth="repeat">
+      <a:schemeClr val="dk1"/>
+    </dgm:txFillClrLst>
+    <dgm:txEffectClrLst/>
+  </dgm:styleLbl>
+  <dgm:styleLbl name="alignAccFollowNode1">
+    <dgm:fillClrLst meth="repeat">
+      <a:schemeClr val="accent3">
+        <a:alpha val="90000"/>
+        <a:tint val="40000"/>
+      </a:schemeClr>
+    </dgm:fillClrLst>
+    <dgm:linClrLst meth="repeat">
+      <a:schemeClr val="accent3">
+        <a:alpha val="90000"/>
+        <a:tint val="40000"/>
+      </a:schemeClr>
+    </dgm:linClrLst>
+    <dgm:effectClrLst/>
+    <dgm:txLinClrLst/>
+    <dgm:txFillClrLst meth="repeat">
+      <a:schemeClr val="dk1"/>
+    </dgm:txFillClrLst>
+    <dgm:txEffectClrLst/>
+  </dgm:styleLbl>
+  <dgm:styleLbl name="bgAccFollowNode1">
+    <dgm:fillClrLst meth="repeat">
+      <a:schemeClr val="accent3">
+        <a:alpha val="90000"/>
+        <a:tint val="40000"/>
+      </a:schemeClr>
+    </dgm:fillClrLst>
+    <dgm:linClrLst meth="repeat">
+      <a:schemeClr val="lt1"/>
+    </dgm:linClrLst>
+    <dgm:effectClrLst/>
+    <dgm:txLinClrLst/>
+    <dgm:txFillClrLst meth="repeat">
+      <a:schemeClr val="dk1"/>
+    </dgm:txFillClrLst>
+    <dgm:txEffectClrLst/>
+  </dgm:styleLbl>
+  <dgm:styleLbl name="fgAcc0">
+    <dgm:fillClrLst meth="repeat">
+      <a:schemeClr val="lt1">
+        <a:alpha val="90000"/>
+      </a:schemeClr>
+    </dgm:fillClrLst>
+    <dgm:linClrLst meth="repeat">
+      <a:schemeClr val="accent3">
+        <a:shade val="80000"/>
+      </a:schemeClr>
+    </dgm:linClrLst>
+    <dgm:effectClrLst/>
+    <dgm:txLinClrLst/>
+    <dgm:txFillClrLst meth="repeat">
+      <a:schemeClr val="dk1"/>
+    </dgm:txFillClrLst>
+    <dgm:txEffectClrLst/>
+  </dgm:styleLbl>
+  <dgm:styleLbl name="fgAcc2">
+    <dgm:fillClrLst meth="repeat">
+      <a:schemeClr val="lt1">
+        <a:alpha val="90000"/>
+      </a:schemeClr>
+    </dgm:fillClrLst>
+    <dgm:linClrLst meth="repeat">
+      <a:schemeClr val="accent3">
+        <a:tint val="90000"/>
+      </a:schemeClr>
+    </dgm:linClrLst>
+    <dgm:effectClrLst/>
+    <dgm:txLinClrLst/>
+    <dgm:txFillClrLst meth="repeat">
+      <a:schemeClr val="dk1"/>
+    </dgm:txFillClrLst>
+    <dgm:txEffectClrLst/>
+  </dgm:styleLbl>
+  <dgm:styleLbl name="fgAcc3">
+    <dgm:fillClrLst meth="repeat">
+      <a:schemeClr val="lt1">
+        <a:alpha val="90000"/>
+      </a:schemeClr>
+    </dgm:fillClrLst>
+    <dgm:linClrLst meth="repeat">
+      <a:schemeClr val="accent3">
+        <a:tint val="70000"/>
+      </a:schemeClr>
+    </dgm:linClrLst>
+    <dgm:effectClrLst/>
+    <dgm:txLinClrLst/>
+    <dgm:txFillClrLst meth="repeat">
+      <a:schemeClr val="dk1"/>
+    </dgm:txFillClrLst>
+    <dgm:txEffectClrLst/>
+  </dgm:styleLbl>
+  <dgm:styleLbl name="fgAcc4">
+    <dgm:fillClrLst meth="repeat">
+      <a:schemeClr val="lt1">
+        <a:alpha val="90000"/>
+      </a:schemeClr>
+    </dgm:fillClrLst>
+    <dgm:linClrLst meth="repeat">
+      <a:schemeClr val="accent3">
+        <a:tint val="50000"/>
+      </a:schemeClr>
+    </dgm:linClrLst>
+    <dgm:effectClrLst/>
+    <dgm:txLinClrLst/>
+    <dgm:txFillClrLst meth="repeat">
+      <a:schemeClr val="dk1"/>
+    </dgm:txFillClrLst>
+    <dgm:txEffectClrLst/>
+  </dgm:styleLbl>
+  <dgm:styleLbl name="bgShp">
+    <dgm:fillClrLst meth="repeat">
+      <a:schemeClr val="accent3">
+        <a:tint val="40000"/>
+      </a:schemeClr>
+    </dgm:fillClrLst>
+    <dgm:linClrLst meth="repeat">
+      <a:schemeClr val="dk1"/>
+    </dgm:linClrLst>
+    <dgm:effectClrLst/>
+    <dgm:txLinClrLst/>
+    <dgm:txFillClrLst meth="repeat">
+      <a:schemeClr val="dk1"/>
+    </dgm:txFillClrLst>
+    <dgm:txEffectClrLst/>
+  </dgm:styleLbl>
+  <dgm:styleLbl name="dkBgShp">
+    <dgm:fillClrLst meth="repeat">
+      <a:schemeClr val="accent3">
+        <a:shade val="90000"/>
+      </a:schemeClr>
+    </dgm:fillClrLst>
+    <dgm:linClrLst meth="repeat">
+      <a:schemeClr val="dk1"/>
+    </dgm:linClrLst>
+    <dgm:effectClrLst/>
+    <dgm:txLinClrLst/>
+    <dgm:txFillClrLst meth="repeat">
+      <a:schemeClr val="lt1"/>
+    </dgm:txFillClrLst>
+    <dgm:txEffectClrLst/>
+  </dgm:styleLbl>
+  <dgm:styleLbl name="trBgShp">
+    <dgm:fillClrLst meth="repeat">
+      <a:schemeClr val="accent3">
+        <a:tint val="50000"/>
+        <a:alpha val="40000"/>
+      </a:schemeClr>
+    </dgm:fillClrLst>
+    <dgm:linClrLst meth="repeat">
+      <a:schemeClr val="accent3"/>
+    </dgm:linClrLst>
+    <dgm:effectClrLst/>
+    <dgm:txLinClrLst/>
+    <dgm:txFillClrLst meth="repeat">
+      <a:schemeClr val="lt1"/>
+    </dgm:txFillClrLst>
+    <dgm:txEffectClrLst/>
+  </dgm:styleLbl>
+  <dgm:styleLbl name="fgShp">
+    <dgm:fillClrLst meth="repeat">
+      <a:schemeClr val="accent3">
+        <a:tint val="40000"/>
+      </a:schemeClr>
+    </dgm:fillClrLst>
+    <dgm:linClrLst meth="repeat">
+      <a:schemeClr val="lt1"/>
+    </dgm:linClrLst>
+    <dgm:effectClrLst/>
+    <dgm:txLinClrLst/>
+    <dgm:txFillClrLst meth="repeat">
+      <a:schemeClr val="dk1"/>
+    </dgm:txFillClrLst>
+    <dgm:txEffectClrLst/>
+  </dgm:styleLbl>
+  <dgm:styleLbl name="revTx">
+    <dgm:fillClrLst meth="repeat">
+      <a:schemeClr val="lt1">
+        <a:alpha val="0"/>
+      </a:schemeClr>
+    </dgm:fillClrLst>
+    <dgm:linClrLst meth="repeat">
+      <a:schemeClr val="dk1">
+        <a:alpha val="0"/>
+      </a:schemeClr>
+    </dgm:linClrLst>
+    <dgm:effectClrLst/>
+    <dgm:txLinClrLst/>
+    <dgm:txFillClrLst meth="repeat">
+      <a:schemeClr val="tx1"/>
+    </dgm:txFillClrLst>
+    <dgm:txEffectClrLst/>
+  </dgm:styleLbl>
+</dgm:colorsDef>
+</file>
+
+<file path=ppt/diagrams/data1.xml><?xml version="1.0" encoding="utf-8"?>
+<dgm:dataModel xmlns:dgm="http://schemas.openxmlformats.org/drawingml/2006/diagram" xmlns:a="http://schemas.openxmlformats.org/drawingml/2006/main">
+  <dgm:ptLst>
+    <dgm:pt modelId="{38BEECF8-0B02-604B-8C93-6F24C8521E73}" type="doc">
+      <dgm:prSet loTypeId="urn:microsoft.com/office/officeart/2005/8/layout/hChevron3" loCatId="" qsTypeId="urn:microsoft.com/office/officeart/2005/8/quickstyle/3D2" qsCatId="3D" csTypeId="urn:microsoft.com/office/officeart/2005/8/colors/accent3_5" csCatId="accent3" phldr="1"/>
+      <dgm:spPr/>
+    </dgm:pt>
+    <dgm:pt modelId="{116F74F5-4028-3F45-88E2-8C0B0C95263C}">
+      <dgm:prSet phldrT="[Text]" custT="1">
+        <dgm:style>
+          <a:lnRef idx="1">
+            <a:schemeClr val="accent3"/>
+          </a:lnRef>
+          <a:fillRef idx="2">
+            <a:schemeClr val="accent3"/>
+          </a:fillRef>
+          <a:effectRef idx="1">
+            <a:schemeClr val="accent3"/>
+          </a:effectRef>
+          <a:fontRef idx="minor">
+            <a:schemeClr val="dk1"/>
+          </a:fontRef>
+        </dgm:style>
+      </dgm:prSet>
+      <dgm:spPr/>
+      <dgm:t>
+        <a:bodyPr/>
+        <a:lstStyle/>
+        <a:p>
+          <a:r>
+            <a:rPr lang="en-US" sz="5000" dirty="0" smtClean="0"/>
+            <a:t>Compute Agreements</a:t>
+          </a:r>
+          <a:endParaRPr lang="en-US" sz="5000" dirty="0"/>
+        </a:p>
+      </dgm:t>
+    </dgm:pt>
+    <dgm:pt modelId="{ACE8C5C1-36D9-D74D-8610-4DE5A697F5BD}" type="parTrans" cxnId="{8D49BACA-E91E-5E47-B1F3-9C5DB6633183}">
+      <dgm:prSet/>
+      <dgm:spPr/>
+      <dgm:t>
+        <a:bodyPr/>
+        <a:lstStyle/>
+        <a:p>
+          <a:endParaRPr lang="en-US"/>
+        </a:p>
+      </dgm:t>
+    </dgm:pt>
+    <dgm:pt modelId="{A18E541C-B6F8-F34E-9BA2-931C40DA63B6}" type="sibTrans" cxnId="{8D49BACA-E91E-5E47-B1F3-9C5DB6633183}">
+      <dgm:prSet/>
+      <dgm:spPr/>
+      <dgm:t>
+        <a:bodyPr/>
+        <a:lstStyle/>
+        <a:p>
+          <a:endParaRPr lang="en-US"/>
+        </a:p>
+      </dgm:t>
+    </dgm:pt>
+    <dgm:pt modelId="{0940C72B-4554-074E-BA3E-548C7F341CA7}">
+      <dgm:prSet phldrT="[Text]" custT="1">
+        <dgm:style>
+          <a:lnRef idx="1">
+            <a:schemeClr val="accent3"/>
+          </a:lnRef>
+          <a:fillRef idx="2">
+            <a:schemeClr val="accent3"/>
+          </a:fillRef>
+          <a:effectRef idx="1">
+            <a:schemeClr val="accent3"/>
+          </a:effectRef>
+          <a:fontRef idx="minor">
+            <a:schemeClr val="dk1"/>
+          </a:fontRef>
+        </dgm:style>
+      </dgm:prSet>
+      <dgm:spPr/>
+      <dgm:t>
+        <a:bodyPr/>
+        <a:lstStyle/>
+        <a:p>
+          <a:r>
+            <a:rPr lang="en-US" sz="5000" dirty="0" smtClean="0"/>
+            <a:t>Compute Variances</a:t>
+          </a:r>
+          <a:endParaRPr lang="en-US" sz="5000" dirty="0"/>
+        </a:p>
+      </dgm:t>
+    </dgm:pt>
+    <dgm:pt modelId="{DA754511-A3C2-ED43-9303-E46DF35D80A8}" type="parTrans" cxnId="{ADBADC1C-C3FF-1141-9138-7F3B039C5592}">
+      <dgm:prSet/>
+      <dgm:spPr/>
+      <dgm:t>
+        <a:bodyPr/>
+        <a:lstStyle/>
+        <a:p>
+          <a:endParaRPr lang="en-US"/>
+        </a:p>
+      </dgm:t>
+    </dgm:pt>
+    <dgm:pt modelId="{F4190928-EC8A-7442-B34F-11F3FB06E220}" type="sibTrans" cxnId="{ADBADC1C-C3FF-1141-9138-7F3B039C5592}">
+      <dgm:prSet/>
+      <dgm:spPr/>
+      <dgm:t>
+        <a:bodyPr/>
+        <a:lstStyle/>
+        <a:p>
+          <a:endParaRPr lang="en-US"/>
+        </a:p>
+      </dgm:t>
+    </dgm:pt>
+    <dgm:pt modelId="{F08485FE-D0FD-7745-B0CE-242137B291CA}">
+      <dgm:prSet phldrT="[Text]" custT="1">
+        <dgm:style>
+          <a:lnRef idx="1">
+            <a:schemeClr val="accent3"/>
+          </a:lnRef>
+          <a:fillRef idx="2">
+            <a:schemeClr val="accent3"/>
+          </a:fillRef>
+          <a:effectRef idx="1">
+            <a:schemeClr val="accent3"/>
+          </a:effectRef>
+          <a:fontRef idx="minor">
+            <a:schemeClr val="dk1"/>
+          </a:fontRef>
+        </dgm:style>
+      </dgm:prSet>
+      <dgm:spPr/>
+      <dgm:t>
+        <a:bodyPr/>
+        <a:lstStyle/>
+        <a:p>
+          <a:r>
+            <a:rPr lang="en-US" sz="5000" dirty="0" smtClean="0"/>
+            <a:t>Compute Intervals</a:t>
+          </a:r>
+          <a:endParaRPr lang="en-US" sz="5000" dirty="0"/>
+        </a:p>
+      </dgm:t>
+    </dgm:pt>
+    <dgm:pt modelId="{696F3056-08D5-0344-A7DC-64D0E19B860B}" type="parTrans" cxnId="{E4DDD113-FF0C-1546-81FC-1E0E2EE1052C}">
+      <dgm:prSet/>
+      <dgm:spPr/>
+      <dgm:t>
+        <a:bodyPr/>
+        <a:lstStyle/>
+        <a:p>
+          <a:endParaRPr lang="en-US"/>
+        </a:p>
+      </dgm:t>
+    </dgm:pt>
+    <dgm:pt modelId="{6D5FF295-B56C-1E46-B4C0-BF9D53C99390}" type="sibTrans" cxnId="{E4DDD113-FF0C-1546-81FC-1E0E2EE1052C}">
+      <dgm:prSet/>
+      <dgm:spPr/>
+      <dgm:t>
+        <a:bodyPr/>
+        <a:lstStyle/>
+        <a:p>
+          <a:endParaRPr lang="en-US"/>
+        </a:p>
+      </dgm:t>
+    </dgm:pt>
+    <dgm:pt modelId="{F110C852-6F45-FB48-B1FF-E7AAA445E08A}">
+      <dgm:prSet phldrT="[Text]" custT="1">
+        <dgm:style>
+          <a:lnRef idx="1">
+            <a:schemeClr val="accent3"/>
+          </a:lnRef>
+          <a:fillRef idx="2">
+            <a:schemeClr val="accent3"/>
+          </a:fillRef>
+          <a:effectRef idx="1">
+            <a:schemeClr val="accent3"/>
+          </a:effectRef>
+          <a:fontRef idx="minor">
+            <a:schemeClr val="dk1"/>
+          </a:fontRef>
+        </dgm:style>
+      </dgm:prSet>
+      <dgm:spPr/>
+      <dgm:t>
+        <a:bodyPr/>
+        <a:lstStyle/>
+        <a:p>
+          <a:r>
+            <a:rPr lang="en-US" sz="5000" dirty="0" smtClean="0"/>
+            <a:t>Compute </a:t>
+          </a:r>
+          <a:r>
+            <a:rPr lang="en-US" sz="5000" dirty="0" smtClean="0"/>
+            <a:t>Derivatives</a:t>
+          </a:r>
+        </a:p>
+      </dgm:t>
+    </dgm:pt>
+    <dgm:pt modelId="{9EFCFFDB-A8ED-7D47-8710-26948EB2A4B9}" type="parTrans" cxnId="{415097DD-1744-694A-8AEF-A4608CB56BCB}">
+      <dgm:prSet/>
+      <dgm:spPr/>
+      <dgm:t>
+        <a:bodyPr/>
+        <a:lstStyle/>
+        <a:p>
+          <a:endParaRPr lang="en-US"/>
+        </a:p>
+      </dgm:t>
+    </dgm:pt>
+    <dgm:pt modelId="{E74471A5-F2F0-EB4B-AF20-2282F540ACA6}" type="sibTrans" cxnId="{415097DD-1744-694A-8AEF-A4608CB56BCB}">
+      <dgm:prSet/>
+      <dgm:spPr/>
+      <dgm:t>
+        <a:bodyPr/>
+        <a:lstStyle/>
+        <a:p>
+          <a:endParaRPr lang="en-US"/>
+        </a:p>
+      </dgm:t>
+    </dgm:pt>
+    <dgm:pt modelId="{EAD6E5A0-9F70-3F45-ACC5-45D1D1E92FFB}">
+      <dgm:prSet phldrT="[Text]" custT="1">
+        <dgm:style>
+          <a:lnRef idx="1">
+            <a:schemeClr val="accent3"/>
+          </a:lnRef>
+          <a:fillRef idx="2">
+            <a:schemeClr val="accent3"/>
+          </a:fillRef>
+          <a:effectRef idx="1">
+            <a:schemeClr val="accent3"/>
+          </a:effectRef>
+          <a:fontRef idx="minor">
+            <a:schemeClr val="dk1"/>
+          </a:fontRef>
+        </dgm:style>
+      </dgm:prSet>
+      <dgm:spPr/>
+      <dgm:t>
+        <a:bodyPr/>
+        <a:lstStyle/>
+        <a:p>
+          <a:r>
+            <a:rPr lang="en-US" sz="5000" dirty="0" err="1" smtClean="0"/>
+            <a:t>q</a:t>
+          </a:r>
+          <a:r>
+            <a:rPr lang="en-US" sz="5000" baseline="-25000" dirty="0" err="1" smtClean="0"/>
+            <a:t>ij</a:t>
+          </a:r>
+          <a:r>
+            <a:rPr lang="en-US" sz="5000" baseline="-25000" dirty="0" smtClean="0"/>
+            <a:t> </a:t>
+          </a:r>
+          <a:r>
+            <a:rPr lang="en-US" sz="5000" baseline="0" dirty="0" smtClean="0"/>
+            <a:t>~ </a:t>
+          </a:r>
+          <a:r>
+            <a:rPr lang="en-US" sz="5000" baseline="0" dirty="0" err="1" smtClean="0"/>
+            <a:t>p</a:t>
+          </a:r>
+          <a:r>
+            <a:rPr lang="en-US" sz="5000" baseline="-25000" dirty="0" err="1" smtClean="0"/>
+            <a:t>i</a:t>
+          </a:r>
+          <a:r>
+            <a:rPr lang="en-US" sz="5000" baseline="0" dirty="0" err="1" smtClean="0"/>
+            <a:t>p</a:t>
+          </a:r>
+          <a:r>
+            <a:rPr lang="en-US" sz="5000" baseline="-25000" dirty="0" err="1" smtClean="0"/>
+            <a:t>j</a:t>
+          </a:r>
+          <a:r>
+            <a:rPr lang="en-US" sz="5000" baseline="0" dirty="0" smtClean="0"/>
+            <a:t> + (1-p</a:t>
+          </a:r>
+          <a:r>
+            <a:rPr lang="en-US" sz="5000" baseline="-25000" dirty="0" smtClean="0"/>
+            <a:t>i</a:t>
+          </a:r>
+          <a:r>
+            <a:rPr lang="en-US" sz="5000" baseline="0" dirty="0" smtClean="0"/>
+            <a:t>)(1-p</a:t>
+          </a:r>
+          <a:r>
+            <a:rPr lang="en-US" sz="5000" baseline="-25000" dirty="0" smtClean="0"/>
+            <a:t>j</a:t>
+          </a:r>
+          <a:r>
+            <a:rPr lang="en-US" sz="5000" baseline="0" dirty="0" smtClean="0"/>
+            <a:t>)</a:t>
+          </a:r>
+          <a:endParaRPr lang="en-US" sz="5000" baseline="-25000" dirty="0"/>
+        </a:p>
+      </dgm:t>
+    </dgm:pt>
+    <dgm:pt modelId="{E11809C5-32E7-3C46-845E-F86694928719}" type="parTrans" cxnId="{CEDEA953-40C2-9847-8A59-02F857334E7C}">
+      <dgm:prSet/>
+      <dgm:spPr/>
+      <dgm:t>
+        <a:bodyPr/>
+        <a:lstStyle/>
+        <a:p>
+          <a:endParaRPr lang="en-US"/>
+        </a:p>
+      </dgm:t>
+    </dgm:pt>
+    <dgm:pt modelId="{00ED442B-D535-194A-9768-7D457ABDFF00}" type="sibTrans" cxnId="{CEDEA953-40C2-9847-8A59-02F857334E7C}">
+      <dgm:prSet/>
+      <dgm:spPr/>
+      <dgm:t>
+        <a:bodyPr/>
+        <a:lstStyle/>
+        <a:p>
+          <a:endParaRPr lang="en-US"/>
+        </a:p>
+      </dgm:t>
+    </dgm:pt>
+    <dgm:pt modelId="{57E308DC-0EC2-3A4A-AE1A-51AEC3F6FB47}">
+      <dgm:prSet phldrT="[Text]" custT="1">
+        <dgm:style>
+          <a:lnRef idx="1">
+            <a:schemeClr val="accent3"/>
+          </a:lnRef>
+          <a:fillRef idx="2">
+            <a:schemeClr val="accent3"/>
+          </a:fillRef>
+          <a:effectRef idx="1">
+            <a:schemeClr val="accent3"/>
+          </a:effectRef>
+          <a:fontRef idx="minor">
+            <a:schemeClr val="dk1"/>
+          </a:fontRef>
+        </dgm:style>
+      </dgm:prSet>
+      <dgm:spPr/>
+      <dgm:t>
+        <a:bodyPr/>
+        <a:lstStyle/>
+        <a:p>
+          <a:r>
+            <a:rPr lang="en-US" sz="5000" baseline="0" dirty="0" smtClean="0"/>
+            <a:t>Solve to get p</a:t>
+          </a:r>
+          <a:r>
+            <a:rPr lang="en-US" sz="5000" baseline="-25000" dirty="0" smtClean="0"/>
+            <a:t>i</a:t>
+          </a:r>
+          <a:endParaRPr lang="en-US" sz="5000" baseline="-25000" dirty="0"/>
+        </a:p>
+      </dgm:t>
+    </dgm:pt>
+    <dgm:pt modelId="{9E72F64B-F4FC-9E4D-8EE4-B467A85DB5BB}" type="parTrans" cxnId="{6F06F21B-2B18-BB4B-966A-C18899732967}">
+      <dgm:prSet/>
+      <dgm:spPr/>
+      <dgm:t>
+        <a:bodyPr/>
+        <a:lstStyle/>
+        <a:p>
+          <a:endParaRPr lang="en-US"/>
+        </a:p>
+      </dgm:t>
+    </dgm:pt>
+    <dgm:pt modelId="{47279E9B-3DE1-734D-9192-83E819833D93}" type="sibTrans" cxnId="{6F06F21B-2B18-BB4B-966A-C18899732967}">
+      <dgm:prSet/>
+      <dgm:spPr/>
+      <dgm:t>
+        <a:bodyPr/>
+        <a:lstStyle/>
+        <a:p>
+          <a:endParaRPr lang="en-US"/>
+        </a:p>
+      </dgm:t>
+    </dgm:pt>
+    <dgm:pt modelId="{6A786F66-321C-D144-87D5-6AEFA9B69512}">
+      <dgm:prSet phldrT="[Text]" custT="1">
+        <dgm:style>
+          <a:lnRef idx="1">
+            <a:schemeClr val="accent3"/>
+          </a:lnRef>
+          <a:fillRef idx="2">
+            <a:schemeClr val="accent3"/>
+          </a:fillRef>
+          <a:effectRef idx="1">
+            <a:schemeClr val="accent3"/>
+          </a:effectRef>
+          <a:fontRef idx="minor">
+            <a:schemeClr val="dk1"/>
+          </a:fontRef>
+        </dgm:style>
+      </dgm:prSet>
+      <dgm:spPr/>
+      <dgm:t>
+        <a:bodyPr/>
+        <a:lstStyle/>
+        <a:p>
+          <a:r>
+            <a:rPr lang="en-US" sz="5000" dirty="0" err="1" smtClean="0"/>
+            <a:t>Var</a:t>
+          </a:r>
+          <a:r>
+            <a:rPr lang="en-US" sz="5000" dirty="0" smtClean="0"/>
+            <a:t>(q) ~ q(1-q)</a:t>
+          </a:r>
+          <a:endParaRPr lang="en-US" sz="5000" dirty="0"/>
+        </a:p>
+      </dgm:t>
+    </dgm:pt>
+    <dgm:pt modelId="{6DA661F8-EF02-FF4E-BDAA-7AF8DC641AAF}" type="parTrans" cxnId="{E1FF5F0F-3C30-EA4D-A27B-1EC4F659009A}">
+      <dgm:prSet/>
+      <dgm:spPr/>
+      <dgm:t>
+        <a:bodyPr/>
+        <a:lstStyle/>
+        <a:p>
+          <a:endParaRPr lang="en-US"/>
+        </a:p>
+      </dgm:t>
+    </dgm:pt>
+    <dgm:pt modelId="{A6270F27-CC75-DB4F-B27C-FA3A163E10AA}" type="sibTrans" cxnId="{E1FF5F0F-3C30-EA4D-A27B-1EC4F659009A}">
+      <dgm:prSet/>
+      <dgm:spPr/>
+      <dgm:t>
+        <a:bodyPr/>
+        <a:lstStyle/>
+        <a:p>
+          <a:endParaRPr lang="en-US"/>
+        </a:p>
+      </dgm:t>
+    </dgm:pt>
+    <dgm:pt modelId="{EAF09015-B620-4843-BA44-7E16D6D51C9B}">
+      <dgm:prSet phldrT="[Text]" custT="1">
+        <dgm:style>
+          <a:lnRef idx="1">
+            <a:schemeClr val="accent3"/>
+          </a:lnRef>
+          <a:fillRef idx="2">
+            <a:schemeClr val="accent3"/>
+          </a:fillRef>
+          <a:effectRef idx="1">
+            <a:schemeClr val="accent3"/>
+          </a:effectRef>
+          <a:fontRef idx="minor">
+            <a:schemeClr val="dk1"/>
+          </a:fontRef>
+        </dgm:style>
+      </dgm:prSet>
+      <dgm:spPr/>
+      <dgm:t>
+        <a:bodyPr/>
+        <a:lstStyle/>
+        <a:p>
+          <a:r>
+            <a:rPr lang="en-US" sz="5000" dirty="0" err="1" smtClean="0"/>
+            <a:t>Cov</a:t>
+          </a:r>
+          <a:r>
+            <a:rPr lang="en-US" sz="5000" dirty="0" smtClean="0"/>
+            <a:t>(</a:t>
+          </a:r>
+          <a:r>
+            <a:rPr lang="en-US" sz="5000" dirty="0" err="1" smtClean="0"/>
+            <a:t>q</a:t>
+          </a:r>
+          <a:r>
+            <a:rPr lang="en-US" sz="5000" baseline="-25000" dirty="0" err="1" smtClean="0"/>
+            <a:t>ij</a:t>
+          </a:r>
+          <a:r>
+            <a:rPr lang="en-US" sz="5000" dirty="0" err="1" smtClean="0"/>
+            <a:t>,q</a:t>
+          </a:r>
+          <a:r>
+            <a:rPr lang="en-US" sz="5000" baseline="-25000" dirty="0" err="1" smtClean="0"/>
+            <a:t>ik</a:t>
+          </a:r>
+          <a:r>
+            <a:rPr lang="en-US" sz="5000" dirty="0" smtClean="0"/>
+            <a:t>) </a:t>
+          </a:r>
+          <a:endParaRPr lang="en-US" sz="5000" dirty="0"/>
+        </a:p>
+      </dgm:t>
+    </dgm:pt>
+    <dgm:pt modelId="{93FDBF4A-797E-6944-8397-37C50DB73AA5}" type="parTrans" cxnId="{837DAAB8-08FD-CB40-9368-C88A49066D80}">
+      <dgm:prSet/>
+      <dgm:spPr/>
+      <dgm:t>
+        <a:bodyPr/>
+        <a:lstStyle/>
+        <a:p>
+          <a:endParaRPr lang="en-US"/>
+        </a:p>
+      </dgm:t>
+    </dgm:pt>
+    <dgm:pt modelId="{9CEC6EA0-D1F2-D74B-AE2E-ACFFFFCD6939}" type="sibTrans" cxnId="{837DAAB8-08FD-CB40-9368-C88A49066D80}">
+      <dgm:prSet/>
+      <dgm:spPr/>
+      <dgm:t>
+        <a:bodyPr/>
+        <a:lstStyle/>
+        <a:p>
+          <a:endParaRPr lang="en-US"/>
+        </a:p>
+      </dgm:t>
+    </dgm:pt>
+    <dgm:pt modelId="{49570BFE-7D50-9848-8767-AE38C8AEB623}">
+      <dgm:prSet phldrT="[Text]" custT="1">
+        <dgm:style>
+          <a:lnRef idx="1">
+            <a:schemeClr val="accent3"/>
+          </a:lnRef>
+          <a:fillRef idx="2">
+            <a:schemeClr val="accent3"/>
+          </a:fillRef>
+          <a:effectRef idx="1">
+            <a:schemeClr val="accent3"/>
+          </a:effectRef>
+          <a:fontRef idx="minor">
+            <a:schemeClr val="dk1"/>
+          </a:fontRef>
+        </dgm:style>
+      </dgm:prSet>
+      <dgm:spPr/>
+      <dgm:t>
+        <a:bodyPr/>
+        <a:lstStyle/>
+        <a:p>
+          <a:r>
+            <a:rPr lang="en-US" sz="5000" dirty="0" err="1" smtClean="0"/>
+            <a:t>Cov</a:t>
+          </a:r>
+          <a:r>
+            <a:rPr lang="en-US" sz="5000" dirty="0" smtClean="0"/>
+            <a:t>(</a:t>
+          </a:r>
+          <a:r>
+            <a:rPr lang="en-US" sz="5000" dirty="0" err="1" smtClean="0"/>
+            <a:t>q</a:t>
+          </a:r>
+          <a:r>
+            <a:rPr lang="en-US" sz="5000" baseline="-25000" dirty="0" err="1" smtClean="0"/>
+            <a:t>ij</a:t>
+          </a:r>
+          <a:r>
+            <a:rPr lang="en-US" sz="5000" dirty="0" err="1" smtClean="0"/>
+            <a:t>,q</a:t>
+          </a:r>
+          <a:r>
+            <a:rPr lang="en-US" sz="5000" baseline="-25000" dirty="0" err="1" smtClean="0"/>
+            <a:t>ij</a:t>
+          </a:r>
+          <a:r>
+            <a:rPr lang="en-US" sz="5000" dirty="0" smtClean="0"/>
+            <a:t>)</a:t>
+          </a:r>
+          <a:endParaRPr lang="en-US" sz="5000" dirty="0"/>
+        </a:p>
+      </dgm:t>
+    </dgm:pt>
+    <dgm:pt modelId="{7F0FCC64-197C-EF44-BFB8-03441512624A}" type="parTrans" cxnId="{581E594E-7755-AC42-B9DC-05F1E9235722}">
+      <dgm:prSet/>
+      <dgm:spPr/>
+      <dgm:t>
+        <a:bodyPr/>
+        <a:lstStyle/>
+        <a:p>
+          <a:endParaRPr lang="en-US"/>
+        </a:p>
+      </dgm:t>
+    </dgm:pt>
+    <dgm:pt modelId="{F4C95928-736B-2A47-ADAA-73922ADDA6B8}" type="sibTrans" cxnId="{581E594E-7755-AC42-B9DC-05F1E9235722}">
+      <dgm:prSet/>
+      <dgm:spPr/>
+      <dgm:t>
+        <a:bodyPr/>
+        <a:lstStyle/>
+        <a:p>
+          <a:endParaRPr lang="en-US"/>
+        </a:p>
+      </dgm:t>
+    </dgm:pt>
+    <dgm:pt modelId="{BC511722-39B0-C544-9215-E00E086D6D9D}">
+      <dgm:prSet phldrT="[Text]" custT="1">
+        <dgm:style>
+          <a:lnRef idx="1">
+            <a:schemeClr val="accent3"/>
+          </a:lnRef>
+          <a:fillRef idx="2">
+            <a:schemeClr val="accent3"/>
+          </a:fillRef>
+          <a:effectRef idx="1">
+            <a:schemeClr val="accent3"/>
+          </a:effectRef>
+          <a:fontRef idx="minor">
+            <a:schemeClr val="dk1"/>
+          </a:fontRef>
+        </dgm:style>
+      </dgm:prSet>
+      <dgm:spPr/>
+      <dgm:t>
+        <a:bodyPr/>
+        <a:lstStyle/>
+        <a:p>
+          <a:r>
+            <a:rPr lang="en-US" sz="5000" dirty="0" smtClean="0"/>
+            <a:t>dp</a:t>
+          </a:r>
+          <a:r>
+            <a:rPr lang="en-US" sz="5000" baseline="-25000" dirty="0" smtClean="0"/>
+            <a:t>i</a:t>
+          </a:r>
+          <a:r>
+            <a:rPr lang="en-US" sz="5000" dirty="0" smtClean="0"/>
+            <a:t>/</a:t>
+          </a:r>
+          <a:r>
+            <a:rPr lang="en-US" sz="5000" dirty="0" err="1" smtClean="0"/>
+            <a:t>dq</a:t>
+          </a:r>
+          <a:r>
+            <a:rPr lang="en-US" sz="5000" baseline="-25000" dirty="0" err="1" smtClean="0"/>
+            <a:t>ij</a:t>
+          </a:r>
+          <a:endParaRPr lang="en-US" sz="5000" dirty="0" smtClean="0"/>
+        </a:p>
+      </dgm:t>
+    </dgm:pt>
+    <dgm:pt modelId="{3F3A86FB-CB67-D642-ABF2-0B5740AEC9C5}" type="parTrans" cxnId="{DF29CD4F-7904-2E45-A41F-79E55EE04902}">
+      <dgm:prSet/>
+      <dgm:spPr/>
+      <dgm:t>
+        <a:bodyPr/>
+        <a:lstStyle/>
+        <a:p>
+          <a:endParaRPr lang="en-US"/>
+        </a:p>
+      </dgm:t>
+    </dgm:pt>
+    <dgm:pt modelId="{BA5D79F3-533E-194C-ABE5-0BEAA9DE3D8E}" type="sibTrans" cxnId="{DF29CD4F-7904-2E45-A41F-79E55EE04902}">
+      <dgm:prSet/>
+      <dgm:spPr/>
+      <dgm:t>
+        <a:bodyPr/>
+        <a:lstStyle/>
+        <a:p>
+          <a:endParaRPr lang="en-US"/>
+        </a:p>
+      </dgm:t>
+    </dgm:pt>
+    <dgm:pt modelId="{9A15DA94-001B-3749-BD29-ED2F428A5EFB}">
+      <dgm:prSet phldrT="[Text]" custT="1">
+        <dgm:style>
+          <a:lnRef idx="1">
+            <a:schemeClr val="accent3"/>
+          </a:lnRef>
+          <a:fillRef idx="2">
+            <a:schemeClr val="accent3"/>
+          </a:fillRef>
+          <a:effectRef idx="1">
+            <a:schemeClr val="accent3"/>
+          </a:effectRef>
+          <a:fontRef idx="minor">
+            <a:schemeClr val="dk1"/>
+          </a:fontRef>
+        </dgm:style>
+      </dgm:prSet>
+      <dgm:spPr/>
+      <dgm:t>
+        <a:bodyPr/>
+        <a:lstStyle/>
+        <a:p>
+          <a:r>
+            <a:rPr lang="en-US" sz="5000" dirty="0" smtClean="0"/>
+            <a:t>dp</a:t>
+          </a:r>
+          <a:r>
+            <a:rPr lang="en-US" sz="5000" baseline="-25000" dirty="0" smtClean="0"/>
+            <a:t>i</a:t>
+          </a:r>
+          <a:r>
+            <a:rPr lang="en-US" sz="5000" dirty="0" smtClean="0"/>
+            <a:t>/</a:t>
+          </a:r>
+          <a:r>
+            <a:rPr lang="en-US" sz="5000" dirty="0" err="1" smtClean="0"/>
+            <a:t>dq</a:t>
+          </a:r>
+          <a:r>
+            <a:rPr lang="en-US" sz="5000" baseline="-25000" dirty="0" err="1" smtClean="0"/>
+            <a:t>jk</a:t>
+          </a:r>
+          <a:r>
+            <a:rPr lang="en-US" sz="5000" dirty="0" smtClean="0"/>
+            <a:t> </a:t>
+          </a:r>
+        </a:p>
+      </dgm:t>
+    </dgm:pt>
+    <dgm:pt modelId="{A3B5D4E9-E83C-754D-BA54-07DF7C596D53}" type="parTrans" cxnId="{4335E355-DEE4-5940-A577-47251E52DDD8}">
+      <dgm:prSet/>
+      <dgm:spPr/>
+      <dgm:t>
+        <a:bodyPr/>
+        <a:lstStyle/>
+        <a:p>
+          <a:endParaRPr lang="en-US"/>
+        </a:p>
+      </dgm:t>
+    </dgm:pt>
+    <dgm:pt modelId="{6E8ED6EA-BDAB-2546-941D-66BEE8909944}" type="sibTrans" cxnId="{4335E355-DEE4-5940-A577-47251E52DDD8}">
+      <dgm:prSet/>
+      <dgm:spPr/>
+      <dgm:t>
+        <a:bodyPr/>
+        <a:lstStyle/>
+        <a:p>
+          <a:endParaRPr lang="en-US"/>
+        </a:p>
+      </dgm:t>
+    </dgm:pt>
+    <dgm:pt modelId="{68D95848-EFCF-C74B-8B3E-5464E5A4673B}">
+      <dgm:prSet phldrT="[Text]" custT="1">
+        <dgm:style>
+          <a:lnRef idx="1">
+            <a:schemeClr val="accent3"/>
+          </a:lnRef>
+          <a:fillRef idx="2">
+            <a:schemeClr val="accent3"/>
+          </a:fillRef>
+          <a:effectRef idx="1">
+            <a:schemeClr val="accent3"/>
+          </a:effectRef>
+          <a:fontRef idx="minor">
+            <a:schemeClr val="dk1"/>
+          </a:fontRef>
+        </dgm:style>
+      </dgm:prSet>
+      <dgm:spPr/>
+      <dgm:t>
+        <a:bodyPr/>
+        <a:lstStyle/>
+        <a:p>
+          <a:r>
+            <a:rPr lang="en-US" sz="5000" dirty="0" smtClean="0"/>
+            <a:t>p</a:t>
+          </a:r>
+          <a:r>
+            <a:rPr lang="en-US" sz="5000" baseline="-25000" dirty="0" smtClean="0"/>
+            <a:t>i</a:t>
+          </a:r>
+          <a:r>
+            <a:rPr lang="en-US" sz="5000" dirty="0" smtClean="0"/>
+            <a:t> mean</a:t>
+          </a:r>
+          <a:endParaRPr lang="en-US" sz="5000" dirty="0"/>
+        </a:p>
+      </dgm:t>
+    </dgm:pt>
+    <dgm:pt modelId="{D8BE48FA-80D5-2D46-8103-D63AA139B9BC}" type="parTrans" cxnId="{5BEA15F4-01B9-894B-9D83-F53FDA1F6236}">
+      <dgm:prSet/>
+      <dgm:spPr/>
+      <dgm:t>
+        <a:bodyPr/>
+        <a:lstStyle/>
+        <a:p>
+          <a:endParaRPr lang="en-US"/>
+        </a:p>
+      </dgm:t>
+    </dgm:pt>
+    <dgm:pt modelId="{1CB48D96-7C19-9342-9A3E-30CA81ED0485}" type="sibTrans" cxnId="{5BEA15F4-01B9-894B-9D83-F53FDA1F6236}">
+      <dgm:prSet/>
+      <dgm:spPr/>
+      <dgm:t>
+        <a:bodyPr/>
+        <a:lstStyle/>
+        <a:p>
+          <a:endParaRPr lang="en-US"/>
+        </a:p>
+      </dgm:t>
+    </dgm:pt>
+    <dgm:pt modelId="{A1C6CD64-1D5E-2145-ADE2-4CA90A397E7C}">
+      <dgm:prSet phldrT="[Text]" custT="1">
+        <dgm:style>
+          <a:lnRef idx="1">
+            <a:schemeClr val="accent3"/>
+          </a:lnRef>
+          <a:fillRef idx="2">
+            <a:schemeClr val="accent3"/>
+          </a:fillRef>
+          <a:effectRef idx="1">
+            <a:schemeClr val="accent3"/>
+          </a:effectRef>
+          <a:fontRef idx="minor">
+            <a:schemeClr val="dk1"/>
+          </a:fontRef>
+        </dgm:style>
+      </dgm:prSet>
+      <dgm:spPr/>
+      <dgm:t>
+        <a:bodyPr/>
+        <a:lstStyle/>
+        <a:p>
+          <a:r>
+            <a:rPr lang="en-US" sz="5000" dirty="0" smtClean="0"/>
+            <a:t>p</a:t>
+          </a:r>
+          <a:r>
+            <a:rPr lang="en-US" sz="5000" baseline="-25000" dirty="0" smtClean="0"/>
+            <a:t>i</a:t>
+          </a:r>
+          <a:r>
+            <a:rPr lang="en-US" sz="5000" dirty="0" smtClean="0"/>
+            <a:t> variance</a:t>
+          </a:r>
+          <a:endParaRPr lang="en-US" sz="5000" dirty="0"/>
+        </a:p>
+      </dgm:t>
+    </dgm:pt>
+    <dgm:pt modelId="{ECE55DAD-09B4-0945-812D-F209EB8B0285}" type="parTrans" cxnId="{5B76B91E-6398-1748-AAD1-248C12EA16D7}">
+      <dgm:prSet/>
+      <dgm:spPr/>
+      <dgm:t>
+        <a:bodyPr/>
+        <a:lstStyle/>
+        <a:p>
+          <a:endParaRPr lang="en-US"/>
+        </a:p>
+      </dgm:t>
+    </dgm:pt>
+    <dgm:pt modelId="{5D57D0ED-45B9-CA4F-86C2-744F68C5A205}" type="sibTrans" cxnId="{5B76B91E-6398-1748-AAD1-248C12EA16D7}">
+      <dgm:prSet/>
+      <dgm:spPr/>
+      <dgm:t>
+        <a:bodyPr/>
+        <a:lstStyle/>
+        <a:p>
+          <a:endParaRPr lang="en-US"/>
+        </a:p>
+      </dgm:t>
+    </dgm:pt>
+    <dgm:pt modelId="{2A545BEE-8B91-AF4E-9E6C-BB8912719D4D}">
+      <dgm:prSet phldrT="[Text]" custT="1">
+        <dgm:style>
+          <a:lnRef idx="1">
+            <a:schemeClr val="accent3"/>
+          </a:lnRef>
+          <a:fillRef idx="2">
+            <a:schemeClr val="accent3"/>
+          </a:fillRef>
+          <a:effectRef idx="1">
+            <a:schemeClr val="accent3"/>
+          </a:effectRef>
+          <a:fontRef idx="minor">
+            <a:schemeClr val="dk1"/>
+          </a:fontRef>
+        </dgm:style>
+      </dgm:prSet>
+      <dgm:spPr/>
+      <dgm:t>
+        <a:bodyPr/>
+        <a:lstStyle/>
+        <a:p>
+          <a:r>
+            <a:rPr lang="en-US" sz="5000" dirty="0" smtClean="0"/>
+            <a:t>Confidence interval size</a:t>
+          </a:r>
+          <a:endParaRPr lang="en-US" sz="5000" dirty="0"/>
+        </a:p>
+      </dgm:t>
+    </dgm:pt>
+    <dgm:pt modelId="{0E88FA0C-BA93-DB4A-8EB1-E8CADAA6E3B4}" type="parTrans" cxnId="{20B85CE3-E9ED-DB4B-AFC7-E21E50188335}">
+      <dgm:prSet/>
+      <dgm:spPr/>
+      <dgm:t>
+        <a:bodyPr/>
+        <a:lstStyle/>
+        <a:p>
+          <a:endParaRPr lang="en-US"/>
+        </a:p>
+      </dgm:t>
+    </dgm:pt>
+    <dgm:pt modelId="{3E485B0C-A3A7-3747-A517-8AEC4263EF6B}" type="sibTrans" cxnId="{20B85CE3-E9ED-DB4B-AFC7-E21E50188335}">
+      <dgm:prSet/>
+      <dgm:spPr/>
+      <dgm:t>
+        <a:bodyPr/>
+        <a:lstStyle/>
+        <a:p>
+          <a:endParaRPr lang="en-US"/>
+        </a:p>
+      </dgm:t>
+    </dgm:pt>
+    <dgm:pt modelId="{C7A5FC32-AE72-0B43-A11C-5CC3B880802E}" type="pres">
+      <dgm:prSet presAssocID="{38BEECF8-0B02-604B-8C93-6F24C8521E73}" presName="Name0" presStyleCnt="0">
+        <dgm:presLayoutVars>
+          <dgm:dir/>
+          <dgm:resizeHandles val="exact"/>
+        </dgm:presLayoutVars>
+      </dgm:prSet>
+      <dgm:spPr/>
+    </dgm:pt>
+    <dgm:pt modelId="{8171E798-D9AC-E041-824F-31746C8DCC3B}" type="pres">
+      <dgm:prSet presAssocID="{116F74F5-4028-3F45-88E2-8C0B0C95263C}" presName="parAndChTx" presStyleLbl="node1" presStyleIdx="0" presStyleCnt="4">
+        <dgm:presLayoutVars>
+          <dgm:bulletEnabled val="1"/>
+        </dgm:presLayoutVars>
+      </dgm:prSet>
+      <dgm:spPr/>
+      <dgm:t>
+        <a:bodyPr/>
+        <a:lstStyle/>
+        <a:p>
+          <a:endParaRPr lang="en-US"/>
+        </a:p>
+      </dgm:t>
+    </dgm:pt>
+    <dgm:pt modelId="{E0E8DA2A-C56F-944E-942E-1C0A6B4493EC}" type="pres">
+      <dgm:prSet presAssocID="{A18E541C-B6F8-F34E-9BA2-931C40DA63B6}" presName="parAndChSpace" presStyleCnt="0"/>
+      <dgm:spPr/>
+    </dgm:pt>
+    <dgm:pt modelId="{827653F9-5CDF-B546-81B1-5AC2A9226BD2}" type="pres">
+      <dgm:prSet presAssocID="{0940C72B-4554-074E-BA3E-548C7F341CA7}" presName="parAndChTx" presStyleLbl="node1" presStyleIdx="1" presStyleCnt="4">
+        <dgm:presLayoutVars>
+          <dgm:bulletEnabled val="1"/>
+        </dgm:presLayoutVars>
+      </dgm:prSet>
+      <dgm:spPr/>
+      <dgm:t>
+        <a:bodyPr/>
+        <a:lstStyle/>
+        <a:p>
+          <a:endParaRPr lang="en-US"/>
+        </a:p>
+      </dgm:t>
+    </dgm:pt>
+    <dgm:pt modelId="{9726BFCA-30C6-5B4F-A3E9-DAFCF494E87B}" type="pres">
+      <dgm:prSet presAssocID="{F4190928-EC8A-7442-B34F-11F3FB06E220}" presName="parAndChSpace" presStyleCnt="0"/>
+      <dgm:spPr/>
+    </dgm:pt>
+    <dgm:pt modelId="{7C3EB1D9-14A3-6F48-AC6B-8A6E615BA113}" type="pres">
+      <dgm:prSet presAssocID="{F110C852-6F45-FB48-B1FF-E7AAA445E08A}" presName="parAndChTx" presStyleLbl="node1" presStyleIdx="2" presStyleCnt="4">
+        <dgm:presLayoutVars>
+          <dgm:bulletEnabled val="1"/>
+        </dgm:presLayoutVars>
+      </dgm:prSet>
+      <dgm:spPr/>
+      <dgm:t>
+        <a:bodyPr/>
+        <a:lstStyle/>
+        <a:p>
+          <a:endParaRPr lang="en-US"/>
+        </a:p>
+      </dgm:t>
+    </dgm:pt>
+    <dgm:pt modelId="{F8B35009-8D25-5B46-A551-E1C6EEDC73C0}" type="pres">
+      <dgm:prSet presAssocID="{E74471A5-F2F0-EB4B-AF20-2282F540ACA6}" presName="parAndChSpace" presStyleCnt="0"/>
+      <dgm:spPr/>
+    </dgm:pt>
+    <dgm:pt modelId="{15ED0ADA-5FBF-4B4C-9FB1-35E9FCFC8C0A}" type="pres">
+      <dgm:prSet presAssocID="{F08485FE-D0FD-7745-B0CE-242137B291CA}" presName="parAndChTx" presStyleLbl="node1" presStyleIdx="3" presStyleCnt="4">
+        <dgm:presLayoutVars>
+          <dgm:bulletEnabled val="1"/>
+        </dgm:presLayoutVars>
+      </dgm:prSet>
+      <dgm:spPr/>
+      <dgm:t>
+        <a:bodyPr/>
+        <a:lstStyle/>
+        <a:p>
+          <a:endParaRPr lang="en-US"/>
+        </a:p>
+      </dgm:t>
+    </dgm:pt>
+  </dgm:ptLst>
+  <dgm:cxnLst>
+    <dgm:cxn modelId="{C1A89C6E-A525-3D4E-BDE2-08341DA98665}" type="presOf" srcId="{EAD6E5A0-9F70-3F45-ACC5-45D1D1E92FFB}" destId="{8171E798-D9AC-E041-824F-31746C8DCC3B}" srcOrd="0" destOrd="1" presId="urn:microsoft.com/office/officeart/2005/8/layout/hChevron3"/>
+    <dgm:cxn modelId="{581E594E-7755-AC42-B9DC-05F1E9235722}" srcId="{0940C72B-4554-074E-BA3E-548C7F341CA7}" destId="{49570BFE-7D50-9848-8767-AE38C8AEB623}" srcOrd="2" destOrd="0" parTransId="{7F0FCC64-197C-EF44-BFB8-03441512624A}" sibTransId="{F4C95928-736B-2A47-ADAA-73922ADDA6B8}"/>
+    <dgm:cxn modelId="{974BB296-4495-9A43-820B-C2E2F14C49E1}" type="presOf" srcId="{A1C6CD64-1D5E-2145-ADE2-4CA90A397E7C}" destId="{15ED0ADA-5FBF-4B4C-9FB1-35E9FCFC8C0A}" srcOrd="0" destOrd="2" presId="urn:microsoft.com/office/officeart/2005/8/layout/hChevron3"/>
+    <dgm:cxn modelId="{5B76B91E-6398-1748-AAD1-248C12EA16D7}" srcId="{F08485FE-D0FD-7745-B0CE-242137B291CA}" destId="{A1C6CD64-1D5E-2145-ADE2-4CA90A397E7C}" srcOrd="1" destOrd="0" parTransId="{ECE55DAD-09B4-0945-812D-F209EB8B0285}" sibTransId="{5D57D0ED-45B9-CA4F-86C2-744F68C5A205}"/>
+    <dgm:cxn modelId="{20B85CE3-E9ED-DB4B-AFC7-E21E50188335}" srcId="{F08485FE-D0FD-7745-B0CE-242137B291CA}" destId="{2A545BEE-8B91-AF4E-9E6C-BB8912719D4D}" srcOrd="2" destOrd="0" parTransId="{0E88FA0C-BA93-DB4A-8EB1-E8CADAA6E3B4}" sibTransId="{3E485B0C-A3A7-3747-A517-8AEC4263EF6B}"/>
+    <dgm:cxn modelId="{10B77C52-07D6-C44C-BEC3-2CC45501C14A}" type="presOf" srcId="{49570BFE-7D50-9848-8767-AE38C8AEB623}" destId="{827653F9-5CDF-B546-81B1-5AC2A9226BD2}" srcOrd="0" destOrd="3" presId="urn:microsoft.com/office/officeart/2005/8/layout/hChevron3"/>
+    <dgm:cxn modelId="{5EFA07A2-9E4E-304F-A5EB-EEB7F1D269D0}" type="presOf" srcId="{F08485FE-D0FD-7745-B0CE-242137B291CA}" destId="{15ED0ADA-5FBF-4B4C-9FB1-35E9FCFC8C0A}" srcOrd="0" destOrd="0" presId="urn:microsoft.com/office/officeart/2005/8/layout/hChevron3"/>
+    <dgm:cxn modelId="{9C8F157E-92EC-5441-8512-66AE45DC9D1A}" type="presOf" srcId="{0940C72B-4554-074E-BA3E-548C7F341CA7}" destId="{827653F9-5CDF-B546-81B1-5AC2A9226BD2}" srcOrd="0" destOrd="0" presId="urn:microsoft.com/office/officeart/2005/8/layout/hChevron3"/>
+    <dgm:cxn modelId="{6F06F21B-2B18-BB4B-966A-C18899732967}" srcId="{116F74F5-4028-3F45-88E2-8C0B0C95263C}" destId="{57E308DC-0EC2-3A4A-AE1A-51AEC3F6FB47}" srcOrd="1" destOrd="0" parTransId="{9E72F64B-F4FC-9E4D-8EE4-B467A85DB5BB}" sibTransId="{47279E9B-3DE1-734D-9192-83E819833D93}"/>
+    <dgm:cxn modelId="{2CEC5FD5-667C-4247-A8E1-738AEB186C50}" type="presOf" srcId="{38BEECF8-0B02-604B-8C93-6F24C8521E73}" destId="{C7A5FC32-AE72-0B43-A11C-5CC3B880802E}" srcOrd="0" destOrd="0" presId="urn:microsoft.com/office/officeart/2005/8/layout/hChevron3"/>
+    <dgm:cxn modelId="{B3CC194D-0A98-BE45-B8F7-64F099CBB500}" type="presOf" srcId="{68D95848-EFCF-C74B-8B3E-5464E5A4673B}" destId="{15ED0ADA-5FBF-4B4C-9FB1-35E9FCFC8C0A}" srcOrd="0" destOrd="1" presId="urn:microsoft.com/office/officeart/2005/8/layout/hChevron3"/>
+    <dgm:cxn modelId="{CEDEA953-40C2-9847-8A59-02F857334E7C}" srcId="{116F74F5-4028-3F45-88E2-8C0B0C95263C}" destId="{EAD6E5A0-9F70-3F45-ACC5-45D1D1E92FFB}" srcOrd="0" destOrd="0" parTransId="{E11809C5-32E7-3C46-845E-F86694928719}" sibTransId="{00ED442B-D535-194A-9768-7D457ABDFF00}"/>
+    <dgm:cxn modelId="{19CB942F-391D-0040-8126-FDB0F471C24B}" type="presOf" srcId="{2A545BEE-8B91-AF4E-9E6C-BB8912719D4D}" destId="{15ED0ADA-5FBF-4B4C-9FB1-35E9FCFC8C0A}" srcOrd="0" destOrd="3" presId="urn:microsoft.com/office/officeart/2005/8/layout/hChevron3"/>
+    <dgm:cxn modelId="{415097DD-1744-694A-8AEF-A4608CB56BCB}" srcId="{38BEECF8-0B02-604B-8C93-6F24C8521E73}" destId="{F110C852-6F45-FB48-B1FF-E7AAA445E08A}" srcOrd="2" destOrd="0" parTransId="{9EFCFFDB-A8ED-7D47-8710-26948EB2A4B9}" sibTransId="{E74471A5-F2F0-EB4B-AF20-2282F540ACA6}"/>
+    <dgm:cxn modelId="{5BEA15F4-01B9-894B-9D83-F53FDA1F6236}" srcId="{F08485FE-D0FD-7745-B0CE-242137B291CA}" destId="{68D95848-EFCF-C74B-8B3E-5464E5A4673B}" srcOrd="0" destOrd="0" parTransId="{D8BE48FA-80D5-2D46-8103-D63AA139B9BC}" sibTransId="{1CB48D96-7C19-9342-9A3E-30CA81ED0485}"/>
+    <dgm:cxn modelId="{ADBADC1C-C3FF-1141-9138-7F3B039C5592}" srcId="{38BEECF8-0B02-604B-8C93-6F24C8521E73}" destId="{0940C72B-4554-074E-BA3E-548C7F341CA7}" srcOrd="1" destOrd="0" parTransId="{DA754511-A3C2-ED43-9303-E46DF35D80A8}" sibTransId="{F4190928-EC8A-7442-B34F-11F3FB06E220}"/>
+    <dgm:cxn modelId="{DC618AFE-3088-A947-AB9E-BFC004FCDD23}" type="presOf" srcId="{9A15DA94-001B-3749-BD29-ED2F428A5EFB}" destId="{7C3EB1D9-14A3-6F48-AC6B-8A6E615BA113}" srcOrd="0" destOrd="2" presId="urn:microsoft.com/office/officeart/2005/8/layout/hChevron3"/>
+    <dgm:cxn modelId="{8D49BACA-E91E-5E47-B1F3-9C5DB6633183}" srcId="{38BEECF8-0B02-604B-8C93-6F24C8521E73}" destId="{116F74F5-4028-3F45-88E2-8C0B0C95263C}" srcOrd="0" destOrd="0" parTransId="{ACE8C5C1-36D9-D74D-8610-4DE5A697F5BD}" sibTransId="{A18E541C-B6F8-F34E-9BA2-931C40DA63B6}"/>
+    <dgm:cxn modelId="{837DAAB8-08FD-CB40-9368-C88A49066D80}" srcId="{0940C72B-4554-074E-BA3E-548C7F341CA7}" destId="{EAF09015-B620-4843-BA44-7E16D6D51C9B}" srcOrd="1" destOrd="0" parTransId="{93FDBF4A-797E-6944-8397-37C50DB73AA5}" sibTransId="{9CEC6EA0-D1F2-D74B-AE2E-ACFFFFCD6939}"/>
+    <dgm:cxn modelId="{DF29CD4F-7904-2E45-A41F-79E55EE04902}" srcId="{F110C852-6F45-FB48-B1FF-E7AAA445E08A}" destId="{BC511722-39B0-C544-9215-E00E086D6D9D}" srcOrd="0" destOrd="0" parTransId="{3F3A86FB-CB67-D642-ABF2-0B5740AEC9C5}" sibTransId="{BA5D79F3-533E-194C-ABE5-0BEAA9DE3D8E}"/>
+    <dgm:cxn modelId="{9F5A669E-8374-E548-9BC2-CE7EE05C0340}" type="presOf" srcId="{57E308DC-0EC2-3A4A-AE1A-51AEC3F6FB47}" destId="{8171E798-D9AC-E041-824F-31746C8DCC3B}" srcOrd="0" destOrd="2" presId="urn:microsoft.com/office/officeart/2005/8/layout/hChevron3"/>
+    <dgm:cxn modelId="{3396456C-EFDC-9744-B767-3FE8DA2CEBB2}" type="presOf" srcId="{EAF09015-B620-4843-BA44-7E16D6D51C9B}" destId="{827653F9-5CDF-B546-81B1-5AC2A9226BD2}" srcOrd="0" destOrd="2" presId="urn:microsoft.com/office/officeart/2005/8/layout/hChevron3"/>
+    <dgm:cxn modelId="{E1FF5F0F-3C30-EA4D-A27B-1EC4F659009A}" srcId="{0940C72B-4554-074E-BA3E-548C7F341CA7}" destId="{6A786F66-321C-D144-87D5-6AEFA9B69512}" srcOrd="0" destOrd="0" parTransId="{6DA661F8-EF02-FF4E-BDAA-7AF8DC641AAF}" sibTransId="{A6270F27-CC75-DB4F-B27C-FA3A163E10AA}"/>
+    <dgm:cxn modelId="{FD230626-EF83-1D4F-A932-4B986ACF802B}" type="presOf" srcId="{BC511722-39B0-C544-9215-E00E086D6D9D}" destId="{7C3EB1D9-14A3-6F48-AC6B-8A6E615BA113}" srcOrd="0" destOrd="1" presId="urn:microsoft.com/office/officeart/2005/8/layout/hChevron3"/>
+    <dgm:cxn modelId="{E4DDD113-FF0C-1546-81FC-1E0E2EE1052C}" srcId="{38BEECF8-0B02-604B-8C93-6F24C8521E73}" destId="{F08485FE-D0FD-7745-B0CE-242137B291CA}" srcOrd="3" destOrd="0" parTransId="{696F3056-08D5-0344-A7DC-64D0E19B860B}" sibTransId="{6D5FF295-B56C-1E46-B4C0-BF9D53C99390}"/>
+    <dgm:cxn modelId="{4335E355-DEE4-5940-A577-47251E52DDD8}" srcId="{F110C852-6F45-FB48-B1FF-E7AAA445E08A}" destId="{9A15DA94-001B-3749-BD29-ED2F428A5EFB}" srcOrd="1" destOrd="0" parTransId="{A3B5D4E9-E83C-754D-BA54-07DF7C596D53}" sibTransId="{6E8ED6EA-BDAB-2546-941D-66BEE8909944}"/>
+    <dgm:cxn modelId="{FD2EC7AA-37DC-164F-8F51-65B2AD82DA46}" type="presOf" srcId="{116F74F5-4028-3F45-88E2-8C0B0C95263C}" destId="{8171E798-D9AC-E041-824F-31746C8DCC3B}" srcOrd="0" destOrd="0" presId="urn:microsoft.com/office/officeart/2005/8/layout/hChevron3"/>
+    <dgm:cxn modelId="{54ECD367-3426-5D4B-85D5-9CC78DEEDCFC}" type="presOf" srcId="{6A786F66-321C-D144-87D5-6AEFA9B69512}" destId="{827653F9-5CDF-B546-81B1-5AC2A9226BD2}" srcOrd="0" destOrd="1" presId="urn:microsoft.com/office/officeart/2005/8/layout/hChevron3"/>
+    <dgm:cxn modelId="{AEC812C4-D538-724C-8F51-545F15B92745}" type="presOf" srcId="{F110C852-6F45-FB48-B1FF-E7AAA445E08A}" destId="{7C3EB1D9-14A3-6F48-AC6B-8A6E615BA113}" srcOrd="0" destOrd="0" presId="urn:microsoft.com/office/officeart/2005/8/layout/hChevron3"/>
+    <dgm:cxn modelId="{4A4F0078-7791-2C49-8DB5-815A92461216}" type="presParOf" srcId="{C7A5FC32-AE72-0B43-A11C-5CC3B880802E}" destId="{8171E798-D9AC-E041-824F-31746C8DCC3B}" srcOrd="0" destOrd="0" presId="urn:microsoft.com/office/officeart/2005/8/layout/hChevron3"/>
+    <dgm:cxn modelId="{1DD11416-CC56-FF40-889B-5896F2D1E963}" type="presParOf" srcId="{C7A5FC32-AE72-0B43-A11C-5CC3B880802E}" destId="{E0E8DA2A-C56F-944E-942E-1C0A6B4493EC}" srcOrd="1" destOrd="0" presId="urn:microsoft.com/office/officeart/2005/8/layout/hChevron3"/>
+    <dgm:cxn modelId="{E10AA1EC-897E-974E-89A3-952E9BB76D34}" type="presParOf" srcId="{C7A5FC32-AE72-0B43-A11C-5CC3B880802E}" destId="{827653F9-5CDF-B546-81B1-5AC2A9226BD2}" srcOrd="2" destOrd="0" presId="urn:microsoft.com/office/officeart/2005/8/layout/hChevron3"/>
+    <dgm:cxn modelId="{1F41CE2B-0E10-9148-820E-FFE08E486021}" type="presParOf" srcId="{C7A5FC32-AE72-0B43-A11C-5CC3B880802E}" destId="{9726BFCA-30C6-5B4F-A3E9-DAFCF494E87B}" srcOrd="3" destOrd="0" presId="urn:microsoft.com/office/officeart/2005/8/layout/hChevron3"/>
+    <dgm:cxn modelId="{0B083834-9343-6045-AC90-DE64C07B5502}" type="presParOf" srcId="{C7A5FC32-AE72-0B43-A11C-5CC3B880802E}" destId="{7C3EB1D9-14A3-6F48-AC6B-8A6E615BA113}" srcOrd="4" destOrd="0" presId="urn:microsoft.com/office/officeart/2005/8/layout/hChevron3"/>
+    <dgm:cxn modelId="{26BA3359-1C0D-2346-B5B9-58FD6FE10E31}" type="presParOf" srcId="{C7A5FC32-AE72-0B43-A11C-5CC3B880802E}" destId="{F8B35009-8D25-5B46-A551-E1C6EEDC73C0}" srcOrd="5" destOrd="0" presId="urn:microsoft.com/office/officeart/2005/8/layout/hChevron3"/>
+    <dgm:cxn modelId="{4AFF123F-DA79-5040-9985-BC97DD3D89DF}" type="presParOf" srcId="{C7A5FC32-AE72-0B43-A11C-5CC3B880802E}" destId="{15ED0ADA-5FBF-4B4C-9FB1-35E9FCFC8C0A}" srcOrd="6" destOrd="0" presId="urn:microsoft.com/office/officeart/2005/8/layout/hChevron3"/>
+  </dgm:cxnLst>
+  <dgm:bg/>
+  <dgm:whole/>
+  <dgm:extLst>
+    <a:ext uri="http://schemas.microsoft.com/office/drawing/2008/diagram">
+      <dsp:dataModelExt xmlns:dsp="http://schemas.microsoft.com/office/drawing/2008/diagram" relId="rId6" minVer="http://schemas.openxmlformats.org/drawingml/2006/diagram"/>
+    </a:ext>
+    <a:ext uri="{C62137D5-CB1D-491B-B009-E17868A290BF}">
+      <dgm14:recolorImg xmlns:dgm14="http://schemas.microsoft.com/office/drawing/2010/diagram" val="1"/>
+    </a:ext>
+  </dgm:extLst>
+</dgm:dataModel>
+</file>
+
+<file path=ppt/diagrams/data2.xml><?xml version="1.0" encoding="utf-8"?>
+<dgm:dataModel xmlns:dgm="http://schemas.openxmlformats.org/drawingml/2006/diagram" xmlns:a="http://schemas.openxmlformats.org/drawingml/2006/main">
+  <dgm:ptLst>
+    <dgm:pt modelId="{38BEECF8-0B02-604B-8C93-6F24C8521E73}" type="doc">
+      <dgm:prSet loTypeId="urn:microsoft.com/office/officeart/2005/8/layout/hChevron3" loCatId="" qsTypeId="urn:microsoft.com/office/officeart/2005/8/quickstyle/3D2" qsCatId="3D" csTypeId="urn:microsoft.com/office/officeart/2005/8/colors/accent3_5" csCatId="accent3" phldr="1"/>
+      <dgm:spPr/>
+    </dgm:pt>
+    <dgm:pt modelId="{116F74F5-4028-3F45-88E2-8C0B0C95263C}">
+      <dgm:prSet phldrT="[Text]" custT="1">
+        <dgm:style>
+          <a:lnRef idx="1">
+            <a:schemeClr val="accent3"/>
+          </a:lnRef>
+          <a:fillRef idx="2">
+            <a:schemeClr val="accent3"/>
+          </a:fillRef>
+          <a:effectRef idx="1">
+            <a:schemeClr val="accent3"/>
+          </a:effectRef>
+          <a:fontRef idx="minor">
+            <a:schemeClr val="dk1"/>
+          </a:fontRef>
+        </dgm:style>
+      </dgm:prSet>
+      <dgm:spPr/>
+      <dgm:t>
+        <a:bodyPr/>
+        <a:lstStyle/>
+        <a:p>
+          <a:r>
+            <a:rPr lang="en-US" sz="5000" dirty="0" smtClean="0"/>
+            <a:t>Compute Agreements</a:t>
+          </a:r>
+          <a:endParaRPr lang="en-US" sz="5000" dirty="0"/>
+        </a:p>
+      </dgm:t>
+    </dgm:pt>
+    <dgm:pt modelId="{ACE8C5C1-36D9-D74D-8610-4DE5A697F5BD}" type="parTrans" cxnId="{8D49BACA-E91E-5E47-B1F3-9C5DB6633183}">
+      <dgm:prSet/>
+      <dgm:spPr/>
+      <dgm:t>
+        <a:bodyPr/>
+        <a:lstStyle/>
+        <a:p>
+          <a:endParaRPr lang="en-US"/>
+        </a:p>
+      </dgm:t>
+    </dgm:pt>
+    <dgm:pt modelId="{A18E541C-B6F8-F34E-9BA2-931C40DA63B6}" type="sibTrans" cxnId="{8D49BACA-E91E-5E47-B1F3-9C5DB6633183}">
+      <dgm:prSet/>
+      <dgm:spPr/>
+      <dgm:t>
+        <a:bodyPr/>
+        <a:lstStyle/>
+        <a:p>
+          <a:endParaRPr lang="en-US"/>
+        </a:p>
+      </dgm:t>
+    </dgm:pt>
+    <dgm:pt modelId="{0940C72B-4554-074E-BA3E-548C7F341CA7}">
+      <dgm:prSet phldrT="[Text]" custT="1">
+        <dgm:style>
+          <a:lnRef idx="1">
+            <a:schemeClr val="accent3"/>
+          </a:lnRef>
+          <a:fillRef idx="2">
+            <a:schemeClr val="accent3"/>
+          </a:fillRef>
+          <a:effectRef idx="1">
+            <a:schemeClr val="accent3"/>
+          </a:effectRef>
+          <a:fontRef idx="minor">
+            <a:schemeClr val="dk1"/>
+          </a:fontRef>
+        </dgm:style>
+      </dgm:prSet>
+      <dgm:spPr/>
+      <dgm:t>
+        <a:bodyPr/>
+        <a:lstStyle/>
+        <a:p>
+          <a:r>
+            <a:rPr lang="en-US" sz="5000" dirty="0" smtClean="0"/>
+            <a:t>Compute Variances</a:t>
+          </a:r>
+          <a:endParaRPr lang="en-US" sz="5000" dirty="0"/>
+        </a:p>
+      </dgm:t>
+    </dgm:pt>
+    <dgm:pt modelId="{DA754511-A3C2-ED43-9303-E46DF35D80A8}" type="parTrans" cxnId="{ADBADC1C-C3FF-1141-9138-7F3B039C5592}">
+      <dgm:prSet/>
+      <dgm:spPr/>
+      <dgm:t>
+        <a:bodyPr/>
+        <a:lstStyle/>
+        <a:p>
+          <a:endParaRPr lang="en-US"/>
+        </a:p>
+      </dgm:t>
+    </dgm:pt>
+    <dgm:pt modelId="{F4190928-EC8A-7442-B34F-11F3FB06E220}" type="sibTrans" cxnId="{ADBADC1C-C3FF-1141-9138-7F3B039C5592}">
+      <dgm:prSet/>
+      <dgm:spPr/>
+      <dgm:t>
+        <a:bodyPr/>
+        <a:lstStyle/>
+        <a:p>
+          <a:endParaRPr lang="en-US"/>
+        </a:p>
+      </dgm:t>
+    </dgm:pt>
+    <dgm:pt modelId="{F08485FE-D0FD-7745-B0CE-242137B291CA}">
+      <dgm:prSet phldrT="[Text]" custT="1">
+        <dgm:style>
+          <a:lnRef idx="1">
+            <a:schemeClr val="accent3"/>
+          </a:lnRef>
+          <a:fillRef idx="2">
+            <a:schemeClr val="accent3"/>
+          </a:fillRef>
+          <a:effectRef idx="1">
+            <a:schemeClr val="accent3"/>
+          </a:effectRef>
+          <a:fontRef idx="minor">
+            <a:schemeClr val="dk1"/>
+          </a:fontRef>
+        </dgm:style>
+      </dgm:prSet>
+      <dgm:spPr/>
+      <dgm:t>
+        <a:bodyPr/>
+        <a:lstStyle/>
+        <a:p>
+          <a:r>
+            <a:rPr lang="en-US" sz="5000" dirty="0" smtClean="0"/>
+            <a:t>Compute Intervals</a:t>
+          </a:r>
+          <a:endParaRPr lang="en-US" sz="5000" dirty="0"/>
+        </a:p>
+      </dgm:t>
+    </dgm:pt>
+    <dgm:pt modelId="{696F3056-08D5-0344-A7DC-64D0E19B860B}" type="parTrans" cxnId="{E4DDD113-FF0C-1546-81FC-1E0E2EE1052C}">
+      <dgm:prSet/>
+      <dgm:spPr/>
+      <dgm:t>
+        <a:bodyPr/>
+        <a:lstStyle/>
+        <a:p>
+          <a:endParaRPr lang="en-US"/>
+        </a:p>
+      </dgm:t>
+    </dgm:pt>
+    <dgm:pt modelId="{6D5FF295-B56C-1E46-B4C0-BF9D53C99390}" type="sibTrans" cxnId="{E4DDD113-FF0C-1546-81FC-1E0E2EE1052C}">
+      <dgm:prSet/>
+      <dgm:spPr/>
+      <dgm:t>
+        <a:bodyPr/>
+        <a:lstStyle/>
+        <a:p>
+          <a:endParaRPr lang="en-US"/>
+        </a:p>
+      </dgm:t>
+    </dgm:pt>
+    <dgm:pt modelId="{F110C852-6F45-FB48-B1FF-E7AAA445E08A}">
+      <dgm:prSet phldrT="[Text]" custT="1">
+        <dgm:style>
+          <a:lnRef idx="1">
+            <a:schemeClr val="accent3"/>
+          </a:lnRef>
+          <a:fillRef idx="2">
+            <a:schemeClr val="accent3"/>
+          </a:fillRef>
+          <a:effectRef idx="1">
+            <a:schemeClr val="accent3"/>
+          </a:effectRef>
+          <a:fontRef idx="minor">
+            <a:schemeClr val="dk1"/>
+          </a:fontRef>
+        </dgm:style>
+      </dgm:prSet>
+      <dgm:spPr/>
+      <dgm:t>
+        <a:bodyPr/>
+        <a:lstStyle/>
+        <a:p>
+          <a:r>
+            <a:rPr lang="en-US" sz="5000" dirty="0" smtClean="0"/>
+            <a:t>Compute </a:t>
+          </a:r>
+          <a:r>
+            <a:rPr lang="en-US" sz="5000" dirty="0" smtClean="0"/>
+            <a:t>Derivatives</a:t>
+          </a:r>
+        </a:p>
+      </dgm:t>
+    </dgm:pt>
+    <dgm:pt modelId="{9EFCFFDB-A8ED-7D47-8710-26948EB2A4B9}" type="parTrans" cxnId="{415097DD-1744-694A-8AEF-A4608CB56BCB}">
+      <dgm:prSet/>
+      <dgm:spPr/>
+      <dgm:t>
+        <a:bodyPr/>
+        <a:lstStyle/>
+        <a:p>
+          <a:endParaRPr lang="en-US"/>
+        </a:p>
+      </dgm:t>
+    </dgm:pt>
+    <dgm:pt modelId="{E74471A5-F2F0-EB4B-AF20-2282F540ACA6}" type="sibTrans" cxnId="{415097DD-1744-694A-8AEF-A4608CB56BCB}">
+      <dgm:prSet/>
+      <dgm:spPr/>
+      <dgm:t>
+        <a:bodyPr/>
+        <a:lstStyle/>
+        <a:p>
+          <a:endParaRPr lang="en-US"/>
+        </a:p>
+      </dgm:t>
+    </dgm:pt>
+    <dgm:pt modelId="{EAD6E5A0-9F70-3F45-ACC5-45D1D1E92FFB}">
+      <dgm:prSet phldrT="[Text]" custT="1">
+        <dgm:style>
+          <a:lnRef idx="1">
+            <a:schemeClr val="accent3"/>
+          </a:lnRef>
+          <a:fillRef idx="2">
+            <a:schemeClr val="accent3"/>
+          </a:fillRef>
+          <a:effectRef idx="1">
+            <a:schemeClr val="accent3"/>
+          </a:effectRef>
+          <a:fontRef idx="minor">
+            <a:schemeClr val="dk1"/>
+          </a:fontRef>
+        </dgm:style>
+      </dgm:prSet>
+      <dgm:spPr/>
+      <dgm:t>
+        <a:bodyPr/>
+        <a:lstStyle/>
+        <a:p>
+          <a:r>
+            <a:rPr lang="en-US" sz="5000" dirty="0" err="1" smtClean="0"/>
+            <a:t>q</a:t>
+          </a:r>
+          <a:r>
+            <a:rPr lang="en-US" sz="5000" baseline="-25000" dirty="0" err="1" smtClean="0"/>
+            <a:t>ij</a:t>
+          </a:r>
+          <a:r>
+            <a:rPr lang="en-US" sz="5000" baseline="-25000" dirty="0" smtClean="0"/>
+            <a:t> </a:t>
+          </a:r>
+          <a:r>
+            <a:rPr lang="en-US" sz="5000" baseline="0" dirty="0" smtClean="0"/>
+            <a:t>~ </a:t>
+          </a:r>
+          <a:r>
+            <a:rPr lang="en-US" sz="5000" baseline="0" dirty="0" err="1" smtClean="0"/>
+            <a:t>p</a:t>
+          </a:r>
+          <a:r>
+            <a:rPr lang="en-US" sz="5000" baseline="-25000" dirty="0" err="1" smtClean="0"/>
+            <a:t>i</a:t>
+          </a:r>
+          <a:r>
+            <a:rPr lang="en-US" sz="5000" baseline="0" dirty="0" err="1" smtClean="0"/>
+            <a:t>p</a:t>
+          </a:r>
+          <a:r>
+            <a:rPr lang="en-US" sz="5000" baseline="-25000" dirty="0" err="1" smtClean="0"/>
+            <a:t>j</a:t>
+          </a:r>
+          <a:r>
+            <a:rPr lang="en-US" sz="5000" baseline="0" dirty="0" smtClean="0"/>
+            <a:t> + (1-p</a:t>
+          </a:r>
+          <a:r>
+            <a:rPr lang="en-US" sz="5000" baseline="-25000" dirty="0" smtClean="0"/>
+            <a:t>i</a:t>
+          </a:r>
+          <a:r>
+            <a:rPr lang="en-US" sz="5000" baseline="0" dirty="0" smtClean="0"/>
+            <a:t>)(1-p</a:t>
+          </a:r>
+          <a:r>
+            <a:rPr lang="en-US" sz="5000" baseline="-25000" dirty="0" smtClean="0"/>
+            <a:t>j</a:t>
+          </a:r>
+          <a:r>
+            <a:rPr lang="en-US" sz="5000" baseline="0" dirty="0" smtClean="0"/>
+            <a:t>)</a:t>
+          </a:r>
+          <a:endParaRPr lang="en-US" sz="5000" baseline="-25000" dirty="0"/>
+        </a:p>
+      </dgm:t>
+    </dgm:pt>
+    <dgm:pt modelId="{E11809C5-32E7-3C46-845E-F86694928719}" type="parTrans" cxnId="{CEDEA953-40C2-9847-8A59-02F857334E7C}">
+      <dgm:prSet/>
+      <dgm:spPr/>
+      <dgm:t>
+        <a:bodyPr/>
+        <a:lstStyle/>
+        <a:p>
+          <a:endParaRPr lang="en-US"/>
+        </a:p>
+      </dgm:t>
+    </dgm:pt>
+    <dgm:pt modelId="{00ED442B-D535-194A-9768-7D457ABDFF00}" type="sibTrans" cxnId="{CEDEA953-40C2-9847-8A59-02F857334E7C}">
+      <dgm:prSet/>
+      <dgm:spPr/>
+      <dgm:t>
+        <a:bodyPr/>
+        <a:lstStyle/>
+        <a:p>
+          <a:endParaRPr lang="en-US"/>
+        </a:p>
+      </dgm:t>
+    </dgm:pt>
+    <dgm:pt modelId="{57E308DC-0EC2-3A4A-AE1A-51AEC3F6FB47}">
+      <dgm:prSet phldrT="[Text]" custT="1">
+        <dgm:style>
+          <a:lnRef idx="1">
+            <a:schemeClr val="accent3"/>
+          </a:lnRef>
+          <a:fillRef idx="2">
+            <a:schemeClr val="accent3"/>
+          </a:fillRef>
+          <a:effectRef idx="1">
+            <a:schemeClr val="accent3"/>
+          </a:effectRef>
+          <a:fontRef idx="minor">
+            <a:schemeClr val="dk1"/>
+          </a:fontRef>
+        </dgm:style>
+      </dgm:prSet>
+      <dgm:spPr/>
+      <dgm:t>
+        <a:bodyPr/>
+        <a:lstStyle/>
+        <a:p>
+          <a:r>
+            <a:rPr lang="en-US" sz="5000" baseline="0" dirty="0" smtClean="0"/>
+            <a:t>Solve to get p</a:t>
+          </a:r>
+          <a:r>
+            <a:rPr lang="en-US" sz="5000" baseline="-25000" dirty="0" smtClean="0"/>
+            <a:t>i</a:t>
+          </a:r>
+          <a:endParaRPr lang="en-US" sz="5000" baseline="-25000" dirty="0"/>
+        </a:p>
+      </dgm:t>
+    </dgm:pt>
+    <dgm:pt modelId="{9E72F64B-F4FC-9E4D-8EE4-B467A85DB5BB}" type="parTrans" cxnId="{6F06F21B-2B18-BB4B-966A-C18899732967}">
+      <dgm:prSet/>
+      <dgm:spPr/>
+      <dgm:t>
+        <a:bodyPr/>
+        <a:lstStyle/>
+        <a:p>
+          <a:endParaRPr lang="en-US"/>
+        </a:p>
+      </dgm:t>
+    </dgm:pt>
+    <dgm:pt modelId="{47279E9B-3DE1-734D-9192-83E819833D93}" type="sibTrans" cxnId="{6F06F21B-2B18-BB4B-966A-C18899732967}">
+      <dgm:prSet/>
+      <dgm:spPr/>
+      <dgm:t>
+        <a:bodyPr/>
+        <a:lstStyle/>
+        <a:p>
+          <a:endParaRPr lang="en-US"/>
+        </a:p>
+      </dgm:t>
+    </dgm:pt>
+    <dgm:pt modelId="{6A786F66-321C-D144-87D5-6AEFA9B69512}">
+      <dgm:prSet phldrT="[Text]" custT="1">
+        <dgm:style>
+          <a:lnRef idx="1">
+            <a:schemeClr val="accent3"/>
+          </a:lnRef>
+          <a:fillRef idx="2">
+            <a:schemeClr val="accent3"/>
+          </a:fillRef>
+          <a:effectRef idx="1">
+            <a:schemeClr val="accent3"/>
+          </a:effectRef>
+          <a:fontRef idx="minor">
+            <a:schemeClr val="dk1"/>
+          </a:fontRef>
+        </dgm:style>
+      </dgm:prSet>
+      <dgm:spPr/>
+      <dgm:t>
+        <a:bodyPr/>
+        <a:lstStyle/>
+        <a:p>
+          <a:r>
+            <a:rPr lang="en-US" sz="5000" dirty="0" err="1" smtClean="0"/>
+            <a:t>Var</a:t>
+          </a:r>
+          <a:r>
+            <a:rPr lang="en-US" sz="5000" dirty="0" smtClean="0"/>
+            <a:t>(q) ~ q(1-q)</a:t>
+          </a:r>
+          <a:endParaRPr lang="en-US" sz="5000" dirty="0"/>
+        </a:p>
+      </dgm:t>
+    </dgm:pt>
+    <dgm:pt modelId="{6DA661F8-EF02-FF4E-BDAA-7AF8DC641AAF}" type="parTrans" cxnId="{E1FF5F0F-3C30-EA4D-A27B-1EC4F659009A}">
+      <dgm:prSet/>
+      <dgm:spPr/>
+      <dgm:t>
+        <a:bodyPr/>
+        <a:lstStyle/>
+        <a:p>
+          <a:endParaRPr lang="en-US"/>
+        </a:p>
+      </dgm:t>
+    </dgm:pt>
+    <dgm:pt modelId="{A6270F27-CC75-DB4F-B27C-FA3A163E10AA}" type="sibTrans" cxnId="{E1FF5F0F-3C30-EA4D-A27B-1EC4F659009A}">
+      <dgm:prSet/>
+      <dgm:spPr/>
+      <dgm:t>
+        <a:bodyPr/>
+        <a:lstStyle/>
+        <a:p>
+          <a:endParaRPr lang="en-US"/>
+        </a:p>
+      </dgm:t>
+    </dgm:pt>
+    <dgm:pt modelId="{EAF09015-B620-4843-BA44-7E16D6D51C9B}">
+      <dgm:prSet phldrT="[Text]" custT="1">
+        <dgm:style>
+          <a:lnRef idx="1">
+            <a:schemeClr val="accent3"/>
+          </a:lnRef>
+          <a:fillRef idx="2">
+            <a:schemeClr val="accent3"/>
+          </a:fillRef>
+          <a:effectRef idx="1">
+            <a:schemeClr val="accent3"/>
+          </a:effectRef>
+          <a:fontRef idx="minor">
+            <a:schemeClr val="dk1"/>
+          </a:fontRef>
+        </dgm:style>
+      </dgm:prSet>
+      <dgm:spPr/>
+      <dgm:t>
+        <a:bodyPr/>
+        <a:lstStyle/>
+        <a:p>
+          <a:r>
+            <a:rPr lang="en-US" sz="5000" dirty="0" err="1" smtClean="0"/>
+            <a:t>Cov</a:t>
+          </a:r>
+          <a:r>
+            <a:rPr lang="en-US" sz="5000" dirty="0" smtClean="0"/>
+            <a:t>(</a:t>
+          </a:r>
+          <a:r>
+            <a:rPr lang="en-US" sz="5000" dirty="0" err="1" smtClean="0"/>
+            <a:t>q</a:t>
+          </a:r>
+          <a:r>
+            <a:rPr lang="en-US" sz="5000" baseline="-25000" dirty="0" err="1" smtClean="0"/>
+            <a:t>ij</a:t>
+          </a:r>
+          <a:r>
+            <a:rPr lang="en-US" sz="5000" dirty="0" err="1" smtClean="0"/>
+            <a:t>,q</a:t>
+          </a:r>
+          <a:r>
+            <a:rPr lang="en-US" sz="5000" baseline="-25000" dirty="0" err="1" smtClean="0"/>
+            <a:t>ik</a:t>
+          </a:r>
+          <a:r>
+            <a:rPr lang="en-US" sz="5000" dirty="0" smtClean="0"/>
+            <a:t>) </a:t>
+          </a:r>
+          <a:endParaRPr lang="en-US" sz="5000" dirty="0"/>
+        </a:p>
+      </dgm:t>
+    </dgm:pt>
+    <dgm:pt modelId="{93FDBF4A-797E-6944-8397-37C50DB73AA5}" type="parTrans" cxnId="{837DAAB8-08FD-CB40-9368-C88A49066D80}">
+      <dgm:prSet/>
+      <dgm:spPr/>
+      <dgm:t>
+        <a:bodyPr/>
+        <a:lstStyle/>
+        <a:p>
+          <a:endParaRPr lang="en-US"/>
+        </a:p>
+      </dgm:t>
+    </dgm:pt>
+    <dgm:pt modelId="{9CEC6EA0-D1F2-D74B-AE2E-ACFFFFCD6939}" type="sibTrans" cxnId="{837DAAB8-08FD-CB40-9368-C88A49066D80}">
+      <dgm:prSet/>
+      <dgm:spPr/>
+      <dgm:t>
+        <a:bodyPr/>
+        <a:lstStyle/>
+        <a:p>
+          <a:endParaRPr lang="en-US"/>
+        </a:p>
+      </dgm:t>
+    </dgm:pt>
+    <dgm:pt modelId="{49570BFE-7D50-9848-8767-AE38C8AEB623}">
+      <dgm:prSet phldrT="[Text]" custT="1">
+        <dgm:style>
+          <a:lnRef idx="1">
+            <a:schemeClr val="accent3"/>
+          </a:lnRef>
+          <a:fillRef idx="2">
+            <a:schemeClr val="accent3"/>
+          </a:fillRef>
+          <a:effectRef idx="1">
+            <a:schemeClr val="accent3"/>
+          </a:effectRef>
+          <a:fontRef idx="minor">
+            <a:schemeClr val="dk1"/>
+          </a:fontRef>
+        </dgm:style>
+      </dgm:prSet>
+      <dgm:spPr/>
+      <dgm:t>
+        <a:bodyPr/>
+        <a:lstStyle/>
+        <a:p>
+          <a:r>
+            <a:rPr lang="en-US" sz="5000" dirty="0" err="1" smtClean="0"/>
+            <a:t>Cov</a:t>
+          </a:r>
+          <a:r>
+            <a:rPr lang="en-US" sz="5000" dirty="0" smtClean="0"/>
+            <a:t>(</a:t>
+          </a:r>
+          <a:r>
+            <a:rPr lang="en-US" sz="5000" dirty="0" err="1" smtClean="0"/>
+            <a:t>q</a:t>
+          </a:r>
+          <a:r>
+            <a:rPr lang="en-US" sz="5000" baseline="-25000" dirty="0" err="1" smtClean="0"/>
+            <a:t>ij</a:t>
+          </a:r>
+          <a:r>
+            <a:rPr lang="en-US" sz="5000" dirty="0" err="1" smtClean="0"/>
+            <a:t>,q</a:t>
+          </a:r>
+          <a:r>
+            <a:rPr lang="en-US" sz="5000" baseline="-25000" dirty="0" err="1" smtClean="0"/>
+            <a:t>ij</a:t>
+          </a:r>
+          <a:r>
+            <a:rPr lang="en-US" sz="5000" dirty="0" smtClean="0"/>
+            <a:t>)</a:t>
+          </a:r>
+          <a:endParaRPr lang="en-US" sz="5000" dirty="0"/>
+        </a:p>
+      </dgm:t>
+    </dgm:pt>
+    <dgm:pt modelId="{7F0FCC64-197C-EF44-BFB8-03441512624A}" type="parTrans" cxnId="{581E594E-7755-AC42-B9DC-05F1E9235722}">
+      <dgm:prSet/>
+      <dgm:spPr/>
+      <dgm:t>
+        <a:bodyPr/>
+        <a:lstStyle/>
+        <a:p>
+          <a:endParaRPr lang="en-US"/>
+        </a:p>
+      </dgm:t>
+    </dgm:pt>
+    <dgm:pt modelId="{F4C95928-736B-2A47-ADAA-73922ADDA6B8}" type="sibTrans" cxnId="{581E594E-7755-AC42-B9DC-05F1E9235722}">
+      <dgm:prSet/>
+      <dgm:spPr/>
+      <dgm:t>
+        <a:bodyPr/>
+        <a:lstStyle/>
+        <a:p>
+          <a:endParaRPr lang="en-US"/>
+        </a:p>
+      </dgm:t>
+    </dgm:pt>
+    <dgm:pt modelId="{BC511722-39B0-C544-9215-E00E086D6D9D}">
+      <dgm:prSet phldrT="[Text]" custT="1">
+        <dgm:style>
+          <a:lnRef idx="1">
+            <a:schemeClr val="accent3"/>
+          </a:lnRef>
+          <a:fillRef idx="2">
+            <a:schemeClr val="accent3"/>
+          </a:fillRef>
+          <a:effectRef idx="1">
+            <a:schemeClr val="accent3"/>
+          </a:effectRef>
+          <a:fontRef idx="minor">
+            <a:schemeClr val="dk1"/>
+          </a:fontRef>
+        </dgm:style>
+      </dgm:prSet>
+      <dgm:spPr/>
+      <dgm:t>
+        <a:bodyPr/>
+        <a:lstStyle/>
+        <a:p>
+          <a:r>
+            <a:rPr lang="en-US" sz="5000" dirty="0" smtClean="0"/>
+            <a:t>dp</a:t>
+          </a:r>
+          <a:r>
+            <a:rPr lang="en-US" sz="5000" baseline="-25000" dirty="0" smtClean="0"/>
+            <a:t>i</a:t>
+          </a:r>
+          <a:r>
+            <a:rPr lang="en-US" sz="5000" dirty="0" smtClean="0"/>
+            <a:t>/</a:t>
+          </a:r>
+          <a:r>
+            <a:rPr lang="en-US" sz="5000" dirty="0" err="1" smtClean="0"/>
+            <a:t>dq</a:t>
+          </a:r>
+          <a:r>
+            <a:rPr lang="en-US" sz="5000" baseline="-25000" dirty="0" err="1" smtClean="0"/>
+            <a:t>ij</a:t>
+          </a:r>
+          <a:endParaRPr lang="en-US" sz="5000" dirty="0" smtClean="0"/>
+        </a:p>
+      </dgm:t>
+    </dgm:pt>
+    <dgm:pt modelId="{3F3A86FB-CB67-D642-ABF2-0B5740AEC9C5}" type="parTrans" cxnId="{DF29CD4F-7904-2E45-A41F-79E55EE04902}">
+      <dgm:prSet/>
+      <dgm:spPr/>
+      <dgm:t>
+        <a:bodyPr/>
+        <a:lstStyle/>
+        <a:p>
+          <a:endParaRPr lang="en-US"/>
+        </a:p>
+      </dgm:t>
+    </dgm:pt>
+    <dgm:pt modelId="{BA5D79F3-533E-194C-ABE5-0BEAA9DE3D8E}" type="sibTrans" cxnId="{DF29CD4F-7904-2E45-A41F-79E55EE04902}">
+      <dgm:prSet/>
+      <dgm:spPr/>
+      <dgm:t>
+        <a:bodyPr/>
+        <a:lstStyle/>
+        <a:p>
+          <a:endParaRPr lang="en-US"/>
+        </a:p>
+      </dgm:t>
+    </dgm:pt>
+    <dgm:pt modelId="{9A15DA94-001B-3749-BD29-ED2F428A5EFB}">
+      <dgm:prSet phldrT="[Text]" custT="1">
+        <dgm:style>
+          <a:lnRef idx="1">
+            <a:schemeClr val="accent3"/>
+          </a:lnRef>
+          <a:fillRef idx="2">
+            <a:schemeClr val="accent3"/>
+          </a:fillRef>
+          <a:effectRef idx="1">
+            <a:schemeClr val="accent3"/>
+          </a:effectRef>
+          <a:fontRef idx="minor">
+            <a:schemeClr val="dk1"/>
+          </a:fontRef>
+        </dgm:style>
+      </dgm:prSet>
+      <dgm:spPr/>
+      <dgm:t>
+        <a:bodyPr/>
+        <a:lstStyle/>
+        <a:p>
+          <a:r>
+            <a:rPr lang="en-US" sz="5000" dirty="0" smtClean="0"/>
+            <a:t>dp</a:t>
+          </a:r>
+          <a:r>
+            <a:rPr lang="en-US" sz="5000" baseline="-25000" dirty="0" smtClean="0"/>
+            <a:t>i</a:t>
+          </a:r>
+          <a:r>
+            <a:rPr lang="en-US" sz="5000" dirty="0" smtClean="0"/>
+            <a:t>/</a:t>
+          </a:r>
+          <a:r>
+            <a:rPr lang="en-US" sz="5000" dirty="0" err="1" smtClean="0"/>
+            <a:t>dq</a:t>
+          </a:r>
+          <a:r>
+            <a:rPr lang="en-US" sz="5000" baseline="-25000" dirty="0" err="1" smtClean="0"/>
+            <a:t>jk</a:t>
+          </a:r>
+          <a:r>
+            <a:rPr lang="en-US" sz="5000" dirty="0" smtClean="0"/>
+            <a:t> </a:t>
+          </a:r>
+        </a:p>
+      </dgm:t>
+    </dgm:pt>
+    <dgm:pt modelId="{A3B5D4E9-E83C-754D-BA54-07DF7C596D53}" type="parTrans" cxnId="{4335E355-DEE4-5940-A577-47251E52DDD8}">
+      <dgm:prSet/>
+      <dgm:spPr/>
+      <dgm:t>
+        <a:bodyPr/>
+        <a:lstStyle/>
+        <a:p>
+          <a:endParaRPr lang="en-US"/>
+        </a:p>
+      </dgm:t>
+    </dgm:pt>
+    <dgm:pt modelId="{6E8ED6EA-BDAB-2546-941D-66BEE8909944}" type="sibTrans" cxnId="{4335E355-DEE4-5940-A577-47251E52DDD8}">
+      <dgm:prSet/>
+      <dgm:spPr/>
+      <dgm:t>
+        <a:bodyPr/>
+        <a:lstStyle/>
+        <a:p>
+          <a:endParaRPr lang="en-US"/>
+        </a:p>
+      </dgm:t>
+    </dgm:pt>
+    <dgm:pt modelId="{68D95848-EFCF-C74B-8B3E-5464E5A4673B}">
+      <dgm:prSet phldrT="[Text]" custT="1">
+        <dgm:style>
+          <a:lnRef idx="1">
+            <a:schemeClr val="accent3"/>
+          </a:lnRef>
+          <a:fillRef idx="2">
+            <a:schemeClr val="accent3"/>
+          </a:fillRef>
+          <a:effectRef idx="1">
+            <a:schemeClr val="accent3"/>
+          </a:effectRef>
+          <a:fontRef idx="minor">
+            <a:schemeClr val="dk1"/>
+          </a:fontRef>
+        </dgm:style>
+      </dgm:prSet>
+      <dgm:spPr/>
+      <dgm:t>
+        <a:bodyPr/>
+        <a:lstStyle/>
+        <a:p>
+          <a:r>
+            <a:rPr lang="en-US" sz="5000" dirty="0" smtClean="0"/>
+            <a:t>p</a:t>
+          </a:r>
+          <a:r>
+            <a:rPr lang="en-US" sz="5000" baseline="-25000" dirty="0" smtClean="0"/>
+            <a:t>i</a:t>
+          </a:r>
+          <a:r>
+            <a:rPr lang="en-US" sz="5000" dirty="0" smtClean="0"/>
+            <a:t> mean</a:t>
+          </a:r>
+          <a:endParaRPr lang="en-US" sz="5000" dirty="0"/>
+        </a:p>
+      </dgm:t>
+    </dgm:pt>
+    <dgm:pt modelId="{D8BE48FA-80D5-2D46-8103-D63AA139B9BC}" type="parTrans" cxnId="{5BEA15F4-01B9-894B-9D83-F53FDA1F6236}">
+      <dgm:prSet/>
+      <dgm:spPr/>
+      <dgm:t>
+        <a:bodyPr/>
+        <a:lstStyle/>
+        <a:p>
+          <a:endParaRPr lang="en-US"/>
+        </a:p>
+      </dgm:t>
+    </dgm:pt>
+    <dgm:pt modelId="{1CB48D96-7C19-9342-9A3E-30CA81ED0485}" type="sibTrans" cxnId="{5BEA15F4-01B9-894B-9D83-F53FDA1F6236}">
+      <dgm:prSet/>
+      <dgm:spPr/>
+      <dgm:t>
+        <a:bodyPr/>
+        <a:lstStyle/>
+        <a:p>
+          <a:endParaRPr lang="en-US"/>
+        </a:p>
+      </dgm:t>
+    </dgm:pt>
+    <dgm:pt modelId="{A1C6CD64-1D5E-2145-ADE2-4CA90A397E7C}">
+      <dgm:prSet phldrT="[Text]" custT="1">
+        <dgm:style>
+          <a:lnRef idx="1">
+            <a:schemeClr val="accent3"/>
+          </a:lnRef>
+          <a:fillRef idx="2">
+            <a:schemeClr val="accent3"/>
+          </a:fillRef>
+          <a:effectRef idx="1">
+            <a:schemeClr val="accent3"/>
+          </a:effectRef>
+          <a:fontRef idx="minor">
+            <a:schemeClr val="dk1"/>
+          </a:fontRef>
+        </dgm:style>
+      </dgm:prSet>
+      <dgm:spPr/>
+      <dgm:t>
+        <a:bodyPr/>
+        <a:lstStyle/>
+        <a:p>
+          <a:r>
+            <a:rPr lang="en-US" sz="5000" dirty="0" smtClean="0"/>
+            <a:t>p</a:t>
+          </a:r>
+          <a:r>
+            <a:rPr lang="en-US" sz="5000" baseline="-25000" dirty="0" smtClean="0"/>
+            <a:t>i</a:t>
+          </a:r>
+          <a:r>
+            <a:rPr lang="en-US" sz="5000" dirty="0" smtClean="0"/>
+            <a:t> variance</a:t>
+          </a:r>
+          <a:endParaRPr lang="en-US" sz="5000" dirty="0"/>
+        </a:p>
+      </dgm:t>
+    </dgm:pt>
+    <dgm:pt modelId="{ECE55DAD-09B4-0945-812D-F209EB8B0285}" type="parTrans" cxnId="{5B76B91E-6398-1748-AAD1-248C12EA16D7}">
+      <dgm:prSet/>
+      <dgm:spPr/>
+      <dgm:t>
+        <a:bodyPr/>
+        <a:lstStyle/>
+        <a:p>
+          <a:endParaRPr lang="en-US"/>
+        </a:p>
+      </dgm:t>
+    </dgm:pt>
+    <dgm:pt modelId="{5D57D0ED-45B9-CA4F-86C2-744F68C5A205}" type="sibTrans" cxnId="{5B76B91E-6398-1748-AAD1-248C12EA16D7}">
+      <dgm:prSet/>
+      <dgm:spPr/>
+      <dgm:t>
+        <a:bodyPr/>
+        <a:lstStyle/>
+        <a:p>
+          <a:endParaRPr lang="en-US"/>
+        </a:p>
+      </dgm:t>
+    </dgm:pt>
+    <dgm:pt modelId="{2A545BEE-8B91-AF4E-9E6C-BB8912719D4D}">
+      <dgm:prSet phldrT="[Text]" custT="1">
+        <dgm:style>
+          <a:lnRef idx="1">
+            <a:schemeClr val="accent3"/>
+          </a:lnRef>
+          <a:fillRef idx="2">
+            <a:schemeClr val="accent3"/>
+          </a:fillRef>
+          <a:effectRef idx="1">
+            <a:schemeClr val="accent3"/>
+          </a:effectRef>
+          <a:fontRef idx="minor">
+            <a:schemeClr val="dk1"/>
+          </a:fontRef>
+        </dgm:style>
+      </dgm:prSet>
+      <dgm:spPr/>
+      <dgm:t>
+        <a:bodyPr/>
+        <a:lstStyle/>
+        <a:p>
+          <a:r>
+            <a:rPr lang="en-US" sz="5000" dirty="0" smtClean="0"/>
+            <a:t>Confidence interval size</a:t>
+          </a:r>
+          <a:endParaRPr lang="en-US" sz="5000" dirty="0"/>
+        </a:p>
+      </dgm:t>
+    </dgm:pt>
+    <dgm:pt modelId="{0E88FA0C-BA93-DB4A-8EB1-E8CADAA6E3B4}" type="parTrans" cxnId="{20B85CE3-E9ED-DB4B-AFC7-E21E50188335}">
+      <dgm:prSet/>
+      <dgm:spPr/>
+      <dgm:t>
+        <a:bodyPr/>
+        <a:lstStyle/>
+        <a:p>
+          <a:endParaRPr lang="en-US"/>
+        </a:p>
+      </dgm:t>
+    </dgm:pt>
+    <dgm:pt modelId="{3E485B0C-A3A7-3747-A517-8AEC4263EF6B}" type="sibTrans" cxnId="{20B85CE3-E9ED-DB4B-AFC7-E21E50188335}">
+      <dgm:prSet/>
+      <dgm:spPr/>
+      <dgm:t>
+        <a:bodyPr/>
+        <a:lstStyle/>
+        <a:p>
+          <a:endParaRPr lang="en-US"/>
+        </a:p>
+      </dgm:t>
+    </dgm:pt>
+    <dgm:pt modelId="{C7A5FC32-AE72-0B43-A11C-5CC3B880802E}" type="pres">
+      <dgm:prSet presAssocID="{38BEECF8-0B02-604B-8C93-6F24C8521E73}" presName="Name0" presStyleCnt="0">
+        <dgm:presLayoutVars>
+          <dgm:dir/>
+          <dgm:resizeHandles val="exact"/>
+        </dgm:presLayoutVars>
+      </dgm:prSet>
+      <dgm:spPr/>
+    </dgm:pt>
+    <dgm:pt modelId="{8171E798-D9AC-E041-824F-31746C8DCC3B}" type="pres">
+      <dgm:prSet presAssocID="{116F74F5-4028-3F45-88E2-8C0B0C95263C}" presName="parAndChTx" presStyleLbl="node1" presStyleIdx="0" presStyleCnt="4">
+        <dgm:presLayoutVars>
+          <dgm:bulletEnabled val="1"/>
+        </dgm:presLayoutVars>
+      </dgm:prSet>
+      <dgm:spPr/>
+      <dgm:t>
+        <a:bodyPr/>
+        <a:lstStyle/>
+        <a:p>
+          <a:endParaRPr lang="en-US"/>
+        </a:p>
+      </dgm:t>
+    </dgm:pt>
+    <dgm:pt modelId="{E0E8DA2A-C56F-944E-942E-1C0A6B4493EC}" type="pres">
+      <dgm:prSet presAssocID="{A18E541C-B6F8-F34E-9BA2-931C40DA63B6}" presName="parAndChSpace" presStyleCnt="0"/>
+      <dgm:spPr/>
+    </dgm:pt>
+    <dgm:pt modelId="{827653F9-5CDF-B546-81B1-5AC2A9226BD2}" type="pres">
+      <dgm:prSet presAssocID="{0940C72B-4554-074E-BA3E-548C7F341CA7}" presName="parAndChTx" presStyleLbl="node1" presStyleIdx="1" presStyleCnt="4">
+        <dgm:presLayoutVars>
+          <dgm:bulletEnabled val="1"/>
+        </dgm:presLayoutVars>
+      </dgm:prSet>
+      <dgm:spPr/>
+      <dgm:t>
+        <a:bodyPr/>
+        <a:lstStyle/>
+        <a:p>
+          <a:endParaRPr lang="en-US"/>
+        </a:p>
+      </dgm:t>
+    </dgm:pt>
+    <dgm:pt modelId="{9726BFCA-30C6-5B4F-A3E9-DAFCF494E87B}" type="pres">
+      <dgm:prSet presAssocID="{F4190928-EC8A-7442-B34F-11F3FB06E220}" presName="parAndChSpace" presStyleCnt="0"/>
+      <dgm:spPr/>
+    </dgm:pt>
+    <dgm:pt modelId="{7C3EB1D9-14A3-6F48-AC6B-8A6E615BA113}" type="pres">
+      <dgm:prSet presAssocID="{F110C852-6F45-FB48-B1FF-E7AAA445E08A}" presName="parAndChTx" presStyleLbl="node1" presStyleIdx="2" presStyleCnt="4">
+        <dgm:presLayoutVars>
+          <dgm:bulletEnabled val="1"/>
+        </dgm:presLayoutVars>
+      </dgm:prSet>
+      <dgm:spPr/>
+      <dgm:t>
+        <a:bodyPr/>
+        <a:lstStyle/>
+        <a:p>
+          <a:endParaRPr lang="en-US"/>
+        </a:p>
+      </dgm:t>
+    </dgm:pt>
+    <dgm:pt modelId="{F8B35009-8D25-5B46-A551-E1C6EEDC73C0}" type="pres">
+      <dgm:prSet presAssocID="{E74471A5-F2F0-EB4B-AF20-2282F540ACA6}" presName="parAndChSpace" presStyleCnt="0"/>
+      <dgm:spPr/>
+    </dgm:pt>
+    <dgm:pt modelId="{15ED0ADA-5FBF-4B4C-9FB1-35E9FCFC8C0A}" type="pres">
+      <dgm:prSet presAssocID="{F08485FE-D0FD-7745-B0CE-242137B291CA}" presName="parAndChTx" presStyleLbl="node1" presStyleIdx="3" presStyleCnt="4">
+        <dgm:presLayoutVars>
+          <dgm:bulletEnabled val="1"/>
+        </dgm:presLayoutVars>
+      </dgm:prSet>
+      <dgm:spPr/>
+      <dgm:t>
+        <a:bodyPr/>
+        <a:lstStyle/>
+        <a:p>
+          <a:endParaRPr lang="en-US"/>
+        </a:p>
+      </dgm:t>
+    </dgm:pt>
+  </dgm:ptLst>
+  <dgm:cxnLst>
+    <dgm:cxn modelId="{180B7986-E35D-4545-BEC4-FCA233C2C3D1}" type="presOf" srcId="{A1C6CD64-1D5E-2145-ADE2-4CA90A397E7C}" destId="{15ED0ADA-5FBF-4B4C-9FB1-35E9FCFC8C0A}" srcOrd="0" destOrd="2" presId="urn:microsoft.com/office/officeart/2005/8/layout/hChevron3"/>
+    <dgm:cxn modelId="{581E594E-7755-AC42-B9DC-05F1E9235722}" srcId="{0940C72B-4554-074E-BA3E-548C7F341CA7}" destId="{49570BFE-7D50-9848-8767-AE38C8AEB623}" srcOrd="2" destOrd="0" parTransId="{7F0FCC64-197C-EF44-BFB8-03441512624A}" sibTransId="{F4C95928-736B-2A47-ADAA-73922ADDA6B8}"/>
+    <dgm:cxn modelId="{5B76B91E-6398-1748-AAD1-248C12EA16D7}" srcId="{F08485FE-D0FD-7745-B0CE-242137B291CA}" destId="{A1C6CD64-1D5E-2145-ADE2-4CA90A397E7C}" srcOrd="1" destOrd="0" parTransId="{ECE55DAD-09B4-0945-812D-F209EB8B0285}" sibTransId="{5D57D0ED-45B9-CA4F-86C2-744F68C5A205}"/>
+    <dgm:cxn modelId="{791558F9-8566-3341-9C0E-C1FF9F969E6E}" type="presOf" srcId="{57E308DC-0EC2-3A4A-AE1A-51AEC3F6FB47}" destId="{8171E798-D9AC-E041-824F-31746C8DCC3B}" srcOrd="0" destOrd="2" presId="urn:microsoft.com/office/officeart/2005/8/layout/hChevron3"/>
+    <dgm:cxn modelId="{20B85CE3-E9ED-DB4B-AFC7-E21E50188335}" srcId="{F08485FE-D0FD-7745-B0CE-242137B291CA}" destId="{2A545BEE-8B91-AF4E-9E6C-BB8912719D4D}" srcOrd="2" destOrd="0" parTransId="{0E88FA0C-BA93-DB4A-8EB1-E8CADAA6E3B4}" sibTransId="{3E485B0C-A3A7-3747-A517-8AEC4263EF6B}"/>
+    <dgm:cxn modelId="{0DA52ADF-367A-AD46-8252-EC2ADAB19519}" type="presOf" srcId="{2A545BEE-8B91-AF4E-9E6C-BB8912719D4D}" destId="{15ED0ADA-5FBF-4B4C-9FB1-35E9FCFC8C0A}" srcOrd="0" destOrd="3" presId="urn:microsoft.com/office/officeart/2005/8/layout/hChevron3"/>
+    <dgm:cxn modelId="{2716E152-237C-2246-A687-1EE45EBB6B42}" type="presOf" srcId="{38BEECF8-0B02-604B-8C93-6F24C8521E73}" destId="{C7A5FC32-AE72-0B43-A11C-5CC3B880802E}" srcOrd="0" destOrd="0" presId="urn:microsoft.com/office/officeart/2005/8/layout/hChevron3"/>
+    <dgm:cxn modelId="{6F06F21B-2B18-BB4B-966A-C18899732967}" srcId="{116F74F5-4028-3F45-88E2-8C0B0C95263C}" destId="{57E308DC-0EC2-3A4A-AE1A-51AEC3F6FB47}" srcOrd="1" destOrd="0" parTransId="{9E72F64B-F4FC-9E4D-8EE4-B467A85DB5BB}" sibTransId="{47279E9B-3DE1-734D-9192-83E819833D93}"/>
+    <dgm:cxn modelId="{D99CB240-F89C-7A43-A1DF-B6AD3E33CCF6}" type="presOf" srcId="{68D95848-EFCF-C74B-8B3E-5464E5A4673B}" destId="{15ED0ADA-5FBF-4B4C-9FB1-35E9FCFC8C0A}" srcOrd="0" destOrd="1" presId="urn:microsoft.com/office/officeart/2005/8/layout/hChevron3"/>
+    <dgm:cxn modelId="{A56B41DD-F38B-A246-9DFA-A99EF0EA8A99}" type="presOf" srcId="{116F74F5-4028-3F45-88E2-8C0B0C95263C}" destId="{8171E798-D9AC-E041-824F-31746C8DCC3B}" srcOrd="0" destOrd="0" presId="urn:microsoft.com/office/officeart/2005/8/layout/hChevron3"/>
+    <dgm:cxn modelId="{CEDEA953-40C2-9847-8A59-02F857334E7C}" srcId="{116F74F5-4028-3F45-88E2-8C0B0C95263C}" destId="{EAD6E5A0-9F70-3F45-ACC5-45D1D1E92FFB}" srcOrd="0" destOrd="0" parTransId="{E11809C5-32E7-3C46-845E-F86694928719}" sibTransId="{00ED442B-D535-194A-9768-7D457ABDFF00}"/>
+    <dgm:cxn modelId="{30B6E3D6-E5CF-9B43-9F60-8CCE32493B9F}" type="presOf" srcId="{F110C852-6F45-FB48-B1FF-E7AAA445E08A}" destId="{7C3EB1D9-14A3-6F48-AC6B-8A6E615BA113}" srcOrd="0" destOrd="0" presId="urn:microsoft.com/office/officeart/2005/8/layout/hChevron3"/>
+    <dgm:cxn modelId="{415097DD-1744-694A-8AEF-A4608CB56BCB}" srcId="{38BEECF8-0B02-604B-8C93-6F24C8521E73}" destId="{F110C852-6F45-FB48-B1FF-E7AAA445E08A}" srcOrd="2" destOrd="0" parTransId="{9EFCFFDB-A8ED-7D47-8710-26948EB2A4B9}" sibTransId="{E74471A5-F2F0-EB4B-AF20-2282F540ACA6}"/>
+    <dgm:cxn modelId="{F59AD8F8-07F0-F844-BC2B-CF9BF901CDC5}" type="presOf" srcId="{6A786F66-321C-D144-87D5-6AEFA9B69512}" destId="{827653F9-5CDF-B546-81B1-5AC2A9226BD2}" srcOrd="0" destOrd="1" presId="urn:microsoft.com/office/officeart/2005/8/layout/hChevron3"/>
+    <dgm:cxn modelId="{5BEA15F4-01B9-894B-9D83-F53FDA1F6236}" srcId="{F08485FE-D0FD-7745-B0CE-242137B291CA}" destId="{68D95848-EFCF-C74B-8B3E-5464E5A4673B}" srcOrd="0" destOrd="0" parTransId="{D8BE48FA-80D5-2D46-8103-D63AA139B9BC}" sibTransId="{1CB48D96-7C19-9342-9A3E-30CA81ED0485}"/>
+    <dgm:cxn modelId="{ADBADC1C-C3FF-1141-9138-7F3B039C5592}" srcId="{38BEECF8-0B02-604B-8C93-6F24C8521E73}" destId="{0940C72B-4554-074E-BA3E-548C7F341CA7}" srcOrd="1" destOrd="0" parTransId="{DA754511-A3C2-ED43-9303-E46DF35D80A8}" sibTransId="{F4190928-EC8A-7442-B34F-11F3FB06E220}"/>
+    <dgm:cxn modelId="{8D49BACA-E91E-5E47-B1F3-9C5DB6633183}" srcId="{38BEECF8-0B02-604B-8C93-6F24C8521E73}" destId="{116F74F5-4028-3F45-88E2-8C0B0C95263C}" srcOrd="0" destOrd="0" parTransId="{ACE8C5C1-36D9-D74D-8610-4DE5A697F5BD}" sibTransId="{A18E541C-B6F8-F34E-9BA2-931C40DA63B6}"/>
+    <dgm:cxn modelId="{837DAAB8-08FD-CB40-9368-C88A49066D80}" srcId="{0940C72B-4554-074E-BA3E-548C7F341CA7}" destId="{EAF09015-B620-4843-BA44-7E16D6D51C9B}" srcOrd="1" destOrd="0" parTransId="{93FDBF4A-797E-6944-8397-37C50DB73AA5}" sibTransId="{9CEC6EA0-D1F2-D74B-AE2E-ACFFFFCD6939}"/>
+    <dgm:cxn modelId="{DF29CD4F-7904-2E45-A41F-79E55EE04902}" srcId="{F110C852-6F45-FB48-B1FF-E7AAA445E08A}" destId="{BC511722-39B0-C544-9215-E00E086D6D9D}" srcOrd="0" destOrd="0" parTransId="{3F3A86FB-CB67-D642-ABF2-0B5740AEC9C5}" sibTransId="{BA5D79F3-533E-194C-ABE5-0BEAA9DE3D8E}"/>
+    <dgm:cxn modelId="{59C95870-F28A-4345-9958-FD5905C37BCF}" type="presOf" srcId="{F08485FE-D0FD-7745-B0CE-242137B291CA}" destId="{15ED0ADA-5FBF-4B4C-9FB1-35E9FCFC8C0A}" srcOrd="0" destOrd="0" presId="urn:microsoft.com/office/officeart/2005/8/layout/hChevron3"/>
+    <dgm:cxn modelId="{7EF08AE2-A023-EE4C-8341-F538DEFC1DA6}" type="presOf" srcId="{EAF09015-B620-4843-BA44-7E16D6D51C9B}" destId="{827653F9-5CDF-B546-81B1-5AC2A9226BD2}" srcOrd="0" destOrd="2" presId="urn:microsoft.com/office/officeart/2005/8/layout/hChevron3"/>
+    <dgm:cxn modelId="{E1FF5F0F-3C30-EA4D-A27B-1EC4F659009A}" srcId="{0940C72B-4554-074E-BA3E-548C7F341CA7}" destId="{6A786F66-321C-D144-87D5-6AEFA9B69512}" srcOrd="0" destOrd="0" parTransId="{6DA661F8-EF02-FF4E-BDAA-7AF8DC641AAF}" sibTransId="{A6270F27-CC75-DB4F-B27C-FA3A163E10AA}"/>
+    <dgm:cxn modelId="{7F8DAE13-42CD-E14E-B570-EA60A9D76A4C}" type="presOf" srcId="{BC511722-39B0-C544-9215-E00E086D6D9D}" destId="{7C3EB1D9-14A3-6F48-AC6B-8A6E615BA113}" srcOrd="0" destOrd="1" presId="urn:microsoft.com/office/officeart/2005/8/layout/hChevron3"/>
+    <dgm:cxn modelId="{E4DDD113-FF0C-1546-81FC-1E0E2EE1052C}" srcId="{38BEECF8-0B02-604B-8C93-6F24C8521E73}" destId="{F08485FE-D0FD-7745-B0CE-242137B291CA}" srcOrd="3" destOrd="0" parTransId="{696F3056-08D5-0344-A7DC-64D0E19B860B}" sibTransId="{6D5FF295-B56C-1E46-B4C0-BF9D53C99390}"/>
+    <dgm:cxn modelId="{0E5F1AA5-51FC-2D47-AD82-52F89CFE74F2}" type="presOf" srcId="{49570BFE-7D50-9848-8767-AE38C8AEB623}" destId="{827653F9-5CDF-B546-81B1-5AC2A9226BD2}" srcOrd="0" destOrd="3" presId="urn:microsoft.com/office/officeart/2005/8/layout/hChevron3"/>
+    <dgm:cxn modelId="{4335E355-DEE4-5940-A577-47251E52DDD8}" srcId="{F110C852-6F45-FB48-B1FF-E7AAA445E08A}" destId="{9A15DA94-001B-3749-BD29-ED2F428A5EFB}" srcOrd="1" destOrd="0" parTransId="{A3B5D4E9-E83C-754D-BA54-07DF7C596D53}" sibTransId="{6E8ED6EA-BDAB-2546-941D-66BEE8909944}"/>
+    <dgm:cxn modelId="{3940CA54-EC5B-0846-9881-2CDABE3CC066}" type="presOf" srcId="{EAD6E5A0-9F70-3F45-ACC5-45D1D1E92FFB}" destId="{8171E798-D9AC-E041-824F-31746C8DCC3B}" srcOrd="0" destOrd="1" presId="urn:microsoft.com/office/officeart/2005/8/layout/hChevron3"/>
+    <dgm:cxn modelId="{49885272-934D-484B-BA44-454A69050205}" type="presOf" srcId="{9A15DA94-001B-3749-BD29-ED2F428A5EFB}" destId="{7C3EB1D9-14A3-6F48-AC6B-8A6E615BA113}" srcOrd="0" destOrd="2" presId="urn:microsoft.com/office/officeart/2005/8/layout/hChevron3"/>
+    <dgm:cxn modelId="{C9290AD7-8A76-3247-A3B8-BFAFB581723F}" type="presOf" srcId="{0940C72B-4554-074E-BA3E-548C7F341CA7}" destId="{827653F9-5CDF-B546-81B1-5AC2A9226BD2}" srcOrd="0" destOrd="0" presId="urn:microsoft.com/office/officeart/2005/8/layout/hChevron3"/>
+    <dgm:cxn modelId="{DC71007E-1DE1-D145-9DB7-5F70AA16388E}" type="presParOf" srcId="{C7A5FC32-AE72-0B43-A11C-5CC3B880802E}" destId="{8171E798-D9AC-E041-824F-31746C8DCC3B}" srcOrd="0" destOrd="0" presId="urn:microsoft.com/office/officeart/2005/8/layout/hChevron3"/>
+    <dgm:cxn modelId="{137569D0-E7A9-374E-BE60-84A3A292F626}" type="presParOf" srcId="{C7A5FC32-AE72-0B43-A11C-5CC3B880802E}" destId="{E0E8DA2A-C56F-944E-942E-1C0A6B4493EC}" srcOrd="1" destOrd="0" presId="urn:microsoft.com/office/officeart/2005/8/layout/hChevron3"/>
+    <dgm:cxn modelId="{B4950D7C-C237-284B-A7F6-B3F3B04D7579}" type="presParOf" srcId="{C7A5FC32-AE72-0B43-A11C-5CC3B880802E}" destId="{827653F9-5CDF-B546-81B1-5AC2A9226BD2}" srcOrd="2" destOrd="0" presId="urn:microsoft.com/office/officeart/2005/8/layout/hChevron3"/>
+    <dgm:cxn modelId="{BEDE95D9-8A4F-6749-9B11-2B80D9E86E99}" type="presParOf" srcId="{C7A5FC32-AE72-0B43-A11C-5CC3B880802E}" destId="{9726BFCA-30C6-5B4F-A3E9-DAFCF494E87B}" srcOrd="3" destOrd="0" presId="urn:microsoft.com/office/officeart/2005/8/layout/hChevron3"/>
+    <dgm:cxn modelId="{F0740C62-E153-FD43-AC78-B43D1E1614DB}" type="presParOf" srcId="{C7A5FC32-AE72-0B43-A11C-5CC3B880802E}" destId="{7C3EB1D9-14A3-6F48-AC6B-8A6E615BA113}" srcOrd="4" destOrd="0" presId="urn:microsoft.com/office/officeart/2005/8/layout/hChevron3"/>
+    <dgm:cxn modelId="{7A074317-F1BC-6441-983A-37097B2A25A2}" type="presParOf" srcId="{C7A5FC32-AE72-0B43-A11C-5CC3B880802E}" destId="{F8B35009-8D25-5B46-A551-E1C6EEDC73C0}" srcOrd="5" destOrd="0" presId="urn:microsoft.com/office/officeart/2005/8/layout/hChevron3"/>
+    <dgm:cxn modelId="{668A50AA-ED4D-B946-9F72-F4C758FD82A5}" type="presParOf" srcId="{C7A5FC32-AE72-0B43-A11C-5CC3B880802E}" destId="{15ED0ADA-5FBF-4B4C-9FB1-35E9FCFC8C0A}" srcOrd="6" destOrd="0" presId="urn:microsoft.com/office/officeart/2005/8/layout/hChevron3"/>
+  </dgm:cxnLst>
+  <dgm:bg/>
+  <dgm:whole/>
+  <dgm:extLst>
+    <a:ext uri="http://schemas.microsoft.com/office/drawing/2008/diagram">
+      <dsp:dataModelExt xmlns:dsp="http://schemas.microsoft.com/office/drawing/2008/diagram" relId="rId11" minVer="http://schemas.openxmlformats.org/drawingml/2006/diagram"/>
+    </a:ext>
+    <a:ext uri="{C62137D5-CB1D-491B-B009-E17868A290BF}">
+      <dgm14:recolorImg xmlns:dgm14="http://schemas.microsoft.com/office/drawing/2010/diagram" val="1"/>
+    </a:ext>
+  </dgm:extLst>
+</dgm:dataModel>
+</file>
+
+<file path=ppt/diagrams/drawing1.xml><?xml version="1.0" encoding="utf-8"?>
+<dsp:drawing xmlns:dgm="http://schemas.openxmlformats.org/drawingml/2006/diagram" xmlns:dsp="http://schemas.microsoft.com/office/drawing/2008/diagram" xmlns:a="http://schemas.openxmlformats.org/drawingml/2006/main">
+  <dsp:spTree>
+    <dsp:nvGrpSpPr>
+      <dsp:cNvPr id="0" name=""/>
+      <dsp:cNvGrpSpPr/>
+    </dsp:nvGrpSpPr>
+    <dsp:grpSpPr/>
+    <dsp:sp modelId="{8171E798-D9AC-E041-824F-31746C8DCC3B}">
+      <dsp:nvSpPr>
+        <dsp:cNvPr id="0" name=""/>
+        <dsp:cNvSpPr/>
+      </dsp:nvSpPr>
+      <dsp:spPr>
+        <a:xfrm>
+          <a:off x="7825" y="556575"/>
+          <a:ext cx="7851662" cy="6281329"/>
+        </a:xfrm>
+        <a:prstGeom prst="homePlate">
+          <a:avLst>
+            <a:gd name="adj" fmla="val 25000"/>
+          </a:avLst>
+        </a:prstGeom>
+        <a:solidFill>
+          <a:schemeClr val="accent3">
+            <a:tint val="45000"/>
+          </a:schemeClr>
+        </a:solidFill>
+        <a:ln w="9525" cap="flat" cmpd="sng" algn="ctr">
+          <a:solidFill>
+            <a:schemeClr val="accent3"/>
+          </a:solidFill>
+          <a:prstDash val="solid"/>
+        </a:ln>
+        <a:effectLst>
+          <a:outerShdw blurRad="50800" dist="25400" dir="5400000" rotWithShape="0">
+            <a:srgbClr val="000000">
+              <a:alpha val="35000"/>
+            </a:srgbClr>
+          </a:outerShdw>
+        </a:effectLst>
+        <a:scene3d>
+          <a:camera prst="orthographicFront"/>
+          <a:lightRig rig="threePt" dir="t">
+            <a:rot lat="0" lon="0" rev="7500000"/>
+          </a:lightRig>
+        </a:scene3d>
+        <a:sp3d/>
+      </dsp:spPr>
+      <dsp:style>
+        <a:lnRef idx="1">
+          <a:schemeClr val="accent3"/>
+        </a:lnRef>
+        <a:fillRef idx="2">
+          <a:schemeClr val="accent3"/>
+        </a:fillRef>
+        <a:effectRef idx="1">
+          <a:schemeClr val="accent3"/>
+        </a:effectRef>
+        <a:fontRef idx="minor">
+          <a:schemeClr val="dk1"/>
+        </a:fontRef>
+      </dsp:style>
+      <dsp:txBody>
+        <a:bodyPr spcFirstLastPara="0" vert="horz" wrap="square" lIns="276989" tIns="127000" rIns="1107957" bIns="127000" numCol="1" spcCol="1270" anchor="t" anchorCtr="0">
+          <a:noAutofit/>
+        </a:bodyPr>
+        <a:lstStyle/>
+        <a:p>
+          <a:pPr lvl="0" algn="l" defTabSz="2222500">
+            <a:lnSpc>
+              <a:spcPct val="90000"/>
+            </a:lnSpc>
+            <a:spcBef>
+              <a:spcPct val="0"/>
+            </a:spcBef>
+            <a:spcAft>
+              <a:spcPct val="35000"/>
+            </a:spcAft>
+          </a:pPr>
+          <a:r>
+            <a:rPr lang="en-US" sz="5000" kern="1200" dirty="0" smtClean="0"/>
+            <a:t>Compute Agreements</a:t>
+          </a:r>
+          <a:endParaRPr lang="en-US" sz="5000" kern="1200" dirty="0"/>
+        </a:p>
+        <a:p>
+          <a:pPr marL="285750" lvl="1" indent="-285750" algn="l" defTabSz="2222500">
+            <a:lnSpc>
+              <a:spcPct val="90000"/>
+            </a:lnSpc>
+            <a:spcBef>
+              <a:spcPct val="0"/>
+            </a:spcBef>
+            <a:spcAft>
+              <a:spcPct val="15000"/>
+            </a:spcAft>
+            <a:buChar char="••"/>
+          </a:pPr>
+          <a:r>
+            <a:rPr lang="en-US" sz="5000" kern="1200" dirty="0" err="1" smtClean="0"/>
+            <a:t>q</a:t>
+          </a:r>
+          <a:r>
+            <a:rPr lang="en-US" sz="5000" kern="1200" baseline="-25000" dirty="0" err="1" smtClean="0"/>
+            <a:t>ij</a:t>
+          </a:r>
+          <a:r>
+            <a:rPr lang="en-US" sz="5000" kern="1200" baseline="-25000" dirty="0" smtClean="0"/>
+            <a:t> </a:t>
+          </a:r>
+          <a:r>
+            <a:rPr lang="en-US" sz="5000" kern="1200" baseline="0" dirty="0" smtClean="0"/>
+            <a:t>~ </a:t>
+          </a:r>
+          <a:r>
+            <a:rPr lang="en-US" sz="5000" kern="1200" baseline="0" dirty="0" err="1" smtClean="0"/>
+            <a:t>p</a:t>
+          </a:r>
+          <a:r>
+            <a:rPr lang="en-US" sz="5000" kern="1200" baseline="-25000" dirty="0" err="1" smtClean="0"/>
+            <a:t>i</a:t>
+          </a:r>
+          <a:r>
+            <a:rPr lang="en-US" sz="5000" kern="1200" baseline="0" dirty="0" err="1" smtClean="0"/>
+            <a:t>p</a:t>
+          </a:r>
+          <a:r>
+            <a:rPr lang="en-US" sz="5000" kern="1200" baseline="-25000" dirty="0" err="1" smtClean="0"/>
+            <a:t>j</a:t>
+          </a:r>
+          <a:r>
+            <a:rPr lang="en-US" sz="5000" kern="1200" baseline="0" dirty="0" smtClean="0"/>
+            <a:t> + (1-p</a:t>
+          </a:r>
+          <a:r>
+            <a:rPr lang="en-US" sz="5000" kern="1200" baseline="-25000" dirty="0" smtClean="0"/>
+            <a:t>i</a:t>
+          </a:r>
+          <a:r>
+            <a:rPr lang="en-US" sz="5000" kern="1200" baseline="0" dirty="0" smtClean="0"/>
+            <a:t>)(1-p</a:t>
+          </a:r>
+          <a:r>
+            <a:rPr lang="en-US" sz="5000" kern="1200" baseline="-25000" dirty="0" smtClean="0"/>
+            <a:t>j</a:t>
+          </a:r>
+          <a:r>
+            <a:rPr lang="en-US" sz="5000" kern="1200" baseline="0" dirty="0" smtClean="0"/>
+            <a:t>)</a:t>
+          </a:r>
+          <a:endParaRPr lang="en-US" sz="5000" kern="1200" baseline="-25000" dirty="0"/>
+        </a:p>
+        <a:p>
+          <a:pPr marL="285750" lvl="1" indent="-285750" algn="l" defTabSz="2222500">
+            <a:lnSpc>
+              <a:spcPct val="90000"/>
+            </a:lnSpc>
+            <a:spcBef>
+              <a:spcPct val="0"/>
+            </a:spcBef>
+            <a:spcAft>
+              <a:spcPct val="15000"/>
+            </a:spcAft>
+            <a:buChar char="••"/>
+          </a:pPr>
+          <a:r>
+            <a:rPr lang="en-US" sz="5000" kern="1200" baseline="0" dirty="0" smtClean="0"/>
+            <a:t>Solve to get p</a:t>
+          </a:r>
+          <a:r>
+            <a:rPr lang="en-US" sz="5000" kern="1200" baseline="-25000" dirty="0" smtClean="0"/>
+            <a:t>i</a:t>
+          </a:r>
+          <a:endParaRPr lang="en-US" sz="5000" kern="1200" baseline="-25000" dirty="0"/>
+        </a:p>
+      </dsp:txBody>
+      <dsp:txXfrm>
+        <a:off x="7825" y="556575"/>
+        <a:ext cx="7066496" cy="6281329"/>
+      </dsp:txXfrm>
+    </dsp:sp>
+    <dsp:sp modelId="{827653F9-5CDF-B546-81B1-5AC2A9226BD2}">
+      <dsp:nvSpPr>
+        <dsp:cNvPr id="0" name=""/>
+        <dsp:cNvSpPr/>
+      </dsp:nvSpPr>
+      <dsp:spPr>
+        <a:xfrm>
+          <a:off x="6289155" y="556575"/>
+          <a:ext cx="7851662" cy="6281329"/>
+        </a:xfrm>
+        <a:prstGeom prst="chevron">
+          <a:avLst>
+            <a:gd name="adj" fmla="val 25000"/>
+          </a:avLst>
+        </a:prstGeom>
+        <a:solidFill>
+          <a:schemeClr val="accent3">
+            <a:tint val="45000"/>
+          </a:schemeClr>
+        </a:solidFill>
+        <a:ln w="9525" cap="flat" cmpd="sng" algn="ctr">
+          <a:solidFill>
+            <a:schemeClr val="accent3"/>
+          </a:solidFill>
+          <a:prstDash val="solid"/>
+        </a:ln>
+        <a:effectLst>
+          <a:outerShdw blurRad="50800" dist="25400" dir="5400000" rotWithShape="0">
+            <a:srgbClr val="000000">
+              <a:alpha val="35000"/>
+            </a:srgbClr>
+          </a:outerShdw>
+        </a:effectLst>
+        <a:scene3d>
+          <a:camera prst="orthographicFront"/>
+          <a:lightRig rig="threePt" dir="t">
+            <a:rot lat="0" lon="0" rev="7500000"/>
+          </a:lightRig>
+        </a:scene3d>
+        <a:sp3d/>
+      </dsp:spPr>
+      <dsp:style>
+        <a:lnRef idx="1">
+          <a:schemeClr val="accent3"/>
+        </a:lnRef>
+        <a:fillRef idx="2">
+          <a:schemeClr val="accent3"/>
+        </a:fillRef>
+        <a:effectRef idx="1">
+          <a:schemeClr val="accent3"/>
+        </a:effectRef>
+        <a:fontRef idx="minor">
+          <a:schemeClr val="dk1"/>
+        </a:fontRef>
+      </dsp:style>
+      <dsp:txBody>
+        <a:bodyPr spcFirstLastPara="0" vert="horz" wrap="square" lIns="276989" tIns="127000" rIns="276989" bIns="127000" numCol="1" spcCol="1270" anchor="t" anchorCtr="0">
+          <a:noAutofit/>
+        </a:bodyPr>
+        <a:lstStyle/>
+        <a:p>
+          <a:pPr lvl="0" algn="l" defTabSz="2222500">
+            <a:lnSpc>
+              <a:spcPct val="90000"/>
+            </a:lnSpc>
+            <a:spcBef>
+              <a:spcPct val="0"/>
+            </a:spcBef>
+            <a:spcAft>
+              <a:spcPct val="35000"/>
+            </a:spcAft>
+          </a:pPr>
+          <a:r>
+            <a:rPr lang="en-US" sz="5000" kern="1200" dirty="0" smtClean="0"/>
+            <a:t>Compute Variances</a:t>
+          </a:r>
+          <a:endParaRPr lang="en-US" sz="5000" kern="1200" dirty="0"/>
+        </a:p>
+        <a:p>
+          <a:pPr marL="285750" lvl="1" indent="-285750" algn="l" defTabSz="2222500">
+            <a:lnSpc>
+              <a:spcPct val="90000"/>
+            </a:lnSpc>
+            <a:spcBef>
+              <a:spcPct val="0"/>
+            </a:spcBef>
+            <a:spcAft>
+              <a:spcPct val="15000"/>
+            </a:spcAft>
+            <a:buChar char="••"/>
+          </a:pPr>
+          <a:r>
+            <a:rPr lang="en-US" sz="5000" kern="1200" dirty="0" err="1" smtClean="0"/>
+            <a:t>Var</a:t>
+          </a:r>
+          <a:r>
+            <a:rPr lang="en-US" sz="5000" kern="1200" dirty="0" smtClean="0"/>
+            <a:t>(q) ~ q(1-q)</a:t>
+          </a:r>
+          <a:endParaRPr lang="en-US" sz="5000" kern="1200" dirty="0"/>
+        </a:p>
+        <a:p>
+          <a:pPr marL="285750" lvl="1" indent="-285750" algn="l" defTabSz="2222500">
+            <a:lnSpc>
+              <a:spcPct val="90000"/>
+            </a:lnSpc>
+            <a:spcBef>
+              <a:spcPct val="0"/>
+            </a:spcBef>
+            <a:spcAft>
+              <a:spcPct val="15000"/>
+            </a:spcAft>
+            <a:buChar char="••"/>
+          </a:pPr>
+          <a:r>
+            <a:rPr lang="en-US" sz="5000" kern="1200" dirty="0" err="1" smtClean="0"/>
+            <a:t>Cov</a:t>
+          </a:r>
+          <a:r>
+            <a:rPr lang="en-US" sz="5000" kern="1200" dirty="0" smtClean="0"/>
+            <a:t>(</a:t>
+          </a:r>
+          <a:r>
+            <a:rPr lang="en-US" sz="5000" kern="1200" dirty="0" err="1" smtClean="0"/>
+            <a:t>q</a:t>
+          </a:r>
+          <a:r>
+            <a:rPr lang="en-US" sz="5000" kern="1200" baseline="-25000" dirty="0" err="1" smtClean="0"/>
+            <a:t>ij</a:t>
+          </a:r>
+          <a:r>
+            <a:rPr lang="en-US" sz="5000" kern="1200" dirty="0" err="1" smtClean="0"/>
+            <a:t>,q</a:t>
+          </a:r>
+          <a:r>
+            <a:rPr lang="en-US" sz="5000" kern="1200" baseline="-25000" dirty="0" err="1" smtClean="0"/>
+            <a:t>ik</a:t>
+          </a:r>
+          <a:r>
+            <a:rPr lang="en-US" sz="5000" kern="1200" dirty="0" smtClean="0"/>
+            <a:t>) </a:t>
+          </a:r>
+          <a:endParaRPr lang="en-US" sz="5000" kern="1200" dirty="0"/>
+        </a:p>
+        <a:p>
+          <a:pPr marL="285750" lvl="1" indent="-285750" algn="l" defTabSz="2222500">
+            <a:lnSpc>
+              <a:spcPct val="90000"/>
+            </a:lnSpc>
+            <a:spcBef>
+              <a:spcPct val="0"/>
+            </a:spcBef>
+            <a:spcAft>
+              <a:spcPct val="15000"/>
+            </a:spcAft>
+            <a:buChar char="••"/>
+          </a:pPr>
+          <a:r>
+            <a:rPr lang="en-US" sz="5000" kern="1200" dirty="0" err="1" smtClean="0"/>
+            <a:t>Cov</a:t>
+          </a:r>
+          <a:r>
+            <a:rPr lang="en-US" sz="5000" kern="1200" dirty="0" smtClean="0"/>
+            <a:t>(</a:t>
+          </a:r>
+          <a:r>
+            <a:rPr lang="en-US" sz="5000" kern="1200" dirty="0" err="1" smtClean="0"/>
+            <a:t>q</a:t>
+          </a:r>
+          <a:r>
+            <a:rPr lang="en-US" sz="5000" kern="1200" baseline="-25000" dirty="0" err="1" smtClean="0"/>
+            <a:t>ij</a:t>
+          </a:r>
+          <a:r>
+            <a:rPr lang="en-US" sz="5000" kern="1200" dirty="0" err="1" smtClean="0"/>
+            <a:t>,q</a:t>
+          </a:r>
+          <a:r>
+            <a:rPr lang="en-US" sz="5000" kern="1200" baseline="-25000" dirty="0" err="1" smtClean="0"/>
+            <a:t>ij</a:t>
+          </a:r>
+          <a:r>
+            <a:rPr lang="en-US" sz="5000" kern="1200" dirty="0" smtClean="0"/>
+            <a:t>)</a:t>
+          </a:r>
+          <a:endParaRPr lang="en-US" sz="5000" kern="1200" dirty="0"/>
+        </a:p>
+      </dsp:txBody>
+      <dsp:txXfrm>
+        <a:off x="7859487" y="556575"/>
+        <a:ext cx="4710998" cy="6281329"/>
+      </dsp:txXfrm>
+    </dsp:sp>
+    <dsp:sp modelId="{7C3EB1D9-14A3-6F48-AC6B-8A6E615BA113}">
+      <dsp:nvSpPr>
+        <dsp:cNvPr id="0" name=""/>
+        <dsp:cNvSpPr/>
+      </dsp:nvSpPr>
+      <dsp:spPr>
+        <a:xfrm>
+          <a:off x="12570484" y="556575"/>
+          <a:ext cx="7851662" cy="6281329"/>
+        </a:xfrm>
+        <a:prstGeom prst="chevron">
+          <a:avLst>
+            <a:gd name="adj" fmla="val 25000"/>
+          </a:avLst>
+        </a:prstGeom>
+        <a:solidFill>
+          <a:schemeClr val="accent3">
+            <a:tint val="45000"/>
+          </a:schemeClr>
+        </a:solidFill>
+        <a:ln w="9525" cap="flat" cmpd="sng" algn="ctr">
+          <a:solidFill>
+            <a:schemeClr val="accent3"/>
+          </a:solidFill>
+          <a:prstDash val="solid"/>
+        </a:ln>
+        <a:effectLst>
+          <a:outerShdw blurRad="50800" dist="25400" dir="5400000" rotWithShape="0">
+            <a:srgbClr val="000000">
+              <a:alpha val="35000"/>
+            </a:srgbClr>
+          </a:outerShdw>
+        </a:effectLst>
+        <a:scene3d>
+          <a:camera prst="orthographicFront"/>
+          <a:lightRig rig="threePt" dir="t">
+            <a:rot lat="0" lon="0" rev="7500000"/>
+          </a:lightRig>
+        </a:scene3d>
+        <a:sp3d/>
+      </dsp:spPr>
+      <dsp:style>
+        <a:lnRef idx="1">
+          <a:schemeClr val="accent3"/>
+        </a:lnRef>
+        <a:fillRef idx="2">
+          <a:schemeClr val="accent3"/>
+        </a:fillRef>
+        <a:effectRef idx="1">
+          <a:schemeClr val="accent3"/>
+        </a:effectRef>
+        <a:fontRef idx="minor">
+          <a:schemeClr val="dk1"/>
+        </a:fontRef>
+      </dsp:style>
+      <dsp:txBody>
+        <a:bodyPr spcFirstLastPara="0" vert="horz" wrap="square" lIns="276989" tIns="127000" rIns="276989" bIns="127000" numCol="1" spcCol="1270" anchor="t" anchorCtr="0">
+          <a:noAutofit/>
+        </a:bodyPr>
+        <a:lstStyle/>
+        <a:p>
+          <a:pPr lvl="0" algn="l" defTabSz="2222500">
+            <a:lnSpc>
+              <a:spcPct val="90000"/>
+            </a:lnSpc>
+            <a:spcBef>
+              <a:spcPct val="0"/>
+            </a:spcBef>
+            <a:spcAft>
+              <a:spcPct val="35000"/>
+            </a:spcAft>
+          </a:pPr>
+          <a:r>
+            <a:rPr lang="en-US" sz="5000" kern="1200" dirty="0" smtClean="0"/>
+            <a:t>Compute </a:t>
+          </a:r>
+          <a:r>
+            <a:rPr lang="en-US" sz="5000" kern="1200" dirty="0" smtClean="0"/>
+            <a:t>Derivatives</a:t>
+          </a:r>
+        </a:p>
+        <a:p>
+          <a:pPr marL="285750" lvl="1" indent="-285750" algn="l" defTabSz="2222500">
+            <a:lnSpc>
+              <a:spcPct val="90000"/>
+            </a:lnSpc>
+            <a:spcBef>
+              <a:spcPct val="0"/>
+            </a:spcBef>
+            <a:spcAft>
+              <a:spcPct val="15000"/>
+            </a:spcAft>
+            <a:buChar char="••"/>
+          </a:pPr>
+          <a:r>
+            <a:rPr lang="en-US" sz="5000" kern="1200" dirty="0" smtClean="0"/>
+            <a:t>dp</a:t>
+          </a:r>
+          <a:r>
+            <a:rPr lang="en-US" sz="5000" kern="1200" baseline="-25000" dirty="0" smtClean="0"/>
+            <a:t>i</a:t>
+          </a:r>
+          <a:r>
+            <a:rPr lang="en-US" sz="5000" kern="1200" dirty="0" smtClean="0"/>
+            <a:t>/</a:t>
+          </a:r>
+          <a:r>
+            <a:rPr lang="en-US" sz="5000" kern="1200" dirty="0" err="1" smtClean="0"/>
+            <a:t>dq</a:t>
+          </a:r>
+          <a:r>
+            <a:rPr lang="en-US" sz="5000" kern="1200" baseline="-25000" dirty="0" err="1" smtClean="0"/>
+            <a:t>ij</a:t>
+          </a:r>
+          <a:endParaRPr lang="en-US" sz="5000" kern="1200" dirty="0" smtClean="0"/>
+        </a:p>
+        <a:p>
+          <a:pPr marL="285750" lvl="1" indent="-285750" algn="l" defTabSz="2222500">
+            <a:lnSpc>
+              <a:spcPct val="90000"/>
+            </a:lnSpc>
+            <a:spcBef>
+              <a:spcPct val="0"/>
+            </a:spcBef>
+            <a:spcAft>
+              <a:spcPct val="15000"/>
+            </a:spcAft>
+            <a:buChar char="••"/>
+          </a:pPr>
+          <a:r>
+            <a:rPr lang="en-US" sz="5000" kern="1200" dirty="0" smtClean="0"/>
+            <a:t>dp</a:t>
+          </a:r>
+          <a:r>
+            <a:rPr lang="en-US" sz="5000" kern="1200" baseline="-25000" dirty="0" smtClean="0"/>
+            <a:t>i</a:t>
+          </a:r>
+          <a:r>
+            <a:rPr lang="en-US" sz="5000" kern="1200" dirty="0" smtClean="0"/>
+            <a:t>/</a:t>
+          </a:r>
+          <a:r>
+            <a:rPr lang="en-US" sz="5000" kern="1200" dirty="0" err="1" smtClean="0"/>
+            <a:t>dq</a:t>
+          </a:r>
+          <a:r>
+            <a:rPr lang="en-US" sz="5000" kern="1200" baseline="-25000" dirty="0" err="1" smtClean="0"/>
+            <a:t>jk</a:t>
+          </a:r>
+          <a:r>
+            <a:rPr lang="en-US" sz="5000" kern="1200" dirty="0" smtClean="0"/>
+            <a:t> </a:t>
+          </a:r>
+        </a:p>
+      </dsp:txBody>
+      <dsp:txXfrm>
+        <a:off x="14140816" y="556575"/>
+        <a:ext cx="4710998" cy="6281329"/>
+      </dsp:txXfrm>
+    </dsp:sp>
+    <dsp:sp modelId="{15ED0ADA-5FBF-4B4C-9FB1-35E9FCFC8C0A}">
+      <dsp:nvSpPr>
+        <dsp:cNvPr id="0" name=""/>
+        <dsp:cNvSpPr/>
+      </dsp:nvSpPr>
+      <dsp:spPr>
+        <a:xfrm>
+          <a:off x="18851814" y="556575"/>
+          <a:ext cx="7851662" cy="6281329"/>
+        </a:xfrm>
+        <a:prstGeom prst="chevron">
+          <a:avLst>
+            <a:gd name="adj" fmla="val 25000"/>
+          </a:avLst>
+        </a:prstGeom>
+        <a:solidFill>
+          <a:schemeClr val="accent3">
+            <a:tint val="45000"/>
+          </a:schemeClr>
+        </a:solidFill>
+        <a:ln w="9525" cap="flat" cmpd="sng" algn="ctr">
+          <a:solidFill>
+            <a:schemeClr val="accent3"/>
+          </a:solidFill>
+          <a:prstDash val="solid"/>
+        </a:ln>
+        <a:effectLst>
+          <a:outerShdw blurRad="50800" dist="25400" dir="5400000" rotWithShape="0">
+            <a:srgbClr val="000000">
+              <a:alpha val="35000"/>
+            </a:srgbClr>
+          </a:outerShdw>
+        </a:effectLst>
+        <a:scene3d>
+          <a:camera prst="orthographicFront"/>
+          <a:lightRig rig="threePt" dir="t">
+            <a:rot lat="0" lon="0" rev="7500000"/>
+          </a:lightRig>
+        </a:scene3d>
+        <a:sp3d/>
+      </dsp:spPr>
+      <dsp:style>
+        <a:lnRef idx="1">
+          <a:schemeClr val="accent3"/>
+        </a:lnRef>
+        <a:fillRef idx="2">
+          <a:schemeClr val="accent3"/>
+        </a:fillRef>
+        <a:effectRef idx="1">
+          <a:schemeClr val="accent3"/>
+        </a:effectRef>
+        <a:fontRef idx="minor">
+          <a:schemeClr val="dk1"/>
+        </a:fontRef>
+      </dsp:style>
+      <dsp:txBody>
+        <a:bodyPr spcFirstLastPara="0" vert="horz" wrap="square" lIns="276989" tIns="127000" rIns="276989" bIns="127000" numCol="1" spcCol="1270" anchor="t" anchorCtr="0">
+          <a:noAutofit/>
+        </a:bodyPr>
+        <a:lstStyle/>
+        <a:p>
+          <a:pPr lvl="0" algn="l" defTabSz="2222500">
+            <a:lnSpc>
+              <a:spcPct val="90000"/>
+            </a:lnSpc>
+            <a:spcBef>
+              <a:spcPct val="0"/>
+            </a:spcBef>
+            <a:spcAft>
+              <a:spcPct val="35000"/>
+            </a:spcAft>
+          </a:pPr>
+          <a:r>
+            <a:rPr lang="en-US" sz="5000" kern="1200" dirty="0" smtClean="0"/>
+            <a:t>Compute Intervals</a:t>
+          </a:r>
+          <a:endParaRPr lang="en-US" sz="5000" kern="1200" dirty="0"/>
+        </a:p>
+        <a:p>
+          <a:pPr marL="285750" lvl="1" indent="-285750" algn="l" defTabSz="2222500">
+            <a:lnSpc>
+              <a:spcPct val="90000"/>
+            </a:lnSpc>
+            <a:spcBef>
+              <a:spcPct val="0"/>
+            </a:spcBef>
+            <a:spcAft>
+              <a:spcPct val="15000"/>
+            </a:spcAft>
+            <a:buChar char="••"/>
+          </a:pPr>
+          <a:r>
+            <a:rPr lang="en-US" sz="5000" kern="1200" dirty="0" smtClean="0"/>
+            <a:t>p</a:t>
+          </a:r>
+          <a:r>
+            <a:rPr lang="en-US" sz="5000" kern="1200" baseline="-25000" dirty="0" smtClean="0"/>
+            <a:t>i</a:t>
+          </a:r>
+          <a:r>
+            <a:rPr lang="en-US" sz="5000" kern="1200" dirty="0" smtClean="0"/>
+            <a:t> mean</a:t>
+          </a:r>
+          <a:endParaRPr lang="en-US" sz="5000" kern="1200" dirty="0"/>
+        </a:p>
+        <a:p>
+          <a:pPr marL="285750" lvl="1" indent="-285750" algn="l" defTabSz="2222500">
+            <a:lnSpc>
+              <a:spcPct val="90000"/>
+            </a:lnSpc>
+            <a:spcBef>
+              <a:spcPct val="0"/>
+            </a:spcBef>
+            <a:spcAft>
+              <a:spcPct val="15000"/>
+            </a:spcAft>
+            <a:buChar char="••"/>
+          </a:pPr>
+          <a:r>
+            <a:rPr lang="en-US" sz="5000" kern="1200" dirty="0" smtClean="0"/>
+            <a:t>p</a:t>
+          </a:r>
+          <a:r>
+            <a:rPr lang="en-US" sz="5000" kern="1200" baseline="-25000" dirty="0" smtClean="0"/>
+            <a:t>i</a:t>
+          </a:r>
+          <a:r>
+            <a:rPr lang="en-US" sz="5000" kern="1200" dirty="0" smtClean="0"/>
+            <a:t> variance</a:t>
+          </a:r>
+          <a:endParaRPr lang="en-US" sz="5000" kern="1200" dirty="0"/>
+        </a:p>
+        <a:p>
+          <a:pPr marL="285750" lvl="1" indent="-285750" algn="l" defTabSz="2222500">
+            <a:lnSpc>
+              <a:spcPct val="90000"/>
+            </a:lnSpc>
+            <a:spcBef>
+              <a:spcPct val="0"/>
+            </a:spcBef>
+            <a:spcAft>
+              <a:spcPct val="15000"/>
+            </a:spcAft>
+            <a:buChar char="••"/>
+          </a:pPr>
+          <a:r>
+            <a:rPr lang="en-US" sz="5000" kern="1200" dirty="0" smtClean="0"/>
+            <a:t>Confidence interval size</a:t>
+          </a:r>
+          <a:endParaRPr lang="en-US" sz="5000" kern="1200" dirty="0"/>
+        </a:p>
+      </dsp:txBody>
+      <dsp:txXfrm>
+        <a:off x="20422146" y="556575"/>
+        <a:ext cx="4710998" cy="6281329"/>
+      </dsp:txXfrm>
+    </dsp:sp>
+  </dsp:spTree>
+</dsp:drawing>
+</file>
+
+<file path=ppt/diagrams/drawing2.xml><?xml version="1.0" encoding="utf-8"?>
+<dsp:drawing xmlns:dgm="http://schemas.openxmlformats.org/drawingml/2006/diagram" xmlns:dsp="http://schemas.microsoft.com/office/drawing/2008/diagram" xmlns:a="http://schemas.openxmlformats.org/drawingml/2006/main">
+  <dsp:spTree>
+    <dsp:nvGrpSpPr>
+      <dsp:cNvPr id="0" name=""/>
+      <dsp:cNvGrpSpPr/>
+    </dsp:nvGrpSpPr>
+    <dsp:grpSpPr/>
+    <dsp:sp modelId="{8171E798-D9AC-E041-824F-31746C8DCC3B}">
+      <dsp:nvSpPr>
+        <dsp:cNvPr id="0" name=""/>
+        <dsp:cNvSpPr/>
+      </dsp:nvSpPr>
+      <dsp:spPr>
+        <a:xfrm>
+          <a:off x="7825" y="556575"/>
+          <a:ext cx="7851662" cy="6281329"/>
+        </a:xfrm>
+        <a:prstGeom prst="homePlate">
+          <a:avLst>
+            <a:gd name="adj" fmla="val 25000"/>
+          </a:avLst>
+        </a:prstGeom>
+        <a:solidFill>
+          <a:schemeClr val="accent3">
+            <a:tint val="45000"/>
+          </a:schemeClr>
+        </a:solidFill>
+        <a:ln w="9525" cap="flat" cmpd="sng" algn="ctr">
+          <a:solidFill>
+            <a:schemeClr val="accent3"/>
+          </a:solidFill>
+          <a:prstDash val="solid"/>
+        </a:ln>
+        <a:effectLst>
+          <a:outerShdw blurRad="50800" dist="25400" dir="5400000" rotWithShape="0">
+            <a:srgbClr val="000000">
+              <a:alpha val="35000"/>
+            </a:srgbClr>
+          </a:outerShdw>
+        </a:effectLst>
+        <a:scene3d>
+          <a:camera prst="orthographicFront"/>
+          <a:lightRig rig="threePt" dir="t">
+            <a:rot lat="0" lon="0" rev="7500000"/>
+          </a:lightRig>
+        </a:scene3d>
+        <a:sp3d/>
+      </dsp:spPr>
+      <dsp:style>
+        <a:lnRef idx="1">
+          <a:schemeClr val="accent3"/>
+        </a:lnRef>
+        <a:fillRef idx="2">
+          <a:schemeClr val="accent3"/>
+        </a:fillRef>
+        <a:effectRef idx="1">
+          <a:schemeClr val="accent3"/>
+        </a:effectRef>
+        <a:fontRef idx="minor">
+          <a:schemeClr val="dk1"/>
+        </a:fontRef>
+      </dsp:style>
+      <dsp:txBody>
+        <a:bodyPr spcFirstLastPara="0" vert="horz" wrap="square" lIns="276989" tIns="127000" rIns="1107957" bIns="127000" numCol="1" spcCol="1270" anchor="t" anchorCtr="0">
+          <a:noAutofit/>
+        </a:bodyPr>
+        <a:lstStyle/>
+        <a:p>
+          <a:pPr lvl="0" algn="l" defTabSz="2222500">
+            <a:lnSpc>
+              <a:spcPct val="90000"/>
+            </a:lnSpc>
+            <a:spcBef>
+              <a:spcPct val="0"/>
+            </a:spcBef>
+            <a:spcAft>
+              <a:spcPct val="35000"/>
+            </a:spcAft>
+          </a:pPr>
+          <a:r>
+            <a:rPr lang="en-US" sz="5000" kern="1200" dirty="0" smtClean="0"/>
+            <a:t>Compute Agreements</a:t>
+          </a:r>
+          <a:endParaRPr lang="en-US" sz="5000" kern="1200" dirty="0"/>
+        </a:p>
+        <a:p>
+          <a:pPr marL="285750" lvl="1" indent="-285750" algn="l" defTabSz="2222500">
+            <a:lnSpc>
+              <a:spcPct val="90000"/>
+            </a:lnSpc>
+            <a:spcBef>
+              <a:spcPct val="0"/>
+            </a:spcBef>
+            <a:spcAft>
+              <a:spcPct val="15000"/>
+            </a:spcAft>
+            <a:buChar char="••"/>
+          </a:pPr>
+          <a:r>
+            <a:rPr lang="en-US" sz="5000" kern="1200" dirty="0" err="1" smtClean="0"/>
+            <a:t>q</a:t>
+          </a:r>
+          <a:r>
+            <a:rPr lang="en-US" sz="5000" kern="1200" baseline="-25000" dirty="0" err="1" smtClean="0"/>
+            <a:t>ij</a:t>
+          </a:r>
+          <a:r>
+            <a:rPr lang="en-US" sz="5000" kern="1200" baseline="-25000" dirty="0" smtClean="0"/>
+            <a:t> </a:t>
+          </a:r>
+          <a:r>
+            <a:rPr lang="en-US" sz="5000" kern="1200" baseline="0" dirty="0" smtClean="0"/>
+            <a:t>~ </a:t>
+          </a:r>
+          <a:r>
+            <a:rPr lang="en-US" sz="5000" kern="1200" baseline="0" dirty="0" err="1" smtClean="0"/>
+            <a:t>p</a:t>
+          </a:r>
+          <a:r>
+            <a:rPr lang="en-US" sz="5000" kern="1200" baseline="-25000" dirty="0" err="1" smtClean="0"/>
+            <a:t>i</a:t>
+          </a:r>
+          <a:r>
+            <a:rPr lang="en-US" sz="5000" kern="1200" baseline="0" dirty="0" err="1" smtClean="0"/>
+            <a:t>p</a:t>
+          </a:r>
+          <a:r>
+            <a:rPr lang="en-US" sz="5000" kern="1200" baseline="-25000" dirty="0" err="1" smtClean="0"/>
+            <a:t>j</a:t>
+          </a:r>
+          <a:r>
+            <a:rPr lang="en-US" sz="5000" kern="1200" baseline="0" dirty="0" smtClean="0"/>
+            <a:t> + (1-p</a:t>
+          </a:r>
+          <a:r>
+            <a:rPr lang="en-US" sz="5000" kern="1200" baseline="-25000" dirty="0" smtClean="0"/>
+            <a:t>i</a:t>
+          </a:r>
+          <a:r>
+            <a:rPr lang="en-US" sz="5000" kern="1200" baseline="0" dirty="0" smtClean="0"/>
+            <a:t>)(1-p</a:t>
+          </a:r>
+          <a:r>
+            <a:rPr lang="en-US" sz="5000" kern="1200" baseline="-25000" dirty="0" smtClean="0"/>
+            <a:t>j</a:t>
+          </a:r>
+          <a:r>
+            <a:rPr lang="en-US" sz="5000" kern="1200" baseline="0" dirty="0" smtClean="0"/>
+            <a:t>)</a:t>
+          </a:r>
+          <a:endParaRPr lang="en-US" sz="5000" kern="1200" baseline="-25000" dirty="0"/>
+        </a:p>
+        <a:p>
+          <a:pPr marL="285750" lvl="1" indent="-285750" algn="l" defTabSz="2222500">
+            <a:lnSpc>
+              <a:spcPct val="90000"/>
+            </a:lnSpc>
+            <a:spcBef>
+              <a:spcPct val="0"/>
+            </a:spcBef>
+            <a:spcAft>
+              <a:spcPct val="15000"/>
+            </a:spcAft>
+            <a:buChar char="••"/>
+          </a:pPr>
+          <a:r>
+            <a:rPr lang="en-US" sz="5000" kern="1200" baseline="0" dirty="0" smtClean="0"/>
+            <a:t>Solve to get p</a:t>
+          </a:r>
+          <a:r>
+            <a:rPr lang="en-US" sz="5000" kern="1200" baseline="-25000" dirty="0" smtClean="0"/>
+            <a:t>i</a:t>
+          </a:r>
+          <a:endParaRPr lang="en-US" sz="5000" kern="1200" baseline="-25000" dirty="0"/>
+        </a:p>
+      </dsp:txBody>
+      <dsp:txXfrm>
+        <a:off x="7825" y="556575"/>
+        <a:ext cx="7066496" cy="6281329"/>
+      </dsp:txXfrm>
+    </dsp:sp>
+    <dsp:sp modelId="{827653F9-5CDF-B546-81B1-5AC2A9226BD2}">
+      <dsp:nvSpPr>
+        <dsp:cNvPr id="0" name=""/>
+        <dsp:cNvSpPr/>
+      </dsp:nvSpPr>
+      <dsp:spPr>
+        <a:xfrm>
+          <a:off x="6289155" y="556575"/>
+          <a:ext cx="7851662" cy="6281329"/>
+        </a:xfrm>
+        <a:prstGeom prst="chevron">
+          <a:avLst>
+            <a:gd name="adj" fmla="val 25000"/>
+          </a:avLst>
+        </a:prstGeom>
+        <a:solidFill>
+          <a:schemeClr val="accent3">
+            <a:tint val="45000"/>
+          </a:schemeClr>
+        </a:solidFill>
+        <a:ln w="9525" cap="flat" cmpd="sng" algn="ctr">
+          <a:solidFill>
+            <a:schemeClr val="accent3"/>
+          </a:solidFill>
+          <a:prstDash val="solid"/>
+        </a:ln>
+        <a:effectLst>
+          <a:outerShdw blurRad="50800" dist="25400" dir="5400000" rotWithShape="0">
+            <a:srgbClr val="000000">
+              <a:alpha val="35000"/>
+            </a:srgbClr>
+          </a:outerShdw>
+        </a:effectLst>
+        <a:scene3d>
+          <a:camera prst="orthographicFront"/>
+          <a:lightRig rig="threePt" dir="t">
+            <a:rot lat="0" lon="0" rev="7500000"/>
+          </a:lightRig>
+        </a:scene3d>
+        <a:sp3d/>
+      </dsp:spPr>
+      <dsp:style>
+        <a:lnRef idx="1">
+          <a:schemeClr val="accent3"/>
+        </a:lnRef>
+        <a:fillRef idx="2">
+          <a:schemeClr val="accent3"/>
+        </a:fillRef>
+        <a:effectRef idx="1">
+          <a:schemeClr val="accent3"/>
+        </a:effectRef>
+        <a:fontRef idx="minor">
+          <a:schemeClr val="dk1"/>
+        </a:fontRef>
+      </dsp:style>
+      <dsp:txBody>
+        <a:bodyPr spcFirstLastPara="0" vert="horz" wrap="square" lIns="276989" tIns="127000" rIns="276989" bIns="127000" numCol="1" spcCol="1270" anchor="t" anchorCtr="0">
+          <a:noAutofit/>
+        </a:bodyPr>
+        <a:lstStyle/>
+        <a:p>
+          <a:pPr lvl="0" algn="l" defTabSz="2222500">
+            <a:lnSpc>
+              <a:spcPct val="90000"/>
+            </a:lnSpc>
+            <a:spcBef>
+              <a:spcPct val="0"/>
+            </a:spcBef>
+            <a:spcAft>
+              <a:spcPct val="35000"/>
+            </a:spcAft>
+          </a:pPr>
+          <a:r>
+            <a:rPr lang="en-US" sz="5000" kern="1200" dirty="0" smtClean="0"/>
+            <a:t>Compute Variances</a:t>
+          </a:r>
+          <a:endParaRPr lang="en-US" sz="5000" kern="1200" dirty="0"/>
+        </a:p>
+        <a:p>
+          <a:pPr marL="285750" lvl="1" indent="-285750" algn="l" defTabSz="2222500">
+            <a:lnSpc>
+              <a:spcPct val="90000"/>
+            </a:lnSpc>
+            <a:spcBef>
+              <a:spcPct val="0"/>
+            </a:spcBef>
+            <a:spcAft>
+              <a:spcPct val="15000"/>
+            </a:spcAft>
+            <a:buChar char="••"/>
+          </a:pPr>
+          <a:r>
+            <a:rPr lang="en-US" sz="5000" kern="1200" dirty="0" err="1" smtClean="0"/>
+            <a:t>Var</a:t>
+          </a:r>
+          <a:r>
+            <a:rPr lang="en-US" sz="5000" kern="1200" dirty="0" smtClean="0"/>
+            <a:t>(q) ~ q(1-q)</a:t>
+          </a:r>
+          <a:endParaRPr lang="en-US" sz="5000" kern="1200" dirty="0"/>
+        </a:p>
+        <a:p>
+          <a:pPr marL="285750" lvl="1" indent="-285750" algn="l" defTabSz="2222500">
+            <a:lnSpc>
+              <a:spcPct val="90000"/>
+            </a:lnSpc>
+            <a:spcBef>
+              <a:spcPct val="0"/>
+            </a:spcBef>
+            <a:spcAft>
+              <a:spcPct val="15000"/>
+            </a:spcAft>
+            <a:buChar char="••"/>
+          </a:pPr>
+          <a:r>
+            <a:rPr lang="en-US" sz="5000" kern="1200" dirty="0" err="1" smtClean="0"/>
+            <a:t>Cov</a:t>
+          </a:r>
+          <a:r>
+            <a:rPr lang="en-US" sz="5000" kern="1200" dirty="0" smtClean="0"/>
+            <a:t>(</a:t>
+          </a:r>
+          <a:r>
+            <a:rPr lang="en-US" sz="5000" kern="1200" dirty="0" err="1" smtClean="0"/>
+            <a:t>q</a:t>
+          </a:r>
+          <a:r>
+            <a:rPr lang="en-US" sz="5000" kern="1200" baseline="-25000" dirty="0" err="1" smtClean="0"/>
+            <a:t>ij</a:t>
+          </a:r>
+          <a:r>
+            <a:rPr lang="en-US" sz="5000" kern="1200" dirty="0" err="1" smtClean="0"/>
+            <a:t>,q</a:t>
+          </a:r>
+          <a:r>
+            <a:rPr lang="en-US" sz="5000" kern="1200" baseline="-25000" dirty="0" err="1" smtClean="0"/>
+            <a:t>ik</a:t>
+          </a:r>
+          <a:r>
+            <a:rPr lang="en-US" sz="5000" kern="1200" dirty="0" smtClean="0"/>
+            <a:t>) </a:t>
+          </a:r>
+          <a:endParaRPr lang="en-US" sz="5000" kern="1200" dirty="0"/>
+        </a:p>
+        <a:p>
+          <a:pPr marL="285750" lvl="1" indent="-285750" algn="l" defTabSz="2222500">
+            <a:lnSpc>
+              <a:spcPct val="90000"/>
+            </a:lnSpc>
+            <a:spcBef>
+              <a:spcPct val="0"/>
+            </a:spcBef>
+            <a:spcAft>
+              <a:spcPct val="15000"/>
+            </a:spcAft>
+            <a:buChar char="••"/>
+          </a:pPr>
+          <a:r>
+            <a:rPr lang="en-US" sz="5000" kern="1200" dirty="0" err="1" smtClean="0"/>
+            <a:t>Cov</a:t>
+          </a:r>
+          <a:r>
+            <a:rPr lang="en-US" sz="5000" kern="1200" dirty="0" smtClean="0"/>
+            <a:t>(</a:t>
+          </a:r>
+          <a:r>
+            <a:rPr lang="en-US" sz="5000" kern="1200" dirty="0" err="1" smtClean="0"/>
+            <a:t>q</a:t>
+          </a:r>
+          <a:r>
+            <a:rPr lang="en-US" sz="5000" kern="1200" baseline="-25000" dirty="0" err="1" smtClean="0"/>
+            <a:t>ij</a:t>
+          </a:r>
+          <a:r>
+            <a:rPr lang="en-US" sz="5000" kern="1200" dirty="0" err="1" smtClean="0"/>
+            <a:t>,q</a:t>
+          </a:r>
+          <a:r>
+            <a:rPr lang="en-US" sz="5000" kern="1200" baseline="-25000" dirty="0" err="1" smtClean="0"/>
+            <a:t>ij</a:t>
+          </a:r>
+          <a:r>
+            <a:rPr lang="en-US" sz="5000" kern="1200" dirty="0" smtClean="0"/>
+            <a:t>)</a:t>
+          </a:r>
+          <a:endParaRPr lang="en-US" sz="5000" kern="1200" dirty="0"/>
+        </a:p>
+      </dsp:txBody>
+      <dsp:txXfrm>
+        <a:off x="7859487" y="556575"/>
+        <a:ext cx="4710998" cy="6281329"/>
+      </dsp:txXfrm>
+    </dsp:sp>
+    <dsp:sp modelId="{7C3EB1D9-14A3-6F48-AC6B-8A6E615BA113}">
+      <dsp:nvSpPr>
+        <dsp:cNvPr id="0" name=""/>
+        <dsp:cNvSpPr/>
+      </dsp:nvSpPr>
+      <dsp:spPr>
+        <a:xfrm>
+          <a:off x="12570484" y="556575"/>
+          <a:ext cx="7851662" cy="6281329"/>
+        </a:xfrm>
+        <a:prstGeom prst="chevron">
+          <a:avLst>
+            <a:gd name="adj" fmla="val 25000"/>
+          </a:avLst>
+        </a:prstGeom>
+        <a:solidFill>
+          <a:schemeClr val="accent3">
+            <a:tint val="45000"/>
+          </a:schemeClr>
+        </a:solidFill>
+        <a:ln w="9525" cap="flat" cmpd="sng" algn="ctr">
+          <a:solidFill>
+            <a:schemeClr val="accent3"/>
+          </a:solidFill>
+          <a:prstDash val="solid"/>
+        </a:ln>
+        <a:effectLst>
+          <a:outerShdw blurRad="50800" dist="25400" dir="5400000" rotWithShape="0">
+            <a:srgbClr val="000000">
+              <a:alpha val="35000"/>
+            </a:srgbClr>
+          </a:outerShdw>
+        </a:effectLst>
+        <a:scene3d>
+          <a:camera prst="orthographicFront"/>
+          <a:lightRig rig="threePt" dir="t">
+            <a:rot lat="0" lon="0" rev="7500000"/>
+          </a:lightRig>
+        </a:scene3d>
+        <a:sp3d/>
+      </dsp:spPr>
+      <dsp:style>
+        <a:lnRef idx="1">
+          <a:schemeClr val="accent3"/>
+        </a:lnRef>
+        <a:fillRef idx="2">
+          <a:schemeClr val="accent3"/>
+        </a:fillRef>
+        <a:effectRef idx="1">
+          <a:schemeClr val="accent3"/>
+        </a:effectRef>
+        <a:fontRef idx="minor">
+          <a:schemeClr val="dk1"/>
+        </a:fontRef>
+      </dsp:style>
+      <dsp:txBody>
+        <a:bodyPr spcFirstLastPara="0" vert="horz" wrap="square" lIns="276989" tIns="127000" rIns="276989" bIns="127000" numCol="1" spcCol="1270" anchor="t" anchorCtr="0">
+          <a:noAutofit/>
+        </a:bodyPr>
+        <a:lstStyle/>
+        <a:p>
+          <a:pPr lvl="0" algn="l" defTabSz="2222500">
+            <a:lnSpc>
+              <a:spcPct val="90000"/>
+            </a:lnSpc>
+            <a:spcBef>
+              <a:spcPct val="0"/>
+            </a:spcBef>
+            <a:spcAft>
+              <a:spcPct val="35000"/>
+            </a:spcAft>
+          </a:pPr>
+          <a:r>
+            <a:rPr lang="en-US" sz="5000" kern="1200" dirty="0" smtClean="0"/>
+            <a:t>Compute </a:t>
+          </a:r>
+          <a:r>
+            <a:rPr lang="en-US" sz="5000" kern="1200" dirty="0" smtClean="0"/>
+            <a:t>Derivatives</a:t>
+          </a:r>
+        </a:p>
+        <a:p>
+          <a:pPr marL="285750" lvl="1" indent="-285750" algn="l" defTabSz="2222500">
+            <a:lnSpc>
+              <a:spcPct val="90000"/>
+            </a:lnSpc>
+            <a:spcBef>
+              <a:spcPct val="0"/>
+            </a:spcBef>
+            <a:spcAft>
+              <a:spcPct val="15000"/>
+            </a:spcAft>
+            <a:buChar char="••"/>
+          </a:pPr>
+          <a:r>
+            <a:rPr lang="en-US" sz="5000" kern="1200" dirty="0" smtClean="0"/>
+            <a:t>dp</a:t>
+          </a:r>
+          <a:r>
+            <a:rPr lang="en-US" sz="5000" kern="1200" baseline="-25000" dirty="0" smtClean="0"/>
+            <a:t>i</a:t>
+          </a:r>
+          <a:r>
+            <a:rPr lang="en-US" sz="5000" kern="1200" dirty="0" smtClean="0"/>
+            <a:t>/</a:t>
+          </a:r>
+          <a:r>
+            <a:rPr lang="en-US" sz="5000" kern="1200" dirty="0" err="1" smtClean="0"/>
+            <a:t>dq</a:t>
+          </a:r>
+          <a:r>
+            <a:rPr lang="en-US" sz="5000" kern="1200" baseline="-25000" dirty="0" err="1" smtClean="0"/>
+            <a:t>ij</a:t>
+          </a:r>
+          <a:endParaRPr lang="en-US" sz="5000" kern="1200" dirty="0" smtClean="0"/>
+        </a:p>
+        <a:p>
+          <a:pPr marL="285750" lvl="1" indent="-285750" algn="l" defTabSz="2222500">
+            <a:lnSpc>
+              <a:spcPct val="90000"/>
+            </a:lnSpc>
+            <a:spcBef>
+              <a:spcPct val="0"/>
+            </a:spcBef>
+            <a:spcAft>
+              <a:spcPct val="15000"/>
+            </a:spcAft>
+            <a:buChar char="••"/>
+          </a:pPr>
+          <a:r>
+            <a:rPr lang="en-US" sz="5000" kern="1200" dirty="0" smtClean="0"/>
+            <a:t>dp</a:t>
+          </a:r>
+          <a:r>
+            <a:rPr lang="en-US" sz="5000" kern="1200" baseline="-25000" dirty="0" smtClean="0"/>
+            <a:t>i</a:t>
+          </a:r>
+          <a:r>
+            <a:rPr lang="en-US" sz="5000" kern="1200" dirty="0" smtClean="0"/>
+            <a:t>/</a:t>
+          </a:r>
+          <a:r>
+            <a:rPr lang="en-US" sz="5000" kern="1200" dirty="0" err="1" smtClean="0"/>
+            <a:t>dq</a:t>
+          </a:r>
+          <a:r>
+            <a:rPr lang="en-US" sz="5000" kern="1200" baseline="-25000" dirty="0" err="1" smtClean="0"/>
+            <a:t>jk</a:t>
+          </a:r>
+          <a:r>
+            <a:rPr lang="en-US" sz="5000" kern="1200" dirty="0" smtClean="0"/>
+            <a:t> </a:t>
+          </a:r>
+        </a:p>
+      </dsp:txBody>
+      <dsp:txXfrm>
+        <a:off x="14140816" y="556575"/>
+        <a:ext cx="4710998" cy="6281329"/>
+      </dsp:txXfrm>
+    </dsp:sp>
+    <dsp:sp modelId="{15ED0ADA-5FBF-4B4C-9FB1-35E9FCFC8C0A}">
+      <dsp:nvSpPr>
+        <dsp:cNvPr id="0" name=""/>
+        <dsp:cNvSpPr/>
+      </dsp:nvSpPr>
+      <dsp:spPr>
+        <a:xfrm>
+          <a:off x="18851814" y="556575"/>
+          <a:ext cx="7851662" cy="6281329"/>
+        </a:xfrm>
+        <a:prstGeom prst="chevron">
+          <a:avLst>
+            <a:gd name="adj" fmla="val 25000"/>
+          </a:avLst>
+        </a:prstGeom>
+        <a:solidFill>
+          <a:schemeClr val="accent3">
+            <a:tint val="45000"/>
+          </a:schemeClr>
+        </a:solidFill>
+        <a:ln w="9525" cap="flat" cmpd="sng" algn="ctr">
+          <a:solidFill>
+            <a:schemeClr val="accent3"/>
+          </a:solidFill>
+          <a:prstDash val="solid"/>
+        </a:ln>
+        <a:effectLst>
+          <a:outerShdw blurRad="50800" dist="25400" dir="5400000" rotWithShape="0">
+            <a:srgbClr val="000000">
+              <a:alpha val="35000"/>
+            </a:srgbClr>
+          </a:outerShdw>
+        </a:effectLst>
+        <a:scene3d>
+          <a:camera prst="orthographicFront"/>
+          <a:lightRig rig="threePt" dir="t">
+            <a:rot lat="0" lon="0" rev="7500000"/>
+          </a:lightRig>
+        </a:scene3d>
+        <a:sp3d/>
+      </dsp:spPr>
+      <dsp:style>
+        <a:lnRef idx="1">
+          <a:schemeClr val="accent3"/>
+        </a:lnRef>
+        <a:fillRef idx="2">
+          <a:schemeClr val="accent3"/>
+        </a:fillRef>
+        <a:effectRef idx="1">
+          <a:schemeClr val="accent3"/>
+        </a:effectRef>
+        <a:fontRef idx="minor">
+          <a:schemeClr val="dk1"/>
+        </a:fontRef>
+      </dsp:style>
+      <dsp:txBody>
+        <a:bodyPr spcFirstLastPara="0" vert="horz" wrap="square" lIns="276989" tIns="127000" rIns="276989" bIns="127000" numCol="1" spcCol="1270" anchor="t" anchorCtr="0">
+          <a:noAutofit/>
+        </a:bodyPr>
+        <a:lstStyle/>
+        <a:p>
+          <a:pPr lvl="0" algn="l" defTabSz="2222500">
+            <a:lnSpc>
+              <a:spcPct val="90000"/>
+            </a:lnSpc>
+            <a:spcBef>
+              <a:spcPct val="0"/>
+            </a:spcBef>
+            <a:spcAft>
+              <a:spcPct val="35000"/>
+            </a:spcAft>
+          </a:pPr>
+          <a:r>
+            <a:rPr lang="en-US" sz="5000" kern="1200" dirty="0" smtClean="0"/>
+            <a:t>Compute Intervals</a:t>
+          </a:r>
+          <a:endParaRPr lang="en-US" sz="5000" kern="1200" dirty="0"/>
+        </a:p>
+        <a:p>
+          <a:pPr marL="285750" lvl="1" indent="-285750" algn="l" defTabSz="2222500">
+            <a:lnSpc>
+              <a:spcPct val="90000"/>
+            </a:lnSpc>
+            <a:spcBef>
+              <a:spcPct val="0"/>
+            </a:spcBef>
+            <a:spcAft>
+              <a:spcPct val="15000"/>
+            </a:spcAft>
+            <a:buChar char="••"/>
+          </a:pPr>
+          <a:r>
+            <a:rPr lang="en-US" sz="5000" kern="1200" dirty="0" smtClean="0"/>
+            <a:t>p</a:t>
+          </a:r>
+          <a:r>
+            <a:rPr lang="en-US" sz="5000" kern="1200" baseline="-25000" dirty="0" smtClean="0"/>
+            <a:t>i</a:t>
+          </a:r>
+          <a:r>
+            <a:rPr lang="en-US" sz="5000" kern="1200" dirty="0" smtClean="0"/>
+            <a:t> mean</a:t>
+          </a:r>
+          <a:endParaRPr lang="en-US" sz="5000" kern="1200" dirty="0"/>
+        </a:p>
+        <a:p>
+          <a:pPr marL="285750" lvl="1" indent="-285750" algn="l" defTabSz="2222500">
+            <a:lnSpc>
+              <a:spcPct val="90000"/>
+            </a:lnSpc>
+            <a:spcBef>
+              <a:spcPct val="0"/>
+            </a:spcBef>
+            <a:spcAft>
+              <a:spcPct val="15000"/>
+            </a:spcAft>
+            <a:buChar char="••"/>
+          </a:pPr>
+          <a:r>
+            <a:rPr lang="en-US" sz="5000" kern="1200" dirty="0" smtClean="0"/>
+            <a:t>p</a:t>
+          </a:r>
+          <a:r>
+            <a:rPr lang="en-US" sz="5000" kern="1200" baseline="-25000" dirty="0" smtClean="0"/>
+            <a:t>i</a:t>
+          </a:r>
+          <a:r>
+            <a:rPr lang="en-US" sz="5000" kern="1200" dirty="0" smtClean="0"/>
+            <a:t> variance</a:t>
+          </a:r>
+          <a:endParaRPr lang="en-US" sz="5000" kern="1200" dirty="0"/>
+        </a:p>
+        <a:p>
+          <a:pPr marL="285750" lvl="1" indent="-285750" algn="l" defTabSz="2222500">
+            <a:lnSpc>
+              <a:spcPct val="90000"/>
+            </a:lnSpc>
+            <a:spcBef>
+              <a:spcPct val="0"/>
+            </a:spcBef>
+            <a:spcAft>
+              <a:spcPct val="15000"/>
+            </a:spcAft>
+            <a:buChar char="••"/>
+          </a:pPr>
+          <a:r>
+            <a:rPr lang="en-US" sz="5000" kern="1200" dirty="0" smtClean="0"/>
+            <a:t>Confidence interval size</a:t>
+          </a:r>
+          <a:endParaRPr lang="en-US" sz="5000" kern="1200" dirty="0"/>
+        </a:p>
+      </dsp:txBody>
+      <dsp:txXfrm>
+        <a:off x="20422146" y="556575"/>
+        <a:ext cx="4710998" cy="6281329"/>
+      </dsp:txXfrm>
+    </dsp:sp>
+  </dsp:spTree>
+</dsp:drawing>
+</file>
+
+<file path=ppt/diagrams/layout1.xml><?xml version="1.0" encoding="utf-8"?>
+<dgm:layoutDef xmlns:dgm="http://schemas.openxmlformats.org/drawingml/2006/diagram" xmlns:a="http://schemas.openxmlformats.org/drawingml/2006/main" uniqueId="urn:microsoft.com/office/officeart/2005/8/layout/hChevron3">
+  <dgm:title val=""/>
+  <dgm:desc val=""/>
+  <dgm:catLst>
+    <dgm:cat type="process" pri="10000"/>
+  </dgm:catLst>
+  <dgm:sampData useDef="1">
+    <dgm:dataModel>
+      <dgm:ptLst/>
+      <dgm:bg/>
+      <dgm:whole/>
+    </dgm:dataModel>
+  </dgm:sampData>
+  <dgm:styleData>
+    <dgm:dataModel>
+      <dgm:ptLst>
+        <dgm:pt modelId="0" type="doc"/>
+        <dgm:pt modelId="1"/>
+        <dgm:pt modelId="2"/>
+      </dgm:ptLst>
+      <dgm:cxnLst>
+        <dgm:cxn modelId="3" srcId="0" destId="1" srcOrd="0" destOrd="0"/>
+        <dgm:cxn modelId="4" srcId="0" destId="2" srcOrd="1" destOrd="0"/>
+      </dgm:cxnLst>
+      <dgm:bg/>
+      <dgm:whole/>
+    </dgm:dataModel>
+  </dgm:styleData>
+  <dgm:clrData>
+    <dgm:dataModel>
+      <dgm:ptLst>
+        <dgm:pt modelId="0" type="doc"/>
+        <dgm:pt modelId="1"/>
+        <dgm:pt modelId="2"/>
+        <dgm:pt modelId="3"/>
+        <dgm:pt modelId="4"/>
+      </dgm:ptLst>
+      <dgm:cxnLst>
+        <dgm:cxn modelId="5" srcId="0" destId="1" srcOrd="0" destOrd="0"/>
+        <dgm:cxn modelId="6" srcId="0" destId="2" srcOrd="1" destOrd="0"/>
+        <dgm:cxn modelId="7" srcId="0" destId="3" srcOrd="2" destOrd="0"/>
+        <dgm:cxn modelId="8" srcId="0" destId="4" srcOrd="3" destOrd="0"/>
+      </dgm:cxnLst>
+      <dgm:bg/>
+      <dgm:whole/>
+    </dgm:dataModel>
+  </dgm:clrData>
+  <dgm:layoutNode name="Name0">
+    <dgm:varLst>
+      <dgm:dir/>
+      <dgm:resizeHandles val="exact"/>
+    </dgm:varLst>
+    <dgm:choose name="Name1">
+      <dgm:if name="Name2" func="var" arg="dir" op="equ" val="norm">
+        <dgm:alg type="lin"/>
+      </dgm:if>
+      <dgm:else name="Name3">
+        <dgm:alg type="lin">
+          <dgm:param type="linDir" val="fromR"/>
+        </dgm:alg>
+      </dgm:else>
+    </dgm:choose>
+    <dgm:shape xmlns:r="http://schemas.openxmlformats.org/officeDocument/2006/relationships" r:blip="">
+      <dgm:adjLst/>
+    </dgm:shape>
+    <dgm:presOf/>
+    <dgm:choose name="Name4">
+      <dgm:if name="Name5" axis="root des" func="maxDepth" op="gte" val="2">
+        <dgm:constrLst>
+          <dgm:constr type="w" for="ch" forName="parAndChTx" refType="w"/>
+          <dgm:constr type="primFontSz" for="ch" ptType="node" op="equ"/>
+          <dgm:constr type="w" for="ch" forName="parAndChSpace" refType="w" refFor="ch" refForName="parAndChTx" fact="-0.2"/>
+          <dgm:constr type="w" for="ch" ptType="sibTrans" op="equ"/>
+        </dgm:constrLst>
+        <dgm:ruleLst/>
+        <dgm:forEach name="Name6" axis="ch" ptType="node">
+          <dgm:layoutNode name="parAndChTx">
+            <dgm:varLst>
+              <dgm:bulletEnabled val="1"/>
+            </dgm:varLst>
+            <dgm:alg type="tx"/>
+            <dgm:choose name="Name7">
+              <dgm:if name="Name8" func="var" arg="dir" op="equ" val="norm">
+                <dgm:choose name="Name9">
+                  <dgm:if name="Name10" axis="self" ptType="node" func="pos" op="equ" val="1">
+                    <dgm:shape xmlns:r="http://schemas.openxmlformats.org/officeDocument/2006/relationships" type="homePlate" r:blip="">
+                      <dgm:adjLst>
+                        <dgm:adj idx="1" val="0.25"/>
+                      </dgm:adjLst>
+                    </dgm:shape>
+                    <dgm:presOf axis="desOrSelf" ptType="node"/>
+                    <dgm:constrLst>
+                      <dgm:constr type="h" refType="w" op="equ" fact="0.8"/>
+                      <dgm:constr type="primFontSz" val="65"/>
+                      <dgm:constr type="tMarg" refType="primFontSz" fact="0.2"/>
+                      <dgm:constr type="bMarg" refType="primFontSz" fact="0.2"/>
+                      <dgm:constr type="lMarg" refType="w" fact="0.1"/>
+                      <dgm:constr type="rMarg" refType="w" fact="0.4"/>
+                    </dgm:constrLst>
+                  </dgm:if>
+                  <dgm:else name="Name11">
+                    <dgm:shape xmlns:r="http://schemas.openxmlformats.org/officeDocument/2006/relationships" type="chevron" r:blip="">
+                      <dgm:adjLst>
+                        <dgm:adj idx="1" val="0.25"/>
+                      </dgm:adjLst>
+                    </dgm:shape>
+                    <dgm:presOf axis="desOrSelf" ptType="node"/>
+                    <dgm:constrLst>
+                      <dgm:constr type="h" refType="w" op="equ" fact="0.8"/>
+                      <dgm:constr type="primFontSz" val="65"/>
+                      <dgm:constr type="tMarg" refType="primFontSz" fact="0.2"/>
+                      <dgm:constr type="bMarg" refType="primFontSz" fact="0.2"/>
+                      <dgm:constr type="lMarg" refType="w" fact="0.1"/>
+                      <dgm:constr type="rMarg" refType="w" fact="0.1"/>
+                    </dgm:constrLst>
+                  </dgm:else>
+                </dgm:choose>
+              </dgm:if>
+              <dgm:else name="Name12">
+                <dgm:choose name="Name13">
+                  <dgm:if name="Name14" axis="self" ptType="node" func="pos" op="equ" val="1">
+                    <dgm:shape xmlns:r="http://schemas.openxmlformats.org/officeDocument/2006/relationships" rot="180" type="homePlate" r:blip="">
+                      <dgm:adjLst>
+                        <dgm:adj idx="1" val="0.25"/>
+                      </dgm:adjLst>
+                    </dgm:shape>
+                    <dgm:presOf axis="desOrSelf" ptType="node"/>
+                    <dgm:constrLst>
+                      <dgm:constr type="h" refType="w" op="equ" fact="0.8"/>
+                      <dgm:constr type="primFontSz" val="65"/>
+                      <dgm:constr type="tMarg" refType="primFontSz" fact="0.2"/>
+                      <dgm:constr type="bMarg" refType="primFontSz" fact="0.2"/>
+                      <dgm:constr type="lMarg" refType="w" fact="0.4"/>
+                      <dgm:constr type="rMarg" refType="w" fact="0.1"/>
+                    </dgm:constrLst>
+                  </dgm:if>
+                  <dgm:else name="Name15">
+                    <dgm:shape xmlns:r="http://schemas.openxmlformats.org/officeDocument/2006/relationships" rot="180" type="chevron" r:blip="">
+                      <dgm:adjLst>
+                        <dgm:adj idx="1" val="0.25"/>
+                      </dgm:adjLst>
+                    </dgm:shape>
+                    <dgm:presOf axis="desOrSelf" ptType="node"/>
+                    <dgm:constrLst>
+                      <dgm:constr type="h" refType="w" op="equ" fact="0.8"/>
+                      <dgm:constr type="primFontSz" val="65"/>
+                      <dgm:constr type="tMarg" refType="primFontSz" fact="0.2"/>
+                      <dgm:constr type="bMarg" refType="primFontSz" fact="0.2"/>
+                      <dgm:constr type="lMarg" refType="w" fact="0.1"/>
+                      <dgm:constr type="rMarg" refType="w" fact="0.1"/>
+                    </dgm:constrLst>
+                  </dgm:else>
+                </dgm:choose>
+              </dgm:else>
+            </dgm:choose>
+            <dgm:ruleLst>
+              <dgm:rule type="primFontSz" val="5" fact="NaN" max="NaN"/>
+            </dgm:ruleLst>
+          </dgm:layoutNode>
+          <dgm:forEach name="Name16" axis="followSib" ptType="sibTrans" cnt="1">
+            <dgm:layoutNode name="parAndChSpace">
+              <dgm:alg type="sp"/>
+              <dgm:shape xmlns:r="http://schemas.openxmlformats.org/officeDocument/2006/relationships" r:blip="">
+                <dgm:adjLst/>
+              </dgm:shape>
+              <dgm:presOf/>
+              <dgm:constrLst/>
+              <dgm:ruleLst/>
+            </dgm:layoutNode>
+          </dgm:forEach>
+        </dgm:forEach>
+      </dgm:if>
+      <dgm:else name="Name17">
+        <dgm:constrLst>
+          <dgm:constr type="w" for="ch" forName="parTxOnly" refType="w"/>
+          <dgm:constr type="primFontSz" for="ch" ptType="node" op="equ"/>
+          <dgm:constr type="w" for="ch" forName="parSpace" refType="w" refFor="ch" refForName="parTxOnly" fact="-0.2"/>
+          <dgm:constr type="w" for="ch" ptType="sibTrans" op="equ"/>
+        </dgm:constrLst>
+        <dgm:ruleLst/>
+        <dgm:forEach name="Name18" axis="ch" ptType="node">
+          <dgm:layoutNode name="parTxOnly">
+            <dgm:varLst>
+              <dgm:bulletEnabled val="1"/>
+            </dgm:varLst>
+            <dgm:alg type="tx"/>
+            <dgm:presOf axis="desOrSelf" ptType="node"/>
+            <dgm:choose name="Name19">
+              <dgm:if name="Name20" func="var" arg="dir" op="equ" val="norm">
+                <dgm:choose name="Name21">
+                  <dgm:if name="Name22" axis="self" ptType="node" func="pos" op="equ" val="1">
+                    <dgm:shape xmlns:r="http://schemas.openxmlformats.org/officeDocument/2006/relationships" type="homePlate" r:blip="">
+                      <dgm:adjLst/>
+                    </dgm:shape>
+                    <dgm:constrLst>
+                      <dgm:constr type="h" refType="w" op="equ" fact="0.4"/>
+                      <dgm:constr type="primFontSz" val="65"/>
+                      <dgm:constr type="tMarg" refType="primFontSz" fact="0.21"/>
+                      <dgm:constr type="bMarg" refType="primFontSz" fact="0.21"/>
+                      <dgm:constr type="lMarg" refType="primFontSz" fact="0.42"/>
+                      <dgm:constr type="rMarg" refType="primFontSz" fact="0.105"/>
+                    </dgm:constrLst>
+                  </dgm:if>
+                  <dgm:else name="Name23">
+                    <dgm:shape xmlns:r="http://schemas.openxmlformats.org/officeDocument/2006/relationships" type="chevron" r:blip="">
+                      <dgm:adjLst/>
+                    </dgm:shape>
+                    <dgm:constrLst>
+                      <dgm:constr type="h" refType="w" op="equ" fact="0.4"/>
+                      <dgm:constr type="primFontSz" val="65"/>
+                      <dgm:constr type="tMarg" refType="primFontSz" fact="0.21"/>
+                      <dgm:constr type="bMarg" refType="primFontSz" fact="0.21"/>
+                      <dgm:constr type="lMarg" refType="primFontSz" fact="0.315"/>
+                      <dgm:constr type="rMarg" refType="primFontSz" fact="0.105"/>
+                    </dgm:constrLst>
+                  </dgm:else>
+                </dgm:choose>
+              </dgm:if>
+              <dgm:else name="Name24">
+                <dgm:choose name="Name25">
+                  <dgm:if name="Name26" axis="self" ptType="node" func="pos" op="equ" val="1">
+                    <dgm:shape xmlns:r="http://schemas.openxmlformats.org/officeDocument/2006/relationships" rot="180" type="homePlate" r:blip="">
+                      <dgm:adjLst/>
+                    </dgm:shape>
+                    <dgm:constrLst>
+                      <dgm:constr type="h" refType="w" op="equ" fact="0.4"/>
+                      <dgm:constr type="primFontSz" val="65"/>
+                      <dgm:constr type="tMarg" refType="primFontSz" fact="0.21"/>
+                      <dgm:constr type="bMarg" refType="primFontSz" fact="0.21"/>
+                      <dgm:constr type="lMarg" refType="primFontSz" fact="0.105"/>
+                      <dgm:constr type="rMarg" refType="primFontSz" fact="0.42"/>
+                    </dgm:constrLst>
+                  </dgm:if>
+                  <dgm:else name="Name27">
+                    <dgm:shape xmlns:r="http://schemas.openxmlformats.org/officeDocument/2006/relationships" rot="180" type="chevron" r:blip="">
+                      <dgm:adjLst/>
+                    </dgm:shape>
+                    <dgm:constrLst>
+                      <dgm:constr type="h" refType="w" op="equ" fact="0.4"/>
+                      <dgm:constr type="primFontSz" val="65"/>
+                      <dgm:constr type="tMarg" refType="primFontSz" fact="0.21"/>
+                      <dgm:constr type="bMarg" refType="primFontSz" fact="0.21"/>
+                      <dgm:constr type="lMarg" refType="primFontSz" fact="0.105"/>
+                      <dgm:constr type="rMarg" refType="primFontSz" fact="0.315"/>
+                    </dgm:constrLst>
+                  </dgm:else>
+                </dgm:choose>
+              </dgm:else>
+            </dgm:choose>
+            <dgm:ruleLst>
+              <dgm:rule type="primFontSz" val="5" fact="NaN" max="NaN"/>
+            </dgm:ruleLst>
+          </dgm:layoutNode>
+          <dgm:forEach name="Name28" axis="followSib" ptType="sibTrans" cnt="1">
+            <dgm:layoutNode name="parSpace">
+              <dgm:alg type="sp"/>
+              <dgm:shape xmlns:r="http://schemas.openxmlformats.org/officeDocument/2006/relationships" r:blip="">
+                <dgm:adjLst/>
+              </dgm:shape>
+              <dgm:presOf/>
+              <dgm:constrLst/>
+              <dgm:ruleLst/>
+            </dgm:layoutNode>
+          </dgm:forEach>
+        </dgm:forEach>
+      </dgm:else>
+    </dgm:choose>
+  </dgm:layoutNode>
+</dgm:layoutDef>
+</file>
+
+<file path=ppt/diagrams/layout2.xml><?xml version="1.0" encoding="utf-8"?>
+<dgm:layoutDef xmlns:dgm="http://schemas.openxmlformats.org/drawingml/2006/diagram" xmlns:a="http://schemas.openxmlformats.org/drawingml/2006/main" uniqueId="urn:microsoft.com/office/officeart/2005/8/layout/hChevron3">
+  <dgm:title val=""/>
+  <dgm:desc val=""/>
+  <dgm:catLst>
+    <dgm:cat type="process" pri="10000"/>
+  </dgm:catLst>
+  <dgm:sampData useDef="1">
+    <dgm:dataModel>
+      <dgm:ptLst/>
+      <dgm:bg/>
+      <dgm:whole/>
+    </dgm:dataModel>
+  </dgm:sampData>
+  <dgm:styleData>
+    <dgm:dataModel>
+      <dgm:ptLst>
+        <dgm:pt modelId="0" type="doc"/>
+        <dgm:pt modelId="1"/>
+        <dgm:pt modelId="2"/>
+      </dgm:ptLst>
+      <dgm:cxnLst>
+        <dgm:cxn modelId="3" srcId="0" destId="1" srcOrd="0" destOrd="0"/>
+        <dgm:cxn modelId="4" srcId="0" destId="2" srcOrd="1" destOrd="0"/>
+      </dgm:cxnLst>
+      <dgm:bg/>
+      <dgm:whole/>
+    </dgm:dataModel>
+  </dgm:styleData>
+  <dgm:clrData>
+    <dgm:dataModel>
+      <dgm:ptLst>
+        <dgm:pt modelId="0" type="doc"/>
+        <dgm:pt modelId="1"/>
+        <dgm:pt modelId="2"/>
+        <dgm:pt modelId="3"/>
+        <dgm:pt modelId="4"/>
+      </dgm:ptLst>
+      <dgm:cxnLst>
+        <dgm:cxn modelId="5" srcId="0" destId="1" srcOrd="0" destOrd="0"/>
+        <dgm:cxn modelId="6" srcId="0" destId="2" srcOrd="1" destOrd="0"/>
+        <dgm:cxn modelId="7" srcId="0" destId="3" srcOrd="2" destOrd="0"/>
+        <dgm:cxn modelId="8" srcId="0" destId="4" srcOrd="3" destOrd="0"/>
+      </dgm:cxnLst>
+      <dgm:bg/>
+      <dgm:whole/>
+    </dgm:dataModel>
+  </dgm:clrData>
+  <dgm:layoutNode name="Name0">
+    <dgm:varLst>
+      <dgm:dir/>
+      <dgm:resizeHandles val="exact"/>
+    </dgm:varLst>
+    <dgm:choose name="Name1">
+      <dgm:if name="Name2" func="var" arg="dir" op="equ" val="norm">
+        <dgm:alg type="lin"/>
+      </dgm:if>
+      <dgm:else name="Name3">
+        <dgm:alg type="lin">
+          <dgm:param type="linDir" val="fromR"/>
+        </dgm:alg>
+      </dgm:else>
+    </dgm:choose>
+    <dgm:shape xmlns:r="http://schemas.openxmlformats.org/officeDocument/2006/relationships" r:blip="">
+      <dgm:adjLst/>
+    </dgm:shape>
+    <dgm:presOf/>
+    <dgm:choose name="Name4">
+      <dgm:if name="Name5" axis="root des" func="maxDepth" op="gte" val="2">
+        <dgm:constrLst>
+          <dgm:constr type="w" for="ch" forName="parAndChTx" refType="w"/>
+          <dgm:constr type="primFontSz" for="ch" ptType="node" op="equ"/>
+          <dgm:constr type="w" for="ch" forName="parAndChSpace" refType="w" refFor="ch" refForName="parAndChTx" fact="-0.2"/>
+          <dgm:constr type="w" for="ch" ptType="sibTrans" op="equ"/>
+        </dgm:constrLst>
+        <dgm:ruleLst/>
+        <dgm:forEach name="Name6" axis="ch" ptType="node">
+          <dgm:layoutNode name="parAndChTx">
+            <dgm:varLst>
+              <dgm:bulletEnabled val="1"/>
+            </dgm:varLst>
+            <dgm:alg type="tx"/>
+            <dgm:choose name="Name7">
+              <dgm:if name="Name8" func="var" arg="dir" op="equ" val="norm">
+                <dgm:choose name="Name9">
+                  <dgm:if name="Name10" axis="self" ptType="node" func="pos" op="equ" val="1">
+                    <dgm:shape xmlns:r="http://schemas.openxmlformats.org/officeDocument/2006/relationships" type="homePlate" r:blip="">
+                      <dgm:adjLst>
+                        <dgm:adj idx="1" val="0.25"/>
+                      </dgm:adjLst>
+                    </dgm:shape>
+                    <dgm:presOf axis="desOrSelf" ptType="node"/>
+                    <dgm:constrLst>
+                      <dgm:constr type="h" refType="w" op="equ" fact="0.8"/>
+                      <dgm:constr type="primFontSz" val="65"/>
+                      <dgm:constr type="tMarg" refType="primFontSz" fact="0.2"/>
+                      <dgm:constr type="bMarg" refType="primFontSz" fact="0.2"/>
+                      <dgm:constr type="lMarg" refType="w" fact="0.1"/>
+                      <dgm:constr type="rMarg" refType="w" fact="0.4"/>
+                    </dgm:constrLst>
+                  </dgm:if>
+                  <dgm:else name="Name11">
+                    <dgm:shape xmlns:r="http://schemas.openxmlformats.org/officeDocument/2006/relationships" type="chevron" r:blip="">
+                      <dgm:adjLst>
+                        <dgm:adj idx="1" val="0.25"/>
+                      </dgm:adjLst>
+                    </dgm:shape>
+                    <dgm:presOf axis="desOrSelf" ptType="node"/>
+                    <dgm:constrLst>
+                      <dgm:constr type="h" refType="w" op="equ" fact="0.8"/>
+                      <dgm:constr type="primFontSz" val="65"/>
+                      <dgm:constr type="tMarg" refType="primFontSz" fact="0.2"/>
+                      <dgm:constr type="bMarg" refType="primFontSz" fact="0.2"/>
+                      <dgm:constr type="lMarg" refType="w" fact="0.1"/>
+                      <dgm:constr type="rMarg" refType="w" fact="0.1"/>
+                    </dgm:constrLst>
+                  </dgm:else>
+                </dgm:choose>
+              </dgm:if>
+              <dgm:else name="Name12">
+                <dgm:choose name="Name13">
+                  <dgm:if name="Name14" axis="self" ptType="node" func="pos" op="equ" val="1">
+                    <dgm:shape xmlns:r="http://schemas.openxmlformats.org/officeDocument/2006/relationships" rot="180" type="homePlate" r:blip="">
+                      <dgm:adjLst>
+                        <dgm:adj idx="1" val="0.25"/>
+                      </dgm:adjLst>
+                    </dgm:shape>
+                    <dgm:presOf axis="desOrSelf" ptType="node"/>
+                    <dgm:constrLst>
+                      <dgm:constr type="h" refType="w" op="equ" fact="0.8"/>
+                      <dgm:constr type="primFontSz" val="65"/>
+                      <dgm:constr type="tMarg" refType="primFontSz" fact="0.2"/>
+                      <dgm:constr type="bMarg" refType="primFontSz" fact="0.2"/>
+                      <dgm:constr type="lMarg" refType="w" fact="0.4"/>
+                      <dgm:constr type="rMarg" refType="w" fact="0.1"/>
+                    </dgm:constrLst>
+                  </dgm:if>
+                  <dgm:else name="Name15">
+                    <dgm:shape xmlns:r="http://schemas.openxmlformats.org/officeDocument/2006/relationships" rot="180" type="chevron" r:blip="">
+                      <dgm:adjLst>
+                        <dgm:adj idx="1" val="0.25"/>
+                      </dgm:adjLst>
+                    </dgm:shape>
+                    <dgm:presOf axis="desOrSelf" ptType="node"/>
+                    <dgm:constrLst>
+                      <dgm:constr type="h" refType="w" op="equ" fact="0.8"/>
+                      <dgm:constr type="primFontSz" val="65"/>
+                      <dgm:constr type="tMarg" refType="primFontSz" fact="0.2"/>
+                      <dgm:constr type="bMarg" refType="primFontSz" fact="0.2"/>
+                      <dgm:constr type="lMarg" refType="w" fact="0.1"/>
+                      <dgm:constr type="rMarg" refType="w" fact="0.1"/>
+                    </dgm:constrLst>
+                  </dgm:else>
+                </dgm:choose>
+              </dgm:else>
+            </dgm:choose>
+            <dgm:ruleLst>
+              <dgm:rule type="primFontSz" val="5" fact="NaN" max="NaN"/>
+            </dgm:ruleLst>
+          </dgm:layoutNode>
+          <dgm:forEach name="Name16" axis="followSib" ptType="sibTrans" cnt="1">
+            <dgm:layoutNode name="parAndChSpace">
+              <dgm:alg type="sp"/>
+              <dgm:shape xmlns:r="http://schemas.openxmlformats.org/officeDocument/2006/relationships" r:blip="">
+                <dgm:adjLst/>
+              </dgm:shape>
+              <dgm:presOf/>
+              <dgm:constrLst/>
+              <dgm:ruleLst/>
+            </dgm:layoutNode>
+          </dgm:forEach>
+        </dgm:forEach>
+      </dgm:if>
+      <dgm:else name="Name17">
+        <dgm:constrLst>
+          <dgm:constr type="w" for="ch" forName="parTxOnly" refType="w"/>
+          <dgm:constr type="primFontSz" for="ch" ptType="node" op="equ"/>
+          <dgm:constr type="w" for="ch" forName="parSpace" refType="w" refFor="ch" refForName="parTxOnly" fact="-0.2"/>
+          <dgm:constr type="w" for="ch" ptType="sibTrans" op="equ"/>
+        </dgm:constrLst>
+        <dgm:ruleLst/>
+        <dgm:forEach name="Name18" axis="ch" ptType="node">
+          <dgm:layoutNode name="parTxOnly">
+            <dgm:varLst>
+              <dgm:bulletEnabled val="1"/>
+            </dgm:varLst>
+            <dgm:alg type="tx"/>
+            <dgm:presOf axis="desOrSelf" ptType="node"/>
+            <dgm:choose name="Name19">
+              <dgm:if name="Name20" func="var" arg="dir" op="equ" val="norm">
+                <dgm:choose name="Name21">
+                  <dgm:if name="Name22" axis="self" ptType="node" func="pos" op="equ" val="1">
+                    <dgm:shape xmlns:r="http://schemas.openxmlformats.org/officeDocument/2006/relationships" type="homePlate" r:blip="">
+                      <dgm:adjLst/>
+                    </dgm:shape>
+                    <dgm:constrLst>
+                      <dgm:constr type="h" refType="w" op="equ" fact="0.4"/>
+                      <dgm:constr type="primFontSz" val="65"/>
+                      <dgm:constr type="tMarg" refType="primFontSz" fact="0.21"/>
+                      <dgm:constr type="bMarg" refType="primFontSz" fact="0.21"/>
+                      <dgm:constr type="lMarg" refType="primFontSz" fact="0.42"/>
+                      <dgm:constr type="rMarg" refType="primFontSz" fact="0.105"/>
+                    </dgm:constrLst>
+                  </dgm:if>
+                  <dgm:else name="Name23">
+                    <dgm:shape xmlns:r="http://schemas.openxmlformats.org/officeDocument/2006/relationships" type="chevron" r:blip="">
+                      <dgm:adjLst/>
+                    </dgm:shape>
+                    <dgm:constrLst>
+                      <dgm:constr type="h" refType="w" op="equ" fact="0.4"/>
+                      <dgm:constr type="primFontSz" val="65"/>
+                      <dgm:constr type="tMarg" refType="primFontSz" fact="0.21"/>
+                      <dgm:constr type="bMarg" refType="primFontSz" fact="0.21"/>
+                      <dgm:constr type="lMarg" refType="primFontSz" fact="0.315"/>
+                      <dgm:constr type="rMarg" refType="primFontSz" fact="0.105"/>
+                    </dgm:constrLst>
+                  </dgm:else>
+                </dgm:choose>
+              </dgm:if>
+              <dgm:else name="Name24">
+                <dgm:choose name="Name25">
+                  <dgm:if name="Name26" axis="self" ptType="node" func="pos" op="equ" val="1">
+                    <dgm:shape xmlns:r="http://schemas.openxmlformats.org/officeDocument/2006/relationships" rot="180" type="homePlate" r:blip="">
+                      <dgm:adjLst/>
+                    </dgm:shape>
+                    <dgm:constrLst>
+                      <dgm:constr type="h" refType="w" op="equ" fact="0.4"/>
+                      <dgm:constr type="primFontSz" val="65"/>
+                      <dgm:constr type="tMarg" refType="primFontSz" fact="0.21"/>
+                      <dgm:constr type="bMarg" refType="primFontSz" fact="0.21"/>
+                      <dgm:constr type="lMarg" refType="primFontSz" fact="0.105"/>
+                      <dgm:constr type="rMarg" refType="primFontSz" fact="0.42"/>
+                    </dgm:constrLst>
+                  </dgm:if>
+                  <dgm:else name="Name27">
+                    <dgm:shape xmlns:r="http://schemas.openxmlformats.org/officeDocument/2006/relationships" rot="180" type="chevron" r:blip="">
+                      <dgm:adjLst/>
+                    </dgm:shape>
+                    <dgm:constrLst>
+                      <dgm:constr type="h" refType="w" op="equ" fact="0.4"/>
+                      <dgm:constr type="primFontSz" val="65"/>
+                      <dgm:constr type="tMarg" refType="primFontSz" fact="0.21"/>
+                      <dgm:constr type="bMarg" refType="primFontSz" fact="0.21"/>
+                      <dgm:constr type="lMarg" refType="primFontSz" fact="0.105"/>
+                      <dgm:constr type="rMarg" refType="primFontSz" fact="0.315"/>
+                    </dgm:constrLst>
+                  </dgm:else>
+                </dgm:choose>
+              </dgm:else>
+            </dgm:choose>
+            <dgm:ruleLst>
+              <dgm:rule type="primFontSz" val="5" fact="NaN" max="NaN"/>
+            </dgm:ruleLst>
+          </dgm:layoutNode>
+          <dgm:forEach name="Name28" axis="followSib" ptType="sibTrans" cnt="1">
+            <dgm:layoutNode name="parSpace">
+              <dgm:alg type="sp"/>
+              <dgm:shape xmlns:r="http://schemas.openxmlformats.org/officeDocument/2006/relationships" r:blip="">
+                <dgm:adjLst/>
+              </dgm:shape>
+              <dgm:presOf/>
+              <dgm:constrLst/>
+              <dgm:ruleLst/>
+            </dgm:layoutNode>
+          </dgm:forEach>
+        </dgm:forEach>
+      </dgm:else>
+    </dgm:choose>
+  </dgm:layoutNode>
+</dgm:layoutDef>
+</file>
+
+<file path=ppt/diagrams/quickStyle1.xml><?xml version="1.0" encoding="utf-8"?>
+<dgm:styleDef xmlns:dgm="http://schemas.openxmlformats.org/drawingml/2006/diagram" xmlns:a="http://schemas.openxmlformats.org/drawingml/2006/main" uniqueId="urn:microsoft.com/office/officeart/2005/8/quickstyle/3D2">
+  <dgm:title val=""/>
+  <dgm:desc val=""/>
+  <dgm:catLst>
+    <dgm:cat type="3D" pri="11200"/>
+  </dgm:catLst>
+  <dgm:scene3d>
+    <a:camera prst="orthographicFront"/>
+    <a:lightRig rig="threePt" dir="t"/>
+  </dgm:scene3d>
+  <dgm:styleLbl name="node0">
+    <dgm:scene3d>
+      <a:camera prst="orthographicFront"/>
+      <a:lightRig rig="threePt" dir="t">
+        <a:rot lat="0" lon="0" rev="7500000"/>
+      </a:lightRig>
+    </dgm:scene3d>
+    <dgm:sp3d prstMaterial="plastic">
+      <a:bevelT w="127000" h="25400" prst="relaxedInset"/>
+    </dgm:sp3d>
+    <dgm:txPr/>
+    <dgm:style>
+      <a:lnRef idx="0">
+        <a:scrgbClr r="0" g="0" b="0"/>
+      </a:lnRef>
+      <a:fillRef idx="3">
+        <a:scrgbClr r="0" g="0" b="0"/>
+      </a:fillRef>
+      <a:effectRef idx="2">
+        <a:scrgbClr r="0" g="0" b="0"/>
+      </a:effectRef>
+      <a:fontRef idx="minor">
+        <a:schemeClr val="lt1"/>
+      </a:fontRef>
+    </dgm:style>
+  </dgm:styleLbl>
+  <dgm:styleLbl name="lnNode1">
+    <dgm:scene3d>
+      <a:camera prst="orthographicFront"/>
+      <a:lightRig rig="threePt" dir="t">
+        <a:rot lat="0" lon="0" rev="7500000"/>
+      </a:lightRig>
+    </dgm:scene3d>
+    <dgm:sp3d prstMaterial="plastic">
+      <a:bevelT w="127000" h="25400" prst="relaxedInset"/>
+    </dgm:sp3d>
+    <dgm:txPr/>
+    <dgm:style>
+      <a:lnRef idx="1">
+        <a:scrgbClr r="0" g="0" b="0"/>
+      </a:lnRef>
+      <a:fillRef idx="3">
+        <a:scrgbClr r="0" g="0" b="0"/>
+      </a:fillRef>
+      <a:effectRef idx="2">
+        <a:scrgbClr r="0" g="0" b="0"/>
+      </a:effectRef>
+      <a:fontRef idx="minor">
+        <a:schemeClr val="lt1"/>
+      </a:fontRef>
+    </dgm:style>
+  </dgm:styleLbl>
+  <dgm:styleLbl name="vennNode1">
+    <dgm:scene3d>
+      <a:camera prst="orthographicFront"/>
+      <a:lightRig rig="threePt" dir="t">
+        <a:rot lat="0" lon="0" rev="7500000"/>
+      </a:lightRig>
+    </dgm:scene3d>
+    <dgm:sp3d prstMaterial="plastic">
+      <a:bevelT w="127000" h="25400" prst="relaxedInset"/>
+    </dgm:sp3d>
+    <dgm:txPr/>
+    <dgm:style>
+      <a:lnRef idx="0">
+        <a:scrgbClr r="0" g="0" b="0"/>
+      </a:lnRef>
+      <a:fillRef idx="3">
+        <a:scrgbClr r="0" g="0" b="0"/>
+      </a:fillRef>
+      <a:effectRef idx="2">
+        <a:scrgbClr r="0" g="0" b="0"/>
+      </a:effectRef>
+      <a:fontRef idx="minor">
+        <a:schemeClr val="tx1"/>
+      </a:fontRef>
+    </dgm:style>
+  </dgm:styleLbl>
+  <dgm:styleLbl name="alingNode1">
+    <dgm:scene3d>
+      <a:camera prst="orthographicFront"/>
+      <a:lightRig rig="threePt" dir="t">
+        <a:rot lat="0" lon="0" rev="7500000"/>
+      </a:lightRig>
+    </dgm:scene3d>
+    <dgm:sp3d prstMaterial="plastic">
+      <a:bevelT w="127000" h="25400" prst="relaxedInset"/>
+    </dgm:sp3d>
+    <dgm:txPr/>
+    <dgm:style>
+      <a:lnRef idx="0">
+        <a:scrgbClr r="0" g="0" b="0"/>
+      </a:lnRef>
+      <a:fillRef idx="3">
+        <a:scrgbClr r="0" g="0" b="0"/>
+      </a:fillRef>
+      <a:effectRef idx="2">
+        <a:scrgbClr r="0" g="0" b="0"/>
+      </a:effectRef>
+      <a:fontRef idx="minor">
+        <a:schemeClr val="lt1"/>
+      </a:fontRef>
+    </dgm:style>
+  </dgm:styleLbl>
+  <dgm:styleLbl name="node1">
+    <dgm:scene3d>
+      <a:camera prst="orthographicFront"/>
+      <a:lightRig rig="threePt" dir="t">
+        <a:rot lat="0" lon="0" rev="7500000"/>
+      </a:lightRig>
+    </dgm:scene3d>
+    <dgm:sp3d prstMaterial="plastic">
+      <a:bevelT w="127000" h="25400" prst="relaxedInset"/>
+    </dgm:sp3d>
+    <dgm:txPr/>
+    <dgm:style>
+      <a:lnRef idx="0">
+        <a:scrgbClr r="0" g="0" b="0"/>
+      </a:lnRef>
+      <a:fillRef idx="3">
+        <a:scrgbClr r="0" g="0" b="0"/>
+      </a:fillRef>
+      <a:effectRef idx="2">
+        <a:scrgbClr r="0" g="0" b="0"/>
+      </a:effectRef>
+      <a:fontRef idx="minor">
+        <a:schemeClr val="lt1"/>
+      </a:fontRef>
+    </dgm:style>
+  </dgm:styleLbl>
+  <dgm:styleLbl name="node2">
+    <dgm:scene3d>
+      <a:camera prst="orthographicFront"/>
+      <a:lightRig rig="threePt" dir="t">
+        <a:rot lat="0" lon="0" rev="7500000"/>
+      </a:lightRig>
+    </dgm:scene3d>
+    <dgm:sp3d prstMaterial="plastic">
+      <a:bevelT w="127000" h="25400" prst="relaxedInset"/>
+    </dgm:sp3d>
+    <dgm:txPr/>
+    <dgm:style>
+      <a:lnRef idx="0">
+        <a:scrgbClr r="0" g="0" b="0"/>
+      </a:lnRef>
+      <a:fillRef idx="3">
+        <a:scrgbClr r="0" g="0" b="0"/>
+      </a:fillRef>
+      <a:effectRef idx="2">
+        <a:scrgbClr r="0" g="0" b="0"/>
+      </a:effectRef>
+      <a:fontRef idx="minor">
+        <a:schemeClr val="lt1"/>
+      </a:fontRef>
+    </dgm:style>
+  </dgm:styleLbl>
+  <dgm:styleLbl name="node3">
+    <dgm:scene3d>
+      <a:camera prst="orthographicFront"/>
+      <a:lightRig rig="threePt" dir="t">
+        <a:rot lat="0" lon="0" rev="7500000"/>
+      </a:lightRig>
+    </dgm:scene3d>
+    <dgm:sp3d prstMaterial="plastic">
+      <a:bevelT w="127000" h="25400" prst="relaxedInset"/>
+    </dgm:sp3d>
+    <dgm:txPr/>
+    <dgm:style>
+      <a:lnRef idx="0">
+        <a:scrgbClr r="0" g="0" b="0"/>
+      </a:lnRef>
+      <a:fillRef idx="3">
+        <a:scrgbClr r="0" g="0" b="0"/>
+      </a:fillRef>
+      <a:effectRef idx="2">
+        <a:scrgbClr r="0" g="0" b="0"/>
+      </a:effectRef>
+      <a:fontRef idx="minor">
+        <a:schemeClr val="lt1"/>
+      </a:fontRef>
+    </dgm:style>
+  </dgm:styleLbl>
+  <dgm:styleLbl name="node4">
+    <dgm:scene3d>
+      <a:camera prst="orthographicFront"/>
+      <a:lightRig rig="threePt" dir="t">
+        <a:rot lat="0" lon="0" rev="7500000"/>
+      </a:lightRig>
+    </dgm:scene3d>
+    <dgm:sp3d prstMaterial="plastic">
+      <a:bevelT w="127000" h="25400" prst="relaxedInset"/>
+    </dgm:sp3d>
+    <dgm:txPr/>
+    <dgm:style>
+      <a:lnRef idx="0">
+        <a:scrgbClr r="0" g="0" b="0"/>
+      </a:lnRef>
+      <a:fillRef idx="3">
+        <a:scrgbClr r="0" g="0" b="0"/>
+      </a:fillRef>
+      <a:effectRef idx="2">
+        <a:scrgbClr r="0" g="0" b="0"/>
+      </a:effectRef>
+      <a:fontRef idx="minor">
+        <a:schemeClr val="lt1"/>
+      </a:fontRef>
+    </dgm:style>
+  </dgm:styleLbl>
+  <dgm:styleLbl name="fgImgPlace1">
+    <dgm:scene3d>
+      <a:camera prst="orthographicFront"/>
+      <a:lightRig rig="threePt" dir="t">
+        <a:rot lat="0" lon="0" rev="7500000"/>
+      </a:lightRig>
+    </dgm:scene3d>
+    <dgm:sp3d z="152400" extrusionH="63500" prstMaterial="matte">
+      <a:bevelT w="50800" h="19050" prst="relaxedInset"/>
+      <a:contourClr>
+        <a:schemeClr val="bg1"/>
+      </a:contourClr>
+    </dgm:sp3d>
+    <dgm:txPr/>
+    <dgm:style>
+      <a:lnRef idx="0">
+        <a:scrgbClr r="0" g="0" b="0"/>
+      </a:lnRef>
+      <a:fillRef idx="1">
+        <a:scrgbClr r="0" g="0" b="0"/>
+      </a:fillRef>
+      <a:effectRef idx="0">
+        <a:scrgbClr r="0" g="0" b="0"/>
+      </a:effectRef>
+      <a:fontRef idx="minor"/>
+    </dgm:style>
+  </dgm:styleLbl>
+  <dgm:styleLbl name="alignImgPlace1">
+    <dgm:scene3d>
+      <a:camera prst="orthographicFront"/>
+      <a:lightRig rig="threePt" dir="t">
+        <a:rot lat="0" lon="0" rev="7500000"/>
+      </a:lightRig>
+    </dgm:scene3d>
+    <dgm:sp3d z="254000" extrusionH="63500" contourW="12700" prstMaterial="matte">
+      <a:contourClr>
+        <a:schemeClr val="lt1"/>
+      </a:contourClr>
+    </dgm:sp3d>
+    <dgm:txPr/>
+    <dgm:style>
+      <a:lnRef idx="0">
+        <a:scrgbClr r="0" g="0" b="0"/>
+      </a:lnRef>
+      <a:fillRef idx="1">
+        <a:scrgbClr r="0" g="0" b="0"/>
+      </a:fillRef>
+      <a:effectRef idx="0">
+        <a:scrgbClr r="0" g="0" b="0"/>
+      </a:effectRef>
+      <a:fontRef idx="minor"/>
+    </dgm:style>
+  </dgm:styleLbl>
+  <dgm:styleLbl name="bgImgPlace1">
+    <dgm:scene3d>
+      <a:camera prst="orthographicFront"/>
+      <a:lightRig rig="threePt" dir="t">
+        <a:rot lat="0" lon="0" rev="7500000"/>
+      </a:lightRig>
+    </dgm:scene3d>
+    <dgm:sp3d z="-152400" extrusionH="63500" contourW="12700" prstMaterial="matte">
+      <a:contourClr>
+        <a:schemeClr val="lt1"/>
+      </a:contourClr>
+    </dgm:sp3d>
+    <dgm:txPr/>
+    <dgm:style>
+      <a:lnRef idx="0">
+        <a:scrgbClr r="0" g="0" b="0"/>
+      </a:lnRef>
+      <a:fillRef idx="1">
+        <a:scrgbClr r="0" g="0" b="0"/>
+      </a:fillRef>
+      <a:effectRef idx="0">
+        <a:scrgbClr r="0" g="0" b="0"/>
+      </a:effectRef>
+      <a:fontRef idx="minor"/>
+    </dgm:style>
+  </dgm:styleLbl>
+  <dgm:styleLbl name="sibTrans2D1">
+    <dgm:scene3d>
+      <a:camera prst="orthographicFront"/>
+      <a:lightRig rig="threePt" dir="t">
+        <a:rot lat="0" lon="0" rev="7500000"/>
+      </a:lightRig>
+    </dgm:scene3d>
+    <dgm:sp3d z="-70000" extrusionH="63500" prstMaterial="matte">
+      <a:bevelT w="25400" h="6350" prst="relaxedInset"/>
+      <a:contourClr>
+        <a:schemeClr val="bg1"/>
+      </a:contourClr>
+    </dgm:sp3d>
+    <dgm:txPr/>
+    <dgm:style>
+      <a:lnRef idx="0">
+        <a:scrgbClr r="0" g="0" b="0"/>
+      </a:lnRef>
+      <a:fillRef idx="1">
+        <a:scrgbClr r="0" g="0" b="0"/>
+      </a:fillRef>
+      <a:effectRef idx="2">
+        <a:scrgbClr r="0" g="0" b="0"/>
+      </a:effectRef>
+      <a:fontRef idx="minor">
+        <a:schemeClr val="lt1"/>
+      </a:fontRef>
+    </dgm:style>
+  </dgm:styleLbl>
+  <dgm:styleLbl name="fgSibTrans2D1">
+    <dgm:scene3d>
+      <a:camera prst="orthographicFront"/>
+      <a:lightRig rig="threePt" dir="t">
+        <a:rot lat="0" lon="0" rev="7500000"/>
+      </a:lightRig>
+    </dgm:scene3d>
+    <dgm:sp3d z="152400" extrusionH="63500" prstMaterial="matte">
+      <a:bevelT w="25400" h="6350" prst="relaxedInset"/>
+      <a:contourClr>
+        <a:schemeClr val="bg1"/>
+      </a:contourClr>
+    </dgm:sp3d>
+    <dgm:txPr/>
+    <dgm:style>
+      <a:lnRef idx="0">
+        <a:scrgbClr r="0" g="0" b="0"/>
+      </a:lnRef>
+      <a:fillRef idx="1">
+        <a:scrgbClr r="0" g="0" b="0"/>
+      </a:fillRef>
+      <a:effectRef idx="2">
+        <a:scrgbClr r="0" g="0" b="0"/>
+      </a:effectRef>
+      <a:fontRef idx="minor">
+        <a:schemeClr val="lt1"/>
+      </a:fontRef>
+    </dgm:style>
+  </dgm:styleLbl>
+  <dgm:styleLbl name="bgSibTrans2D1">
+    <dgm:scene3d>
+      <a:camera prst="orthographicFront"/>
+      <a:lightRig rig="threePt" dir="t">
+        <a:rot lat="0" lon="0" rev="7500000"/>
+      </a:lightRig>
+    </dgm:scene3d>
+    <dgm:sp3d z="-152400" extrusionH="63500" prstMaterial="matte">
+      <a:bevelT w="25400" h="6350" prst="relaxedInset"/>
+      <a:contourClr>
+        <a:schemeClr val="bg1"/>
+      </a:contourClr>
+    </dgm:sp3d>
+    <dgm:txPr/>
+    <dgm:style>
+      <a:lnRef idx="0">
+        <a:scrgbClr r="0" g="0" b="0"/>
+      </a:lnRef>
+      <a:fillRef idx="1">
+        <a:scrgbClr r="0" g="0" b="0"/>
+      </a:fillRef>
+      <a:effectRef idx="2">
+        <a:scrgbClr r="0" g="0" b="0"/>
+      </a:effectRef>
+      <a:fontRef idx="minor">
+        <a:schemeClr val="lt1"/>
+      </a:fontRef>
+    </dgm:style>
+  </dgm:styleLbl>
+  <dgm:styleLbl name="sibTrans1D1">
+    <dgm:scene3d>
+      <a:camera prst="orthographicFront"/>
+      <a:lightRig rig="threePt" dir="t">
+        <a:rot lat="0" lon="0" rev="7500000"/>
+      </a:lightRig>
+    </dgm:scene3d>
+    <dgm:sp3d z="-40000" prstMaterial="matte"/>
+    <dgm:txPr/>
+    <dgm:style>
+      <a:lnRef idx="1">
+        <a:scrgbClr r="0" g="0" b="0"/>
+      </a:lnRef>
+      <a:fillRef idx="0">
+        <a:scrgbClr r="0" g="0" b="0"/>
+      </a:fillRef>
+      <a:effectRef idx="0">
+        <a:scrgbClr r="0" g="0" b="0"/>
+      </a:effectRef>
+      <a:fontRef idx="minor"/>
+    </dgm:style>
+  </dgm:styleLbl>
+  <dgm:styleLbl name="callout">
+    <dgm:scene3d>
+      <a:camera prst="orthographicFront"/>
+      <a:lightRig rig="threePt" dir="t">
+        <a:rot lat="0" lon="0" rev="7500000"/>
+      </a:lightRig>
+    </dgm:scene3d>
+    <dgm:sp3d z="127000" prstMaterial="matte"/>
+    <dgm:txPr/>
+    <dgm:style>
+      <a:lnRef idx="2">
+        <a:scrgbClr r="0" g="0" b="0"/>
+      </a:lnRef>
+      <a:fillRef idx="1">
+        <a:scrgbClr r="0" g="0" b="0"/>
+      </a:fillRef>
+      <a:effectRef idx="0">
+        <a:scrgbClr r="0" g="0" b="0"/>
+      </a:effectRef>
+      <a:fontRef idx="minor"/>
+    </dgm:style>
+  </dgm:styleLbl>
+  <dgm:styleLbl name="asst0">
+    <dgm:scene3d>
+      <a:camera prst="orthographicFront"/>
+      <a:lightRig rig="threePt" dir="t">
+        <a:rot lat="0" lon="0" rev="7500000"/>
+      </a:lightRig>
+    </dgm:scene3d>
+    <dgm:sp3d prstMaterial="plastic">
+      <a:bevelT w="127000" h="25400" prst="relaxedInset"/>
+    </dgm:sp3d>
+    <dgm:txPr/>
+    <dgm:style>
+      <a:lnRef idx="0">
+        <a:scrgbClr r="0" g="0" b="0"/>
+      </a:lnRef>
+      <a:fillRef idx="3">
+        <a:scrgbClr r="0" g="0" b="0"/>
+      </a:fillRef>
+      <a:effectRef idx="2">
+        <a:scrgbClr r="0" g="0" b="0"/>
+      </a:effectRef>
+      <a:fontRef idx="minor">
+        <a:schemeClr val="lt1"/>
+      </a:fontRef>
+    </dgm:style>
+  </dgm:styleLbl>
+  <dgm:styleLbl name="asst1">
+    <dgm:scene3d>
+      <a:camera prst="orthographicFront"/>
+      <a:lightRig rig="threePt" dir="t">
+        <a:rot lat="0" lon="0" rev="7500000"/>
+      </a:lightRig>
+    </dgm:scene3d>
+    <dgm:sp3d prstMaterial="plastic">
+      <a:bevelT w="127000" h="25400" prst="relaxedInset"/>
+    </dgm:sp3d>
+    <dgm:txPr/>
+    <dgm:style>
+      <a:lnRef idx="0">
+        <a:scrgbClr r="0" g="0" b="0"/>
+      </a:lnRef>
+      <a:fillRef idx="3">
+        <a:scrgbClr r="0" g="0" b="0"/>
+      </a:fillRef>
+      <a:effectRef idx="2">
+        <a:scrgbClr r="0" g="0" b="0"/>
+      </a:effectRef>
+      <a:fontRef idx="minor">
+        <a:schemeClr val="lt1"/>
+      </a:fontRef>
+    </dgm:style>
+  </dgm:styleLbl>
+  <dgm:styleLbl name="asst2">
+    <dgm:scene3d>
+      <a:camera prst="orthographicFront"/>
+      <a:lightRig rig="threePt" dir="t">
+        <a:rot lat="0" lon="0" rev="7500000"/>
+      </a:lightRig>
+    </dgm:scene3d>
+    <dgm:sp3d prstMaterial="plastic">
+      <a:bevelT w="127000" h="25400" prst="relaxedInset"/>
+    </dgm:sp3d>
+    <dgm:txPr/>
+    <dgm:style>
+      <a:lnRef idx="0">
+        <a:scrgbClr r="0" g="0" b="0"/>
+      </a:lnRef>
+      <a:fillRef idx="3">
+        <a:scrgbClr r="0" g="0" b="0"/>
+      </a:fillRef>
+      <a:effectRef idx="2">
+        <a:scrgbClr r="0" g="0" b="0"/>
+      </a:effectRef>
+      <a:fontRef idx="minor">
+        <a:schemeClr val="lt1"/>
+      </a:fontRef>
+    </dgm:style>
+  </dgm:styleLbl>
+  <dgm:styleLbl name="asst3">
+    <dgm:scene3d>
+      <a:camera prst="orthographicFront"/>
+      <a:lightRig rig="threePt" dir="t">
+        <a:rot lat="0" lon="0" rev="7500000"/>
+      </a:lightRig>
+    </dgm:scene3d>
+    <dgm:sp3d prstMaterial="plastic">
+      <a:bevelT w="127000" h="25400" prst="relaxedInset"/>
+    </dgm:sp3d>
+    <dgm:txPr/>
+    <dgm:style>
+      <a:lnRef idx="0">
+        <a:scrgbClr r="0" g="0" b="0"/>
+      </a:lnRef>
+      <a:fillRef idx="3">
+        <a:scrgbClr r="0" g="0" b="0"/>
+      </a:fillRef>
+      <a:effectRef idx="2">
+        <a:scrgbClr r="0" g="0" b="0"/>
+      </a:effectRef>
+      <a:fontRef idx="minor">
+        <a:schemeClr val="lt1"/>
+      </a:fontRef>
+    </dgm:style>
+  </dgm:styleLbl>
+  <dgm:styleLbl name="parChTrans2D1">
+    <dgm:scene3d>
+      <a:camera prst="orthographicFront"/>
+      <a:lightRig rig="threePt" dir="t">
+        <a:rot lat="0" lon="0" rev="7500000"/>
+      </a:lightRig>
+    </dgm:scene3d>
+    <dgm:sp3d extrusionH="63500" prstMaterial="matte">
+      <a:bevelT w="50800" h="19050" prst="relaxedInset"/>
+      <a:contourClr>
+        <a:schemeClr val="bg1"/>
+      </a:contourClr>
+    </dgm:sp3d>
+    <dgm:txPr/>
+    <dgm:style>
+      <a:lnRef idx="0">
+        <a:scrgbClr r="0" g="0" b="0"/>
+      </a:lnRef>
+      <a:fillRef idx="1">
+        <a:scrgbClr r="0" g="0" b="0"/>
+      </a:fillRef>
+      <a:effectRef idx="2">
+        <a:scrgbClr r="0" g="0" b="0"/>
+      </a:effectRef>
+      <a:fontRef idx="minor">
+        <a:schemeClr val="lt1"/>
+      </a:fontRef>
+    </dgm:style>
+  </dgm:styleLbl>
+  <dgm:styleLbl name="parChTrans2D2">
+    <dgm:scene3d>
+      <a:camera prst="orthographicFront"/>
+      <a:lightRig rig="threePt" dir="t">
+        <a:rot lat="0" lon="0" rev="7500000"/>
+      </a:lightRig>
+    </dgm:scene3d>
+    <dgm:sp3d extrusionH="63500" prstMaterial="matte">
+      <a:bevelT w="50800" h="19050" prst="relaxedInset"/>
+      <a:contourClr>
+        <a:schemeClr val="bg1"/>
+      </a:contourClr>
+    </dgm:sp3d>
+    <dgm:txPr/>
+    <dgm:style>
+      <a:lnRef idx="0">
+        <a:scrgbClr r="0" g="0" b="0"/>
+      </a:lnRef>
+      <a:fillRef idx="1">
+        <a:scrgbClr r="0" g="0" b="0"/>
+      </a:fillRef>
+      <a:effectRef idx="0">
+        <a:scrgbClr r="0" g="0" b="0"/>
+      </a:effectRef>
+      <a:fontRef idx="minor">
+        <a:schemeClr val="lt1"/>
+      </a:fontRef>
+    </dgm:style>
+  </dgm:styleLbl>
+  <dgm:styleLbl name="parChTrans2D3">
+    <dgm:scene3d>
+      <a:camera prst="orthographicFront"/>
+      <a:lightRig rig="threePt" dir="t">
+        <a:rot lat="0" lon="0" rev="7500000"/>
+      </a:lightRig>
+    </dgm:scene3d>
+    <dgm:sp3d z="60000" prstMaterial="flat">
+      <a:bevelT w="120900" h="88900"/>
+    </dgm:sp3d>
+    <dgm:txPr/>
+    <dgm:style>
+      <a:lnRef idx="0">
+        <a:scrgbClr r="0" g="0" b="0"/>
+      </a:lnRef>
+      <a:fillRef idx="3">
+        <a:scrgbClr r="0" g="0" b="0"/>
+      </a:fillRef>
+      <a:effectRef idx="1">
+        <a:scrgbClr r="0" g="0" b="0"/>
+      </a:effectRef>
+      <a:fontRef idx="minor">
+        <a:schemeClr val="lt1"/>
+      </a:fontRef>
+    </dgm:style>
+  </dgm:styleLbl>
+  <dgm:styleLbl name="parChTrans2D4">
+    <dgm:scene3d>
+      <a:camera prst="orthographicFront"/>
+      <a:lightRig rig="threePt" dir="t">
+        <a:rot lat="0" lon="0" rev="7500000"/>
+      </a:lightRig>
+    </dgm:scene3d>
+    <dgm:sp3d z="60000" prstMaterial="flat">
+      <a:bevelT w="120900" h="88900"/>
+    </dgm:sp3d>
+    <dgm:txPr/>
+    <dgm:style>
+      <a:lnRef idx="0">
+        <a:scrgbClr r="0" g="0" b="0"/>
+      </a:lnRef>
+      <a:fillRef idx="3">
+        <a:scrgbClr r="0" g="0" b="0"/>
+      </a:fillRef>
+      <a:effectRef idx="1">
+        <a:scrgbClr r="0" g="0" b="0"/>
+      </a:effectRef>
+      <a:fontRef idx="minor">
+        <a:schemeClr val="lt1"/>
+      </a:fontRef>
+    </dgm:style>
+  </dgm:styleLbl>
+  <dgm:styleLbl name="parChTrans1D1">
+    <dgm:scene3d>
+      <a:camera prst="orthographicFront"/>
+      <a:lightRig rig="threePt" dir="t">
+        <a:rot lat="0" lon="0" rev="7500000"/>
+      </a:lightRig>
+    </dgm:scene3d>
+    <dgm:sp3d z="-40000" prstMaterial="matte"/>
+    <dgm:txPr/>
+    <dgm:style>
+      <a:lnRef idx="2">
+        <a:scrgbClr r="0" g="0" b="0"/>
+      </a:lnRef>
+      <a:fillRef idx="0">
+        <a:scrgbClr r="0" g="0" b="0"/>
+      </a:fillRef>
+      <a:effectRef idx="0">
+        <a:scrgbClr r="0" g="0" b="0"/>
+      </a:effectRef>
+      <a:fontRef idx="minor"/>
+    </dgm:style>
+  </dgm:styleLbl>
+  <dgm:styleLbl name="parChTrans1D2">
+    <dgm:scene3d>
+      <a:camera prst="orthographicFront"/>
+      <a:lightRig rig="threePt" dir="t">
+        <a:rot lat="0" lon="0" rev="7500000"/>
+      </a:lightRig>
+    </dgm:scene3d>
+    <dgm:sp3d z="-40000" prstMaterial="matte"/>
+    <dgm:txPr/>
+    <dgm:style>
+      <a:lnRef idx="2">
+        <a:scrgbClr r="0" g="0" b="0"/>
+      </a:lnRef>
+      <a:fillRef idx="0">
+        <a:scrgbClr r="0" g="0" b="0"/>
+      </a:fillRef>
+      <a:effectRef idx="0">
+        <a:scrgbClr r="0" g="0" b="0"/>
+      </a:effectRef>
+      <a:fontRef idx="minor"/>
+    </dgm:style>
+  </dgm:styleLbl>
+  <dgm:styleLbl name="parChTrans1D3">
+    <dgm:scene3d>
+      <a:camera prst="orthographicFront"/>
+      <a:lightRig rig="threePt" dir="t">
+        <a:rot lat="0" lon="0" rev="7500000"/>
+      </a:lightRig>
+    </dgm:scene3d>
+    <dgm:sp3d z="-40000" prstMaterial="matte"/>
+    <dgm:txPr/>
+    <dgm:style>
+      <a:lnRef idx="2">
+        <a:scrgbClr r="0" g="0" b="0"/>
+      </a:lnRef>
+      <a:fillRef idx="0">
+        <a:scrgbClr r="0" g="0" b="0"/>
+      </a:fillRef>
+      <a:effectRef idx="0">
+        <a:scrgbClr r="0" g="0" b="0"/>
+      </a:effectRef>
+      <a:fontRef idx="minor"/>
+    </dgm:style>
+  </dgm:styleLbl>
+  <dgm:styleLbl name="parChTrans1D4">
+    <dgm:scene3d>
+      <a:camera prst="orthographicFront"/>
+      <a:lightRig rig="threePt" dir="t">
+        <a:rot lat="0" lon="0" rev="7500000"/>
+      </a:lightRig>
+    </dgm:scene3d>
+    <dgm:sp3d z="-40000" prstMaterial="matte"/>
+    <dgm:txPr/>
+    <dgm:style>
+      <a:lnRef idx="2">
+        <a:scrgbClr r="0" g="0" b="0"/>
+      </a:lnRef>
+      <a:fillRef idx="0">
+        <a:scrgbClr r="0" g="0" b="0"/>
+      </a:fillRef>
+      <a:effectRef idx="0">
+        <a:scrgbClr r="0" g="0" b="0"/>
+      </a:effectRef>
+      <a:fontRef idx="minor"/>
+    </dgm:style>
+  </dgm:styleLbl>
+  <dgm:styleLbl name="fgAcc1">
+    <dgm:scene3d>
+      <a:camera prst="orthographicFront"/>
+      <a:lightRig rig="threePt" dir="t">
+        <a:rot lat="0" lon="0" rev="7500000"/>
+      </a:lightRig>
+    </dgm:scene3d>
+    <dgm:sp3d z="152400" extrusionH="63500" prstMaterial="dkEdge">
+      <a:bevelT w="135400" h="16350" prst="relaxedInset"/>
+      <a:contourClr>
+        <a:schemeClr val="bg1"/>
+      </a:contourClr>
+    </dgm:sp3d>
+    <dgm:txPr/>
+    <dgm:style>
+      <a:lnRef idx="1">
+        <a:scrgbClr r="0" g="0" b="0"/>
+      </a:lnRef>
+      <a:fillRef idx="1">
+        <a:scrgbClr r="0" g="0" b="0"/>
+      </a:fillRef>
+      <a:effectRef idx="2">
+        <a:scrgbClr r="0" g="0" b="0"/>
+      </a:effectRef>
+      <a:fontRef idx="minor"/>
+    </dgm:style>
+  </dgm:styleLbl>
+  <dgm:styleLbl name="conFgAcc1">
+    <dgm:scene3d>
+      <a:camera prst="orthographicFront"/>
+      <a:lightRig rig="threePt" dir="t">
+        <a:rot lat="0" lon="0" rev="7500000"/>
+      </a:lightRig>
+    </dgm:scene3d>
+    <dgm:sp3d z="152400" extrusionH="63500" prstMaterial="dkEdge">
+      <a:bevelT w="135400" h="16350" prst="relaxedInset"/>
+      <a:contourClr>
+        <a:schemeClr val="bg1"/>
+      </a:contourClr>
+    </dgm:sp3d>
+    <dgm:txPr/>
+    <dgm:style>
+      <a:lnRef idx="1">
+        <a:scrgbClr r="0" g="0" b="0"/>
+      </a:lnRef>
+      <a:fillRef idx="1">
+        <a:scrgbClr r="0" g="0" b="0"/>
+      </a:fillRef>
+      <a:effectRef idx="2">
+        <a:scrgbClr r="0" g="0" b="0"/>
+      </a:effectRef>
+      <a:fontRef idx="minor"/>
+    </dgm:style>
+  </dgm:styleLbl>
+  <dgm:styleLbl name="alignAcc1">
+    <dgm:scene3d>
+      <a:camera prst="orthographicFront"/>
+      <a:lightRig rig="threePt" dir="t">
+        <a:rot lat="0" lon="0" rev="7500000"/>
+      </a:lightRig>
+    </dgm:scene3d>
+    <dgm:sp3d extrusionH="190500" prstMaterial="dkEdge">
+      <a:bevelT w="135400" h="16350" prst="relaxedInset"/>
+      <a:contourClr>
+        <a:schemeClr val="bg1"/>
+      </a:contourClr>
+    </dgm:sp3d>
+    <dgm:txPr/>
+    <dgm:style>
+      <a:lnRef idx="1">
+        <a:scrgbClr r="0" g="0" b="0"/>
+      </a:lnRef>
+      <a:fillRef idx="1">
+        <a:scrgbClr r="0" g="0" b="0"/>
+      </a:fillRef>
+      <a:effectRef idx="2">
+        <a:scrgbClr r="0" g="0" b="0"/>
+      </a:effectRef>
+      <a:fontRef idx="minor"/>
+    </dgm:style>
+  </dgm:styleLbl>
+  <dgm:styleLbl name="trAlignAcc1">
+    <dgm:scene3d>
+      <a:camera prst="orthographicFront"/>
+      <a:lightRig rig="threePt" dir="t">
+        <a:rot lat="0" lon="0" rev="7500000"/>
+      </a:lightRig>
+    </dgm:scene3d>
+    <dgm:sp3d prstMaterial="plastic">
+      <a:bevelT w="127000" h="35400"/>
+    </dgm:sp3d>
+    <dgm:txPr/>
+    <dgm:style>
+      <a:lnRef idx="1">
+        <a:scrgbClr r="0" g="0" b="0"/>
+      </a:lnRef>
+      <a:fillRef idx="1">
+        <a:scrgbClr r="0" g="0" b="0"/>
+      </a:fillRef>
+      <a:effectRef idx="2">
+        <a:scrgbClr r="0" g="0" b="0"/>
+      </a:effectRef>
+      <a:fontRef idx="minor">
+        <a:schemeClr val="lt1"/>
+      </a:fontRef>
+    </dgm:style>
+  </dgm:styleLbl>
+  <dgm:styleLbl name="bgAcc1">
+    <dgm:scene3d>
+      <a:camera prst="orthographicFront"/>
+      <a:lightRig rig="threePt" dir="t">
+        <a:rot lat="0" lon="0" rev="7500000"/>
+      </a:lightRig>
+    </dgm:scene3d>
+    <dgm:sp3d z="-152400" extrusionH="63500" prstMaterial="dkEdge">
+      <a:bevelT w="124450" h="16350" prst="relaxedInset"/>
+      <a:contourClr>
+        <a:schemeClr val="bg1"/>
+      </a:contourClr>
+    </dgm:sp3d>
+    <dgm:txPr/>
+    <dgm:style>
+      <a:lnRef idx="1">
+        <a:scrgbClr r="0" g="0" b="0"/>
+      </a:lnRef>
+      <a:fillRef idx="1">
+        <a:scrgbClr r="0" g="0" b="0"/>
+      </a:fillRef>
+      <a:effectRef idx="0">
+        <a:scrgbClr r="0" g="0" b="0"/>
+      </a:effectRef>
+      <a:fontRef idx="minor"/>
+    </dgm:style>
+  </dgm:styleLbl>
+  <dgm:styleLbl name="solidFgAcc1">
+    <dgm:scene3d>
+      <a:camera prst="orthographicFront"/>
+      <a:lightRig rig="threePt" dir="t">
+        <a:rot lat="0" lon="0" rev="7500000"/>
+      </a:lightRig>
+    </dgm:scene3d>
+    <dgm:sp3d z="152400" extrusionH="63500" prstMaterial="dkEdge">
+      <a:bevelT w="120800" h="19050" prst="relaxedInset"/>
+      <a:contourClr>
+        <a:schemeClr val="bg1"/>
+      </a:contourClr>
+    </dgm:sp3d>
+    <dgm:txPr/>
+    <dgm:style>
+      <a:lnRef idx="1">
+        <a:scrgbClr r="0" g="0" b="0"/>
+      </a:lnRef>
+      <a:fillRef idx="1">
+        <a:scrgbClr r="0" g="0" b="0"/>
+      </a:fillRef>
+      <a:effectRef idx="2">
+        <a:scrgbClr r="0" g="0" b="0"/>
+      </a:effectRef>
+      <a:fontRef idx="minor"/>
+    </dgm:style>
+  </dgm:styleLbl>
+  <dgm:styleLbl name="solidAlignAcc1">
+    <dgm:scene3d>
+      <a:camera prst="orthographicFront"/>
+      <a:lightRig rig="threePt" dir="t">
+        <a:rot lat="0" lon="0" rev="7500000"/>
+      </a:lightRig>
+    </dgm:scene3d>
+    <dgm:sp3d extrusionH="190500" prstMaterial="dkEdge">
+      <a:bevelT w="120650" h="38100" prst="relaxedInset"/>
+      <a:contourClr>
+        <a:schemeClr val="bg1"/>
+      </a:contourClr>
+    </dgm:sp3d>
+    <dgm:txPr/>
+    <dgm:style>
+      <a:lnRef idx="1">
+        <a:scrgbClr r="0" g="0" b="0"/>
+      </a:lnRef>
+      <a:fillRef idx="1">
+        <a:scrgbClr r="0" g="0" b="0"/>
+      </a:fillRef>
+      <a:effectRef idx="2">
+        <a:scrgbClr r="0" g="0" b="0"/>
+      </a:effectRef>
+      <a:fontRef idx="minor"/>
+    </dgm:style>
+  </dgm:styleLbl>
+  <dgm:styleLbl name="solidBgAcc1">
+    <dgm:scene3d>
+      <a:camera prst="orthographicFront"/>
+      <a:lightRig rig="threePt" dir="t">
+        <a:rot lat="0" lon="0" rev="7500000"/>
+      </a:lightRig>
+    </dgm:scene3d>
+    <dgm:sp3d z="-152400" extrusionH="63500" prstMaterial="dkEdge">
+      <a:bevelT w="144450" h="36350" prst="relaxedInset"/>
+      <a:contourClr>
+        <a:schemeClr val="bg1"/>
+      </a:contourClr>
+    </dgm:sp3d>
+    <dgm:txPr/>
+    <dgm:style>
+      <a:lnRef idx="1">
+        <a:scrgbClr r="0" g="0" b="0"/>
+      </a:lnRef>
+      <a:fillRef idx="1">
+        <a:scrgbClr r="0" g="0" b="0"/>
+      </a:fillRef>
+      <a:effectRef idx="0">
+        <a:scrgbClr r="0" g="0" b="0"/>
+      </a:effectRef>
+      <a:fontRef idx="minor"/>
+    </dgm:style>
+  </dgm:styleLbl>
+  <dgm:styleLbl name="fgAccFollowNode1">
+    <dgm:scene3d>
+      <a:camera prst="orthographicFront"/>
+      <a:lightRig rig="threePt" dir="t">
+        <a:rot lat="0" lon="0" rev="7500000"/>
+      </a:lightRig>
+    </dgm:scene3d>
+    <dgm:sp3d z="152400" extrusionH="63500" prstMaterial="dkEdge">
+      <a:bevelT w="125400" h="36350" prst="relaxedInset"/>
+      <a:contourClr>
+        <a:schemeClr val="bg1"/>
+      </a:contourClr>
+    </dgm:sp3d>
+    <dgm:txPr/>
+    <dgm:style>
+      <a:lnRef idx="1">
+        <a:scrgbClr r="0" g="0" b="0"/>
+      </a:lnRef>
+      <a:fillRef idx="1">
+        <a:scrgbClr r="0" g="0" b="0"/>
+      </a:fillRef>
+      <a:effectRef idx="0">
+        <a:scrgbClr r="0" g="0" b="0"/>
+      </a:effectRef>
+      <a:fontRef idx="minor"/>
+    </dgm:style>
+  </dgm:styleLbl>
+  <dgm:styleLbl name="alignAccFollowNode1">
+    <dgm:scene3d>
+      <a:camera prst="orthographicFront"/>
+      <a:lightRig rig="threePt" dir="t">
+        <a:rot lat="0" lon="0" rev="7500000"/>
+      </a:lightRig>
+    </dgm:scene3d>
+    <dgm:sp3d extrusionH="190500" prstMaterial="dkEdge">
+      <a:bevelT w="120650" h="38100" prst="relaxedInset"/>
+      <a:bevelB w="120650" h="57150" prst="relaxedInset"/>
+      <a:contourClr>
+        <a:schemeClr val="bg1"/>
+      </a:contourClr>
+    </dgm:sp3d>
+    <dgm:txPr/>
+    <dgm:style>
+      <a:lnRef idx="1">
+        <a:scrgbClr r="0" g="0" b="0"/>
+      </a:lnRef>
+      <a:fillRef idx="1">
+        <a:scrgbClr r="0" g="0" b="0"/>
+      </a:fillRef>
+      <a:effectRef idx="2">
+        <a:scrgbClr r="0" g="0" b="0"/>
+      </a:effectRef>
+      <a:fontRef idx="minor"/>
+    </dgm:style>
+  </dgm:styleLbl>
+  <dgm:styleLbl name="bgAccFollowNode1">
+    <dgm:scene3d>
+      <a:camera prst="orthographicFront"/>
+      <a:lightRig rig="threePt" dir="t">
+        <a:rot lat="0" lon="0" rev="7500000"/>
+      </a:lightRig>
+    </dgm:scene3d>
+    <dgm:sp3d z="-152400" extrusionH="63500" prstMaterial="dkEdge">
+      <a:bevelT w="144450" h="36350" prst="relaxedInset"/>
+      <a:contourClr>
+        <a:schemeClr val="bg1"/>
+      </a:contourClr>
+    </dgm:sp3d>
+    <dgm:txPr/>
+    <dgm:style>
+      <a:lnRef idx="1">
+        <a:scrgbClr r="0" g="0" b="0"/>
+      </a:lnRef>
+      <a:fillRef idx="1">
+        <a:scrgbClr r="0" g="0" b="0"/>
+      </a:fillRef>
+      <a:effectRef idx="2">
+        <a:scrgbClr r="0" g="0" b="0"/>
+      </a:effectRef>
+      <a:fontRef idx="minor"/>
+    </dgm:style>
+  </dgm:styleLbl>
+  <dgm:styleLbl name="fgAcc0">
+    <dgm:scene3d>
+      <a:camera prst="orthographicFront"/>
+      <a:lightRig rig="threePt" dir="t">
+        <a:rot lat="0" lon="0" rev="7500000"/>
+      </a:lightRig>
+    </dgm:scene3d>
+    <dgm:sp3d z="152400" extrusionH="63500" prstMaterial="dkEdge">
+      <a:bevelT w="125400" h="36350" prst="relaxedInset"/>
+      <a:contourClr>
+        <a:schemeClr val="bg1"/>
+      </a:contourClr>
+    </dgm:sp3d>
+    <dgm:txPr/>
+    <dgm:style>
+      <a:lnRef idx="1">
+        <a:scrgbClr r="0" g="0" b="0"/>
+      </a:lnRef>
+      <a:fillRef idx="1">
+        <a:scrgbClr r="0" g="0" b="0"/>
+      </a:fillRef>
+      <a:effectRef idx="2">
+        <a:scrgbClr r="0" g="0" b="0"/>
+      </a:effectRef>
+      <a:fontRef idx="minor"/>
+    </dgm:style>
+  </dgm:styleLbl>
+  <dgm:styleLbl name="fgAcc2">
+    <dgm:scene3d>
+      <a:camera prst="orthographicFront"/>
+      <a:lightRig rig="threePt" dir="t">
+        <a:rot lat="0" lon="0" rev="7500000"/>
+      </a:lightRig>
+    </dgm:scene3d>
+    <dgm:sp3d z="152400" extrusionH="63500" prstMaterial="dkEdge">
+      <a:bevelT w="125400" h="36350" prst="relaxedInset"/>
+      <a:contourClr>
+        <a:schemeClr val="bg1"/>
+      </a:contourClr>
+    </dgm:sp3d>
+    <dgm:txPr/>
+    <dgm:style>
+      <a:lnRef idx="1">
+        <a:scrgbClr r="0" g="0" b="0"/>
+      </a:lnRef>
+      <a:fillRef idx="1">
+        <a:scrgbClr r="0" g="0" b="0"/>
+      </a:fillRef>
+      <a:effectRef idx="2">
+        <a:scrgbClr r="0" g="0" b="0"/>
+      </a:effectRef>
+      <a:fontRef idx="minor"/>
+    </dgm:style>
+  </dgm:styleLbl>
+  <dgm:styleLbl name="fgAcc3">
+    <dgm:scene3d>
+      <a:camera prst="orthographicFront"/>
+      <a:lightRig rig="threePt" dir="t">
+        <a:rot lat="0" lon="0" rev="7500000"/>
+      </a:lightRig>
+    </dgm:scene3d>
+    <dgm:sp3d z="152400" extrusionH="63500" prstMaterial="dkEdge">
+      <a:bevelT w="125400" h="36350" prst="relaxedInset"/>
+      <a:contourClr>
+        <a:schemeClr val="bg1"/>
+      </a:contourClr>
+    </dgm:sp3d>
+    <dgm:txPr/>
+    <dgm:style>
+      <a:lnRef idx="1">
+        <a:scrgbClr r="0" g="0" b="0"/>
+      </a:lnRef>
+      <a:fillRef idx="1">
+        <a:scrgbClr r="0" g="0" b="0"/>
+      </a:fillRef>
+      <a:effectRef idx="2">
+        <a:scrgbClr r="0" g="0" b="0"/>
+      </a:effectRef>
+      <a:fontRef idx="minor"/>
+    </dgm:style>
+  </dgm:styleLbl>
+  <dgm:styleLbl name="fgAcc4">
+    <dgm:scene3d>
+      <a:camera prst="orthographicFront"/>
+      <a:lightRig rig="threePt" dir="t">
+        <a:rot lat="0" lon="0" rev="7500000"/>
+      </a:lightRig>
+    </dgm:scene3d>
+    <dgm:sp3d z="152400" extrusionH="63500" prstMaterial="dkEdge">
+      <a:bevelT w="125400" h="36350" prst="relaxedInset"/>
+      <a:contourClr>
+        <a:schemeClr val="bg1"/>
+      </a:contourClr>
+    </dgm:sp3d>
+    <dgm:txPr/>
+    <dgm:style>
+      <a:lnRef idx="1">
+        <a:scrgbClr r="0" g="0" b="0"/>
+      </a:lnRef>
+      <a:fillRef idx="1">
+        <a:scrgbClr r="0" g="0" b="0"/>
+      </a:fillRef>
+      <a:effectRef idx="2">
+        <a:scrgbClr r="0" g="0" b="0"/>
+      </a:effectRef>
+      <a:fontRef idx="minor"/>
+    </dgm:style>
+  </dgm:styleLbl>
+  <dgm:styleLbl name="bgShp">
+    <dgm:scene3d>
+      <a:camera prst="orthographicFront"/>
+      <a:lightRig rig="threePt" dir="t">
+        <a:rot lat="0" lon="0" rev="7500000"/>
+      </a:lightRig>
+    </dgm:scene3d>
+    <dgm:sp3d z="-152400" extrusionH="63500" prstMaterial="matte">
+      <a:bevelT w="144450" h="6350" prst="relaxedInset"/>
+      <a:contourClr>
+        <a:schemeClr val="bg1"/>
+      </a:contourClr>
+    </dgm:sp3d>
+    <dgm:txPr/>
+    <dgm:style>
+      <a:lnRef idx="0">
+        <a:scrgbClr r="0" g="0" b="0"/>
+      </a:lnRef>
+      <a:fillRef idx="3">
+        <a:scrgbClr r="0" g="0" b="0"/>
+      </a:fillRef>
+      <a:effectRef idx="0">
+        <a:scrgbClr r="0" g="0" b="0"/>
+      </a:effectRef>
+      <a:fontRef idx="minor"/>
+    </dgm:style>
+  </dgm:styleLbl>
+  <dgm:styleLbl name="dkBgShp">
+    <dgm:scene3d>
+      <a:camera prst="orthographicFront"/>
+      <a:lightRig rig="threePt" dir="t">
+        <a:rot lat="0" lon="0" rev="7500000"/>
+      </a:lightRig>
+    </dgm:scene3d>
+    <dgm:sp3d prstMaterial="plastic">
+      <a:bevelT w="127000" h="25400" prst="relaxedInset"/>
+      <a:bevelB w="88900" h="121750" prst="angle"/>
+    </dgm:sp3d>
+    <dgm:txPr/>
+    <dgm:style>
+      <a:lnRef idx="0">
+        <a:scrgbClr r="0" g="0" b="0"/>
+      </a:lnRef>
+      <a:fillRef idx="1">
+        <a:scrgbClr r="0" g="0" b="0"/>
+      </a:fillRef>
+      <a:effectRef idx="2">
+        <a:scrgbClr r="0" g="0" b="0"/>
+      </a:effectRef>
+      <a:fontRef idx="minor">
+        <a:schemeClr val="lt1"/>
+      </a:fontRef>
+    </dgm:style>
+  </dgm:styleLbl>
+  <dgm:styleLbl name="trBgShp">
+    <dgm:scene3d>
+      <a:camera prst="orthographicFront"/>
+      <a:lightRig rig="threePt" dir="t"/>
+    </dgm:scene3d>
+    <dgm:sp3d z="-152400" prstMaterial="matte"/>
+    <dgm:txPr/>
+    <dgm:style>
+      <a:lnRef idx="0">
+        <a:scrgbClr r="0" g="0" b="0"/>
+      </a:lnRef>
+      <a:fillRef idx="1">
+        <a:scrgbClr r="0" g="0" b="0"/>
+      </a:fillRef>
+      <a:effectRef idx="0">
+        <a:scrgbClr r="0" g="0" b="0"/>
+      </a:effectRef>
+      <a:fontRef idx="minor"/>
+    </dgm:style>
+  </dgm:styleLbl>
+  <dgm:styleLbl name="fgShp">
+    <dgm:scene3d>
+      <a:camera prst="orthographicFront"/>
+      <a:lightRig rig="threePt" dir="t">
+        <a:rot lat="0" lon="0" rev="7500000"/>
+      </a:lightRig>
+    </dgm:scene3d>
+    <dgm:sp3d z="152400" extrusionH="63500" prstMaterial="matte">
+      <a:bevelT w="50800" h="19050" prst="relaxedInset"/>
+      <a:contourClr>
+        <a:schemeClr val="bg1"/>
+      </a:contourClr>
+    </dgm:sp3d>
+    <dgm:txPr/>
+    <dgm:style>
+      <a:lnRef idx="0">
+        <a:scrgbClr r="0" g="0" b="0"/>
+      </a:lnRef>
+      <a:fillRef idx="1">
+        <a:scrgbClr r="0" g="0" b="0"/>
+      </a:fillRef>
+      <a:effectRef idx="2">
+        <a:scrgbClr r="0" g="0" b="0"/>
+      </a:effectRef>
+      <a:fontRef idx="minor">
+        <a:schemeClr val="lt1"/>
+      </a:fontRef>
+    </dgm:style>
+  </dgm:styleLbl>
+  <dgm:styleLbl name="revTx">
+    <dgm:scene3d>
+      <a:camera prst="orthographicFront"/>
+      <a:lightRig rig="threePt" dir="t"/>
+    </dgm:scene3d>
+    <dgm:sp3d/>
+    <dgm:txPr/>
+    <dgm:style>
+      <a:lnRef idx="0">
+        <a:scrgbClr r="0" g="0" b="0"/>
+      </a:lnRef>
+      <a:fillRef idx="0">
+        <a:scrgbClr r="0" g="0" b="0"/>
+      </a:fillRef>
+      <a:effectRef idx="0">
+        <a:scrgbClr r="0" g="0" b="0"/>
+      </a:effectRef>
+      <a:fontRef idx="minor"/>
+    </dgm:style>
+  </dgm:styleLbl>
+</dgm:styleDef>
+</file>
+
+<file path=ppt/diagrams/quickStyle2.xml><?xml version="1.0" encoding="utf-8"?>
+<dgm:styleDef xmlns:dgm="http://schemas.openxmlformats.org/drawingml/2006/diagram" xmlns:a="http://schemas.openxmlformats.org/drawingml/2006/main" uniqueId="urn:microsoft.com/office/officeart/2005/8/quickstyle/3D2">
+  <dgm:title val=""/>
+  <dgm:desc val=""/>
+  <dgm:catLst>
+    <dgm:cat type="3D" pri="11200"/>
+  </dgm:catLst>
+  <dgm:scene3d>
+    <a:camera prst="orthographicFront"/>
+    <a:lightRig rig="threePt" dir="t"/>
+  </dgm:scene3d>
+  <dgm:styleLbl name="node0">
+    <dgm:scene3d>
+      <a:camera prst="orthographicFront"/>
+      <a:lightRig rig="threePt" dir="t">
+        <a:rot lat="0" lon="0" rev="7500000"/>
+      </a:lightRig>
+    </dgm:scene3d>
+    <dgm:sp3d prstMaterial="plastic">
+      <a:bevelT w="127000" h="25400" prst="relaxedInset"/>
+    </dgm:sp3d>
+    <dgm:txPr/>
+    <dgm:style>
+      <a:lnRef idx="0">
+        <a:scrgbClr r="0" g="0" b="0"/>
+      </a:lnRef>
+      <a:fillRef idx="3">
+        <a:scrgbClr r="0" g="0" b="0"/>
+      </a:fillRef>
+      <a:effectRef idx="2">
+        <a:scrgbClr r="0" g="0" b="0"/>
+      </a:effectRef>
+      <a:fontRef idx="minor">
+        <a:schemeClr val="lt1"/>
+      </a:fontRef>
+    </dgm:style>
+  </dgm:styleLbl>
+  <dgm:styleLbl name="lnNode1">
+    <dgm:scene3d>
+      <a:camera prst="orthographicFront"/>
+      <a:lightRig rig="threePt" dir="t">
+        <a:rot lat="0" lon="0" rev="7500000"/>
+      </a:lightRig>
+    </dgm:scene3d>
+    <dgm:sp3d prstMaterial="plastic">
+      <a:bevelT w="127000" h="25400" prst="relaxedInset"/>
+    </dgm:sp3d>
+    <dgm:txPr/>
+    <dgm:style>
+      <a:lnRef idx="1">
+        <a:scrgbClr r="0" g="0" b="0"/>
+      </a:lnRef>
+      <a:fillRef idx="3">
+        <a:scrgbClr r="0" g="0" b="0"/>
+      </a:fillRef>
+      <a:effectRef idx="2">
+        <a:scrgbClr r="0" g="0" b="0"/>
+      </a:effectRef>
+      <a:fontRef idx="minor">
+        <a:schemeClr val="lt1"/>
+      </a:fontRef>
+    </dgm:style>
+  </dgm:styleLbl>
+  <dgm:styleLbl name="vennNode1">
+    <dgm:scene3d>
+      <a:camera prst="orthographicFront"/>
+      <a:lightRig rig="threePt" dir="t">
+        <a:rot lat="0" lon="0" rev="7500000"/>
+      </a:lightRig>
+    </dgm:scene3d>
+    <dgm:sp3d prstMaterial="plastic">
+      <a:bevelT w="127000" h="25400" prst="relaxedInset"/>
+    </dgm:sp3d>
+    <dgm:txPr/>
+    <dgm:style>
+      <a:lnRef idx="0">
+        <a:scrgbClr r="0" g="0" b="0"/>
+      </a:lnRef>
+      <a:fillRef idx="3">
+        <a:scrgbClr r="0" g="0" b="0"/>
+      </a:fillRef>
+      <a:effectRef idx="2">
+        <a:scrgbClr r="0" g="0" b="0"/>
+      </a:effectRef>
+      <a:fontRef idx="minor">
+        <a:schemeClr val="tx1"/>
+      </a:fontRef>
+    </dgm:style>
+  </dgm:styleLbl>
+  <dgm:styleLbl name="alingNode1">
+    <dgm:scene3d>
+      <a:camera prst="orthographicFront"/>
+      <a:lightRig rig="threePt" dir="t">
+        <a:rot lat="0" lon="0" rev="7500000"/>
+      </a:lightRig>
+    </dgm:scene3d>
+    <dgm:sp3d prstMaterial="plastic">
+      <a:bevelT w="127000" h="25400" prst="relaxedInset"/>
+    </dgm:sp3d>
+    <dgm:txPr/>
+    <dgm:style>
+      <a:lnRef idx="0">
+        <a:scrgbClr r="0" g="0" b="0"/>
+      </a:lnRef>
+      <a:fillRef idx="3">
+        <a:scrgbClr r="0" g="0" b="0"/>
+      </a:fillRef>
+      <a:effectRef idx="2">
+        <a:scrgbClr r="0" g="0" b="0"/>
+      </a:effectRef>
+      <a:fontRef idx="minor">
+        <a:schemeClr val="lt1"/>
+      </a:fontRef>
+    </dgm:style>
+  </dgm:styleLbl>
+  <dgm:styleLbl name="node1">
+    <dgm:scene3d>
+      <a:camera prst="orthographicFront"/>
+      <a:lightRig rig="threePt" dir="t">
+        <a:rot lat="0" lon="0" rev="7500000"/>
+      </a:lightRig>
+    </dgm:scene3d>
+    <dgm:sp3d prstMaterial="plastic">
+      <a:bevelT w="127000" h="25400" prst="relaxedInset"/>
+    </dgm:sp3d>
+    <dgm:txPr/>
+    <dgm:style>
+      <a:lnRef idx="0">
+        <a:scrgbClr r="0" g="0" b="0"/>
+      </a:lnRef>
+      <a:fillRef idx="3">
+        <a:scrgbClr r="0" g="0" b="0"/>
+      </a:fillRef>
+      <a:effectRef idx="2">
+        <a:scrgbClr r="0" g="0" b="0"/>
+      </a:effectRef>
+      <a:fontRef idx="minor">
+        <a:schemeClr val="lt1"/>
+      </a:fontRef>
+    </dgm:style>
+  </dgm:styleLbl>
+  <dgm:styleLbl name="node2">
+    <dgm:scene3d>
+      <a:camera prst="orthographicFront"/>
+      <a:lightRig rig="threePt" dir="t">
+        <a:rot lat="0" lon="0" rev="7500000"/>
+      </a:lightRig>
+    </dgm:scene3d>
+    <dgm:sp3d prstMaterial="plastic">
+      <a:bevelT w="127000" h="25400" prst="relaxedInset"/>
+    </dgm:sp3d>
+    <dgm:txPr/>
+    <dgm:style>
+      <a:lnRef idx="0">
+        <a:scrgbClr r="0" g="0" b="0"/>
+      </a:lnRef>
+      <a:fillRef idx="3">
+        <a:scrgbClr r="0" g="0" b="0"/>
+      </a:fillRef>
+      <a:effectRef idx="2">
+        <a:scrgbClr r="0" g="0" b="0"/>
+      </a:effectRef>
+      <a:fontRef idx="minor">
+        <a:schemeClr val="lt1"/>
+      </a:fontRef>
+    </dgm:style>
+  </dgm:styleLbl>
+  <dgm:styleLbl name="node3">
+    <dgm:scene3d>
+      <a:camera prst="orthographicFront"/>
+      <a:lightRig rig="threePt" dir="t">
+        <a:rot lat="0" lon="0" rev="7500000"/>
+      </a:lightRig>
+    </dgm:scene3d>
+    <dgm:sp3d prstMaterial="plastic">
+      <a:bevelT w="127000" h="25400" prst="relaxedInset"/>
+    </dgm:sp3d>
+    <dgm:txPr/>
+    <dgm:style>
+      <a:lnRef idx="0">
+        <a:scrgbClr r="0" g="0" b="0"/>
+      </a:lnRef>
+      <a:fillRef idx="3">
+        <a:scrgbClr r="0" g="0" b="0"/>
+      </a:fillRef>
+      <a:effectRef idx="2">
+        <a:scrgbClr r="0" g="0" b="0"/>
+      </a:effectRef>
+      <a:fontRef idx="minor">
+        <a:schemeClr val="lt1"/>
+      </a:fontRef>
+    </dgm:style>
+  </dgm:styleLbl>
+  <dgm:styleLbl name="node4">
+    <dgm:scene3d>
+      <a:camera prst="orthographicFront"/>
+      <a:lightRig rig="threePt" dir="t">
+        <a:rot lat="0" lon="0" rev="7500000"/>
+      </a:lightRig>
+    </dgm:scene3d>
+    <dgm:sp3d prstMaterial="plastic">
+      <a:bevelT w="127000" h="25400" prst="relaxedInset"/>
+    </dgm:sp3d>
+    <dgm:txPr/>
+    <dgm:style>
+      <a:lnRef idx="0">
+        <a:scrgbClr r="0" g="0" b="0"/>
+      </a:lnRef>
+      <a:fillRef idx="3">
+        <a:scrgbClr r="0" g="0" b="0"/>
+      </a:fillRef>
+      <a:effectRef idx="2">
+        <a:scrgbClr r="0" g="0" b="0"/>
+      </a:effectRef>
+      <a:fontRef idx="minor">
+        <a:schemeClr val="lt1"/>
+      </a:fontRef>
+    </dgm:style>
+  </dgm:styleLbl>
+  <dgm:styleLbl name="fgImgPlace1">
+    <dgm:scene3d>
+      <a:camera prst="orthographicFront"/>
+      <a:lightRig rig="threePt" dir="t">
+        <a:rot lat="0" lon="0" rev="7500000"/>
+      </a:lightRig>
+    </dgm:scene3d>
+    <dgm:sp3d z="152400" extrusionH="63500" prstMaterial="matte">
+      <a:bevelT w="50800" h="19050" prst="relaxedInset"/>
+      <a:contourClr>
+        <a:schemeClr val="bg1"/>
+      </a:contourClr>
+    </dgm:sp3d>
+    <dgm:txPr/>
+    <dgm:style>
+      <a:lnRef idx="0">
+        <a:scrgbClr r="0" g="0" b="0"/>
+      </a:lnRef>
+      <a:fillRef idx="1">
+        <a:scrgbClr r="0" g="0" b="0"/>
+      </a:fillRef>
+      <a:effectRef idx="0">
+        <a:scrgbClr r="0" g="0" b="0"/>
+      </a:effectRef>
+      <a:fontRef idx="minor"/>
+    </dgm:style>
+  </dgm:styleLbl>
+  <dgm:styleLbl name="alignImgPlace1">
+    <dgm:scene3d>
+      <a:camera prst="orthographicFront"/>
+      <a:lightRig rig="threePt" dir="t">
+        <a:rot lat="0" lon="0" rev="7500000"/>
+      </a:lightRig>
+    </dgm:scene3d>
+    <dgm:sp3d z="254000" extrusionH="63500" contourW="12700" prstMaterial="matte">
+      <a:contourClr>
+        <a:schemeClr val="lt1"/>
+      </a:contourClr>
+    </dgm:sp3d>
+    <dgm:txPr/>
+    <dgm:style>
+      <a:lnRef idx="0">
+        <a:scrgbClr r="0" g="0" b="0"/>
+      </a:lnRef>
+      <a:fillRef idx="1">
+        <a:scrgbClr r="0" g="0" b="0"/>
+      </a:fillRef>
+      <a:effectRef idx="0">
+        <a:scrgbClr r="0" g="0" b="0"/>
+      </a:effectRef>
+      <a:fontRef idx="minor"/>
+    </dgm:style>
+  </dgm:styleLbl>
+  <dgm:styleLbl name="bgImgPlace1">
+    <dgm:scene3d>
+      <a:camera prst="orthographicFront"/>
+      <a:lightRig rig="threePt" dir="t">
+        <a:rot lat="0" lon="0" rev="7500000"/>
+      </a:lightRig>
+    </dgm:scene3d>
+    <dgm:sp3d z="-152400" extrusionH="63500" contourW="12700" prstMaterial="matte">
+      <a:contourClr>
+        <a:schemeClr val="lt1"/>
+      </a:contourClr>
+    </dgm:sp3d>
+    <dgm:txPr/>
+    <dgm:style>
+      <a:lnRef idx="0">
+        <a:scrgbClr r="0" g="0" b="0"/>
+      </a:lnRef>
+      <a:fillRef idx="1">
+        <a:scrgbClr r="0" g="0" b="0"/>
+      </a:fillRef>
+      <a:effectRef idx="0">
+        <a:scrgbClr r="0" g="0" b="0"/>
+      </a:effectRef>
+      <a:fontRef idx="minor"/>
+    </dgm:style>
+  </dgm:styleLbl>
+  <dgm:styleLbl name="sibTrans2D1">
+    <dgm:scene3d>
+      <a:camera prst="orthographicFront"/>
+      <a:lightRig rig="threePt" dir="t">
+        <a:rot lat="0" lon="0" rev="7500000"/>
+      </a:lightRig>
+    </dgm:scene3d>
+    <dgm:sp3d z="-70000" extrusionH="63500" prstMaterial="matte">
+      <a:bevelT w="25400" h="6350" prst="relaxedInset"/>
+      <a:contourClr>
+        <a:schemeClr val="bg1"/>
+      </a:contourClr>
+    </dgm:sp3d>
+    <dgm:txPr/>
+    <dgm:style>
+      <a:lnRef idx="0">
+        <a:scrgbClr r="0" g="0" b="0"/>
+      </a:lnRef>
+      <a:fillRef idx="1">
+        <a:scrgbClr r="0" g="0" b="0"/>
+      </a:fillRef>
+      <a:effectRef idx="2">
+        <a:scrgbClr r="0" g="0" b="0"/>
+      </a:effectRef>
+      <a:fontRef idx="minor">
+        <a:schemeClr val="lt1"/>
+      </a:fontRef>
+    </dgm:style>
+  </dgm:styleLbl>
+  <dgm:styleLbl name="fgSibTrans2D1">
+    <dgm:scene3d>
+      <a:camera prst="orthographicFront"/>
+      <a:lightRig rig="threePt" dir="t">
+        <a:rot lat="0" lon="0" rev="7500000"/>
+      </a:lightRig>
+    </dgm:scene3d>
+    <dgm:sp3d z="152400" extrusionH="63500" prstMaterial="matte">
+      <a:bevelT w="25400" h="6350" prst="relaxedInset"/>
+      <a:contourClr>
+        <a:schemeClr val="bg1"/>
+      </a:contourClr>
+    </dgm:sp3d>
+    <dgm:txPr/>
+    <dgm:style>
+      <a:lnRef idx="0">
+        <a:scrgbClr r="0" g="0" b="0"/>
+      </a:lnRef>
+      <a:fillRef idx="1">
+        <a:scrgbClr r="0" g="0" b="0"/>
+      </a:fillRef>
+      <a:effectRef idx="2">
+        <a:scrgbClr r="0" g="0" b="0"/>
+      </a:effectRef>
+      <a:fontRef idx="minor">
+        <a:schemeClr val="lt1"/>
+      </a:fontRef>
+    </dgm:style>
+  </dgm:styleLbl>
+  <dgm:styleLbl name="bgSibTrans2D1">
+    <dgm:scene3d>
+      <a:camera prst="orthographicFront"/>
+      <a:lightRig rig="threePt" dir="t">
+        <a:rot lat="0" lon="0" rev="7500000"/>
+      </a:lightRig>
+    </dgm:scene3d>
+    <dgm:sp3d z="-152400" extrusionH="63500" prstMaterial="matte">
+      <a:bevelT w="25400" h="6350" prst="relaxedInset"/>
+      <a:contourClr>
+        <a:schemeClr val="bg1"/>
+      </a:contourClr>
+    </dgm:sp3d>
+    <dgm:txPr/>
+    <dgm:style>
+      <a:lnRef idx="0">
+        <a:scrgbClr r="0" g="0" b="0"/>
+      </a:lnRef>
+      <a:fillRef idx="1">
+        <a:scrgbClr r="0" g="0" b="0"/>
+      </a:fillRef>
+      <a:effectRef idx="2">
+        <a:scrgbClr r="0" g="0" b="0"/>
+      </a:effectRef>
+      <a:fontRef idx="minor">
+        <a:schemeClr val="lt1"/>
+      </a:fontRef>
+    </dgm:style>
+  </dgm:styleLbl>
+  <dgm:styleLbl name="sibTrans1D1">
+    <dgm:scene3d>
+      <a:camera prst="orthographicFront"/>
+      <a:lightRig rig="threePt" dir="t">
+        <a:rot lat="0" lon="0" rev="7500000"/>
+      </a:lightRig>
+    </dgm:scene3d>
+    <dgm:sp3d z="-40000" prstMaterial="matte"/>
+    <dgm:txPr/>
+    <dgm:style>
+      <a:lnRef idx="1">
+        <a:scrgbClr r="0" g="0" b="0"/>
+      </a:lnRef>
+      <a:fillRef idx="0">
+        <a:scrgbClr r="0" g="0" b="0"/>
+      </a:fillRef>
+      <a:effectRef idx="0">
+        <a:scrgbClr r="0" g="0" b="0"/>
+      </a:effectRef>
+      <a:fontRef idx="minor"/>
+    </dgm:style>
+  </dgm:styleLbl>
+  <dgm:styleLbl name="callout">
+    <dgm:scene3d>
+      <a:camera prst="orthographicFront"/>
+      <a:lightRig rig="threePt" dir="t">
+        <a:rot lat="0" lon="0" rev="7500000"/>
+      </a:lightRig>
+    </dgm:scene3d>
+    <dgm:sp3d z="127000" prstMaterial="matte"/>
+    <dgm:txPr/>
+    <dgm:style>
+      <a:lnRef idx="2">
+        <a:scrgbClr r="0" g="0" b="0"/>
+      </a:lnRef>
+      <a:fillRef idx="1">
+        <a:scrgbClr r="0" g="0" b="0"/>
+      </a:fillRef>
+      <a:effectRef idx="0">
+        <a:scrgbClr r="0" g="0" b="0"/>
+      </a:effectRef>
+      <a:fontRef idx="minor"/>
+    </dgm:style>
+  </dgm:styleLbl>
+  <dgm:styleLbl name="asst0">
+    <dgm:scene3d>
+      <a:camera prst="orthographicFront"/>
+      <a:lightRig rig="threePt" dir="t">
+        <a:rot lat="0" lon="0" rev="7500000"/>
+      </a:lightRig>
+    </dgm:scene3d>
+    <dgm:sp3d prstMaterial="plastic">
+      <a:bevelT w="127000" h="25400" prst="relaxedInset"/>
+    </dgm:sp3d>
+    <dgm:txPr/>
+    <dgm:style>
+      <a:lnRef idx="0">
+        <a:scrgbClr r="0" g="0" b="0"/>
+      </a:lnRef>
+      <a:fillRef idx="3">
+        <a:scrgbClr r="0" g="0" b="0"/>
+      </a:fillRef>
+      <a:effectRef idx="2">
+        <a:scrgbClr r="0" g="0" b="0"/>
+      </a:effectRef>
+      <a:fontRef idx="minor">
+        <a:schemeClr val="lt1"/>
+      </a:fontRef>
+    </dgm:style>
+  </dgm:styleLbl>
+  <dgm:styleLbl name="asst1">
+    <dgm:scene3d>
+      <a:camera prst="orthographicFront"/>
+      <a:lightRig rig="threePt" dir="t">
+        <a:rot lat="0" lon="0" rev="7500000"/>
+      </a:lightRig>
+    </dgm:scene3d>
+    <dgm:sp3d prstMaterial="plastic">
+      <a:bevelT w="127000" h="25400" prst="relaxedInset"/>
+    </dgm:sp3d>
+    <dgm:txPr/>
+    <dgm:style>
+      <a:lnRef idx="0">
+        <a:scrgbClr r="0" g="0" b="0"/>
+      </a:lnRef>
+      <a:fillRef idx="3">
+        <a:scrgbClr r="0" g="0" b="0"/>
+      </a:fillRef>
+      <a:effectRef idx="2">
+        <a:scrgbClr r="0" g="0" b="0"/>
+      </a:effectRef>
+      <a:fontRef idx="minor">
+        <a:schemeClr val="lt1"/>
+      </a:fontRef>
+    </dgm:style>
+  </dgm:styleLbl>
+  <dgm:styleLbl name="asst2">
+    <dgm:scene3d>
+      <a:camera prst="orthographicFront"/>
+      <a:lightRig rig="threePt" dir="t">
+        <a:rot lat="0" lon="0" rev="7500000"/>
+      </a:lightRig>
+    </dgm:scene3d>
+    <dgm:sp3d prstMaterial="plastic">
+      <a:bevelT w="127000" h="25400" prst="relaxedInset"/>
+    </dgm:sp3d>
+    <dgm:txPr/>
+    <dgm:style>
+      <a:lnRef idx="0">
+        <a:scrgbClr r="0" g="0" b="0"/>
+      </a:lnRef>
+      <a:fillRef idx="3">
+        <a:scrgbClr r="0" g="0" b="0"/>
+      </a:fillRef>
+      <a:effectRef idx="2">
+        <a:scrgbClr r="0" g="0" b="0"/>
+      </a:effectRef>
+      <a:fontRef idx="minor">
+        <a:schemeClr val="lt1"/>
+      </a:fontRef>
+    </dgm:style>
+  </dgm:styleLbl>
+  <dgm:styleLbl name="asst3">
+    <dgm:scene3d>
+      <a:camera prst="orthographicFront"/>
+      <a:lightRig rig="threePt" dir="t">
+        <a:rot lat="0" lon="0" rev="7500000"/>
+      </a:lightRig>
+    </dgm:scene3d>
+    <dgm:sp3d prstMaterial="plastic">
+      <a:bevelT w="127000" h="25400" prst="relaxedInset"/>
+    </dgm:sp3d>
+    <dgm:txPr/>
+    <dgm:style>
+      <a:lnRef idx="0">
+        <a:scrgbClr r="0" g="0" b="0"/>
+      </a:lnRef>
+      <a:fillRef idx="3">
+        <a:scrgbClr r="0" g="0" b="0"/>
+      </a:fillRef>
+      <a:effectRef idx="2">
+        <a:scrgbClr r="0" g="0" b="0"/>
+      </a:effectRef>
+      <a:fontRef idx="minor">
+        <a:schemeClr val="lt1"/>
+      </a:fontRef>
+    </dgm:style>
+  </dgm:styleLbl>
+  <dgm:styleLbl name="parChTrans2D1">
+    <dgm:scene3d>
+      <a:camera prst="orthographicFront"/>
+      <a:lightRig rig="threePt" dir="t">
+        <a:rot lat="0" lon="0" rev="7500000"/>
+      </a:lightRig>
+    </dgm:scene3d>
+    <dgm:sp3d extrusionH="63500" prstMaterial="matte">
+      <a:bevelT w="50800" h="19050" prst="relaxedInset"/>
+      <a:contourClr>
+        <a:schemeClr val="bg1"/>
+      </a:contourClr>
+    </dgm:sp3d>
+    <dgm:txPr/>
+    <dgm:style>
+      <a:lnRef idx="0">
+        <a:scrgbClr r="0" g="0" b="0"/>
+      </a:lnRef>
+      <a:fillRef idx="1">
+        <a:scrgbClr r="0" g="0" b="0"/>
+      </a:fillRef>
+      <a:effectRef idx="2">
+        <a:scrgbClr r="0" g="0" b="0"/>
+      </a:effectRef>
+      <a:fontRef idx="minor">
+        <a:schemeClr val="lt1"/>
+      </a:fontRef>
+    </dgm:style>
+  </dgm:styleLbl>
+  <dgm:styleLbl name="parChTrans2D2">
+    <dgm:scene3d>
+      <a:camera prst="orthographicFront"/>
+      <a:lightRig rig="threePt" dir="t">
+        <a:rot lat="0" lon="0" rev="7500000"/>
+      </a:lightRig>
+    </dgm:scene3d>
+    <dgm:sp3d extrusionH="63500" prstMaterial="matte">
+      <a:bevelT w="50800" h="19050" prst="relaxedInset"/>
+      <a:contourClr>
+        <a:schemeClr val="bg1"/>
+      </a:contourClr>
+    </dgm:sp3d>
+    <dgm:txPr/>
+    <dgm:style>
+      <a:lnRef idx="0">
+        <a:scrgbClr r="0" g="0" b="0"/>
+      </a:lnRef>
+      <a:fillRef idx="1">
+        <a:scrgbClr r="0" g="0" b="0"/>
+      </a:fillRef>
+      <a:effectRef idx="0">
+        <a:scrgbClr r="0" g="0" b="0"/>
+      </a:effectRef>
+      <a:fontRef idx="minor">
+        <a:schemeClr val="lt1"/>
+      </a:fontRef>
+    </dgm:style>
+  </dgm:styleLbl>
+  <dgm:styleLbl name="parChTrans2D3">
+    <dgm:scene3d>
+      <a:camera prst="orthographicFront"/>
+      <a:lightRig rig="threePt" dir="t">
+        <a:rot lat="0" lon="0" rev="7500000"/>
+      </a:lightRig>
+    </dgm:scene3d>
+    <dgm:sp3d z="60000" prstMaterial="flat">
+      <a:bevelT w="120900" h="88900"/>
+    </dgm:sp3d>
+    <dgm:txPr/>
+    <dgm:style>
+      <a:lnRef idx="0">
+        <a:scrgbClr r="0" g="0" b="0"/>
+      </a:lnRef>
+      <a:fillRef idx="3">
+        <a:scrgbClr r="0" g="0" b="0"/>
+      </a:fillRef>
+      <a:effectRef idx="1">
+        <a:scrgbClr r="0" g="0" b="0"/>
+      </a:effectRef>
+      <a:fontRef idx="minor">
+        <a:schemeClr val="lt1"/>
+      </a:fontRef>
+    </dgm:style>
+  </dgm:styleLbl>
+  <dgm:styleLbl name="parChTrans2D4">
+    <dgm:scene3d>
+      <a:camera prst="orthographicFront"/>
+      <a:lightRig rig="threePt" dir="t">
+        <a:rot lat="0" lon="0" rev="7500000"/>
+      </a:lightRig>
+    </dgm:scene3d>
+    <dgm:sp3d z="60000" prstMaterial="flat">
+      <a:bevelT w="120900" h="88900"/>
+    </dgm:sp3d>
+    <dgm:txPr/>
+    <dgm:style>
+      <a:lnRef idx="0">
+        <a:scrgbClr r="0" g="0" b="0"/>
+      </a:lnRef>
+      <a:fillRef idx="3">
+        <a:scrgbClr r="0" g="0" b="0"/>
+      </a:fillRef>
+      <a:effectRef idx="1">
+        <a:scrgbClr r="0" g="0" b="0"/>
+      </a:effectRef>
+      <a:fontRef idx="minor">
+        <a:schemeClr val="lt1"/>
+      </a:fontRef>
+    </dgm:style>
+  </dgm:styleLbl>
+  <dgm:styleLbl name="parChTrans1D1">
+    <dgm:scene3d>
+      <a:camera prst="orthographicFront"/>
+      <a:lightRig rig="threePt" dir="t">
+        <a:rot lat="0" lon="0" rev="7500000"/>
+      </a:lightRig>
+    </dgm:scene3d>
+    <dgm:sp3d z="-40000" prstMaterial="matte"/>
+    <dgm:txPr/>
+    <dgm:style>
+      <a:lnRef idx="2">
+        <a:scrgbClr r="0" g="0" b="0"/>
+      </a:lnRef>
+      <a:fillRef idx="0">
+        <a:scrgbClr r="0" g="0" b="0"/>
+      </a:fillRef>
+      <a:effectRef idx="0">
+        <a:scrgbClr r="0" g="0" b="0"/>
+      </a:effectRef>
+      <a:fontRef idx="minor"/>
+    </dgm:style>
+  </dgm:styleLbl>
+  <dgm:styleLbl name="parChTrans1D2">
+    <dgm:scene3d>
+      <a:camera prst="orthographicFront"/>
+      <a:lightRig rig="threePt" dir="t">
+        <a:rot lat="0" lon="0" rev="7500000"/>
+      </a:lightRig>
+    </dgm:scene3d>
+    <dgm:sp3d z="-40000" prstMaterial="matte"/>
+    <dgm:txPr/>
+    <dgm:style>
+      <a:lnRef idx="2">
+        <a:scrgbClr r="0" g="0" b="0"/>
+      </a:lnRef>
+      <a:fillRef idx="0">
+        <a:scrgbClr r="0" g="0" b="0"/>
+      </a:fillRef>
+      <a:effectRef idx="0">
+        <a:scrgbClr r="0" g="0" b="0"/>
+      </a:effectRef>
+      <a:fontRef idx="minor"/>
+    </dgm:style>
+  </dgm:styleLbl>
+  <dgm:styleLbl name="parChTrans1D3">
+    <dgm:scene3d>
+      <a:camera prst="orthographicFront"/>
+      <a:lightRig rig="threePt" dir="t">
+        <a:rot lat="0" lon="0" rev="7500000"/>
+      </a:lightRig>
+    </dgm:scene3d>
+    <dgm:sp3d z="-40000" prstMaterial="matte"/>
+    <dgm:txPr/>
+    <dgm:style>
+      <a:lnRef idx="2">
+        <a:scrgbClr r="0" g="0" b="0"/>
+      </a:lnRef>
+      <a:fillRef idx="0">
+        <a:scrgbClr r="0" g="0" b="0"/>
+      </a:fillRef>
+      <a:effectRef idx="0">
+        <a:scrgbClr r="0" g="0" b="0"/>
+      </a:effectRef>
+      <a:fontRef idx="minor"/>
+    </dgm:style>
+  </dgm:styleLbl>
+  <dgm:styleLbl name="parChTrans1D4">
+    <dgm:scene3d>
+      <a:camera prst="orthographicFront"/>
+      <a:lightRig rig="threePt" dir="t">
+        <a:rot lat="0" lon="0" rev="7500000"/>
+      </a:lightRig>
+    </dgm:scene3d>
+    <dgm:sp3d z="-40000" prstMaterial="matte"/>
+    <dgm:txPr/>
+    <dgm:style>
+      <a:lnRef idx="2">
+        <a:scrgbClr r="0" g="0" b="0"/>
+      </a:lnRef>
+      <a:fillRef idx="0">
+        <a:scrgbClr r="0" g="0" b="0"/>
+      </a:fillRef>
+      <a:effectRef idx="0">
+        <a:scrgbClr r="0" g="0" b="0"/>
+      </a:effectRef>
+      <a:fontRef idx="minor"/>
+    </dgm:style>
+  </dgm:styleLbl>
+  <dgm:styleLbl name="fgAcc1">
+    <dgm:scene3d>
+      <a:camera prst="orthographicFront"/>
+      <a:lightRig rig="threePt" dir="t">
+        <a:rot lat="0" lon="0" rev="7500000"/>
+      </a:lightRig>
+    </dgm:scene3d>
+    <dgm:sp3d z="152400" extrusionH="63500" prstMaterial="dkEdge">
+      <a:bevelT w="135400" h="16350" prst="relaxedInset"/>
+      <a:contourClr>
+        <a:schemeClr val="bg1"/>
+      </a:contourClr>
+    </dgm:sp3d>
+    <dgm:txPr/>
+    <dgm:style>
+      <a:lnRef idx="1">
+        <a:scrgbClr r="0" g="0" b="0"/>
+      </a:lnRef>
+      <a:fillRef idx="1">
+        <a:scrgbClr r="0" g="0" b="0"/>
+      </a:fillRef>
+      <a:effectRef idx="2">
+        <a:scrgbClr r="0" g="0" b="0"/>
+      </a:effectRef>
+      <a:fontRef idx="minor"/>
+    </dgm:style>
+  </dgm:styleLbl>
+  <dgm:styleLbl name="conFgAcc1">
+    <dgm:scene3d>
+      <a:camera prst="orthographicFront"/>
+      <a:lightRig rig="threePt" dir="t">
+        <a:rot lat="0" lon="0" rev="7500000"/>
+      </a:lightRig>
+    </dgm:scene3d>
+    <dgm:sp3d z="152400" extrusionH="63500" prstMaterial="dkEdge">
+      <a:bevelT w="135400" h="16350" prst="relaxedInset"/>
+      <a:contourClr>
+        <a:schemeClr val="bg1"/>
+      </a:contourClr>
+    </dgm:sp3d>
+    <dgm:txPr/>
+    <dgm:style>
+      <a:lnRef idx="1">
+        <a:scrgbClr r="0" g="0" b="0"/>
+      </a:lnRef>
+      <a:fillRef idx="1">
+        <a:scrgbClr r="0" g="0" b="0"/>
+      </a:fillRef>
+      <a:effectRef idx="2">
+        <a:scrgbClr r="0" g="0" b="0"/>
+      </a:effectRef>
+      <a:fontRef idx="minor"/>
+    </dgm:style>
+  </dgm:styleLbl>
+  <dgm:styleLbl name="alignAcc1">
+    <dgm:scene3d>
+      <a:camera prst="orthographicFront"/>
+      <a:lightRig rig="threePt" dir="t">
+        <a:rot lat="0" lon="0" rev="7500000"/>
+      </a:lightRig>
+    </dgm:scene3d>
+    <dgm:sp3d extrusionH="190500" prstMaterial="dkEdge">
+      <a:bevelT w="135400" h="16350" prst="relaxedInset"/>
+      <a:contourClr>
+        <a:schemeClr val="bg1"/>
+      </a:contourClr>
+    </dgm:sp3d>
+    <dgm:txPr/>
+    <dgm:style>
+      <a:lnRef idx="1">
+        <a:scrgbClr r="0" g="0" b="0"/>
+      </a:lnRef>
+      <a:fillRef idx="1">
+        <a:scrgbClr r="0" g="0" b="0"/>
+      </a:fillRef>
+      <a:effectRef idx="2">
+        <a:scrgbClr r="0" g="0" b="0"/>
+      </a:effectRef>
+      <a:fontRef idx="minor"/>
+    </dgm:style>
+  </dgm:styleLbl>
+  <dgm:styleLbl name="trAlignAcc1">
+    <dgm:scene3d>
+      <a:camera prst="orthographicFront"/>
+      <a:lightRig rig="threePt" dir="t">
+        <a:rot lat="0" lon="0" rev="7500000"/>
+      </a:lightRig>
+    </dgm:scene3d>
+    <dgm:sp3d prstMaterial="plastic">
+      <a:bevelT w="127000" h="35400"/>
+    </dgm:sp3d>
+    <dgm:txPr/>
+    <dgm:style>
+      <a:lnRef idx="1">
+        <a:scrgbClr r="0" g="0" b="0"/>
+      </a:lnRef>
+      <a:fillRef idx="1">
+        <a:scrgbClr r="0" g="0" b="0"/>
+      </a:fillRef>
+      <a:effectRef idx="2">
+        <a:scrgbClr r="0" g="0" b="0"/>
+      </a:effectRef>
+      <a:fontRef idx="minor">
+        <a:schemeClr val="lt1"/>
+      </a:fontRef>
+    </dgm:style>
+  </dgm:styleLbl>
+  <dgm:styleLbl name="bgAcc1">
+    <dgm:scene3d>
+      <a:camera prst="orthographicFront"/>
+      <a:lightRig rig="threePt" dir="t">
+        <a:rot lat="0" lon="0" rev="7500000"/>
+      </a:lightRig>
+    </dgm:scene3d>
+    <dgm:sp3d z="-152400" extrusionH="63500" prstMaterial="dkEdge">
+      <a:bevelT w="124450" h="16350" prst="relaxedInset"/>
+      <a:contourClr>
+        <a:schemeClr val="bg1"/>
+      </a:contourClr>
+    </dgm:sp3d>
+    <dgm:txPr/>
+    <dgm:style>
+      <a:lnRef idx="1">
+        <a:scrgbClr r="0" g="0" b="0"/>
+      </a:lnRef>
+      <a:fillRef idx="1">
+        <a:scrgbClr r="0" g="0" b="0"/>
+      </a:fillRef>
+      <a:effectRef idx="0">
+        <a:scrgbClr r="0" g="0" b="0"/>
+      </a:effectRef>
+      <a:fontRef idx="minor"/>
+    </dgm:style>
+  </dgm:styleLbl>
+  <dgm:styleLbl name="solidFgAcc1">
+    <dgm:scene3d>
+      <a:camera prst="orthographicFront"/>
+      <a:lightRig rig="threePt" dir="t">
+        <a:rot lat="0" lon="0" rev="7500000"/>
+      </a:lightRig>
+    </dgm:scene3d>
+    <dgm:sp3d z="152400" extrusionH="63500" prstMaterial="dkEdge">
+      <a:bevelT w="120800" h="19050" prst="relaxedInset"/>
+      <a:contourClr>
+        <a:schemeClr val="bg1"/>
+      </a:contourClr>
+    </dgm:sp3d>
+    <dgm:txPr/>
+    <dgm:style>
+      <a:lnRef idx="1">
+        <a:scrgbClr r="0" g="0" b="0"/>
+      </a:lnRef>
+      <a:fillRef idx="1">
+        <a:scrgbClr r="0" g="0" b="0"/>
+      </a:fillRef>
+      <a:effectRef idx="2">
+        <a:scrgbClr r="0" g="0" b="0"/>
+      </a:effectRef>
+      <a:fontRef idx="minor"/>
+    </dgm:style>
+  </dgm:styleLbl>
+  <dgm:styleLbl name="solidAlignAcc1">
+    <dgm:scene3d>
+      <a:camera prst="orthographicFront"/>
+      <a:lightRig rig="threePt" dir="t">
+        <a:rot lat="0" lon="0" rev="7500000"/>
+      </a:lightRig>
+    </dgm:scene3d>
+    <dgm:sp3d extrusionH="190500" prstMaterial="dkEdge">
+      <a:bevelT w="120650" h="38100" prst="relaxedInset"/>
+      <a:contourClr>
+        <a:schemeClr val="bg1"/>
+      </a:contourClr>
+    </dgm:sp3d>
+    <dgm:txPr/>
+    <dgm:style>
+      <a:lnRef idx="1">
+        <a:scrgbClr r="0" g="0" b="0"/>
+      </a:lnRef>
+      <a:fillRef idx="1">
+        <a:scrgbClr r="0" g="0" b="0"/>
+      </a:fillRef>
+      <a:effectRef idx="2">
+        <a:scrgbClr r="0" g="0" b="0"/>
+      </a:effectRef>
+      <a:fontRef idx="minor"/>
+    </dgm:style>
+  </dgm:styleLbl>
+  <dgm:styleLbl name="solidBgAcc1">
+    <dgm:scene3d>
+      <a:camera prst="orthographicFront"/>
+      <a:lightRig rig="threePt" dir="t">
+        <a:rot lat="0" lon="0" rev="7500000"/>
+      </a:lightRig>
+    </dgm:scene3d>
+    <dgm:sp3d z="-152400" extrusionH="63500" prstMaterial="dkEdge">
+      <a:bevelT w="144450" h="36350" prst="relaxedInset"/>
+      <a:contourClr>
+        <a:schemeClr val="bg1"/>
+      </a:contourClr>
+    </dgm:sp3d>
+    <dgm:txPr/>
+    <dgm:style>
+      <a:lnRef idx="1">
+        <a:scrgbClr r="0" g="0" b="0"/>
+      </a:lnRef>
+      <a:fillRef idx="1">
+        <a:scrgbClr r="0" g="0" b="0"/>
+      </a:fillRef>
+      <a:effectRef idx="0">
+        <a:scrgbClr r="0" g="0" b="0"/>
+      </a:effectRef>
+      <a:fontRef idx="minor"/>
+    </dgm:style>
+  </dgm:styleLbl>
+  <dgm:styleLbl name="fgAccFollowNode1">
+    <dgm:scene3d>
+      <a:camera prst="orthographicFront"/>
+      <a:lightRig rig="threePt" dir="t">
+        <a:rot lat="0" lon="0" rev="7500000"/>
+      </a:lightRig>
+    </dgm:scene3d>
+    <dgm:sp3d z="152400" extrusionH="63500" prstMaterial="dkEdge">
+      <a:bevelT w="125400" h="36350" prst="relaxedInset"/>
+      <a:contourClr>
+        <a:schemeClr val="bg1"/>
+      </a:contourClr>
+    </dgm:sp3d>
+    <dgm:txPr/>
+    <dgm:style>
+      <a:lnRef idx="1">
+        <a:scrgbClr r="0" g="0" b="0"/>
+      </a:lnRef>
+      <a:fillRef idx="1">
+        <a:scrgbClr r="0" g="0" b="0"/>
+      </a:fillRef>
+      <a:effectRef idx="0">
+        <a:scrgbClr r="0" g="0" b="0"/>
+      </a:effectRef>
+      <a:fontRef idx="minor"/>
+    </dgm:style>
+  </dgm:styleLbl>
+  <dgm:styleLbl name="alignAccFollowNode1">
+    <dgm:scene3d>
+      <a:camera prst="orthographicFront"/>
+      <a:lightRig rig="threePt" dir="t">
+        <a:rot lat="0" lon="0" rev="7500000"/>
+      </a:lightRig>
+    </dgm:scene3d>
+    <dgm:sp3d extrusionH="190500" prstMaterial="dkEdge">
+      <a:bevelT w="120650" h="38100" prst="relaxedInset"/>
+      <a:bevelB w="120650" h="57150" prst="relaxedInset"/>
+      <a:contourClr>
+        <a:schemeClr val="bg1"/>
+      </a:contourClr>
+    </dgm:sp3d>
+    <dgm:txPr/>
+    <dgm:style>
+      <a:lnRef idx="1">
+        <a:scrgbClr r="0" g="0" b="0"/>
+      </a:lnRef>
+      <a:fillRef idx="1">
+        <a:scrgbClr r="0" g="0" b="0"/>
+      </a:fillRef>
+      <a:effectRef idx="2">
+        <a:scrgbClr r="0" g="0" b="0"/>
+      </a:effectRef>
+      <a:fontRef idx="minor"/>
+    </dgm:style>
+  </dgm:styleLbl>
+  <dgm:styleLbl name="bgAccFollowNode1">
+    <dgm:scene3d>
+      <a:camera prst="orthographicFront"/>
+      <a:lightRig rig="threePt" dir="t">
+        <a:rot lat="0" lon="0" rev="7500000"/>
+      </a:lightRig>
+    </dgm:scene3d>
+    <dgm:sp3d z="-152400" extrusionH="63500" prstMaterial="dkEdge">
+      <a:bevelT w="144450" h="36350" prst="relaxedInset"/>
+      <a:contourClr>
+        <a:schemeClr val="bg1"/>
+      </a:contourClr>
+    </dgm:sp3d>
+    <dgm:txPr/>
+    <dgm:style>
+      <a:lnRef idx="1">
+        <a:scrgbClr r="0" g="0" b="0"/>
+      </a:lnRef>
+      <a:fillRef idx="1">
+        <a:scrgbClr r="0" g="0" b="0"/>
+      </a:fillRef>
+      <a:effectRef idx="2">
+        <a:scrgbClr r="0" g="0" b="0"/>
+      </a:effectRef>
+      <a:fontRef idx="minor"/>
+    </dgm:style>
+  </dgm:styleLbl>
+  <dgm:styleLbl name="fgAcc0">
+    <dgm:scene3d>
+      <a:camera prst="orthographicFront"/>
+      <a:lightRig rig="threePt" dir="t">
+        <a:rot lat="0" lon="0" rev="7500000"/>
+      </a:lightRig>
+    </dgm:scene3d>
+    <dgm:sp3d z="152400" extrusionH="63500" prstMaterial="dkEdge">
+      <a:bevelT w="125400" h="36350" prst="relaxedInset"/>
+      <a:contourClr>
+        <a:schemeClr val="bg1"/>
+      </a:contourClr>
+    </dgm:sp3d>
+    <dgm:txPr/>
+    <dgm:style>
+      <a:lnRef idx="1">
+        <a:scrgbClr r="0" g="0" b="0"/>
+      </a:lnRef>
+      <a:fillRef idx="1">
+        <a:scrgbClr r="0" g="0" b="0"/>
+      </a:fillRef>
+      <a:effectRef idx="2">
+        <a:scrgbClr r="0" g="0" b="0"/>
+      </a:effectRef>
+      <a:fontRef idx="minor"/>
+    </dgm:style>
+  </dgm:styleLbl>
+  <dgm:styleLbl name="fgAcc2">
+    <dgm:scene3d>
+      <a:camera prst="orthographicFront"/>
+      <a:lightRig rig="threePt" dir="t">
+        <a:rot lat="0" lon="0" rev="7500000"/>
+      </a:lightRig>
+    </dgm:scene3d>
+    <dgm:sp3d z="152400" extrusionH="63500" prstMaterial="dkEdge">
+      <a:bevelT w="125400" h="36350" prst="relaxedInset"/>
+      <a:contourClr>
+        <a:schemeClr val="bg1"/>
+      </a:contourClr>
+    </dgm:sp3d>
+    <dgm:txPr/>
+    <dgm:style>
+      <a:lnRef idx="1">
+        <a:scrgbClr r="0" g="0" b="0"/>
+      </a:lnRef>
+      <a:fillRef idx="1">
+        <a:scrgbClr r="0" g="0" b="0"/>
+      </a:fillRef>
+      <a:effectRef idx="2">
+        <a:scrgbClr r="0" g="0" b="0"/>
+      </a:effectRef>
+      <a:fontRef idx="minor"/>
+    </dgm:style>
+  </dgm:styleLbl>
+  <dgm:styleLbl name="fgAcc3">
+    <dgm:scene3d>
+      <a:camera prst="orthographicFront"/>
+      <a:lightRig rig="threePt" dir="t">
+        <a:rot lat="0" lon="0" rev="7500000"/>
+      </a:lightRig>
+    </dgm:scene3d>
+    <dgm:sp3d z="152400" extrusionH="63500" prstMaterial="dkEdge">
+      <a:bevelT w="125400" h="36350" prst="relaxedInset"/>
+      <a:contourClr>
+        <a:schemeClr val="bg1"/>
+      </a:contourClr>
+    </dgm:sp3d>
+    <dgm:txPr/>
+    <dgm:style>
+      <a:lnRef idx="1">
+        <a:scrgbClr r="0" g="0" b="0"/>
+      </a:lnRef>
+      <a:fillRef idx="1">
+        <a:scrgbClr r="0" g="0" b="0"/>
+      </a:fillRef>
+      <a:effectRef idx="2">
+        <a:scrgbClr r="0" g="0" b="0"/>
+      </a:effectRef>
+      <a:fontRef idx="minor"/>
+    </dgm:style>
+  </dgm:styleLbl>
+  <dgm:styleLbl name="fgAcc4">
+    <dgm:scene3d>
+      <a:camera prst="orthographicFront"/>
+      <a:lightRig rig="threePt" dir="t">
+        <a:rot lat="0" lon="0" rev="7500000"/>
+      </a:lightRig>
+    </dgm:scene3d>
+    <dgm:sp3d z="152400" extrusionH="63500" prstMaterial="dkEdge">
+      <a:bevelT w="125400" h="36350" prst="relaxedInset"/>
+      <a:contourClr>
+        <a:schemeClr val="bg1"/>
+      </a:contourClr>
+    </dgm:sp3d>
+    <dgm:txPr/>
+    <dgm:style>
+      <a:lnRef idx="1">
+        <a:scrgbClr r="0" g="0" b="0"/>
+      </a:lnRef>
+      <a:fillRef idx="1">
+        <a:scrgbClr r="0" g="0" b="0"/>
+      </a:fillRef>
+      <a:effectRef idx="2">
+        <a:scrgbClr r="0" g="0" b="0"/>
+      </a:effectRef>
+      <a:fontRef idx="minor"/>
+    </dgm:style>
+  </dgm:styleLbl>
+  <dgm:styleLbl name="bgShp">
+    <dgm:scene3d>
+      <a:camera prst="orthographicFront"/>
+      <a:lightRig rig="threePt" dir="t">
+        <a:rot lat="0" lon="0" rev="7500000"/>
+      </a:lightRig>
+    </dgm:scene3d>
+    <dgm:sp3d z="-152400" extrusionH="63500" prstMaterial="matte">
+      <a:bevelT w="144450" h="6350" prst="relaxedInset"/>
+      <a:contourClr>
+        <a:schemeClr val="bg1"/>
+      </a:contourClr>
+    </dgm:sp3d>
+    <dgm:txPr/>
+    <dgm:style>
+      <a:lnRef idx="0">
+        <a:scrgbClr r="0" g="0" b="0"/>
+      </a:lnRef>
+      <a:fillRef idx="3">
+        <a:scrgbClr r="0" g="0" b="0"/>
+      </a:fillRef>
+      <a:effectRef idx="0">
+        <a:scrgbClr r="0" g="0" b="0"/>
+      </a:effectRef>
+      <a:fontRef idx="minor"/>
+    </dgm:style>
+  </dgm:styleLbl>
+  <dgm:styleLbl name="dkBgShp">
+    <dgm:scene3d>
+      <a:camera prst="orthographicFront"/>
+      <a:lightRig rig="threePt" dir="t">
+        <a:rot lat="0" lon="0" rev="7500000"/>
+      </a:lightRig>
+    </dgm:scene3d>
+    <dgm:sp3d prstMaterial="plastic">
+      <a:bevelT w="127000" h="25400" prst="relaxedInset"/>
+      <a:bevelB w="88900" h="121750" prst="angle"/>
+    </dgm:sp3d>
+    <dgm:txPr/>
+    <dgm:style>
+      <a:lnRef idx="0">
+        <a:scrgbClr r="0" g="0" b="0"/>
+      </a:lnRef>
+      <a:fillRef idx="1">
+        <a:scrgbClr r="0" g="0" b="0"/>
+      </a:fillRef>
+      <a:effectRef idx="2">
+        <a:scrgbClr r="0" g="0" b="0"/>
+      </a:effectRef>
+      <a:fontRef idx="minor">
+        <a:schemeClr val="lt1"/>
+      </a:fontRef>
+    </dgm:style>
+  </dgm:styleLbl>
+  <dgm:styleLbl name="trBgShp">
+    <dgm:scene3d>
+      <a:camera prst="orthographicFront"/>
+      <a:lightRig rig="threePt" dir="t"/>
+    </dgm:scene3d>
+    <dgm:sp3d z="-152400" prstMaterial="matte"/>
+    <dgm:txPr/>
+    <dgm:style>
+      <a:lnRef idx="0">
+        <a:scrgbClr r="0" g="0" b="0"/>
+      </a:lnRef>
+      <a:fillRef idx="1">
+        <a:scrgbClr r="0" g="0" b="0"/>
+      </a:fillRef>
+      <a:effectRef idx="0">
+        <a:scrgbClr r="0" g="0" b="0"/>
+      </a:effectRef>
+      <a:fontRef idx="minor"/>
+    </dgm:style>
+  </dgm:styleLbl>
+  <dgm:styleLbl name="fgShp">
+    <dgm:scene3d>
+      <a:camera prst="orthographicFront"/>
+      <a:lightRig rig="threePt" dir="t">
+        <a:rot lat="0" lon="0" rev="7500000"/>
+      </a:lightRig>
+    </dgm:scene3d>
+    <dgm:sp3d z="152400" extrusionH="63500" prstMaterial="matte">
+      <a:bevelT w="50800" h="19050" prst="relaxedInset"/>
+      <a:contourClr>
+        <a:schemeClr val="bg1"/>
+      </a:contourClr>
+    </dgm:sp3d>
+    <dgm:txPr/>
+    <dgm:style>
+      <a:lnRef idx="0">
+        <a:scrgbClr r="0" g="0" b="0"/>
+      </a:lnRef>
+      <a:fillRef idx="1">
+        <a:scrgbClr r="0" g="0" b="0"/>
+      </a:fillRef>
+      <a:effectRef idx="2">
+        <a:scrgbClr r="0" g="0" b="0"/>
+      </a:effectRef>
+      <a:fontRef idx="minor">
+        <a:schemeClr val="lt1"/>
+      </a:fontRef>
+    </dgm:style>
+  </dgm:styleLbl>
+  <dgm:styleLbl name="revTx">
+    <dgm:scene3d>
+      <a:camera prst="orthographicFront"/>
+      <a:lightRig rig="threePt" dir="t"/>
+    </dgm:scene3d>
+    <dgm:sp3d/>
+    <dgm:txPr/>
+    <dgm:style>
+      <a:lnRef idx="0">
+        <a:scrgbClr r="0" g="0" b="0"/>
+      </a:lnRef>
+      <a:fillRef idx="0">
+        <a:scrgbClr r="0" g="0" b="0"/>
+      </a:fillRef>
+      <a:effectRef idx="0">
+        <a:scrgbClr r="0" g="0" b="0"/>
+      </a:effectRef>
+      <a:fontRef idx="minor"/>
+    </dgm:style>
+  </dgm:styleLbl>
+</dgm:styleDef>
 </file>
 
 <file path=ppt/slideLayouts/slideLayout1.xml><?xml version="1.0" encoding="utf-8"?>
@@ -6233,6 +14507,437 @@
           <a:lstStyle/>
           <a:p>
             <a:r>
+              <a:rPr lang="en-US" dirty="0"/>
+              <a:t>3 Workers Non-binary Tasks</a:t>
+            </a:r>
+          </a:p>
+        </p:txBody>
+      </p:sp>
+      <p:sp>
+        <p:nvSpPr>
+          <p:cNvPr id="3" name="Content Placeholder 2"/>
+          <p:cNvSpPr>
+            <a:spLocks noGrp="1"/>
+          </p:cNvSpPr>
+          <p:nvPr>
+            <p:ph sz="quarter" idx="1"/>
+          </p:nvPr>
+        </p:nvSpPr>
+        <p:spPr/>
+        <p:txBody>
+          <a:bodyPr>
+            <a:normAutofit/>
+          </a:bodyPr>
+          <a:lstStyle/>
+          <a:p>
+            <a:r>
+              <a:rPr lang="en-US" dirty="0" smtClean="0"/>
+              <a:t>Compute comparison matrices (frequencies of response-pairs of workers </a:t>
+            </a:r>
+            <a:r>
+              <a:rPr lang="en-US" dirty="0" err="1" smtClean="0"/>
+              <a:t>w</a:t>
+            </a:r>
+            <a:r>
+              <a:rPr lang="en-US" baseline="-25000" dirty="0" err="1" smtClean="0"/>
+              <a:t>i</a:t>
+            </a:r>
+            <a:r>
+              <a:rPr lang="en-US" dirty="0" err="1" smtClean="0"/>
+              <a:t>,w</a:t>
+            </a:r>
+            <a:r>
+              <a:rPr lang="en-US" baseline="-25000" dirty="0" err="1" smtClean="0"/>
+              <a:t>j</a:t>
+            </a:r>
+            <a:r>
+              <a:rPr lang="en-US" dirty="0" smtClean="0"/>
+              <a:t>) </a:t>
+            </a:r>
+          </a:p>
+          <a:p>
+            <a:r>
+              <a:rPr lang="en-US" dirty="0" err="1" smtClean="0"/>
+              <a:t>C</a:t>
+            </a:r>
+            <a:r>
+              <a:rPr lang="en-US" baseline="-25000" dirty="0" err="1" smtClean="0"/>
+              <a:t>ij</a:t>
+            </a:r>
+            <a:r>
+              <a:rPr lang="en-US" dirty="0" smtClean="0"/>
+              <a:t> ~ </a:t>
+            </a:r>
+            <a:r>
+              <a:rPr lang="en-US" dirty="0" err="1" smtClean="0"/>
+              <a:t>P</a:t>
+            </a:r>
+            <a:r>
+              <a:rPr lang="en-US" baseline="-25000" dirty="0" err="1" smtClean="0"/>
+              <a:t>i</a:t>
+            </a:r>
+            <a:r>
+              <a:rPr lang="en-US" dirty="0" err="1" smtClean="0"/>
+              <a:t>S</a:t>
+            </a:r>
+            <a:r>
+              <a:rPr lang="en-US" baseline="30000" dirty="0" err="1" smtClean="0"/>
+              <a:t>D</a:t>
+            </a:r>
+            <a:r>
+              <a:rPr lang="en-US" dirty="0" err="1" smtClean="0"/>
+              <a:t>P</a:t>
+            </a:r>
+            <a:r>
+              <a:rPr lang="en-US" baseline="-25000" dirty="0" err="1" smtClean="0"/>
+              <a:t>j</a:t>
+            </a:r>
+            <a:r>
+              <a:rPr lang="en-US" baseline="30000" dirty="0" err="1" smtClean="0"/>
+              <a:t>T</a:t>
+            </a:r>
+            <a:r>
+              <a:rPr lang="en-US" dirty="0"/>
+              <a:t> </a:t>
+            </a:r>
+            <a:endParaRPr lang="en-US" dirty="0" smtClean="0"/>
+          </a:p>
+          <a:p>
+            <a:r>
+              <a:rPr lang="en-US" dirty="0" smtClean="0"/>
+              <a:t>Compute D</a:t>
+            </a:r>
+            <a:r>
+              <a:rPr lang="en-US" baseline="-25000" dirty="0" smtClean="0"/>
+              <a:t>i</a:t>
+            </a:r>
+            <a:r>
+              <a:rPr lang="en-US" dirty="0" smtClean="0"/>
+              <a:t> </a:t>
+            </a:r>
+            <a:r>
+              <a:rPr lang="en-US" dirty="0"/>
+              <a:t>= </a:t>
+            </a:r>
+            <a:r>
+              <a:rPr lang="en-US" dirty="0" err="1"/>
+              <a:t>C</a:t>
+            </a:r>
+            <a:r>
+              <a:rPr lang="en-US" baseline="-25000" dirty="0" err="1"/>
+              <a:t>ij</a:t>
+            </a:r>
+            <a:r>
+              <a:rPr lang="en-US" dirty="0"/>
+              <a:t>(</a:t>
+            </a:r>
+            <a:r>
+              <a:rPr lang="en-US" dirty="0" err="1"/>
+              <a:t>C</a:t>
+            </a:r>
+            <a:r>
+              <a:rPr lang="en-US" baseline="-25000" dirty="0" err="1"/>
+              <a:t>jk</a:t>
+            </a:r>
+            <a:r>
+              <a:rPr lang="en-US" baseline="30000" dirty="0" err="1"/>
+              <a:t>T</a:t>
+            </a:r>
+            <a:r>
+              <a:rPr lang="en-US" dirty="0"/>
+              <a:t>)</a:t>
+            </a:r>
+            <a:r>
+              <a:rPr lang="en-US" baseline="30000" dirty="0"/>
+              <a:t>-1</a:t>
+            </a:r>
+            <a:r>
+              <a:rPr lang="en-US" dirty="0"/>
+              <a:t>C</a:t>
+            </a:r>
+            <a:r>
+              <a:rPr lang="en-US" baseline="-25000" dirty="0"/>
+              <a:t>ki</a:t>
+            </a:r>
+            <a:r>
+              <a:rPr lang="en-US" dirty="0"/>
+              <a:t> </a:t>
+            </a:r>
+            <a:r>
+              <a:rPr lang="en-US" dirty="0" smtClean="0"/>
+              <a:t>= </a:t>
+            </a:r>
+            <a:r>
+              <a:rPr lang="en-US" dirty="0" err="1"/>
+              <a:t>P</a:t>
+            </a:r>
+            <a:r>
+              <a:rPr lang="en-US" baseline="-25000" dirty="0" err="1"/>
+              <a:t>i</a:t>
+            </a:r>
+            <a:r>
+              <a:rPr lang="en-US" dirty="0" err="1"/>
+              <a:t>S</a:t>
+            </a:r>
+            <a:r>
+              <a:rPr lang="en-US" baseline="30000" dirty="0" err="1"/>
+              <a:t>D</a:t>
+            </a:r>
+            <a:r>
+              <a:rPr lang="en-US" dirty="0" err="1"/>
+              <a:t>P</a:t>
+            </a:r>
+            <a:r>
+              <a:rPr lang="en-US" baseline="-25000" dirty="0" err="1"/>
+              <a:t>i</a:t>
+            </a:r>
+            <a:r>
+              <a:rPr lang="en-US" baseline="30000" dirty="0" err="1"/>
+              <a:t>T</a:t>
+            </a:r>
+            <a:r>
+              <a:rPr lang="en-US" dirty="0"/>
+              <a:t> </a:t>
+            </a:r>
+          </a:p>
+          <a:p>
+            <a:r>
+              <a:rPr lang="en-US" dirty="0"/>
+              <a:t>Eigenvalue decomposition of D</a:t>
+            </a:r>
+            <a:r>
+              <a:rPr lang="en-US" baseline="-25000" dirty="0"/>
+              <a:t>i</a:t>
+            </a:r>
+            <a:r>
+              <a:rPr lang="en-US" dirty="0"/>
+              <a:t> gives V</a:t>
+            </a:r>
+            <a:r>
+              <a:rPr lang="en-US" baseline="-25000" dirty="0"/>
+              <a:t>i</a:t>
+            </a:r>
+            <a:r>
+              <a:rPr lang="en-US" dirty="0"/>
+              <a:t> </a:t>
+            </a:r>
+            <a:r>
+              <a:rPr lang="en-US" dirty="0" smtClean="0"/>
+              <a:t>= </a:t>
+            </a:r>
+            <a:r>
+              <a:rPr lang="en-US" dirty="0"/>
+              <a:t>U √S</a:t>
+            </a:r>
+            <a:r>
+              <a:rPr lang="en-US" baseline="30000" dirty="0"/>
+              <a:t>D </a:t>
+            </a:r>
+            <a:r>
+              <a:rPr lang="en-US" dirty="0"/>
+              <a:t>P</a:t>
+            </a:r>
+            <a:r>
+              <a:rPr lang="en-US" baseline="-25000" dirty="0"/>
+              <a:t>i</a:t>
+            </a:r>
+            <a:r>
+              <a:rPr lang="en-US" dirty="0"/>
+              <a:t>, for a unitary U. </a:t>
+            </a:r>
+          </a:p>
+          <a:p>
+            <a:endParaRPr lang="en-US" baseline="30000" dirty="0"/>
+          </a:p>
+          <a:p>
+            <a:pPr marL="0" indent="0">
+              <a:buNone/>
+            </a:pPr>
+            <a:endParaRPr lang="en-US" baseline="30000" dirty="0"/>
+          </a:p>
+          <a:p>
+            <a:pPr marL="0" indent="0">
+              <a:buNone/>
+            </a:pPr>
+            <a:endParaRPr lang="en-US" dirty="0" smtClean="0"/>
+          </a:p>
+        </p:txBody>
+      </p:sp>
+    </p:spTree>
+    <p:extLst>
+      <p:ext uri="{BB962C8B-B14F-4D97-AF65-F5344CB8AC3E}">
+        <p14:creationId xmlns:p14="http://schemas.microsoft.com/office/powerpoint/2010/main" val="3656939090"/>
+      </p:ext>
+    </p:extLst>
+  </p:cSld>
+  <p:clrMapOvr>
+    <a:masterClrMapping/>
+  </p:clrMapOvr>
+</p:sld>
+</file>
+
+<file path=ppt/slides/slide11.xml><?xml version="1.0" encoding="utf-8"?>
+<p:sld xmlns:a="http://schemas.openxmlformats.org/drawingml/2006/main" xmlns:r="http://schemas.openxmlformats.org/officeDocument/2006/relationships" xmlns:p="http://schemas.openxmlformats.org/presentationml/2006/main">
+  <p:cSld>
+    <p:spTree>
+      <p:nvGrpSpPr>
+        <p:cNvPr id="1" name=""/>
+        <p:cNvGrpSpPr/>
+        <p:nvPr/>
+      </p:nvGrpSpPr>
+      <p:grpSpPr>
+        <a:xfrm>
+          <a:off x="0" y="0"/>
+          <a:ext cx="0" cy="0"/>
+          <a:chOff x="0" y="0"/>
+          <a:chExt cx="0" cy="0"/>
+        </a:xfrm>
+      </p:grpSpPr>
+      <p:sp>
+        <p:nvSpPr>
+          <p:cNvPr id="2" name="Title 1"/>
+          <p:cNvSpPr>
+            <a:spLocks noGrp="1"/>
+          </p:cNvSpPr>
+          <p:nvPr>
+            <p:ph type="title"/>
+          </p:nvPr>
+        </p:nvSpPr>
+        <p:spPr/>
+        <p:txBody>
+          <a:bodyPr/>
+          <a:lstStyle/>
+          <a:p>
+            <a:r>
+              <a:rPr lang="en-US" dirty="0"/>
+              <a:t>3 Workers Non-binary Tasks</a:t>
+            </a:r>
+          </a:p>
+        </p:txBody>
+      </p:sp>
+      <p:sp>
+        <p:nvSpPr>
+          <p:cNvPr id="3" name="Content Placeholder 2"/>
+          <p:cNvSpPr>
+            <a:spLocks noGrp="1"/>
+          </p:cNvSpPr>
+          <p:nvPr>
+            <p:ph sz="quarter" idx="1"/>
+          </p:nvPr>
+        </p:nvSpPr>
+        <p:spPr/>
+        <p:txBody>
+          <a:bodyPr/>
+          <a:lstStyle/>
+          <a:p>
+            <a:r>
+              <a:rPr lang="en-US" dirty="0" smtClean="0"/>
+              <a:t>U </a:t>
+            </a:r>
+            <a:r>
+              <a:rPr lang="en-US" dirty="0"/>
+              <a:t>can be recovered using 3-way </a:t>
+            </a:r>
+            <a:r>
+              <a:rPr lang="en-US" dirty="0" smtClean="0"/>
+              <a:t>comparisons</a:t>
+            </a:r>
+            <a:endParaRPr lang="en-US" dirty="0"/>
+          </a:p>
+          <a:p>
+            <a:r>
+              <a:rPr lang="en-US" dirty="0"/>
+              <a:t>S</a:t>
+            </a:r>
+            <a:r>
+              <a:rPr lang="en-US" baseline="30000" dirty="0"/>
+              <a:t>D</a:t>
+            </a:r>
+            <a:r>
+              <a:rPr lang="en-US" dirty="0"/>
+              <a:t> can be recovered using column </a:t>
+            </a:r>
+            <a:r>
+              <a:rPr lang="en-US" dirty="0" err="1"/>
+              <a:t>stochasticity</a:t>
+            </a:r>
+            <a:r>
+              <a:rPr lang="en-US" dirty="0"/>
+              <a:t> of </a:t>
+            </a:r>
+            <a:r>
+              <a:rPr lang="en-US" dirty="0" smtClean="0"/>
+              <a:t>P</a:t>
+            </a:r>
+            <a:r>
+              <a:rPr lang="en-US" baseline="30000" dirty="0" smtClean="0"/>
+              <a:t>i</a:t>
+            </a:r>
+          </a:p>
+          <a:p>
+            <a:r>
+              <a:rPr lang="en-US" dirty="0" smtClean="0"/>
+              <a:t>For confidence intervals, use variances/derivatives like in the binary tasks case</a:t>
+            </a:r>
+          </a:p>
+          <a:p>
+            <a:r>
+              <a:rPr lang="en-US" dirty="0" smtClean="0"/>
+              <a:t>Details in paper</a:t>
+            </a:r>
+            <a:endParaRPr lang="en-US" dirty="0"/>
+          </a:p>
+          <a:p>
+            <a:endParaRPr lang="en-US" dirty="0"/>
+          </a:p>
+        </p:txBody>
+      </p:sp>
+    </p:spTree>
+    <p:extLst>
+      <p:ext uri="{BB962C8B-B14F-4D97-AF65-F5344CB8AC3E}">
+        <p14:creationId xmlns:p14="http://schemas.microsoft.com/office/powerpoint/2010/main" val="40208919"/>
+      </p:ext>
+    </p:extLst>
+  </p:cSld>
+  <p:clrMapOvr>
+    <a:masterClrMapping/>
+  </p:clrMapOvr>
+</p:sld>
+</file>
+
+<file path=ppt/slides/slide12.xml><?xml version="1.0" encoding="utf-8"?>
+<p:sld xmlns:a="http://schemas.openxmlformats.org/drawingml/2006/main" xmlns:r="http://schemas.openxmlformats.org/officeDocument/2006/relationships" xmlns:p="http://schemas.openxmlformats.org/presentationml/2006/main">
+  <p:cSld>
+    <p:spTree>
+      <p:nvGrpSpPr>
+        <p:cNvPr id="1" name=""/>
+        <p:cNvGrpSpPr/>
+        <p:nvPr/>
+      </p:nvGrpSpPr>
+      <p:grpSpPr>
+        <a:xfrm>
+          <a:off x="0" y="0"/>
+          <a:ext cx="0" cy="0"/>
+          <a:chOff x="0" y="0"/>
+          <a:chExt cx="0" cy="0"/>
+        </a:xfrm>
+      </p:grpSpPr>
+      <p:sp>
+        <p:nvSpPr>
+          <p:cNvPr id="2" name="Title 1"/>
+          <p:cNvSpPr>
+            <a:spLocks noGrp="1"/>
+          </p:cNvSpPr>
+          <p:nvPr>
+            <p:ph type="title"/>
+          </p:nvPr>
+        </p:nvSpPr>
+        <p:spPr/>
+        <p:txBody>
+          <a:bodyPr/>
+          <a:lstStyle/>
+          <a:p>
+            <a:r>
               <a:rPr lang="en-US" dirty="0" smtClean="0"/>
               <a:t>Results: Calibration</a:t>
             </a:r>
@@ -6617,7 +15322,7 @@
           <a:graphicData uri="http://schemas.openxmlformats.org/presentationml/2006/ole">
             <mc:AlternateContent xmlns:mc="http://schemas.openxmlformats.org/markup-compatibility/2006">
               <mc:Choice xmlns:v="urn:schemas-microsoft-com:vml" Requires="v">
-                <p:oleObj spid="_x0000_s1058" name="Equation" r:id="rId3" imgW="114300" imgH="165100" progId="Equation.3">
+                <p:oleObj spid="_x0000_s1109" name="Equation" r:id="rId3" imgW="114300" imgH="165100" progId="Equation.3">
                   <p:embed/>
                 </p:oleObj>
               </mc:Choice>
@@ -6674,7 +15379,7 @@
           <a:graphicData uri="http://schemas.openxmlformats.org/presentationml/2006/ole">
             <mc:AlternateContent xmlns:mc="http://schemas.openxmlformats.org/markup-compatibility/2006">
               <mc:Choice xmlns:v="urn:schemas-microsoft-com:vml" Requires="v">
-                <p:oleObj spid="_x0000_s1059" name="Equation" r:id="rId5" imgW="139700" imgH="393700" progId="Equation.3">
+                <p:oleObj spid="_x0000_s1110" name="Equation" r:id="rId5" imgW="139700" imgH="393700" progId="Equation.3">
                   <p:embed/>
                 </p:oleObj>
               </mc:Choice>
@@ -6731,7 +15436,7 @@
           <a:graphicData uri="http://schemas.openxmlformats.org/presentationml/2006/ole">
             <mc:AlternateContent xmlns:mc="http://schemas.openxmlformats.org/markup-compatibility/2006">
               <mc:Choice xmlns:v="urn:schemas-microsoft-com:vml" Requires="v">
-                <p:oleObj spid="_x0000_s1060" name="Equation" r:id="rId7" imgW="228600" imgH="393700" progId="Equation.3">
+                <p:oleObj spid="_x0000_s1111" name="Equation" r:id="rId7" imgW="228600" imgH="393700" progId="Equation.3">
                   <p:embed/>
                 </p:oleObj>
               </mc:Choice>
@@ -7736,6 +16441,50 @@
           </a:p>
         </p:txBody>
       </p:sp>
+      <p:graphicFrame>
+        <p:nvGraphicFramePr>
+          <p:cNvPr id="8" name="Diagram 7"/>
+          <p:cNvGraphicFramePr/>
+          <p:nvPr>
+            <p:extLst>
+              <p:ext uri="{D42A27DB-BD31-4B8C-83A1-F6EECF244321}">
+                <p14:modId xmlns:p14="http://schemas.microsoft.com/office/powerpoint/2010/main" val="2229727805"/>
+              </p:ext>
+            </p:extLst>
+          </p:nvPr>
+        </p:nvGraphicFramePr>
+        <p:xfrm>
+          <a:off x="1788764" y="18321300"/>
+          <a:ext cx="26711302" cy="7394480"/>
+        </p:xfrm>
+        <a:graphic>
+          <a:graphicData uri="http://schemas.openxmlformats.org/drawingml/2006/diagram">
+            <dgm:relIds xmlns:dgm="http://schemas.openxmlformats.org/drawingml/2006/diagram" xmlns:r="http://schemas.openxmlformats.org/officeDocument/2006/relationships" r:dm="rId2" r:lo="rId3" r:qs="rId4" r:cs="rId5"/>
+          </a:graphicData>
+        </a:graphic>
+      </p:graphicFrame>
+      <p:graphicFrame>
+        <p:nvGraphicFramePr>
+          <p:cNvPr id="9" name="Diagram 8"/>
+          <p:cNvGraphicFramePr/>
+          <p:nvPr>
+            <p:extLst>
+              <p:ext uri="{D42A27DB-BD31-4B8C-83A1-F6EECF244321}">
+                <p14:modId xmlns:p14="http://schemas.microsoft.com/office/powerpoint/2010/main" val="2229727805"/>
+              </p:ext>
+            </p:extLst>
+          </p:nvPr>
+        </p:nvGraphicFramePr>
+        <p:xfrm>
+          <a:off x="1941164" y="18473700"/>
+          <a:ext cx="26711302" cy="7394480"/>
+        </p:xfrm>
+        <a:graphic>
+          <a:graphicData uri="http://schemas.openxmlformats.org/drawingml/2006/diagram">
+            <dgm:relIds xmlns:dgm="http://schemas.openxmlformats.org/drawingml/2006/diagram" xmlns:r="http://schemas.openxmlformats.org/officeDocument/2006/relationships" r:dm="rId7" r:lo="rId8" r:qs="rId9" r:cs="rId10"/>
+          </a:graphicData>
+        </a:graphic>
+      </p:graphicFrame>
     </p:spTree>
     <p:extLst>
       <p:ext uri="{BB962C8B-B14F-4D97-AF65-F5344CB8AC3E}">
@@ -7986,38 +16735,566 @@
           <a:p>
             <a:r>
               <a:rPr lang="en-US" dirty="0" smtClean="0"/>
-              <a:t>Confusion matrix, selectivity matrix</a:t>
-            </a:r>
-          </a:p>
-          <a:p>
+              <a:t>Confusion matrix P</a:t>
+            </a:r>
+            <a:r>
+              <a:rPr lang="en-US" baseline="-25000" dirty="0" smtClean="0"/>
+              <a:t>i , </a:t>
+            </a:r>
             <a:r>
               <a:rPr lang="en-US" dirty="0" smtClean="0"/>
-              <a:t>Observation probabilities</a:t>
-            </a:r>
-          </a:p>
-          <a:p>
+              <a:t>Selectivity vector S, diagonal S</a:t>
+            </a:r>
+            <a:r>
+              <a:rPr lang="en-US" baseline="30000" dirty="0" smtClean="0"/>
+              <a:t>D</a:t>
+            </a:r>
+          </a:p>
+          <a:p>
+            <a:pPr marL="0" indent="0">
+              <a:buNone/>
+            </a:pPr>
+            <a:endParaRPr lang="en-US" dirty="0" smtClean="0"/>
+          </a:p>
+          <a:p>
+            <a:pPr marL="0" indent="0">
+              <a:buNone/>
+            </a:pPr>
             <a:r>
               <a:rPr lang="en-US" dirty="0" smtClean="0"/>
-              <a:t>Comparison matrix</a:t>
-            </a:r>
+              <a:t>    e.g.                           ,              , </a:t>
+            </a:r>
+            <a:endParaRPr lang="en-US" dirty="0"/>
+          </a:p>
+          <a:p>
+            <a:pPr marL="0" indent="0">
+              <a:buNone/>
+            </a:pPr>
+            <a:endParaRPr lang="en-US" dirty="0" smtClean="0"/>
           </a:p>
           <a:p>
             <a:r>
               <a:rPr lang="en-US" dirty="0" smtClean="0"/>
-              <a:t>Solving, unitary matrix, </a:t>
-            </a:r>
-            <a:r>
-              <a:rPr lang="en-US" dirty="0" err="1" smtClean="0"/>
-              <a:t>eigen</a:t>
+              <a:t>P</a:t>
+            </a:r>
+            <a:r>
+              <a:rPr lang="en-US" baseline="-25000" dirty="0" smtClean="0"/>
+              <a:t>i</a:t>
             </a:r>
             <a:r>
               <a:rPr lang="en-US" dirty="0" smtClean="0"/>
-              <a:t> solution</a:t>
-            </a:r>
-            <a:endParaRPr lang="en-US" dirty="0"/>
+              <a:t>’s, S : Column-stochastic, unknown</a:t>
+            </a:r>
+          </a:p>
+          <a:p>
+            <a:r>
+              <a:rPr lang="en-US" dirty="0" smtClean="0"/>
+              <a:t>Observation probabilities given by </a:t>
+            </a:r>
+            <a:r>
+              <a:rPr lang="en-US" b="1" dirty="0" err="1" smtClean="0"/>
+              <a:t>P</a:t>
+            </a:r>
+            <a:r>
+              <a:rPr lang="en-US" b="1" baseline="-25000" dirty="0" err="1" smtClean="0"/>
+              <a:t>i</a:t>
+            </a:r>
+            <a:r>
+              <a:rPr lang="en-US" b="1" dirty="0" err="1" smtClean="0"/>
+              <a:t>S</a:t>
+            </a:r>
+            <a:endParaRPr lang="en-US" b="1" dirty="0" smtClean="0"/>
           </a:p>
         </p:txBody>
       </p:sp>
+      <p:graphicFrame>
+        <p:nvGraphicFramePr>
+          <p:cNvPr id="4" name="Table 3"/>
+          <p:cNvGraphicFramePr>
+            <a:graphicFrameLocks noGrp="1"/>
+          </p:cNvGraphicFramePr>
+          <p:nvPr>
+            <p:extLst>
+              <p:ext uri="{D42A27DB-BD31-4B8C-83A1-F6EECF244321}">
+                <p14:modId xmlns:p14="http://schemas.microsoft.com/office/powerpoint/2010/main" val="3266693032"/>
+              </p:ext>
+            </p:extLst>
+          </p:nvPr>
+        </p:nvGraphicFramePr>
+        <p:xfrm>
+          <a:off x="1537655" y="2097618"/>
+          <a:ext cx="1766952" cy="1320255"/>
+        </p:xfrm>
+        <a:graphic>
+          <a:graphicData uri="http://schemas.openxmlformats.org/drawingml/2006/table">
+            <a:tbl>
+              <a:tblPr firstRow="1" bandRow="1">
+                <a:tableStyleId>{5940675A-B579-460E-94D1-54222C63F5DA}</a:tableStyleId>
+              </a:tblPr>
+              <a:tblGrid>
+                <a:gridCol w="588984"/>
+                <a:gridCol w="588984"/>
+                <a:gridCol w="588984"/>
+              </a:tblGrid>
+              <a:tr h="440085">
+                <a:tc>
+                  <a:txBody>
+                    <a:bodyPr/>
+                    <a:lstStyle/>
+                    <a:p>
+                      <a:r>
+                        <a:rPr lang="en-US" dirty="0" smtClean="0"/>
+                        <a:t>0.8</a:t>
+                      </a:r>
+                      <a:endParaRPr lang="en-US" dirty="0"/>
+                    </a:p>
+                  </a:txBody>
+                  <a:tcPr/>
+                </a:tc>
+                <a:tc>
+                  <a:txBody>
+                    <a:bodyPr/>
+                    <a:lstStyle/>
+                    <a:p>
+                      <a:r>
+                        <a:rPr lang="en-US" dirty="0" smtClean="0"/>
+                        <a:t>0.1</a:t>
+                      </a:r>
+                      <a:endParaRPr lang="en-US" dirty="0"/>
+                    </a:p>
+                  </a:txBody>
+                  <a:tcPr/>
+                </a:tc>
+                <a:tc>
+                  <a:txBody>
+                    <a:bodyPr/>
+                    <a:lstStyle/>
+                    <a:p>
+                      <a:r>
+                        <a:rPr lang="en-US" dirty="0" smtClean="0"/>
+                        <a:t>0.3</a:t>
+                      </a:r>
+                      <a:endParaRPr lang="en-US" dirty="0"/>
+                    </a:p>
+                  </a:txBody>
+                  <a:tcPr/>
+                </a:tc>
+              </a:tr>
+              <a:tr h="440085">
+                <a:tc>
+                  <a:txBody>
+                    <a:bodyPr/>
+                    <a:lstStyle/>
+                    <a:p>
+                      <a:r>
+                        <a:rPr lang="en-US" dirty="0" smtClean="0"/>
+                        <a:t>0.1</a:t>
+                      </a:r>
+                      <a:endParaRPr lang="en-US" dirty="0"/>
+                    </a:p>
+                  </a:txBody>
+                  <a:tcPr/>
+                </a:tc>
+                <a:tc>
+                  <a:txBody>
+                    <a:bodyPr/>
+                    <a:lstStyle/>
+                    <a:p>
+                      <a:r>
+                        <a:rPr lang="en-US" dirty="0" smtClean="0"/>
+                        <a:t>0.7</a:t>
+                      </a:r>
+                      <a:endParaRPr lang="en-US" dirty="0"/>
+                    </a:p>
+                  </a:txBody>
+                  <a:tcPr/>
+                </a:tc>
+                <a:tc>
+                  <a:txBody>
+                    <a:bodyPr/>
+                    <a:lstStyle/>
+                    <a:p>
+                      <a:r>
+                        <a:rPr lang="en-US" dirty="0" smtClean="0"/>
+                        <a:t>0.1</a:t>
+                      </a:r>
+                      <a:endParaRPr lang="en-US" dirty="0"/>
+                    </a:p>
+                  </a:txBody>
+                  <a:tcPr/>
+                </a:tc>
+              </a:tr>
+              <a:tr h="440085">
+                <a:tc>
+                  <a:txBody>
+                    <a:bodyPr/>
+                    <a:lstStyle/>
+                    <a:p>
+                      <a:r>
+                        <a:rPr lang="en-US" dirty="0" smtClean="0"/>
+                        <a:t>0.1</a:t>
+                      </a:r>
+                      <a:endParaRPr lang="en-US" dirty="0"/>
+                    </a:p>
+                  </a:txBody>
+                  <a:tcPr/>
+                </a:tc>
+                <a:tc>
+                  <a:txBody>
+                    <a:bodyPr/>
+                    <a:lstStyle/>
+                    <a:p>
+                      <a:r>
+                        <a:rPr lang="en-US" dirty="0" smtClean="0"/>
+                        <a:t>0.2</a:t>
+                      </a:r>
+                      <a:endParaRPr lang="en-US" dirty="0"/>
+                    </a:p>
+                  </a:txBody>
+                  <a:tcPr/>
+                </a:tc>
+                <a:tc>
+                  <a:txBody>
+                    <a:bodyPr/>
+                    <a:lstStyle/>
+                    <a:p>
+                      <a:r>
+                        <a:rPr lang="en-US" dirty="0" smtClean="0"/>
+                        <a:t>0.6</a:t>
+                      </a:r>
+                      <a:endParaRPr lang="en-US" dirty="0"/>
+                    </a:p>
+                  </a:txBody>
+                  <a:tcPr/>
+                </a:tc>
+              </a:tr>
+            </a:tbl>
+          </a:graphicData>
+        </a:graphic>
+      </p:graphicFrame>
+      <p:graphicFrame>
+        <p:nvGraphicFramePr>
+          <p:cNvPr id="5" name="Table 4"/>
+          <p:cNvGraphicFramePr>
+            <a:graphicFrameLocks noGrp="1"/>
+          </p:cNvGraphicFramePr>
+          <p:nvPr>
+            <p:extLst>
+              <p:ext uri="{D42A27DB-BD31-4B8C-83A1-F6EECF244321}">
+                <p14:modId xmlns:p14="http://schemas.microsoft.com/office/powerpoint/2010/main" val="925992086"/>
+              </p:ext>
+            </p:extLst>
+          </p:nvPr>
+        </p:nvGraphicFramePr>
+        <p:xfrm>
+          <a:off x="4006581" y="2097617"/>
+          <a:ext cx="551621" cy="1320255"/>
+        </p:xfrm>
+        <a:graphic>
+          <a:graphicData uri="http://schemas.openxmlformats.org/drawingml/2006/table">
+            <a:tbl>
+              <a:tblPr firstRow="1" bandRow="1">
+                <a:tableStyleId>{5940675A-B579-460E-94D1-54222C63F5DA}</a:tableStyleId>
+              </a:tblPr>
+              <a:tblGrid>
+                <a:gridCol w="551621"/>
+              </a:tblGrid>
+              <a:tr h="440085">
+                <a:tc>
+                  <a:txBody>
+                    <a:bodyPr/>
+                    <a:lstStyle/>
+                    <a:p>
+                      <a:r>
+                        <a:rPr lang="en-US" dirty="0" smtClean="0"/>
+                        <a:t>0.4</a:t>
+                      </a:r>
+                      <a:endParaRPr lang="en-US" dirty="0"/>
+                    </a:p>
+                  </a:txBody>
+                  <a:tcPr/>
+                </a:tc>
+              </a:tr>
+              <a:tr h="440085">
+                <a:tc>
+                  <a:txBody>
+                    <a:bodyPr/>
+                    <a:lstStyle/>
+                    <a:p>
+                      <a:r>
+                        <a:rPr lang="en-US" dirty="0" smtClean="0"/>
+                        <a:t>0.2</a:t>
+                      </a:r>
+                      <a:endParaRPr lang="en-US" dirty="0"/>
+                    </a:p>
+                  </a:txBody>
+                  <a:tcPr/>
+                </a:tc>
+              </a:tr>
+              <a:tr h="440085">
+                <a:tc>
+                  <a:txBody>
+                    <a:bodyPr/>
+                    <a:lstStyle/>
+                    <a:p>
+                      <a:r>
+                        <a:rPr lang="en-US" dirty="0" smtClean="0"/>
+                        <a:t>0.4</a:t>
+                      </a:r>
+                      <a:endParaRPr lang="en-US" dirty="0"/>
+                    </a:p>
+                  </a:txBody>
+                  <a:tcPr/>
+                </a:tc>
+              </a:tr>
+            </a:tbl>
+          </a:graphicData>
+        </a:graphic>
+      </p:graphicFrame>
+      <p:graphicFrame>
+        <p:nvGraphicFramePr>
+          <p:cNvPr id="6" name="Table 5"/>
+          <p:cNvGraphicFramePr>
+            <a:graphicFrameLocks noGrp="1"/>
+          </p:cNvGraphicFramePr>
+          <p:nvPr>
+            <p:extLst>
+              <p:ext uri="{D42A27DB-BD31-4B8C-83A1-F6EECF244321}">
+                <p14:modId xmlns:p14="http://schemas.microsoft.com/office/powerpoint/2010/main" val="2925425624"/>
+              </p:ext>
+            </p:extLst>
+          </p:nvPr>
+        </p:nvGraphicFramePr>
+        <p:xfrm>
+          <a:off x="5377015" y="2088197"/>
+          <a:ext cx="1766952" cy="1320255"/>
+        </p:xfrm>
+        <a:graphic>
+          <a:graphicData uri="http://schemas.openxmlformats.org/drawingml/2006/table">
+            <a:tbl>
+              <a:tblPr firstRow="1" bandRow="1">
+                <a:tableStyleId>{5940675A-B579-460E-94D1-54222C63F5DA}</a:tableStyleId>
+              </a:tblPr>
+              <a:tblGrid>
+                <a:gridCol w="588984"/>
+                <a:gridCol w="588984"/>
+                <a:gridCol w="588984"/>
+              </a:tblGrid>
+              <a:tr h="440085">
+                <a:tc>
+                  <a:txBody>
+                    <a:bodyPr/>
+                    <a:lstStyle/>
+                    <a:p>
+                      <a:r>
+                        <a:rPr lang="en-US" dirty="0" smtClean="0"/>
+                        <a:t>0.4</a:t>
+                      </a:r>
+                      <a:endParaRPr lang="en-US" dirty="0"/>
+                    </a:p>
+                  </a:txBody>
+                  <a:tcPr/>
+                </a:tc>
+                <a:tc>
+                  <a:txBody>
+                    <a:bodyPr/>
+                    <a:lstStyle/>
+                    <a:p>
+                      <a:r>
+                        <a:rPr lang="en-US" dirty="0" smtClean="0"/>
+                        <a:t>0</a:t>
+                      </a:r>
+                      <a:endParaRPr lang="en-US" dirty="0"/>
+                    </a:p>
+                  </a:txBody>
+                  <a:tcPr/>
+                </a:tc>
+                <a:tc>
+                  <a:txBody>
+                    <a:bodyPr/>
+                    <a:lstStyle/>
+                    <a:p>
+                      <a:r>
+                        <a:rPr lang="en-US" dirty="0" smtClean="0"/>
+                        <a:t>0</a:t>
+                      </a:r>
+                      <a:endParaRPr lang="en-US" dirty="0"/>
+                    </a:p>
+                  </a:txBody>
+                  <a:tcPr/>
+                </a:tc>
+              </a:tr>
+              <a:tr h="440085">
+                <a:tc>
+                  <a:txBody>
+                    <a:bodyPr/>
+                    <a:lstStyle/>
+                    <a:p>
+                      <a:r>
+                        <a:rPr lang="en-US" dirty="0" smtClean="0"/>
+                        <a:t>0</a:t>
+                      </a:r>
+                      <a:endParaRPr lang="en-US" dirty="0"/>
+                    </a:p>
+                  </a:txBody>
+                  <a:tcPr/>
+                </a:tc>
+                <a:tc>
+                  <a:txBody>
+                    <a:bodyPr/>
+                    <a:lstStyle/>
+                    <a:p>
+                      <a:r>
+                        <a:rPr lang="en-US" dirty="0" smtClean="0"/>
+                        <a:t>0.2</a:t>
+                      </a:r>
+                      <a:endParaRPr lang="en-US" dirty="0"/>
+                    </a:p>
+                  </a:txBody>
+                  <a:tcPr/>
+                </a:tc>
+                <a:tc>
+                  <a:txBody>
+                    <a:bodyPr/>
+                    <a:lstStyle/>
+                    <a:p>
+                      <a:r>
+                        <a:rPr lang="en-US" dirty="0" smtClean="0"/>
+                        <a:t>0</a:t>
+                      </a:r>
+                      <a:endParaRPr lang="en-US" dirty="0"/>
+                    </a:p>
+                  </a:txBody>
+                  <a:tcPr/>
+                </a:tc>
+              </a:tr>
+              <a:tr h="440085">
+                <a:tc>
+                  <a:txBody>
+                    <a:bodyPr/>
+                    <a:lstStyle/>
+                    <a:p>
+                      <a:r>
+                        <a:rPr lang="en-US" dirty="0" smtClean="0"/>
+                        <a:t>0</a:t>
+                      </a:r>
+                      <a:endParaRPr lang="en-US" dirty="0"/>
+                    </a:p>
+                  </a:txBody>
+                  <a:tcPr/>
+                </a:tc>
+                <a:tc>
+                  <a:txBody>
+                    <a:bodyPr/>
+                    <a:lstStyle/>
+                    <a:p>
+                      <a:r>
+                        <a:rPr lang="en-US" dirty="0" smtClean="0"/>
+                        <a:t>0</a:t>
+                      </a:r>
+                      <a:endParaRPr lang="en-US" dirty="0"/>
+                    </a:p>
+                  </a:txBody>
+                  <a:tcPr/>
+                </a:tc>
+                <a:tc>
+                  <a:txBody>
+                    <a:bodyPr/>
+                    <a:lstStyle/>
+                    <a:p>
+                      <a:r>
+                        <a:rPr lang="en-US" dirty="0" smtClean="0"/>
+                        <a:t>0.4</a:t>
+                      </a:r>
+                      <a:endParaRPr lang="en-US" dirty="0"/>
+                    </a:p>
+                  </a:txBody>
+                  <a:tcPr/>
+                </a:tc>
+              </a:tr>
+            </a:tbl>
+          </a:graphicData>
+        </a:graphic>
+      </p:graphicFrame>
+      <p:graphicFrame>
+        <p:nvGraphicFramePr>
+          <p:cNvPr id="7" name="Table 6"/>
+          <p:cNvGraphicFramePr>
+            <a:graphicFrameLocks noGrp="1"/>
+          </p:cNvGraphicFramePr>
+          <p:nvPr>
+            <p:extLst>
+              <p:ext uri="{D42A27DB-BD31-4B8C-83A1-F6EECF244321}">
+                <p14:modId xmlns:p14="http://schemas.microsoft.com/office/powerpoint/2010/main" val="216597744"/>
+              </p:ext>
+            </p:extLst>
+          </p:nvPr>
+        </p:nvGraphicFramePr>
+        <p:xfrm>
+          <a:off x="827062" y="4707536"/>
+          <a:ext cx="710593" cy="1320255"/>
+        </p:xfrm>
+        <a:graphic>
+          <a:graphicData uri="http://schemas.openxmlformats.org/drawingml/2006/table">
+            <a:tbl>
+              <a:tblPr firstRow="1" bandRow="1">
+                <a:tableStyleId>{5940675A-B579-460E-94D1-54222C63F5DA}</a:tableStyleId>
+              </a:tblPr>
+              <a:tblGrid>
+                <a:gridCol w="710593"/>
+              </a:tblGrid>
+              <a:tr h="440085">
+                <a:tc>
+                  <a:txBody>
+                    <a:bodyPr/>
+                    <a:lstStyle/>
+                    <a:p>
+                      <a:r>
+                        <a:rPr lang="en-US" dirty="0" smtClean="0"/>
+                        <a:t>0.46</a:t>
+                      </a:r>
+                      <a:endParaRPr lang="en-US" dirty="0"/>
+                    </a:p>
+                  </a:txBody>
+                  <a:tcPr/>
+                </a:tc>
+              </a:tr>
+              <a:tr h="440085">
+                <a:tc>
+                  <a:txBody>
+                    <a:bodyPr/>
+                    <a:lstStyle/>
+                    <a:p>
+                      <a:r>
+                        <a:rPr lang="en-US" dirty="0" smtClean="0"/>
+                        <a:t>0.22</a:t>
+                      </a:r>
+                      <a:endParaRPr lang="en-US" dirty="0"/>
+                    </a:p>
+                  </a:txBody>
+                  <a:tcPr/>
+                </a:tc>
+              </a:tr>
+              <a:tr h="440085">
+                <a:tc>
+                  <a:txBody>
+                    <a:bodyPr/>
+                    <a:lstStyle/>
+                    <a:p>
+                      <a:r>
+                        <a:rPr lang="en-US" dirty="0" smtClean="0"/>
+                        <a:t>0.32</a:t>
+                      </a:r>
+                      <a:endParaRPr lang="en-US" dirty="0"/>
+                    </a:p>
+                  </a:txBody>
+                  <a:tcPr/>
+                </a:tc>
+              </a:tr>
+            </a:tbl>
+          </a:graphicData>
+        </a:graphic>
+      </p:graphicFrame>
     </p:spTree>
     <p:extLst>
       <p:ext uri="{BB962C8B-B14F-4D97-AF65-F5344CB8AC3E}">

--- a/Presentation/WorkerEval.pptx
+++ b/Presentation/WorkerEval.pptx
@@ -13,10 +13,11 @@
     <p:sldId id="258" r:id="rId7"/>
     <p:sldId id="264" r:id="rId8"/>
     <p:sldId id="259" r:id="rId9"/>
-    <p:sldId id="260" r:id="rId10"/>
-    <p:sldId id="266" r:id="rId11"/>
-    <p:sldId id="267" r:id="rId12"/>
-    <p:sldId id="265" r:id="rId13"/>
+    <p:sldId id="268" r:id="rId10"/>
+    <p:sldId id="260" r:id="rId11"/>
+    <p:sldId id="266" r:id="rId12"/>
+    <p:sldId id="267" r:id="rId13"/>
+    <p:sldId id="265" r:id="rId14"/>
   </p:sldIdLst>
   <p:sldSz cx="9144000" cy="6858000" type="screen4x3"/>
   <p:notesSz cx="6858000" cy="9144000"/>
@@ -14507,9 +14508,10 @@
           <a:lstStyle/>
           <a:p>
             <a:r>
-              <a:rPr lang="en-US" dirty="0"/>
+              <a:rPr lang="en-US" dirty="0" smtClean="0"/>
               <a:t>3 Workers Non-binary Tasks</a:t>
             </a:r>
+            <a:endParaRPr lang="en-US" dirty="0"/>
           </a:p>
         </p:txBody>
       </p:sp>
@@ -14525,235 +14527,25 @@
         </p:nvSpPr>
         <p:spPr/>
         <p:txBody>
-          <a:bodyPr>
-            <a:normAutofit/>
-          </a:bodyPr>
+          <a:bodyPr/>
           <a:lstStyle/>
           <a:p>
             <a:r>
               <a:rPr lang="en-US" dirty="0" smtClean="0"/>
-              <a:t>Compute comparison matrices (frequencies of response-pairs of workers </a:t>
-            </a:r>
-            <a:r>
-              <a:rPr lang="en-US" dirty="0" err="1" smtClean="0"/>
-              <a:t>w</a:t>
-            </a:r>
-            <a:r>
-              <a:rPr lang="en-US" baseline="-25000" dirty="0" err="1" smtClean="0"/>
-              <a:t>i</a:t>
-            </a:r>
-            <a:r>
-              <a:rPr lang="en-US" dirty="0" err="1" smtClean="0"/>
-              <a:t>,w</a:t>
-            </a:r>
-            <a:r>
-              <a:rPr lang="en-US" baseline="-25000" dirty="0" err="1" smtClean="0"/>
-              <a:t>j</a:t>
+              <a:t>Confusion matrix P</a:t>
+            </a:r>
+            <a:r>
+              <a:rPr lang="en-US" baseline="-25000" dirty="0" smtClean="0"/>
+              <a:t>i , </a:t>
             </a:r>
             <a:r>
               <a:rPr lang="en-US" dirty="0" smtClean="0"/>
-              <a:t>) </a:t>
-            </a:r>
-          </a:p>
-          <a:p>
-            <a:r>
-              <a:rPr lang="en-US" dirty="0" err="1" smtClean="0"/>
-              <a:t>C</a:t>
-            </a:r>
-            <a:r>
-              <a:rPr lang="en-US" baseline="-25000" dirty="0" err="1" smtClean="0"/>
-              <a:t>ij</a:t>
-            </a:r>
-            <a:r>
-              <a:rPr lang="en-US" dirty="0" smtClean="0"/>
-              <a:t> ~ </a:t>
-            </a:r>
-            <a:r>
-              <a:rPr lang="en-US" dirty="0" err="1" smtClean="0"/>
-              <a:t>P</a:t>
-            </a:r>
-            <a:r>
-              <a:rPr lang="en-US" baseline="-25000" dirty="0" err="1" smtClean="0"/>
-              <a:t>i</a:t>
-            </a:r>
-            <a:r>
-              <a:rPr lang="en-US" dirty="0" err="1" smtClean="0"/>
-              <a:t>S</a:t>
-            </a:r>
-            <a:r>
-              <a:rPr lang="en-US" baseline="30000" dirty="0" err="1" smtClean="0"/>
+              <a:t>Selectivity vector S, diagonal S</a:t>
+            </a:r>
+            <a:r>
+              <a:rPr lang="en-US" baseline="30000" dirty="0" smtClean="0"/>
               <a:t>D</a:t>
             </a:r>
-            <a:r>
-              <a:rPr lang="en-US" dirty="0" err="1" smtClean="0"/>
-              <a:t>P</a:t>
-            </a:r>
-            <a:r>
-              <a:rPr lang="en-US" baseline="-25000" dirty="0" err="1" smtClean="0"/>
-              <a:t>j</a:t>
-            </a:r>
-            <a:r>
-              <a:rPr lang="en-US" baseline="30000" dirty="0" err="1" smtClean="0"/>
-              <a:t>T</a:t>
-            </a:r>
-            <a:r>
-              <a:rPr lang="en-US" dirty="0"/>
-              <a:t> </a:t>
-            </a:r>
-            <a:endParaRPr lang="en-US" dirty="0" smtClean="0"/>
-          </a:p>
-          <a:p>
-            <a:r>
-              <a:rPr lang="en-US" dirty="0" smtClean="0"/>
-              <a:t>Compute D</a:t>
-            </a:r>
-            <a:r>
-              <a:rPr lang="en-US" baseline="-25000" dirty="0" smtClean="0"/>
-              <a:t>i</a:t>
-            </a:r>
-            <a:r>
-              <a:rPr lang="en-US" dirty="0" smtClean="0"/>
-              <a:t> </a:t>
-            </a:r>
-            <a:r>
-              <a:rPr lang="en-US" dirty="0"/>
-              <a:t>= </a:t>
-            </a:r>
-            <a:r>
-              <a:rPr lang="en-US" dirty="0" err="1"/>
-              <a:t>C</a:t>
-            </a:r>
-            <a:r>
-              <a:rPr lang="en-US" baseline="-25000" dirty="0" err="1"/>
-              <a:t>ij</a:t>
-            </a:r>
-            <a:r>
-              <a:rPr lang="en-US" dirty="0"/>
-              <a:t>(</a:t>
-            </a:r>
-            <a:r>
-              <a:rPr lang="en-US" dirty="0" err="1"/>
-              <a:t>C</a:t>
-            </a:r>
-            <a:r>
-              <a:rPr lang="en-US" baseline="-25000" dirty="0" err="1"/>
-              <a:t>jk</a:t>
-            </a:r>
-            <a:r>
-              <a:rPr lang="en-US" baseline="30000" dirty="0" err="1"/>
-              <a:t>T</a:t>
-            </a:r>
-            <a:r>
-              <a:rPr lang="en-US" dirty="0"/>
-              <a:t>)</a:t>
-            </a:r>
-            <a:r>
-              <a:rPr lang="en-US" baseline="30000" dirty="0"/>
-              <a:t>-1</a:t>
-            </a:r>
-            <a:r>
-              <a:rPr lang="en-US" dirty="0"/>
-              <a:t>C</a:t>
-            </a:r>
-            <a:r>
-              <a:rPr lang="en-US" baseline="-25000" dirty="0"/>
-              <a:t>ki</a:t>
-            </a:r>
-            <a:r>
-              <a:rPr lang="en-US" dirty="0"/>
-              <a:t> </a:t>
-            </a:r>
-            <a:r>
-              <a:rPr lang="en-US" dirty="0" smtClean="0"/>
-              <a:t>= </a:t>
-            </a:r>
-            <a:r>
-              <a:rPr lang="en-US" dirty="0" err="1"/>
-              <a:t>P</a:t>
-            </a:r>
-            <a:r>
-              <a:rPr lang="en-US" baseline="-25000" dirty="0" err="1"/>
-              <a:t>i</a:t>
-            </a:r>
-            <a:r>
-              <a:rPr lang="en-US" dirty="0" err="1"/>
-              <a:t>S</a:t>
-            </a:r>
-            <a:r>
-              <a:rPr lang="en-US" baseline="30000" dirty="0" err="1"/>
-              <a:t>D</a:t>
-            </a:r>
-            <a:r>
-              <a:rPr lang="en-US" dirty="0" err="1"/>
-              <a:t>P</a:t>
-            </a:r>
-            <a:r>
-              <a:rPr lang="en-US" baseline="-25000" dirty="0" err="1"/>
-              <a:t>i</a:t>
-            </a:r>
-            <a:r>
-              <a:rPr lang="en-US" baseline="30000" dirty="0" err="1"/>
-              <a:t>T</a:t>
-            </a:r>
-            <a:r>
-              <a:rPr lang="en-US" dirty="0"/>
-              <a:t> </a:t>
-            </a:r>
-          </a:p>
-          <a:p>
-            <a:r>
-              <a:rPr lang="en-US" dirty="0"/>
-              <a:t>Eigenvalue decomposition of D</a:t>
-            </a:r>
-            <a:r>
-              <a:rPr lang="en-US" baseline="-25000" dirty="0"/>
-              <a:t>i</a:t>
-            </a:r>
-            <a:r>
-              <a:rPr lang="en-US" dirty="0"/>
-              <a:t> gives V</a:t>
-            </a:r>
-            <a:r>
-              <a:rPr lang="en-US" baseline="-25000" dirty="0"/>
-              <a:t>i</a:t>
-            </a:r>
-            <a:r>
-              <a:rPr lang="en-US" dirty="0"/>
-              <a:t> </a:t>
-            </a:r>
-            <a:r>
-              <a:rPr lang="en-US" dirty="0" smtClean="0"/>
-              <a:t>= </a:t>
-            </a:r>
-            <a:r>
-              <a:rPr lang="en-US" dirty="0"/>
-              <a:t>U √S</a:t>
-            </a:r>
-            <a:r>
-              <a:rPr lang="en-US" baseline="30000" dirty="0"/>
-              <a:t>D </a:t>
-            </a:r>
-            <a:r>
-              <a:rPr lang="en-US" dirty="0"/>
-              <a:t>P</a:t>
-            </a:r>
-            <a:r>
-              <a:rPr lang="en-US" baseline="-25000" dirty="0"/>
-              <a:t>i</a:t>
-            </a:r>
-            <a:r>
-              <a:rPr lang="en-US" dirty="0"/>
-              <a:t>, for a unitary U. </a:t>
-            </a:r>
-          </a:p>
-          <a:p>
-            <a:endParaRPr lang="en-US" baseline="30000" dirty="0"/>
-          </a:p>
-          <a:p>
-            <a:pPr marL="0" indent="0">
-              <a:buNone/>
-            </a:pPr>
-            <a:endParaRPr lang="en-US" baseline="30000" dirty="0"/>
           </a:p>
           <a:p>
             <a:pPr marL="0" indent="0">
@@ -14761,18 +14553,562 @@
             </a:pPr>
             <a:endParaRPr lang="en-US" dirty="0" smtClean="0"/>
           </a:p>
+          <a:p>
+            <a:pPr marL="0" indent="0">
+              <a:buNone/>
+            </a:pPr>
+            <a:r>
+              <a:rPr lang="en-US" dirty="0" smtClean="0"/>
+              <a:t>    e.g.                           ,              , </a:t>
+            </a:r>
+            <a:endParaRPr lang="en-US" dirty="0"/>
+          </a:p>
+          <a:p>
+            <a:pPr marL="0" indent="0">
+              <a:buNone/>
+            </a:pPr>
+            <a:endParaRPr lang="en-US" dirty="0" smtClean="0"/>
+          </a:p>
+          <a:p>
+            <a:r>
+              <a:rPr lang="en-US" dirty="0" smtClean="0"/>
+              <a:t>P</a:t>
+            </a:r>
+            <a:r>
+              <a:rPr lang="en-US" baseline="-25000" dirty="0" smtClean="0"/>
+              <a:t>i</a:t>
+            </a:r>
+            <a:r>
+              <a:rPr lang="en-US" dirty="0" smtClean="0"/>
+              <a:t>’s, S : Column-stochastic, unknown</a:t>
+            </a:r>
+          </a:p>
+          <a:p>
+            <a:r>
+              <a:rPr lang="en-US" dirty="0" smtClean="0"/>
+              <a:t>Observation probabilities given by </a:t>
+            </a:r>
+            <a:r>
+              <a:rPr lang="en-US" b="1" dirty="0" err="1" smtClean="0"/>
+              <a:t>P</a:t>
+            </a:r>
+            <a:r>
+              <a:rPr lang="en-US" b="1" baseline="-25000" dirty="0" err="1" smtClean="0"/>
+              <a:t>i</a:t>
+            </a:r>
+            <a:r>
+              <a:rPr lang="en-US" b="1" dirty="0" err="1" smtClean="0"/>
+              <a:t>S</a:t>
+            </a:r>
+            <a:endParaRPr lang="en-US" b="1" dirty="0" smtClean="0"/>
+          </a:p>
         </p:txBody>
       </p:sp>
+      <p:graphicFrame>
+        <p:nvGraphicFramePr>
+          <p:cNvPr id="4" name="Table 3"/>
+          <p:cNvGraphicFramePr>
+            <a:graphicFrameLocks noGrp="1"/>
+          </p:cNvGraphicFramePr>
+          <p:nvPr>
+            <p:extLst>
+              <p:ext uri="{D42A27DB-BD31-4B8C-83A1-F6EECF244321}">
+                <p14:modId xmlns:p14="http://schemas.microsoft.com/office/powerpoint/2010/main" val="3266693032"/>
+              </p:ext>
+            </p:extLst>
+          </p:nvPr>
+        </p:nvGraphicFramePr>
+        <p:xfrm>
+          <a:off x="1537655" y="2097618"/>
+          <a:ext cx="1766952" cy="1320255"/>
+        </p:xfrm>
+        <a:graphic>
+          <a:graphicData uri="http://schemas.openxmlformats.org/drawingml/2006/table">
+            <a:tbl>
+              <a:tblPr firstRow="1" bandRow="1">
+                <a:tableStyleId>{5940675A-B579-460E-94D1-54222C63F5DA}</a:tableStyleId>
+              </a:tblPr>
+              <a:tblGrid>
+                <a:gridCol w="588984"/>
+                <a:gridCol w="588984"/>
+                <a:gridCol w="588984"/>
+              </a:tblGrid>
+              <a:tr h="440085">
+                <a:tc>
+                  <a:txBody>
+                    <a:bodyPr/>
+                    <a:lstStyle/>
+                    <a:p>
+                      <a:r>
+                        <a:rPr lang="en-US" dirty="0" smtClean="0"/>
+                        <a:t>0.8</a:t>
+                      </a:r>
+                      <a:endParaRPr lang="en-US" dirty="0"/>
+                    </a:p>
+                  </a:txBody>
+                  <a:tcPr/>
+                </a:tc>
+                <a:tc>
+                  <a:txBody>
+                    <a:bodyPr/>
+                    <a:lstStyle/>
+                    <a:p>
+                      <a:r>
+                        <a:rPr lang="en-US" dirty="0" smtClean="0"/>
+                        <a:t>0.1</a:t>
+                      </a:r>
+                      <a:endParaRPr lang="en-US" dirty="0"/>
+                    </a:p>
+                  </a:txBody>
+                  <a:tcPr/>
+                </a:tc>
+                <a:tc>
+                  <a:txBody>
+                    <a:bodyPr/>
+                    <a:lstStyle/>
+                    <a:p>
+                      <a:r>
+                        <a:rPr lang="en-US" dirty="0" smtClean="0"/>
+                        <a:t>0.3</a:t>
+                      </a:r>
+                      <a:endParaRPr lang="en-US" dirty="0"/>
+                    </a:p>
+                  </a:txBody>
+                  <a:tcPr/>
+                </a:tc>
+              </a:tr>
+              <a:tr h="440085">
+                <a:tc>
+                  <a:txBody>
+                    <a:bodyPr/>
+                    <a:lstStyle/>
+                    <a:p>
+                      <a:r>
+                        <a:rPr lang="en-US" dirty="0" smtClean="0"/>
+                        <a:t>0.1</a:t>
+                      </a:r>
+                      <a:endParaRPr lang="en-US" dirty="0"/>
+                    </a:p>
+                  </a:txBody>
+                  <a:tcPr/>
+                </a:tc>
+                <a:tc>
+                  <a:txBody>
+                    <a:bodyPr/>
+                    <a:lstStyle/>
+                    <a:p>
+                      <a:r>
+                        <a:rPr lang="en-US" dirty="0" smtClean="0"/>
+                        <a:t>0.7</a:t>
+                      </a:r>
+                      <a:endParaRPr lang="en-US" dirty="0"/>
+                    </a:p>
+                  </a:txBody>
+                  <a:tcPr/>
+                </a:tc>
+                <a:tc>
+                  <a:txBody>
+                    <a:bodyPr/>
+                    <a:lstStyle/>
+                    <a:p>
+                      <a:r>
+                        <a:rPr lang="en-US" dirty="0" smtClean="0"/>
+                        <a:t>0.1</a:t>
+                      </a:r>
+                      <a:endParaRPr lang="en-US" dirty="0"/>
+                    </a:p>
+                  </a:txBody>
+                  <a:tcPr/>
+                </a:tc>
+              </a:tr>
+              <a:tr h="440085">
+                <a:tc>
+                  <a:txBody>
+                    <a:bodyPr/>
+                    <a:lstStyle/>
+                    <a:p>
+                      <a:r>
+                        <a:rPr lang="en-US" dirty="0" smtClean="0"/>
+                        <a:t>0.1</a:t>
+                      </a:r>
+                      <a:endParaRPr lang="en-US" dirty="0"/>
+                    </a:p>
+                  </a:txBody>
+                  <a:tcPr/>
+                </a:tc>
+                <a:tc>
+                  <a:txBody>
+                    <a:bodyPr/>
+                    <a:lstStyle/>
+                    <a:p>
+                      <a:r>
+                        <a:rPr lang="en-US" dirty="0" smtClean="0"/>
+                        <a:t>0.2</a:t>
+                      </a:r>
+                      <a:endParaRPr lang="en-US" dirty="0"/>
+                    </a:p>
+                  </a:txBody>
+                  <a:tcPr/>
+                </a:tc>
+                <a:tc>
+                  <a:txBody>
+                    <a:bodyPr/>
+                    <a:lstStyle/>
+                    <a:p>
+                      <a:r>
+                        <a:rPr lang="en-US" dirty="0" smtClean="0"/>
+                        <a:t>0.6</a:t>
+                      </a:r>
+                      <a:endParaRPr lang="en-US" dirty="0"/>
+                    </a:p>
+                  </a:txBody>
+                  <a:tcPr/>
+                </a:tc>
+              </a:tr>
+            </a:tbl>
+          </a:graphicData>
+        </a:graphic>
+      </p:graphicFrame>
+      <p:graphicFrame>
+        <p:nvGraphicFramePr>
+          <p:cNvPr id="5" name="Table 4"/>
+          <p:cNvGraphicFramePr>
+            <a:graphicFrameLocks noGrp="1"/>
+          </p:cNvGraphicFramePr>
+          <p:nvPr>
+            <p:extLst>
+              <p:ext uri="{D42A27DB-BD31-4B8C-83A1-F6EECF244321}">
+                <p14:modId xmlns:p14="http://schemas.microsoft.com/office/powerpoint/2010/main" val="925992086"/>
+              </p:ext>
+            </p:extLst>
+          </p:nvPr>
+        </p:nvGraphicFramePr>
+        <p:xfrm>
+          <a:off x="4006581" y="2097617"/>
+          <a:ext cx="551621" cy="1320255"/>
+        </p:xfrm>
+        <a:graphic>
+          <a:graphicData uri="http://schemas.openxmlformats.org/drawingml/2006/table">
+            <a:tbl>
+              <a:tblPr firstRow="1" bandRow="1">
+                <a:tableStyleId>{5940675A-B579-460E-94D1-54222C63F5DA}</a:tableStyleId>
+              </a:tblPr>
+              <a:tblGrid>
+                <a:gridCol w="551621"/>
+              </a:tblGrid>
+              <a:tr h="440085">
+                <a:tc>
+                  <a:txBody>
+                    <a:bodyPr/>
+                    <a:lstStyle/>
+                    <a:p>
+                      <a:r>
+                        <a:rPr lang="en-US" dirty="0" smtClean="0"/>
+                        <a:t>0.4</a:t>
+                      </a:r>
+                      <a:endParaRPr lang="en-US" dirty="0"/>
+                    </a:p>
+                  </a:txBody>
+                  <a:tcPr/>
+                </a:tc>
+              </a:tr>
+              <a:tr h="440085">
+                <a:tc>
+                  <a:txBody>
+                    <a:bodyPr/>
+                    <a:lstStyle/>
+                    <a:p>
+                      <a:r>
+                        <a:rPr lang="en-US" dirty="0" smtClean="0"/>
+                        <a:t>0.2</a:t>
+                      </a:r>
+                      <a:endParaRPr lang="en-US" dirty="0"/>
+                    </a:p>
+                  </a:txBody>
+                  <a:tcPr/>
+                </a:tc>
+              </a:tr>
+              <a:tr h="440085">
+                <a:tc>
+                  <a:txBody>
+                    <a:bodyPr/>
+                    <a:lstStyle/>
+                    <a:p>
+                      <a:r>
+                        <a:rPr lang="en-US" dirty="0" smtClean="0"/>
+                        <a:t>0.4</a:t>
+                      </a:r>
+                      <a:endParaRPr lang="en-US" dirty="0"/>
+                    </a:p>
+                  </a:txBody>
+                  <a:tcPr/>
+                </a:tc>
+              </a:tr>
+            </a:tbl>
+          </a:graphicData>
+        </a:graphic>
+      </p:graphicFrame>
+      <p:graphicFrame>
+        <p:nvGraphicFramePr>
+          <p:cNvPr id="6" name="Table 5"/>
+          <p:cNvGraphicFramePr>
+            <a:graphicFrameLocks noGrp="1"/>
+          </p:cNvGraphicFramePr>
+          <p:nvPr>
+            <p:extLst>
+              <p:ext uri="{D42A27DB-BD31-4B8C-83A1-F6EECF244321}">
+                <p14:modId xmlns:p14="http://schemas.microsoft.com/office/powerpoint/2010/main" val="2925425624"/>
+              </p:ext>
+            </p:extLst>
+          </p:nvPr>
+        </p:nvGraphicFramePr>
+        <p:xfrm>
+          <a:off x="5377015" y="2088197"/>
+          <a:ext cx="1766952" cy="1320255"/>
+        </p:xfrm>
+        <a:graphic>
+          <a:graphicData uri="http://schemas.openxmlformats.org/drawingml/2006/table">
+            <a:tbl>
+              <a:tblPr firstRow="1" bandRow="1">
+                <a:tableStyleId>{5940675A-B579-460E-94D1-54222C63F5DA}</a:tableStyleId>
+              </a:tblPr>
+              <a:tblGrid>
+                <a:gridCol w="588984"/>
+                <a:gridCol w="588984"/>
+                <a:gridCol w="588984"/>
+              </a:tblGrid>
+              <a:tr h="440085">
+                <a:tc>
+                  <a:txBody>
+                    <a:bodyPr/>
+                    <a:lstStyle/>
+                    <a:p>
+                      <a:r>
+                        <a:rPr lang="en-US" dirty="0" smtClean="0"/>
+                        <a:t>0.4</a:t>
+                      </a:r>
+                      <a:endParaRPr lang="en-US" dirty="0"/>
+                    </a:p>
+                  </a:txBody>
+                  <a:tcPr/>
+                </a:tc>
+                <a:tc>
+                  <a:txBody>
+                    <a:bodyPr/>
+                    <a:lstStyle/>
+                    <a:p>
+                      <a:r>
+                        <a:rPr lang="en-US" dirty="0" smtClean="0"/>
+                        <a:t>0</a:t>
+                      </a:r>
+                      <a:endParaRPr lang="en-US" dirty="0"/>
+                    </a:p>
+                  </a:txBody>
+                  <a:tcPr/>
+                </a:tc>
+                <a:tc>
+                  <a:txBody>
+                    <a:bodyPr/>
+                    <a:lstStyle/>
+                    <a:p>
+                      <a:r>
+                        <a:rPr lang="en-US" dirty="0" smtClean="0"/>
+                        <a:t>0</a:t>
+                      </a:r>
+                      <a:endParaRPr lang="en-US" dirty="0"/>
+                    </a:p>
+                  </a:txBody>
+                  <a:tcPr/>
+                </a:tc>
+              </a:tr>
+              <a:tr h="440085">
+                <a:tc>
+                  <a:txBody>
+                    <a:bodyPr/>
+                    <a:lstStyle/>
+                    <a:p>
+                      <a:r>
+                        <a:rPr lang="en-US" dirty="0" smtClean="0"/>
+                        <a:t>0</a:t>
+                      </a:r>
+                      <a:endParaRPr lang="en-US" dirty="0"/>
+                    </a:p>
+                  </a:txBody>
+                  <a:tcPr/>
+                </a:tc>
+                <a:tc>
+                  <a:txBody>
+                    <a:bodyPr/>
+                    <a:lstStyle/>
+                    <a:p>
+                      <a:r>
+                        <a:rPr lang="en-US" dirty="0" smtClean="0"/>
+                        <a:t>0.2</a:t>
+                      </a:r>
+                      <a:endParaRPr lang="en-US" dirty="0"/>
+                    </a:p>
+                  </a:txBody>
+                  <a:tcPr/>
+                </a:tc>
+                <a:tc>
+                  <a:txBody>
+                    <a:bodyPr/>
+                    <a:lstStyle/>
+                    <a:p>
+                      <a:r>
+                        <a:rPr lang="en-US" dirty="0" smtClean="0"/>
+                        <a:t>0</a:t>
+                      </a:r>
+                      <a:endParaRPr lang="en-US" dirty="0"/>
+                    </a:p>
+                  </a:txBody>
+                  <a:tcPr/>
+                </a:tc>
+              </a:tr>
+              <a:tr h="440085">
+                <a:tc>
+                  <a:txBody>
+                    <a:bodyPr/>
+                    <a:lstStyle/>
+                    <a:p>
+                      <a:r>
+                        <a:rPr lang="en-US" dirty="0" smtClean="0"/>
+                        <a:t>0</a:t>
+                      </a:r>
+                      <a:endParaRPr lang="en-US" dirty="0"/>
+                    </a:p>
+                  </a:txBody>
+                  <a:tcPr/>
+                </a:tc>
+                <a:tc>
+                  <a:txBody>
+                    <a:bodyPr/>
+                    <a:lstStyle/>
+                    <a:p>
+                      <a:r>
+                        <a:rPr lang="en-US" dirty="0" smtClean="0"/>
+                        <a:t>0</a:t>
+                      </a:r>
+                      <a:endParaRPr lang="en-US" dirty="0"/>
+                    </a:p>
+                  </a:txBody>
+                  <a:tcPr/>
+                </a:tc>
+                <a:tc>
+                  <a:txBody>
+                    <a:bodyPr/>
+                    <a:lstStyle/>
+                    <a:p>
+                      <a:r>
+                        <a:rPr lang="en-US" dirty="0" smtClean="0"/>
+                        <a:t>0.4</a:t>
+                      </a:r>
+                      <a:endParaRPr lang="en-US" dirty="0"/>
+                    </a:p>
+                  </a:txBody>
+                  <a:tcPr/>
+                </a:tc>
+              </a:tr>
+            </a:tbl>
+          </a:graphicData>
+        </a:graphic>
+      </p:graphicFrame>
+      <p:graphicFrame>
+        <p:nvGraphicFramePr>
+          <p:cNvPr id="7" name="Table 6"/>
+          <p:cNvGraphicFramePr>
+            <a:graphicFrameLocks noGrp="1"/>
+          </p:cNvGraphicFramePr>
+          <p:nvPr>
+            <p:extLst>
+              <p:ext uri="{D42A27DB-BD31-4B8C-83A1-F6EECF244321}">
+                <p14:modId xmlns:p14="http://schemas.microsoft.com/office/powerpoint/2010/main" val="216597744"/>
+              </p:ext>
+            </p:extLst>
+          </p:nvPr>
+        </p:nvGraphicFramePr>
+        <p:xfrm>
+          <a:off x="827062" y="4707536"/>
+          <a:ext cx="710593" cy="1320255"/>
+        </p:xfrm>
+        <a:graphic>
+          <a:graphicData uri="http://schemas.openxmlformats.org/drawingml/2006/table">
+            <a:tbl>
+              <a:tblPr firstRow="1" bandRow="1">
+                <a:tableStyleId>{5940675A-B579-460E-94D1-54222C63F5DA}</a:tableStyleId>
+              </a:tblPr>
+              <a:tblGrid>
+                <a:gridCol w="710593"/>
+              </a:tblGrid>
+              <a:tr h="440085">
+                <a:tc>
+                  <a:txBody>
+                    <a:bodyPr/>
+                    <a:lstStyle/>
+                    <a:p>
+                      <a:r>
+                        <a:rPr lang="en-US" dirty="0" smtClean="0"/>
+                        <a:t>0.46</a:t>
+                      </a:r>
+                      <a:endParaRPr lang="en-US" dirty="0"/>
+                    </a:p>
+                  </a:txBody>
+                  <a:tcPr/>
+                </a:tc>
+              </a:tr>
+              <a:tr h="440085">
+                <a:tc>
+                  <a:txBody>
+                    <a:bodyPr/>
+                    <a:lstStyle/>
+                    <a:p>
+                      <a:r>
+                        <a:rPr lang="en-US" dirty="0" smtClean="0"/>
+                        <a:t>0.22</a:t>
+                      </a:r>
+                      <a:endParaRPr lang="en-US" dirty="0"/>
+                    </a:p>
+                  </a:txBody>
+                  <a:tcPr/>
+                </a:tc>
+              </a:tr>
+              <a:tr h="440085">
+                <a:tc>
+                  <a:txBody>
+                    <a:bodyPr/>
+                    <a:lstStyle/>
+                    <a:p>
+                      <a:r>
+                        <a:rPr lang="en-US" dirty="0" smtClean="0"/>
+                        <a:t>0.32</a:t>
+                      </a:r>
+                      <a:endParaRPr lang="en-US" dirty="0"/>
+                    </a:p>
+                  </a:txBody>
+                  <a:tcPr/>
+                </a:tc>
+              </a:tr>
+            </a:tbl>
+          </a:graphicData>
+        </a:graphic>
+      </p:graphicFrame>
     </p:spTree>
     <p:extLst>
       <p:ext uri="{BB962C8B-B14F-4D97-AF65-F5344CB8AC3E}">
-        <p14:creationId xmlns:p14="http://schemas.microsoft.com/office/powerpoint/2010/main" val="3656939090"/>
+        <p14:creationId xmlns:p14="http://schemas.microsoft.com/office/powerpoint/2010/main" val="2726224389"/>
       </p:ext>
     </p:extLst>
   </p:cSld>
   <p:clrMapOvr>
     <a:masterClrMapping/>
   </p:clrMapOvr>
+  <p:timing>
+    <p:tnLst>
+      <p:par>
+        <p:cTn xmlns:p14="http://schemas.microsoft.com/office/powerpoint/2010/main" id="1" dur="indefinite" restart="never" nodeType="tmRoot"/>
+      </p:par>
+    </p:tnLst>
+  </p:timing>
 </p:sld>
 </file>
 
@@ -14827,6 +15163,308 @@
         </p:nvSpPr>
         <p:spPr/>
         <p:txBody>
+          <a:bodyPr>
+            <a:normAutofit/>
+          </a:bodyPr>
+          <a:lstStyle/>
+          <a:p>
+            <a:r>
+              <a:rPr lang="en-US" dirty="0" smtClean="0"/>
+              <a:t>Compute comparison matrices (frequencies of response-pairs of workers </a:t>
+            </a:r>
+            <a:r>
+              <a:rPr lang="en-US" dirty="0" err="1" smtClean="0"/>
+              <a:t>w</a:t>
+            </a:r>
+            <a:r>
+              <a:rPr lang="en-US" baseline="-25000" dirty="0" err="1" smtClean="0"/>
+              <a:t>i</a:t>
+            </a:r>
+            <a:r>
+              <a:rPr lang="en-US" dirty="0" err="1" smtClean="0"/>
+              <a:t>,w</a:t>
+            </a:r>
+            <a:r>
+              <a:rPr lang="en-US" baseline="-25000" dirty="0" err="1" smtClean="0"/>
+              <a:t>j</a:t>
+            </a:r>
+            <a:r>
+              <a:rPr lang="en-US" dirty="0" smtClean="0"/>
+              <a:t>) </a:t>
+            </a:r>
+          </a:p>
+          <a:p>
+            <a:r>
+              <a:rPr lang="en-US" dirty="0" err="1" smtClean="0"/>
+              <a:t>C</a:t>
+            </a:r>
+            <a:r>
+              <a:rPr lang="en-US" baseline="-25000" dirty="0" err="1" smtClean="0"/>
+              <a:t>ij</a:t>
+            </a:r>
+            <a:r>
+              <a:rPr lang="en-US" dirty="0" smtClean="0"/>
+              <a:t> ~ </a:t>
+            </a:r>
+            <a:r>
+              <a:rPr lang="en-US" dirty="0" err="1" smtClean="0"/>
+              <a:t>P</a:t>
+            </a:r>
+            <a:r>
+              <a:rPr lang="en-US" baseline="-25000" dirty="0" err="1" smtClean="0"/>
+              <a:t>i</a:t>
+            </a:r>
+            <a:r>
+              <a:rPr lang="en-US" dirty="0" err="1" smtClean="0"/>
+              <a:t>S</a:t>
+            </a:r>
+            <a:r>
+              <a:rPr lang="en-US" baseline="30000" dirty="0" err="1" smtClean="0"/>
+              <a:t>D</a:t>
+            </a:r>
+            <a:r>
+              <a:rPr lang="en-US" dirty="0" err="1" smtClean="0"/>
+              <a:t>P</a:t>
+            </a:r>
+            <a:r>
+              <a:rPr lang="en-US" baseline="-25000" dirty="0" err="1" smtClean="0"/>
+              <a:t>j</a:t>
+            </a:r>
+            <a:r>
+              <a:rPr lang="en-US" baseline="30000" dirty="0" err="1" smtClean="0"/>
+              <a:t>T</a:t>
+            </a:r>
+            <a:r>
+              <a:rPr lang="en-US" dirty="0"/>
+              <a:t> </a:t>
+            </a:r>
+            <a:endParaRPr lang="en-US" dirty="0" smtClean="0"/>
+          </a:p>
+          <a:p>
+            <a:r>
+              <a:rPr lang="en-US" dirty="0" smtClean="0"/>
+              <a:t>Compute D</a:t>
+            </a:r>
+            <a:r>
+              <a:rPr lang="en-US" baseline="-25000" dirty="0" smtClean="0"/>
+              <a:t>i</a:t>
+            </a:r>
+            <a:r>
+              <a:rPr lang="en-US" dirty="0" smtClean="0"/>
+              <a:t> </a:t>
+            </a:r>
+            <a:r>
+              <a:rPr lang="en-US" dirty="0"/>
+              <a:t>= </a:t>
+            </a:r>
+            <a:r>
+              <a:rPr lang="en-US" dirty="0" err="1"/>
+              <a:t>C</a:t>
+            </a:r>
+            <a:r>
+              <a:rPr lang="en-US" baseline="-25000" dirty="0" err="1"/>
+              <a:t>ij</a:t>
+            </a:r>
+            <a:r>
+              <a:rPr lang="en-US" dirty="0"/>
+              <a:t>(</a:t>
+            </a:r>
+            <a:r>
+              <a:rPr lang="en-US" dirty="0" err="1"/>
+              <a:t>C</a:t>
+            </a:r>
+            <a:r>
+              <a:rPr lang="en-US" baseline="-25000" dirty="0" err="1"/>
+              <a:t>jk</a:t>
+            </a:r>
+            <a:r>
+              <a:rPr lang="en-US" baseline="30000" dirty="0" err="1"/>
+              <a:t>T</a:t>
+            </a:r>
+            <a:r>
+              <a:rPr lang="en-US" dirty="0"/>
+              <a:t>)</a:t>
+            </a:r>
+            <a:r>
+              <a:rPr lang="en-US" baseline="30000" dirty="0"/>
+              <a:t>-1</a:t>
+            </a:r>
+            <a:r>
+              <a:rPr lang="en-US" dirty="0"/>
+              <a:t>C</a:t>
+            </a:r>
+            <a:r>
+              <a:rPr lang="en-US" baseline="-25000" dirty="0"/>
+              <a:t>ki</a:t>
+            </a:r>
+            <a:r>
+              <a:rPr lang="en-US" dirty="0"/>
+              <a:t> </a:t>
+            </a:r>
+            <a:r>
+              <a:rPr lang="en-US" dirty="0" smtClean="0"/>
+              <a:t>= </a:t>
+            </a:r>
+            <a:r>
+              <a:rPr lang="en-US" dirty="0" err="1"/>
+              <a:t>P</a:t>
+            </a:r>
+            <a:r>
+              <a:rPr lang="en-US" baseline="-25000" dirty="0" err="1"/>
+              <a:t>i</a:t>
+            </a:r>
+            <a:r>
+              <a:rPr lang="en-US" dirty="0" err="1"/>
+              <a:t>S</a:t>
+            </a:r>
+            <a:r>
+              <a:rPr lang="en-US" baseline="30000" dirty="0" err="1"/>
+              <a:t>D</a:t>
+            </a:r>
+            <a:r>
+              <a:rPr lang="en-US" dirty="0" err="1"/>
+              <a:t>P</a:t>
+            </a:r>
+            <a:r>
+              <a:rPr lang="en-US" baseline="-25000" dirty="0" err="1"/>
+              <a:t>i</a:t>
+            </a:r>
+            <a:r>
+              <a:rPr lang="en-US" baseline="30000" dirty="0" err="1"/>
+              <a:t>T</a:t>
+            </a:r>
+            <a:r>
+              <a:rPr lang="en-US" dirty="0"/>
+              <a:t> </a:t>
+            </a:r>
+          </a:p>
+          <a:p>
+            <a:r>
+              <a:rPr lang="en-US" dirty="0"/>
+              <a:t>Eigenvalue decomposition of D</a:t>
+            </a:r>
+            <a:r>
+              <a:rPr lang="en-US" baseline="-25000" dirty="0"/>
+              <a:t>i</a:t>
+            </a:r>
+            <a:r>
+              <a:rPr lang="en-US" dirty="0"/>
+              <a:t> gives V</a:t>
+            </a:r>
+            <a:r>
+              <a:rPr lang="en-US" baseline="-25000" dirty="0"/>
+              <a:t>i</a:t>
+            </a:r>
+            <a:r>
+              <a:rPr lang="en-US" dirty="0"/>
+              <a:t> </a:t>
+            </a:r>
+            <a:r>
+              <a:rPr lang="en-US" dirty="0" smtClean="0"/>
+              <a:t>= </a:t>
+            </a:r>
+            <a:r>
+              <a:rPr lang="en-US" dirty="0"/>
+              <a:t>U √S</a:t>
+            </a:r>
+            <a:r>
+              <a:rPr lang="en-US" baseline="30000" dirty="0"/>
+              <a:t>D </a:t>
+            </a:r>
+            <a:r>
+              <a:rPr lang="en-US" dirty="0"/>
+              <a:t>P</a:t>
+            </a:r>
+            <a:r>
+              <a:rPr lang="en-US" baseline="-25000" dirty="0"/>
+              <a:t>i</a:t>
+            </a:r>
+            <a:r>
+              <a:rPr lang="en-US" dirty="0"/>
+              <a:t>, for a unitary U. </a:t>
+            </a:r>
+          </a:p>
+          <a:p>
+            <a:endParaRPr lang="en-US" baseline="30000" dirty="0"/>
+          </a:p>
+          <a:p>
+            <a:pPr marL="0" indent="0">
+              <a:buNone/>
+            </a:pPr>
+            <a:endParaRPr lang="en-US" baseline="30000" dirty="0"/>
+          </a:p>
+          <a:p>
+            <a:pPr marL="0" indent="0">
+              <a:buNone/>
+            </a:pPr>
+            <a:endParaRPr lang="en-US" dirty="0" smtClean="0"/>
+          </a:p>
+        </p:txBody>
+      </p:sp>
+    </p:spTree>
+    <p:extLst>
+      <p:ext uri="{BB962C8B-B14F-4D97-AF65-F5344CB8AC3E}">
+        <p14:creationId xmlns:p14="http://schemas.microsoft.com/office/powerpoint/2010/main" val="3656939090"/>
+      </p:ext>
+    </p:extLst>
+  </p:cSld>
+  <p:clrMapOvr>
+    <a:masterClrMapping/>
+  </p:clrMapOvr>
+</p:sld>
+</file>
+
+<file path=ppt/slides/slide12.xml><?xml version="1.0" encoding="utf-8"?>
+<p:sld xmlns:a="http://schemas.openxmlformats.org/drawingml/2006/main" xmlns:r="http://schemas.openxmlformats.org/officeDocument/2006/relationships" xmlns:p="http://schemas.openxmlformats.org/presentationml/2006/main">
+  <p:cSld>
+    <p:spTree>
+      <p:nvGrpSpPr>
+        <p:cNvPr id="1" name=""/>
+        <p:cNvGrpSpPr/>
+        <p:nvPr/>
+      </p:nvGrpSpPr>
+      <p:grpSpPr>
+        <a:xfrm>
+          <a:off x="0" y="0"/>
+          <a:ext cx="0" cy="0"/>
+          <a:chOff x="0" y="0"/>
+          <a:chExt cx="0" cy="0"/>
+        </a:xfrm>
+      </p:grpSpPr>
+      <p:sp>
+        <p:nvSpPr>
+          <p:cNvPr id="2" name="Title 1"/>
+          <p:cNvSpPr>
+            <a:spLocks noGrp="1"/>
+          </p:cNvSpPr>
+          <p:nvPr>
+            <p:ph type="title"/>
+          </p:nvPr>
+        </p:nvSpPr>
+        <p:spPr/>
+        <p:txBody>
+          <a:bodyPr/>
+          <a:lstStyle/>
+          <a:p>
+            <a:r>
+              <a:rPr lang="en-US" dirty="0"/>
+              <a:t>3 Workers Non-binary Tasks</a:t>
+            </a:r>
+          </a:p>
+        </p:txBody>
+      </p:sp>
+      <p:sp>
+        <p:nvSpPr>
+          <p:cNvPr id="3" name="Content Placeholder 2"/>
+          <p:cNvSpPr>
+            <a:spLocks noGrp="1"/>
+          </p:cNvSpPr>
+          <p:nvPr>
+            <p:ph sz="quarter" idx="1"/>
+          </p:nvPr>
+        </p:nvSpPr>
+        <p:spPr/>
+        <p:txBody>
           <a:bodyPr/>
           <a:lstStyle/>
           <a:p>
@@ -14905,7 +15543,7 @@
 </p:sld>
 </file>
 
-<file path=ppt/slides/slide12.xml><?xml version="1.0" encoding="utf-8"?>
+<file path=ppt/slides/slide13.xml><?xml version="1.0" encoding="utf-8"?>
 <p:sld xmlns:a="http://schemas.openxmlformats.org/drawingml/2006/main" xmlns:r="http://schemas.openxmlformats.org/officeDocument/2006/relationships" xmlns:p="http://schemas.openxmlformats.org/presentationml/2006/main">
   <p:cSld>
     <p:spTree>
@@ -15322,7 +15960,7 @@
           <a:graphicData uri="http://schemas.openxmlformats.org/presentationml/2006/ole">
             <mc:AlternateContent xmlns:mc="http://schemas.openxmlformats.org/markup-compatibility/2006">
               <mc:Choice xmlns:v="urn:schemas-microsoft-com:vml" Requires="v">
-                <p:oleObj spid="_x0000_s1109" name="Equation" r:id="rId3" imgW="114300" imgH="165100" progId="Equation.3">
+                <p:oleObj spid="_x0000_s1124" name="Equation" r:id="rId3" imgW="114300" imgH="165100" progId="Equation.3">
                   <p:embed/>
                 </p:oleObj>
               </mc:Choice>
@@ -15379,7 +16017,7 @@
           <a:graphicData uri="http://schemas.openxmlformats.org/presentationml/2006/ole">
             <mc:AlternateContent xmlns:mc="http://schemas.openxmlformats.org/markup-compatibility/2006">
               <mc:Choice xmlns:v="urn:schemas-microsoft-com:vml" Requires="v">
-                <p:oleObj spid="_x0000_s1110" name="Equation" r:id="rId5" imgW="139700" imgH="393700" progId="Equation.3">
+                <p:oleObj spid="_x0000_s1125" name="Equation" r:id="rId5" imgW="139700" imgH="393700" progId="Equation.3">
                   <p:embed/>
                 </p:oleObj>
               </mc:Choice>
@@ -15436,7 +16074,7 @@
           <a:graphicData uri="http://schemas.openxmlformats.org/presentationml/2006/ole">
             <mc:AlternateContent xmlns:mc="http://schemas.openxmlformats.org/markup-compatibility/2006">
               <mc:Choice xmlns:v="urn:schemas-microsoft-com:vml" Requires="v">
-                <p:oleObj spid="_x0000_s1111" name="Equation" r:id="rId7" imgW="228600" imgH="393700" progId="Equation.3">
+                <p:oleObj spid="_x0000_s1126" name="Equation" r:id="rId7" imgW="228600" imgH="393700" progId="Equation.3">
                   <p:embed/>
                 </p:oleObj>
               </mc:Choice>
@@ -16634,7 +17272,87 @@
               <a:rPr lang="en-US" dirty="0" smtClean="0"/>
               <a:t>For each worker, form N/2 triples. </a:t>
             </a:r>
-            <a:endParaRPr lang="en-US" dirty="0"/>
+          </a:p>
+          <a:p>
+            <a:r>
+              <a:rPr lang="en-US" dirty="0" smtClean="0"/>
+              <a:t>E.g. For n=5, for ‘w</a:t>
+            </a:r>
+            <a:r>
+              <a:rPr lang="en-US" baseline="-25000" dirty="0" smtClean="0"/>
+              <a:t>1</a:t>
+            </a:r>
+            <a:r>
+              <a:rPr lang="en-US" dirty="0" smtClean="0"/>
+              <a:t>’</a:t>
+            </a:r>
+            <a:r>
+              <a:rPr lang="en-US" baseline="-25000" dirty="0" smtClean="0"/>
+              <a:t> </a:t>
+            </a:r>
+            <a:r>
+              <a:rPr lang="en-US" dirty="0" smtClean="0"/>
+              <a:t>we have groups (w</a:t>
+            </a:r>
+            <a:r>
+              <a:rPr lang="en-US" baseline="-25000" dirty="0" smtClean="0"/>
+              <a:t>1</a:t>
+            </a:r>
+            <a:r>
+              <a:rPr lang="en-US" dirty="0" smtClean="0"/>
+              <a:t>, w</a:t>
+            </a:r>
+            <a:r>
+              <a:rPr lang="en-US" baseline="-25000" dirty="0" smtClean="0"/>
+              <a:t>2</a:t>
+            </a:r>
+            <a:r>
+              <a:rPr lang="en-US" dirty="0" smtClean="0"/>
+              <a:t>, w</a:t>
+            </a:r>
+            <a:r>
+              <a:rPr lang="en-US" baseline="-25000" dirty="0" smtClean="0"/>
+              <a:t>3</a:t>
+            </a:r>
+            <a:r>
+              <a:rPr lang="en-US" dirty="0" smtClean="0"/>
+              <a:t>) (w</a:t>
+            </a:r>
+            <a:r>
+              <a:rPr lang="en-US" baseline="-25000" dirty="0" smtClean="0"/>
+              <a:t>1</a:t>
+            </a:r>
+            <a:r>
+              <a:rPr lang="en-US" dirty="0" smtClean="0"/>
+              <a:t>, w</a:t>
+            </a:r>
+            <a:r>
+              <a:rPr lang="en-US" baseline="-25000" dirty="0" smtClean="0"/>
+              <a:t>4</a:t>
+            </a:r>
+            <a:r>
+              <a:rPr lang="en-US" dirty="0" smtClean="0"/>
+              <a:t>, w</a:t>
+            </a:r>
+            <a:r>
+              <a:rPr lang="en-US" baseline="-25000" dirty="0" smtClean="0"/>
+              <a:t>5</a:t>
+            </a:r>
+            <a:r>
+              <a:rPr lang="en-US" dirty="0" smtClean="0"/>
+              <a:t>)</a:t>
+            </a:r>
+          </a:p>
+          <a:p>
+            <a:r>
+              <a:rPr lang="en-US" dirty="0" smtClean="0"/>
+              <a:t>Use each triple to compute estimate for p</a:t>
+            </a:r>
+            <a:r>
+              <a:rPr lang="en-US" baseline="-25000" dirty="0" smtClean="0"/>
+              <a:t>1</a:t>
+            </a:r>
+            <a:endParaRPr lang="en-US" baseline="-25000" dirty="0"/>
           </a:p>
           <a:p>
             <a:r>
@@ -16653,15 +17371,8 @@
           <a:p>
             <a:r>
               <a:rPr lang="en-US" dirty="0" smtClean="0"/>
-              <a:t>Optimum weights for combining</a:t>
-            </a:r>
-          </a:p>
-          <a:p>
-            <a:r>
-              <a:rPr lang="en-US" dirty="0" smtClean="0"/>
-              <a:t>Greedy way of group forming</a:t>
-            </a:r>
-            <a:endParaRPr lang="en-US" dirty="0"/>
+              <a:t>Use weighted combination of estimates</a:t>
+            </a:r>
           </a:p>
         </p:txBody>
       </p:sp>
@@ -16711,10 +17422,9 @@
           <a:lstStyle/>
           <a:p>
             <a:r>
-              <a:rPr lang="en-US" dirty="0" smtClean="0"/>
-              <a:t>3 Workers Non-binary Tasks</a:t>
-            </a:r>
-            <a:endParaRPr lang="en-US" dirty="0"/>
+              <a:rPr lang="en-US" dirty="0"/>
+              <a:t>Generalizing to many workers</a:t>
+            </a:r>
           </a:p>
         </p:txBody>
       </p:sp>
@@ -16734,584 +17444,31 @@
           <a:lstStyle/>
           <a:p>
             <a:r>
-              <a:rPr lang="en-US" dirty="0" smtClean="0"/>
-              <a:t>Confusion matrix P</a:t>
-            </a:r>
-            <a:r>
-              <a:rPr lang="en-US" baseline="-25000" dirty="0" smtClean="0"/>
-              <a:t>i , </a:t>
-            </a:r>
-            <a:r>
-              <a:rPr lang="en-US" dirty="0" smtClean="0"/>
-              <a:t>Selectivity vector S, diagonal S</a:t>
-            </a:r>
-            <a:r>
-              <a:rPr lang="en-US" baseline="30000" dirty="0" smtClean="0"/>
-              <a:t>D</a:t>
-            </a:r>
-          </a:p>
-          <a:p>
-            <a:pPr marL="0" indent="0">
-              <a:buNone/>
-            </a:pPr>
-            <a:endParaRPr lang="en-US" dirty="0" smtClean="0"/>
-          </a:p>
-          <a:p>
-            <a:pPr marL="0" indent="0">
-              <a:buNone/>
-            </a:pPr>
-            <a:r>
-              <a:rPr lang="en-US" dirty="0" smtClean="0"/>
-              <a:t>    e.g.                           ,              , </a:t>
-            </a:r>
+              <a:rPr lang="en-US" dirty="0"/>
+              <a:t>Optimum weights for combining</a:t>
+            </a:r>
+          </a:p>
+          <a:p>
+            <a:r>
+              <a:rPr lang="en-US" dirty="0"/>
+              <a:t>Greedy way of group forming</a:t>
+            </a:r>
+          </a:p>
+          <a:p>
             <a:endParaRPr lang="en-US" dirty="0"/>
-          </a:p>
-          <a:p>
-            <a:pPr marL="0" indent="0">
-              <a:buNone/>
-            </a:pPr>
-            <a:endParaRPr lang="en-US" dirty="0" smtClean="0"/>
-          </a:p>
-          <a:p>
-            <a:r>
-              <a:rPr lang="en-US" dirty="0" smtClean="0"/>
-              <a:t>P</a:t>
-            </a:r>
-            <a:r>
-              <a:rPr lang="en-US" baseline="-25000" dirty="0" smtClean="0"/>
-              <a:t>i</a:t>
-            </a:r>
-            <a:r>
-              <a:rPr lang="en-US" dirty="0" smtClean="0"/>
-              <a:t>’s, S : Column-stochastic, unknown</a:t>
-            </a:r>
-          </a:p>
-          <a:p>
-            <a:r>
-              <a:rPr lang="en-US" dirty="0" smtClean="0"/>
-              <a:t>Observation probabilities given by </a:t>
-            </a:r>
-            <a:r>
-              <a:rPr lang="en-US" b="1" dirty="0" err="1" smtClean="0"/>
-              <a:t>P</a:t>
-            </a:r>
-            <a:r>
-              <a:rPr lang="en-US" b="1" baseline="-25000" dirty="0" err="1" smtClean="0"/>
-              <a:t>i</a:t>
-            </a:r>
-            <a:r>
-              <a:rPr lang="en-US" b="1" dirty="0" err="1" smtClean="0"/>
-              <a:t>S</a:t>
-            </a:r>
-            <a:endParaRPr lang="en-US" b="1" dirty="0" smtClean="0"/>
           </a:p>
         </p:txBody>
       </p:sp>
-      <p:graphicFrame>
-        <p:nvGraphicFramePr>
-          <p:cNvPr id="4" name="Table 3"/>
-          <p:cNvGraphicFramePr>
-            <a:graphicFrameLocks noGrp="1"/>
-          </p:cNvGraphicFramePr>
-          <p:nvPr>
-            <p:extLst>
-              <p:ext uri="{D42A27DB-BD31-4B8C-83A1-F6EECF244321}">
-                <p14:modId xmlns:p14="http://schemas.microsoft.com/office/powerpoint/2010/main" val="3266693032"/>
-              </p:ext>
-            </p:extLst>
-          </p:nvPr>
-        </p:nvGraphicFramePr>
-        <p:xfrm>
-          <a:off x="1537655" y="2097618"/>
-          <a:ext cx="1766952" cy="1320255"/>
-        </p:xfrm>
-        <a:graphic>
-          <a:graphicData uri="http://schemas.openxmlformats.org/drawingml/2006/table">
-            <a:tbl>
-              <a:tblPr firstRow="1" bandRow="1">
-                <a:tableStyleId>{5940675A-B579-460E-94D1-54222C63F5DA}</a:tableStyleId>
-              </a:tblPr>
-              <a:tblGrid>
-                <a:gridCol w="588984"/>
-                <a:gridCol w="588984"/>
-                <a:gridCol w="588984"/>
-              </a:tblGrid>
-              <a:tr h="440085">
-                <a:tc>
-                  <a:txBody>
-                    <a:bodyPr/>
-                    <a:lstStyle/>
-                    <a:p>
-                      <a:r>
-                        <a:rPr lang="en-US" dirty="0" smtClean="0"/>
-                        <a:t>0.8</a:t>
-                      </a:r>
-                      <a:endParaRPr lang="en-US" dirty="0"/>
-                    </a:p>
-                  </a:txBody>
-                  <a:tcPr/>
-                </a:tc>
-                <a:tc>
-                  <a:txBody>
-                    <a:bodyPr/>
-                    <a:lstStyle/>
-                    <a:p>
-                      <a:r>
-                        <a:rPr lang="en-US" dirty="0" smtClean="0"/>
-                        <a:t>0.1</a:t>
-                      </a:r>
-                      <a:endParaRPr lang="en-US" dirty="0"/>
-                    </a:p>
-                  </a:txBody>
-                  <a:tcPr/>
-                </a:tc>
-                <a:tc>
-                  <a:txBody>
-                    <a:bodyPr/>
-                    <a:lstStyle/>
-                    <a:p>
-                      <a:r>
-                        <a:rPr lang="en-US" dirty="0" smtClean="0"/>
-                        <a:t>0.3</a:t>
-                      </a:r>
-                      <a:endParaRPr lang="en-US" dirty="0"/>
-                    </a:p>
-                  </a:txBody>
-                  <a:tcPr/>
-                </a:tc>
-              </a:tr>
-              <a:tr h="440085">
-                <a:tc>
-                  <a:txBody>
-                    <a:bodyPr/>
-                    <a:lstStyle/>
-                    <a:p>
-                      <a:r>
-                        <a:rPr lang="en-US" dirty="0" smtClean="0"/>
-                        <a:t>0.1</a:t>
-                      </a:r>
-                      <a:endParaRPr lang="en-US" dirty="0"/>
-                    </a:p>
-                  </a:txBody>
-                  <a:tcPr/>
-                </a:tc>
-                <a:tc>
-                  <a:txBody>
-                    <a:bodyPr/>
-                    <a:lstStyle/>
-                    <a:p>
-                      <a:r>
-                        <a:rPr lang="en-US" dirty="0" smtClean="0"/>
-                        <a:t>0.7</a:t>
-                      </a:r>
-                      <a:endParaRPr lang="en-US" dirty="0"/>
-                    </a:p>
-                  </a:txBody>
-                  <a:tcPr/>
-                </a:tc>
-                <a:tc>
-                  <a:txBody>
-                    <a:bodyPr/>
-                    <a:lstStyle/>
-                    <a:p>
-                      <a:r>
-                        <a:rPr lang="en-US" dirty="0" smtClean="0"/>
-                        <a:t>0.1</a:t>
-                      </a:r>
-                      <a:endParaRPr lang="en-US" dirty="0"/>
-                    </a:p>
-                  </a:txBody>
-                  <a:tcPr/>
-                </a:tc>
-              </a:tr>
-              <a:tr h="440085">
-                <a:tc>
-                  <a:txBody>
-                    <a:bodyPr/>
-                    <a:lstStyle/>
-                    <a:p>
-                      <a:r>
-                        <a:rPr lang="en-US" dirty="0" smtClean="0"/>
-                        <a:t>0.1</a:t>
-                      </a:r>
-                      <a:endParaRPr lang="en-US" dirty="0"/>
-                    </a:p>
-                  </a:txBody>
-                  <a:tcPr/>
-                </a:tc>
-                <a:tc>
-                  <a:txBody>
-                    <a:bodyPr/>
-                    <a:lstStyle/>
-                    <a:p>
-                      <a:r>
-                        <a:rPr lang="en-US" dirty="0" smtClean="0"/>
-                        <a:t>0.2</a:t>
-                      </a:r>
-                      <a:endParaRPr lang="en-US" dirty="0"/>
-                    </a:p>
-                  </a:txBody>
-                  <a:tcPr/>
-                </a:tc>
-                <a:tc>
-                  <a:txBody>
-                    <a:bodyPr/>
-                    <a:lstStyle/>
-                    <a:p>
-                      <a:r>
-                        <a:rPr lang="en-US" dirty="0" smtClean="0"/>
-                        <a:t>0.6</a:t>
-                      </a:r>
-                      <a:endParaRPr lang="en-US" dirty="0"/>
-                    </a:p>
-                  </a:txBody>
-                  <a:tcPr/>
-                </a:tc>
-              </a:tr>
-            </a:tbl>
-          </a:graphicData>
-        </a:graphic>
-      </p:graphicFrame>
-      <p:graphicFrame>
-        <p:nvGraphicFramePr>
-          <p:cNvPr id="5" name="Table 4"/>
-          <p:cNvGraphicFramePr>
-            <a:graphicFrameLocks noGrp="1"/>
-          </p:cNvGraphicFramePr>
-          <p:nvPr>
-            <p:extLst>
-              <p:ext uri="{D42A27DB-BD31-4B8C-83A1-F6EECF244321}">
-                <p14:modId xmlns:p14="http://schemas.microsoft.com/office/powerpoint/2010/main" val="925992086"/>
-              </p:ext>
-            </p:extLst>
-          </p:nvPr>
-        </p:nvGraphicFramePr>
-        <p:xfrm>
-          <a:off x="4006581" y="2097617"/>
-          <a:ext cx="551621" cy="1320255"/>
-        </p:xfrm>
-        <a:graphic>
-          <a:graphicData uri="http://schemas.openxmlformats.org/drawingml/2006/table">
-            <a:tbl>
-              <a:tblPr firstRow="1" bandRow="1">
-                <a:tableStyleId>{5940675A-B579-460E-94D1-54222C63F5DA}</a:tableStyleId>
-              </a:tblPr>
-              <a:tblGrid>
-                <a:gridCol w="551621"/>
-              </a:tblGrid>
-              <a:tr h="440085">
-                <a:tc>
-                  <a:txBody>
-                    <a:bodyPr/>
-                    <a:lstStyle/>
-                    <a:p>
-                      <a:r>
-                        <a:rPr lang="en-US" dirty="0" smtClean="0"/>
-                        <a:t>0.4</a:t>
-                      </a:r>
-                      <a:endParaRPr lang="en-US" dirty="0"/>
-                    </a:p>
-                  </a:txBody>
-                  <a:tcPr/>
-                </a:tc>
-              </a:tr>
-              <a:tr h="440085">
-                <a:tc>
-                  <a:txBody>
-                    <a:bodyPr/>
-                    <a:lstStyle/>
-                    <a:p>
-                      <a:r>
-                        <a:rPr lang="en-US" dirty="0" smtClean="0"/>
-                        <a:t>0.2</a:t>
-                      </a:r>
-                      <a:endParaRPr lang="en-US" dirty="0"/>
-                    </a:p>
-                  </a:txBody>
-                  <a:tcPr/>
-                </a:tc>
-              </a:tr>
-              <a:tr h="440085">
-                <a:tc>
-                  <a:txBody>
-                    <a:bodyPr/>
-                    <a:lstStyle/>
-                    <a:p>
-                      <a:r>
-                        <a:rPr lang="en-US" dirty="0" smtClean="0"/>
-                        <a:t>0.4</a:t>
-                      </a:r>
-                      <a:endParaRPr lang="en-US" dirty="0"/>
-                    </a:p>
-                  </a:txBody>
-                  <a:tcPr/>
-                </a:tc>
-              </a:tr>
-            </a:tbl>
-          </a:graphicData>
-        </a:graphic>
-      </p:graphicFrame>
-      <p:graphicFrame>
-        <p:nvGraphicFramePr>
-          <p:cNvPr id="6" name="Table 5"/>
-          <p:cNvGraphicFramePr>
-            <a:graphicFrameLocks noGrp="1"/>
-          </p:cNvGraphicFramePr>
-          <p:nvPr>
-            <p:extLst>
-              <p:ext uri="{D42A27DB-BD31-4B8C-83A1-F6EECF244321}">
-                <p14:modId xmlns:p14="http://schemas.microsoft.com/office/powerpoint/2010/main" val="2925425624"/>
-              </p:ext>
-            </p:extLst>
-          </p:nvPr>
-        </p:nvGraphicFramePr>
-        <p:xfrm>
-          <a:off x="5377015" y="2088197"/>
-          <a:ext cx="1766952" cy="1320255"/>
-        </p:xfrm>
-        <a:graphic>
-          <a:graphicData uri="http://schemas.openxmlformats.org/drawingml/2006/table">
-            <a:tbl>
-              <a:tblPr firstRow="1" bandRow="1">
-                <a:tableStyleId>{5940675A-B579-460E-94D1-54222C63F5DA}</a:tableStyleId>
-              </a:tblPr>
-              <a:tblGrid>
-                <a:gridCol w="588984"/>
-                <a:gridCol w="588984"/>
-                <a:gridCol w="588984"/>
-              </a:tblGrid>
-              <a:tr h="440085">
-                <a:tc>
-                  <a:txBody>
-                    <a:bodyPr/>
-                    <a:lstStyle/>
-                    <a:p>
-                      <a:r>
-                        <a:rPr lang="en-US" dirty="0" smtClean="0"/>
-                        <a:t>0.4</a:t>
-                      </a:r>
-                      <a:endParaRPr lang="en-US" dirty="0"/>
-                    </a:p>
-                  </a:txBody>
-                  <a:tcPr/>
-                </a:tc>
-                <a:tc>
-                  <a:txBody>
-                    <a:bodyPr/>
-                    <a:lstStyle/>
-                    <a:p>
-                      <a:r>
-                        <a:rPr lang="en-US" dirty="0" smtClean="0"/>
-                        <a:t>0</a:t>
-                      </a:r>
-                      <a:endParaRPr lang="en-US" dirty="0"/>
-                    </a:p>
-                  </a:txBody>
-                  <a:tcPr/>
-                </a:tc>
-                <a:tc>
-                  <a:txBody>
-                    <a:bodyPr/>
-                    <a:lstStyle/>
-                    <a:p>
-                      <a:r>
-                        <a:rPr lang="en-US" dirty="0" smtClean="0"/>
-                        <a:t>0</a:t>
-                      </a:r>
-                      <a:endParaRPr lang="en-US" dirty="0"/>
-                    </a:p>
-                  </a:txBody>
-                  <a:tcPr/>
-                </a:tc>
-              </a:tr>
-              <a:tr h="440085">
-                <a:tc>
-                  <a:txBody>
-                    <a:bodyPr/>
-                    <a:lstStyle/>
-                    <a:p>
-                      <a:r>
-                        <a:rPr lang="en-US" dirty="0" smtClean="0"/>
-                        <a:t>0</a:t>
-                      </a:r>
-                      <a:endParaRPr lang="en-US" dirty="0"/>
-                    </a:p>
-                  </a:txBody>
-                  <a:tcPr/>
-                </a:tc>
-                <a:tc>
-                  <a:txBody>
-                    <a:bodyPr/>
-                    <a:lstStyle/>
-                    <a:p>
-                      <a:r>
-                        <a:rPr lang="en-US" dirty="0" smtClean="0"/>
-                        <a:t>0.2</a:t>
-                      </a:r>
-                      <a:endParaRPr lang="en-US" dirty="0"/>
-                    </a:p>
-                  </a:txBody>
-                  <a:tcPr/>
-                </a:tc>
-                <a:tc>
-                  <a:txBody>
-                    <a:bodyPr/>
-                    <a:lstStyle/>
-                    <a:p>
-                      <a:r>
-                        <a:rPr lang="en-US" dirty="0" smtClean="0"/>
-                        <a:t>0</a:t>
-                      </a:r>
-                      <a:endParaRPr lang="en-US" dirty="0"/>
-                    </a:p>
-                  </a:txBody>
-                  <a:tcPr/>
-                </a:tc>
-              </a:tr>
-              <a:tr h="440085">
-                <a:tc>
-                  <a:txBody>
-                    <a:bodyPr/>
-                    <a:lstStyle/>
-                    <a:p>
-                      <a:r>
-                        <a:rPr lang="en-US" dirty="0" smtClean="0"/>
-                        <a:t>0</a:t>
-                      </a:r>
-                      <a:endParaRPr lang="en-US" dirty="0"/>
-                    </a:p>
-                  </a:txBody>
-                  <a:tcPr/>
-                </a:tc>
-                <a:tc>
-                  <a:txBody>
-                    <a:bodyPr/>
-                    <a:lstStyle/>
-                    <a:p>
-                      <a:r>
-                        <a:rPr lang="en-US" dirty="0" smtClean="0"/>
-                        <a:t>0</a:t>
-                      </a:r>
-                      <a:endParaRPr lang="en-US" dirty="0"/>
-                    </a:p>
-                  </a:txBody>
-                  <a:tcPr/>
-                </a:tc>
-                <a:tc>
-                  <a:txBody>
-                    <a:bodyPr/>
-                    <a:lstStyle/>
-                    <a:p>
-                      <a:r>
-                        <a:rPr lang="en-US" dirty="0" smtClean="0"/>
-                        <a:t>0.4</a:t>
-                      </a:r>
-                      <a:endParaRPr lang="en-US" dirty="0"/>
-                    </a:p>
-                  </a:txBody>
-                  <a:tcPr/>
-                </a:tc>
-              </a:tr>
-            </a:tbl>
-          </a:graphicData>
-        </a:graphic>
-      </p:graphicFrame>
-      <p:graphicFrame>
-        <p:nvGraphicFramePr>
-          <p:cNvPr id="7" name="Table 6"/>
-          <p:cNvGraphicFramePr>
-            <a:graphicFrameLocks noGrp="1"/>
-          </p:cNvGraphicFramePr>
-          <p:nvPr>
-            <p:extLst>
-              <p:ext uri="{D42A27DB-BD31-4B8C-83A1-F6EECF244321}">
-                <p14:modId xmlns:p14="http://schemas.microsoft.com/office/powerpoint/2010/main" val="216597744"/>
-              </p:ext>
-            </p:extLst>
-          </p:nvPr>
-        </p:nvGraphicFramePr>
-        <p:xfrm>
-          <a:off x="827062" y="4707536"/>
-          <a:ext cx="710593" cy="1320255"/>
-        </p:xfrm>
-        <a:graphic>
-          <a:graphicData uri="http://schemas.openxmlformats.org/drawingml/2006/table">
-            <a:tbl>
-              <a:tblPr firstRow="1" bandRow="1">
-                <a:tableStyleId>{5940675A-B579-460E-94D1-54222C63F5DA}</a:tableStyleId>
-              </a:tblPr>
-              <a:tblGrid>
-                <a:gridCol w="710593"/>
-              </a:tblGrid>
-              <a:tr h="440085">
-                <a:tc>
-                  <a:txBody>
-                    <a:bodyPr/>
-                    <a:lstStyle/>
-                    <a:p>
-                      <a:r>
-                        <a:rPr lang="en-US" dirty="0" smtClean="0"/>
-                        <a:t>0.46</a:t>
-                      </a:r>
-                      <a:endParaRPr lang="en-US" dirty="0"/>
-                    </a:p>
-                  </a:txBody>
-                  <a:tcPr/>
-                </a:tc>
-              </a:tr>
-              <a:tr h="440085">
-                <a:tc>
-                  <a:txBody>
-                    <a:bodyPr/>
-                    <a:lstStyle/>
-                    <a:p>
-                      <a:r>
-                        <a:rPr lang="en-US" dirty="0" smtClean="0"/>
-                        <a:t>0.22</a:t>
-                      </a:r>
-                      <a:endParaRPr lang="en-US" dirty="0"/>
-                    </a:p>
-                  </a:txBody>
-                  <a:tcPr/>
-                </a:tc>
-              </a:tr>
-              <a:tr h="440085">
-                <a:tc>
-                  <a:txBody>
-                    <a:bodyPr/>
-                    <a:lstStyle/>
-                    <a:p>
-                      <a:r>
-                        <a:rPr lang="en-US" dirty="0" smtClean="0"/>
-                        <a:t>0.32</a:t>
-                      </a:r>
-                      <a:endParaRPr lang="en-US" dirty="0"/>
-                    </a:p>
-                  </a:txBody>
-                  <a:tcPr/>
-                </a:tc>
-              </a:tr>
-            </a:tbl>
-          </a:graphicData>
-        </a:graphic>
-      </p:graphicFrame>
     </p:spTree>
     <p:extLst>
       <p:ext uri="{BB962C8B-B14F-4D97-AF65-F5344CB8AC3E}">
-        <p14:creationId xmlns:p14="http://schemas.microsoft.com/office/powerpoint/2010/main" val="2726224389"/>
+        <p14:creationId xmlns:p14="http://schemas.microsoft.com/office/powerpoint/2010/main" val="1960022412"/>
       </p:ext>
     </p:extLst>
   </p:cSld>
   <p:clrMapOvr>
     <a:masterClrMapping/>
   </p:clrMapOvr>
-  <p:timing>
-    <p:tnLst>
-      <p:par>
-        <p:cTn xmlns:p14="http://schemas.microsoft.com/office/powerpoint/2010/main" id="1" dur="indefinite" restart="never" nodeType="tmRoot"/>
-      </p:par>
-    </p:tnLst>
-  </p:timing>
 </p:sld>
 </file>
 

--- a/Presentation/WorkerEval.pptx
+++ b/Presentation/WorkerEval.pptx
@@ -17,7 +17,9 @@
     <p:sldId id="260" r:id="rId11"/>
     <p:sldId id="266" r:id="rId12"/>
     <p:sldId id="267" r:id="rId13"/>
-    <p:sldId id="265" r:id="rId14"/>
+    <p:sldId id="269" r:id="rId14"/>
+    <p:sldId id="265" r:id="rId15"/>
+    <p:sldId id="270" r:id="rId16"/>
   </p:sldIdLst>
   <p:sldSz cx="9144000" cy="6858000" type="screen4x3"/>
   <p:notesSz cx="6858000" cy="9144000"/>
@@ -15577,6 +15579,84 @@
           <a:p>
             <a:r>
               <a:rPr lang="en-US" dirty="0" smtClean="0"/>
+              <a:t>Results: Weight Optimization </a:t>
+            </a:r>
+            <a:endParaRPr lang="en-US" dirty="0"/>
+          </a:p>
+        </p:txBody>
+      </p:sp>
+      <p:pic>
+        <p:nvPicPr>
+          <p:cNvPr id="9" name="Content Placeholder 8" descr="conf_unc_realdata_optimization.pdf"/>
+          <p:cNvPicPr>
+            <a:picLocks noGrp="1" noChangeAspect="1"/>
+          </p:cNvPicPr>
+          <p:nvPr>
+            <p:ph sz="quarter" idx="1"/>
+          </p:nvPr>
+        </p:nvPicPr>
+        <p:blipFill>
+          <a:blip r:embed="rId2">
+            <a:extLst>
+              <a:ext uri="{28A0092B-C50C-407E-A947-70E740481C1C}">
+                <a14:useLocalDpi xmlns:a14="http://schemas.microsoft.com/office/drawing/2010/main" val="0"/>
+              </a:ext>
+            </a:extLst>
+          </a:blip>
+          <a:srcRect t="5199" b="5199"/>
+          <a:stretch>
+            <a:fillRect/>
+          </a:stretch>
+        </p:blipFill>
+        <p:spPr/>
+      </p:pic>
+    </p:spTree>
+    <p:extLst>
+      <p:ext uri="{BB962C8B-B14F-4D97-AF65-F5344CB8AC3E}">
+        <p14:creationId xmlns:p14="http://schemas.microsoft.com/office/powerpoint/2010/main" val="615642535"/>
+      </p:ext>
+    </p:extLst>
+  </p:cSld>
+  <p:clrMapOvr>
+    <a:masterClrMapping/>
+  </p:clrMapOvr>
+</p:sld>
+</file>
+
+<file path=ppt/slides/slide14.xml><?xml version="1.0" encoding="utf-8"?>
+<p:sld xmlns:a="http://schemas.openxmlformats.org/drawingml/2006/main" xmlns:r="http://schemas.openxmlformats.org/officeDocument/2006/relationships" xmlns:p="http://schemas.openxmlformats.org/presentationml/2006/main">
+  <p:cSld>
+    <p:spTree>
+      <p:nvGrpSpPr>
+        <p:cNvPr id="1" name=""/>
+        <p:cNvGrpSpPr/>
+        <p:nvPr/>
+      </p:nvGrpSpPr>
+      <p:grpSpPr>
+        <a:xfrm>
+          <a:off x="0" y="0"/>
+          <a:ext cx="0" cy="0"/>
+          <a:chOff x="0" y="0"/>
+          <a:chExt cx="0" cy="0"/>
+        </a:xfrm>
+      </p:grpSpPr>
+      <p:sp>
+        <p:nvSpPr>
+          <p:cNvPr id="2" name="Title 1"/>
+          <p:cNvSpPr>
+            <a:spLocks noGrp="1"/>
+          </p:cNvSpPr>
+          <p:nvPr>
+            <p:ph type="title"/>
+          </p:nvPr>
+        </p:nvSpPr>
+        <p:spPr/>
+        <p:txBody>
+          <a:bodyPr/>
+          <a:lstStyle/>
+          <a:p>
+            <a:r>
+              <a:rPr lang="en-US" dirty="0" smtClean="0"/>
               <a:t>Results: Calibration</a:t>
             </a:r>
             <a:endParaRPr lang="en-US" dirty="0"/>
@@ -15656,6 +15736,72 @@
 </p:sld>
 </file>
 
+<file path=ppt/slides/slide15.xml><?xml version="1.0" encoding="utf-8"?>
+<p:sld xmlns:a="http://schemas.openxmlformats.org/drawingml/2006/main" xmlns:r="http://schemas.openxmlformats.org/officeDocument/2006/relationships" xmlns:p="http://schemas.openxmlformats.org/presentationml/2006/main">
+  <p:cSld>
+    <p:spTree>
+      <p:nvGrpSpPr>
+        <p:cNvPr id="1" name=""/>
+        <p:cNvGrpSpPr/>
+        <p:nvPr/>
+      </p:nvGrpSpPr>
+      <p:grpSpPr>
+        <a:xfrm>
+          <a:off x="0" y="0"/>
+          <a:ext cx="0" cy="0"/>
+          <a:chOff x="0" y="0"/>
+          <a:chExt cx="0" cy="0"/>
+        </a:xfrm>
+      </p:grpSpPr>
+      <p:sp>
+        <p:nvSpPr>
+          <p:cNvPr id="5" name="TextBox 4"/>
+          <p:cNvSpPr txBox="1"/>
+          <p:nvPr/>
+        </p:nvSpPr>
+        <p:spPr>
+          <a:xfrm>
+            <a:off x="3318262" y="3017656"/>
+            <a:ext cx="4670149" cy="1138773"/>
+          </a:xfrm>
+          <a:prstGeom prst="rect">
+            <a:avLst/>
+          </a:prstGeom>
+          <a:noFill/>
+        </p:spPr>
+        <p:txBody>
+          <a:bodyPr wrap="square" rtlCol="0">
+            <a:spAutoFit/>
+          </a:bodyPr>
+          <a:lstStyle/>
+          <a:p>
+            <a:r>
+              <a:rPr lang="en-US" sz="3400" dirty="0" smtClean="0"/>
+              <a:t> Thank You!</a:t>
+            </a:r>
+          </a:p>
+          <a:p>
+            <a:r>
+              <a:rPr lang="en-US" sz="3400" dirty="0" smtClean="0"/>
+              <a:t> Questions?</a:t>
+            </a:r>
+            <a:endParaRPr lang="en-US" sz="3400" dirty="0"/>
+          </a:p>
+        </p:txBody>
+      </p:sp>
+    </p:spTree>
+    <p:extLst>
+      <p:ext uri="{BB962C8B-B14F-4D97-AF65-F5344CB8AC3E}">
+        <p14:creationId xmlns:p14="http://schemas.microsoft.com/office/powerpoint/2010/main" val="3660630609"/>
+      </p:ext>
+    </p:extLst>
+  </p:cSld>
+  <p:clrMapOvr>
+    <a:masterClrMapping/>
+  </p:clrMapOvr>
+</p:sld>
+</file>
+
 <file path=ppt/slides/slide2.xml><?xml version="1.0" encoding="utf-8"?>
 <p:sld xmlns:a="http://schemas.openxmlformats.org/drawingml/2006/main" xmlns:r="http://schemas.openxmlformats.org/officeDocument/2006/relationships" xmlns:p="http://schemas.openxmlformats.org/presentationml/2006/main">
   <p:cSld>
@@ -15960,7 +16106,7 @@
           <a:graphicData uri="http://schemas.openxmlformats.org/presentationml/2006/ole">
             <mc:AlternateContent xmlns:mc="http://schemas.openxmlformats.org/markup-compatibility/2006">
               <mc:Choice xmlns:v="urn:schemas-microsoft-com:vml" Requires="v">
-                <p:oleObj spid="_x0000_s1124" name="Equation" r:id="rId3" imgW="114300" imgH="165100" progId="Equation.3">
+                <p:oleObj spid="_x0000_s1151" name="Equation" r:id="rId3" imgW="114300" imgH="165100" progId="Equation.3">
                   <p:embed/>
                 </p:oleObj>
               </mc:Choice>
@@ -16017,7 +16163,7 @@
           <a:graphicData uri="http://schemas.openxmlformats.org/presentationml/2006/ole">
             <mc:AlternateContent xmlns:mc="http://schemas.openxmlformats.org/markup-compatibility/2006">
               <mc:Choice xmlns:v="urn:schemas-microsoft-com:vml" Requires="v">
-                <p:oleObj spid="_x0000_s1125" name="Equation" r:id="rId5" imgW="139700" imgH="393700" progId="Equation.3">
+                <p:oleObj spid="_x0000_s1152" name="Equation" r:id="rId5" imgW="139700" imgH="393700" progId="Equation.3">
                   <p:embed/>
                 </p:oleObj>
               </mc:Choice>
@@ -16074,7 +16220,7 @@
           <a:graphicData uri="http://schemas.openxmlformats.org/presentationml/2006/ole">
             <mc:AlternateContent xmlns:mc="http://schemas.openxmlformats.org/markup-compatibility/2006">
               <mc:Choice xmlns:v="urn:schemas-microsoft-com:vml" Requires="v">
-                <p:oleObj spid="_x0000_s1126" name="Equation" r:id="rId7" imgW="228600" imgH="393700" progId="Equation.3">
+                <p:oleObj spid="_x0000_s1153" name="Equation" r:id="rId7" imgW="228600" imgH="393700" progId="Equation.3">
                   <p:embed/>
                 </p:oleObj>
               </mc:Choice>
@@ -16470,29 +16616,148 @@
           </a:p>
           <a:p>
             <a:r>
+              <a:rPr lang="en-US" dirty="0" err="1" smtClean="0"/>
+              <a:t>Q</a:t>
+            </a:r>
+            <a:r>
+              <a:rPr lang="en-US" baseline="-25000" dirty="0" err="1" smtClean="0"/>
+              <a:t>ij</a:t>
+            </a:r>
+            <a:r>
               <a:rPr lang="en-US" dirty="0" smtClean="0"/>
-              <a:t>Equations, solution</a:t>
-            </a:r>
-          </a:p>
-          <a:p>
+              <a:t> ~ </a:t>
+            </a:r>
+            <a:r>
+              <a:rPr lang="en-US" dirty="0" err="1" smtClean="0"/>
+              <a:t>p</a:t>
+            </a:r>
+            <a:r>
+              <a:rPr lang="en-US" baseline="-25000" dirty="0" err="1" smtClean="0"/>
+              <a:t>i</a:t>
+            </a:r>
+            <a:r>
+              <a:rPr lang="en-US" dirty="0" err="1" smtClean="0"/>
+              <a:t>p</a:t>
+            </a:r>
+            <a:r>
+              <a:rPr lang="en-US" baseline="-25000" dirty="0" err="1" smtClean="0"/>
+              <a:t>j</a:t>
+            </a:r>
             <a:r>
               <a:rPr lang="en-US" dirty="0" smtClean="0"/>
-              <a:t>Variances, </a:t>
+              <a:t> + (1-p</a:t>
+            </a:r>
+            <a:r>
+              <a:rPr lang="en-US" baseline="-25000" dirty="0" smtClean="0"/>
+              <a:t>i</a:t>
+            </a:r>
+            <a:r>
+              <a:rPr lang="en-US" dirty="0" smtClean="0"/>
+              <a:t>)(1-p</a:t>
+            </a:r>
+            <a:r>
+              <a:rPr lang="en-US" baseline="-25000" dirty="0" smtClean="0"/>
+              <a:t>j</a:t>
+            </a:r>
+            <a:r>
+              <a:rPr lang="en-US" dirty="0" smtClean="0"/>
+              <a:t>)</a:t>
+            </a:r>
+          </a:p>
+          <a:p>
+            <a:r>
+              <a:rPr lang="en-US" dirty="0" smtClean="0"/>
+              <a:t>So p</a:t>
+            </a:r>
+            <a:r>
+              <a:rPr lang="en-US" baseline="-25000" dirty="0" smtClean="0"/>
+              <a:t>i</a:t>
+            </a:r>
+            <a:r>
+              <a:rPr lang="en-US" dirty="0" smtClean="0"/>
+              <a:t> = f</a:t>
+            </a:r>
+            <a:r>
+              <a:rPr lang="en-US" baseline="-25000" dirty="0" smtClean="0"/>
+              <a:t>i</a:t>
+            </a:r>
+            <a:r>
+              <a:rPr lang="en-US" dirty="0" smtClean="0"/>
+              <a:t>(</a:t>
             </a:r>
             <a:r>
               <a:rPr lang="en-US" dirty="0" err="1" smtClean="0"/>
-              <a:t>covariances</a:t>
-            </a:r>
-            <a:endParaRPr lang="en-US" dirty="0" smtClean="0"/>
-          </a:p>
-          <a:p>
+              <a:t>q</a:t>
+            </a:r>
+            <a:r>
+              <a:rPr lang="en-US" baseline="-25000" dirty="0" err="1" smtClean="0"/>
+              <a:t>ij</a:t>
+            </a:r>
+            <a:r>
+              <a:rPr lang="en-US" dirty="0" err="1" smtClean="0"/>
+              <a:t>,q</a:t>
+            </a:r>
+            <a:r>
+              <a:rPr lang="en-US" baseline="-25000" dirty="0" err="1" smtClean="0"/>
+              <a:t>ik</a:t>
+            </a:r>
+            <a:r>
+              <a:rPr lang="en-US" dirty="0" err="1" smtClean="0"/>
+              <a:t>,q</a:t>
+            </a:r>
+            <a:r>
+              <a:rPr lang="en-US" baseline="-25000" dirty="0" err="1" smtClean="0"/>
+              <a:t>jk</a:t>
+            </a:r>
             <a:r>
               <a:rPr lang="en-US" dirty="0" smtClean="0"/>
-              <a:t>Derivative</a:t>
-            </a:r>
-            <a:endParaRPr lang="en-US" dirty="0" smtClean="0"/>
-          </a:p>
-          <a:p>
+              <a:t>) </a:t>
+            </a:r>
+          </a:p>
+          <a:p>
+            <a:pPr marL="0" indent="0">
+              <a:buNone/>
+            </a:pPr>
+            <a:r>
+              <a:rPr lang="en-US" dirty="0" smtClean="0"/>
+              <a:t>             = ½ + ½ √((</a:t>
+            </a:r>
+            <a:r>
+              <a:rPr lang="en-US" dirty="0" err="1" smtClean="0"/>
+              <a:t>q</a:t>
+            </a:r>
+            <a:r>
+              <a:rPr lang="en-US" baseline="-25000" dirty="0" err="1" smtClean="0"/>
+              <a:t>ij</a:t>
+            </a:r>
+            <a:r>
+              <a:rPr lang="en-US" dirty="0" smtClean="0"/>
+              <a:t> – ½ )(</a:t>
+            </a:r>
+            <a:r>
+              <a:rPr lang="en-US" dirty="0" err="1" smtClean="0"/>
+              <a:t>q</a:t>
+            </a:r>
+            <a:r>
+              <a:rPr lang="en-US" baseline="-25000" dirty="0" err="1" smtClean="0"/>
+              <a:t>ik</a:t>
+            </a:r>
+            <a:r>
+              <a:rPr lang="en-US" dirty="0" smtClean="0"/>
+              <a:t> – ½ )/(</a:t>
+            </a:r>
+            <a:r>
+              <a:rPr lang="en-US" dirty="0" err="1" smtClean="0"/>
+              <a:t>q</a:t>
+            </a:r>
+            <a:r>
+              <a:rPr lang="en-US" baseline="-25000" dirty="0" err="1" smtClean="0"/>
+              <a:t>jk</a:t>
+            </a:r>
+            <a:r>
+              <a:rPr lang="en-US" dirty="0" smtClean="0"/>
+              <a:t> – ½ )) </a:t>
+            </a:r>
             <a:endParaRPr lang="en-US" dirty="0"/>
           </a:p>
         </p:txBody>
@@ -17190,6 +17455,195 @@
           <a:bodyPr/>
           <a:lstStyle/>
           <a:p>
+            <a:r>
+              <a:rPr lang="en-US" dirty="0" smtClean="0"/>
+              <a:t>Variance in p estimate depends on </a:t>
+            </a:r>
+          </a:p>
+          <a:p>
+            <a:pPr lvl="1"/>
+            <a:r>
+              <a:rPr lang="en-US" dirty="0" smtClean="0"/>
+              <a:t>Variance in q estimates</a:t>
+            </a:r>
+          </a:p>
+          <a:p>
+            <a:pPr lvl="1"/>
+            <a:r>
+              <a:rPr lang="en-US" dirty="0" err="1" smtClean="0"/>
+              <a:t>δf</a:t>
+            </a:r>
+            <a:r>
+              <a:rPr lang="en-US" baseline="-25000" dirty="0" err="1" smtClean="0"/>
+              <a:t>i</a:t>
+            </a:r>
+            <a:r>
+              <a:rPr lang="en-US" dirty="0" smtClean="0"/>
+              <a:t>/</a:t>
+            </a:r>
+            <a:r>
+              <a:rPr lang="en-US" dirty="0" err="1" smtClean="0"/>
+              <a:t>δq</a:t>
+            </a:r>
+            <a:r>
+              <a:rPr lang="en-US" baseline="-25000" dirty="0" err="1" smtClean="0"/>
+              <a:t>ij</a:t>
+            </a:r>
+            <a:r>
+              <a:rPr lang="en-US" dirty="0" smtClean="0"/>
+              <a:t>, </a:t>
+            </a:r>
+            <a:r>
+              <a:rPr lang="en-US" dirty="0" err="1" smtClean="0"/>
+              <a:t>δf</a:t>
+            </a:r>
+            <a:r>
+              <a:rPr lang="en-US" baseline="-25000" dirty="0" err="1" smtClean="0"/>
+              <a:t>i</a:t>
+            </a:r>
+            <a:r>
+              <a:rPr lang="en-US" dirty="0" smtClean="0"/>
+              <a:t>/</a:t>
+            </a:r>
+            <a:r>
+              <a:rPr lang="en-US" dirty="0" err="1" smtClean="0"/>
+              <a:t>δq</a:t>
+            </a:r>
+            <a:r>
+              <a:rPr lang="en-US" baseline="-25000" dirty="0" err="1" smtClean="0"/>
+              <a:t>jk</a:t>
+            </a:r>
+            <a:endParaRPr lang="en-US" baseline="-25000" dirty="0" smtClean="0"/>
+          </a:p>
+          <a:p>
+            <a:r>
+              <a:rPr lang="en-US" dirty="0" err="1" smtClean="0"/>
+              <a:t>Var</a:t>
+            </a:r>
+            <a:r>
+              <a:rPr lang="en-US" dirty="0" smtClean="0"/>
+              <a:t>(p</a:t>
+            </a:r>
+            <a:r>
+              <a:rPr lang="en-US" baseline="-25000" dirty="0" smtClean="0"/>
+              <a:t>i</a:t>
+            </a:r>
+            <a:r>
+              <a:rPr lang="en-US" dirty="0" smtClean="0"/>
+              <a:t>) = </a:t>
+            </a:r>
+            <a:r>
+              <a:rPr lang="en-US" dirty="0" err="1" smtClean="0"/>
+              <a:t>Σ</a:t>
+            </a:r>
+            <a:r>
+              <a:rPr lang="en-US" baseline="-25000" dirty="0" err="1" smtClean="0"/>
+              <a:t>q,q</a:t>
+            </a:r>
+            <a:r>
+              <a:rPr lang="en-US" baseline="-25000" dirty="0" smtClean="0"/>
+              <a:t>’</a:t>
+            </a:r>
+            <a:r>
+              <a:rPr lang="en-US" dirty="0" smtClean="0"/>
+              <a:t> </a:t>
+            </a:r>
+            <a:r>
+              <a:rPr lang="en-US" dirty="0" err="1" smtClean="0"/>
+              <a:t>Cov</a:t>
+            </a:r>
+            <a:r>
+              <a:rPr lang="en-US" dirty="0" smtClean="0"/>
+              <a:t> (</a:t>
+            </a:r>
+            <a:r>
+              <a:rPr lang="en-US" dirty="0" err="1" smtClean="0"/>
+              <a:t>q,q</a:t>
+            </a:r>
+            <a:r>
+              <a:rPr lang="en-US" dirty="0" smtClean="0"/>
+              <a:t>’) x </a:t>
+            </a:r>
+            <a:r>
+              <a:rPr lang="en-US" dirty="0" err="1" smtClean="0"/>
+              <a:t>δf</a:t>
+            </a:r>
+            <a:r>
+              <a:rPr lang="en-US" baseline="-25000" dirty="0" err="1" smtClean="0"/>
+              <a:t>i</a:t>
+            </a:r>
+            <a:r>
+              <a:rPr lang="en-US" dirty="0" smtClean="0"/>
+              <a:t>/</a:t>
+            </a:r>
+            <a:r>
+              <a:rPr lang="en-US" dirty="0" err="1" smtClean="0"/>
+              <a:t>δq</a:t>
+            </a:r>
+            <a:r>
+              <a:rPr lang="en-US" dirty="0" smtClean="0"/>
+              <a:t> x </a:t>
+            </a:r>
+            <a:r>
+              <a:rPr lang="en-US" dirty="0" err="1" smtClean="0"/>
+              <a:t>δf</a:t>
+            </a:r>
+            <a:r>
+              <a:rPr lang="en-US" baseline="-25000" dirty="0" err="1" smtClean="0"/>
+              <a:t>i</a:t>
+            </a:r>
+            <a:r>
+              <a:rPr lang="en-US" dirty="0" smtClean="0"/>
+              <a:t>/</a:t>
+            </a:r>
+            <a:r>
+              <a:rPr lang="en-US" dirty="0" err="1" smtClean="0"/>
+              <a:t>δq</a:t>
+            </a:r>
+            <a:r>
+              <a:rPr lang="en-US" dirty="0" smtClean="0"/>
+              <a:t>’</a:t>
+            </a:r>
+            <a:endParaRPr lang="en-US" dirty="0"/>
+          </a:p>
+          <a:p>
+            <a:r>
+              <a:rPr lang="en-US" dirty="0" smtClean="0"/>
+              <a:t>Estimate variances, derivatives</a:t>
+            </a:r>
+          </a:p>
+          <a:p>
+            <a:r>
+              <a:rPr lang="en-US" dirty="0" smtClean="0"/>
+              <a:t>Use E[p</a:t>
+            </a:r>
+            <a:r>
+              <a:rPr lang="en-US" baseline="-25000" dirty="0" smtClean="0"/>
+              <a:t>i</a:t>
+            </a:r>
+            <a:r>
+              <a:rPr lang="en-US" dirty="0" smtClean="0"/>
+              <a:t>], </a:t>
+            </a:r>
+            <a:r>
+              <a:rPr lang="en-US" dirty="0" err="1" smtClean="0"/>
+              <a:t>Var</a:t>
+            </a:r>
+            <a:r>
+              <a:rPr lang="en-US" dirty="0" smtClean="0"/>
+              <a:t>(p</a:t>
+            </a:r>
+            <a:r>
+              <a:rPr lang="en-US" baseline="-25000" dirty="0" smtClean="0"/>
+              <a:t>i</a:t>
+            </a:r>
+            <a:r>
+              <a:rPr lang="en-US" dirty="0" smtClean="0"/>
+              <a:t>) to get confidence interval</a:t>
+            </a:r>
+            <a:endParaRPr lang="en-US" dirty="0"/>
+          </a:p>
+          <a:p>
             <a:endParaRPr lang="en-US" dirty="0"/>
           </a:p>
         </p:txBody>
@@ -17445,14 +17899,80 @@
           <a:p>
             <a:r>
               <a:rPr lang="en-US" dirty="0"/>
-              <a:t>Optimum weights for combining</a:t>
-            </a:r>
+              <a:t>Optimum weights for </a:t>
+            </a:r>
+            <a:r>
+              <a:rPr lang="en-US" dirty="0" smtClean="0"/>
+              <a:t>combining</a:t>
+            </a:r>
+          </a:p>
+          <a:p>
+            <a:pPr lvl="1"/>
+            <a:r>
+              <a:rPr lang="en-US" dirty="0" smtClean="0"/>
+              <a:t>Covariance matrix A </a:t>
+            </a:r>
+          </a:p>
+          <a:p>
+            <a:pPr lvl="1"/>
+            <a:r>
+              <a:rPr lang="en-US" dirty="0" smtClean="0"/>
+              <a:t>Given by A</a:t>
+            </a:r>
+            <a:r>
+              <a:rPr lang="en-US" baseline="30000" dirty="0" smtClean="0"/>
+              <a:t>-1</a:t>
+            </a:r>
+            <a:r>
+              <a:rPr lang="en-US" dirty="0" smtClean="0"/>
+              <a:t>L</a:t>
+            </a:r>
+            <a:r>
+              <a:rPr lang="en-US" baseline="-25000" dirty="0" smtClean="0"/>
+              <a:t>N/2 </a:t>
+            </a:r>
+            <a:r>
+              <a:rPr lang="en-US" dirty="0" smtClean="0"/>
+              <a:t>where </a:t>
+            </a:r>
+            <a:r>
+              <a:rPr lang="en-US" dirty="0" err="1" smtClean="0"/>
+              <a:t>L</a:t>
+            </a:r>
+            <a:r>
+              <a:rPr lang="en-US" baseline="-25000" dirty="0" err="1" smtClean="0"/>
+              <a:t>k</a:t>
+            </a:r>
+            <a:r>
+              <a:rPr lang="en-US" dirty="0" smtClean="0"/>
+              <a:t> is a k-length vector with values 1/k</a:t>
+            </a:r>
+            <a:endParaRPr lang="en-US" baseline="-25000" dirty="0"/>
           </a:p>
           <a:p>
             <a:r>
               <a:rPr lang="en-US" dirty="0"/>
-              <a:t>Greedy way of group forming</a:t>
-            </a:r>
+              <a:t>Greedy way of group </a:t>
+            </a:r>
+            <a:r>
+              <a:rPr lang="en-US" dirty="0" smtClean="0"/>
+              <a:t>forming</a:t>
+            </a:r>
+          </a:p>
+          <a:p>
+            <a:pPr lvl="1"/>
+            <a:r>
+              <a:rPr lang="en-US" dirty="0" smtClean="0"/>
+              <a:t>Better to have two good workers in one group than one good worker in two groups, due to weighting</a:t>
+            </a:r>
+          </a:p>
+          <a:p>
+            <a:pPr lvl="1"/>
+            <a:r>
+              <a:rPr lang="en-US" dirty="0" smtClean="0"/>
+              <a:t>Greedily form groups</a:t>
+            </a:r>
+            <a:endParaRPr lang="en-US" dirty="0"/>
           </a:p>
           <a:p>
             <a:endParaRPr lang="en-US" dirty="0"/>

--- a/Presentation/WorkerEval.pptx
+++ b/Presentation/WorkerEval.pptx
@@ -18,8 +18,9 @@
     <p:sldId id="266" r:id="rId12"/>
     <p:sldId id="267" r:id="rId13"/>
     <p:sldId id="269" r:id="rId14"/>
-    <p:sldId id="265" r:id="rId15"/>
-    <p:sldId id="270" r:id="rId16"/>
+    <p:sldId id="271" r:id="rId15"/>
+    <p:sldId id="265" r:id="rId16"/>
+    <p:sldId id="270" r:id="rId17"/>
   </p:sldIdLst>
   <p:sldSz cx="9144000" cy="6858000" type="screen4x3"/>
   <p:notesSz cx="6858000" cy="9144000"/>
@@ -15587,7 +15588,7 @@
       </p:sp>
       <p:pic>
         <p:nvPicPr>
-          <p:cNvPr id="9" name="Content Placeholder 8" descr="conf_unc_realdata_optimization.pdf"/>
+          <p:cNvPr id="14" name="Content Placeholder 13" descr="conf_unc_realdata_optimization.pdf"/>
           <p:cNvPicPr>
             <a:picLocks noGrp="1" noChangeAspect="1"/>
           </p:cNvPicPr>
@@ -15595,7 +15596,7 @@
             <p:ph sz="quarter" idx="1"/>
           </p:nvPr>
         </p:nvPicPr>
-        <p:blipFill>
+        <p:blipFill rotWithShape="1">
           <a:blip r:embed="rId2">
             <a:extLst>
               <a:ext uri="{28A0092B-C50C-407E-A947-70E740481C1C}">
@@ -15603,12 +15604,15 @@
               </a:ext>
             </a:extLst>
           </a:blip>
-          <a:srcRect t="5199" b="5199"/>
-          <a:stretch>
-            <a:fillRect/>
-          </a:stretch>
+          <a:srcRect r="357" b="-1412"/>
+          <a:stretch/>
         </p:blipFill>
-        <p:spPr/>
+        <p:spPr>
+          <a:xfrm>
+            <a:off x="165197" y="1611237"/>
+            <a:ext cx="8793692" cy="5120458"/>
+          </a:xfrm>
+        </p:spPr>
       </p:pic>
     </p:spTree>
     <p:extLst>
@@ -15657,7 +15661,180 @@
           <a:p>
             <a:r>
               <a:rPr lang="en-US" dirty="0" smtClean="0"/>
-              <a:t>Results: Calibration</a:t>
+              <a:t>Results: Calibration (Synthetic Data)</a:t>
+            </a:r>
+            <a:endParaRPr lang="en-US" dirty="0"/>
+          </a:p>
+        </p:txBody>
+      </p:sp>
+      <p:pic>
+        <p:nvPicPr>
+          <p:cNvPr id="4" name="Picture 3" descr="conf_acc.pdf"/>
+          <p:cNvPicPr>
+            <a:picLocks noChangeAspect="1"/>
+          </p:cNvPicPr>
+          <p:nvPr/>
+        </p:nvPicPr>
+        <p:blipFill>
+          <a:blip r:embed="rId2">
+            <a:extLst>
+              <a:ext uri="{28A0092B-C50C-407E-A947-70E740481C1C}">
+                <a14:useLocalDpi xmlns:a14="http://schemas.microsoft.com/office/drawing/2010/main" val="0"/>
+              </a:ext>
+            </a:extLst>
+          </a:blip>
+          <a:stretch>
+            <a:fillRect/>
+          </a:stretch>
+        </p:blipFill>
+        <p:spPr>
+          <a:xfrm>
+            <a:off x="301752" y="1552181"/>
+            <a:ext cx="4177221" cy="3104022"/>
+          </a:xfrm>
+          <a:prstGeom prst="rect">
+            <a:avLst/>
+          </a:prstGeom>
+        </p:spPr>
+      </p:pic>
+      <p:pic>
+        <p:nvPicPr>
+          <p:cNvPr id="5" name="Picture 4" descr="k_conf_acc.pdf"/>
+          <p:cNvPicPr>
+            <a:picLocks noChangeAspect="1"/>
+          </p:cNvPicPr>
+          <p:nvPr/>
+        </p:nvPicPr>
+        <p:blipFill>
+          <a:blip r:embed="rId3">
+            <a:extLst>
+              <a:ext uri="{28A0092B-C50C-407E-A947-70E740481C1C}">
+                <a14:useLocalDpi xmlns:a14="http://schemas.microsoft.com/office/drawing/2010/main" val="0"/>
+              </a:ext>
+            </a:extLst>
+          </a:blip>
+          <a:stretch>
+            <a:fillRect/>
+          </a:stretch>
+        </p:blipFill>
+        <p:spPr>
+          <a:xfrm>
+            <a:off x="4771283" y="1552181"/>
+            <a:ext cx="4064869" cy="3104022"/>
+          </a:xfrm>
+          <a:prstGeom prst="rect">
+            <a:avLst/>
+          </a:prstGeom>
+        </p:spPr>
+      </p:pic>
+      <p:sp>
+        <p:nvSpPr>
+          <p:cNvPr id="6" name="TextBox 5"/>
+          <p:cNvSpPr txBox="1"/>
+          <p:nvPr/>
+        </p:nvSpPr>
+        <p:spPr>
+          <a:xfrm>
+            <a:off x="1611337" y="4805744"/>
+            <a:ext cx="1502034" cy="369332"/>
+          </a:xfrm>
+          <a:prstGeom prst="rect">
+            <a:avLst/>
+          </a:prstGeom>
+          <a:noFill/>
+        </p:spPr>
+        <p:txBody>
+          <a:bodyPr wrap="none" rtlCol="0">
+            <a:spAutoFit/>
+          </a:bodyPr>
+          <a:lstStyle/>
+          <a:p>
+            <a:r>
+              <a:rPr lang="en-US" dirty="0" smtClean="0"/>
+              <a:t>Binary Tasks</a:t>
+            </a:r>
+            <a:endParaRPr lang="en-US" dirty="0"/>
+          </a:p>
+        </p:txBody>
+      </p:sp>
+      <p:sp>
+        <p:nvSpPr>
+          <p:cNvPr id="7" name="TextBox 6"/>
+          <p:cNvSpPr txBox="1"/>
+          <p:nvPr/>
+        </p:nvSpPr>
+        <p:spPr>
+          <a:xfrm>
+            <a:off x="5983257" y="4805744"/>
+            <a:ext cx="2026253" cy="369332"/>
+          </a:xfrm>
+          <a:prstGeom prst="rect">
+            <a:avLst/>
+          </a:prstGeom>
+          <a:noFill/>
+        </p:spPr>
+        <p:txBody>
+          <a:bodyPr wrap="none" rtlCol="0">
+            <a:spAutoFit/>
+          </a:bodyPr>
+          <a:lstStyle/>
+          <a:p>
+            <a:r>
+              <a:rPr lang="en-US" dirty="0" smtClean="0"/>
+              <a:t>Non-Binary Tasks</a:t>
+            </a:r>
+            <a:endParaRPr lang="en-US" dirty="0"/>
+          </a:p>
+        </p:txBody>
+      </p:sp>
+    </p:spTree>
+    <p:extLst>
+      <p:ext uri="{BB962C8B-B14F-4D97-AF65-F5344CB8AC3E}">
+        <p14:creationId xmlns:p14="http://schemas.microsoft.com/office/powerpoint/2010/main" val="3430038789"/>
+      </p:ext>
+    </p:extLst>
+  </p:cSld>
+  <p:clrMapOvr>
+    <a:masterClrMapping/>
+  </p:clrMapOvr>
+</p:sld>
+</file>
+
+<file path=ppt/slides/slide15.xml><?xml version="1.0" encoding="utf-8"?>
+<p:sld xmlns:a="http://schemas.openxmlformats.org/drawingml/2006/main" xmlns:r="http://schemas.openxmlformats.org/officeDocument/2006/relationships" xmlns:p="http://schemas.openxmlformats.org/presentationml/2006/main">
+  <p:cSld>
+    <p:spTree>
+      <p:nvGrpSpPr>
+        <p:cNvPr id="1" name=""/>
+        <p:cNvGrpSpPr/>
+        <p:nvPr/>
+      </p:nvGrpSpPr>
+      <p:grpSpPr>
+        <a:xfrm>
+          <a:off x="0" y="0"/>
+          <a:ext cx="0" cy="0"/>
+          <a:chOff x="0" y="0"/>
+          <a:chExt cx="0" cy="0"/>
+        </a:xfrm>
+      </p:grpSpPr>
+      <p:sp>
+        <p:nvSpPr>
+          <p:cNvPr id="2" name="Title 1"/>
+          <p:cNvSpPr>
+            <a:spLocks noGrp="1"/>
+          </p:cNvSpPr>
+          <p:nvPr>
+            <p:ph type="title"/>
+          </p:nvPr>
+        </p:nvSpPr>
+        <p:spPr/>
+        <p:txBody>
+          <a:bodyPr/>
+          <a:lstStyle/>
+          <a:p>
+            <a:r>
+              <a:rPr lang="en-US" dirty="0" smtClean="0"/>
+              <a:t>Results: Calibration (Real Data)</a:t>
             </a:r>
             <a:endParaRPr lang="en-US" dirty="0"/>
           </a:p>
@@ -15685,8 +15862,8 @@
         </p:blipFill>
         <p:spPr>
           <a:xfrm>
-            <a:off x="4572000" y="1588490"/>
-            <a:ext cx="4572000" cy="2743200"/>
+            <a:off x="4415236" y="1588489"/>
+            <a:ext cx="4572000" cy="3026749"/>
           </a:xfrm>
           <a:prstGeom prst="rect">
             <a:avLst/>
@@ -15703,7 +15880,7 @@
             <p:ph sz="quarter" idx="1"/>
           </p:nvPr>
         </p:nvPicPr>
-        <p:blipFill>
+        <p:blipFill rotWithShape="1">
           <a:blip r:embed="rId3">
             <a:extLst>
               <a:ext uri="{28A0092B-C50C-407E-A947-70E740481C1C}">
@@ -15711,18 +15888,76 @@
               </a:ext>
             </a:extLst>
           </a:blip>
-          <a:srcRect t="5199" b="5199"/>
-          <a:stretch>
-            <a:fillRect/>
-          </a:stretch>
+          <a:srcRect t="-547" b="-2402"/>
+          <a:stretch/>
         </p:blipFill>
         <p:spPr>
           <a:xfrm>
-            <a:off x="0" y="1588490"/>
-            <a:ext cx="4572000" cy="2626450"/>
+            <a:off x="165198" y="1588490"/>
+            <a:ext cx="4250038" cy="3149640"/>
           </a:xfrm>
         </p:spPr>
       </p:pic>
+      <p:sp>
+        <p:nvSpPr>
+          <p:cNvPr id="10" name="TextBox 9"/>
+          <p:cNvSpPr txBox="1"/>
+          <p:nvPr/>
+        </p:nvSpPr>
+        <p:spPr>
+          <a:xfrm>
+            <a:off x="1763737" y="4794948"/>
+            <a:ext cx="1502034" cy="369332"/>
+          </a:xfrm>
+          <a:prstGeom prst="rect">
+            <a:avLst/>
+          </a:prstGeom>
+          <a:noFill/>
+        </p:spPr>
+        <p:txBody>
+          <a:bodyPr wrap="none" rtlCol="0">
+            <a:spAutoFit/>
+          </a:bodyPr>
+          <a:lstStyle/>
+          <a:p>
+            <a:r>
+              <a:rPr lang="en-US" dirty="0" smtClean="0"/>
+              <a:t>Binary Tasks</a:t>
+            </a:r>
+            <a:endParaRPr lang="en-US" dirty="0"/>
+          </a:p>
+        </p:txBody>
+      </p:sp>
+      <p:sp>
+        <p:nvSpPr>
+          <p:cNvPr id="11" name="TextBox 10"/>
+          <p:cNvSpPr txBox="1"/>
+          <p:nvPr/>
+        </p:nvSpPr>
+        <p:spPr>
+          <a:xfrm>
+            <a:off x="5903516" y="4794948"/>
+            <a:ext cx="2026253" cy="369332"/>
+          </a:xfrm>
+          <a:prstGeom prst="rect">
+            <a:avLst/>
+          </a:prstGeom>
+          <a:noFill/>
+        </p:spPr>
+        <p:txBody>
+          <a:bodyPr wrap="none" rtlCol="0">
+            <a:spAutoFit/>
+          </a:bodyPr>
+          <a:lstStyle/>
+          <a:p>
+            <a:r>
+              <a:rPr lang="en-US" dirty="0" smtClean="0"/>
+              <a:t>Non-Binary Tasks</a:t>
+            </a:r>
+            <a:endParaRPr lang="en-US" dirty="0"/>
+          </a:p>
+        </p:txBody>
+      </p:sp>
     </p:spTree>
     <p:extLst>
       <p:ext uri="{BB962C8B-B14F-4D97-AF65-F5344CB8AC3E}">
@@ -15736,7 +15971,7 @@
 </p:sld>
 </file>
 
-<file path=ppt/slides/slide15.xml><?xml version="1.0" encoding="utf-8"?>
+<file path=ppt/slides/slide16.xml><?xml version="1.0" encoding="utf-8"?>
 <p:sld xmlns:a="http://schemas.openxmlformats.org/drawingml/2006/main" xmlns:r="http://schemas.openxmlformats.org/officeDocument/2006/relationships" xmlns:p="http://schemas.openxmlformats.org/presentationml/2006/main">
   <p:cSld>
     <p:spTree>
@@ -16106,7 +16341,7 @@
           <a:graphicData uri="http://schemas.openxmlformats.org/presentationml/2006/ole">
             <mc:AlternateContent xmlns:mc="http://schemas.openxmlformats.org/markup-compatibility/2006">
               <mc:Choice xmlns:v="urn:schemas-microsoft-com:vml" Requires="v">
-                <p:oleObj spid="_x0000_s1151" name="Equation" r:id="rId3" imgW="114300" imgH="165100" progId="Equation.3">
+                <p:oleObj spid="_x0000_s1169" name="Equation" r:id="rId3" imgW="114300" imgH="165100" progId="Equation.3">
                   <p:embed/>
                 </p:oleObj>
               </mc:Choice>
@@ -16163,7 +16398,7 @@
           <a:graphicData uri="http://schemas.openxmlformats.org/presentationml/2006/ole">
             <mc:AlternateContent xmlns:mc="http://schemas.openxmlformats.org/markup-compatibility/2006">
               <mc:Choice xmlns:v="urn:schemas-microsoft-com:vml" Requires="v">
-                <p:oleObj spid="_x0000_s1152" name="Equation" r:id="rId5" imgW="139700" imgH="393700" progId="Equation.3">
+                <p:oleObj spid="_x0000_s1170" name="Equation" r:id="rId5" imgW="139700" imgH="393700" progId="Equation.3">
                   <p:embed/>
                 </p:oleObj>
               </mc:Choice>
@@ -16220,7 +16455,7 @@
           <a:graphicData uri="http://schemas.openxmlformats.org/presentationml/2006/ole">
             <mc:AlternateContent xmlns:mc="http://schemas.openxmlformats.org/markup-compatibility/2006">
               <mc:Choice xmlns:v="urn:schemas-microsoft-com:vml" Requires="v">
-                <p:oleObj spid="_x0000_s1153" name="Equation" r:id="rId7" imgW="228600" imgH="393700" progId="Equation.3">
+                <p:oleObj spid="_x0000_s1171" name="Equation" r:id="rId7" imgW="228600" imgH="393700" progId="Equation.3">
                   <p:embed/>
                 </p:oleObj>
               </mc:Choice>

--- a/Presentation/WorkerEval.pptx
+++ b/Presentation/WorkerEval.pptx
@@ -6,21 +6,20 @@
   </p:sldMasterIdLst>
   <p:sldIdLst>
     <p:sldId id="256" r:id="rId2"/>
-    <p:sldId id="257" r:id="rId3"/>
-    <p:sldId id="261" r:id="rId4"/>
-    <p:sldId id="262" r:id="rId5"/>
-    <p:sldId id="263" r:id="rId6"/>
-    <p:sldId id="258" r:id="rId7"/>
-    <p:sldId id="264" r:id="rId8"/>
-    <p:sldId id="259" r:id="rId9"/>
-    <p:sldId id="268" r:id="rId10"/>
-    <p:sldId id="260" r:id="rId11"/>
-    <p:sldId id="266" r:id="rId12"/>
-    <p:sldId id="267" r:id="rId13"/>
-    <p:sldId id="269" r:id="rId14"/>
-    <p:sldId id="271" r:id="rId15"/>
-    <p:sldId id="265" r:id="rId16"/>
-    <p:sldId id="270" r:id="rId17"/>
+    <p:sldId id="261" r:id="rId3"/>
+    <p:sldId id="263" r:id="rId4"/>
+    <p:sldId id="272" r:id="rId5"/>
+    <p:sldId id="258" r:id="rId6"/>
+    <p:sldId id="264" r:id="rId7"/>
+    <p:sldId id="259" r:id="rId8"/>
+    <p:sldId id="268" r:id="rId9"/>
+    <p:sldId id="260" r:id="rId10"/>
+    <p:sldId id="266" r:id="rId11"/>
+    <p:sldId id="267" r:id="rId12"/>
+    <p:sldId id="269" r:id="rId13"/>
+    <p:sldId id="271" r:id="rId14"/>
+    <p:sldId id="265" r:id="rId15"/>
+    <p:sldId id="270" r:id="rId16"/>
   </p:sldIdLst>
   <p:sldSz cx="9144000" cy="6858000" type="screen4x3"/>
   <p:notesSz cx="6858000" cy="9144000"/>
@@ -2069,11 +2068,7 @@
         <a:p>
           <a:r>
             <a:rPr lang="en-US" sz="5000" dirty="0" smtClean="0"/>
-            <a:t>Compute </a:t>
-          </a:r>
-          <a:r>
-            <a:rPr lang="en-US" sz="5000" dirty="0" smtClean="0"/>
-            <a:t>Derivatives</a:t>
+            <a:t>Compute Derivatives</a:t>
           </a:r>
         </a:p>
       </dgm:t>
@@ -2859,16 +2854,16 @@
   </dgm:ptLst>
   <dgm:cxnLst>
     <dgm:cxn modelId="{C1A89C6E-A525-3D4E-BDE2-08341DA98665}" type="presOf" srcId="{EAD6E5A0-9F70-3F45-ACC5-45D1D1E92FFB}" destId="{8171E798-D9AC-E041-824F-31746C8DCC3B}" srcOrd="0" destOrd="1" presId="urn:microsoft.com/office/officeart/2005/8/layout/hChevron3"/>
+    <dgm:cxn modelId="{974BB296-4495-9A43-820B-C2E2F14C49E1}" type="presOf" srcId="{A1C6CD64-1D5E-2145-ADE2-4CA90A397E7C}" destId="{15ED0ADA-5FBF-4B4C-9FB1-35E9FCFC8C0A}" srcOrd="0" destOrd="2" presId="urn:microsoft.com/office/officeart/2005/8/layout/hChevron3"/>
     <dgm:cxn modelId="{581E594E-7755-AC42-B9DC-05F1E9235722}" srcId="{0940C72B-4554-074E-BA3E-548C7F341CA7}" destId="{49570BFE-7D50-9848-8767-AE38C8AEB623}" srcOrd="2" destOrd="0" parTransId="{7F0FCC64-197C-EF44-BFB8-03441512624A}" sibTransId="{F4C95928-736B-2A47-ADAA-73922ADDA6B8}"/>
-    <dgm:cxn modelId="{974BB296-4495-9A43-820B-C2E2F14C49E1}" type="presOf" srcId="{A1C6CD64-1D5E-2145-ADE2-4CA90A397E7C}" destId="{15ED0ADA-5FBF-4B4C-9FB1-35E9FCFC8C0A}" srcOrd="0" destOrd="2" presId="urn:microsoft.com/office/officeart/2005/8/layout/hChevron3"/>
     <dgm:cxn modelId="{5B76B91E-6398-1748-AAD1-248C12EA16D7}" srcId="{F08485FE-D0FD-7745-B0CE-242137B291CA}" destId="{A1C6CD64-1D5E-2145-ADE2-4CA90A397E7C}" srcOrd="1" destOrd="0" parTransId="{ECE55DAD-09B4-0945-812D-F209EB8B0285}" sibTransId="{5D57D0ED-45B9-CA4F-86C2-744F68C5A205}"/>
     <dgm:cxn modelId="{20B85CE3-E9ED-DB4B-AFC7-E21E50188335}" srcId="{F08485FE-D0FD-7745-B0CE-242137B291CA}" destId="{2A545BEE-8B91-AF4E-9E6C-BB8912719D4D}" srcOrd="2" destOrd="0" parTransId="{0E88FA0C-BA93-DB4A-8EB1-E8CADAA6E3B4}" sibTransId="{3E485B0C-A3A7-3747-A517-8AEC4263EF6B}"/>
     <dgm:cxn modelId="{10B77C52-07D6-C44C-BEC3-2CC45501C14A}" type="presOf" srcId="{49570BFE-7D50-9848-8767-AE38C8AEB623}" destId="{827653F9-5CDF-B546-81B1-5AC2A9226BD2}" srcOrd="0" destOrd="3" presId="urn:microsoft.com/office/officeart/2005/8/layout/hChevron3"/>
     <dgm:cxn modelId="{5EFA07A2-9E4E-304F-A5EB-EEB7F1D269D0}" type="presOf" srcId="{F08485FE-D0FD-7745-B0CE-242137B291CA}" destId="{15ED0ADA-5FBF-4B4C-9FB1-35E9FCFC8C0A}" srcOrd="0" destOrd="0" presId="urn:microsoft.com/office/officeart/2005/8/layout/hChevron3"/>
     <dgm:cxn modelId="{9C8F157E-92EC-5441-8512-66AE45DC9D1A}" type="presOf" srcId="{0940C72B-4554-074E-BA3E-548C7F341CA7}" destId="{827653F9-5CDF-B546-81B1-5AC2A9226BD2}" srcOrd="0" destOrd="0" presId="urn:microsoft.com/office/officeart/2005/8/layout/hChevron3"/>
     <dgm:cxn modelId="{6F06F21B-2B18-BB4B-966A-C18899732967}" srcId="{116F74F5-4028-3F45-88E2-8C0B0C95263C}" destId="{57E308DC-0EC2-3A4A-AE1A-51AEC3F6FB47}" srcOrd="1" destOrd="0" parTransId="{9E72F64B-F4FC-9E4D-8EE4-B467A85DB5BB}" sibTransId="{47279E9B-3DE1-734D-9192-83E819833D93}"/>
+    <dgm:cxn modelId="{B3CC194D-0A98-BE45-B8F7-64F099CBB500}" type="presOf" srcId="{68D95848-EFCF-C74B-8B3E-5464E5A4673B}" destId="{15ED0ADA-5FBF-4B4C-9FB1-35E9FCFC8C0A}" srcOrd="0" destOrd="1" presId="urn:microsoft.com/office/officeart/2005/8/layout/hChevron3"/>
     <dgm:cxn modelId="{2CEC5FD5-667C-4247-A8E1-738AEB186C50}" type="presOf" srcId="{38BEECF8-0B02-604B-8C93-6F24C8521E73}" destId="{C7A5FC32-AE72-0B43-A11C-5CC3B880802E}" srcOrd="0" destOrd="0" presId="urn:microsoft.com/office/officeart/2005/8/layout/hChevron3"/>
-    <dgm:cxn modelId="{B3CC194D-0A98-BE45-B8F7-64F099CBB500}" type="presOf" srcId="{68D95848-EFCF-C74B-8B3E-5464E5A4673B}" destId="{15ED0ADA-5FBF-4B4C-9FB1-35E9FCFC8C0A}" srcOrd="0" destOrd="1" presId="urn:microsoft.com/office/officeart/2005/8/layout/hChevron3"/>
     <dgm:cxn modelId="{CEDEA953-40C2-9847-8A59-02F857334E7C}" srcId="{116F74F5-4028-3F45-88E2-8C0B0C95263C}" destId="{EAD6E5A0-9F70-3F45-ACC5-45D1D1E92FFB}" srcOrd="0" destOrd="0" parTransId="{E11809C5-32E7-3C46-845E-F86694928719}" sibTransId="{00ED442B-D535-194A-9768-7D457ABDFF00}"/>
     <dgm:cxn modelId="{19CB942F-391D-0040-8126-FDB0F471C24B}" type="presOf" srcId="{2A545BEE-8B91-AF4E-9E6C-BB8912719D4D}" destId="{15ED0ADA-5FBF-4B4C-9FB1-35E9FCFC8C0A}" srcOrd="0" destOrd="3" presId="urn:microsoft.com/office/officeart/2005/8/layout/hChevron3"/>
     <dgm:cxn modelId="{415097DD-1744-694A-8AEF-A4608CB56BCB}" srcId="{38BEECF8-0B02-604B-8C93-6F24C8521E73}" destId="{F110C852-6F45-FB48-B1FF-E7AAA445E08A}" srcOrd="2" destOrd="0" parTransId="{9EFCFFDB-A8ED-7D47-8710-26948EB2A4B9}" sibTransId="{E74471A5-F2F0-EB4B-AF20-2282F540ACA6}"/>
@@ -3095,11 +3090,7 @@
         <a:p>
           <a:r>
             <a:rPr lang="en-US" sz="5000" dirty="0" smtClean="0"/>
-            <a:t>Compute </a:t>
-          </a:r>
-          <a:r>
-            <a:rPr lang="en-US" sz="5000" dirty="0" smtClean="0"/>
-            <a:t>Derivatives</a:t>
+            <a:t>Compute Derivatives</a:t>
           </a:r>
         </a:p>
       </dgm:t>
@@ -3884,35 +3875,35 @@
     </dgm:pt>
   </dgm:ptLst>
   <dgm:cxnLst>
+    <dgm:cxn modelId="{DF29CD4F-7904-2E45-A41F-79E55EE04902}" srcId="{F110C852-6F45-FB48-B1FF-E7AAA445E08A}" destId="{BC511722-39B0-C544-9215-E00E086D6D9D}" srcOrd="0" destOrd="0" parTransId="{3F3A86FB-CB67-D642-ABF2-0B5740AEC9C5}" sibTransId="{BA5D79F3-533E-194C-ABE5-0BEAA9DE3D8E}"/>
+    <dgm:cxn modelId="{E1FF5F0F-3C30-EA4D-A27B-1EC4F659009A}" srcId="{0940C72B-4554-074E-BA3E-548C7F341CA7}" destId="{6A786F66-321C-D144-87D5-6AEFA9B69512}" srcOrd="0" destOrd="0" parTransId="{6DA661F8-EF02-FF4E-BDAA-7AF8DC641AAF}" sibTransId="{A6270F27-CC75-DB4F-B27C-FA3A163E10AA}"/>
+    <dgm:cxn modelId="{3940CA54-EC5B-0846-9881-2CDABE3CC066}" type="presOf" srcId="{EAD6E5A0-9F70-3F45-ACC5-45D1D1E92FFB}" destId="{8171E798-D9AC-E041-824F-31746C8DCC3B}" srcOrd="0" destOrd="1" presId="urn:microsoft.com/office/officeart/2005/8/layout/hChevron3"/>
+    <dgm:cxn modelId="{A56B41DD-F38B-A246-9DFA-A99EF0EA8A99}" type="presOf" srcId="{116F74F5-4028-3F45-88E2-8C0B0C95263C}" destId="{8171E798-D9AC-E041-824F-31746C8DCC3B}" srcOrd="0" destOrd="0" presId="urn:microsoft.com/office/officeart/2005/8/layout/hChevron3"/>
+    <dgm:cxn modelId="{59C95870-F28A-4345-9958-FD5905C37BCF}" type="presOf" srcId="{F08485FE-D0FD-7745-B0CE-242137B291CA}" destId="{15ED0ADA-5FBF-4B4C-9FB1-35E9FCFC8C0A}" srcOrd="0" destOrd="0" presId="urn:microsoft.com/office/officeart/2005/8/layout/hChevron3"/>
+    <dgm:cxn modelId="{0E5F1AA5-51FC-2D47-AD82-52F89CFE74F2}" type="presOf" srcId="{49570BFE-7D50-9848-8767-AE38C8AEB623}" destId="{827653F9-5CDF-B546-81B1-5AC2A9226BD2}" srcOrd="0" destOrd="3" presId="urn:microsoft.com/office/officeart/2005/8/layout/hChevron3"/>
+    <dgm:cxn modelId="{C9290AD7-8A76-3247-A3B8-BFAFB581723F}" type="presOf" srcId="{0940C72B-4554-074E-BA3E-548C7F341CA7}" destId="{827653F9-5CDF-B546-81B1-5AC2A9226BD2}" srcOrd="0" destOrd="0" presId="urn:microsoft.com/office/officeart/2005/8/layout/hChevron3"/>
+    <dgm:cxn modelId="{8D49BACA-E91E-5E47-B1F3-9C5DB6633183}" srcId="{38BEECF8-0B02-604B-8C93-6F24C8521E73}" destId="{116F74F5-4028-3F45-88E2-8C0B0C95263C}" srcOrd="0" destOrd="0" parTransId="{ACE8C5C1-36D9-D74D-8610-4DE5A697F5BD}" sibTransId="{A18E541C-B6F8-F34E-9BA2-931C40DA63B6}"/>
+    <dgm:cxn modelId="{30B6E3D6-E5CF-9B43-9F60-8CCE32493B9F}" type="presOf" srcId="{F110C852-6F45-FB48-B1FF-E7AAA445E08A}" destId="{7C3EB1D9-14A3-6F48-AC6B-8A6E615BA113}" srcOrd="0" destOrd="0" presId="urn:microsoft.com/office/officeart/2005/8/layout/hChevron3"/>
+    <dgm:cxn modelId="{0DA52ADF-367A-AD46-8252-EC2ADAB19519}" type="presOf" srcId="{2A545BEE-8B91-AF4E-9E6C-BB8912719D4D}" destId="{15ED0ADA-5FBF-4B4C-9FB1-35E9FCFC8C0A}" srcOrd="0" destOrd="3" presId="urn:microsoft.com/office/officeart/2005/8/layout/hChevron3"/>
+    <dgm:cxn modelId="{F59AD8F8-07F0-F844-BC2B-CF9BF901CDC5}" type="presOf" srcId="{6A786F66-321C-D144-87D5-6AEFA9B69512}" destId="{827653F9-5CDF-B546-81B1-5AC2A9226BD2}" srcOrd="0" destOrd="1" presId="urn:microsoft.com/office/officeart/2005/8/layout/hChevron3"/>
+    <dgm:cxn modelId="{7F8DAE13-42CD-E14E-B570-EA60A9D76A4C}" type="presOf" srcId="{BC511722-39B0-C544-9215-E00E086D6D9D}" destId="{7C3EB1D9-14A3-6F48-AC6B-8A6E615BA113}" srcOrd="0" destOrd="1" presId="urn:microsoft.com/office/officeart/2005/8/layout/hChevron3"/>
+    <dgm:cxn modelId="{4335E355-DEE4-5940-A577-47251E52DDD8}" srcId="{F110C852-6F45-FB48-B1FF-E7AAA445E08A}" destId="{9A15DA94-001B-3749-BD29-ED2F428A5EFB}" srcOrd="1" destOrd="0" parTransId="{A3B5D4E9-E83C-754D-BA54-07DF7C596D53}" sibTransId="{6E8ED6EA-BDAB-2546-941D-66BEE8909944}"/>
+    <dgm:cxn modelId="{7EF08AE2-A023-EE4C-8341-F538DEFC1DA6}" type="presOf" srcId="{EAF09015-B620-4843-BA44-7E16D6D51C9B}" destId="{827653F9-5CDF-B546-81B1-5AC2A9226BD2}" srcOrd="0" destOrd="2" presId="urn:microsoft.com/office/officeart/2005/8/layout/hChevron3"/>
+    <dgm:cxn modelId="{791558F9-8566-3341-9C0E-C1FF9F969E6E}" type="presOf" srcId="{57E308DC-0EC2-3A4A-AE1A-51AEC3F6FB47}" destId="{8171E798-D9AC-E041-824F-31746C8DCC3B}" srcOrd="0" destOrd="2" presId="urn:microsoft.com/office/officeart/2005/8/layout/hChevron3"/>
+    <dgm:cxn modelId="{2716E152-237C-2246-A687-1EE45EBB6B42}" type="presOf" srcId="{38BEECF8-0B02-604B-8C93-6F24C8521E73}" destId="{C7A5FC32-AE72-0B43-A11C-5CC3B880802E}" srcOrd="0" destOrd="0" presId="urn:microsoft.com/office/officeart/2005/8/layout/hChevron3"/>
+    <dgm:cxn modelId="{E4DDD113-FF0C-1546-81FC-1E0E2EE1052C}" srcId="{38BEECF8-0B02-604B-8C93-6F24C8521E73}" destId="{F08485FE-D0FD-7745-B0CE-242137B291CA}" srcOrd="3" destOrd="0" parTransId="{696F3056-08D5-0344-A7DC-64D0E19B860B}" sibTransId="{6D5FF295-B56C-1E46-B4C0-BF9D53C99390}"/>
+    <dgm:cxn modelId="{D99CB240-F89C-7A43-A1DF-B6AD3E33CCF6}" type="presOf" srcId="{68D95848-EFCF-C74B-8B3E-5464E5A4673B}" destId="{15ED0ADA-5FBF-4B4C-9FB1-35E9FCFC8C0A}" srcOrd="0" destOrd="1" presId="urn:microsoft.com/office/officeart/2005/8/layout/hChevron3"/>
+    <dgm:cxn modelId="{CEDEA953-40C2-9847-8A59-02F857334E7C}" srcId="{116F74F5-4028-3F45-88E2-8C0B0C95263C}" destId="{EAD6E5A0-9F70-3F45-ACC5-45D1D1E92FFB}" srcOrd="0" destOrd="0" parTransId="{E11809C5-32E7-3C46-845E-F86694928719}" sibTransId="{00ED442B-D535-194A-9768-7D457ABDFF00}"/>
     <dgm:cxn modelId="{180B7986-E35D-4545-BEC4-FCA233C2C3D1}" type="presOf" srcId="{A1C6CD64-1D5E-2145-ADE2-4CA90A397E7C}" destId="{15ED0ADA-5FBF-4B4C-9FB1-35E9FCFC8C0A}" srcOrd="0" destOrd="2" presId="urn:microsoft.com/office/officeart/2005/8/layout/hChevron3"/>
+    <dgm:cxn modelId="{20B85CE3-E9ED-DB4B-AFC7-E21E50188335}" srcId="{F08485FE-D0FD-7745-B0CE-242137B291CA}" destId="{2A545BEE-8B91-AF4E-9E6C-BB8912719D4D}" srcOrd="2" destOrd="0" parTransId="{0E88FA0C-BA93-DB4A-8EB1-E8CADAA6E3B4}" sibTransId="{3E485B0C-A3A7-3747-A517-8AEC4263EF6B}"/>
+    <dgm:cxn modelId="{415097DD-1744-694A-8AEF-A4608CB56BCB}" srcId="{38BEECF8-0B02-604B-8C93-6F24C8521E73}" destId="{F110C852-6F45-FB48-B1FF-E7AAA445E08A}" srcOrd="2" destOrd="0" parTransId="{9EFCFFDB-A8ED-7D47-8710-26948EB2A4B9}" sibTransId="{E74471A5-F2F0-EB4B-AF20-2282F540ACA6}"/>
+    <dgm:cxn modelId="{837DAAB8-08FD-CB40-9368-C88A49066D80}" srcId="{0940C72B-4554-074E-BA3E-548C7F341CA7}" destId="{EAF09015-B620-4843-BA44-7E16D6D51C9B}" srcOrd="1" destOrd="0" parTransId="{93FDBF4A-797E-6944-8397-37C50DB73AA5}" sibTransId="{9CEC6EA0-D1F2-D74B-AE2E-ACFFFFCD6939}"/>
     <dgm:cxn modelId="{581E594E-7755-AC42-B9DC-05F1E9235722}" srcId="{0940C72B-4554-074E-BA3E-548C7F341CA7}" destId="{49570BFE-7D50-9848-8767-AE38C8AEB623}" srcOrd="2" destOrd="0" parTransId="{7F0FCC64-197C-EF44-BFB8-03441512624A}" sibTransId="{F4C95928-736B-2A47-ADAA-73922ADDA6B8}"/>
     <dgm:cxn modelId="{5B76B91E-6398-1748-AAD1-248C12EA16D7}" srcId="{F08485FE-D0FD-7745-B0CE-242137B291CA}" destId="{A1C6CD64-1D5E-2145-ADE2-4CA90A397E7C}" srcOrd="1" destOrd="0" parTransId="{ECE55DAD-09B4-0945-812D-F209EB8B0285}" sibTransId="{5D57D0ED-45B9-CA4F-86C2-744F68C5A205}"/>
-    <dgm:cxn modelId="{791558F9-8566-3341-9C0E-C1FF9F969E6E}" type="presOf" srcId="{57E308DC-0EC2-3A4A-AE1A-51AEC3F6FB47}" destId="{8171E798-D9AC-E041-824F-31746C8DCC3B}" srcOrd="0" destOrd="2" presId="urn:microsoft.com/office/officeart/2005/8/layout/hChevron3"/>
-    <dgm:cxn modelId="{20B85CE3-E9ED-DB4B-AFC7-E21E50188335}" srcId="{F08485FE-D0FD-7745-B0CE-242137B291CA}" destId="{2A545BEE-8B91-AF4E-9E6C-BB8912719D4D}" srcOrd="2" destOrd="0" parTransId="{0E88FA0C-BA93-DB4A-8EB1-E8CADAA6E3B4}" sibTransId="{3E485B0C-A3A7-3747-A517-8AEC4263EF6B}"/>
-    <dgm:cxn modelId="{0DA52ADF-367A-AD46-8252-EC2ADAB19519}" type="presOf" srcId="{2A545BEE-8B91-AF4E-9E6C-BB8912719D4D}" destId="{15ED0ADA-5FBF-4B4C-9FB1-35E9FCFC8C0A}" srcOrd="0" destOrd="3" presId="urn:microsoft.com/office/officeart/2005/8/layout/hChevron3"/>
-    <dgm:cxn modelId="{2716E152-237C-2246-A687-1EE45EBB6B42}" type="presOf" srcId="{38BEECF8-0B02-604B-8C93-6F24C8521E73}" destId="{C7A5FC32-AE72-0B43-A11C-5CC3B880802E}" srcOrd="0" destOrd="0" presId="urn:microsoft.com/office/officeart/2005/8/layout/hChevron3"/>
     <dgm:cxn modelId="{6F06F21B-2B18-BB4B-966A-C18899732967}" srcId="{116F74F5-4028-3F45-88E2-8C0B0C95263C}" destId="{57E308DC-0EC2-3A4A-AE1A-51AEC3F6FB47}" srcOrd="1" destOrd="0" parTransId="{9E72F64B-F4FC-9E4D-8EE4-B467A85DB5BB}" sibTransId="{47279E9B-3DE1-734D-9192-83E819833D93}"/>
-    <dgm:cxn modelId="{D99CB240-F89C-7A43-A1DF-B6AD3E33CCF6}" type="presOf" srcId="{68D95848-EFCF-C74B-8B3E-5464E5A4673B}" destId="{15ED0ADA-5FBF-4B4C-9FB1-35E9FCFC8C0A}" srcOrd="0" destOrd="1" presId="urn:microsoft.com/office/officeart/2005/8/layout/hChevron3"/>
-    <dgm:cxn modelId="{A56B41DD-F38B-A246-9DFA-A99EF0EA8A99}" type="presOf" srcId="{116F74F5-4028-3F45-88E2-8C0B0C95263C}" destId="{8171E798-D9AC-E041-824F-31746C8DCC3B}" srcOrd="0" destOrd="0" presId="urn:microsoft.com/office/officeart/2005/8/layout/hChevron3"/>
-    <dgm:cxn modelId="{CEDEA953-40C2-9847-8A59-02F857334E7C}" srcId="{116F74F5-4028-3F45-88E2-8C0B0C95263C}" destId="{EAD6E5A0-9F70-3F45-ACC5-45D1D1E92FFB}" srcOrd="0" destOrd="0" parTransId="{E11809C5-32E7-3C46-845E-F86694928719}" sibTransId="{00ED442B-D535-194A-9768-7D457ABDFF00}"/>
-    <dgm:cxn modelId="{30B6E3D6-E5CF-9B43-9F60-8CCE32493B9F}" type="presOf" srcId="{F110C852-6F45-FB48-B1FF-E7AAA445E08A}" destId="{7C3EB1D9-14A3-6F48-AC6B-8A6E615BA113}" srcOrd="0" destOrd="0" presId="urn:microsoft.com/office/officeart/2005/8/layout/hChevron3"/>
-    <dgm:cxn modelId="{415097DD-1744-694A-8AEF-A4608CB56BCB}" srcId="{38BEECF8-0B02-604B-8C93-6F24C8521E73}" destId="{F110C852-6F45-FB48-B1FF-E7AAA445E08A}" srcOrd="2" destOrd="0" parTransId="{9EFCFFDB-A8ED-7D47-8710-26948EB2A4B9}" sibTransId="{E74471A5-F2F0-EB4B-AF20-2282F540ACA6}"/>
-    <dgm:cxn modelId="{F59AD8F8-07F0-F844-BC2B-CF9BF901CDC5}" type="presOf" srcId="{6A786F66-321C-D144-87D5-6AEFA9B69512}" destId="{827653F9-5CDF-B546-81B1-5AC2A9226BD2}" srcOrd="0" destOrd="1" presId="urn:microsoft.com/office/officeart/2005/8/layout/hChevron3"/>
+    <dgm:cxn modelId="{ADBADC1C-C3FF-1141-9138-7F3B039C5592}" srcId="{38BEECF8-0B02-604B-8C93-6F24C8521E73}" destId="{0940C72B-4554-074E-BA3E-548C7F341CA7}" srcOrd="1" destOrd="0" parTransId="{DA754511-A3C2-ED43-9303-E46DF35D80A8}" sibTransId="{F4190928-EC8A-7442-B34F-11F3FB06E220}"/>
     <dgm:cxn modelId="{5BEA15F4-01B9-894B-9D83-F53FDA1F6236}" srcId="{F08485FE-D0FD-7745-B0CE-242137B291CA}" destId="{68D95848-EFCF-C74B-8B3E-5464E5A4673B}" srcOrd="0" destOrd="0" parTransId="{D8BE48FA-80D5-2D46-8103-D63AA139B9BC}" sibTransId="{1CB48D96-7C19-9342-9A3E-30CA81ED0485}"/>
-    <dgm:cxn modelId="{ADBADC1C-C3FF-1141-9138-7F3B039C5592}" srcId="{38BEECF8-0B02-604B-8C93-6F24C8521E73}" destId="{0940C72B-4554-074E-BA3E-548C7F341CA7}" srcOrd="1" destOrd="0" parTransId="{DA754511-A3C2-ED43-9303-E46DF35D80A8}" sibTransId="{F4190928-EC8A-7442-B34F-11F3FB06E220}"/>
-    <dgm:cxn modelId="{8D49BACA-E91E-5E47-B1F3-9C5DB6633183}" srcId="{38BEECF8-0B02-604B-8C93-6F24C8521E73}" destId="{116F74F5-4028-3F45-88E2-8C0B0C95263C}" srcOrd="0" destOrd="0" parTransId="{ACE8C5C1-36D9-D74D-8610-4DE5A697F5BD}" sibTransId="{A18E541C-B6F8-F34E-9BA2-931C40DA63B6}"/>
-    <dgm:cxn modelId="{837DAAB8-08FD-CB40-9368-C88A49066D80}" srcId="{0940C72B-4554-074E-BA3E-548C7F341CA7}" destId="{EAF09015-B620-4843-BA44-7E16D6D51C9B}" srcOrd="1" destOrd="0" parTransId="{93FDBF4A-797E-6944-8397-37C50DB73AA5}" sibTransId="{9CEC6EA0-D1F2-D74B-AE2E-ACFFFFCD6939}"/>
-    <dgm:cxn modelId="{DF29CD4F-7904-2E45-A41F-79E55EE04902}" srcId="{F110C852-6F45-FB48-B1FF-E7AAA445E08A}" destId="{BC511722-39B0-C544-9215-E00E086D6D9D}" srcOrd="0" destOrd="0" parTransId="{3F3A86FB-CB67-D642-ABF2-0B5740AEC9C5}" sibTransId="{BA5D79F3-533E-194C-ABE5-0BEAA9DE3D8E}"/>
-    <dgm:cxn modelId="{59C95870-F28A-4345-9958-FD5905C37BCF}" type="presOf" srcId="{F08485FE-D0FD-7745-B0CE-242137B291CA}" destId="{15ED0ADA-5FBF-4B4C-9FB1-35E9FCFC8C0A}" srcOrd="0" destOrd="0" presId="urn:microsoft.com/office/officeart/2005/8/layout/hChevron3"/>
-    <dgm:cxn modelId="{7EF08AE2-A023-EE4C-8341-F538DEFC1DA6}" type="presOf" srcId="{EAF09015-B620-4843-BA44-7E16D6D51C9B}" destId="{827653F9-5CDF-B546-81B1-5AC2A9226BD2}" srcOrd="0" destOrd="2" presId="urn:microsoft.com/office/officeart/2005/8/layout/hChevron3"/>
-    <dgm:cxn modelId="{E1FF5F0F-3C30-EA4D-A27B-1EC4F659009A}" srcId="{0940C72B-4554-074E-BA3E-548C7F341CA7}" destId="{6A786F66-321C-D144-87D5-6AEFA9B69512}" srcOrd="0" destOrd="0" parTransId="{6DA661F8-EF02-FF4E-BDAA-7AF8DC641AAF}" sibTransId="{A6270F27-CC75-DB4F-B27C-FA3A163E10AA}"/>
-    <dgm:cxn modelId="{7F8DAE13-42CD-E14E-B570-EA60A9D76A4C}" type="presOf" srcId="{BC511722-39B0-C544-9215-E00E086D6D9D}" destId="{7C3EB1D9-14A3-6F48-AC6B-8A6E615BA113}" srcOrd="0" destOrd="1" presId="urn:microsoft.com/office/officeart/2005/8/layout/hChevron3"/>
-    <dgm:cxn modelId="{E4DDD113-FF0C-1546-81FC-1E0E2EE1052C}" srcId="{38BEECF8-0B02-604B-8C93-6F24C8521E73}" destId="{F08485FE-D0FD-7745-B0CE-242137B291CA}" srcOrd="3" destOrd="0" parTransId="{696F3056-08D5-0344-A7DC-64D0E19B860B}" sibTransId="{6D5FF295-B56C-1E46-B4C0-BF9D53C99390}"/>
-    <dgm:cxn modelId="{0E5F1AA5-51FC-2D47-AD82-52F89CFE74F2}" type="presOf" srcId="{49570BFE-7D50-9848-8767-AE38C8AEB623}" destId="{827653F9-5CDF-B546-81B1-5AC2A9226BD2}" srcOrd="0" destOrd="3" presId="urn:microsoft.com/office/officeart/2005/8/layout/hChevron3"/>
-    <dgm:cxn modelId="{4335E355-DEE4-5940-A577-47251E52DDD8}" srcId="{F110C852-6F45-FB48-B1FF-E7AAA445E08A}" destId="{9A15DA94-001B-3749-BD29-ED2F428A5EFB}" srcOrd="1" destOrd="0" parTransId="{A3B5D4E9-E83C-754D-BA54-07DF7C596D53}" sibTransId="{6E8ED6EA-BDAB-2546-941D-66BEE8909944}"/>
-    <dgm:cxn modelId="{3940CA54-EC5B-0846-9881-2CDABE3CC066}" type="presOf" srcId="{EAD6E5A0-9F70-3F45-ACC5-45D1D1E92FFB}" destId="{8171E798-D9AC-E041-824F-31746C8DCC3B}" srcOrd="0" destOrd="1" presId="urn:microsoft.com/office/officeart/2005/8/layout/hChevron3"/>
     <dgm:cxn modelId="{49885272-934D-484B-BA44-454A69050205}" type="presOf" srcId="{9A15DA94-001B-3749-BD29-ED2F428A5EFB}" destId="{7C3EB1D9-14A3-6F48-AC6B-8A6E615BA113}" srcOrd="0" destOrd="2" presId="urn:microsoft.com/office/officeart/2005/8/layout/hChevron3"/>
-    <dgm:cxn modelId="{C9290AD7-8A76-3247-A3B8-BFAFB581723F}" type="presOf" srcId="{0940C72B-4554-074E-BA3E-548C7F341CA7}" destId="{827653F9-5CDF-B546-81B1-5AC2A9226BD2}" srcOrd="0" destOrd="0" presId="urn:microsoft.com/office/officeart/2005/8/layout/hChevron3"/>
     <dgm:cxn modelId="{DC71007E-1DE1-D145-9DB7-5F70AA16388E}" type="presParOf" srcId="{C7A5FC32-AE72-0B43-A11C-5CC3B880802E}" destId="{8171E798-D9AC-E041-824F-31746C8DCC3B}" srcOrd="0" destOrd="0" presId="urn:microsoft.com/office/officeart/2005/8/layout/hChevron3"/>
     <dgm:cxn modelId="{137569D0-E7A9-374E-BE60-84A3A292F626}" type="presParOf" srcId="{C7A5FC32-AE72-0B43-A11C-5CC3B880802E}" destId="{E0E8DA2A-C56F-944E-942E-1C0A6B4493EC}" srcOrd="1" destOrd="0" presId="urn:microsoft.com/office/officeart/2005/8/layout/hChevron3"/>
     <dgm:cxn modelId="{B4950D7C-C237-284B-A7F6-B3F3B04D7579}" type="presParOf" srcId="{C7A5FC32-AE72-0B43-A11C-5CC3B880802E}" destId="{827653F9-5CDF-B546-81B1-5AC2A9226BD2}" srcOrd="2" destOrd="0" presId="urn:microsoft.com/office/officeart/2005/8/layout/hChevron3"/>
@@ -4383,11 +4374,7 @@
           </a:pPr>
           <a:r>
             <a:rPr lang="en-US" sz="5000" kern="1200" dirty="0" smtClean="0"/>
-            <a:t>Compute </a:t>
-          </a:r>
-          <a:r>
-            <a:rPr lang="en-US" sz="5000" kern="1200" dirty="0" smtClean="0"/>
-            <a:t>Derivatives</a:t>
+            <a:t>Compute Derivatives</a:t>
           </a:r>
         </a:p>
         <a:p>
@@ -5079,11 +5066,7 @@
           </a:pPr>
           <a:r>
             <a:rPr lang="en-US" sz="5000" kern="1200" dirty="0" smtClean="0"/>
-            <a:t>Compute </a:t>
-          </a:r>
-          <a:r>
-            <a:rPr lang="en-US" sz="5000" kern="1200" dirty="0" smtClean="0"/>
-            <a:t>Derivatives</a:t>
+            <a:t>Compute Derivatives</a:t>
           </a:r>
         </a:p>
         <a:p>
@@ -8676,7 +8659,7 @@
             <a:fld id="{9D21D778-B565-4D7E-94D7-64010A445B68}" type="datetimeFigureOut">
               <a:rPr lang="en-US" smtClean="0"/>
               <a:pPr eaLnBrk="1" latinLnBrk="0" hangingPunct="1"/>
-              <a:t>3/31/15</a:t>
+              <a:t>4/5/15</a:t>
             </a:fld>
             <a:endParaRPr lang="en-US"/>
           </a:p>
@@ -9078,7 +9061,7 @@
             <a:fld id="{9D21D778-B565-4D7E-94D7-64010A445B68}" type="datetimeFigureOut">
               <a:rPr lang="en-US" smtClean="0"/>
               <a:pPr eaLnBrk="1" latinLnBrk="0" hangingPunct="1"/>
-              <a:t>3/31/15</a:t>
+              <a:t>4/5/15</a:t>
             </a:fld>
             <a:endParaRPr lang="en-US"/>
           </a:p>
@@ -9614,7 +9597,7 @@
             <a:fld id="{9D21D778-B565-4D7E-94D7-64010A445B68}" type="datetimeFigureOut">
               <a:rPr lang="en-US" smtClean="0"/>
               <a:pPr eaLnBrk="1" latinLnBrk="0" hangingPunct="1"/>
-              <a:t>3/31/15</a:t>
+              <a:t>4/5/15</a:t>
             </a:fld>
             <a:endParaRPr lang="en-US"/>
           </a:p>
@@ -9749,7 +9732,7 @@
             <a:fld id="{9D21D778-B565-4D7E-94D7-64010A445B68}" type="datetimeFigureOut">
               <a:rPr lang="en-US" smtClean="0"/>
               <a:pPr eaLnBrk="1" latinLnBrk="0" hangingPunct="1"/>
-              <a:t>3/31/15</a:t>
+              <a:t>4/5/15</a:t>
             </a:fld>
             <a:endParaRPr lang="en-US"/>
           </a:p>
@@ -10295,7 +10278,7 @@
             <a:fld id="{9D21D778-B565-4D7E-94D7-64010A445B68}" type="datetimeFigureOut">
               <a:rPr lang="en-US" smtClean="0"/>
               <a:pPr eaLnBrk="1" latinLnBrk="0" hangingPunct="1"/>
-              <a:t>3/31/15</a:t>
+              <a:t>4/5/15</a:t>
             </a:fld>
             <a:endParaRPr lang="en-US"/>
           </a:p>
@@ -10599,7 +10582,7 @@
             <a:fld id="{9D21D778-B565-4D7E-94D7-64010A445B68}" type="datetimeFigureOut">
               <a:rPr lang="en-US" smtClean="0"/>
               <a:pPr eaLnBrk="1" latinLnBrk="0" hangingPunct="1"/>
-              <a:t>3/31/15</a:t>
+              <a:t>4/5/15</a:t>
             </a:fld>
             <a:endParaRPr lang="en-US"/>
           </a:p>
@@ -11261,7 +11244,7 @@
             <a:fld id="{9D21D778-B565-4D7E-94D7-64010A445B68}" type="datetimeFigureOut">
               <a:rPr lang="en-US" smtClean="0"/>
               <a:pPr eaLnBrk="1" latinLnBrk="0" hangingPunct="1"/>
-              <a:t>3/31/15</a:t>
+              <a:t>4/5/15</a:t>
             </a:fld>
             <a:endParaRPr lang="en-US"/>
           </a:p>
@@ -11701,7 +11684,7 @@
             <a:fld id="{9D21D778-B565-4D7E-94D7-64010A445B68}" type="datetimeFigureOut">
               <a:rPr lang="en-US" smtClean="0"/>
               <a:pPr eaLnBrk="1" latinLnBrk="0" hangingPunct="1"/>
-              <a:t>3/31/15</a:t>
+              <a:t>4/5/15</a:t>
             </a:fld>
             <a:endParaRPr lang="en-US"/>
           </a:p>
@@ -12017,7 +12000,7 @@
             <a:fld id="{9D21D778-B565-4D7E-94D7-64010A445B68}" type="datetimeFigureOut">
               <a:rPr lang="en-US" smtClean="0"/>
               <a:pPr eaLnBrk="1" latinLnBrk="0" hangingPunct="1"/>
-              <a:t>3/31/15</a:t>
+              <a:t>4/5/15</a:t>
             </a:fld>
             <a:endParaRPr lang="en-US"/>
           </a:p>
@@ -12763,7 +12746,7 @@
             <a:fld id="{9D21D778-B565-4D7E-94D7-64010A445B68}" type="datetimeFigureOut">
               <a:rPr lang="en-US" smtClean="0"/>
               <a:pPr eaLnBrk="1" latinLnBrk="0" hangingPunct="1"/>
-              <a:t>3/31/15</a:t>
+              <a:t>4/5/15</a:t>
             </a:fld>
             <a:endParaRPr lang="en-US"/>
           </a:p>
@@ -13430,7 +13413,7 @@
             <a:fld id="{9D21D778-B565-4D7E-94D7-64010A445B68}" type="datetimeFigureOut">
               <a:rPr lang="en-US" smtClean="0"/>
               <a:pPr eaLnBrk="1" latinLnBrk="0" hangingPunct="1"/>
-              <a:t>3/31/15</a:t>
+              <a:t>4/5/15</a:t>
             </a:fld>
             <a:endParaRPr lang="en-US" dirty="0"/>
           </a:p>
@@ -13705,7 +13688,7 @@
             <a:fld id="{9D21D778-B565-4D7E-94D7-64010A445B68}" type="datetimeFigureOut">
               <a:rPr lang="en-US" smtClean="0"/>
               <a:pPr algn="r" eaLnBrk="1" latinLnBrk="0" hangingPunct="1"/>
-              <a:t>3/31/15</a:t>
+              <a:t>4/5/15</a:t>
             </a:fld>
             <a:endParaRPr lang="en-US" sz="1400" dirty="0">
               <a:solidFill>
@@ -14455,11 +14438,7 @@
           <a:p>
             <a:r>
               <a:rPr lang="en-US" dirty="0" smtClean="0"/>
-              <a:t>Comprehensive and Reliable </a:t>
-            </a:r>
-            <a:r>
-              <a:rPr lang="en-US" dirty="0" smtClean="0"/>
-              <a:t>Crowd Assessment Algorithms</a:t>
+              <a:t>Comprehensive and Reliable Crowd Assessment Algorithms</a:t>
             </a:r>
             <a:endParaRPr lang="en-US" dirty="0"/>
           </a:p>
@@ -14511,10 +14490,9 @@
           <a:lstStyle/>
           <a:p>
             <a:r>
-              <a:rPr lang="en-US" dirty="0" smtClean="0"/>
+              <a:rPr lang="en-US" dirty="0"/>
               <a:t>3 Workers Non-binary Tasks</a:t>
             </a:r>
-            <a:endParaRPr lang="en-US" dirty="0"/>
           </a:p>
         </p:txBody>
       </p:sp>
@@ -14530,25 +14508,235 @@
         </p:nvSpPr>
         <p:spPr/>
         <p:txBody>
-          <a:bodyPr/>
+          <a:bodyPr>
+            <a:normAutofit/>
+          </a:bodyPr>
           <a:lstStyle/>
           <a:p>
             <a:r>
               <a:rPr lang="en-US" dirty="0" smtClean="0"/>
-              <a:t>Confusion matrix P</a:t>
+              <a:t>Compute comparison matrices (frequencies of response-pairs of workers </a:t>
+            </a:r>
+            <a:r>
+              <a:rPr lang="en-US" dirty="0" err="1" smtClean="0"/>
+              <a:t>w</a:t>
+            </a:r>
+            <a:r>
+              <a:rPr lang="en-US" baseline="-25000" dirty="0" err="1" smtClean="0"/>
+              <a:t>i</a:t>
+            </a:r>
+            <a:r>
+              <a:rPr lang="en-US" dirty="0" err="1" smtClean="0"/>
+              <a:t>,w</a:t>
+            </a:r>
+            <a:r>
+              <a:rPr lang="en-US" baseline="-25000" dirty="0" err="1" smtClean="0"/>
+              <a:t>j</a:t>
+            </a:r>
+            <a:r>
+              <a:rPr lang="en-US" dirty="0" smtClean="0"/>
+              <a:t>) </a:t>
+            </a:r>
+          </a:p>
+          <a:p>
+            <a:r>
+              <a:rPr lang="en-US" dirty="0" err="1" smtClean="0"/>
+              <a:t>C</a:t>
+            </a:r>
+            <a:r>
+              <a:rPr lang="en-US" baseline="-25000" dirty="0" err="1" smtClean="0"/>
+              <a:t>ij</a:t>
+            </a:r>
+            <a:r>
+              <a:rPr lang="en-US" dirty="0" smtClean="0"/>
+              <a:t> ~ </a:t>
+            </a:r>
+            <a:r>
+              <a:rPr lang="en-US" dirty="0" err="1" smtClean="0"/>
+              <a:t>P</a:t>
+            </a:r>
+            <a:r>
+              <a:rPr lang="en-US" baseline="-25000" dirty="0" err="1" smtClean="0"/>
+              <a:t>i</a:t>
+            </a:r>
+            <a:r>
+              <a:rPr lang="en-US" dirty="0" err="1" smtClean="0"/>
+              <a:t>S</a:t>
+            </a:r>
+            <a:r>
+              <a:rPr lang="en-US" baseline="30000" dirty="0" err="1" smtClean="0"/>
+              <a:t>D</a:t>
+            </a:r>
+            <a:r>
+              <a:rPr lang="en-US" dirty="0" err="1" smtClean="0"/>
+              <a:t>P</a:t>
+            </a:r>
+            <a:r>
+              <a:rPr lang="en-US" baseline="-25000" dirty="0" err="1" smtClean="0"/>
+              <a:t>j</a:t>
+            </a:r>
+            <a:r>
+              <a:rPr lang="en-US" baseline="30000" dirty="0" err="1" smtClean="0"/>
+              <a:t>T</a:t>
+            </a:r>
+            <a:r>
+              <a:rPr lang="en-US" dirty="0"/>
+              <a:t> </a:t>
+            </a:r>
+            <a:endParaRPr lang="en-US" dirty="0" smtClean="0"/>
+          </a:p>
+          <a:p>
+            <a:r>
+              <a:rPr lang="en-US" dirty="0" smtClean="0"/>
+              <a:t>Compute D</a:t>
             </a:r>
             <a:r>
               <a:rPr lang="en-US" baseline="-25000" dirty="0" smtClean="0"/>
-              <a:t>i , </a:t>
+              <a:t>i</a:t>
             </a:r>
             <a:r>
               <a:rPr lang="en-US" dirty="0" smtClean="0"/>
-              <a:t>Selectivity vector S, diagonal S</a:t>
-            </a:r>
-            <a:r>
-              <a:rPr lang="en-US" baseline="30000" dirty="0" smtClean="0"/>
+              <a:t> </a:t>
+            </a:r>
+            <a:r>
+              <a:rPr lang="en-US" dirty="0"/>
+              <a:t>= </a:t>
+            </a:r>
+            <a:r>
+              <a:rPr lang="en-US" dirty="0" err="1"/>
+              <a:t>C</a:t>
+            </a:r>
+            <a:r>
+              <a:rPr lang="en-US" baseline="-25000" dirty="0" err="1"/>
+              <a:t>ij</a:t>
+            </a:r>
+            <a:r>
+              <a:rPr lang="en-US" dirty="0"/>
+              <a:t>(</a:t>
+            </a:r>
+            <a:r>
+              <a:rPr lang="en-US" dirty="0" err="1"/>
+              <a:t>C</a:t>
+            </a:r>
+            <a:r>
+              <a:rPr lang="en-US" baseline="-25000" dirty="0" err="1"/>
+              <a:t>jk</a:t>
+            </a:r>
+            <a:r>
+              <a:rPr lang="en-US" baseline="30000" dirty="0" err="1"/>
+              <a:t>T</a:t>
+            </a:r>
+            <a:r>
+              <a:rPr lang="en-US" dirty="0"/>
+              <a:t>)</a:t>
+            </a:r>
+            <a:r>
+              <a:rPr lang="en-US" baseline="30000" dirty="0"/>
+              <a:t>-1</a:t>
+            </a:r>
+            <a:r>
+              <a:rPr lang="en-US" dirty="0"/>
+              <a:t>C</a:t>
+            </a:r>
+            <a:r>
+              <a:rPr lang="en-US" baseline="-25000" dirty="0"/>
+              <a:t>ki</a:t>
+            </a:r>
+            <a:r>
+              <a:rPr lang="en-US" dirty="0"/>
+              <a:t> </a:t>
+            </a:r>
+            <a:r>
+              <a:rPr lang="en-US" dirty="0" smtClean="0"/>
+              <a:t>= </a:t>
+            </a:r>
+            <a:r>
+              <a:rPr lang="en-US" dirty="0" err="1"/>
+              <a:t>P</a:t>
+            </a:r>
+            <a:r>
+              <a:rPr lang="en-US" baseline="-25000" dirty="0" err="1"/>
+              <a:t>i</a:t>
+            </a:r>
+            <a:r>
+              <a:rPr lang="en-US" dirty="0" err="1"/>
+              <a:t>S</a:t>
+            </a:r>
+            <a:r>
+              <a:rPr lang="en-US" baseline="30000" dirty="0" err="1"/>
               <a:t>D</a:t>
             </a:r>
+            <a:r>
+              <a:rPr lang="en-US" dirty="0" err="1"/>
+              <a:t>P</a:t>
+            </a:r>
+            <a:r>
+              <a:rPr lang="en-US" baseline="-25000" dirty="0" err="1"/>
+              <a:t>i</a:t>
+            </a:r>
+            <a:r>
+              <a:rPr lang="en-US" baseline="30000" dirty="0" err="1"/>
+              <a:t>T</a:t>
+            </a:r>
+            <a:r>
+              <a:rPr lang="en-US" dirty="0"/>
+              <a:t> </a:t>
+            </a:r>
+          </a:p>
+          <a:p>
+            <a:r>
+              <a:rPr lang="en-US" dirty="0"/>
+              <a:t>Eigenvalue decomposition of D</a:t>
+            </a:r>
+            <a:r>
+              <a:rPr lang="en-US" baseline="-25000" dirty="0"/>
+              <a:t>i</a:t>
+            </a:r>
+            <a:r>
+              <a:rPr lang="en-US" dirty="0"/>
+              <a:t> gives V</a:t>
+            </a:r>
+            <a:r>
+              <a:rPr lang="en-US" baseline="-25000" dirty="0"/>
+              <a:t>i</a:t>
+            </a:r>
+            <a:r>
+              <a:rPr lang="en-US" dirty="0"/>
+              <a:t> </a:t>
+            </a:r>
+            <a:r>
+              <a:rPr lang="en-US" dirty="0" smtClean="0"/>
+              <a:t>= </a:t>
+            </a:r>
+            <a:r>
+              <a:rPr lang="en-US" dirty="0"/>
+              <a:t>U √S</a:t>
+            </a:r>
+            <a:r>
+              <a:rPr lang="en-US" baseline="30000" dirty="0"/>
+              <a:t>D </a:t>
+            </a:r>
+            <a:r>
+              <a:rPr lang="en-US" dirty="0"/>
+              <a:t>P</a:t>
+            </a:r>
+            <a:r>
+              <a:rPr lang="en-US" baseline="-25000" dirty="0"/>
+              <a:t>i</a:t>
+            </a:r>
+            <a:r>
+              <a:rPr lang="en-US" dirty="0"/>
+              <a:t>, for a unitary U. </a:t>
+            </a:r>
+          </a:p>
+          <a:p>
+            <a:endParaRPr lang="en-US" baseline="30000" dirty="0"/>
+          </a:p>
+          <a:p>
+            <a:pPr marL="0" indent="0">
+              <a:buNone/>
+            </a:pPr>
+            <a:endParaRPr lang="en-US" baseline="30000" dirty="0"/>
           </a:p>
           <a:p>
             <a:pPr marL="0" indent="0">
@@ -14556,562 +14744,18 @@
             </a:pPr>
             <a:endParaRPr lang="en-US" dirty="0" smtClean="0"/>
           </a:p>
-          <a:p>
-            <a:pPr marL="0" indent="0">
-              <a:buNone/>
-            </a:pPr>
-            <a:r>
-              <a:rPr lang="en-US" dirty="0" smtClean="0"/>
-              <a:t>    e.g.                           ,              , </a:t>
-            </a:r>
-            <a:endParaRPr lang="en-US" dirty="0"/>
-          </a:p>
-          <a:p>
-            <a:pPr marL="0" indent="0">
-              <a:buNone/>
-            </a:pPr>
-            <a:endParaRPr lang="en-US" dirty="0" smtClean="0"/>
-          </a:p>
-          <a:p>
-            <a:r>
-              <a:rPr lang="en-US" dirty="0" smtClean="0"/>
-              <a:t>P</a:t>
-            </a:r>
-            <a:r>
-              <a:rPr lang="en-US" baseline="-25000" dirty="0" smtClean="0"/>
-              <a:t>i</a:t>
-            </a:r>
-            <a:r>
-              <a:rPr lang="en-US" dirty="0" smtClean="0"/>
-              <a:t>’s, S : Column-stochastic, unknown</a:t>
-            </a:r>
-          </a:p>
-          <a:p>
-            <a:r>
-              <a:rPr lang="en-US" dirty="0" smtClean="0"/>
-              <a:t>Observation probabilities given by </a:t>
-            </a:r>
-            <a:r>
-              <a:rPr lang="en-US" b="1" dirty="0" err="1" smtClean="0"/>
-              <a:t>P</a:t>
-            </a:r>
-            <a:r>
-              <a:rPr lang="en-US" b="1" baseline="-25000" dirty="0" err="1" smtClean="0"/>
-              <a:t>i</a:t>
-            </a:r>
-            <a:r>
-              <a:rPr lang="en-US" b="1" dirty="0" err="1" smtClean="0"/>
-              <a:t>S</a:t>
-            </a:r>
-            <a:endParaRPr lang="en-US" b="1" dirty="0" smtClean="0"/>
-          </a:p>
         </p:txBody>
       </p:sp>
-      <p:graphicFrame>
-        <p:nvGraphicFramePr>
-          <p:cNvPr id="4" name="Table 3"/>
-          <p:cNvGraphicFramePr>
-            <a:graphicFrameLocks noGrp="1"/>
-          </p:cNvGraphicFramePr>
-          <p:nvPr>
-            <p:extLst>
-              <p:ext uri="{D42A27DB-BD31-4B8C-83A1-F6EECF244321}">
-                <p14:modId xmlns:p14="http://schemas.microsoft.com/office/powerpoint/2010/main" val="3266693032"/>
-              </p:ext>
-            </p:extLst>
-          </p:nvPr>
-        </p:nvGraphicFramePr>
-        <p:xfrm>
-          <a:off x="1537655" y="2097618"/>
-          <a:ext cx="1766952" cy="1320255"/>
-        </p:xfrm>
-        <a:graphic>
-          <a:graphicData uri="http://schemas.openxmlformats.org/drawingml/2006/table">
-            <a:tbl>
-              <a:tblPr firstRow="1" bandRow="1">
-                <a:tableStyleId>{5940675A-B579-460E-94D1-54222C63F5DA}</a:tableStyleId>
-              </a:tblPr>
-              <a:tblGrid>
-                <a:gridCol w="588984"/>
-                <a:gridCol w="588984"/>
-                <a:gridCol w="588984"/>
-              </a:tblGrid>
-              <a:tr h="440085">
-                <a:tc>
-                  <a:txBody>
-                    <a:bodyPr/>
-                    <a:lstStyle/>
-                    <a:p>
-                      <a:r>
-                        <a:rPr lang="en-US" dirty="0" smtClean="0"/>
-                        <a:t>0.8</a:t>
-                      </a:r>
-                      <a:endParaRPr lang="en-US" dirty="0"/>
-                    </a:p>
-                  </a:txBody>
-                  <a:tcPr/>
-                </a:tc>
-                <a:tc>
-                  <a:txBody>
-                    <a:bodyPr/>
-                    <a:lstStyle/>
-                    <a:p>
-                      <a:r>
-                        <a:rPr lang="en-US" dirty="0" smtClean="0"/>
-                        <a:t>0.1</a:t>
-                      </a:r>
-                      <a:endParaRPr lang="en-US" dirty="0"/>
-                    </a:p>
-                  </a:txBody>
-                  <a:tcPr/>
-                </a:tc>
-                <a:tc>
-                  <a:txBody>
-                    <a:bodyPr/>
-                    <a:lstStyle/>
-                    <a:p>
-                      <a:r>
-                        <a:rPr lang="en-US" dirty="0" smtClean="0"/>
-                        <a:t>0.3</a:t>
-                      </a:r>
-                      <a:endParaRPr lang="en-US" dirty="0"/>
-                    </a:p>
-                  </a:txBody>
-                  <a:tcPr/>
-                </a:tc>
-              </a:tr>
-              <a:tr h="440085">
-                <a:tc>
-                  <a:txBody>
-                    <a:bodyPr/>
-                    <a:lstStyle/>
-                    <a:p>
-                      <a:r>
-                        <a:rPr lang="en-US" dirty="0" smtClean="0"/>
-                        <a:t>0.1</a:t>
-                      </a:r>
-                      <a:endParaRPr lang="en-US" dirty="0"/>
-                    </a:p>
-                  </a:txBody>
-                  <a:tcPr/>
-                </a:tc>
-                <a:tc>
-                  <a:txBody>
-                    <a:bodyPr/>
-                    <a:lstStyle/>
-                    <a:p>
-                      <a:r>
-                        <a:rPr lang="en-US" dirty="0" smtClean="0"/>
-                        <a:t>0.7</a:t>
-                      </a:r>
-                      <a:endParaRPr lang="en-US" dirty="0"/>
-                    </a:p>
-                  </a:txBody>
-                  <a:tcPr/>
-                </a:tc>
-                <a:tc>
-                  <a:txBody>
-                    <a:bodyPr/>
-                    <a:lstStyle/>
-                    <a:p>
-                      <a:r>
-                        <a:rPr lang="en-US" dirty="0" smtClean="0"/>
-                        <a:t>0.1</a:t>
-                      </a:r>
-                      <a:endParaRPr lang="en-US" dirty="0"/>
-                    </a:p>
-                  </a:txBody>
-                  <a:tcPr/>
-                </a:tc>
-              </a:tr>
-              <a:tr h="440085">
-                <a:tc>
-                  <a:txBody>
-                    <a:bodyPr/>
-                    <a:lstStyle/>
-                    <a:p>
-                      <a:r>
-                        <a:rPr lang="en-US" dirty="0" smtClean="0"/>
-                        <a:t>0.1</a:t>
-                      </a:r>
-                      <a:endParaRPr lang="en-US" dirty="0"/>
-                    </a:p>
-                  </a:txBody>
-                  <a:tcPr/>
-                </a:tc>
-                <a:tc>
-                  <a:txBody>
-                    <a:bodyPr/>
-                    <a:lstStyle/>
-                    <a:p>
-                      <a:r>
-                        <a:rPr lang="en-US" dirty="0" smtClean="0"/>
-                        <a:t>0.2</a:t>
-                      </a:r>
-                      <a:endParaRPr lang="en-US" dirty="0"/>
-                    </a:p>
-                  </a:txBody>
-                  <a:tcPr/>
-                </a:tc>
-                <a:tc>
-                  <a:txBody>
-                    <a:bodyPr/>
-                    <a:lstStyle/>
-                    <a:p>
-                      <a:r>
-                        <a:rPr lang="en-US" dirty="0" smtClean="0"/>
-                        <a:t>0.6</a:t>
-                      </a:r>
-                      <a:endParaRPr lang="en-US" dirty="0"/>
-                    </a:p>
-                  </a:txBody>
-                  <a:tcPr/>
-                </a:tc>
-              </a:tr>
-            </a:tbl>
-          </a:graphicData>
-        </a:graphic>
-      </p:graphicFrame>
-      <p:graphicFrame>
-        <p:nvGraphicFramePr>
-          <p:cNvPr id="5" name="Table 4"/>
-          <p:cNvGraphicFramePr>
-            <a:graphicFrameLocks noGrp="1"/>
-          </p:cNvGraphicFramePr>
-          <p:nvPr>
-            <p:extLst>
-              <p:ext uri="{D42A27DB-BD31-4B8C-83A1-F6EECF244321}">
-                <p14:modId xmlns:p14="http://schemas.microsoft.com/office/powerpoint/2010/main" val="925992086"/>
-              </p:ext>
-            </p:extLst>
-          </p:nvPr>
-        </p:nvGraphicFramePr>
-        <p:xfrm>
-          <a:off x="4006581" y="2097617"/>
-          <a:ext cx="551621" cy="1320255"/>
-        </p:xfrm>
-        <a:graphic>
-          <a:graphicData uri="http://schemas.openxmlformats.org/drawingml/2006/table">
-            <a:tbl>
-              <a:tblPr firstRow="1" bandRow="1">
-                <a:tableStyleId>{5940675A-B579-460E-94D1-54222C63F5DA}</a:tableStyleId>
-              </a:tblPr>
-              <a:tblGrid>
-                <a:gridCol w="551621"/>
-              </a:tblGrid>
-              <a:tr h="440085">
-                <a:tc>
-                  <a:txBody>
-                    <a:bodyPr/>
-                    <a:lstStyle/>
-                    <a:p>
-                      <a:r>
-                        <a:rPr lang="en-US" dirty="0" smtClean="0"/>
-                        <a:t>0.4</a:t>
-                      </a:r>
-                      <a:endParaRPr lang="en-US" dirty="0"/>
-                    </a:p>
-                  </a:txBody>
-                  <a:tcPr/>
-                </a:tc>
-              </a:tr>
-              <a:tr h="440085">
-                <a:tc>
-                  <a:txBody>
-                    <a:bodyPr/>
-                    <a:lstStyle/>
-                    <a:p>
-                      <a:r>
-                        <a:rPr lang="en-US" dirty="0" smtClean="0"/>
-                        <a:t>0.2</a:t>
-                      </a:r>
-                      <a:endParaRPr lang="en-US" dirty="0"/>
-                    </a:p>
-                  </a:txBody>
-                  <a:tcPr/>
-                </a:tc>
-              </a:tr>
-              <a:tr h="440085">
-                <a:tc>
-                  <a:txBody>
-                    <a:bodyPr/>
-                    <a:lstStyle/>
-                    <a:p>
-                      <a:r>
-                        <a:rPr lang="en-US" dirty="0" smtClean="0"/>
-                        <a:t>0.4</a:t>
-                      </a:r>
-                      <a:endParaRPr lang="en-US" dirty="0"/>
-                    </a:p>
-                  </a:txBody>
-                  <a:tcPr/>
-                </a:tc>
-              </a:tr>
-            </a:tbl>
-          </a:graphicData>
-        </a:graphic>
-      </p:graphicFrame>
-      <p:graphicFrame>
-        <p:nvGraphicFramePr>
-          <p:cNvPr id="6" name="Table 5"/>
-          <p:cNvGraphicFramePr>
-            <a:graphicFrameLocks noGrp="1"/>
-          </p:cNvGraphicFramePr>
-          <p:nvPr>
-            <p:extLst>
-              <p:ext uri="{D42A27DB-BD31-4B8C-83A1-F6EECF244321}">
-                <p14:modId xmlns:p14="http://schemas.microsoft.com/office/powerpoint/2010/main" val="2925425624"/>
-              </p:ext>
-            </p:extLst>
-          </p:nvPr>
-        </p:nvGraphicFramePr>
-        <p:xfrm>
-          <a:off x="5377015" y="2088197"/>
-          <a:ext cx="1766952" cy="1320255"/>
-        </p:xfrm>
-        <a:graphic>
-          <a:graphicData uri="http://schemas.openxmlformats.org/drawingml/2006/table">
-            <a:tbl>
-              <a:tblPr firstRow="1" bandRow="1">
-                <a:tableStyleId>{5940675A-B579-460E-94D1-54222C63F5DA}</a:tableStyleId>
-              </a:tblPr>
-              <a:tblGrid>
-                <a:gridCol w="588984"/>
-                <a:gridCol w="588984"/>
-                <a:gridCol w="588984"/>
-              </a:tblGrid>
-              <a:tr h="440085">
-                <a:tc>
-                  <a:txBody>
-                    <a:bodyPr/>
-                    <a:lstStyle/>
-                    <a:p>
-                      <a:r>
-                        <a:rPr lang="en-US" dirty="0" smtClean="0"/>
-                        <a:t>0.4</a:t>
-                      </a:r>
-                      <a:endParaRPr lang="en-US" dirty="0"/>
-                    </a:p>
-                  </a:txBody>
-                  <a:tcPr/>
-                </a:tc>
-                <a:tc>
-                  <a:txBody>
-                    <a:bodyPr/>
-                    <a:lstStyle/>
-                    <a:p>
-                      <a:r>
-                        <a:rPr lang="en-US" dirty="0" smtClean="0"/>
-                        <a:t>0</a:t>
-                      </a:r>
-                      <a:endParaRPr lang="en-US" dirty="0"/>
-                    </a:p>
-                  </a:txBody>
-                  <a:tcPr/>
-                </a:tc>
-                <a:tc>
-                  <a:txBody>
-                    <a:bodyPr/>
-                    <a:lstStyle/>
-                    <a:p>
-                      <a:r>
-                        <a:rPr lang="en-US" dirty="0" smtClean="0"/>
-                        <a:t>0</a:t>
-                      </a:r>
-                      <a:endParaRPr lang="en-US" dirty="0"/>
-                    </a:p>
-                  </a:txBody>
-                  <a:tcPr/>
-                </a:tc>
-              </a:tr>
-              <a:tr h="440085">
-                <a:tc>
-                  <a:txBody>
-                    <a:bodyPr/>
-                    <a:lstStyle/>
-                    <a:p>
-                      <a:r>
-                        <a:rPr lang="en-US" dirty="0" smtClean="0"/>
-                        <a:t>0</a:t>
-                      </a:r>
-                      <a:endParaRPr lang="en-US" dirty="0"/>
-                    </a:p>
-                  </a:txBody>
-                  <a:tcPr/>
-                </a:tc>
-                <a:tc>
-                  <a:txBody>
-                    <a:bodyPr/>
-                    <a:lstStyle/>
-                    <a:p>
-                      <a:r>
-                        <a:rPr lang="en-US" dirty="0" smtClean="0"/>
-                        <a:t>0.2</a:t>
-                      </a:r>
-                      <a:endParaRPr lang="en-US" dirty="0"/>
-                    </a:p>
-                  </a:txBody>
-                  <a:tcPr/>
-                </a:tc>
-                <a:tc>
-                  <a:txBody>
-                    <a:bodyPr/>
-                    <a:lstStyle/>
-                    <a:p>
-                      <a:r>
-                        <a:rPr lang="en-US" dirty="0" smtClean="0"/>
-                        <a:t>0</a:t>
-                      </a:r>
-                      <a:endParaRPr lang="en-US" dirty="0"/>
-                    </a:p>
-                  </a:txBody>
-                  <a:tcPr/>
-                </a:tc>
-              </a:tr>
-              <a:tr h="440085">
-                <a:tc>
-                  <a:txBody>
-                    <a:bodyPr/>
-                    <a:lstStyle/>
-                    <a:p>
-                      <a:r>
-                        <a:rPr lang="en-US" dirty="0" smtClean="0"/>
-                        <a:t>0</a:t>
-                      </a:r>
-                      <a:endParaRPr lang="en-US" dirty="0"/>
-                    </a:p>
-                  </a:txBody>
-                  <a:tcPr/>
-                </a:tc>
-                <a:tc>
-                  <a:txBody>
-                    <a:bodyPr/>
-                    <a:lstStyle/>
-                    <a:p>
-                      <a:r>
-                        <a:rPr lang="en-US" dirty="0" smtClean="0"/>
-                        <a:t>0</a:t>
-                      </a:r>
-                      <a:endParaRPr lang="en-US" dirty="0"/>
-                    </a:p>
-                  </a:txBody>
-                  <a:tcPr/>
-                </a:tc>
-                <a:tc>
-                  <a:txBody>
-                    <a:bodyPr/>
-                    <a:lstStyle/>
-                    <a:p>
-                      <a:r>
-                        <a:rPr lang="en-US" dirty="0" smtClean="0"/>
-                        <a:t>0.4</a:t>
-                      </a:r>
-                      <a:endParaRPr lang="en-US" dirty="0"/>
-                    </a:p>
-                  </a:txBody>
-                  <a:tcPr/>
-                </a:tc>
-              </a:tr>
-            </a:tbl>
-          </a:graphicData>
-        </a:graphic>
-      </p:graphicFrame>
-      <p:graphicFrame>
-        <p:nvGraphicFramePr>
-          <p:cNvPr id="7" name="Table 6"/>
-          <p:cNvGraphicFramePr>
-            <a:graphicFrameLocks noGrp="1"/>
-          </p:cNvGraphicFramePr>
-          <p:nvPr>
-            <p:extLst>
-              <p:ext uri="{D42A27DB-BD31-4B8C-83A1-F6EECF244321}">
-                <p14:modId xmlns:p14="http://schemas.microsoft.com/office/powerpoint/2010/main" val="216597744"/>
-              </p:ext>
-            </p:extLst>
-          </p:nvPr>
-        </p:nvGraphicFramePr>
-        <p:xfrm>
-          <a:off x="827062" y="4707536"/>
-          <a:ext cx="710593" cy="1320255"/>
-        </p:xfrm>
-        <a:graphic>
-          <a:graphicData uri="http://schemas.openxmlformats.org/drawingml/2006/table">
-            <a:tbl>
-              <a:tblPr firstRow="1" bandRow="1">
-                <a:tableStyleId>{5940675A-B579-460E-94D1-54222C63F5DA}</a:tableStyleId>
-              </a:tblPr>
-              <a:tblGrid>
-                <a:gridCol w="710593"/>
-              </a:tblGrid>
-              <a:tr h="440085">
-                <a:tc>
-                  <a:txBody>
-                    <a:bodyPr/>
-                    <a:lstStyle/>
-                    <a:p>
-                      <a:r>
-                        <a:rPr lang="en-US" dirty="0" smtClean="0"/>
-                        <a:t>0.46</a:t>
-                      </a:r>
-                      <a:endParaRPr lang="en-US" dirty="0"/>
-                    </a:p>
-                  </a:txBody>
-                  <a:tcPr/>
-                </a:tc>
-              </a:tr>
-              <a:tr h="440085">
-                <a:tc>
-                  <a:txBody>
-                    <a:bodyPr/>
-                    <a:lstStyle/>
-                    <a:p>
-                      <a:r>
-                        <a:rPr lang="en-US" dirty="0" smtClean="0"/>
-                        <a:t>0.22</a:t>
-                      </a:r>
-                      <a:endParaRPr lang="en-US" dirty="0"/>
-                    </a:p>
-                  </a:txBody>
-                  <a:tcPr/>
-                </a:tc>
-              </a:tr>
-              <a:tr h="440085">
-                <a:tc>
-                  <a:txBody>
-                    <a:bodyPr/>
-                    <a:lstStyle/>
-                    <a:p>
-                      <a:r>
-                        <a:rPr lang="en-US" dirty="0" smtClean="0"/>
-                        <a:t>0.32</a:t>
-                      </a:r>
-                      <a:endParaRPr lang="en-US" dirty="0"/>
-                    </a:p>
-                  </a:txBody>
-                  <a:tcPr/>
-                </a:tc>
-              </a:tr>
-            </a:tbl>
-          </a:graphicData>
-        </a:graphic>
-      </p:graphicFrame>
     </p:spTree>
     <p:extLst>
       <p:ext uri="{BB962C8B-B14F-4D97-AF65-F5344CB8AC3E}">
-        <p14:creationId xmlns:p14="http://schemas.microsoft.com/office/powerpoint/2010/main" val="2726224389"/>
+        <p14:creationId xmlns:p14="http://schemas.microsoft.com/office/powerpoint/2010/main" val="3656939090"/>
       </p:ext>
     </p:extLst>
   </p:cSld>
   <p:clrMapOvr>
     <a:masterClrMapping/>
   </p:clrMapOvr>
-  <p:timing>
-    <p:tnLst>
-      <p:par>
-        <p:cTn xmlns:p14="http://schemas.microsoft.com/office/powerpoint/2010/main" id="1" dur="indefinite" restart="never" nodeType="tmRoot"/>
-      </p:par>
-    </p:tnLst>
-  </p:timing>
 </p:sld>
 </file>
 
@@ -15166,308 +14810,6 @@
         </p:nvSpPr>
         <p:spPr/>
         <p:txBody>
-          <a:bodyPr>
-            <a:normAutofit/>
-          </a:bodyPr>
-          <a:lstStyle/>
-          <a:p>
-            <a:r>
-              <a:rPr lang="en-US" dirty="0" smtClean="0"/>
-              <a:t>Compute comparison matrices (frequencies of response-pairs of workers </a:t>
-            </a:r>
-            <a:r>
-              <a:rPr lang="en-US" dirty="0" err="1" smtClean="0"/>
-              <a:t>w</a:t>
-            </a:r>
-            <a:r>
-              <a:rPr lang="en-US" baseline="-25000" dirty="0" err="1" smtClean="0"/>
-              <a:t>i</a:t>
-            </a:r>
-            <a:r>
-              <a:rPr lang="en-US" dirty="0" err="1" smtClean="0"/>
-              <a:t>,w</a:t>
-            </a:r>
-            <a:r>
-              <a:rPr lang="en-US" baseline="-25000" dirty="0" err="1" smtClean="0"/>
-              <a:t>j</a:t>
-            </a:r>
-            <a:r>
-              <a:rPr lang="en-US" dirty="0" smtClean="0"/>
-              <a:t>) </a:t>
-            </a:r>
-          </a:p>
-          <a:p>
-            <a:r>
-              <a:rPr lang="en-US" dirty="0" err="1" smtClean="0"/>
-              <a:t>C</a:t>
-            </a:r>
-            <a:r>
-              <a:rPr lang="en-US" baseline="-25000" dirty="0" err="1" smtClean="0"/>
-              <a:t>ij</a:t>
-            </a:r>
-            <a:r>
-              <a:rPr lang="en-US" dirty="0" smtClean="0"/>
-              <a:t> ~ </a:t>
-            </a:r>
-            <a:r>
-              <a:rPr lang="en-US" dirty="0" err="1" smtClean="0"/>
-              <a:t>P</a:t>
-            </a:r>
-            <a:r>
-              <a:rPr lang="en-US" baseline="-25000" dirty="0" err="1" smtClean="0"/>
-              <a:t>i</a:t>
-            </a:r>
-            <a:r>
-              <a:rPr lang="en-US" dirty="0" err="1" smtClean="0"/>
-              <a:t>S</a:t>
-            </a:r>
-            <a:r>
-              <a:rPr lang="en-US" baseline="30000" dirty="0" err="1" smtClean="0"/>
-              <a:t>D</a:t>
-            </a:r>
-            <a:r>
-              <a:rPr lang="en-US" dirty="0" err="1" smtClean="0"/>
-              <a:t>P</a:t>
-            </a:r>
-            <a:r>
-              <a:rPr lang="en-US" baseline="-25000" dirty="0" err="1" smtClean="0"/>
-              <a:t>j</a:t>
-            </a:r>
-            <a:r>
-              <a:rPr lang="en-US" baseline="30000" dirty="0" err="1" smtClean="0"/>
-              <a:t>T</a:t>
-            </a:r>
-            <a:r>
-              <a:rPr lang="en-US" dirty="0"/>
-              <a:t> </a:t>
-            </a:r>
-            <a:endParaRPr lang="en-US" dirty="0" smtClean="0"/>
-          </a:p>
-          <a:p>
-            <a:r>
-              <a:rPr lang="en-US" dirty="0" smtClean="0"/>
-              <a:t>Compute D</a:t>
-            </a:r>
-            <a:r>
-              <a:rPr lang="en-US" baseline="-25000" dirty="0" smtClean="0"/>
-              <a:t>i</a:t>
-            </a:r>
-            <a:r>
-              <a:rPr lang="en-US" dirty="0" smtClean="0"/>
-              <a:t> </a:t>
-            </a:r>
-            <a:r>
-              <a:rPr lang="en-US" dirty="0"/>
-              <a:t>= </a:t>
-            </a:r>
-            <a:r>
-              <a:rPr lang="en-US" dirty="0" err="1"/>
-              <a:t>C</a:t>
-            </a:r>
-            <a:r>
-              <a:rPr lang="en-US" baseline="-25000" dirty="0" err="1"/>
-              <a:t>ij</a:t>
-            </a:r>
-            <a:r>
-              <a:rPr lang="en-US" dirty="0"/>
-              <a:t>(</a:t>
-            </a:r>
-            <a:r>
-              <a:rPr lang="en-US" dirty="0" err="1"/>
-              <a:t>C</a:t>
-            </a:r>
-            <a:r>
-              <a:rPr lang="en-US" baseline="-25000" dirty="0" err="1"/>
-              <a:t>jk</a:t>
-            </a:r>
-            <a:r>
-              <a:rPr lang="en-US" baseline="30000" dirty="0" err="1"/>
-              <a:t>T</a:t>
-            </a:r>
-            <a:r>
-              <a:rPr lang="en-US" dirty="0"/>
-              <a:t>)</a:t>
-            </a:r>
-            <a:r>
-              <a:rPr lang="en-US" baseline="30000" dirty="0"/>
-              <a:t>-1</a:t>
-            </a:r>
-            <a:r>
-              <a:rPr lang="en-US" dirty="0"/>
-              <a:t>C</a:t>
-            </a:r>
-            <a:r>
-              <a:rPr lang="en-US" baseline="-25000" dirty="0"/>
-              <a:t>ki</a:t>
-            </a:r>
-            <a:r>
-              <a:rPr lang="en-US" dirty="0"/>
-              <a:t> </a:t>
-            </a:r>
-            <a:r>
-              <a:rPr lang="en-US" dirty="0" smtClean="0"/>
-              <a:t>= </a:t>
-            </a:r>
-            <a:r>
-              <a:rPr lang="en-US" dirty="0" err="1"/>
-              <a:t>P</a:t>
-            </a:r>
-            <a:r>
-              <a:rPr lang="en-US" baseline="-25000" dirty="0" err="1"/>
-              <a:t>i</a:t>
-            </a:r>
-            <a:r>
-              <a:rPr lang="en-US" dirty="0" err="1"/>
-              <a:t>S</a:t>
-            </a:r>
-            <a:r>
-              <a:rPr lang="en-US" baseline="30000" dirty="0" err="1"/>
-              <a:t>D</a:t>
-            </a:r>
-            <a:r>
-              <a:rPr lang="en-US" dirty="0" err="1"/>
-              <a:t>P</a:t>
-            </a:r>
-            <a:r>
-              <a:rPr lang="en-US" baseline="-25000" dirty="0" err="1"/>
-              <a:t>i</a:t>
-            </a:r>
-            <a:r>
-              <a:rPr lang="en-US" baseline="30000" dirty="0" err="1"/>
-              <a:t>T</a:t>
-            </a:r>
-            <a:r>
-              <a:rPr lang="en-US" dirty="0"/>
-              <a:t> </a:t>
-            </a:r>
-          </a:p>
-          <a:p>
-            <a:r>
-              <a:rPr lang="en-US" dirty="0"/>
-              <a:t>Eigenvalue decomposition of D</a:t>
-            </a:r>
-            <a:r>
-              <a:rPr lang="en-US" baseline="-25000" dirty="0"/>
-              <a:t>i</a:t>
-            </a:r>
-            <a:r>
-              <a:rPr lang="en-US" dirty="0"/>
-              <a:t> gives V</a:t>
-            </a:r>
-            <a:r>
-              <a:rPr lang="en-US" baseline="-25000" dirty="0"/>
-              <a:t>i</a:t>
-            </a:r>
-            <a:r>
-              <a:rPr lang="en-US" dirty="0"/>
-              <a:t> </a:t>
-            </a:r>
-            <a:r>
-              <a:rPr lang="en-US" dirty="0" smtClean="0"/>
-              <a:t>= </a:t>
-            </a:r>
-            <a:r>
-              <a:rPr lang="en-US" dirty="0"/>
-              <a:t>U √S</a:t>
-            </a:r>
-            <a:r>
-              <a:rPr lang="en-US" baseline="30000" dirty="0"/>
-              <a:t>D </a:t>
-            </a:r>
-            <a:r>
-              <a:rPr lang="en-US" dirty="0"/>
-              <a:t>P</a:t>
-            </a:r>
-            <a:r>
-              <a:rPr lang="en-US" baseline="-25000" dirty="0"/>
-              <a:t>i</a:t>
-            </a:r>
-            <a:r>
-              <a:rPr lang="en-US" dirty="0"/>
-              <a:t>, for a unitary U. </a:t>
-            </a:r>
-          </a:p>
-          <a:p>
-            <a:endParaRPr lang="en-US" baseline="30000" dirty="0"/>
-          </a:p>
-          <a:p>
-            <a:pPr marL="0" indent="0">
-              <a:buNone/>
-            </a:pPr>
-            <a:endParaRPr lang="en-US" baseline="30000" dirty="0"/>
-          </a:p>
-          <a:p>
-            <a:pPr marL="0" indent="0">
-              <a:buNone/>
-            </a:pPr>
-            <a:endParaRPr lang="en-US" dirty="0" smtClean="0"/>
-          </a:p>
-        </p:txBody>
-      </p:sp>
-    </p:spTree>
-    <p:extLst>
-      <p:ext uri="{BB962C8B-B14F-4D97-AF65-F5344CB8AC3E}">
-        <p14:creationId xmlns:p14="http://schemas.microsoft.com/office/powerpoint/2010/main" val="3656939090"/>
-      </p:ext>
-    </p:extLst>
-  </p:cSld>
-  <p:clrMapOvr>
-    <a:masterClrMapping/>
-  </p:clrMapOvr>
-</p:sld>
-</file>
-
-<file path=ppt/slides/slide12.xml><?xml version="1.0" encoding="utf-8"?>
-<p:sld xmlns:a="http://schemas.openxmlformats.org/drawingml/2006/main" xmlns:r="http://schemas.openxmlformats.org/officeDocument/2006/relationships" xmlns:p="http://schemas.openxmlformats.org/presentationml/2006/main">
-  <p:cSld>
-    <p:spTree>
-      <p:nvGrpSpPr>
-        <p:cNvPr id="1" name=""/>
-        <p:cNvGrpSpPr/>
-        <p:nvPr/>
-      </p:nvGrpSpPr>
-      <p:grpSpPr>
-        <a:xfrm>
-          <a:off x="0" y="0"/>
-          <a:ext cx="0" cy="0"/>
-          <a:chOff x="0" y="0"/>
-          <a:chExt cx="0" cy="0"/>
-        </a:xfrm>
-      </p:grpSpPr>
-      <p:sp>
-        <p:nvSpPr>
-          <p:cNvPr id="2" name="Title 1"/>
-          <p:cNvSpPr>
-            <a:spLocks noGrp="1"/>
-          </p:cNvSpPr>
-          <p:nvPr>
-            <p:ph type="title"/>
-          </p:nvPr>
-        </p:nvSpPr>
-        <p:spPr/>
-        <p:txBody>
-          <a:bodyPr/>
-          <a:lstStyle/>
-          <a:p>
-            <a:r>
-              <a:rPr lang="en-US" dirty="0"/>
-              <a:t>3 Workers Non-binary Tasks</a:t>
-            </a:r>
-          </a:p>
-        </p:txBody>
-      </p:sp>
-      <p:sp>
-        <p:nvSpPr>
-          <p:cNvPr id="3" name="Content Placeholder 2"/>
-          <p:cNvSpPr>
-            <a:spLocks noGrp="1"/>
-          </p:cNvSpPr>
-          <p:nvPr>
-            <p:ph sz="quarter" idx="1"/>
-          </p:nvPr>
-        </p:nvSpPr>
-        <p:spPr/>
-        <p:txBody>
           <a:bodyPr/>
           <a:lstStyle/>
           <a:p>
@@ -15546,7 +14888,7 @@
 </p:sld>
 </file>
 
-<file path=ppt/slides/slide13.xml><?xml version="1.0" encoding="utf-8"?>
+<file path=ppt/slides/slide12.xml><?xml version="1.0" encoding="utf-8"?>
 <p:sld xmlns:a="http://schemas.openxmlformats.org/drawingml/2006/main" xmlns:r="http://schemas.openxmlformats.org/officeDocument/2006/relationships" xmlns:p="http://schemas.openxmlformats.org/presentationml/2006/main">
   <p:cSld>
     <p:spTree>
@@ -15627,7 +14969,7 @@
 </p:sld>
 </file>
 
-<file path=ppt/slides/slide14.xml><?xml version="1.0" encoding="utf-8"?>
+<file path=ppt/slides/slide13.xml><?xml version="1.0" encoding="utf-8"?>
 <p:sld xmlns:a="http://schemas.openxmlformats.org/drawingml/2006/main" xmlns:r="http://schemas.openxmlformats.org/officeDocument/2006/relationships" xmlns:p="http://schemas.openxmlformats.org/presentationml/2006/main">
   <p:cSld>
     <p:spTree>
@@ -15800,7 +15142,7 @@
 </p:sld>
 </file>
 
-<file path=ppt/slides/slide15.xml><?xml version="1.0" encoding="utf-8"?>
+<file path=ppt/slides/slide14.xml><?xml version="1.0" encoding="utf-8"?>
 <p:sld xmlns:a="http://schemas.openxmlformats.org/drawingml/2006/main" xmlns:r="http://schemas.openxmlformats.org/officeDocument/2006/relationships" xmlns:p="http://schemas.openxmlformats.org/presentationml/2006/main">
   <p:cSld>
     <p:spTree>
@@ -15971,7 +15313,7 @@
 </p:sld>
 </file>
 
-<file path=ppt/slides/slide16.xml><?xml version="1.0" encoding="utf-8"?>
+<file path=ppt/slides/slide15.xml><?xml version="1.0" encoding="utf-8"?>
 <p:sld xmlns:a="http://schemas.openxmlformats.org/drawingml/2006/main" xmlns:r="http://schemas.openxmlformats.org/officeDocument/2006/relationships" xmlns:p="http://schemas.openxmlformats.org/presentationml/2006/main">
   <p:cSld>
     <p:spTree>
@@ -16071,7 +15413,7 @@
           <a:p>
             <a:r>
               <a:rPr lang="en-US" dirty="0" smtClean="0"/>
-              <a:t>Outline of this talk</a:t>
+              <a:t>Background</a:t>
             </a:r>
             <a:endParaRPr lang="en-US" dirty="0"/>
           </a:p>
@@ -16094,40 +15436,67 @@
           <a:p>
             <a:r>
               <a:rPr lang="en-US" dirty="0" smtClean="0"/>
-              <a:t>Problem Setting and Motivation</a:t>
-            </a:r>
-          </a:p>
-          <a:p>
+              <a:t>Crowdsourcing: Human workers perform tasks that are hard for computers, such as image </a:t>
+            </a:r>
             <a:r>
               <a:rPr lang="en-US" dirty="0" smtClean="0"/>
-              <a:t>The simple case: 3 workers binary tasks</a:t>
+              <a:t>tagging</a:t>
             </a:r>
           </a:p>
           <a:p>
             <a:r>
               <a:rPr lang="en-US" dirty="0" smtClean="0"/>
-              <a:t>Generalizing to many workers</a:t>
-            </a:r>
-          </a:p>
-          <a:p>
+              <a:t>Workers </a:t>
+            </a:r>
             <a:r>
               <a:rPr lang="en-US" dirty="0" smtClean="0"/>
-              <a:t>Non-binary tasks</a:t>
+              <a:t>are often </a:t>
+            </a:r>
+            <a:r>
+              <a:rPr lang="en-US" i="1" dirty="0" smtClean="0"/>
+              <a:t>unreliable</a:t>
             </a:r>
           </a:p>
           <a:p>
             <a:r>
               <a:rPr lang="en-US" dirty="0" smtClean="0"/>
-              <a:t>Results</a:t>
-            </a:r>
-            <a:endParaRPr lang="en-US" dirty="0"/>
+              <a:t> Need to assess </a:t>
+            </a:r>
+            <a:r>
+              <a:rPr lang="en-US" dirty="0" smtClean="0"/>
+              <a:t>quality</a:t>
+            </a:r>
+          </a:p>
+          <a:p>
+            <a:r>
+              <a:rPr lang="en-US" dirty="0" smtClean="0"/>
+              <a:t>Need for Confidence intervals</a:t>
+            </a:r>
+          </a:p>
+          <a:p>
+            <a:pPr lvl="1"/>
+            <a:r>
+              <a:rPr lang="en-US" dirty="0" smtClean="0"/>
+              <a:t>1/3 errors </a:t>
+            </a:r>
+            <a:r>
+              <a:rPr lang="en-US" dirty="0" err="1" smtClean="0"/>
+              <a:t>vs</a:t>
+            </a:r>
+            <a:r>
+              <a:rPr lang="en-US" dirty="0" smtClean="0"/>
+              <a:t> 10/30 errors</a:t>
+            </a:r>
+          </a:p>
+          <a:p>
+            <a:endParaRPr lang="en-US" dirty="0" smtClean="0"/>
           </a:p>
         </p:txBody>
       </p:sp>
     </p:spTree>
     <p:extLst>
       <p:ext uri="{BB962C8B-B14F-4D97-AF65-F5344CB8AC3E}">
-        <p14:creationId xmlns:p14="http://schemas.microsoft.com/office/powerpoint/2010/main" val="2189281271"/>
+        <p14:creationId xmlns:p14="http://schemas.microsoft.com/office/powerpoint/2010/main" val="2584856485"/>
       </p:ext>
     </p:extLst>
   </p:cSld>
@@ -16171,7 +15540,7 @@
           <a:p>
             <a:r>
               <a:rPr lang="en-US" dirty="0" smtClean="0"/>
-              <a:t>Background</a:t>
+              <a:t>Problem Setting</a:t>
             </a:r>
             <a:endParaRPr lang="en-US" dirty="0"/>
           </a:p>
@@ -16193,41 +15562,212 @@
           <a:lstStyle/>
           <a:p>
             <a:r>
+              <a:rPr lang="en-US" b="1" dirty="0" smtClean="0"/>
+              <a:t>m</a:t>
+            </a:r>
+            <a:r>
               <a:rPr lang="en-US" dirty="0" smtClean="0"/>
-              <a:t>Crowdsourcing: Human workers perform tasks that are hard for computers, such as image tagging</a:t>
-            </a:r>
-          </a:p>
-          <a:p>
-            <a:pPr marL="0" indent="0">
+              <a:t> tasks (t</a:t>
+            </a:r>
+            <a:r>
+              <a:rPr lang="en-US" baseline="-25000" dirty="0" smtClean="0"/>
+              <a:t>1</a:t>
+            </a:r>
+            <a:r>
+              <a:rPr lang="en-US" dirty="0" smtClean="0"/>
+              <a:t>…t</a:t>
+            </a:r>
+            <a:r>
+              <a:rPr lang="en-US" baseline="-25000" dirty="0" smtClean="0"/>
+              <a:t>m</a:t>
+            </a:r>
+            <a:r>
+              <a:rPr lang="en-US" dirty="0" smtClean="0"/>
+              <a:t>) </a:t>
+            </a:r>
+          </a:p>
+          <a:p>
+            <a:r>
+              <a:rPr lang="en-US" dirty="0" smtClean="0"/>
+              <a:t>Binary tasks OR </a:t>
+            </a:r>
+            <a:r>
+              <a:rPr lang="en-US" b="1" dirty="0" smtClean="0"/>
+              <a:t>k</a:t>
+            </a:r>
+            <a:r>
+              <a:rPr lang="en-US" dirty="0" smtClean="0"/>
+              <a:t> </a:t>
+            </a:r>
+            <a:r>
+              <a:rPr lang="en-US" dirty="0" smtClean="0"/>
+              <a:t>responses (r</a:t>
+            </a:r>
+            <a:r>
+              <a:rPr lang="en-US" baseline="-25000" dirty="0" smtClean="0"/>
+              <a:t>1</a:t>
+            </a:r>
+            <a:r>
+              <a:rPr lang="en-US" dirty="0" smtClean="0"/>
+              <a:t>…</a:t>
+            </a:r>
+            <a:r>
+              <a:rPr lang="en-US" dirty="0" err="1" smtClean="0"/>
+              <a:t>r</a:t>
+            </a:r>
+            <a:r>
+              <a:rPr lang="en-US" baseline="-25000" dirty="0" err="1" smtClean="0"/>
+              <a:t>k</a:t>
+            </a:r>
+            <a:r>
+              <a:rPr lang="en-US" baseline="-25000" dirty="0" smtClean="0"/>
+              <a:t>)</a:t>
+            </a:r>
+          </a:p>
+          <a:p>
+            <a:r>
+              <a:rPr lang="en-US" b="1" dirty="0" smtClean="0"/>
+              <a:t>n</a:t>
+            </a:r>
+            <a:r>
+              <a:rPr lang="en-US" dirty="0" smtClean="0"/>
+              <a:t> workers (w</a:t>
+            </a:r>
+            <a:r>
+              <a:rPr lang="en-US" baseline="-25000" dirty="0" smtClean="0"/>
+              <a:t>1</a:t>
+            </a:r>
+            <a:r>
+              <a:rPr lang="en-US" dirty="0"/>
+              <a:t>.</a:t>
+            </a:r>
+            <a:r>
+              <a:rPr lang="en-US" dirty="0" smtClean="0"/>
+              <a:t>..</a:t>
+            </a:r>
+            <a:r>
+              <a:rPr lang="en-US" dirty="0" err="1" smtClean="0"/>
+              <a:t>w</a:t>
+            </a:r>
+            <a:r>
+              <a:rPr lang="en-US" baseline="-25000" dirty="0" err="1" smtClean="0"/>
+              <a:t>n</a:t>
+            </a:r>
+            <a:r>
+              <a:rPr lang="en-US" dirty="0" smtClean="0"/>
+              <a:t>)</a:t>
+            </a:r>
+            <a:endParaRPr lang="en-US" dirty="0"/>
+          </a:p>
+          <a:p>
+            <a:r>
+              <a:rPr lang="en-US" dirty="0"/>
+              <a:t>Non-regular </a:t>
+            </a:r>
+            <a:r>
+              <a:rPr lang="en-US" dirty="0" smtClean="0"/>
+              <a:t>data</a:t>
+            </a:r>
+          </a:p>
+          <a:p>
+            <a:pPr lvl="1"/>
+            <a:r>
+              <a:rPr lang="en-US" dirty="0" smtClean="0"/>
+              <a:t>A worker may not respond to every </a:t>
+            </a:r>
+            <a:r>
+              <a:rPr lang="en-US" dirty="0" smtClean="0"/>
+              <a:t>task</a:t>
+            </a:r>
+          </a:p>
+          <a:p>
+            <a:r>
+              <a:rPr lang="en-US" dirty="0" smtClean="0"/>
+              <a:t>No gold standard</a:t>
+            </a:r>
+            <a:endParaRPr lang="en-US" dirty="0" smtClean="0"/>
+          </a:p>
+          <a:p>
+            <a:r>
+              <a:rPr lang="en-US" dirty="0" smtClean="0"/>
+              <a:t>Accuracy </a:t>
+            </a:r>
+            <a:r>
+              <a:rPr lang="en-US" dirty="0" smtClean="0"/>
+              <a:t>model</a:t>
+            </a:r>
+            <a:endParaRPr lang="en-US" dirty="0" smtClean="0"/>
+          </a:p>
+          <a:p>
+            <a:pPr lvl="1"/>
+            <a:r>
+              <a:rPr lang="en-US" dirty="0" smtClean="0"/>
+              <a:t>Worker </a:t>
+            </a:r>
+            <a:r>
+              <a:rPr lang="en-US" b="1" dirty="0" err="1" smtClean="0"/>
+              <a:t>w</a:t>
+            </a:r>
+            <a:r>
+              <a:rPr lang="en-US" b="1" baseline="-25000" dirty="0" err="1" smtClean="0"/>
+              <a:t>i</a:t>
+            </a:r>
+            <a:r>
+              <a:rPr lang="en-US" dirty="0" smtClean="0"/>
+              <a:t> has error rate </a:t>
+            </a:r>
+            <a:r>
+              <a:rPr lang="en-US" b="1" dirty="0" smtClean="0"/>
+              <a:t>p</a:t>
+            </a:r>
+            <a:r>
+              <a:rPr lang="en-US" b="1" baseline="-25000" dirty="0" smtClean="0"/>
+              <a:t>i</a:t>
+            </a:r>
+            <a:r>
+              <a:rPr lang="en-US" dirty="0" smtClean="0"/>
+              <a:t>, or confusion matrix </a:t>
+            </a:r>
+            <a:r>
+              <a:rPr lang="en-US" b="1" dirty="0" smtClean="0"/>
+              <a:t>P</a:t>
+            </a:r>
+            <a:r>
+              <a:rPr lang="en-US" b="1" baseline="-25000" dirty="0" smtClean="0"/>
+              <a:t>i</a:t>
+            </a:r>
+          </a:p>
+          <a:p>
+            <a:pPr lvl="1"/>
+            <a:r>
+              <a:rPr lang="en-US" dirty="0" smtClean="0"/>
+              <a:t>Worker response </a:t>
+            </a:r>
+            <a:r>
+              <a:rPr lang="en-US" b="1" dirty="0" smtClean="0"/>
+              <a:t>independent</a:t>
+            </a:r>
+            <a:r>
+              <a:rPr lang="en-US" dirty="0" smtClean="0"/>
+              <a:t> of each other, given true </a:t>
+            </a:r>
+            <a:r>
+              <a:rPr lang="en-US" dirty="0" smtClean="0"/>
+              <a:t>answer</a:t>
+            </a:r>
+          </a:p>
+          <a:p>
+            <a:pPr marL="274320" lvl="1" indent="0">
               <a:buNone/>
             </a:pPr>
-            <a:r>
-              <a:rPr lang="en-US" dirty="0" smtClean="0"/>
-              <a:t>&lt;Picture of crowd stick figures&gt;</a:t>
-            </a:r>
-          </a:p>
-          <a:p>
-            <a:r>
-              <a:rPr lang="en-US" dirty="0" smtClean="0"/>
-              <a:t>Workers are often </a:t>
-            </a:r>
-            <a:r>
-              <a:rPr lang="en-US" i="1" dirty="0" smtClean="0"/>
-              <a:t>unreliable</a:t>
-            </a:r>
-          </a:p>
-          <a:p>
-            <a:r>
-              <a:rPr lang="en-US" dirty="0" smtClean="0"/>
-              <a:t> Need to assess quality</a:t>
-            </a:r>
+            <a:endParaRPr lang="en-US" dirty="0"/>
           </a:p>
         </p:txBody>
       </p:sp>
     </p:spTree>
     <p:extLst>
       <p:ext uri="{BB962C8B-B14F-4D97-AF65-F5344CB8AC3E}">
-        <p14:creationId xmlns:p14="http://schemas.microsoft.com/office/powerpoint/2010/main" val="2584856485"/>
+        <p14:creationId xmlns:p14="http://schemas.microsoft.com/office/powerpoint/2010/main" val="1500197799"/>
       </p:ext>
     </p:extLst>
   </p:cSld>
@@ -16270,10 +15810,9 @@
           <a:lstStyle/>
           <a:p>
             <a:r>
-              <a:rPr lang="en-US" dirty="0" smtClean="0"/>
-              <a:t>Previous work</a:t>
-            </a:r>
-            <a:endParaRPr lang="en-US" dirty="0"/>
+              <a:rPr lang="en-US" dirty="0"/>
+              <a:t>Warm-up: 3 workers, binary tasks</a:t>
+            </a:r>
           </a:p>
         </p:txBody>
       </p:sp>
@@ -16294,206 +15833,251 @@
           <a:p>
             <a:r>
               <a:rPr lang="en-US" dirty="0" smtClean="0"/>
-              <a:t>Point estimates</a:t>
+              <a:t>Equal false positive and negative error rates</a:t>
             </a:r>
           </a:p>
           <a:p>
             <a:r>
               <a:rPr lang="en-US" dirty="0" smtClean="0"/>
-              <a:t>Locally Optimum: EM</a:t>
-            </a:r>
-          </a:p>
-          <a:p>
+              <a:t>To find: mean, variance of p</a:t>
+            </a:r>
+            <a:r>
+              <a:rPr lang="en-US" baseline="-25000" dirty="0" smtClean="0"/>
+              <a:t>i</a:t>
+            </a:r>
             <a:r>
               <a:rPr lang="en-US" dirty="0" smtClean="0"/>
-              <a:t>Need for confidence intervals:       </a:t>
-            </a:r>
+              <a:t> for each I</a:t>
+            </a:r>
+          </a:p>
+          <a:p>
+            <a:r>
+              <a:rPr lang="en-US" b="1" dirty="0" smtClean="0"/>
+              <a:t>Theorem</a:t>
+            </a:r>
+            <a:r>
+              <a:rPr lang="en-US" dirty="0" smtClean="0"/>
+              <a:t>: Y = f(X</a:t>
+            </a:r>
+            <a:r>
+              <a:rPr lang="en-US" baseline="-25000" dirty="0" smtClean="0"/>
+              <a:t>1</a:t>
+            </a:r>
+            <a:r>
+              <a:rPr lang="en-US" dirty="0" smtClean="0"/>
+              <a:t>, X</a:t>
+            </a:r>
+            <a:r>
+              <a:rPr lang="en-US" baseline="-25000" dirty="0" smtClean="0"/>
+              <a:t>2</a:t>
+            </a:r>
+            <a:r>
+              <a:rPr lang="en-US" dirty="0" smtClean="0"/>
+              <a:t>, X</a:t>
+            </a:r>
+            <a:r>
+              <a:rPr lang="en-US" baseline="-25000" dirty="0" smtClean="0"/>
+              <a:t>3</a:t>
+            </a:r>
+            <a:r>
+              <a:rPr lang="en-US" dirty="0" smtClean="0"/>
+              <a:t>) </a:t>
+            </a:r>
+          </a:p>
+          <a:p>
+            <a:pPr lvl="1"/>
+            <a:r>
+              <a:rPr lang="en-US" dirty="0" smtClean="0"/>
+              <a:t>X</a:t>
+            </a:r>
+            <a:r>
+              <a:rPr lang="en-US" baseline="-25000" dirty="0" smtClean="0"/>
+              <a:t>i</a:t>
+            </a:r>
+            <a:r>
+              <a:rPr lang="en-US" dirty="0" smtClean="0"/>
+              <a:t>’s </a:t>
+            </a:r>
+            <a:r>
+              <a:rPr lang="en-US" b="1" dirty="0" smtClean="0"/>
+              <a:t>normal</a:t>
+            </a:r>
+            <a:r>
+              <a:rPr lang="en-US" dirty="0" smtClean="0"/>
+              <a:t>, f </a:t>
+            </a:r>
+            <a:r>
+              <a:rPr lang="en-US" b="1" dirty="0" smtClean="0"/>
+              <a:t>linear </a:t>
+            </a:r>
+            <a:r>
+              <a:rPr lang="en-US" dirty="0" smtClean="0"/>
+              <a:t>(~ a</a:t>
+            </a:r>
+            <a:r>
+              <a:rPr lang="en-US" baseline="-25000" dirty="0" smtClean="0"/>
+              <a:t>1</a:t>
+            </a:r>
+            <a:r>
+              <a:rPr lang="en-US" dirty="0" smtClean="0"/>
+              <a:t>X</a:t>
+            </a:r>
+            <a:r>
+              <a:rPr lang="en-US" baseline="-25000" dirty="0" smtClean="0"/>
+              <a:t>1</a:t>
+            </a:r>
+            <a:r>
+              <a:rPr lang="en-US" dirty="0" smtClean="0"/>
+              <a:t> + a</a:t>
+            </a:r>
+            <a:r>
+              <a:rPr lang="en-US" baseline="-25000" dirty="0" smtClean="0"/>
+              <a:t>2</a:t>
+            </a:r>
+            <a:r>
+              <a:rPr lang="en-US" dirty="0" smtClean="0"/>
+              <a:t>X</a:t>
+            </a:r>
+            <a:r>
+              <a:rPr lang="en-US" baseline="-25000" dirty="0" smtClean="0"/>
+              <a:t>2</a:t>
+            </a:r>
+            <a:r>
+              <a:rPr lang="en-US" dirty="0" smtClean="0"/>
+              <a:t> + a</a:t>
+            </a:r>
+            <a:r>
+              <a:rPr lang="en-US" baseline="-25000" dirty="0" smtClean="0"/>
+              <a:t>3</a:t>
+            </a:r>
+            <a:r>
+              <a:rPr lang="en-US" dirty="0" smtClean="0"/>
+              <a:t>X</a:t>
+            </a:r>
+            <a:r>
+              <a:rPr lang="en-US" baseline="-25000" dirty="0" smtClean="0"/>
+              <a:t>3</a:t>
+            </a:r>
+            <a:r>
+              <a:rPr lang="en-US" dirty="0" smtClean="0"/>
+              <a:t>)</a:t>
+            </a:r>
+            <a:endParaRPr lang="en-US" b="1" dirty="0" smtClean="0"/>
+          </a:p>
+          <a:p>
+            <a:pPr lvl="1"/>
             <a:r>
               <a:rPr lang="en-US" dirty="0" err="1" smtClean="0"/>
-              <a:t>vs</a:t>
-            </a:r>
-            <a:endParaRPr lang="en-US" dirty="0"/>
-          </a:p>
-          <a:p>
+              <a:t>Var</a:t>
+            </a:r>
+            <a:r>
+              <a:rPr lang="en-US" dirty="0"/>
+              <a:t>(Y) = </a:t>
+            </a:r>
+            <a:r>
+              <a:rPr lang="en-US" dirty="0" smtClean="0"/>
+              <a:t>a</a:t>
+            </a:r>
+            <a:r>
+              <a:rPr lang="en-US" baseline="-25000" dirty="0" smtClean="0"/>
+              <a:t>1</a:t>
+            </a:r>
+            <a:r>
+              <a:rPr lang="en-US" baseline="30000" dirty="0" smtClean="0"/>
+              <a:t>2</a:t>
+            </a:r>
+            <a:r>
+              <a:rPr lang="en-US" dirty="0" smtClean="0"/>
+              <a:t>Var</a:t>
+            </a:r>
+            <a:r>
+              <a:rPr lang="en-US" dirty="0"/>
+              <a:t>(X</a:t>
+            </a:r>
+            <a:r>
+              <a:rPr lang="en-US" baseline="-25000" dirty="0"/>
+              <a:t>1</a:t>
+            </a:r>
+            <a:r>
+              <a:rPr lang="en-US" dirty="0"/>
+              <a:t>) + </a:t>
+            </a:r>
+            <a:r>
+              <a:rPr lang="en-US" dirty="0" smtClean="0"/>
+              <a:t>a</a:t>
+            </a:r>
+            <a:r>
+              <a:rPr lang="en-US" baseline="-25000" dirty="0" smtClean="0"/>
+              <a:t>2</a:t>
+            </a:r>
+            <a:r>
+              <a:rPr lang="en-US" baseline="30000" dirty="0" smtClean="0"/>
+              <a:t>2</a:t>
+            </a:r>
+            <a:r>
+              <a:rPr lang="en-US" dirty="0" smtClean="0"/>
+              <a:t>Var</a:t>
+            </a:r>
+            <a:r>
+              <a:rPr lang="en-US" dirty="0"/>
+              <a:t>(X</a:t>
+            </a:r>
+            <a:r>
+              <a:rPr lang="en-US" baseline="-25000" dirty="0"/>
+              <a:t>2</a:t>
+            </a:r>
+            <a:r>
+              <a:rPr lang="en-US" dirty="0"/>
+              <a:t>) + </a:t>
+            </a:r>
+            <a:r>
+              <a:rPr lang="en-US" dirty="0" smtClean="0"/>
+              <a:t>a</a:t>
+            </a:r>
+            <a:r>
+              <a:rPr lang="en-US" baseline="-25000" dirty="0" smtClean="0"/>
+              <a:t>3</a:t>
+            </a:r>
+            <a:r>
+              <a:rPr lang="en-US" baseline="30000" dirty="0" smtClean="0"/>
+              <a:t>2</a:t>
+            </a:r>
+            <a:r>
+              <a:rPr lang="en-US" dirty="0" smtClean="0"/>
+              <a:t>Var</a:t>
+            </a:r>
+            <a:r>
+              <a:rPr lang="en-US" dirty="0"/>
+              <a:t>(X</a:t>
+            </a:r>
+            <a:r>
+              <a:rPr lang="en-US" baseline="-25000" dirty="0"/>
+              <a:t>3</a:t>
+            </a:r>
+            <a:r>
+              <a:rPr lang="en-US" dirty="0" smtClean="0"/>
+              <a:t>)</a:t>
+            </a:r>
+          </a:p>
+          <a:p>
+            <a:r>
+              <a:rPr lang="en-US" dirty="0" smtClean="0"/>
+              <a:t>Works for approximately normal (binomial), locally linear (differentiable)</a:t>
+            </a:r>
+          </a:p>
+          <a:p>
+            <a:r>
+              <a:rPr lang="en-US" dirty="0" smtClean="0"/>
+              <a:t>Linear coefficients given by partial derivatives</a:t>
+            </a:r>
             <a:endParaRPr lang="en-US" dirty="0"/>
           </a:p>
         </p:txBody>
       </p:sp>
-      <p:graphicFrame>
-        <p:nvGraphicFramePr>
-          <p:cNvPr id="4" name="Object 3"/>
-          <p:cNvGraphicFramePr>
-            <a:graphicFrameLocks noChangeAspect="1"/>
-          </p:cNvGraphicFramePr>
-          <p:nvPr>
-            <p:extLst>
-              <p:ext uri="{D42A27DB-BD31-4B8C-83A1-F6EECF244321}">
-                <p14:modId xmlns:p14="http://schemas.microsoft.com/office/powerpoint/2010/main" val="2757370029"/>
-              </p:ext>
-            </p:extLst>
-          </p:nvPr>
-        </p:nvGraphicFramePr>
-        <p:xfrm>
-          <a:off x="4514850" y="3346450"/>
-          <a:ext cx="114300" cy="165100"/>
-        </p:xfrm>
-        <a:graphic>
-          <a:graphicData uri="http://schemas.openxmlformats.org/presentationml/2006/ole">
-            <mc:AlternateContent xmlns:mc="http://schemas.openxmlformats.org/markup-compatibility/2006">
-              <mc:Choice xmlns:v="urn:schemas-microsoft-com:vml" Requires="v">
-                <p:oleObj spid="_x0000_s1169" name="Equation" r:id="rId3" imgW="114300" imgH="165100" progId="Equation.3">
-                  <p:embed/>
-                </p:oleObj>
-              </mc:Choice>
-              <mc:Fallback>
-                <p:oleObj name="Equation" r:id="rId3" imgW="114300" imgH="165100" progId="Equation.3">
-                  <p:embed/>
-                  <p:pic>
-                    <p:nvPicPr>
-                      <p:cNvPr id="0" name=""/>
-                      <p:cNvPicPr/>
-                      <p:nvPr/>
-                    </p:nvPicPr>
-                    <p:blipFill>
-                      <a:blip r:embed="rId4"/>
-                      <a:stretch>
-                        <a:fillRect/>
-                      </a:stretch>
-                    </p:blipFill>
-                    <p:spPr>
-                      <a:xfrm>
-                        <a:off x="4514850" y="3346450"/>
-                        <a:ext cx="114300" cy="165100"/>
-                      </a:xfrm>
-                      <a:prstGeom prst="rect">
-                        <a:avLst/>
-                      </a:prstGeom>
-                    </p:spPr>
-                  </p:pic>
-                </p:oleObj>
-              </mc:Fallback>
-            </mc:AlternateContent>
-          </a:graphicData>
-        </a:graphic>
-      </p:graphicFrame>
-      <p:graphicFrame>
-        <p:nvGraphicFramePr>
-          <p:cNvPr id="5" name="Object 4"/>
-          <p:cNvGraphicFramePr>
-            <a:graphicFrameLocks noChangeAspect="1"/>
-          </p:cNvGraphicFramePr>
-          <p:nvPr>
-            <p:extLst>
-              <p:ext uri="{D42A27DB-BD31-4B8C-83A1-F6EECF244321}">
-                <p14:modId xmlns:p14="http://schemas.microsoft.com/office/powerpoint/2010/main" val="1664689667"/>
-              </p:ext>
-            </p:extLst>
-          </p:nvPr>
-        </p:nvGraphicFramePr>
-        <p:xfrm>
-          <a:off x="5335128" y="2453898"/>
-          <a:ext cx="277243" cy="604780"/>
-        </p:xfrm>
-        <a:graphic>
-          <a:graphicData uri="http://schemas.openxmlformats.org/presentationml/2006/ole">
-            <mc:AlternateContent xmlns:mc="http://schemas.openxmlformats.org/markup-compatibility/2006">
-              <mc:Choice xmlns:v="urn:schemas-microsoft-com:vml" Requires="v">
-                <p:oleObj spid="_x0000_s1170" name="Equation" r:id="rId5" imgW="139700" imgH="393700" progId="Equation.3">
-                  <p:embed/>
-                </p:oleObj>
-              </mc:Choice>
-              <mc:Fallback>
-                <p:oleObj name="Equation" r:id="rId5" imgW="139700" imgH="393700" progId="Equation.3">
-                  <p:embed/>
-                  <p:pic>
-                    <p:nvPicPr>
-                      <p:cNvPr id="0" name=""/>
-                      <p:cNvPicPr/>
-                      <p:nvPr/>
-                    </p:nvPicPr>
-                    <p:blipFill>
-                      <a:blip r:embed="rId6"/>
-                      <a:stretch>
-                        <a:fillRect/>
-                      </a:stretch>
-                    </p:blipFill>
-                    <p:spPr>
-                      <a:xfrm>
-                        <a:off x="5335128" y="2453898"/>
-                        <a:ext cx="277243" cy="604780"/>
-                      </a:xfrm>
-                      <a:prstGeom prst="rect">
-                        <a:avLst/>
-                      </a:prstGeom>
-                    </p:spPr>
-                  </p:pic>
-                </p:oleObj>
-              </mc:Fallback>
-            </mc:AlternateContent>
-          </a:graphicData>
-        </a:graphic>
-      </p:graphicFrame>
-      <p:graphicFrame>
-        <p:nvGraphicFramePr>
-          <p:cNvPr id="6" name="Object 5"/>
-          <p:cNvGraphicFramePr>
-            <a:graphicFrameLocks noChangeAspect="1"/>
-          </p:cNvGraphicFramePr>
-          <p:nvPr>
-            <p:extLst>
-              <p:ext uri="{D42A27DB-BD31-4B8C-83A1-F6EECF244321}">
-                <p14:modId xmlns:p14="http://schemas.microsoft.com/office/powerpoint/2010/main" val="1594547608"/>
-              </p:ext>
-            </p:extLst>
-          </p:nvPr>
-        </p:nvGraphicFramePr>
-        <p:xfrm>
-          <a:off x="6334125" y="2453840"/>
-          <a:ext cx="452611" cy="604838"/>
-        </p:xfrm>
-        <a:graphic>
-          <a:graphicData uri="http://schemas.openxmlformats.org/presentationml/2006/ole">
-            <mc:AlternateContent xmlns:mc="http://schemas.openxmlformats.org/markup-compatibility/2006">
-              <mc:Choice xmlns:v="urn:schemas-microsoft-com:vml" Requires="v">
-                <p:oleObj spid="_x0000_s1171" name="Equation" r:id="rId7" imgW="228600" imgH="393700" progId="Equation.3">
-                  <p:embed/>
-                </p:oleObj>
-              </mc:Choice>
-              <mc:Fallback>
-                <p:oleObj name="Equation" r:id="rId7" imgW="228600" imgH="393700" progId="Equation.3">
-                  <p:embed/>
-                  <p:pic>
-                    <p:nvPicPr>
-                      <p:cNvPr id="0" name=""/>
-                      <p:cNvPicPr/>
-                      <p:nvPr/>
-                    </p:nvPicPr>
-                    <p:blipFill>
-                      <a:blip r:embed="rId8"/>
-                      <a:stretch>
-                        <a:fillRect/>
-                      </a:stretch>
-                    </p:blipFill>
-                    <p:spPr>
-                      <a:xfrm>
-                        <a:off x="6334125" y="2453840"/>
-                        <a:ext cx="452611" cy="604838"/>
-                      </a:xfrm>
-                      <a:prstGeom prst="rect">
-                        <a:avLst/>
-                      </a:prstGeom>
-                    </p:spPr>
-                  </p:pic>
-                </p:oleObj>
-              </mc:Fallback>
-            </mc:AlternateContent>
-          </a:graphicData>
-        </a:graphic>
-      </p:graphicFrame>
     </p:spTree>
     <p:extLst>
       <p:ext uri="{BB962C8B-B14F-4D97-AF65-F5344CB8AC3E}">
-        <p14:creationId xmlns:p14="http://schemas.microsoft.com/office/powerpoint/2010/main" val="324074709"/>
+        <p14:creationId xmlns:p14="http://schemas.microsoft.com/office/powerpoint/2010/main" val="601793913"/>
       </p:ext>
     </p:extLst>
   </p:cSld>
@@ -16504,244 +16088,6 @@
 </file>
 
 <file path=ppt/slides/slide5.xml><?xml version="1.0" encoding="utf-8"?>
-<p:sld xmlns:a="http://schemas.openxmlformats.org/drawingml/2006/main" xmlns:r="http://schemas.openxmlformats.org/officeDocument/2006/relationships" xmlns:p="http://schemas.openxmlformats.org/presentationml/2006/main">
-  <p:cSld>
-    <p:spTree>
-      <p:nvGrpSpPr>
-        <p:cNvPr id="1" name=""/>
-        <p:cNvGrpSpPr/>
-        <p:nvPr/>
-      </p:nvGrpSpPr>
-      <p:grpSpPr>
-        <a:xfrm>
-          <a:off x="0" y="0"/>
-          <a:ext cx="0" cy="0"/>
-          <a:chOff x="0" y="0"/>
-          <a:chExt cx="0" cy="0"/>
-        </a:xfrm>
-      </p:grpSpPr>
-      <p:sp>
-        <p:nvSpPr>
-          <p:cNvPr id="2" name="Title 1"/>
-          <p:cNvSpPr>
-            <a:spLocks noGrp="1"/>
-          </p:cNvSpPr>
-          <p:nvPr>
-            <p:ph type="title"/>
-          </p:nvPr>
-        </p:nvSpPr>
-        <p:spPr/>
-        <p:txBody>
-          <a:bodyPr/>
-          <a:lstStyle/>
-          <a:p>
-            <a:r>
-              <a:rPr lang="en-US" dirty="0" smtClean="0"/>
-              <a:t>Problem Setting</a:t>
-            </a:r>
-            <a:endParaRPr lang="en-US" dirty="0"/>
-          </a:p>
-        </p:txBody>
-      </p:sp>
-      <p:sp>
-        <p:nvSpPr>
-          <p:cNvPr id="3" name="Content Placeholder 2"/>
-          <p:cNvSpPr>
-            <a:spLocks noGrp="1"/>
-          </p:cNvSpPr>
-          <p:nvPr>
-            <p:ph sz="quarter" idx="1"/>
-          </p:nvPr>
-        </p:nvSpPr>
-        <p:spPr/>
-        <p:txBody>
-          <a:bodyPr/>
-          <a:lstStyle/>
-          <a:p>
-            <a:r>
-              <a:rPr lang="en-US" b="1" dirty="0" smtClean="0"/>
-              <a:t>m</a:t>
-            </a:r>
-            <a:r>
-              <a:rPr lang="en-US" dirty="0" smtClean="0"/>
-              <a:t> tasks (t</a:t>
-            </a:r>
-            <a:r>
-              <a:rPr lang="en-US" baseline="-25000" dirty="0" smtClean="0"/>
-              <a:t>1</a:t>
-            </a:r>
-            <a:r>
-              <a:rPr lang="en-US" dirty="0" smtClean="0"/>
-              <a:t>…t</a:t>
-            </a:r>
-            <a:r>
-              <a:rPr lang="en-US" baseline="-25000" dirty="0" smtClean="0"/>
-              <a:t>m</a:t>
-            </a:r>
-            <a:r>
-              <a:rPr lang="en-US" dirty="0" smtClean="0"/>
-              <a:t>) </a:t>
-            </a:r>
-          </a:p>
-          <a:p>
-            <a:r>
-              <a:rPr lang="en-US" b="1" dirty="0" smtClean="0"/>
-              <a:t>k</a:t>
-            </a:r>
-            <a:r>
-              <a:rPr lang="en-US" dirty="0" smtClean="0"/>
-              <a:t> responses (r</a:t>
-            </a:r>
-            <a:r>
-              <a:rPr lang="en-US" baseline="-25000" dirty="0" smtClean="0"/>
-              <a:t>1</a:t>
-            </a:r>
-            <a:r>
-              <a:rPr lang="en-US" dirty="0" smtClean="0"/>
-              <a:t>…</a:t>
-            </a:r>
-            <a:r>
-              <a:rPr lang="en-US" dirty="0" err="1" smtClean="0"/>
-              <a:t>r</a:t>
-            </a:r>
-            <a:r>
-              <a:rPr lang="en-US" baseline="-25000" dirty="0" err="1" smtClean="0"/>
-              <a:t>k</a:t>
-            </a:r>
-            <a:r>
-              <a:rPr lang="en-US" baseline="-25000" dirty="0" smtClean="0"/>
-              <a:t>)</a:t>
-            </a:r>
-          </a:p>
-          <a:p>
-            <a:r>
-              <a:rPr lang="en-US" b="1" dirty="0" smtClean="0"/>
-              <a:t>n</a:t>
-            </a:r>
-            <a:r>
-              <a:rPr lang="en-US" dirty="0" smtClean="0"/>
-              <a:t> workers (w</a:t>
-            </a:r>
-            <a:r>
-              <a:rPr lang="en-US" baseline="-25000" dirty="0" smtClean="0"/>
-              <a:t>1</a:t>
-            </a:r>
-            <a:r>
-              <a:rPr lang="en-US" dirty="0"/>
-              <a:t>.</a:t>
-            </a:r>
-            <a:r>
-              <a:rPr lang="en-US" dirty="0" smtClean="0"/>
-              <a:t>..</a:t>
-            </a:r>
-            <a:r>
-              <a:rPr lang="en-US" dirty="0" err="1" smtClean="0"/>
-              <a:t>w</a:t>
-            </a:r>
-            <a:r>
-              <a:rPr lang="en-US" baseline="-25000" dirty="0" err="1" smtClean="0"/>
-              <a:t>n</a:t>
-            </a:r>
-            <a:r>
-              <a:rPr lang="en-US" dirty="0" smtClean="0"/>
-              <a:t>)</a:t>
-            </a:r>
-            <a:endParaRPr lang="en-US" dirty="0"/>
-          </a:p>
-          <a:p>
-            <a:r>
-              <a:rPr lang="en-US" dirty="0"/>
-              <a:t>Non-regular </a:t>
-            </a:r>
-            <a:r>
-              <a:rPr lang="en-US" dirty="0" smtClean="0"/>
-              <a:t>data</a:t>
-            </a:r>
-          </a:p>
-          <a:p>
-            <a:pPr lvl="1"/>
-            <a:r>
-              <a:rPr lang="en-US" dirty="0" smtClean="0"/>
-              <a:t>A worker may not respond to every task</a:t>
-            </a:r>
-          </a:p>
-          <a:p>
-            <a:r>
-              <a:rPr lang="en-US" dirty="0" smtClean="0"/>
-              <a:t>Accuracy model</a:t>
-            </a:r>
-          </a:p>
-          <a:p>
-            <a:pPr lvl="1"/>
-            <a:r>
-              <a:rPr lang="en-US" dirty="0" smtClean="0"/>
-              <a:t>Worker </a:t>
-            </a:r>
-            <a:r>
-              <a:rPr lang="en-US" b="1" dirty="0" err="1" smtClean="0"/>
-              <a:t>w</a:t>
-            </a:r>
-            <a:r>
-              <a:rPr lang="en-US" b="1" baseline="-25000" dirty="0" err="1" smtClean="0"/>
-              <a:t>i</a:t>
-            </a:r>
-            <a:r>
-              <a:rPr lang="en-US" dirty="0" smtClean="0"/>
-              <a:t> has error rate </a:t>
-            </a:r>
-            <a:r>
-              <a:rPr lang="en-US" b="1" dirty="0" smtClean="0"/>
-              <a:t>p</a:t>
-            </a:r>
-            <a:r>
-              <a:rPr lang="en-US" b="1" baseline="-25000" dirty="0" smtClean="0"/>
-              <a:t>i</a:t>
-            </a:r>
-            <a:r>
-              <a:rPr lang="en-US" dirty="0" smtClean="0"/>
-              <a:t>, or confusion matrix </a:t>
-            </a:r>
-            <a:r>
-              <a:rPr lang="en-US" b="1" dirty="0" smtClean="0"/>
-              <a:t>P</a:t>
-            </a:r>
-            <a:r>
-              <a:rPr lang="en-US" b="1" baseline="-25000" dirty="0" smtClean="0"/>
-              <a:t>i</a:t>
-            </a:r>
-          </a:p>
-          <a:p>
-            <a:pPr lvl="1"/>
-            <a:r>
-              <a:rPr lang="en-US" dirty="0" smtClean="0"/>
-              <a:t>Worker response </a:t>
-            </a:r>
-            <a:r>
-              <a:rPr lang="en-US" b="1" dirty="0" smtClean="0"/>
-              <a:t>independent</a:t>
-            </a:r>
-            <a:r>
-              <a:rPr lang="en-US" dirty="0" smtClean="0"/>
-              <a:t> of each other, given true answer</a:t>
-            </a:r>
-            <a:endParaRPr lang="en-US" dirty="0"/>
-          </a:p>
-        </p:txBody>
-      </p:sp>
-    </p:spTree>
-    <p:extLst>
-      <p:ext uri="{BB962C8B-B14F-4D97-AF65-F5344CB8AC3E}">
-        <p14:creationId xmlns:p14="http://schemas.microsoft.com/office/powerpoint/2010/main" val="1500197799"/>
-      </p:ext>
-    </p:extLst>
-  </p:cSld>
-  <p:clrMapOvr>
-    <a:masterClrMapping/>
-  </p:clrMapOvr>
-</p:sld>
-</file>
-
-<file path=ppt/slides/slide6.xml><?xml version="1.0" encoding="utf-8"?>
 <p:sld xmlns:a="http://schemas.openxmlformats.org/drawingml/2006/main" xmlns:r="http://schemas.openxmlformats.org/officeDocument/2006/relationships" xmlns:p="http://schemas.openxmlformats.org/presentationml/2006/main">
   <p:cSld>
     <p:spTree>
@@ -17636,6 +16982,266 @@
 </p:sld>
 </file>
 
+<file path=ppt/slides/slide6.xml><?xml version="1.0" encoding="utf-8"?>
+<p:sld xmlns:a="http://schemas.openxmlformats.org/drawingml/2006/main" xmlns:r="http://schemas.openxmlformats.org/officeDocument/2006/relationships" xmlns:p="http://schemas.openxmlformats.org/presentationml/2006/main">
+  <p:cSld>
+    <p:spTree>
+      <p:nvGrpSpPr>
+        <p:cNvPr id="1" name=""/>
+        <p:cNvGrpSpPr/>
+        <p:nvPr/>
+      </p:nvGrpSpPr>
+      <p:grpSpPr>
+        <a:xfrm>
+          <a:off x="0" y="0"/>
+          <a:ext cx="0" cy="0"/>
+          <a:chOff x="0" y="0"/>
+          <a:chExt cx="0" cy="0"/>
+        </a:xfrm>
+      </p:grpSpPr>
+      <p:sp>
+        <p:nvSpPr>
+          <p:cNvPr id="2" name="Title 1"/>
+          <p:cNvSpPr>
+            <a:spLocks noGrp="1"/>
+          </p:cNvSpPr>
+          <p:nvPr>
+            <p:ph type="title"/>
+          </p:nvPr>
+        </p:nvSpPr>
+        <p:spPr/>
+        <p:txBody>
+          <a:bodyPr/>
+          <a:lstStyle/>
+          <a:p>
+            <a:r>
+              <a:rPr lang="en-US" dirty="0"/>
+              <a:t>Warm-up: 3 workers, binary tasks</a:t>
+            </a:r>
+          </a:p>
+        </p:txBody>
+      </p:sp>
+      <p:sp>
+        <p:nvSpPr>
+          <p:cNvPr id="3" name="Content Placeholder 2"/>
+          <p:cNvSpPr>
+            <a:spLocks noGrp="1"/>
+          </p:cNvSpPr>
+          <p:nvPr>
+            <p:ph sz="quarter" idx="1"/>
+          </p:nvPr>
+        </p:nvSpPr>
+        <p:spPr/>
+        <p:txBody>
+          <a:bodyPr/>
+          <a:lstStyle/>
+          <a:p>
+            <a:r>
+              <a:rPr lang="en-US" dirty="0" smtClean="0"/>
+              <a:t>Variance in p estimate depends on </a:t>
+            </a:r>
+          </a:p>
+          <a:p>
+            <a:pPr lvl="1"/>
+            <a:r>
+              <a:rPr lang="en-US" dirty="0" smtClean="0"/>
+              <a:t>Variance in q estimates</a:t>
+            </a:r>
+          </a:p>
+          <a:p>
+            <a:pPr lvl="1"/>
+            <a:r>
+              <a:rPr lang="en-US" dirty="0" err="1" smtClean="0"/>
+              <a:t>δf</a:t>
+            </a:r>
+            <a:r>
+              <a:rPr lang="en-US" baseline="-25000" dirty="0" err="1" smtClean="0"/>
+              <a:t>i</a:t>
+            </a:r>
+            <a:r>
+              <a:rPr lang="en-US" dirty="0" smtClean="0"/>
+              <a:t>/</a:t>
+            </a:r>
+            <a:r>
+              <a:rPr lang="en-US" dirty="0" err="1" smtClean="0"/>
+              <a:t>δq</a:t>
+            </a:r>
+            <a:r>
+              <a:rPr lang="en-US" baseline="-25000" dirty="0" err="1" smtClean="0"/>
+              <a:t>ij</a:t>
+            </a:r>
+            <a:r>
+              <a:rPr lang="en-US" dirty="0" smtClean="0"/>
+              <a:t>, </a:t>
+            </a:r>
+            <a:r>
+              <a:rPr lang="en-US" dirty="0" err="1" smtClean="0"/>
+              <a:t>δf</a:t>
+            </a:r>
+            <a:r>
+              <a:rPr lang="en-US" baseline="-25000" dirty="0" err="1" smtClean="0"/>
+              <a:t>i</a:t>
+            </a:r>
+            <a:r>
+              <a:rPr lang="en-US" dirty="0" smtClean="0"/>
+              <a:t>/</a:t>
+            </a:r>
+            <a:r>
+              <a:rPr lang="en-US" dirty="0" err="1" smtClean="0"/>
+              <a:t>δq</a:t>
+            </a:r>
+            <a:r>
+              <a:rPr lang="en-US" baseline="-25000" dirty="0" err="1" smtClean="0"/>
+              <a:t>jk</a:t>
+            </a:r>
+            <a:endParaRPr lang="en-US" baseline="-25000" dirty="0" smtClean="0"/>
+          </a:p>
+          <a:p>
+            <a:r>
+              <a:rPr lang="en-US" dirty="0" err="1" smtClean="0"/>
+              <a:t>Var</a:t>
+            </a:r>
+            <a:r>
+              <a:rPr lang="en-US" dirty="0" smtClean="0"/>
+              <a:t>(p</a:t>
+            </a:r>
+            <a:r>
+              <a:rPr lang="en-US" baseline="-25000" dirty="0" smtClean="0"/>
+              <a:t>i</a:t>
+            </a:r>
+            <a:r>
+              <a:rPr lang="en-US" dirty="0" smtClean="0"/>
+              <a:t>) = </a:t>
+            </a:r>
+            <a:r>
+              <a:rPr lang="en-US" dirty="0" err="1" smtClean="0"/>
+              <a:t>Σ</a:t>
+            </a:r>
+            <a:r>
+              <a:rPr lang="en-US" baseline="-25000" dirty="0" err="1" smtClean="0"/>
+              <a:t>q,q</a:t>
+            </a:r>
+            <a:r>
+              <a:rPr lang="en-US" baseline="-25000" dirty="0" smtClean="0"/>
+              <a:t>’</a:t>
+            </a:r>
+            <a:r>
+              <a:rPr lang="en-US" dirty="0" smtClean="0"/>
+              <a:t> </a:t>
+            </a:r>
+            <a:r>
+              <a:rPr lang="en-US" dirty="0" err="1" smtClean="0"/>
+              <a:t>Cov</a:t>
+            </a:r>
+            <a:r>
+              <a:rPr lang="en-US" dirty="0" smtClean="0"/>
+              <a:t> (</a:t>
+            </a:r>
+            <a:r>
+              <a:rPr lang="en-US" dirty="0" err="1" smtClean="0"/>
+              <a:t>q,q</a:t>
+            </a:r>
+            <a:r>
+              <a:rPr lang="en-US" dirty="0" smtClean="0"/>
+              <a:t>’) x </a:t>
+            </a:r>
+            <a:r>
+              <a:rPr lang="en-US" dirty="0" err="1" smtClean="0"/>
+              <a:t>δf</a:t>
+            </a:r>
+            <a:r>
+              <a:rPr lang="en-US" baseline="-25000" dirty="0" err="1" smtClean="0"/>
+              <a:t>i</a:t>
+            </a:r>
+            <a:r>
+              <a:rPr lang="en-US" dirty="0" smtClean="0"/>
+              <a:t>/</a:t>
+            </a:r>
+            <a:r>
+              <a:rPr lang="en-US" dirty="0" err="1" smtClean="0"/>
+              <a:t>δq</a:t>
+            </a:r>
+            <a:r>
+              <a:rPr lang="en-US" dirty="0" smtClean="0"/>
+              <a:t> x </a:t>
+            </a:r>
+            <a:r>
+              <a:rPr lang="en-US" dirty="0" err="1" smtClean="0"/>
+              <a:t>δf</a:t>
+            </a:r>
+            <a:r>
+              <a:rPr lang="en-US" baseline="-25000" dirty="0" err="1" smtClean="0"/>
+              <a:t>i</a:t>
+            </a:r>
+            <a:r>
+              <a:rPr lang="en-US" dirty="0" smtClean="0"/>
+              <a:t>/</a:t>
+            </a:r>
+            <a:r>
+              <a:rPr lang="en-US" dirty="0" err="1" smtClean="0"/>
+              <a:t>δq</a:t>
+            </a:r>
+            <a:r>
+              <a:rPr lang="en-US" dirty="0" smtClean="0"/>
+              <a:t>’</a:t>
+            </a:r>
+            <a:endParaRPr lang="en-US" dirty="0"/>
+          </a:p>
+          <a:p>
+            <a:r>
+              <a:rPr lang="en-US" dirty="0" smtClean="0"/>
+              <a:t>Estimate variances, derivatives</a:t>
+            </a:r>
+          </a:p>
+          <a:p>
+            <a:r>
+              <a:rPr lang="en-US" dirty="0" smtClean="0"/>
+              <a:t>Use E[p</a:t>
+            </a:r>
+            <a:r>
+              <a:rPr lang="en-US" baseline="-25000" dirty="0" smtClean="0"/>
+              <a:t>i</a:t>
+            </a:r>
+            <a:r>
+              <a:rPr lang="en-US" dirty="0" smtClean="0"/>
+              <a:t>], </a:t>
+            </a:r>
+            <a:r>
+              <a:rPr lang="en-US" dirty="0" err="1" smtClean="0"/>
+              <a:t>Var</a:t>
+            </a:r>
+            <a:r>
+              <a:rPr lang="en-US" dirty="0" smtClean="0"/>
+              <a:t>(p</a:t>
+            </a:r>
+            <a:r>
+              <a:rPr lang="en-US" baseline="-25000" dirty="0" smtClean="0"/>
+              <a:t>i</a:t>
+            </a:r>
+            <a:r>
+              <a:rPr lang="en-US" dirty="0" smtClean="0"/>
+              <a:t>) to get confidence interval</a:t>
+            </a:r>
+            <a:endParaRPr lang="en-US" dirty="0"/>
+          </a:p>
+          <a:p>
+            <a:endParaRPr lang="en-US" dirty="0"/>
+          </a:p>
+        </p:txBody>
+      </p:sp>
+    </p:spTree>
+    <p:extLst>
+      <p:ext uri="{BB962C8B-B14F-4D97-AF65-F5344CB8AC3E}">
+        <p14:creationId xmlns:p14="http://schemas.microsoft.com/office/powerpoint/2010/main" val="775948302"/>
+      </p:ext>
+    </p:extLst>
+  </p:cSld>
+  <p:clrMapOvr>
+    <a:masterClrMapping/>
+  </p:clrMapOvr>
+</p:sld>
+</file>
+
 <file path=ppt/slides/slide7.xml><?xml version="1.0" encoding="utf-8"?>
 <p:sld xmlns:a="http://schemas.openxmlformats.org/drawingml/2006/main" xmlns:r="http://schemas.openxmlformats.org/officeDocument/2006/relationships" xmlns:p="http://schemas.openxmlformats.org/presentationml/2006/main">
   <p:cSld>
@@ -17669,9 +17275,10 @@
           <a:lstStyle/>
           <a:p>
             <a:r>
-              <a:rPr lang="en-US" dirty="0"/>
-              <a:t>Warm-up: 3 workers, binary tasks</a:t>
-            </a:r>
+              <a:rPr lang="en-US" dirty="0" smtClean="0"/>
+              <a:t>Generalizing to many workers</a:t>
+            </a:r>
+            <a:endParaRPr lang="en-US" dirty="0"/>
           </a:p>
         </p:txBody>
       </p:sp>
@@ -17692,201 +17299,122 @@
           <a:p>
             <a:r>
               <a:rPr lang="en-US" dirty="0" smtClean="0"/>
-              <a:t>Variance in p estimate depends on </a:t>
-            </a:r>
-          </a:p>
-          <a:p>
-            <a:pPr lvl="1"/>
+              <a:t>Key Idea: Take multiple sets of 3 workers and combine estimates</a:t>
+            </a:r>
+          </a:p>
+          <a:p>
             <a:r>
               <a:rPr lang="en-US" dirty="0" smtClean="0"/>
-              <a:t>Variance in q estimates</a:t>
-            </a:r>
-          </a:p>
-          <a:p>
-            <a:pPr lvl="1"/>
-            <a:r>
-              <a:rPr lang="en-US" dirty="0" err="1" smtClean="0"/>
-              <a:t>δf</a:t>
-            </a:r>
-            <a:r>
-              <a:rPr lang="en-US" baseline="-25000" dirty="0" err="1" smtClean="0"/>
-              <a:t>i</a:t>
-            </a:r>
+              <a:t>For each worker, form N/2 triples. </a:t>
+            </a:r>
+          </a:p>
+          <a:p>
             <a:r>
               <a:rPr lang="en-US" dirty="0" smtClean="0"/>
-              <a:t>/</a:t>
-            </a:r>
-            <a:r>
-              <a:rPr lang="en-US" dirty="0" err="1" smtClean="0"/>
-              <a:t>δq</a:t>
-            </a:r>
-            <a:r>
-              <a:rPr lang="en-US" baseline="-25000" dirty="0" err="1" smtClean="0"/>
-              <a:t>ij</a:t>
-            </a:r>
-            <a:r>
-              <a:rPr lang="en-US" dirty="0" smtClean="0"/>
-              <a:t>, </a:t>
-            </a:r>
-            <a:r>
-              <a:rPr lang="en-US" dirty="0" err="1" smtClean="0"/>
-              <a:t>δf</a:t>
-            </a:r>
-            <a:r>
-              <a:rPr lang="en-US" baseline="-25000" dirty="0" err="1" smtClean="0"/>
-              <a:t>i</a:t>
-            </a:r>
-            <a:r>
-              <a:rPr lang="en-US" dirty="0" smtClean="0"/>
-              <a:t>/</a:t>
-            </a:r>
-            <a:r>
-              <a:rPr lang="en-US" dirty="0" err="1" smtClean="0"/>
-              <a:t>δq</a:t>
-            </a:r>
-            <a:r>
-              <a:rPr lang="en-US" baseline="-25000" dirty="0" err="1" smtClean="0"/>
-              <a:t>jk</a:t>
-            </a:r>
-            <a:endParaRPr lang="en-US" baseline="-25000" dirty="0" smtClean="0"/>
-          </a:p>
-          <a:p>
-            <a:r>
-              <a:rPr lang="en-US" dirty="0" err="1" smtClean="0"/>
-              <a:t>Var</a:t>
-            </a:r>
-            <a:r>
-              <a:rPr lang="en-US" dirty="0" smtClean="0"/>
-              <a:t>(p</a:t>
+              <a:t>E.g. For n=5, for ‘w</a:t>
             </a:r>
             <a:r>
               <a:rPr lang="en-US" baseline="-25000" dirty="0" smtClean="0"/>
-              <a:t>i</a:t>
-            </a:r>
-            <a:r>
-              <a:rPr lang="en-US" dirty="0" smtClean="0"/>
-              <a:t>) = </a:t>
-            </a:r>
-            <a:r>
-              <a:rPr lang="en-US" dirty="0" err="1" smtClean="0"/>
-              <a:t>Σ</a:t>
-            </a:r>
-            <a:r>
-              <a:rPr lang="en-US" baseline="-25000" dirty="0" err="1" smtClean="0"/>
-              <a:t>q,q</a:t>
-            </a:r>
-            <a:r>
-              <a:rPr lang="en-US" baseline="-25000" dirty="0" smtClean="0"/>
-              <a:t>’</a:t>
-            </a:r>
-            <a:r>
-              <a:rPr lang="en-US" dirty="0" smtClean="0"/>
-              <a:t> </a:t>
-            </a:r>
-            <a:r>
-              <a:rPr lang="en-US" dirty="0" err="1" smtClean="0"/>
-              <a:t>Cov</a:t>
-            </a:r>
-            <a:r>
-              <a:rPr lang="en-US" dirty="0" smtClean="0"/>
-              <a:t> (</a:t>
-            </a:r>
-            <a:r>
-              <a:rPr lang="en-US" dirty="0" err="1" smtClean="0"/>
-              <a:t>q,q</a:t>
-            </a:r>
-            <a:r>
-              <a:rPr lang="en-US" dirty="0" smtClean="0"/>
-              <a:t>’) x </a:t>
-            </a:r>
-            <a:r>
-              <a:rPr lang="en-US" dirty="0" err="1" smtClean="0"/>
-              <a:t>δf</a:t>
-            </a:r>
-            <a:r>
-              <a:rPr lang="en-US" baseline="-25000" dirty="0" err="1" smtClean="0"/>
-              <a:t>i</a:t>
-            </a:r>
-            <a:r>
-              <a:rPr lang="en-US" dirty="0" smtClean="0"/>
-              <a:t>/</a:t>
-            </a:r>
-            <a:r>
-              <a:rPr lang="en-US" dirty="0" err="1" smtClean="0"/>
-              <a:t>δq</a:t>
-            </a:r>
-            <a:r>
-              <a:rPr lang="en-US" dirty="0" smtClean="0"/>
-              <a:t> x </a:t>
-            </a:r>
-            <a:r>
-              <a:rPr lang="en-US" dirty="0" err="1" smtClean="0"/>
-              <a:t>δf</a:t>
-            </a:r>
-            <a:r>
-              <a:rPr lang="en-US" baseline="-25000" dirty="0" err="1" smtClean="0"/>
-              <a:t>i</a:t>
-            </a:r>
-            <a:r>
-              <a:rPr lang="en-US" dirty="0" smtClean="0"/>
-              <a:t>/</a:t>
-            </a:r>
-            <a:r>
-              <a:rPr lang="en-US" dirty="0" err="1" smtClean="0"/>
-              <a:t>δq</a:t>
+              <a:t>1</a:t>
             </a:r>
             <a:r>
               <a:rPr lang="en-US" dirty="0" smtClean="0"/>
               <a:t>’</a:t>
             </a:r>
-            <a:endParaRPr lang="en-US" dirty="0"/>
-          </a:p>
-          <a:p>
+            <a:r>
+              <a:rPr lang="en-US" baseline="-25000" dirty="0" smtClean="0"/>
+              <a:t> </a:t>
+            </a:r>
             <a:r>
               <a:rPr lang="en-US" dirty="0" smtClean="0"/>
-              <a:t>Estimate variances, derivatives</a:t>
-            </a:r>
-          </a:p>
-          <a:p>
+              <a:t>we have groups (w</a:t>
+            </a:r>
+            <a:r>
+              <a:rPr lang="en-US" baseline="-25000" dirty="0" smtClean="0"/>
+              <a:t>1</a:t>
+            </a:r>
             <a:r>
               <a:rPr lang="en-US" dirty="0" smtClean="0"/>
-              <a:t>Use E[p</a:t>
+              <a:t>, w</a:t>
             </a:r>
             <a:r>
               <a:rPr lang="en-US" baseline="-25000" dirty="0" smtClean="0"/>
-              <a:t>i</a:t>
+              <a:t>2</a:t>
             </a:r>
             <a:r>
               <a:rPr lang="en-US" dirty="0" smtClean="0"/>
-              <a:t>], </a:t>
+              <a:t>, w</a:t>
+            </a:r>
+            <a:r>
+              <a:rPr lang="en-US" baseline="-25000" dirty="0" smtClean="0"/>
+              <a:t>3</a:t>
+            </a:r>
+            <a:r>
+              <a:rPr lang="en-US" dirty="0" smtClean="0"/>
+              <a:t>) (w</a:t>
+            </a:r>
+            <a:r>
+              <a:rPr lang="en-US" baseline="-25000" dirty="0" smtClean="0"/>
+              <a:t>1</a:t>
+            </a:r>
+            <a:r>
+              <a:rPr lang="en-US" dirty="0" smtClean="0"/>
+              <a:t>, w</a:t>
+            </a:r>
+            <a:r>
+              <a:rPr lang="en-US" baseline="-25000" dirty="0" smtClean="0"/>
+              <a:t>4</a:t>
+            </a:r>
+            <a:r>
+              <a:rPr lang="en-US" dirty="0" smtClean="0"/>
+              <a:t>, w</a:t>
+            </a:r>
+            <a:r>
+              <a:rPr lang="en-US" baseline="-25000" dirty="0" smtClean="0"/>
+              <a:t>5</a:t>
+            </a:r>
+            <a:r>
+              <a:rPr lang="en-US" dirty="0" smtClean="0"/>
+              <a:t>)</a:t>
+            </a:r>
+          </a:p>
+          <a:p>
+            <a:r>
+              <a:rPr lang="en-US" dirty="0" smtClean="0"/>
+              <a:t>Use each triple to compute estimate for p</a:t>
+            </a:r>
+            <a:r>
+              <a:rPr lang="en-US" baseline="-25000" dirty="0" smtClean="0"/>
+              <a:t>1</a:t>
+            </a:r>
+            <a:endParaRPr lang="en-US" baseline="-25000" dirty="0"/>
+          </a:p>
+          <a:p>
+            <a:r>
+              <a:rPr lang="en-US" dirty="0" smtClean="0"/>
+              <a:t>Compute variances, </a:t>
             </a:r>
             <a:r>
               <a:rPr lang="en-US" dirty="0" err="1" smtClean="0"/>
-              <a:t>Var</a:t>
+              <a:t>covariances</a:t>
             </a:r>
             <a:r>
               <a:rPr lang="en-US" dirty="0" smtClean="0"/>
-              <a:t>(p</a:t>
-            </a:r>
-            <a:r>
-              <a:rPr lang="en-US" baseline="-25000" dirty="0" smtClean="0"/>
-              <a:t>i</a:t>
-            </a:r>
+              <a:t> of estimates</a:t>
+            </a:r>
+          </a:p>
+          <a:p>
             <a:r>
               <a:rPr lang="en-US" dirty="0" smtClean="0"/>
-              <a:t>) to get confidence interval</a:t>
-            </a:r>
-            <a:endParaRPr lang="en-US" dirty="0"/>
-          </a:p>
-          <a:p>
-            <a:endParaRPr lang="en-US" dirty="0"/>
+              <a:t>Use weighted combination of estimates</a:t>
+            </a:r>
           </a:p>
         </p:txBody>
       </p:sp>
     </p:spTree>
     <p:extLst>
       <p:ext uri="{BB962C8B-B14F-4D97-AF65-F5344CB8AC3E}">
-        <p14:creationId xmlns:p14="http://schemas.microsoft.com/office/powerpoint/2010/main" val="775948302"/>
+        <p14:creationId xmlns:p14="http://schemas.microsoft.com/office/powerpoint/2010/main" val="1730068441"/>
       </p:ext>
     </p:extLst>
   </p:cSld>
@@ -17929,10 +17457,9 @@
           <a:lstStyle/>
           <a:p>
             <a:r>
-              <a:rPr lang="en-US" dirty="0" smtClean="0"/>
+              <a:rPr lang="en-US" dirty="0"/>
               <a:t>Generalizing to many workers</a:t>
             </a:r>
-            <a:endParaRPr lang="en-US" dirty="0"/>
           </a:p>
         </p:txBody>
       </p:sp>
@@ -17952,123 +17479,91 @@
           <a:lstStyle/>
           <a:p>
             <a:r>
+              <a:rPr lang="en-US" dirty="0"/>
+              <a:t>Optimum weights for </a:t>
+            </a:r>
+            <a:r>
               <a:rPr lang="en-US" dirty="0" smtClean="0"/>
-              <a:t>Key Idea: Take multiple sets of 3 workers and combine estimates</a:t>
-            </a:r>
-          </a:p>
-          <a:p>
+              <a:t>combining</a:t>
+            </a:r>
+          </a:p>
+          <a:p>
+            <a:pPr lvl="1"/>
             <a:r>
               <a:rPr lang="en-US" dirty="0" smtClean="0"/>
-              <a:t>For each worker, form N/2 triples. </a:t>
-            </a:r>
-          </a:p>
-          <a:p>
+              <a:t>Covariance matrix A </a:t>
+            </a:r>
+          </a:p>
+          <a:p>
+            <a:pPr lvl="1"/>
             <a:r>
               <a:rPr lang="en-US" dirty="0" smtClean="0"/>
-              <a:t>E.g. For n=5, for ‘w</a:t>
+              <a:t>Given by A</a:t>
+            </a:r>
+            <a:r>
+              <a:rPr lang="en-US" baseline="30000" dirty="0" smtClean="0"/>
+              <a:t>-1</a:t>
+            </a:r>
+            <a:r>
+              <a:rPr lang="en-US" dirty="0" smtClean="0"/>
+              <a:t>L</a:t>
             </a:r>
             <a:r>
               <a:rPr lang="en-US" baseline="-25000" dirty="0" smtClean="0"/>
-              <a:t>1</a:t>
+              <a:t>N/2 </a:t>
             </a:r>
             <a:r>
               <a:rPr lang="en-US" dirty="0" smtClean="0"/>
-              <a:t>’</a:t>
-            </a:r>
-            <a:r>
-              <a:rPr lang="en-US" baseline="-25000" dirty="0" smtClean="0"/>
-              <a:t> </a:t>
+              <a:t>where </a:t>
+            </a:r>
+            <a:r>
+              <a:rPr lang="en-US" dirty="0" err="1" smtClean="0"/>
+              <a:t>L</a:t>
+            </a:r>
+            <a:r>
+              <a:rPr lang="en-US" baseline="-25000" dirty="0" err="1" smtClean="0"/>
+              <a:t>k</a:t>
             </a:r>
             <a:r>
               <a:rPr lang="en-US" dirty="0" smtClean="0"/>
-              <a:t>we have groups (w</a:t>
-            </a:r>
-            <a:r>
-              <a:rPr lang="en-US" baseline="-25000" dirty="0" smtClean="0"/>
-              <a:t>1</a:t>
+              <a:t> is a k-length vector with values 1/k</a:t>
+            </a:r>
+            <a:endParaRPr lang="en-US" baseline="-25000" dirty="0"/>
+          </a:p>
+          <a:p>
+            <a:r>
+              <a:rPr lang="en-US" dirty="0"/>
+              <a:t>Greedy way of group </a:t>
             </a:r>
             <a:r>
               <a:rPr lang="en-US" dirty="0" smtClean="0"/>
-              <a:t>, w</a:t>
-            </a:r>
-            <a:r>
-              <a:rPr lang="en-US" baseline="-25000" dirty="0" smtClean="0"/>
-              <a:t>2</a:t>
-            </a:r>
+              <a:t>forming</a:t>
+            </a:r>
+          </a:p>
+          <a:p>
+            <a:pPr lvl="1"/>
             <a:r>
               <a:rPr lang="en-US" dirty="0" smtClean="0"/>
-              <a:t>, w</a:t>
-            </a:r>
-            <a:r>
-              <a:rPr lang="en-US" baseline="-25000" dirty="0" smtClean="0"/>
-              <a:t>3</a:t>
-            </a:r>
+              <a:t>Better to have two good workers in one group than one good worker in two groups, due to weighting</a:t>
+            </a:r>
+          </a:p>
+          <a:p>
+            <a:pPr lvl="1"/>
             <a:r>
               <a:rPr lang="en-US" dirty="0" smtClean="0"/>
-              <a:t>) (w</a:t>
-            </a:r>
-            <a:r>
-              <a:rPr lang="en-US" baseline="-25000" dirty="0" smtClean="0"/>
-              <a:t>1</a:t>
-            </a:r>
-            <a:r>
-              <a:rPr lang="en-US" dirty="0" smtClean="0"/>
-              <a:t>, w</a:t>
-            </a:r>
-            <a:r>
-              <a:rPr lang="en-US" baseline="-25000" dirty="0" smtClean="0"/>
-              <a:t>4</a:t>
-            </a:r>
-            <a:r>
-              <a:rPr lang="en-US" dirty="0" smtClean="0"/>
-              <a:t>, w</a:t>
-            </a:r>
-            <a:r>
-              <a:rPr lang="en-US" baseline="-25000" dirty="0" smtClean="0"/>
-              <a:t>5</a:t>
-            </a:r>
-            <a:r>
-              <a:rPr lang="en-US" dirty="0" smtClean="0"/>
-              <a:t>)</a:t>
-            </a:r>
-          </a:p>
-          <a:p>
-            <a:r>
-              <a:rPr lang="en-US" dirty="0" smtClean="0"/>
-              <a:t>Use each triple to compute estimate for p</a:t>
-            </a:r>
-            <a:r>
-              <a:rPr lang="en-US" baseline="-25000" dirty="0" smtClean="0"/>
-              <a:t>1</a:t>
-            </a:r>
-            <a:endParaRPr lang="en-US" baseline="-25000" dirty="0"/>
-          </a:p>
-          <a:p>
-            <a:r>
-              <a:rPr lang="en-US" dirty="0" smtClean="0"/>
-              <a:t>Compute variances, </a:t>
-            </a:r>
-            <a:r>
-              <a:rPr lang="en-US" dirty="0" err="1" smtClean="0"/>
-              <a:t>covariances</a:t>
-            </a:r>
-            <a:r>
-              <a:rPr lang="en-US" dirty="0" smtClean="0"/>
-              <a:t> of estimates</a:t>
-            </a:r>
-          </a:p>
-          <a:p>
-            <a:r>
-              <a:rPr lang="en-US" dirty="0" smtClean="0"/>
-              <a:t>Use weighted combination of estimates</a:t>
-            </a:r>
+              <a:t>Greedily form groups</a:t>
+            </a:r>
+            <a:endParaRPr lang="en-US" dirty="0"/>
+          </a:p>
+          <a:p>
+            <a:endParaRPr lang="en-US" dirty="0"/>
           </a:p>
         </p:txBody>
       </p:sp>
     </p:spTree>
     <p:extLst>
       <p:ext uri="{BB962C8B-B14F-4D97-AF65-F5344CB8AC3E}">
-        <p14:creationId xmlns:p14="http://schemas.microsoft.com/office/powerpoint/2010/main" val="1730068441"/>
+        <p14:creationId xmlns:p14="http://schemas.microsoft.com/office/powerpoint/2010/main" val="1960022412"/>
       </p:ext>
     </p:extLst>
   </p:cSld>
@@ -18111,9 +17606,10 @@
           <a:lstStyle/>
           <a:p>
             <a:r>
-              <a:rPr lang="en-US" dirty="0"/>
-              <a:t>Generalizing to many workers</a:t>
-            </a:r>
+              <a:rPr lang="en-US" dirty="0" smtClean="0"/>
+              <a:t>3 Workers Non-binary Tasks</a:t>
+            </a:r>
+            <a:endParaRPr lang="en-US" dirty="0"/>
           </a:p>
         </p:txBody>
       </p:sp>
@@ -18133,97 +17629,584 @@
           <a:lstStyle/>
           <a:p>
             <a:r>
-              <a:rPr lang="en-US" dirty="0"/>
-              <a:t>Optimum weights for </a:t>
-            </a:r>
-            <a:r>
               <a:rPr lang="en-US" dirty="0" smtClean="0"/>
-              <a:t>combining</a:t>
-            </a:r>
-          </a:p>
-          <a:p>
-            <a:pPr lvl="1"/>
+              <a:t>Confusion matrix P</a:t>
+            </a:r>
+            <a:r>
+              <a:rPr lang="en-US" baseline="-25000" dirty="0" smtClean="0"/>
+              <a:t>i , </a:t>
+            </a:r>
             <a:r>
               <a:rPr lang="en-US" dirty="0" smtClean="0"/>
-              <a:t>Covariance matrix A </a:t>
-            </a:r>
-          </a:p>
-          <a:p>
-            <a:pPr lvl="1"/>
+              <a:t>Selectivity vector S, diagonal S</a:t>
+            </a:r>
+            <a:r>
+              <a:rPr lang="en-US" baseline="30000" dirty="0" smtClean="0"/>
+              <a:t>D</a:t>
+            </a:r>
+          </a:p>
+          <a:p>
+            <a:pPr marL="0" indent="0">
+              <a:buNone/>
+            </a:pPr>
+            <a:endParaRPr lang="en-US" dirty="0" smtClean="0"/>
+          </a:p>
+          <a:p>
+            <a:pPr marL="0" indent="0">
+              <a:buNone/>
+            </a:pPr>
             <a:r>
               <a:rPr lang="en-US" dirty="0" smtClean="0"/>
-              <a:t>Given by A</a:t>
-            </a:r>
-            <a:r>
-              <a:rPr lang="en-US" baseline="30000" dirty="0" smtClean="0"/>
-              <a:t>-1</a:t>
-            </a:r>
+              <a:t>    e.g.                           ,              , </a:t>
+            </a:r>
+            <a:endParaRPr lang="en-US" dirty="0"/>
+          </a:p>
+          <a:p>
+            <a:pPr marL="0" indent="0">
+              <a:buNone/>
+            </a:pPr>
+            <a:endParaRPr lang="en-US" dirty="0" smtClean="0"/>
+          </a:p>
+          <a:p>
             <a:r>
               <a:rPr lang="en-US" dirty="0" smtClean="0"/>
-              <a:t>L</a:t>
+              <a:t>P</a:t>
             </a:r>
             <a:r>
               <a:rPr lang="en-US" baseline="-25000" dirty="0" smtClean="0"/>
-              <a:t>N/2 </a:t>
+              <a:t>i</a:t>
             </a:r>
             <a:r>
               <a:rPr lang="en-US" dirty="0" smtClean="0"/>
-              <a:t>where </a:t>
-            </a:r>
-            <a:r>
-              <a:rPr lang="en-US" dirty="0" err="1" smtClean="0"/>
-              <a:t>L</a:t>
-            </a:r>
-            <a:r>
-              <a:rPr lang="en-US" baseline="-25000" dirty="0" err="1" smtClean="0"/>
-              <a:t>k</a:t>
-            </a:r>
+              <a:t>’s, S : Column-stochastic, unknown</a:t>
+            </a:r>
+          </a:p>
+          <a:p>
             <a:r>
               <a:rPr lang="en-US" dirty="0" smtClean="0"/>
-              <a:t> is a k-length vector with values 1/k</a:t>
-            </a:r>
-            <a:endParaRPr lang="en-US" baseline="-25000" dirty="0"/>
-          </a:p>
-          <a:p>
-            <a:r>
-              <a:rPr lang="en-US" dirty="0"/>
-              <a:t>Greedy way of group </a:t>
-            </a:r>
-            <a:r>
-              <a:rPr lang="en-US" dirty="0" smtClean="0"/>
-              <a:t>forming</a:t>
-            </a:r>
-          </a:p>
-          <a:p>
-            <a:pPr lvl="1"/>
-            <a:r>
-              <a:rPr lang="en-US" dirty="0" smtClean="0"/>
-              <a:t>Better to have two good workers in one group than one good worker in two groups, due to weighting</a:t>
-            </a:r>
-          </a:p>
-          <a:p>
-            <a:pPr lvl="1"/>
-            <a:r>
-              <a:rPr lang="en-US" dirty="0" smtClean="0"/>
-              <a:t>Greedily form groups</a:t>
-            </a:r>
-            <a:endParaRPr lang="en-US" dirty="0"/>
-          </a:p>
-          <a:p>
-            <a:endParaRPr lang="en-US" dirty="0"/>
+              <a:t>Observation probabilities given by </a:t>
+            </a:r>
+            <a:r>
+              <a:rPr lang="en-US" b="1" dirty="0" err="1" smtClean="0"/>
+              <a:t>P</a:t>
+            </a:r>
+            <a:r>
+              <a:rPr lang="en-US" b="1" baseline="-25000" dirty="0" err="1" smtClean="0"/>
+              <a:t>i</a:t>
+            </a:r>
+            <a:r>
+              <a:rPr lang="en-US" b="1" dirty="0" err="1" smtClean="0"/>
+              <a:t>S</a:t>
+            </a:r>
+            <a:endParaRPr lang="en-US" b="1" dirty="0" smtClean="0"/>
           </a:p>
         </p:txBody>
       </p:sp>
+      <p:graphicFrame>
+        <p:nvGraphicFramePr>
+          <p:cNvPr id="4" name="Table 3"/>
+          <p:cNvGraphicFramePr>
+            <a:graphicFrameLocks noGrp="1"/>
+          </p:cNvGraphicFramePr>
+          <p:nvPr>
+            <p:extLst>
+              <p:ext uri="{D42A27DB-BD31-4B8C-83A1-F6EECF244321}">
+                <p14:modId xmlns:p14="http://schemas.microsoft.com/office/powerpoint/2010/main" val="3266693032"/>
+              </p:ext>
+            </p:extLst>
+          </p:nvPr>
+        </p:nvGraphicFramePr>
+        <p:xfrm>
+          <a:off x="1537655" y="2097618"/>
+          <a:ext cx="1766952" cy="1320255"/>
+        </p:xfrm>
+        <a:graphic>
+          <a:graphicData uri="http://schemas.openxmlformats.org/drawingml/2006/table">
+            <a:tbl>
+              <a:tblPr firstRow="1" bandRow="1">
+                <a:tableStyleId>{5940675A-B579-460E-94D1-54222C63F5DA}</a:tableStyleId>
+              </a:tblPr>
+              <a:tblGrid>
+                <a:gridCol w="588984"/>
+                <a:gridCol w="588984"/>
+                <a:gridCol w="588984"/>
+              </a:tblGrid>
+              <a:tr h="440085">
+                <a:tc>
+                  <a:txBody>
+                    <a:bodyPr/>
+                    <a:lstStyle/>
+                    <a:p>
+                      <a:r>
+                        <a:rPr lang="en-US" dirty="0" smtClean="0"/>
+                        <a:t>0.8</a:t>
+                      </a:r>
+                      <a:endParaRPr lang="en-US" dirty="0"/>
+                    </a:p>
+                  </a:txBody>
+                  <a:tcPr/>
+                </a:tc>
+                <a:tc>
+                  <a:txBody>
+                    <a:bodyPr/>
+                    <a:lstStyle/>
+                    <a:p>
+                      <a:r>
+                        <a:rPr lang="en-US" dirty="0" smtClean="0"/>
+                        <a:t>0.1</a:t>
+                      </a:r>
+                      <a:endParaRPr lang="en-US" dirty="0"/>
+                    </a:p>
+                  </a:txBody>
+                  <a:tcPr/>
+                </a:tc>
+                <a:tc>
+                  <a:txBody>
+                    <a:bodyPr/>
+                    <a:lstStyle/>
+                    <a:p>
+                      <a:r>
+                        <a:rPr lang="en-US" dirty="0" smtClean="0"/>
+                        <a:t>0.3</a:t>
+                      </a:r>
+                      <a:endParaRPr lang="en-US" dirty="0"/>
+                    </a:p>
+                  </a:txBody>
+                  <a:tcPr/>
+                </a:tc>
+              </a:tr>
+              <a:tr h="440085">
+                <a:tc>
+                  <a:txBody>
+                    <a:bodyPr/>
+                    <a:lstStyle/>
+                    <a:p>
+                      <a:r>
+                        <a:rPr lang="en-US" dirty="0" smtClean="0"/>
+                        <a:t>0.1</a:t>
+                      </a:r>
+                      <a:endParaRPr lang="en-US" dirty="0"/>
+                    </a:p>
+                  </a:txBody>
+                  <a:tcPr/>
+                </a:tc>
+                <a:tc>
+                  <a:txBody>
+                    <a:bodyPr/>
+                    <a:lstStyle/>
+                    <a:p>
+                      <a:r>
+                        <a:rPr lang="en-US" dirty="0" smtClean="0"/>
+                        <a:t>0.7</a:t>
+                      </a:r>
+                      <a:endParaRPr lang="en-US" dirty="0"/>
+                    </a:p>
+                  </a:txBody>
+                  <a:tcPr/>
+                </a:tc>
+                <a:tc>
+                  <a:txBody>
+                    <a:bodyPr/>
+                    <a:lstStyle/>
+                    <a:p>
+                      <a:r>
+                        <a:rPr lang="en-US" dirty="0" smtClean="0"/>
+                        <a:t>0.1</a:t>
+                      </a:r>
+                      <a:endParaRPr lang="en-US" dirty="0"/>
+                    </a:p>
+                  </a:txBody>
+                  <a:tcPr/>
+                </a:tc>
+              </a:tr>
+              <a:tr h="440085">
+                <a:tc>
+                  <a:txBody>
+                    <a:bodyPr/>
+                    <a:lstStyle/>
+                    <a:p>
+                      <a:r>
+                        <a:rPr lang="en-US" dirty="0" smtClean="0"/>
+                        <a:t>0.1</a:t>
+                      </a:r>
+                      <a:endParaRPr lang="en-US" dirty="0"/>
+                    </a:p>
+                  </a:txBody>
+                  <a:tcPr/>
+                </a:tc>
+                <a:tc>
+                  <a:txBody>
+                    <a:bodyPr/>
+                    <a:lstStyle/>
+                    <a:p>
+                      <a:r>
+                        <a:rPr lang="en-US" dirty="0" smtClean="0"/>
+                        <a:t>0.2</a:t>
+                      </a:r>
+                      <a:endParaRPr lang="en-US" dirty="0"/>
+                    </a:p>
+                  </a:txBody>
+                  <a:tcPr/>
+                </a:tc>
+                <a:tc>
+                  <a:txBody>
+                    <a:bodyPr/>
+                    <a:lstStyle/>
+                    <a:p>
+                      <a:r>
+                        <a:rPr lang="en-US" dirty="0" smtClean="0"/>
+                        <a:t>0.6</a:t>
+                      </a:r>
+                      <a:endParaRPr lang="en-US" dirty="0"/>
+                    </a:p>
+                  </a:txBody>
+                  <a:tcPr/>
+                </a:tc>
+              </a:tr>
+            </a:tbl>
+          </a:graphicData>
+        </a:graphic>
+      </p:graphicFrame>
+      <p:graphicFrame>
+        <p:nvGraphicFramePr>
+          <p:cNvPr id="5" name="Table 4"/>
+          <p:cNvGraphicFramePr>
+            <a:graphicFrameLocks noGrp="1"/>
+          </p:cNvGraphicFramePr>
+          <p:nvPr>
+            <p:extLst>
+              <p:ext uri="{D42A27DB-BD31-4B8C-83A1-F6EECF244321}">
+                <p14:modId xmlns:p14="http://schemas.microsoft.com/office/powerpoint/2010/main" val="925992086"/>
+              </p:ext>
+            </p:extLst>
+          </p:nvPr>
+        </p:nvGraphicFramePr>
+        <p:xfrm>
+          <a:off x="4006581" y="2097617"/>
+          <a:ext cx="551621" cy="1320255"/>
+        </p:xfrm>
+        <a:graphic>
+          <a:graphicData uri="http://schemas.openxmlformats.org/drawingml/2006/table">
+            <a:tbl>
+              <a:tblPr firstRow="1" bandRow="1">
+                <a:tableStyleId>{5940675A-B579-460E-94D1-54222C63F5DA}</a:tableStyleId>
+              </a:tblPr>
+              <a:tblGrid>
+                <a:gridCol w="551621"/>
+              </a:tblGrid>
+              <a:tr h="440085">
+                <a:tc>
+                  <a:txBody>
+                    <a:bodyPr/>
+                    <a:lstStyle/>
+                    <a:p>
+                      <a:r>
+                        <a:rPr lang="en-US" dirty="0" smtClean="0"/>
+                        <a:t>0.4</a:t>
+                      </a:r>
+                      <a:endParaRPr lang="en-US" dirty="0"/>
+                    </a:p>
+                  </a:txBody>
+                  <a:tcPr/>
+                </a:tc>
+              </a:tr>
+              <a:tr h="440085">
+                <a:tc>
+                  <a:txBody>
+                    <a:bodyPr/>
+                    <a:lstStyle/>
+                    <a:p>
+                      <a:r>
+                        <a:rPr lang="en-US" dirty="0" smtClean="0"/>
+                        <a:t>0.2</a:t>
+                      </a:r>
+                      <a:endParaRPr lang="en-US" dirty="0"/>
+                    </a:p>
+                  </a:txBody>
+                  <a:tcPr/>
+                </a:tc>
+              </a:tr>
+              <a:tr h="440085">
+                <a:tc>
+                  <a:txBody>
+                    <a:bodyPr/>
+                    <a:lstStyle/>
+                    <a:p>
+                      <a:r>
+                        <a:rPr lang="en-US" dirty="0" smtClean="0"/>
+                        <a:t>0.4</a:t>
+                      </a:r>
+                      <a:endParaRPr lang="en-US" dirty="0"/>
+                    </a:p>
+                  </a:txBody>
+                  <a:tcPr/>
+                </a:tc>
+              </a:tr>
+            </a:tbl>
+          </a:graphicData>
+        </a:graphic>
+      </p:graphicFrame>
+      <p:graphicFrame>
+        <p:nvGraphicFramePr>
+          <p:cNvPr id="6" name="Table 5"/>
+          <p:cNvGraphicFramePr>
+            <a:graphicFrameLocks noGrp="1"/>
+          </p:cNvGraphicFramePr>
+          <p:nvPr>
+            <p:extLst>
+              <p:ext uri="{D42A27DB-BD31-4B8C-83A1-F6EECF244321}">
+                <p14:modId xmlns:p14="http://schemas.microsoft.com/office/powerpoint/2010/main" val="2925425624"/>
+              </p:ext>
+            </p:extLst>
+          </p:nvPr>
+        </p:nvGraphicFramePr>
+        <p:xfrm>
+          <a:off x="5377015" y="2088197"/>
+          <a:ext cx="1766952" cy="1320255"/>
+        </p:xfrm>
+        <a:graphic>
+          <a:graphicData uri="http://schemas.openxmlformats.org/drawingml/2006/table">
+            <a:tbl>
+              <a:tblPr firstRow="1" bandRow="1">
+                <a:tableStyleId>{5940675A-B579-460E-94D1-54222C63F5DA}</a:tableStyleId>
+              </a:tblPr>
+              <a:tblGrid>
+                <a:gridCol w="588984"/>
+                <a:gridCol w="588984"/>
+                <a:gridCol w="588984"/>
+              </a:tblGrid>
+              <a:tr h="440085">
+                <a:tc>
+                  <a:txBody>
+                    <a:bodyPr/>
+                    <a:lstStyle/>
+                    <a:p>
+                      <a:r>
+                        <a:rPr lang="en-US" dirty="0" smtClean="0"/>
+                        <a:t>0.4</a:t>
+                      </a:r>
+                      <a:endParaRPr lang="en-US" dirty="0"/>
+                    </a:p>
+                  </a:txBody>
+                  <a:tcPr/>
+                </a:tc>
+                <a:tc>
+                  <a:txBody>
+                    <a:bodyPr/>
+                    <a:lstStyle/>
+                    <a:p>
+                      <a:r>
+                        <a:rPr lang="en-US" dirty="0" smtClean="0"/>
+                        <a:t>0</a:t>
+                      </a:r>
+                      <a:endParaRPr lang="en-US" dirty="0"/>
+                    </a:p>
+                  </a:txBody>
+                  <a:tcPr/>
+                </a:tc>
+                <a:tc>
+                  <a:txBody>
+                    <a:bodyPr/>
+                    <a:lstStyle/>
+                    <a:p>
+                      <a:r>
+                        <a:rPr lang="en-US" dirty="0" smtClean="0"/>
+                        <a:t>0</a:t>
+                      </a:r>
+                      <a:endParaRPr lang="en-US" dirty="0"/>
+                    </a:p>
+                  </a:txBody>
+                  <a:tcPr/>
+                </a:tc>
+              </a:tr>
+              <a:tr h="440085">
+                <a:tc>
+                  <a:txBody>
+                    <a:bodyPr/>
+                    <a:lstStyle/>
+                    <a:p>
+                      <a:r>
+                        <a:rPr lang="en-US" dirty="0" smtClean="0"/>
+                        <a:t>0</a:t>
+                      </a:r>
+                      <a:endParaRPr lang="en-US" dirty="0"/>
+                    </a:p>
+                  </a:txBody>
+                  <a:tcPr/>
+                </a:tc>
+                <a:tc>
+                  <a:txBody>
+                    <a:bodyPr/>
+                    <a:lstStyle/>
+                    <a:p>
+                      <a:r>
+                        <a:rPr lang="en-US" dirty="0" smtClean="0"/>
+                        <a:t>0.2</a:t>
+                      </a:r>
+                      <a:endParaRPr lang="en-US" dirty="0"/>
+                    </a:p>
+                  </a:txBody>
+                  <a:tcPr/>
+                </a:tc>
+                <a:tc>
+                  <a:txBody>
+                    <a:bodyPr/>
+                    <a:lstStyle/>
+                    <a:p>
+                      <a:r>
+                        <a:rPr lang="en-US" dirty="0" smtClean="0"/>
+                        <a:t>0</a:t>
+                      </a:r>
+                      <a:endParaRPr lang="en-US" dirty="0"/>
+                    </a:p>
+                  </a:txBody>
+                  <a:tcPr/>
+                </a:tc>
+              </a:tr>
+              <a:tr h="440085">
+                <a:tc>
+                  <a:txBody>
+                    <a:bodyPr/>
+                    <a:lstStyle/>
+                    <a:p>
+                      <a:r>
+                        <a:rPr lang="en-US" dirty="0" smtClean="0"/>
+                        <a:t>0</a:t>
+                      </a:r>
+                      <a:endParaRPr lang="en-US" dirty="0"/>
+                    </a:p>
+                  </a:txBody>
+                  <a:tcPr/>
+                </a:tc>
+                <a:tc>
+                  <a:txBody>
+                    <a:bodyPr/>
+                    <a:lstStyle/>
+                    <a:p>
+                      <a:r>
+                        <a:rPr lang="en-US" dirty="0" smtClean="0"/>
+                        <a:t>0</a:t>
+                      </a:r>
+                      <a:endParaRPr lang="en-US" dirty="0"/>
+                    </a:p>
+                  </a:txBody>
+                  <a:tcPr/>
+                </a:tc>
+                <a:tc>
+                  <a:txBody>
+                    <a:bodyPr/>
+                    <a:lstStyle/>
+                    <a:p>
+                      <a:r>
+                        <a:rPr lang="en-US" dirty="0" smtClean="0"/>
+                        <a:t>0.4</a:t>
+                      </a:r>
+                      <a:endParaRPr lang="en-US" dirty="0"/>
+                    </a:p>
+                  </a:txBody>
+                  <a:tcPr/>
+                </a:tc>
+              </a:tr>
+            </a:tbl>
+          </a:graphicData>
+        </a:graphic>
+      </p:graphicFrame>
+      <p:graphicFrame>
+        <p:nvGraphicFramePr>
+          <p:cNvPr id="7" name="Table 6"/>
+          <p:cNvGraphicFramePr>
+            <a:graphicFrameLocks noGrp="1"/>
+          </p:cNvGraphicFramePr>
+          <p:nvPr>
+            <p:extLst>
+              <p:ext uri="{D42A27DB-BD31-4B8C-83A1-F6EECF244321}">
+                <p14:modId xmlns:p14="http://schemas.microsoft.com/office/powerpoint/2010/main" val="216597744"/>
+              </p:ext>
+            </p:extLst>
+          </p:nvPr>
+        </p:nvGraphicFramePr>
+        <p:xfrm>
+          <a:off x="827062" y="4707536"/>
+          <a:ext cx="710593" cy="1320255"/>
+        </p:xfrm>
+        <a:graphic>
+          <a:graphicData uri="http://schemas.openxmlformats.org/drawingml/2006/table">
+            <a:tbl>
+              <a:tblPr firstRow="1" bandRow="1">
+                <a:tableStyleId>{5940675A-B579-460E-94D1-54222C63F5DA}</a:tableStyleId>
+              </a:tblPr>
+              <a:tblGrid>
+                <a:gridCol w="710593"/>
+              </a:tblGrid>
+              <a:tr h="440085">
+                <a:tc>
+                  <a:txBody>
+                    <a:bodyPr/>
+                    <a:lstStyle/>
+                    <a:p>
+                      <a:r>
+                        <a:rPr lang="en-US" dirty="0" smtClean="0"/>
+                        <a:t>0.46</a:t>
+                      </a:r>
+                      <a:endParaRPr lang="en-US" dirty="0"/>
+                    </a:p>
+                  </a:txBody>
+                  <a:tcPr/>
+                </a:tc>
+              </a:tr>
+              <a:tr h="440085">
+                <a:tc>
+                  <a:txBody>
+                    <a:bodyPr/>
+                    <a:lstStyle/>
+                    <a:p>
+                      <a:r>
+                        <a:rPr lang="en-US" dirty="0" smtClean="0"/>
+                        <a:t>0.22</a:t>
+                      </a:r>
+                      <a:endParaRPr lang="en-US" dirty="0"/>
+                    </a:p>
+                  </a:txBody>
+                  <a:tcPr/>
+                </a:tc>
+              </a:tr>
+              <a:tr h="440085">
+                <a:tc>
+                  <a:txBody>
+                    <a:bodyPr/>
+                    <a:lstStyle/>
+                    <a:p>
+                      <a:r>
+                        <a:rPr lang="en-US" dirty="0" smtClean="0"/>
+                        <a:t>0.32</a:t>
+                      </a:r>
+                      <a:endParaRPr lang="en-US" dirty="0"/>
+                    </a:p>
+                  </a:txBody>
+                  <a:tcPr/>
+                </a:tc>
+              </a:tr>
+            </a:tbl>
+          </a:graphicData>
+        </a:graphic>
+      </p:graphicFrame>
     </p:spTree>
     <p:extLst>
       <p:ext uri="{BB962C8B-B14F-4D97-AF65-F5344CB8AC3E}">
-        <p14:creationId xmlns:p14="http://schemas.microsoft.com/office/powerpoint/2010/main" val="1960022412"/>
+        <p14:creationId xmlns:p14="http://schemas.microsoft.com/office/powerpoint/2010/main" val="2726224389"/>
       </p:ext>
     </p:extLst>
   </p:cSld>
   <p:clrMapOvr>
     <a:masterClrMapping/>
   </p:clrMapOvr>
+  <p:timing>
+    <p:tnLst>
+      <p:par>
+        <p:cTn xmlns:p14="http://schemas.microsoft.com/office/powerpoint/2010/main" id="1" dur="indefinite" restart="never" nodeType="tmRoot"/>
+      </p:par>
+    </p:tnLst>
+  </p:timing>
 </p:sld>
 </file>
 

--- a/Presentation/WorkerEval.pptx
+++ b/Presentation/WorkerEval.pptx
@@ -8,18 +8,22 @@
     <p:sldId id="256" r:id="rId2"/>
     <p:sldId id="261" r:id="rId3"/>
     <p:sldId id="263" r:id="rId4"/>
-    <p:sldId id="272" r:id="rId5"/>
-    <p:sldId id="258" r:id="rId6"/>
-    <p:sldId id="264" r:id="rId7"/>
-    <p:sldId id="259" r:id="rId8"/>
-    <p:sldId id="268" r:id="rId9"/>
-    <p:sldId id="260" r:id="rId10"/>
-    <p:sldId id="266" r:id="rId11"/>
-    <p:sldId id="267" r:id="rId12"/>
-    <p:sldId id="269" r:id="rId13"/>
-    <p:sldId id="271" r:id="rId14"/>
-    <p:sldId id="265" r:id="rId15"/>
-    <p:sldId id="270" r:id="rId16"/>
+    <p:sldId id="274" r:id="rId5"/>
+    <p:sldId id="272" r:id="rId6"/>
+    <p:sldId id="258" r:id="rId7"/>
+    <p:sldId id="275" r:id="rId8"/>
+    <p:sldId id="264" r:id="rId9"/>
+    <p:sldId id="276" r:id="rId10"/>
+    <p:sldId id="277" r:id="rId11"/>
+    <p:sldId id="259" r:id="rId12"/>
+    <p:sldId id="268" r:id="rId13"/>
+    <p:sldId id="269" r:id="rId14"/>
+    <p:sldId id="260" r:id="rId15"/>
+    <p:sldId id="266" r:id="rId16"/>
+    <p:sldId id="267" r:id="rId17"/>
+    <p:sldId id="271" r:id="rId18"/>
+    <p:sldId id="265" r:id="rId19"/>
+    <p:sldId id="273" r:id="rId20"/>
   </p:sldIdLst>
   <p:sldSz cx="9144000" cy="6858000" type="screen4x3"/>
   <p:notesSz cx="6858000" cy="9144000"/>
@@ -14491,265 +14495,51 @@
           <a:p>
             <a:r>
               <a:rPr lang="en-US" dirty="0"/>
-              <a:t>3 Workers Non-binary Tasks</a:t>
+              <a:t>Calibration Results </a:t>
+            </a:r>
+            <a:r>
+              <a:rPr lang="en-US" dirty="0" smtClean="0"/>
+              <a:t>(Real </a:t>
+            </a:r>
+            <a:r>
+              <a:rPr lang="en-US" dirty="0"/>
+              <a:t>Data)</a:t>
             </a:r>
           </a:p>
         </p:txBody>
       </p:sp>
-      <p:sp>
-        <p:nvSpPr>
-          <p:cNvPr id="3" name="Content Placeholder 2"/>
-          <p:cNvSpPr>
-            <a:spLocks noGrp="1"/>
-          </p:cNvSpPr>
+      <p:pic>
+        <p:nvPicPr>
+          <p:cNvPr id="4" name="Content Placeholder 3" descr="conf_acc_real_improved.pdf"/>
+          <p:cNvPicPr>
+            <a:picLocks noGrp="1" noChangeAspect="1"/>
+          </p:cNvPicPr>
           <p:nvPr>
             <p:ph sz="quarter" idx="1"/>
           </p:nvPr>
-        </p:nvSpPr>
-        <p:spPr/>
-        <p:txBody>
-          <a:bodyPr>
-            <a:normAutofit/>
-          </a:bodyPr>
-          <a:lstStyle/>
-          <a:p>
-            <a:r>
-              <a:rPr lang="en-US" dirty="0" smtClean="0"/>
-              <a:t>Compute comparison matrices (frequencies of response-pairs of workers </a:t>
-            </a:r>
-            <a:r>
-              <a:rPr lang="en-US" dirty="0" err="1" smtClean="0"/>
-              <a:t>w</a:t>
-            </a:r>
-            <a:r>
-              <a:rPr lang="en-US" baseline="-25000" dirty="0" err="1" smtClean="0"/>
-              <a:t>i</a:t>
-            </a:r>
-            <a:r>
-              <a:rPr lang="en-US" dirty="0" err="1" smtClean="0"/>
-              <a:t>,w</a:t>
-            </a:r>
-            <a:r>
-              <a:rPr lang="en-US" baseline="-25000" dirty="0" err="1" smtClean="0"/>
-              <a:t>j</a:t>
-            </a:r>
-            <a:r>
-              <a:rPr lang="en-US" dirty="0" smtClean="0"/>
-              <a:t>) </a:t>
-            </a:r>
-          </a:p>
-          <a:p>
-            <a:r>
-              <a:rPr lang="en-US" dirty="0" err="1" smtClean="0"/>
-              <a:t>C</a:t>
-            </a:r>
-            <a:r>
-              <a:rPr lang="en-US" baseline="-25000" dirty="0" err="1" smtClean="0"/>
-              <a:t>ij</a:t>
-            </a:r>
-            <a:r>
-              <a:rPr lang="en-US" dirty="0" smtClean="0"/>
-              <a:t> ~ </a:t>
-            </a:r>
-            <a:r>
-              <a:rPr lang="en-US" dirty="0" err="1" smtClean="0"/>
-              <a:t>P</a:t>
-            </a:r>
-            <a:r>
-              <a:rPr lang="en-US" baseline="-25000" dirty="0" err="1" smtClean="0"/>
-              <a:t>i</a:t>
-            </a:r>
-            <a:r>
-              <a:rPr lang="en-US" dirty="0" err="1" smtClean="0"/>
-              <a:t>S</a:t>
-            </a:r>
-            <a:r>
-              <a:rPr lang="en-US" baseline="30000" dirty="0" err="1" smtClean="0"/>
-              <a:t>D</a:t>
-            </a:r>
-            <a:r>
-              <a:rPr lang="en-US" dirty="0" err="1" smtClean="0"/>
-              <a:t>P</a:t>
-            </a:r>
-            <a:r>
-              <a:rPr lang="en-US" baseline="-25000" dirty="0" err="1" smtClean="0"/>
-              <a:t>j</a:t>
-            </a:r>
-            <a:r>
-              <a:rPr lang="en-US" baseline="30000" dirty="0" err="1" smtClean="0"/>
-              <a:t>T</a:t>
-            </a:r>
-            <a:r>
-              <a:rPr lang="en-US" dirty="0"/>
-              <a:t> </a:t>
-            </a:r>
-            <a:endParaRPr lang="en-US" dirty="0" smtClean="0"/>
-          </a:p>
-          <a:p>
-            <a:r>
-              <a:rPr lang="en-US" dirty="0" smtClean="0"/>
-              <a:t>Compute D</a:t>
-            </a:r>
-            <a:r>
-              <a:rPr lang="en-US" baseline="-25000" dirty="0" smtClean="0"/>
-              <a:t>i</a:t>
-            </a:r>
-            <a:r>
-              <a:rPr lang="en-US" dirty="0" smtClean="0"/>
-              <a:t> </a:t>
-            </a:r>
-            <a:r>
-              <a:rPr lang="en-US" dirty="0"/>
-              <a:t>= </a:t>
-            </a:r>
-            <a:r>
-              <a:rPr lang="en-US" dirty="0" err="1"/>
-              <a:t>C</a:t>
-            </a:r>
-            <a:r>
-              <a:rPr lang="en-US" baseline="-25000" dirty="0" err="1"/>
-              <a:t>ij</a:t>
-            </a:r>
-            <a:r>
-              <a:rPr lang="en-US" dirty="0"/>
-              <a:t>(</a:t>
-            </a:r>
-            <a:r>
-              <a:rPr lang="en-US" dirty="0" err="1"/>
-              <a:t>C</a:t>
-            </a:r>
-            <a:r>
-              <a:rPr lang="en-US" baseline="-25000" dirty="0" err="1"/>
-              <a:t>jk</a:t>
-            </a:r>
-            <a:r>
-              <a:rPr lang="en-US" baseline="30000" dirty="0" err="1"/>
-              <a:t>T</a:t>
-            </a:r>
-            <a:r>
-              <a:rPr lang="en-US" dirty="0"/>
-              <a:t>)</a:t>
-            </a:r>
-            <a:r>
-              <a:rPr lang="en-US" baseline="30000" dirty="0"/>
-              <a:t>-1</a:t>
-            </a:r>
-            <a:r>
-              <a:rPr lang="en-US" dirty="0"/>
-              <a:t>C</a:t>
-            </a:r>
-            <a:r>
-              <a:rPr lang="en-US" baseline="-25000" dirty="0"/>
-              <a:t>ki</a:t>
-            </a:r>
-            <a:r>
-              <a:rPr lang="en-US" dirty="0"/>
-              <a:t> </a:t>
-            </a:r>
-            <a:r>
-              <a:rPr lang="en-US" dirty="0" smtClean="0"/>
-              <a:t>= </a:t>
-            </a:r>
-            <a:r>
-              <a:rPr lang="en-US" dirty="0" err="1"/>
-              <a:t>P</a:t>
-            </a:r>
-            <a:r>
-              <a:rPr lang="en-US" baseline="-25000" dirty="0" err="1"/>
-              <a:t>i</a:t>
-            </a:r>
-            <a:r>
-              <a:rPr lang="en-US" dirty="0" err="1"/>
-              <a:t>S</a:t>
-            </a:r>
-            <a:r>
-              <a:rPr lang="en-US" baseline="30000" dirty="0" err="1"/>
-              <a:t>D</a:t>
-            </a:r>
-            <a:r>
-              <a:rPr lang="en-US" dirty="0" err="1"/>
-              <a:t>P</a:t>
-            </a:r>
-            <a:r>
-              <a:rPr lang="en-US" baseline="-25000" dirty="0" err="1"/>
-              <a:t>i</a:t>
-            </a:r>
-            <a:r>
-              <a:rPr lang="en-US" baseline="30000" dirty="0" err="1"/>
-              <a:t>T</a:t>
-            </a:r>
-            <a:r>
-              <a:rPr lang="en-US" dirty="0"/>
-              <a:t> </a:t>
-            </a:r>
-          </a:p>
-          <a:p>
-            <a:r>
-              <a:rPr lang="en-US" dirty="0"/>
-              <a:t>Eigenvalue decomposition of D</a:t>
-            </a:r>
-            <a:r>
-              <a:rPr lang="en-US" baseline="-25000" dirty="0"/>
-              <a:t>i</a:t>
-            </a:r>
-            <a:r>
-              <a:rPr lang="en-US" dirty="0"/>
-              <a:t> gives V</a:t>
-            </a:r>
-            <a:r>
-              <a:rPr lang="en-US" baseline="-25000" dirty="0"/>
-              <a:t>i</a:t>
-            </a:r>
-            <a:r>
-              <a:rPr lang="en-US" dirty="0"/>
-              <a:t> </a:t>
-            </a:r>
-            <a:r>
-              <a:rPr lang="en-US" dirty="0" smtClean="0"/>
-              <a:t>= </a:t>
-            </a:r>
-            <a:r>
-              <a:rPr lang="en-US" dirty="0"/>
-              <a:t>U √S</a:t>
-            </a:r>
-            <a:r>
-              <a:rPr lang="en-US" baseline="30000" dirty="0"/>
-              <a:t>D </a:t>
-            </a:r>
-            <a:r>
-              <a:rPr lang="en-US" dirty="0"/>
-              <a:t>P</a:t>
-            </a:r>
-            <a:r>
-              <a:rPr lang="en-US" baseline="-25000" dirty="0"/>
-              <a:t>i</a:t>
-            </a:r>
-            <a:r>
-              <a:rPr lang="en-US" dirty="0"/>
-              <a:t>, for a unitary U. </a:t>
-            </a:r>
-          </a:p>
-          <a:p>
-            <a:endParaRPr lang="en-US" baseline="30000" dirty="0"/>
-          </a:p>
-          <a:p>
-            <a:pPr marL="0" indent="0">
-              <a:buNone/>
-            </a:pPr>
-            <a:endParaRPr lang="en-US" baseline="30000" dirty="0"/>
-          </a:p>
-          <a:p>
-            <a:pPr marL="0" indent="0">
-              <a:buNone/>
-            </a:pPr>
-            <a:endParaRPr lang="en-US" dirty="0" smtClean="0"/>
-          </a:p>
-        </p:txBody>
-      </p:sp>
+        </p:nvPicPr>
+        <p:blipFill rotWithShape="1">
+          <a:blip r:embed="rId2">
+            <a:extLst>
+              <a:ext uri="{28A0092B-C50C-407E-A947-70E740481C1C}">
+                <a14:useLocalDpi xmlns:a14="http://schemas.microsoft.com/office/drawing/2010/main" val="0"/>
+              </a:ext>
+            </a:extLst>
+          </a:blip>
+          <a:srcRect l="-141" r="-548"/>
+          <a:stretch/>
+        </p:blipFill>
+        <p:spPr>
+          <a:xfrm>
+            <a:off x="157119" y="1388521"/>
+            <a:ext cx="8843138" cy="5289436"/>
+          </a:xfrm>
+        </p:spPr>
+      </p:pic>
     </p:spTree>
     <p:extLst>
       <p:ext uri="{BB962C8B-B14F-4D97-AF65-F5344CB8AC3E}">
-        <p14:creationId xmlns:p14="http://schemas.microsoft.com/office/powerpoint/2010/main" val="3656939090"/>
+        <p14:creationId xmlns:p14="http://schemas.microsoft.com/office/powerpoint/2010/main" val="1038606829"/>
       </p:ext>
     </p:extLst>
   </p:cSld>
@@ -14792,9 +14582,10 @@
           <a:lstStyle/>
           <a:p>
             <a:r>
-              <a:rPr lang="en-US" dirty="0"/>
-              <a:t>3 Workers Non-binary Tasks</a:t>
-            </a:r>
+              <a:rPr lang="en-US" dirty="0" smtClean="0"/>
+              <a:t>Generalizing to many workers</a:t>
+            </a:r>
+            <a:endParaRPr lang="en-US" dirty="0"/>
           </a:p>
         </p:txBody>
       </p:sp>
@@ -14815,70 +14606,122 @@
           <a:p>
             <a:r>
               <a:rPr lang="en-US" dirty="0" smtClean="0"/>
-              <a:t>U </a:t>
-            </a:r>
-            <a:r>
-              <a:rPr lang="en-US" dirty="0"/>
-              <a:t>can be recovered using 3-way </a:t>
-            </a:r>
+              <a:t>Key Idea: Take multiple sets of 3 workers and combine estimates</a:t>
+            </a:r>
+          </a:p>
+          <a:p>
             <a:r>
               <a:rPr lang="en-US" dirty="0" smtClean="0"/>
-              <a:t>comparisons</a:t>
-            </a:r>
-            <a:endParaRPr lang="en-US" dirty="0"/>
-          </a:p>
-          <a:p>
-            <a:r>
-              <a:rPr lang="en-US" dirty="0"/>
-              <a:t>S</a:t>
-            </a:r>
-            <a:r>
-              <a:rPr lang="en-US" baseline="30000" dirty="0"/>
-              <a:t>D</a:t>
-            </a:r>
-            <a:r>
-              <a:rPr lang="en-US" dirty="0"/>
-              <a:t> can be recovered using column </a:t>
-            </a:r>
-            <a:r>
-              <a:rPr lang="en-US" dirty="0" err="1"/>
-              <a:t>stochasticity</a:t>
-            </a:r>
-            <a:r>
-              <a:rPr lang="en-US" dirty="0"/>
-              <a:t> of </a:t>
-            </a:r>
+              <a:t>For each worker, form N/2 triples. </a:t>
+            </a:r>
+          </a:p>
+          <a:p>
             <a:r>
               <a:rPr lang="en-US" dirty="0" smtClean="0"/>
-              <a:t>P</a:t>
-            </a:r>
-            <a:r>
-              <a:rPr lang="en-US" baseline="30000" dirty="0" smtClean="0"/>
-              <a:t>i</a:t>
-            </a:r>
-          </a:p>
-          <a:p>
+              <a:t>E.g. For n=5, for ‘w</a:t>
+            </a:r>
+            <a:r>
+              <a:rPr lang="en-US" baseline="-25000" dirty="0" smtClean="0"/>
+              <a:t>1</a:t>
+            </a:r>
             <a:r>
               <a:rPr lang="en-US" dirty="0" smtClean="0"/>
-              <a:t>For confidence intervals, use variances/derivatives like in the binary tasks case</a:t>
-            </a:r>
-          </a:p>
-          <a:p>
+              <a:t>’</a:t>
+            </a:r>
+            <a:r>
+              <a:rPr lang="en-US" baseline="-25000" dirty="0" smtClean="0"/>
+              <a:t> </a:t>
+            </a:r>
             <a:r>
               <a:rPr lang="en-US" dirty="0" smtClean="0"/>
-              <a:t>Details in paper</a:t>
-            </a:r>
-            <a:endParaRPr lang="en-US" dirty="0"/>
-          </a:p>
-          <a:p>
-            <a:endParaRPr lang="en-US" dirty="0"/>
+              <a:t>we have groups (w</a:t>
+            </a:r>
+            <a:r>
+              <a:rPr lang="en-US" baseline="-25000" dirty="0" smtClean="0"/>
+              <a:t>1</a:t>
+            </a:r>
+            <a:r>
+              <a:rPr lang="en-US" dirty="0" smtClean="0"/>
+              <a:t>, w</a:t>
+            </a:r>
+            <a:r>
+              <a:rPr lang="en-US" baseline="-25000" dirty="0" smtClean="0"/>
+              <a:t>2</a:t>
+            </a:r>
+            <a:r>
+              <a:rPr lang="en-US" dirty="0" smtClean="0"/>
+              <a:t>, w</a:t>
+            </a:r>
+            <a:r>
+              <a:rPr lang="en-US" baseline="-25000" dirty="0" smtClean="0"/>
+              <a:t>3</a:t>
+            </a:r>
+            <a:r>
+              <a:rPr lang="en-US" dirty="0" smtClean="0"/>
+              <a:t>) (w</a:t>
+            </a:r>
+            <a:r>
+              <a:rPr lang="en-US" baseline="-25000" dirty="0" smtClean="0"/>
+              <a:t>1</a:t>
+            </a:r>
+            <a:r>
+              <a:rPr lang="en-US" dirty="0" smtClean="0"/>
+              <a:t>, w</a:t>
+            </a:r>
+            <a:r>
+              <a:rPr lang="en-US" baseline="-25000" dirty="0" smtClean="0"/>
+              <a:t>4</a:t>
+            </a:r>
+            <a:r>
+              <a:rPr lang="en-US" dirty="0" smtClean="0"/>
+              <a:t>, w</a:t>
+            </a:r>
+            <a:r>
+              <a:rPr lang="en-US" baseline="-25000" dirty="0" smtClean="0"/>
+              <a:t>5</a:t>
+            </a:r>
+            <a:r>
+              <a:rPr lang="en-US" dirty="0" smtClean="0"/>
+              <a:t>)</a:t>
+            </a:r>
+          </a:p>
+          <a:p>
+            <a:r>
+              <a:rPr lang="en-US" dirty="0" smtClean="0"/>
+              <a:t>Use each triple to compute estimate for p</a:t>
+            </a:r>
+            <a:r>
+              <a:rPr lang="en-US" baseline="-25000" dirty="0" smtClean="0"/>
+              <a:t>1</a:t>
+            </a:r>
+            <a:endParaRPr lang="en-US" baseline="-25000" dirty="0"/>
+          </a:p>
+          <a:p>
+            <a:r>
+              <a:rPr lang="en-US" dirty="0" smtClean="0"/>
+              <a:t>Compute variances, </a:t>
+            </a:r>
+            <a:r>
+              <a:rPr lang="en-US" dirty="0" err="1" smtClean="0"/>
+              <a:t>covariances</a:t>
+            </a:r>
+            <a:r>
+              <a:rPr lang="en-US" dirty="0" smtClean="0"/>
+              <a:t> of estimates</a:t>
+            </a:r>
+          </a:p>
+          <a:p>
+            <a:r>
+              <a:rPr lang="en-US" dirty="0" smtClean="0"/>
+              <a:t>Use weighted combination of estimates</a:t>
+            </a:r>
           </a:p>
         </p:txBody>
       </p:sp>
     </p:spTree>
     <p:extLst>
       <p:ext uri="{BB962C8B-B14F-4D97-AF65-F5344CB8AC3E}">
-        <p14:creationId xmlns:p14="http://schemas.microsoft.com/office/powerpoint/2010/main" val="40208919"/>
+        <p14:creationId xmlns:p14="http://schemas.microsoft.com/office/powerpoint/2010/main" val="1730068441"/>
       </p:ext>
     </p:extLst>
   </p:cSld>
@@ -14889,6 +14732,155 @@
 </file>
 
 <file path=ppt/slides/slide12.xml><?xml version="1.0" encoding="utf-8"?>
+<p:sld xmlns:a="http://schemas.openxmlformats.org/drawingml/2006/main" xmlns:r="http://schemas.openxmlformats.org/officeDocument/2006/relationships" xmlns:p="http://schemas.openxmlformats.org/presentationml/2006/main">
+  <p:cSld>
+    <p:spTree>
+      <p:nvGrpSpPr>
+        <p:cNvPr id="1" name=""/>
+        <p:cNvGrpSpPr/>
+        <p:nvPr/>
+      </p:nvGrpSpPr>
+      <p:grpSpPr>
+        <a:xfrm>
+          <a:off x="0" y="0"/>
+          <a:ext cx="0" cy="0"/>
+          <a:chOff x="0" y="0"/>
+          <a:chExt cx="0" cy="0"/>
+        </a:xfrm>
+      </p:grpSpPr>
+      <p:sp>
+        <p:nvSpPr>
+          <p:cNvPr id="2" name="Title 1"/>
+          <p:cNvSpPr>
+            <a:spLocks noGrp="1"/>
+          </p:cNvSpPr>
+          <p:nvPr>
+            <p:ph type="title"/>
+          </p:nvPr>
+        </p:nvSpPr>
+        <p:spPr/>
+        <p:txBody>
+          <a:bodyPr/>
+          <a:lstStyle/>
+          <a:p>
+            <a:r>
+              <a:rPr lang="en-US" dirty="0"/>
+              <a:t>Generalizing to many workers</a:t>
+            </a:r>
+          </a:p>
+        </p:txBody>
+      </p:sp>
+      <p:sp>
+        <p:nvSpPr>
+          <p:cNvPr id="3" name="Content Placeholder 2"/>
+          <p:cNvSpPr>
+            <a:spLocks noGrp="1"/>
+          </p:cNvSpPr>
+          <p:nvPr>
+            <p:ph sz="quarter" idx="1"/>
+          </p:nvPr>
+        </p:nvSpPr>
+        <p:spPr/>
+        <p:txBody>
+          <a:bodyPr/>
+          <a:lstStyle/>
+          <a:p>
+            <a:r>
+              <a:rPr lang="en-US" dirty="0"/>
+              <a:t>Optimum weights for </a:t>
+            </a:r>
+            <a:r>
+              <a:rPr lang="en-US" dirty="0" smtClean="0"/>
+              <a:t>combining</a:t>
+            </a:r>
+          </a:p>
+          <a:p>
+            <a:pPr lvl="1"/>
+            <a:r>
+              <a:rPr lang="en-US" dirty="0" smtClean="0"/>
+              <a:t>Covariance matrix A </a:t>
+            </a:r>
+          </a:p>
+          <a:p>
+            <a:pPr lvl="1"/>
+            <a:r>
+              <a:rPr lang="en-US" dirty="0" smtClean="0"/>
+              <a:t>Given by A</a:t>
+            </a:r>
+            <a:r>
+              <a:rPr lang="en-US" baseline="30000" dirty="0" smtClean="0"/>
+              <a:t>-1</a:t>
+            </a:r>
+            <a:r>
+              <a:rPr lang="en-US" dirty="0" smtClean="0"/>
+              <a:t>L</a:t>
+            </a:r>
+            <a:r>
+              <a:rPr lang="en-US" baseline="-25000" dirty="0" smtClean="0"/>
+              <a:t>N/2 </a:t>
+            </a:r>
+            <a:r>
+              <a:rPr lang="en-US" dirty="0" smtClean="0"/>
+              <a:t>where </a:t>
+            </a:r>
+            <a:r>
+              <a:rPr lang="en-US" dirty="0" err="1" smtClean="0"/>
+              <a:t>L</a:t>
+            </a:r>
+            <a:r>
+              <a:rPr lang="en-US" baseline="-25000" dirty="0" err="1" smtClean="0"/>
+              <a:t>k</a:t>
+            </a:r>
+            <a:r>
+              <a:rPr lang="en-US" dirty="0" smtClean="0"/>
+              <a:t> is a k-length vector with values 1/k</a:t>
+            </a:r>
+            <a:endParaRPr lang="en-US" baseline="-25000" dirty="0"/>
+          </a:p>
+          <a:p>
+            <a:r>
+              <a:rPr lang="en-US" dirty="0"/>
+              <a:t>Greedy way of group </a:t>
+            </a:r>
+            <a:r>
+              <a:rPr lang="en-US" dirty="0" smtClean="0"/>
+              <a:t>forming</a:t>
+            </a:r>
+          </a:p>
+          <a:p>
+            <a:pPr lvl="1"/>
+            <a:r>
+              <a:rPr lang="en-US" dirty="0" smtClean="0"/>
+              <a:t>Better to have two good workers in one group than one good worker in two groups, due to weighting</a:t>
+            </a:r>
+          </a:p>
+          <a:p>
+            <a:pPr lvl="1"/>
+            <a:r>
+              <a:rPr lang="en-US" dirty="0" smtClean="0"/>
+              <a:t>Greedily form groups</a:t>
+            </a:r>
+            <a:endParaRPr lang="en-US" dirty="0"/>
+          </a:p>
+          <a:p>
+            <a:endParaRPr lang="en-US" dirty="0"/>
+          </a:p>
+        </p:txBody>
+      </p:sp>
+    </p:spTree>
+    <p:extLst>
+      <p:ext uri="{BB962C8B-B14F-4D97-AF65-F5344CB8AC3E}">
+        <p14:creationId xmlns:p14="http://schemas.microsoft.com/office/powerpoint/2010/main" val="1960022412"/>
+      </p:ext>
+    </p:extLst>
+  </p:cSld>
+  <p:clrMapOvr>
+    <a:masterClrMapping/>
+  </p:clrMapOvr>
+</p:sld>
+</file>
+
+<file path=ppt/slides/slide13.xml><?xml version="1.0" encoding="utf-8"?>
 <p:sld xmlns:a="http://schemas.openxmlformats.org/drawingml/2006/main" xmlns:r="http://schemas.openxmlformats.org/officeDocument/2006/relationships" xmlns:p="http://schemas.openxmlformats.org/presentationml/2006/main">
   <p:cSld>
     <p:spTree>
@@ -14969,7 +14961,1075 @@
 </p:sld>
 </file>
 
-<file path=ppt/slides/slide13.xml><?xml version="1.0" encoding="utf-8"?>
+<file path=ppt/slides/slide14.xml><?xml version="1.0" encoding="utf-8"?>
+<p:sld xmlns:a="http://schemas.openxmlformats.org/drawingml/2006/main" xmlns:r="http://schemas.openxmlformats.org/officeDocument/2006/relationships" xmlns:p="http://schemas.openxmlformats.org/presentationml/2006/main">
+  <p:cSld>
+    <p:spTree>
+      <p:nvGrpSpPr>
+        <p:cNvPr id="1" name=""/>
+        <p:cNvGrpSpPr/>
+        <p:nvPr/>
+      </p:nvGrpSpPr>
+      <p:grpSpPr>
+        <a:xfrm>
+          <a:off x="0" y="0"/>
+          <a:ext cx="0" cy="0"/>
+          <a:chOff x="0" y="0"/>
+          <a:chExt cx="0" cy="0"/>
+        </a:xfrm>
+      </p:grpSpPr>
+      <p:sp>
+        <p:nvSpPr>
+          <p:cNvPr id="2" name="Title 1"/>
+          <p:cNvSpPr>
+            <a:spLocks noGrp="1"/>
+          </p:cNvSpPr>
+          <p:nvPr>
+            <p:ph type="title"/>
+          </p:nvPr>
+        </p:nvSpPr>
+        <p:spPr/>
+        <p:txBody>
+          <a:bodyPr/>
+          <a:lstStyle/>
+          <a:p>
+            <a:r>
+              <a:rPr lang="en-US" dirty="0" smtClean="0"/>
+              <a:t>3 Workers Non-binary Tasks</a:t>
+            </a:r>
+            <a:endParaRPr lang="en-US" dirty="0"/>
+          </a:p>
+        </p:txBody>
+      </p:sp>
+      <p:sp>
+        <p:nvSpPr>
+          <p:cNvPr id="3" name="Content Placeholder 2"/>
+          <p:cNvSpPr>
+            <a:spLocks noGrp="1"/>
+          </p:cNvSpPr>
+          <p:nvPr>
+            <p:ph sz="quarter" idx="1"/>
+          </p:nvPr>
+        </p:nvSpPr>
+        <p:spPr/>
+        <p:txBody>
+          <a:bodyPr/>
+          <a:lstStyle/>
+          <a:p>
+            <a:r>
+              <a:rPr lang="en-US" dirty="0" smtClean="0"/>
+              <a:t>Confusion matrix P</a:t>
+            </a:r>
+            <a:r>
+              <a:rPr lang="en-US" baseline="-25000" dirty="0" smtClean="0"/>
+              <a:t>i , </a:t>
+            </a:r>
+            <a:r>
+              <a:rPr lang="en-US" dirty="0" smtClean="0"/>
+              <a:t>Selectivity vector S, diagonal S</a:t>
+            </a:r>
+            <a:r>
+              <a:rPr lang="en-US" baseline="30000" dirty="0" smtClean="0"/>
+              <a:t>D</a:t>
+            </a:r>
+          </a:p>
+          <a:p>
+            <a:pPr marL="0" indent="0">
+              <a:buNone/>
+            </a:pPr>
+            <a:endParaRPr lang="en-US" dirty="0" smtClean="0"/>
+          </a:p>
+          <a:p>
+            <a:pPr marL="0" indent="0">
+              <a:buNone/>
+            </a:pPr>
+            <a:r>
+              <a:rPr lang="en-US" dirty="0" smtClean="0"/>
+              <a:t>    e.g.                           ,              , </a:t>
+            </a:r>
+            <a:endParaRPr lang="en-US" dirty="0"/>
+          </a:p>
+          <a:p>
+            <a:pPr marL="0" indent="0">
+              <a:buNone/>
+            </a:pPr>
+            <a:endParaRPr lang="en-US" dirty="0" smtClean="0"/>
+          </a:p>
+          <a:p>
+            <a:r>
+              <a:rPr lang="en-US" dirty="0" smtClean="0"/>
+              <a:t>P</a:t>
+            </a:r>
+            <a:r>
+              <a:rPr lang="en-US" baseline="-25000" dirty="0" smtClean="0"/>
+              <a:t>i</a:t>
+            </a:r>
+            <a:r>
+              <a:rPr lang="en-US" dirty="0" smtClean="0"/>
+              <a:t>’s, S : Column-stochastic, unknown</a:t>
+            </a:r>
+          </a:p>
+          <a:p>
+            <a:r>
+              <a:rPr lang="en-US" dirty="0" smtClean="0"/>
+              <a:t>Observation probabilities given by </a:t>
+            </a:r>
+            <a:r>
+              <a:rPr lang="en-US" b="1" dirty="0" err="1" smtClean="0"/>
+              <a:t>P</a:t>
+            </a:r>
+            <a:r>
+              <a:rPr lang="en-US" b="1" baseline="-25000" dirty="0" err="1" smtClean="0"/>
+              <a:t>i</a:t>
+            </a:r>
+            <a:r>
+              <a:rPr lang="en-US" b="1" dirty="0" err="1" smtClean="0"/>
+              <a:t>S</a:t>
+            </a:r>
+            <a:endParaRPr lang="en-US" b="1" dirty="0" smtClean="0"/>
+          </a:p>
+        </p:txBody>
+      </p:sp>
+      <p:graphicFrame>
+        <p:nvGraphicFramePr>
+          <p:cNvPr id="4" name="Table 3"/>
+          <p:cNvGraphicFramePr>
+            <a:graphicFrameLocks noGrp="1"/>
+          </p:cNvGraphicFramePr>
+          <p:nvPr>
+            <p:extLst>
+              <p:ext uri="{D42A27DB-BD31-4B8C-83A1-F6EECF244321}">
+                <p14:modId xmlns:p14="http://schemas.microsoft.com/office/powerpoint/2010/main" val="3266693032"/>
+              </p:ext>
+            </p:extLst>
+          </p:nvPr>
+        </p:nvGraphicFramePr>
+        <p:xfrm>
+          <a:off x="1537655" y="2097618"/>
+          <a:ext cx="1766952" cy="1320255"/>
+        </p:xfrm>
+        <a:graphic>
+          <a:graphicData uri="http://schemas.openxmlformats.org/drawingml/2006/table">
+            <a:tbl>
+              <a:tblPr firstRow="1" bandRow="1">
+                <a:tableStyleId>{5940675A-B579-460E-94D1-54222C63F5DA}</a:tableStyleId>
+              </a:tblPr>
+              <a:tblGrid>
+                <a:gridCol w="588984"/>
+                <a:gridCol w="588984"/>
+                <a:gridCol w="588984"/>
+              </a:tblGrid>
+              <a:tr h="440085">
+                <a:tc>
+                  <a:txBody>
+                    <a:bodyPr/>
+                    <a:lstStyle/>
+                    <a:p>
+                      <a:r>
+                        <a:rPr lang="en-US" dirty="0" smtClean="0"/>
+                        <a:t>0.8</a:t>
+                      </a:r>
+                      <a:endParaRPr lang="en-US" dirty="0"/>
+                    </a:p>
+                  </a:txBody>
+                  <a:tcPr/>
+                </a:tc>
+                <a:tc>
+                  <a:txBody>
+                    <a:bodyPr/>
+                    <a:lstStyle/>
+                    <a:p>
+                      <a:r>
+                        <a:rPr lang="en-US" dirty="0" smtClean="0"/>
+                        <a:t>0.1</a:t>
+                      </a:r>
+                      <a:endParaRPr lang="en-US" dirty="0"/>
+                    </a:p>
+                  </a:txBody>
+                  <a:tcPr/>
+                </a:tc>
+                <a:tc>
+                  <a:txBody>
+                    <a:bodyPr/>
+                    <a:lstStyle/>
+                    <a:p>
+                      <a:r>
+                        <a:rPr lang="en-US" dirty="0" smtClean="0"/>
+                        <a:t>0.3</a:t>
+                      </a:r>
+                      <a:endParaRPr lang="en-US" dirty="0"/>
+                    </a:p>
+                  </a:txBody>
+                  <a:tcPr/>
+                </a:tc>
+              </a:tr>
+              <a:tr h="440085">
+                <a:tc>
+                  <a:txBody>
+                    <a:bodyPr/>
+                    <a:lstStyle/>
+                    <a:p>
+                      <a:r>
+                        <a:rPr lang="en-US" dirty="0" smtClean="0"/>
+                        <a:t>0.1</a:t>
+                      </a:r>
+                      <a:endParaRPr lang="en-US" dirty="0"/>
+                    </a:p>
+                  </a:txBody>
+                  <a:tcPr/>
+                </a:tc>
+                <a:tc>
+                  <a:txBody>
+                    <a:bodyPr/>
+                    <a:lstStyle/>
+                    <a:p>
+                      <a:r>
+                        <a:rPr lang="en-US" dirty="0" smtClean="0"/>
+                        <a:t>0.7</a:t>
+                      </a:r>
+                      <a:endParaRPr lang="en-US" dirty="0"/>
+                    </a:p>
+                  </a:txBody>
+                  <a:tcPr/>
+                </a:tc>
+                <a:tc>
+                  <a:txBody>
+                    <a:bodyPr/>
+                    <a:lstStyle/>
+                    <a:p>
+                      <a:r>
+                        <a:rPr lang="en-US" dirty="0" smtClean="0"/>
+                        <a:t>0.1</a:t>
+                      </a:r>
+                      <a:endParaRPr lang="en-US" dirty="0"/>
+                    </a:p>
+                  </a:txBody>
+                  <a:tcPr/>
+                </a:tc>
+              </a:tr>
+              <a:tr h="440085">
+                <a:tc>
+                  <a:txBody>
+                    <a:bodyPr/>
+                    <a:lstStyle/>
+                    <a:p>
+                      <a:r>
+                        <a:rPr lang="en-US" dirty="0" smtClean="0"/>
+                        <a:t>0.1</a:t>
+                      </a:r>
+                      <a:endParaRPr lang="en-US" dirty="0"/>
+                    </a:p>
+                  </a:txBody>
+                  <a:tcPr/>
+                </a:tc>
+                <a:tc>
+                  <a:txBody>
+                    <a:bodyPr/>
+                    <a:lstStyle/>
+                    <a:p>
+                      <a:r>
+                        <a:rPr lang="en-US" dirty="0" smtClean="0"/>
+                        <a:t>0.2</a:t>
+                      </a:r>
+                      <a:endParaRPr lang="en-US" dirty="0"/>
+                    </a:p>
+                  </a:txBody>
+                  <a:tcPr/>
+                </a:tc>
+                <a:tc>
+                  <a:txBody>
+                    <a:bodyPr/>
+                    <a:lstStyle/>
+                    <a:p>
+                      <a:r>
+                        <a:rPr lang="en-US" dirty="0" smtClean="0"/>
+                        <a:t>0.6</a:t>
+                      </a:r>
+                      <a:endParaRPr lang="en-US" dirty="0"/>
+                    </a:p>
+                  </a:txBody>
+                  <a:tcPr/>
+                </a:tc>
+              </a:tr>
+            </a:tbl>
+          </a:graphicData>
+        </a:graphic>
+      </p:graphicFrame>
+      <p:graphicFrame>
+        <p:nvGraphicFramePr>
+          <p:cNvPr id="5" name="Table 4"/>
+          <p:cNvGraphicFramePr>
+            <a:graphicFrameLocks noGrp="1"/>
+          </p:cNvGraphicFramePr>
+          <p:nvPr>
+            <p:extLst>
+              <p:ext uri="{D42A27DB-BD31-4B8C-83A1-F6EECF244321}">
+                <p14:modId xmlns:p14="http://schemas.microsoft.com/office/powerpoint/2010/main" val="925992086"/>
+              </p:ext>
+            </p:extLst>
+          </p:nvPr>
+        </p:nvGraphicFramePr>
+        <p:xfrm>
+          <a:off x="4006581" y="2097617"/>
+          <a:ext cx="551621" cy="1320255"/>
+        </p:xfrm>
+        <a:graphic>
+          <a:graphicData uri="http://schemas.openxmlformats.org/drawingml/2006/table">
+            <a:tbl>
+              <a:tblPr firstRow="1" bandRow="1">
+                <a:tableStyleId>{5940675A-B579-460E-94D1-54222C63F5DA}</a:tableStyleId>
+              </a:tblPr>
+              <a:tblGrid>
+                <a:gridCol w="551621"/>
+              </a:tblGrid>
+              <a:tr h="440085">
+                <a:tc>
+                  <a:txBody>
+                    <a:bodyPr/>
+                    <a:lstStyle/>
+                    <a:p>
+                      <a:r>
+                        <a:rPr lang="en-US" dirty="0" smtClean="0"/>
+                        <a:t>0.4</a:t>
+                      </a:r>
+                      <a:endParaRPr lang="en-US" dirty="0"/>
+                    </a:p>
+                  </a:txBody>
+                  <a:tcPr/>
+                </a:tc>
+              </a:tr>
+              <a:tr h="440085">
+                <a:tc>
+                  <a:txBody>
+                    <a:bodyPr/>
+                    <a:lstStyle/>
+                    <a:p>
+                      <a:r>
+                        <a:rPr lang="en-US" dirty="0" smtClean="0"/>
+                        <a:t>0.2</a:t>
+                      </a:r>
+                      <a:endParaRPr lang="en-US" dirty="0"/>
+                    </a:p>
+                  </a:txBody>
+                  <a:tcPr/>
+                </a:tc>
+              </a:tr>
+              <a:tr h="440085">
+                <a:tc>
+                  <a:txBody>
+                    <a:bodyPr/>
+                    <a:lstStyle/>
+                    <a:p>
+                      <a:r>
+                        <a:rPr lang="en-US" dirty="0" smtClean="0"/>
+                        <a:t>0.4</a:t>
+                      </a:r>
+                      <a:endParaRPr lang="en-US" dirty="0"/>
+                    </a:p>
+                  </a:txBody>
+                  <a:tcPr/>
+                </a:tc>
+              </a:tr>
+            </a:tbl>
+          </a:graphicData>
+        </a:graphic>
+      </p:graphicFrame>
+      <p:graphicFrame>
+        <p:nvGraphicFramePr>
+          <p:cNvPr id="6" name="Table 5"/>
+          <p:cNvGraphicFramePr>
+            <a:graphicFrameLocks noGrp="1"/>
+          </p:cNvGraphicFramePr>
+          <p:nvPr>
+            <p:extLst>
+              <p:ext uri="{D42A27DB-BD31-4B8C-83A1-F6EECF244321}">
+                <p14:modId xmlns:p14="http://schemas.microsoft.com/office/powerpoint/2010/main" val="2925425624"/>
+              </p:ext>
+            </p:extLst>
+          </p:nvPr>
+        </p:nvGraphicFramePr>
+        <p:xfrm>
+          <a:off x="5377015" y="2088197"/>
+          <a:ext cx="1766952" cy="1320255"/>
+        </p:xfrm>
+        <a:graphic>
+          <a:graphicData uri="http://schemas.openxmlformats.org/drawingml/2006/table">
+            <a:tbl>
+              <a:tblPr firstRow="1" bandRow="1">
+                <a:tableStyleId>{5940675A-B579-460E-94D1-54222C63F5DA}</a:tableStyleId>
+              </a:tblPr>
+              <a:tblGrid>
+                <a:gridCol w="588984"/>
+                <a:gridCol w="588984"/>
+                <a:gridCol w="588984"/>
+              </a:tblGrid>
+              <a:tr h="440085">
+                <a:tc>
+                  <a:txBody>
+                    <a:bodyPr/>
+                    <a:lstStyle/>
+                    <a:p>
+                      <a:r>
+                        <a:rPr lang="en-US" dirty="0" smtClean="0"/>
+                        <a:t>0.4</a:t>
+                      </a:r>
+                      <a:endParaRPr lang="en-US" dirty="0"/>
+                    </a:p>
+                  </a:txBody>
+                  <a:tcPr/>
+                </a:tc>
+                <a:tc>
+                  <a:txBody>
+                    <a:bodyPr/>
+                    <a:lstStyle/>
+                    <a:p>
+                      <a:r>
+                        <a:rPr lang="en-US" dirty="0" smtClean="0"/>
+                        <a:t>0</a:t>
+                      </a:r>
+                      <a:endParaRPr lang="en-US" dirty="0"/>
+                    </a:p>
+                  </a:txBody>
+                  <a:tcPr/>
+                </a:tc>
+                <a:tc>
+                  <a:txBody>
+                    <a:bodyPr/>
+                    <a:lstStyle/>
+                    <a:p>
+                      <a:r>
+                        <a:rPr lang="en-US" dirty="0" smtClean="0"/>
+                        <a:t>0</a:t>
+                      </a:r>
+                      <a:endParaRPr lang="en-US" dirty="0"/>
+                    </a:p>
+                  </a:txBody>
+                  <a:tcPr/>
+                </a:tc>
+              </a:tr>
+              <a:tr h="440085">
+                <a:tc>
+                  <a:txBody>
+                    <a:bodyPr/>
+                    <a:lstStyle/>
+                    <a:p>
+                      <a:r>
+                        <a:rPr lang="en-US" dirty="0" smtClean="0"/>
+                        <a:t>0</a:t>
+                      </a:r>
+                      <a:endParaRPr lang="en-US" dirty="0"/>
+                    </a:p>
+                  </a:txBody>
+                  <a:tcPr/>
+                </a:tc>
+                <a:tc>
+                  <a:txBody>
+                    <a:bodyPr/>
+                    <a:lstStyle/>
+                    <a:p>
+                      <a:r>
+                        <a:rPr lang="en-US" dirty="0" smtClean="0"/>
+                        <a:t>0.2</a:t>
+                      </a:r>
+                      <a:endParaRPr lang="en-US" dirty="0"/>
+                    </a:p>
+                  </a:txBody>
+                  <a:tcPr/>
+                </a:tc>
+                <a:tc>
+                  <a:txBody>
+                    <a:bodyPr/>
+                    <a:lstStyle/>
+                    <a:p>
+                      <a:r>
+                        <a:rPr lang="en-US" dirty="0" smtClean="0"/>
+                        <a:t>0</a:t>
+                      </a:r>
+                      <a:endParaRPr lang="en-US" dirty="0"/>
+                    </a:p>
+                  </a:txBody>
+                  <a:tcPr/>
+                </a:tc>
+              </a:tr>
+              <a:tr h="440085">
+                <a:tc>
+                  <a:txBody>
+                    <a:bodyPr/>
+                    <a:lstStyle/>
+                    <a:p>
+                      <a:r>
+                        <a:rPr lang="en-US" dirty="0" smtClean="0"/>
+                        <a:t>0</a:t>
+                      </a:r>
+                      <a:endParaRPr lang="en-US" dirty="0"/>
+                    </a:p>
+                  </a:txBody>
+                  <a:tcPr/>
+                </a:tc>
+                <a:tc>
+                  <a:txBody>
+                    <a:bodyPr/>
+                    <a:lstStyle/>
+                    <a:p>
+                      <a:r>
+                        <a:rPr lang="en-US" dirty="0" smtClean="0"/>
+                        <a:t>0</a:t>
+                      </a:r>
+                      <a:endParaRPr lang="en-US" dirty="0"/>
+                    </a:p>
+                  </a:txBody>
+                  <a:tcPr/>
+                </a:tc>
+                <a:tc>
+                  <a:txBody>
+                    <a:bodyPr/>
+                    <a:lstStyle/>
+                    <a:p>
+                      <a:r>
+                        <a:rPr lang="en-US" dirty="0" smtClean="0"/>
+                        <a:t>0.4</a:t>
+                      </a:r>
+                      <a:endParaRPr lang="en-US" dirty="0"/>
+                    </a:p>
+                  </a:txBody>
+                  <a:tcPr/>
+                </a:tc>
+              </a:tr>
+            </a:tbl>
+          </a:graphicData>
+        </a:graphic>
+      </p:graphicFrame>
+      <p:graphicFrame>
+        <p:nvGraphicFramePr>
+          <p:cNvPr id="7" name="Table 6"/>
+          <p:cNvGraphicFramePr>
+            <a:graphicFrameLocks noGrp="1"/>
+          </p:cNvGraphicFramePr>
+          <p:nvPr>
+            <p:extLst>
+              <p:ext uri="{D42A27DB-BD31-4B8C-83A1-F6EECF244321}">
+                <p14:modId xmlns:p14="http://schemas.microsoft.com/office/powerpoint/2010/main" val="216597744"/>
+              </p:ext>
+            </p:extLst>
+          </p:nvPr>
+        </p:nvGraphicFramePr>
+        <p:xfrm>
+          <a:off x="827062" y="4707536"/>
+          <a:ext cx="710593" cy="1320255"/>
+        </p:xfrm>
+        <a:graphic>
+          <a:graphicData uri="http://schemas.openxmlformats.org/drawingml/2006/table">
+            <a:tbl>
+              <a:tblPr firstRow="1" bandRow="1">
+                <a:tableStyleId>{5940675A-B579-460E-94D1-54222C63F5DA}</a:tableStyleId>
+              </a:tblPr>
+              <a:tblGrid>
+                <a:gridCol w="710593"/>
+              </a:tblGrid>
+              <a:tr h="440085">
+                <a:tc>
+                  <a:txBody>
+                    <a:bodyPr/>
+                    <a:lstStyle/>
+                    <a:p>
+                      <a:r>
+                        <a:rPr lang="en-US" dirty="0" smtClean="0"/>
+                        <a:t>0.46</a:t>
+                      </a:r>
+                      <a:endParaRPr lang="en-US" dirty="0"/>
+                    </a:p>
+                  </a:txBody>
+                  <a:tcPr/>
+                </a:tc>
+              </a:tr>
+              <a:tr h="440085">
+                <a:tc>
+                  <a:txBody>
+                    <a:bodyPr/>
+                    <a:lstStyle/>
+                    <a:p>
+                      <a:r>
+                        <a:rPr lang="en-US" dirty="0" smtClean="0"/>
+                        <a:t>0.22</a:t>
+                      </a:r>
+                      <a:endParaRPr lang="en-US" dirty="0"/>
+                    </a:p>
+                  </a:txBody>
+                  <a:tcPr/>
+                </a:tc>
+              </a:tr>
+              <a:tr h="440085">
+                <a:tc>
+                  <a:txBody>
+                    <a:bodyPr/>
+                    <a:lstStyle/>
+                    <a:p>
+                      <a:r>
+                        <a:rPr lang="en-US" dirty="0" smtClean="0"/>
+                        <a:t>0.32</a:t>
+                      </a:r>
+                      <a:endParaRPr lang="en-US" dirty="0"/>
+                    </a:p>
+                  </a:txBody>
+                  <a:tcPr/>
+                </a:tc>
+              </a:tr>
+            </a:tbl>
+          </a:graphicData>
+        </a:graphic>
+      </p:graphicFrame>
+    </p:spTree>
+    <p:extLst>
+      <p:ext uri="{BB962C8B-B14F-4D97-AF65-F5344CB8AC3E}">
+        <p14:creationId xmlns:p14="http://schemas.microsoft.com/office/powerpoint/2010/main" val="2726224389"/>
+      </p:ext>
+    </p:extLst>
+  </p:cSld>
+  <p:clrMapOvr>
+    <a:masterClrMapping/>
+  </p:clrMapOvr>
+  <p:timing>
+    <p:tnLst>
+      <p:par>
+        <p:cTn xmlns:p14="http://schemas.microsoft.com/office/powerpoint/2010/main" id="1" dur="indefinite" restart="never" nodeType="tmRoot"/>
+      </p:par>
+    </p:tnLst>
+  </p:timing>
+</p:sld>
+</file>
+
+<file path=ppt/slides/slide15.xml><?xml version="1.0" encoding="utf-8"?>
+<p:sld xmlns:a="http://schemas.openxmlformats.org/drawingml/2006/main" xmlns:r="http://schemas.openxmlformats.org/officeDocument/2006/relationships" xmlns:p="http://schemas.openxmlformats.org/presentationml/2006/main">
+  <p:cSld>
+    <p:spTree>
+      <p:nvGrpSpPr>
+        <p:cNvPr id="1" name=""/>
+        <p:cNvGrpSpPr/>
+        <p:nvPr/>
+      </p:nvGrpSpPr>
+      <p:grpSpPr>
+        <a:xfrm>
+          <a:off x="0" y="0"/>
+          <a:ext cx="0" cy="0"/>
+          <a:chOff x="0" y="0"/>
+          <a:chExt cx="0" cy="0"/>
+        </a:xfrm>
+      </p:grpSpPr>
+      <p:sp>
+        <p:nvSpPr>
+          <p:cNvPr id="2" name="Title 1"/>
+          <p:cNvSpPr>
+            <a:spLocks noGrp="1"/>
+          </p:cNvSpPr>
+          <p:nvPr>
+            <p:ph type="title"/>
+          </p:nvPr>
+        </p:nvSpPr>
+        <p:spPr/>
+        <p:txBody>
+          <a:bodyPr/>
+          <a:lstStyle/>
+          <a:p>
+            <a:r>
+              <a:rPr lang="en-US" dirty="0"/>
+              <a:t>3 Workers Non-binary Tasks</a:t>
+            </a:r>
+          </a:p>
+        </p:txBody>
+      </p:sp>
+      <p:sp>
+        <p:nvSpPr>
+          <p:cNvPr id="3" name="Content Placeholder 2"/>
+          <p:cNvSpPr>
+            <a:spLocks noGrp="1"/>
+          </p:cNvSpPr>
+          <p:nvPr>
+            <p:ph sz="quarter" idx="1"/>
+          </p:nvPr>
+        </p:nvSpPr>
+        <p:spPr/>
+        <p:txBody>
+          <a:bodyPr>
+            <a:normAutofit/>
+          </a:bodyPr>
+          <a:lstStyle/>
+          <a:p>
+            <a:r>
+              <a:rPr lang="en-US" dirty="0" smtClean="0"/>
+              <a:t>Compute comparison matrices (frequencies of response-pairs of workers </a:t>
+            </a:r>
+            <a:r>
+              <a:rPr lang="en-US" dirty="0" err="1" smtClean="0"/>
+              <a:t>w</a:t>
+            </a:r>
+            <a:r>
+              <a:rPr lang="en-US" baseline="-25000" dirty="0" err="1" smtClean="0"/>
+              <a:t>i</a:t>
+            </a:r>
+            <a:r>
+              <a:rPr lang="en-US" dirty="0" err="1" smtClean="0"/>
+              <a:t>,w</a:t>
+            </a:r>
+            <a:r>
+              <a:rPr lang="en-US" baseline="-25000" dirty="0" err="1" smtClean="0"/>
+              <a:t>j</a:t>
+            </a:r>
+            <a:r>
+              <a:rPr lang="en-US" dirty="0" smtClean="0"/>
+              <a:t>) </a:t>
+            </a:r>
+          </a:p>
+          <a:p>
+            <a:r>
+              <a:rPr lang="en-US" dirty="0" err="1" smtClean="0"/>
+              <a:t>C</a:t>
+            </a:r>
+            <a:r>
+              <a:rPr lang="en-US" baseline="-25000" dirty="0" err="1" smtClean="0"/>
+              <a:t>ij</a:t>
+            </a:r>
+            <a:r>
+              <a:rPr lang="en-US" dirty="0" smtClean="0"/>
+              <a:t> ~ </a:t>
+            </a:r>
+            <a:r>
+              <a:rPr lang="en-US" dirty="0" err="1" smtClean="0"/>
+              <a:t>P</a:t>
+            </a:r>
+            <a:r>
+              <a:rPr lang="en-US" baseline="-25000" dirty="0" err="1" smtClean="0"/>
+              <a:t>i</a:t>
+            </a:r>
+            <a:r>
+              <a:rPr lang="en-US" dirty="0" err="1" smtClean="0"/>
+              <a:t>S</a:t>
+            </a:r>
+            <a:r>
+              <a:rPr lang="en-US" baseline="30000" dirty="0" err="1" smtClean="0"/>
+              <a:t>D</a:t>
+            </a:r>
+            <a:r>
+              <a:rPr lang="en-US" dirty="0" err="1" smtClean="0"/>
+              <a:t>P</a:t>
+            </a:r>
+            <a:r>
+              <a:rPr lang="en-US" baseline="-25000" dirty="0" err="1" smtClean="0"/>
+              <a:t>j</a:t>
+            </a:r>
+            <a:r>
+              <a:rPr lang="en-US" baseline="30000" dirty="0" err="1" smtClean="0"/>
+              <a:t>T</a:t>
+            </a:r>
+            <a:r>
+              <a:rPr lang="en-US" dirty="0"/>
+              <a:t> </a:t>
+            </a:r>
+            <a:endParaRPr lang="en-US" dirty="0" smtClean="0"/>
+          </a:p>
+          <a:p>
+            <a:r>
+              <a:rPr lang="en-US" dirty="0" smtClean="0"/>
+              <a:t>Compute D</a:t>
+            </a:r>
+            <a:r>
+              <a:rPr lang="en-US" baseline="-25000" dirty="0" smtClean="0"/>
+              <a:t>i</a:t>
+            </a:r>
+            <a:r>
+              <a:rPr lang="en-US" dirty="0" smtClean="0"/>
+              <a:t> </a:t>
+            </a:r>
+            <a:r>
+              <a:rPr lang="en-US" dirty="0"/>
+              <a:t>= </a:t>
+            </a:r>
+            <a:r>
+              <a:rPr lang="en-US" dirty="0" err="1"/>
+              <a:t>C</a:t>
+            </a:r>
+            <a:r>
+              <a:rPr lang="en-US" baseline="-25000" dirty="0" err="1"/>
+              <a:t>ij</a:t>
+            </a:r>
+            <a:r>
+              <a:rPr lang="en-US" dirty="0"/>
+              <a:t>(</a:t>
+            </a:r>
+            <a:r>
+              <a:rPr lang="en-US" dirty="0" err="1"/>
+              <a:t>C</a:t>
+            </a:r>
+            <a:r>
+              <a:rPr lang="en-US" baseline="-25000" dirty="0" err="1"/>
+              <a:t>jk</a:t>
+            </a:r>
+            <a:r>
+              <a:rPr lang="en-US" baseline="30000" dirty="0" err="1"/>
+              <a:t>T</a:t>
+            </a:r>
+            <a:r>
+              <a:rPr lang="en-US" dirty="0"/>
+              <a:t>)</a:t>
+            </a:r>
+            <a:r>
+              <a:rPr lang="en-US" baseline="30000" dirty="0"/>
+              <a:t>-1</a:t>
+            </a:r>
+            <a:r>
+              <a:rPr lang="en-US" dirty="0"/>
+              <a:t>C</a:t>
+            </a:r>
+            <a:r>
+              <a:rPr lang="en-US" baseline="-25000" dirty="0"/>
+              <a:t>ki</a:t>
+            </a:r>
+            <a:r>
+              <a:rPr lang="en-US" dirty="0"/>
+              <a:t> </a:t>
+            </a:r>
+            <a:r>
+              <a:rPr lang="en-US" dirty="0" smtClean="0"/>
+              <a:t>= </a:t>
+            </a:r>
+            <a:r>
+              <a:rPr lang="en-US" dirty="0" err="1"/>
+              <a:t>P</a:t>
+            </a:r>
+            <a:r>
+              <a:rPr lang="en-US" baseline="-25000" dirty="0" err="1"/>
+              <a:t>i</a:t>
+            </a:r>
+            <a:r>
+              <a:rPr lang="en-US" dirty="0" err="1"/>
+              <a:t>S</a:t>
+            </a:r>
+            <a:r>
+              <a:rPr lang="en-US" baseline="30000" dirty="0" err="1"/>
+              <a:t>D</a:t>
+            </a:r>
+            <a:r>
+              <a:rPr lang="en-US" dirty="0" err="1"/>
+              <a:t>P</a:t>
+            </a:r>
+            <a:r>
+              <a:rPr lang="en-US" baseline="-25000" dirty="0" err="1"/>
+              <a:t>i</a:t>
+            </a:r>
+            <a:r>
+              <a:rPr lang="en-US" baseline="30000" dirty="0" err="1"/>
+              <a:t>T</a:t>
+            </a:r>
+            <a:r>
+              <a:rPr lang="en-US" dirty="0"/>
+              <a:t> </a:t>
+            </a:r>
+          </a:p>
+          <a:p>
+            <a:r>
+              <a:rPr lang="en-US" dirty="0"/>
+              <a:t>Eigenvalue decomposition of D</a:t>
+            </a:r>
+            <a:r>
+              <a:rPr lang="en-US" baseline="-25000" dirty="0"/>
+              <a:t>i</a:t>
+            </a:r>
+            <a:r>
+              <a:rPr lang="en-US" dirty="0"/>
+              <a:t> gives V</a:t>
+            </a:r>
+            <a:r>
+              <a:rPr lang="en-US" baseline="-25000" dirty="0"/>
+              <a:t>i</a:t>
+            </a:r>
+            <a:r>
+              <a:rPr lang="en-US" dirty="0"/>
+              <a:t> </a:t>
+            </a:r>
+            <a:r>
+              <a:rPr lang="en-US" dirty="0" smtClean="0"/>
+              <a:t>= </a:t>
+            </a:r>
+            <a:r>
+              <a:rPr lang="en-US" dirty="0"/>
+              <a:t>U √S</a:t>
+            </a:r>
+            <a:r>
+              <a:rPr lang="en-US" baseline="30000" dirty="0"/>
+              <a:t>D </a:t>
+            </a:r>
+            <a:r>
+              <a:rPr lang="en-US" dirty="0"/>
+              <a:t>P</a:t>
+            </a:r>
+            <a:r>
+              <a:rPr lang="en-US" baseline="-25000" dirty="0"/>
+              <a:t>i</a:t>
+            </a:r>
+            <a:r>
+              <a:rPr lang="en-US" dirty="0"/>
+              <a:t>, for a unitary U. </a:t>
+            </a:r>
+          </a:p>
+          <a:p>
+            <a:endParaRPr lang="en-US" baseline="30000" dirty="0"/>
+          </a:p>
+          <a:p>
+            <a:pPr marL="0" indent="0">
+              <a:buNone/>
+            </a:pPr>
+            <a:endParaRPr lang="en-US" baseline="30000" dirty="0"/>
+          </a:p>
+          <a:p>
+            <a:pPr marL="0" indent="0">
+              <a:buNone/>
+            </a:pPr>
+            <a:endParaRPr lang="en-US" dirty="0" smtClean="0"/>
+          </a:p>
+        </p:txBody>
+      </p:sp>
+    </p:spTree>
+    <p:extLst>
+      <p:ext uri="{BB962C8B-B14F-4D97-AF65-F5344CB8AC3E}">
+        <p14:creationId xmlns:p14="http://schemas.microsoft.com/office/powerpoint/2010/main" val="3656939090"/>
+      </p:ext>
+    </p:extLst>
+  </p:cSld>
+  <p:clrMapOvr>
+    <a:masterClrMapping/>
+  </p:clrMapOvr>
+</p:sld>
+</file>
+
+<file path=ppt/slides/slide16.xml><?xml version="1.0" encoding="utf-8"?>
+<p:sld xmlns:a="http://schemas.openxmlformats.org/drawingml/2006/main" xmlns:r="http://schemas.openxmlformats.org/officeDocument/2006/relationships" xmlns:p="http://schemas.openxmlformats.org/presentationml/2006/main">
+  <p:cSld>
+    <p:spTree>
+      <p:nvGrpSpPr>
+        <p:cNvPr id="1" name=""/>
+        <p:cNvGrpSpPr/>
+        <p:nvPr/>
+      </p:nvGrpSpPr>
+      <p:grpSpPr>
+        <a:xfrm>
+          <a:off x="0" y="0"/>
+          <a:ext cx="0" cy="0"/>
+          <a:chOff x="0" y="0"/>
+          <a:chExt cx="0" cy="0"/>
+        </a:xfrm>
+      </p:grpSpPr>
+      <p:sp>
+        <p:nvSpPr>
+          <p:cNvPr id="2" name="Title 1"/>
+          <p:cNvSpPr>
+            <a:spLocks noGrp="1"/>
+          </p:cNvSpPr>
+          <p:nvPr>
+            <p:ph type="title"/>
+          </p:nvPr>
+        </p:nvSpPr>
+        <p:spPr/>
+        <p:txBody>
+          <a:bodyPr/>
+          <a:lstStyle/>
+          <a:p>
+            <a:r>
+              <a:rPr lang="en-US" dirty="0"/>
+              <a:t>3 Workers Non-binary Tasks</a:t>
+            </a:r>
+          </a:p>
+        </p:txBody>
+      </p:sp>
+      <p:sp>
+        <p:nvSpPr>
+          <p:cNvPr id="3" name="Content Placeholder 2"/>
+          <p:cNvSpPr>
+            <a:spLocks noGrp="1"/>
+          </p:cNvSpPr>
+          <p:nvPr>
+            <p:ph sz="quarter" idx="1"/>
+          </p:nvPr>
+        </p:nvSpPr>
+        <p:spPr/>
+        <p:txBody>
+          <a:bodyPr/>
+          <a:lstStyle/>
+          <a:p>
+            <a:r>
+              <a:rPr lang="en-US" dirty="0" smtClean="0"/>
+              <a:t>U </a:t>
+            </a:r>
+            <a:r>
+              <a:rPr lang="en-US" dirty="0"/>
+              <a:t>can be recovered using 3-way </a:t>
+            </a:r>
+            <a:r>
+              <a:rPr lang="en-US" dirty="0" smtClean="0"/>
+              <a:t>comparisons</a:t>
+            </a:r>
+            <a:endParaRPr lang="en-US" dirty="0"/>
+          </a:p>
+          <a:p>
+            <a:r>
+              <a:rPr lang="en-US" dirty="0"/>
+              <a:t>S</a:t>
+            </a:r>
+            <a:r>
+              <a:rPr lang="en-US" baseline="30000" dirty="0"/>
+              <a:t>D</a:t>
+            </a:r>
+            <a:r>
+              <a:rPr lang="en-US" dirty="0"/>
+              <a:t> can be recovered using column </a:t>
+            </a:r>
+            <a:r>
+              <a:rPr lang="en-US" dirty="0" err="1"/>
+              <a:t>stochasticity</a:t>
+            </a:r>
+            <a:r>
+              <a:rPr lang="en-US" dirty="0"/>
+              <a:t> of </a:t>
+            </a:r>
+            <a:r>
+              <a:rPr lang="en-US" dirty="0" smtClean="0"/>
+              <a:t>P</a:t>
+            </a:r>
+            <a:r>
+              <a:rPr lang="en-US" baseline="30000" dirty="0" smtClean="0"/>
+              <a:t>i</a:t>
+            </a:r>
+          </a:p>
+          <a:p>
+            <a:r>
+              <a:rPr lang="en-US" dirty="0" smtClean="0"/>
+              <a:t>For confidence intervals, use variances/derivatives like in the binary tasks case</a:t>
+            </a:r>
+          </a:p>
+          <a:p>
+            <a:r>
+              <a:rPr lang="en-US" dirty="0" smtClean="0"/>
+              <a:t>Details in paper</a:t>
+            </a:r>
+            <a:endParaRPr lang="en-US" dirty="0"/>
+          </a:p>
+          <a:p>
+            <a:endParaRPr lang="en-US" dirty="0"/>
+          </a:p>
+        </p:txBody>
+      </p:sp>
+    </p:spTree>
+    <p:extLst>
+      <p:ext uri="{BB962C8B-B14F-4D97-AF65-F5344CB8AC3E}">
+        <p14:creationId xmlns:p14="http://schemas.microsoft.com/office/powerpoint/2010/main" val="40208919"/>
+      </p:ext>
+    </p:extLst>
+  </p:cSld>
+  <p:clrMapOvr>
+    <a:masterClrMapping/>
+  </p:clrMapOvr>
+</p:sld>
+</file>
+
+<file path=ppt/slides/slide17.xml><?xml version="1.0" encoding="utf-8"?>
 <p:sld xmlns:a="http://schemas.openxmlformats.org/drawingml/2006/main" xmlns:r="http://schemas.openxmlformats.org/officeDocument/2006/relationships" xmlns:p="http://schemas.openxmlformats.org/presentationml/2006/main">
   <p:cSld>
     <p:spTree>
@@ -15142,7 +16202,7 @@
 </p:sld>
 </file>
 
-<file path=ppt/slides/slide14.xml><?xml version="1.0" encoding="utf-8"?>
+<file path=ppt/slides/slide18.xml><?xml version="1.0" encoding="utf-8"?>
 <p:sld xmlns:a="http://schemas.openxmlformats.org/drawingml/2006/main" xmlns:r="http://schemas.openxmlformats.org/officeDocument/2006/relationships" xmlns:p="http://schemas.openxmlformats.org/presentationml/2006/main">
   <p:cSld>
     <p:spTree>
@@ -15184,36 +16244,6 @@
       </p:sp>
       <p:pic>
         <p:nvPicPr>
-          <p:cNvPr id="5" name="Picture 4" descr="k_conf_acc.pdf"/>
-          <p:cNvPicPr>
-            <a:picLocks noChangeAspect="1"/>
-          </p:cNvPicPr>
-          <p:nvPr/>
-        </p:nvPicPr>
-        <p:blipFill>
-          <a:blip r:embed="rId2">
-            <a:extLst>
-              <a:ext uri="{28A0092B-C50C-407E-A947-70E740481C1C}">
-                <a14:useLocalDpi xmlns:a14="http://schemas.microsoft.com/office/drawing/2010/main" val="0"/>
-              </a:ext>
-            </a:extLst>
-          </a:blip>
-          <a:stretch>
-            <a:fillRect/>
-          </a:stretch>
-        </p:blipFill>
-        <p:spPr>
-          <a:xfrm>
-            <a:off x="4415236" y="1588489"/>
-            <a:ext cx="4572000" cy="3026749"/>
-          </a:xfrm>
-          <a:prstGeom prst="rect">
-            <a:avLst/>
-          </a:prstGeom>
-        </p:spPr>
-      </p:pic>
-      <p:pic>
-        <p:nvPicPr>
           <p:cNvPr id="9" name="Content Placeholder 8" descr="k_conf_acc_real.pdf"/>
           <p:cNvPicPr>
             <a:picLocks noGrp="1" noChangeAspect="1"/>
@@ -15223,7 +16253,7 @@
           </p:nvPr>
         </p:nvPicPr>
         <p:blipFill rotWithShape="1">
-          <a:blip r:embed="rId3">
+          <a:blip r:embed="rId2">
             <a:extLst>
               <a:ext uri="{28A0092B-C50C-407E-A947-70E740481C1C}">
                 <a14:useLocalDpi xmlns:a14="http://schemas.microsoft.com/office/drawing/2010/main" val="0"/>
@@ -15235,7 +16265,7 @@
         </p:blipFill>
         <p:spPr>
           <a:xfrm>
-            <a:off x="165198" y="1588490"/>
+            <a:off x="4695463" y="1588490"/>
             <a:ext cx="4250038" cy="3149640"/>
           </a:xfrm>
         </p:spPr>
@@ -15300,6 +16330,36 @@
           </a:p>
         </p:txBody>
       </p:sp>
+      <p:pic>
+        <p:nvPicPr>
+          <p:cNvPr id="3" name="Picture 2" descr="conf_acc_real_improved.pdf"/>
+          <p:cNvPicPr>
+            <a:picLocks noChangeAspect="1"/>
+          </p:cNvPicPr>
+          <p:nvPr/>
+        </p:nvPicPr>
+        <p:blipFill>
+          <a:blip r:embed="rId3">
+            <a:extLst>
+              <a:ext uri="{28A0092B-C50C-407E-A947-70E740481C1C}">
+                <a14:useLocalDpi xmlns:a14="http://schemas.microsoft.com/office/drawing/2010/main" val="0"/>
+              </a:ext>
+            </a:extLst>
+          </a:blip>
+          <a:stretch>
+            <a:fillRect/>
+          </a:stretch>
+        </p:blipFill>
+        <p:spPr>
+          <a:xfrm>
+            <a:off x="123463" y="1588490"/>
+            <a:ext cx="4341336" cy="3046798"/>
+          </a:xfrm>
+          <a:prstGeom prst="rect">
+            <a:avLst/>
+          </a:prstGeom>
+        </p:spPr>
+      </p:pic>
     </p:spTree>
     <p:extLst>
       <p:ext uri="{BB962C8B-B14F-4D97-AF65-F5344CB8AC3E}">
@@ -15313,7 +16373,7 @@
 </p:sld>
 </file>
 
-<file path=ppt/slides/slide15.xml><?xml version="1.0" encoding="utf-8"?>
+<file path=ppt/slides/slide19.xml><?xml version="1.0" encoding="utf-8"?>
 <p:sld xmlns:a="http://schemas.openxmlformats.org/drawingml/2006/main" xmlns:r="http://schemas.openxmlformats.org/officeDocument/2006/relationships" xmlns:p="http://schemas.openxmlformats.org/presentationml/2006/main">
   <p:cSld>
     <p:spTree>
@@ -15332,44 +16392,66 @@
       </p:grpSpPr>
       <p:sp>
         <p:nvSpPr>
-          <p:cNvPr id="5" name="TextBox 4"/>
-          <p:cNvSpPr txBox="1"/>
-          <p:nvPr/>
+          <p:cNvPr id="2" name="Title 1"/>
+          <p:cNvSpPr>
+            <a:spLocks noGrp="1"/>
+          </p:cNvSpPr>
+          <p:nvPr>
+            <p:ph type="title"/>
+          </p:nvPr>
         </p:nvSpPr>
-        <p:spPr>
-          <a:xfrm>
-            <a:off x="3318262" y="3017656"/>
-            <a:ext cx="4670149" cy="1138773"/>
-          </a:xfrm>
-          <a:prstGeom prst="rect">
-            <a:avLst/>
-          </a:prstGeom>
-          <a:noFill/>
-        </p:spPr>
+        <p:spPr/>
         <p:txBody>
-          <a:bodyPr wrap="square" rtlCol="0">
-            <a:spAutoFit/>
-          </a:bodyPr>
+          <a:bodyPr/>
           <a:lstStyle/>
           <a:p>
             <a:r>
-              <a:rPr lang="en-US" sz="3400" dirty="0" smtClean="0"/>
-              <a:t> Thank You!</a:t>
-            </a:r>
-          </a:p>
-          <a:p>
-            <a:r>
-              <a:rPr lang="en-US" sz="3400" dirty="0" smtClean="0"/>
-              <a:t> Questions?</a:t>
-            </a:r>
-            <a:endParaRPr lang="en-US" sz="3400" dirty="0"/>
+              <a:rPr lang="en-US" dirty="0" smtClean="0"/>
+              <a:t>Conclusion</a:t>
+            </a:r>
+            <a:endParaRPr lang="en-US" dirty="0"/>
+          </a:p>
+        </p:txBody>
+      </p:sp>
+      <p:sp>
+        <p:nvSpPr>
+          <p:cNvPr id="3" name="Content Placeholder 2"/>
+          <p:cNvSpPr>
+            <a:spLocks noGrp="1"/>
+          </p:cNvSpPr>
+          <p:nvPr>
+            <p:ph sz="quarter" idx="1"/>
+          </p:nvPr>
+        </p:nvSpPr>
+        <p:spPr/>
+        <p:txBody>
+          <a:bodyPr/>
+          <a:lstStyle/>
+          <a:p>
+            <a:r>
+              <a:rPr lang="en-US" dirty="0" smtClean="0"/>
+              <a:t>We can come up with accurate, tight confidence intervals in very general scenarios</a:t>
+            </a:r>
+          </a:p>
+          <a:p>
+            <a:r>
+              <a:rPr lang="en-US" dirty="0" smtClean="0"/>
+              <a:t>Confidence Intervals are useful for filtering workers</a:t>
+            </a:r>
+          </a:p>
+          <a:p>
+            <a:r>
+              <a:rPr lang="en-US" dirty="0" smtClean="0"/>
+              <a:t>Thank You! Questions?</a:t>
+            </a:r>
+            <a:endParaRPr lang="en-US" dirty="0"/>
           </a:p>
         </p:txBody>
       </p:sp>
     </p:spTree>
     <p:extLst>
       <p:ext uri="{BB962C8B-B14F-4D97-AF65-F5344CB8AC3E}">
-        <p14:creationId xmlns:p14="http://schemas.microsoft.com/office/powerpoint/2010/main" val="3660630609"/>
+        <p14:creationId xmlns:p14="http://schemas.microsoft.com/office/powerpoint/2010/main" val="4178846398"/>
       </p:ext>
     </p:extLst>
   </p:cSld>
@@ -15436,7 +16518,15 @@
           <a:p>
             <a:r>
               <a:rPr lang="en-US" dirty="0" smtClean="0"/>
-              <a:t>Crowdsourcing: Human workers perform tasks that are hard for computers, such as image </a:t>
+              <a:t>Crowdsourcing: </a:t>
+            </a:r>
+            <a:r>
+              <a:rPr lang="en-US" dirty="0" smtClean="0"/>
+              <a:t>Tasks such </a:t>
+            </a:r>
+            <a:r>
+              <a:rPr lang="en-US" dirty="0" smtClean="0"/>
+              <a:t>as image </a:t>
             </a:r>
             <a:r>
               <a:rPr lang="en-US" dirty="0" smtClean="0"/>
@@ -15456,15 +16546,35 @@
               <a:rPr lang="en-US" i="1" dirty="0" smtClean="0"/>
               <a:t>unreliable</a:t>
             </a:r>
-          </a:p>
-          <a:p>
+            <a:endParaRPr lang="en-US" dirty="0"/>
+          </a:p>
+          <a:p>
+            <a:pPr lvl="1"/>
             <a:r>
               <a:rPr lang="en-US" dirty="0" smtClean="0"/>
-              <a:t> Need to assess </a:t>
-            </a:r>
+              <a:t>Lack of motivation</a:t>
+            </a:r>
+          </a:p>
+          <a:p>
+            <a:pPr lvl="1"/>
             <a:r>
               <a:rPr lang="en-US" dirty="0" smtClean="0"/>
-              <a:t>quality</a:t>
+              <a:t>Lack of skill</a:t>
+            </a:r>
+            <a:endParaRPr lang="en-US" dirty="0" smtClean="0"/>
+          </a:p>
+          <a:p>
+            <a:r>
+              <a:rPr lang="en-US" dirty="0" smtClean="0"/>
+              <a:t>Need </a:t>
+            </a:r>
+            <a:r>
+              <a:rPr lang="en-US" dirty="0" smtClean="0"/>
+              <a:t>to assess </a:t>
+            </a:r>
+            <a:r>
+              <a:rPr lang="en-US" dirty="0" smtClean="0"/>
+              <a:t>worker quality</a:t>
             </a:r>
           </a:p>
           <a:p>
@@ -15487,6 +16597,13 @@
               <a:rPr lang="en-US" dirty="0" smtClean="0"/>
               <a:t> 10/30 errors</a:t>
             </a:r>
+          </a:p>
+          <a:p>
+            <a:r>
+              <a:rPr lang="en-US" dirty="0" smtClean="0"/>
+              <a:t>Worker filtering experiment</a:t>
+            </a:r>
+            <a:endParaRPr lang="en-US" dirty="0" smtClean="0"/>
           </a:p>
           <a:p>
             <a:endParaRPr lang="en-US" dirty="0" smtClean="0"/>
@@ -15588,12 +16705,8 @@
           </a:p>
           <a:p>
             <a:r>
-              <a:rPr lang="en-US" dirty="0" smtClean="0"/>
-              <a:t>Binary tasks OR </a:t>
-            </a:r>
-            <a:r>
               <a:rPr lang="en-US" b="1" dirty="0" smtClean="0"/>
-              <a:t>k</a:t>
+              <a:t>n</a:t>
             </a:r>
             <a:r>
               <a:rPr lang="en-US" dirty="0" smtClean="0"/>
@@ -15601,43 +16714,13 @@
             </a:r>
             <a:r>
               <a:rPr lang="en-US" dirty="0" smtClean="0"/>
-              <a:t>responses (r</a:t>
+              <a:t>workers (w</a:t>
             </a:r>
             <a:r>
               <a:rPr lang="en-US" baseline="-25000" dirty="0" smtClean="0"/>
               <a:t>1</a:t>
             </a:r>
             <a:r>
-              <a:rPr lang="en-US" dirty="0" smtClean="0"/>
-              <a:t>…</a:t>
-            </a:r>
-            <a:r>
-              <a:rPr lang="en-US" dirty="0" err="1" smtClean="0"/>
-              <a:t>r</a:t>
-            </a:r>
-            <a:r>
-              <a:rPr lang="en-US" baseline="-25000" dirty="0" err="1" smtClean="0"/>
-              <a:t>k</a:t>
-            </a:r>
-            <a:r>
-              <a:rPr lang="en-US" baseline="-25000" dirty="0" smtClean="0"/>
-              <a:t>)</a:t>
-            </a:r>
-          </a:p>
-          <a:p>
-            <a:r>
-              <a:rPr lang="en-US" b="1" dirty="0" smtClean="0"/>
-              <a:t>n</a:t>
-            </a:r>
-            <a:r>
-              <a:rPr lang="en-US" dirty="0" smtClean="0"/>
-              <a:t> workers (w</a:t>
-            </a:r>
-            <a:r>
-              <a:rPr lang="en-US" baseline="-25000" dirty="0" smtClean="0"/>
-              <a:t>1</a:t>
-            </a:r>
-            <a:r>
               <a:rPr lang="en-US" dirty="0"/>
               <a:t>.</a:t>
             </a:r>
@@ -15668,102 +16751,568 @@
               <a:rPr lang="en-US" dirty="0" smtClean="0"/>
               <a:t>data</a:t>
             </a:r>
-          </a:p>
-          <a:p>
-            <a:pPr lvl="1"/>
-            <a:r>
-              <a:rPr lang="en-US" dirty="0" smtClean="0"/>
-              <a:t>A worker may not respond to every </a:t>
-            </a:r>
-            <a:r>
-              <a:rPr lang="en-US" dirty="0" smtClean="0"/>
-              <a:t>task</a:t>
-            </a:r>
-          </a:p>
-          <a:p>
-            <a:r>
-              <a:rPr lang="en-US" dirty="0" smtClean="0"/>
-              <a:t>No gold standard</a:t>
-            </a:r>
-            <a:endParaRPr lang="en-US" dirty="0" smtClean="0"/>
-          </a:p>
-          <a:p>
-            <a:r>
-              <a:rPr lang="en-US" dirty="0" smtClean="0"/>
-              <a:t>Accuracy </a:t>
-            </a:r>
-            <a:r>
-              <a:rPr lang="en-US" dirty="0" smtClean="0"/>
-              <a:t>model</a:t>
-            </a:r>
-            <a:endParaRPr lang="en-US" dirty="0" smtClean="0"/>
-          </a:p>
-          <a:p>
-            <a:pPr lvl="1"/>
-            <a:r>
-              <a:rPr lang="en-US" dirty="0" smtClean="0"/>
-              <a:t>Worker </a:t>
-            </a:r>
-            <a:r>
-              <a:rPr lang="en-US" b="1" dirty="0" err="1" smtClean="0"/>
-              <a:t>w</a:t>
-            </a:r>
-            <a:r>
-              <a:rPr lang="en-US" b="1" baseline="-25000" dirty="0" err="1" smtClean="0"/>
-              <a:t>i</a:t>
-            </a:r>
-            <a:r>
-              <a:rPr lang="en-US" dirty="0" smtClean="0"/>
-              <a:t> has error rate </a:t>
-            </a:r>
-            <a:r>
-              <a:rPr lang="en-US" b="1" dirty="0" smtClean="0"/>
-              <a:t>p</a:t>
-            </a:r>
-            <a:r>
-              <a:rPr lang="en-US" b="1" baseline="-25000" dirty="0" smtClean="0"/>
-              <a:t>i</a:t>
-            </a:r>
-            <a:r>
-              <a:rPr lang="en-US" dirty="0" smtClean="0"/>
-              <a:t>, or confusion matrix </a:t>
-            </a:r>
-            <a:r>
-              <a:rPr lang="en-US" b="1" dirty="0" smtClean="0"/>
-              <a:t>P</a:t>
-            </a:r>
-            <a:r>
-              <a:rPr lang="en-US" b="1" baseline="-25000" dirty="0" smtClean="0"/>
-              <a:t>i</a:t>
-            </a:r>
-          </a:p>
-          <a:p>
-            <a:pPr lvl="1"/>
-            <a:r>
-              <a:rPr lang="en-US" dirty="0" smtClean="0"/>
-              <a:t>Worker response </a:t>
-            </a:r>
-            <a:r>
-              <a:rPr lang="en-US" b="1" dirty="0" smtClean="0"/>
-              <a:t>independent</a:t>
-            </a:r>
-            <a:r>
-              <a:rPr lang="en-US" dirty="0" smtClean="0"/>
-              <a:t> of each other, given true </a:t>
-            </a:r>
-            <a:r>
-              <a:rPr lang="en-US" dirty="0" smtClean="0"/>
-              <a:t>answer</a:t>
-            </a:r>
-          </a:p>
-          <a:p>
-            <a:pPr marL="274320" lvl="1" indent="0">
-              <a:buNone/>
-            </a:pPr>
             <a:endParaRPr lang="en-US" dirty="0"/>
           </a:p>
         </p:txBody>
       </p:sp>
+      <p:graphicFrame>
+        <p:nvGraphicFramePr>
+          <p:cNvPr id="4" name="Table 3"/>
+          <p:cNvGraphicFramePr>
+            <a:graphicFrameLocks noGrp="1"/>
+          </p:cNvGraphicFramePr>
+          <p:nvPr>
+            <p:extLst>
+              <p:ext uri="{D42A27DB-BD31-4B8C-83A1-F6EECF244321}">
+                <p14:modId xmlns:p14="http://schemas.microsoft.com/office/powerpoint/2010/main" val="1057560951"/>
+              </p:ext>
+            </p:extLst>
+          </p:nvPr>
+        </p:nvGraphicFramePr>
+        <p:xfrm>
+          <a:off x="1105015" y="3185913"/>
+          <a:ext cx="6986616" cy="2588555"/>
+        </p:xfrm>
+        <a:graphic>
+          <a:graphicData uri="http://schemas.openxmlformats.org/drawingml/2006/table">
+            <a:tbl>
+              <a:tblPr firstRow="1" bandRow="1">
+                <a:tableStyleId>{69012ECD-51FC-41F1-AA8D-1B2483CD663E}</a:tableStyleId>
+              </a:tblPr>
+              <a:tblGrid>
+                <a:gridCol w="1164436"/>
+                <a:gridCol w="1164436"/>
+                <a:gridCol w="1164436"/>
+                <a:gridCol w="1164436"/>
+                <a:gridCol w="1164436"/>
+                <a:gridCol w="1164436"/>
+              </a:tblGrid>
+              <a:tr h="448359">
+                <a:tc>
+                  <a:txBody>
+                    <a:bodyPr/>
+                    <a:lstStyle/>
+                    <a:p>
+                      <a:endParaRPr lang="en-US" dirty="0"/>
+                    </a:p>
+                  </a:txBody>
+                  <a:tcPr/>
+                </a:tc>
+                <a:tc>
+                  <a:txBody>
+                    <a:bodyPr/>
+                    <a:lstStyle/>
+                    <a:p>
+                      <a:r>
+                        <a:rPr lang="en-US" dirty="0" smtClean="0"/>
+                        <a:t>T1</a:t>
+                      </a:r>
+                      <a:endParaRPr lang="en-US" dirty="0"/>
+                    </a:p>
+                  </a:txBody>
+                  <a:tcPr/>
+                </a:tc>
+                <a:tc>
+                  <a:txBody>
+                    <a:bodyPr/>
+                    <a:lstStyle/>
+                    <a:p>
+                      <a:r>
+                        <a:rPr lang="en-US" dirty="0" smtClean="0"/>
+                        <a:t>T2</a:t>
+                      </a:r>
+                      <a:endParaRPr lang="en-US" dirty="0"/>
+                    </a:p>
+                  </a:txBody>
+                  <a:tcPr/>
+                </a:tc>
+                <a:tc>
+                  <a:txBody>
+                    <a:bodyPr/>
+                    <a:lstStyle/>
+                    <a:p>
+                      <a:r>
+                        <a:rPr lang="en-US" dirty="0" smtClean="0"/>
+                        <a:t>T3</a:t>
+                      </a:r>
+                      <a:endParaRPr lang="en-US" dirty="0"/>
+                    </a:p>
+                  </a:txBody>
+                  <a:tcPr/>
+                </a:tc>
+                <a:tc>
+                  <a:txBody>
+                    <a:bodyPr/>
+                    <a:lstStyle/>
+                    <a:p>
+                      <a:r>
+                        <a:rPr lang="en-US" dirty="0" smtClean="0"/>
+                        <a:t>T4</a:t>
+                      </a:r>
+                      <a:endParaRPr lang="en-US" dirty="0"/>
+                    </a:p>
+                  </a:txBody>
+                  <a:tcPr/>
+                </a:tc>
+                <a:tc>
+                  <a:txBody>
+                    <a:bodyPr/>
+                    <a:lstStyle/>
+                    <a:p>
+                      <a:r>
+                        <a:rPr lang="en-US" dirty="0" smtClean="0"/>
+                        <a:t>T5</a:t>
+                      </a:r>
+                      <a:endParaRPr lang="en-US" dirty="0"/>
+                    </a:p>
+                  </a:txBody>
+                  <a:tcPr/>
+                </a:tc>
+              </a:tr>
+              <a:tr h="535049">
+                <a:tc>
+                  <a:txBody>
+                    <a:bodyPr/>
+                    <a:lstStyle/>
+                    <a:p>
+                      <a:r>
+                        <a:rPr lang="en-US" baseline="0" dirty="0" smtClean="0"/>
+                        <a:t>w1     </a:t>
+                      </a:r>
+                      <a:endParaRPr lang="en-US" dirty="0"/>
+                    </a:p>
+                  </a:txBody>
+                  <a:tcPr/>
+                </a:tc>
+                <a:tc>
+                  <a:txBody>
+                    <a:bodyPr/>
+                    <a:lstStyle/>
+                    <a:p>
+                      <a:r>
+                        <a:rPr lang="en-US" dirty="0" smtClean="0"/>
+                        <a:t>r1</a:t>
+                      </a:r>
+                      <a:endParaRPr lang="en-US" dirty="0"/>
+                    </a:p>
+                  </a:txBody>
+                  <a:tcPr/>
+                </a:tc>
+                <a:tc>
+                  <a:txBody>
+                    <a:bodyPr/>
+                    <a:lstStyle/>
+                    <a:p>
+                      <a:r>
+                        <a:rPr lang="en-US" dirty="0" smtClean="0"/>
+                        <a:t>r2</a:t>
+                      </a:r>
+                      <a:endParaRPr lang="en-US" dirty="0"/>
+                    </a:p>
+                  </a:txBody>
+                  <a:tcPr/>
+                </a:tc>
+                <a:tc>
+                  <a:txBody>
+                    <a:bodyPr/>
+                    <a:lstStyle/>
+                    <a:p>
+                      <a:r>
+                        <a:rPr lang="en-US" dirty="0" smtClean="0"/>
+                        <a:t>r3</a:t>
+                      </a:r>
+                      <a:endParaRPr lang="en-US" dirty="0"/>
+                    </a:p>
+                  </a:txBody>
+                  <a:tcPr/>
+                </a:tc>
+                <a:tc>
+                  <a:txBody>
+                    <a:bodyPr/>
+                    <a:lstStyle/>
+                    <a:p>
+                      <a:r>
+                        <a:rPr lang="en-US" dirty="0" smtClean="0"/>
+                        <a:t>-</a:t>
+                      </a:r>
+                      <a:endParaRPr lang="en-US" dirty="0"/>
+                    </a:p>
+                  </a:txBody>
+                  <a:tcPr/>
+                </a:tc>
+                <a:tc>
+                  <a:txBody>
+                    <a:bodyPr/>
+                    <a:lstStyle/>
+                    <a:p>
+                      <a:r>
+                        <a:rPr lang="en-US" dirty="0" smtClean="0"/>
+                        <a:t>r1</a:t>
+                      </a:r>
+                      <a:endParaRPr lang="en-US" dirty="0"/>
+                    </a:p>
+                  </a:txBody>
+                  <a:tcPr/>
+                </a:tc>
+              </a:tr>
+              <a:tr h="535049">
+                <a:tc>
+                  <a:txBody>
+                    <a:bodyPr/>
+                    <a:lstStyle/>
+                    <a:p>
+                      <a:r>
+                        <a:rPr lang="en-US" dirty="0" smtClean="0"/>
+                        <a:t>w2</a:t>
+                      </a:r>
+                      <a:endParaRPr lang="en-US" dirty="0"/>
+                    </a:p>
+                  </a:txBody>
+                  <a:tcPr/>
+                </a:tc>
+                <a:tc>
+                  <a:txBody>
+                    <a:bodyPr/>
+                    <a:lstStyle/>
+                    <a:p>
+                      <a:r>
+                        <a:rPr lang="en-US" dirty="0" smtClean="0"/>
+                        <a:t>r1</a:t>
+                      </a:r>
+                      <a:endParaRPr lang="en-US" dirty="0"/>
+                    </a:p>
+                  </a:txBody>
+                  <a:tcPr/>
+                </a:tc>
+                <a:tc>
+                  <a:txBody>
+                    <a:bodyPr/>
+                    <a:lstStyle/>
+                    <a:p>
+                      <a:r>
+                        <a:rPr lang="en-US" dirty="0" smtClean="0"/>
+                        <a:t>r2</a:t>
+                      </a:r>
+                      <a:endParaRPr lang="en-US" dirty="0"/>
+                    </a:p>
+                  </a:txBody>
+                  <a:tcPr/>
+                </a:tc>
+                <a:tc>
+                  <a:txBody>
+                    <a:bodyPr/>
+                    <a:lstStyle/>
+                    <a:p>
+                      <a:r>
+                        <a:rPr lang="en-US" dirty="0" smtClean="0"/>
+                        <a:t>-</a:t>
+                      </a:r>
+                      <a:endParaRPr lang="en-US" dirty="0"/>
+                    </a:p>
+                  </a:txBody>
+                  <a:tcPr/>
+                </a:tc>
+                <a:tc>
+                  <a:txBody>
+                    <a:bodyPr/>
+                    <a:lstStyle/>
+                    <a:p>
+                      <a:r>
+                        <a:rPr lang="en-US" dirty="0" smtClean="0"/>
+                        <a:t>r1</a:t>
+                      </a:r>
+                      <a:endParaRPr lang="en-US" dirty="0"/>
+                    </a:p>
+                  </a:txBody>
+                  <a:tcPr/>
+                </a:tc>
+                <a:tc>
+                  <a:txBody>
+                    <a:bodyPr/>
+                    <a:lstStyle/>
+                    <a:p>
+                      <a:r>
+                        <a:rPr lang="en-US" dirty="0" smtClean="0"/>
+                        <a:t>r1</a:t>
+                      </a:r>
+                      <a:endParaRPr lang="en-US" dirty="0"/>
+                    </a:p>
+                  </a:txBody>
+                  <a:tcPr/>
+                </a:tc>
+              </a:tr>
+              <a:tr h="535049">
+                <a:tc>
+                  <a:txBody>
+                    <a:bodyPr/>
+                    <a:lstStyle/>
+                    <a:p>
+                      <a:r>
+                        <a:rPr lang="en-US" dirty="0" smtClean="0"/>
+                        <a:t>w3</a:t>
+                      </a:r>
+                      <a:endParaRPr lang="en-US" dirty="0"/>
+                    </a:p>
+                  </a:txBody>
+                  <a:tcPr/>
+                </a:tc>
+                <a:tc>
+                  <a:txBody>
+                    <a:bodyPr/>
+                    <a:lstStyle/>
+                    <a:p>
+                      <a:r>
+                        <a:rPr lang="en-US" dirty="0" smtClean="0"/>
+                        <a:t>-</a:t>
+                      </a:r>
+                      <a:endParaRPr lang="en-US" dirty="0"/>
+                    </a:p>
+                  </a:txBody>
+                  <a:tcPr/>
+                </a:tc>
+                <a:tc>
+                  <a:txBody>
+                    <a:bodyPr/>
+                    <a:lstStyle/>
+                    <a:p>
+                      <a:r>
+                        <a:rPr lang="en-US" dirty="0" smtClean="0"/>
+                        <a:t>r3</a:t>
+                      </a:r>
+                      <a:endParaRPr lang="en-US" dirty="0"/>
+                    </a:p>
+                  </a:txBody>
+                  <a:tcPr/>
+                </a:tc>
+                <a:tc>
+                  <a:txBody>
+                    <a:bodyPr/>
+                    <a:lstStyle/>
+                    <a:p>
+                      <a:r>
+                        <a:rPr lang="en-US" dirty="0" smtClean="0"/>
+                        <a:t>r3</a:t>
+                      </a:r>
+                      <a:endParaRPr lang="en-US" dirty="0"/>
+                    </a:p>
+                  </a:txBody>
+                  <a:tcPr/>
+                </a:tc>
+                <a:tc>
+                  <a:txBody>
+                    <a:bodyPr/>
+                    <a:lstStyle/>
+                    <a:p>
+                      <a:r>
+                        <a:rPr lang="en-US" dirty="0" smtClean="0"/>
+                        <a:t>r2</a:t>
+                      </a:r>
+                      <a:endParaRPr lang="en-US" dirty="0"/>
+                    </a:p>
+                  </a:txBody>
+                  <a:tcPr/>
+                </a:tc>
+                <a:tc>
+                  <a:txBody>
+                    <a:bodyPr/>
+                    <a:lstStyle/>
+                    <a:p>
+                      <a:r>
+                        <a:rPr lang="en-US" dirty="0" smtClean="0"/>
+                        <a:t>r1</a:t>
+                      </a:r>
+                      <a:endParaRPr lang="en-US" dirty="0"/>
+                    </a:p>
+                  </a:txBody>
+                  <a:tcPr/>
+                </a:tc>
+              </a:tr>
+              <a:tr h="535049">
+                <a:tc>
+                  <a:txBody>
+                    <a:bodyPr/>
+                    <a:lstStyle/>
+                    <a:p>
+                      <a:r>
+                        <a:rPr lang="en-US" dirty="0" smtClean="0"/>
+                        <a:t>w4</a:t>
+                      </a:r>
+                      <a:endParaRPr lang="en-US" dirty="0"/>
+                    </a:p>
+                  </a:txBody>
+                  <a:tcPr/>
+                </a:tc>
+                <a:tc>
+                  <a:txBody>
+                    <a:bodyPr/>
+                    <a:lstStyle/>
+                    <a:p>
+                      <a:r>
+                        <a:rPr lang="en-US" dirty="0" smtClean="0"/>
+                        <a:t>r1</a:t>
+                      </a:r>
+                      <a:endParaRPr lang="en-US" dirty="0"/>
+                    </a:p>
+                  </a:txBody>
+                  <a:tcPr/>
+                </a:tc>
+                <a:tc>
+                  <a:txBody>
+                    <a:bodyPr/>
+                    <a:lstStyle/>
+                    <a:p>
+                      <a:r>
+                        <a:rPr lang="en-US" dirty="0" smtClean="0"/>
+                        <a:t>r2</a:t>
+                      </a:r>
+                      <a:endParaRPr lang="en-US" dirty="0"/>
+                    </a:p>
+                  </a:txBody>
+                  <a:tcPr/>
+                </a:tc>
+                <a:tc>
+                  <a:txBody>
+                    <a:bodyPr/>
+                    <a:lstStyle/>
+                    <a:p>
+                      <a:r>
+                        <a:rPr lang="en-US" dirty="0" smtClean="0"/>
+                        <a:t>r3</a:t>
+                      </a:r>
+                      <a:endParaRPr lang="en-US" dirty="0"/>
+                    </a:p>
+                  </a:txBody>
+                  <a:tcPr/>
+                </a:tc>
+                <a:tc>
+                  <a:txBody>
+                    <a:bodyPr/>
+                    <a:lstStyle/>
+                    <a:p>
+                      <a:r>
+                        <a:rPr lang="en-US" dirty="0" smtClean="0"/>
+                        <a:t>-</a:t>
+                      </a:r>
+                      <a:endParaRPr lang="en-US" dirty="0"/>
+                    </a:p>
+                  </a:txBody>
+                  <a:tcPr/>
+                </a:tc>
+                <a:tc>
+                  <a:txBody>
+                    <a:bodyPr/>
+                    <a:lstStyle/>
+                    <a:p>
+                      <a:r>
+                        <a:rPr lang="en-US" dirty="0" smtClean="0"/>
+                        <a:t>r2</a:t>
+                      </a:r>
+                      <a:endParaRPr lang="en-US" dirty="0"/>
+                    </a:p>
+                  </a:txBody>
+                  <a:tcPr/>
+                </a:tc>
+              </a:tr>
+            </a:tbl>
+          </a:graphicData>
+        </a:graphic>
+      </p:graphicFrame>
+      <p:pic>
+        <p:nvPicPr>
+          <p:cNvPr id="5" name="Picture 4"/>
+          <p:cNvPicPr>
+            <a:picLocks noChangeAspect="1"/>
+          </p:cNvPicPr>
+          <p:nvPr/>
+        </p:nvPicPr>
+        <p:blipFill>
+          <a:blip r:embed="rId2"/>
+          <a:stretch>
+            <a:fillRect/>
+          </a:stretch>
+        </p:blipFill>
+        <p:spPr>
+          <a:xfrm>
+            <a:off x="1681119" y="3719460"/>
+            <a:ext cx="295963" cy="427255"/>
+          </a:xfrm>
+          <a:prstGeom prst="rect">
+            <a:avLst/>
+          </a:prstGeom>
+        </p:spPr>
+      </p:pic>
+      <p:pic>
+        <p:nvPicPr>
+          <p:cNvPr id="6" name="Picture 5"/>
+          <p:cNvPicPr>
+            <a:picLocks noChangeAspect="1"/>
+          </p:cNvPicPr>
+          <p:nvPr/>
+        </p:nvPicPr>
+        <p:blipFill>
+          <a:blip r:embed="rId2"/>
+          <a:stretch>
+            <a:fillRect/>
+          </a:stretch>
+        </p:blipFill>
+        <p:spPr>
+          <a:xfrm>
+            <a:off x="1681119" y="4213001"/>
+            <a:ext cx="295963" cy="427255"/>
+          </a:xfrm>
+          <a:prstGeom prst="rect">
+            <a:avLst/>
+          </a:prstGeom>
+        </p:spPr>
+      </p:pic>
+      <p:pic>
+        <p:nvPicPr>
+          <p:cNvPr id="7" name="Picture 6"/>
+          <p:cNvPicPr>
+            <a:picLocks noChangeAspect="1"/>
+          </p:cNvPicPr>
+          <p:nvPr/>
+        </p:nvPicPr>
+        <p:blipFill>
+          <a:blip r:embed="rId2"/>
+          <a:stretch>
+            <a:fillRect/>
+          </a:stretch>
+        </p:blipFill>
+        <p:spPr>
+          <a:xfrm>
+            <a:off x="1681119" y="4727006"/>
+            <a:ext cx="295963" cy="427255"/>
+          </a:xfrm>
+          <a:prstGeom prst="rect">
+            <a:avLst/>
+          </a:prstGeom>
+        </p:spPr>
+      </p:pic>
+      <p:pic>
+        <p:nvPicPr>
+          <p:cNvPr id="8" name="Picture 7"/>
+          <p:cNvPicPr>
+            <a:picLocks noChangeAspect="1"/>
+          </p:cNvPicPr>
+          <p:nvPr/>
+        </p:nvPicPr>
+        <p:blipFill>
+          <a:blip r:embed="rId2"/>
+          <a:stretch>
+            <a:fillRect/>
+          </a:stretch>
+        </p:blipFill>
+        <p:spPr>
+          <a:xfrm>
+            <a:off x="1681119" y="5347213"/>
+            <a:ext cx="295963" cy="427255"/>
+          </a:xfrm>
+          <a:prstGeom prst="rect">
+            <a:avLst/>
+          </a:prstGeom>
+        </p:spPr>
+      </p:pic>
     </p:spTree>
     <p:extLst>
       <p:ext uri="{BB962C8B-B14F-4D97-AF65-F5344CB8AC3E}">
@@ -15810,9 +17359,10 @@
           <a:lstStyle/>
           <a:p>
             <a:r>
-              <a:rPr lang="en-US" dirty="0"/>
-              <a:t>Warm-up: 3 workers, binary tasks</a:t>
-            </a:r>
+              <a:rPr lang="en-US" dirty="0" smtClean="0"/>
+              <a:t>Problem Setting</a:t>
+            </a:r>
+            <a:endParaRPr lang="en-US" dirty="0"/>
           </a:p>
         </p:txBody>
       </p:sp>
@@ -15832,14 +17382,112 @@
           <a:lstStyle/>
           <a:p>
             <a:r>
+              <a:rPr lang="en-US" dirty="0"/>
+              <a:t>Binary tasks OR </a:t>
+            </a:r>
+            <a:r>
+              <a:rPr lang="en-US" b="1" dirty="0"/>
+              <a:t>k</a:t>
+            </a:r>
+            <a:r>
+              <a:rPr lang="en-US" dirty="0"/>
+              <a:t> responses (r</a:t>
+            </a:r>
+            <a:r>
+              <a:rPr lang="en-US" baseline="-25000" dirty="0"/>
+              <a:t>1</a:t>
+            </a:r>
+            <a:r>
+              <a:rPr lang="en-US" dirty="0"/>
+              <a:t>…</a:t>
+            </a:r>
+            <a:r>
+              <a:rPr lang="en-US" dirty="0" err="1"/>
+              <a:t>r</a:t>
+            </a:r>
+            <a:r>
+              <a:rPr lang="en-US" baseline="-25000" dirty="0" err="1"/>
+              <a:t>k</a:t>
+            </a:r>
+            <a:r>
+              <a:rPr lang="en-US" dirty="0"/>
+              <a:t>)</a:t>
+            </a:r>
+          </a:p>
+          <a:p>
+            <a:r>
               <a:rPr lang="en-US" dirty="0" smtClean="0"/>
-              <a:t>Equal false positive and negative error rates</a:t>
+              <a:t>No </a:t>
+            </a:r>
+            <a:r>
+              <a:rPr lang="en-US" dirty="0"/>
+              <a:t>gold standard</a:t>
+            </a:r>
+          </a:p>
+          <a:p>
+            <a:r>
+              <a:rPr lang="en-US" dirty="0"/>
+              <a:t>Accuracy model</a:t>
+            </a:r>
+          </a:p>
+          <a:p>
+            <a:pPr lvl="1"/>
+            <a:r>
+              <a:rPr lang="en-US" dirty="0"/>
+              <a:t>Worker </a:t>
+            </a:r>
+            <a:r>
+              <a:rPr lang="en-US" b="1" dirty="0" err="1"/>
+              <a:t>w</a:t>
+            </a:r>
+            <a:r>
+              <a:rPr lang="en-US" b="1" baseline="-25000" dirty="0" err="1"/>
+              <a:t>i</a:t>
+            </a:r>
+            <a:r>
+              <a:rPr lang="en-US" dirty="0"/>
+              <a:t> has error rate </a:t>
+            </a:r>
+            <a:r>
+              <a:rPr lang="en-US" b="1" dirty="0"/>
+              <a:t>p</a:t>
+            </a:r>
+            <a:r>
+              <a:rPr lang="en-US" b="1" baseline="-25000" dirty="0"/>
+              <a:t>i</a:t>
+            </a:r>
+            <a:r>
+              <a:rPr lang="en-US" dirty="0"/>
+              <a:t>, or confusion matrix </a:t>
+            </a:r>
+            <a:r>
+              <a:rPr lang="en-US" b="1" dirty="0"/>
+              <a:t>P</a:t>
+            </a:r>
+            <a:r>
+              <a:rPr lang="en-US" b="1" baseline="-25000" dirty="0"/>
+              <a:t>i</a:t>
+            </a:r>
+          </a:p>
+          <a:p>
+            <a:pPr lvl="1"/>
+            <a:r>
+              <a:rPr lang="en-US" dirty="0"/>
+              <a:t>Worker response </a:t>
+            </a:r>
+            <a:r>
+              <a:rPr lang="en-US" b="1" dirty="0"/>
+              <a:t>independent</a:t>
+            </a:r>
+            <a:r>
+              <a:rPr lang="en-US" dirty="0"/>
+              <a:t> of each other, given true answer</a:t>
             </a:r>
           </a:p>
           <a:p>
             <a:r>
               <a:rPr lang="en-US" dirty="0" smtClean="0"/>
-              <a:t>To find: mean, variance of p</a:t>
+              <a:t>Goal : Given desired confidence level c, find c-confidence interval for p</a:t>
             </a:r>
             <a:r>
               <a:rPr lang="en-US" baseline="-25000" dirty="0" smtClean="0"/>
@@ -15847,237 +17495,20 @@
             </a:r>
             <a:r>
               <a:rPr lang="en-US" dirty="0" smtClean="0"/>
-              <a:t> for each I</a:t>
-            </a:r>
-          </a:p>
-          <a:p>
-            <a:r>
-              <a:rPr lang="en-US" b="1" dirty="0" smtClean="0"/>
-              <a:t>Theorem</a:t>
-            </a:r>
-            <a:r>
-              <a:rPr lang="en-US" dirty="0" smtClean="0"/>
-              <a:t>: Y = f(X</a:t>
-            </a:r>
-            <a:r>
-              <a:rPr lang="en-US" baseline="-25000" dirty="0" smtClean="0"/>
-              <a:t>1</a:t>
-            </a:r>
-            <a:r>
-              <a:rPr lang="en-US" dirty="0" smtClean="0"/>
-              <a:t>, X</a:t>
-            </a:r>
-            <a:r>
-              <a:rPr lang="en-US" baseline="-25000" dirty="0" smtClean="0"/>
-              <a:t>2</a:t>
-            </a:r>
-            <a:r>
-              <a:rPr lang="en-US" dirty="0" smtClean="0"/>
-              <a:t>, X</a:t>
-            </a:r>
-            <a:r>
-              <a:rPr lang="en-US" baseline="-25000" dirty="0" smtClean="0"/>
-              <a:t>3</a:t>
-            </a:r>
-            <a:r>
-              <a:rPr lang="en-US" dirty="0" smtClean="0"/>
-              <a:t>) </a:t>
-            </a:r>
-          </a:p>
-          <a:p>
-            <a:pPr lvl="1"/>
-            <a:r>
-              <a:rPr lang="en-US" dirty="0" smtClean="0"/>
-              <a:t>X</a:t>
+              <a:t> or P</a:t>
             </a:r>
             <a:r>
               <a:rPr lang="en-US" baseline="-25000" dirty="0" smtClean="0"/>
               <a:t>i</a:t>
             </a:r>
-            <a:r>
-              <a:rPr lang="en-US" dirty="0" smtClean="0"/>
-              <a:t>’s </a:t>
-            </a:r>
-            <a:r>
-              <a:rPr lang="en-US" b="1" dirty="0" smtClean="0"/>
-              <a:t>normal</a:t>
-            </a:r>
-            <a:r>
-              <a:rPr lang="en-US" dirty="0" smtClean="0"/>
-              <a:t>, f </a:t>
-            </a:r>
-            <a:r>
-              <a:rPr lang="en-US" b="1" dirty="0" smtClean="0"/>
-              <a:t>linear </a:t>
-            </a:r>
-            <a:r>
-              <a:rPr lang="en-US" dirty="0" smtClean="0"/>
-              <a:t>(~ a</a:t>
-            </a:r>
-            <a:r>
-              <a:rPr lang="en-US" baseline="-25000" dirty="0" smtClean="0"/>
-              <a:t>1</a:t>
-            </a:r>
-            <a:r>
-              <a:rPr lang="en-US" dirty="0" smtClean="0"/>
-              <a:t>X</a:t>
-            </a:r>
-            <a:r>
-              <a:rPr lang="en-US" baseline="-25000" dirty="0" smtClean="0"/>
-              <a:t>1</a:t>
-            </a:r>
-            <a:r>
-              <a:rPr lang="en-US" dirty="0" smtClean="0"/>
-              <a:t> + a</a:t>
-            </a:r>
-            <a:r>
-              <a:rPr lang="en-US" baseline="-25000" dirty="0" smtClean="0"/>
-              <a:t>2</a:t>
-            </a:r>
-            <a:r>
-              <a:rPr lang="en-US" dirty="0" smtClean="0"/>
-              <a:t>X</a:t>
-            </a:r>
-            <a:r>
-              <a:rPr lang="en-US" baseline="-25000" dirty="0" smtClean="0"/>
-              <a:t>2</a:t>
-            </a:r>
-            <a:r>
-              <a:rPr lang="en-US" dirty="0" smtClean="0"/>
-              <a:t> + a</a:t>
-            </a:r>
-            <a:r>
-              <a:rPr lang="en-US" baseline="-25000" dirty="0" smtClean="0"/>
-              <a:t>3</a:t>
-            </a:r>
-            <a:r>
-              <a:rPr lang="en-US" dirty="0" smtClean="0"/>
-              <a:t>X</a:t>
-            </a:r>
-            <a:r>
-              <a:rPr lang="en-US" baseline="-25000" dirty="0" smtClean="0"/>
-              <a:t>3</a:t>
-            </a:r>
-            <a:r>
-              <a:rPr lang="en-US" dirty="0" smtClean="0"/>
-              <a:t>)</a:t>
-            </a:r>
-            <a:endParaRPr lang="en-US" b="1" dirty="0" smtClean="0"/>
-          </a:p>
-          <a:p>
-            <a:pPr lvl="1"/>
-            <a:r>
-              <a:rPr lang="en-US" dirty="0" err="1" smtClean="0"/>
-              <a:t>Var</a:t>
-            </a:r>
-            <a:r>
-              <a:rPr lang="en-US" dirty="0"/>
-              <a:t>(Y) = </a:t>
-            </a:r>
-            <a:r>
-              <a:rPr lang="en-US" dirty="0" smtClean="0"/>
-              <a:t>a</a:t>
-            </a:r>
-            <a:r>
-              <a:rPr lang="en-US" baseline="-25000" dirty="0" smtClean="0"/>
-              <a:t>1</a:t>
-            </a:r>
-            <a:r>
-              <a:rPr lang="en-US" baseline="30000" dirty="0" smtClean="0"/>
-              <a:t>2</a:t>
-            </a:r>
-            <a:r>
-              <a:rPr lang="en-US" dirty="0" smtClean="0"/>
-              <a:t>Var</a:t>
-            </a:r>
-            <a:r>
-              <a:rPr lang="en-US" dirty="0"/>
-              <a:t>(X</a:t>
-            </a:r>
-            <a:r>
-              <a:rPr lang="en-US" baseline="-25000" dirty="0"/>
-              <a:t>1</a:t>
-            </a:r>
-            <a:r>
-              <a:rPr lang="en-US" dirty="0"/>
-              <a:t>) + </a:t>
-            </a:r>
-            <a:r>
-              <a:rPr lang="en-US" dirty="0" smtClean="0"/>
-              <a:t>a</a:t>
-            </a:r>
-            <a:r>
-              <a:rPr lang="en-US" baseline="-25000" dirty="0" smtClean="0"/>
-              <a:t>2</a:t>
-            </a:r>
-            <a:r>
-              <a:rPr lang="en-US" baseline="30000" dirty="0" smtClean="0"/>
-              <a:t>2</a:t>
-            </a:r>
-            <a:r>
-              <a:rPr lang="en-US" dirty="0" smtClean="0"/>
-              <a:t>Var</a:t>
-            </a:r>
-            <a:r>
-              <a:rPr lang="en-US" dirty="0"/>
-              <a:t>(X</a:t>
-            </a:r>
-            <a:r>
-              <a:rPr lang="en-US" baseline="-25000" dirty="0"/>
-              <a:t>2</a:t>
-            </a:r>
-            <a:r>
-              <a:rPr lang="en-US" dirty="0"/>
-              <a:t>) + </a:t>
-            </a:r>
-            <a:r>
-              <a:rPr lang="en-US" dirty="0" smtClean="0"/>
-              <a:t>a</a:t>
-            </a:r>
-            <a:r>
-              <a:rPr lang="en-US" baseline="-25000" dirty="0" smtClean="0"/>
-              <a:t>3</a:t>
-            </a:r>
-            <a:r>
-              <a:rPr lang="en-US" baseline="30000" dirty="0" smtClean="0"/>
-              <a:t>2</a:t>
-            </a:r>
-            <a:r>
-              <a:rPr lang="en-US" dirty="0" smtClean="0"/>
-              <a:t>Var</a:t>
-            </a:r>
-            <a:r>
-              <a:rPr lang="en-US" dirty="0"/>
-              <a:t>(X</a:t>
-            </a:r>
-            <a:r>
-              <a:rPr lang="en-US" baseline="-25000" dirty="0"/>
-              <a:t>3</a:t>
-            </a:r>
-            <a:r>
-              <a:rPr lang="en-US" dirty="0" smtClean="0"/>
-              <a:t>)</a:t>
-            </a:r>
-          </a:p>
-          <a:p>
-            <a:r>
-              <a:rPr lang="en-US" dirty="0" smtClean="0"/>
-              <a:t>Works for approximately normal (binomial), locally linear (differentiable)</a:t>
-            </a:r>
-          </a:p>
-          <a:p>
-            <a:r>
-              <a:rPr lang="en-US" dirty="0" smtClean="0"/>
-              <a:t>Linear coefficients given by partial derivatives</a:t>
-            </a:r>
-            <a:endParaRPr lang="en-US" dirty="0"/>
+            <a:endParaRPr lang="en-US" baseline="-25000" dirty="0"/>
           </a:p>
         </p:txBody>
       </p:sp>
     </p:spTree>
     <p:extLst>
       <p:ext uri="{BB962C8B-B14F-4D97-AF65-F5344CB8AC3E}">
-        <p14:creationId xmlns:p14="http://schemas.microsoft.com/office/powerpoint/2010/main" val="601793913"/>
+        <p14:creationId xmlns:p14="http://schemas.microsoft.com/office/powerpoint/2010/main" val="339219896"/>
       </p:ext>
     </p:extLst>
   </p:cSld>
@@ -16120,10 +17551,9 @@
           <a:lstStyle/>
           <a:p>
             <a:r>
-              <a:rPr lang="en-US" dirty="0" smtClean="0"/>
+              <a:rPr lang="en-US" dirty="0"/>
               <a:t>Warm-up: 3 workers, binary tasks</a:t>
             </a:r>
-            <a:endParaRPr lang="en-US" dirty="0"/>
           </a:p>
         </p:txBody>
       </p:sp>
@@ -16144,11 +17574,78 @@
           <a:p>
             <a:r>
               <a:rPr lang="en-US" dirty="0" smtClean="0"/>
-              <a:t>Compute agreement rates (</a:t>
+              <a:t>Equal false positive and negative error rates</a:t>
+            </a:r>
+          </a:p>
+          <a:p>
+            <a:r>
+              <a:rPr lang="en-US" dirty="0" smtClean="0"/>
+              <a:t>To find: confidence intervals for p</a:t>
+            </a:r>
+            <a:r>
+              <a:rPr lang="en-US" baseline="-25000" dirty="0" smtClean="0"/>
+              <a:t>i</a:t>
+            </a:r>
+            <a:r>
+              <a:rPr lang="en-US" dirty="0" smtClean="0"/>
+              <a:t>, for each </a:t>
             </a:r>
             <a:r>
               <a:rPr lang="en-US" dirty="0" err="1" smtClean="0"/>
-              <a:t>Q</a:t>
+              <a:t>i</a:t>
+            </a:r>
+            <a:endParaRPr lang="en-US" dirty="0" smtClean="0"/>
+          </a:p>
+          <a:p>
+            <a:r>
+              <a:rPr lang="en-US" dirty="0" smtClean="0"/>
+              <a:t>Can be found using </a:t>
+            </a:r>
+          </a:p>
+          <a:p>
+            <a:pPr lvl="1"/>
+            <a:r>
+              <a:rPr lang="en-US" dirty="0" smtClean="0"/>
+              <a:t>Mean estimate for p</a:t>
+            </a:r>
+            <a:r>
+              <a:rPr lang="en-US" baseline="-25000" dirty="0" smtClean="0"/>
+              <a:t>i</a:t>
+            </a:r>
+            <a:r>
+              <a:rPr lang="en-US" dirty="0" smtClean="0"/>
+              <a:t> </a:t>
+            </a:r>
+          </a:p>
+          <a:p>
+            <a:pPr lvl="1"/>
+            <a:r>
+              <a:rPr lang="en-US" dirty="0" smtClean="0"/>
+              <a:t>Variance of p</a:t>
+            </a:r>
+            <a:r>
+              <a:rPr lang="en-US" baseline="-25000" dirty="0" smtClean="0"/>
+              <a:t>i</a:t>
+            </a:r>
+            <a:r>
+              <a:rPr lang="en-US" dirty="0" smtClean="0"/>
+              <a:t> estimate</a:t>
+            </a:r>
+          </a:p>
+          <a:p>
+            <a:r>
+              <a:rPr lang="en-US" dirty="0" smtClean="0"/>
+              <a:t>Easy if gold standard available</a:t>
+            </a:r>
+          </a:p>
+          <a:p>
+            <a:r>
+              <a:rPr lang="en-US" dirty="0" smtClean="0"/>
+              <a:t>Agreement rate </a:t>
+            </a:r>
+            <a:r>
+              <a:rPr lang="en-US" dirty="0" err="1" smtClean="0"/>
+              <a:t>q</a:t>
             </a:r>
             <a:r>
               <a:rPr lang="en-US" baseline="-25000" dirty="0" err="1" smtClean="0"/>
@@ -16156,7 +17653,7 @@
             </a:r>
             <a:r>
               <a:rPr lang="en-US" dirty="0" smtClean="0"/>
-              <a:t> for worker </a:t>
+              <a:t>, probability of worker </a:t>
             </a:r>
             <a:r>
               <a:rPr lang="en-US" dirty="0" err="1" smtClean="0"/>
@@ -16180,25 +17677,91 @@
             </a:r>
             <a:r>
               <a:rPr lang="en-US" dirty="0" smtClean="0"/>
-              <a:t>)</a:t>
-            </a:r>
-          </a:p>
-          <a:p>
-            <a:endParaRPr lang="en-US" dirty="0" smtClean="0"/>
-          </a:p>
-          <a:p>
+              <a:t> agreeing  </a:t>
+            </a:r>
+            <a:endParaRPr lang="en-US" baseline="-25000" dirty="0"/>
+          </a:p>
+        </p:txBody>
+      </p:sp>
+    </p:spTree>
+    <p:extLst>
+      <p:ext uri="{BB962C8B-B14F-4D97-AF65-F5344CB8AC3E}">
+        <p14:creationId xmlns:p14="http://schemas.microsoft.com/office/powerpoint/2010/main" val="601793913"/>
+      </p:ext>
+    </p:extLst>
+  </p:cSld>
+  <p:clrMapOvr>
+    <a:masterClrMapping/>
+  </p:clrMapOvr>
+</p:sld>
+</file>
+
+<file path=ppt/slides/slide6.xml><?xml version="1.0" encoding="utf-8"?>
+<p:sld xmlns:a="http://schemas.openxmlformats.org/drawingml/2006/main" xmlns:r="http://schemas.openxmlformats.org/officeDocument/2006/relationships" xmlns:p="http://schemas.openxmlformats.org/presentationml/2006/main">
+  <p:cSld>
+    <p:spTree>
+      <p:nvGrpSpPr>
+        <p:cNvPr id="1" name=""/>
+        <p:cNvGrpSpPr/>
+        <p:nvPr/>
+      </p:nvGrpSpPr>
+      <p:grpSpPr>
+        <a:xfrm>
+          <a:off x="0" y="0"/>
+          <a:ext cx="0" cy="0"/>
+          <a:chOff x="0" y="0"/>
+          <a:chExt cx="0" cy="0"/>
+        </a:xfrm>
+      </p:grpSpPr>
+      <p:sp>
+        <p:nvSpPr>
+          <p:cNvPr id="2" name="Title 1"/>
+          <p:cNvSpPr>
+            <a:spLocks noGrp="1"/>
+          </p:cNvSpPr>
+          <p:nvPr>
+            <p:ph type="title"/>
+          </p:nvPr>
+        </p:nvSpPr>
+        <p:spPr/>
+        <p:txBody>
+          <a:bodyPr/>
+          <a:lstStyle/>
+          <a:p>
+            <a:r>
+              <a:rPr lang="en-US" dirty="0" smtClean="0"/>
+              <a:t>Warm-up: 3 workers, binary tasks</a:t>
+            </a:r>
             <a:endParaRPr lang="en-US" dirty="0"/>
           </a:p>
-          <a:p>
-            <a:endParaRPr lang="en-US" dirty="0" smtClean="0"/>
-          </a:p>
-          <a:p>
-            <a:endParaRPr lang="en-US" dirty="0" smtClean="0"/>
-          </a:p>
-          <a:p>
+        </p:txBody>
+      </p:sp>
+      <p:sp>
+        <p:nvSpPr>
+          <p:cNvPr id="3" name="Content Placeholder 2"/>
+          <p:cNvSpPr>
+            <a:spLocks noGrp="1"/>
+          </p:cNvSpPr>
+          <p:nvPr>
+            <p:ph sz="quarter" idx="1"/>
+          </p:nvPr>
+        </p:nvSpPr>
+        <p:spPr/>
+        <p:txBody>
+          <a:bodyPr/>
+          <a:lstStyle/>
+          <a:p>
+            <a:r>
+              <a:rPr lang="en-US" dirty="0" smtClean="0"/>
+              <a:t>Compute agreement rates </a:t>
+            </a:r>
+            <a:r>
+              <a:rPr lang="en-US" dirty="0" smtClean="0"/>
+              <a:t>(</a:t>
+            </a:r>
             <a:r>
               <a:rPr lang="en-US" dirty="0" err="1" smtClean="0"/>
-              <a:t>Q</a:t>
+              <a:t>q</a:t>
             </a:r>
             <a:r>
               <a:rPr lang="en-US" baseline="-25000" dirty="0" err="1" smtClean="0"/>
@@ -16206,7 +17769,65 @@
             </a:r>
             <a:r>
               <a:rPr lang="en-US" dirty="0" smtClean="0"/>
-              <a:t> ~ </a:t>
+              <a:t> </a:t>
+            </a:r>
+            <a:r>
+              <a:rPr lang="en-US" dirty="0" smtClean="0"/>
+              <a:t>for worker </a:t>
+            </a:r>
+            <a:r>
+              <a:rPr lang="en-US" dirty="0" err="1" smtClean="0"/>
+              <a:t>w</a:t>
+            </a:r>
+            <a:r>
+              <a:rPr lang="en-US" baseline="-25000" dirty="0" err="1" smtClean="0"/>
+              <a:t>i</a:t>
+            </a:r>
+            <a:r>
+              <a:rPr lang="en-US" dirty="0" smtClean="0"/>
+              <a:t>, </a:t>
+            </a:r>
+            <a:r>
+              <a:rPr lang="en-US" dirty="0" err="1" smtClean="0"/>
+              <a:t>w</a:t>
+            </a:r>
+            <a:r>
+              <a:rPr lang="en-US" baseline="-25000" dirty="0" err="1" smtClean="0"/>
+              <a:t>j</a:t>
+            </a:r>
+            <a:r>
+              <a:rPr lang="en-US" dirty="0" smtClean="0"/>
+              <a:t>)</a:t>
+            </a:r>
+          </a:p>
+          <a:p>
+            <a:endParaRPr lang="en-US" dirty="0" smtClean="0"/>
+          </a:p>
+          <a:p>
+            <a:endParaRPr lang="en-US" dirty="0"/>
+          </a:p>
+          <a:p>
+            <a:endParaRPr lang="en-US" dirty="0" smtClean="0"/>
+          </a:p>
+          <a:p>
+            <a:endParaRPr lang="en-US" dirty="0" smtClean="0"/>
+          </a:p>
+          <a:p>
+            <a:r>
+              <a:rPr lang="en-US" dirty="0" err="1" smtClean="0"/>
+              <a:t>q</a:t>
+            </a:r>
+            <a:r>
+              <a:rPr lang="en-US" baseline="-25000" dirty="0" err="1" smtClean="0"/>
+              <a:t>ij</a:t>
+            </a:r>
+            <a:r>
+              <a:rPr lang="en-US" dirty="0" smtClean="0"/>
+              <a:t> </a:t>
+            </a:r>
+            <a:r>
+              <a:rPr lang="en-US" dirty="0" smtClean="0"/>
+              <a:t>~ </a:t>
             </a:r>
             <a:r>
               <a:rPr lang="en-US" dirty="0" err="1" smtClean="0"/>
@@ -16911,7 +18532,11 @@
             <a:pPr algn="ctr"/>
             <a:r>
               <a:rPr lang="en-US" dirty="0" smtClean="0"/>
-              <a:t>E[Q</a:t>
+              <a:t>E</a:t>
+            </a:r>
+            <a:r>
+              <a:rPr lang="en-US" dirty="0" smtClean="0"/>
+              <a:t>[q</a:t>
             </a:r>
             <a:r>
               <a:rPr lang="en-US" baseline="-25000" dirty="0" smtClean="0"/>
@@ -16982,266 +18607,6 @@
 </p:sld>
 </file>
 
-<file path=ppt/slides/slide6.xml><?xml version="1.0" encoding="utf-8"?>
-<p:sld xmlns:a="http://schemas.openxmlformats.org/drawingml/2006/main" xmlns:r="http://schemas.openxmlformats.org/officeDocument/2006/relationships" xmlns:p="http://schemas.openxmlformats.org/presentationml/2006/main">
-  <p:cSld>
-    <p:spTree>
-      <p:nvGrpSpPr>
-        <p:cNvPr id="1" name=""/>
-        <p:cNvGrpSpPr/>
-        <p:nvPr/>
-      </p:nvGrpSpPr>
-      <p:grpSpPr>
-        <a:xfrm>
-          <a:off x="0" y="0"/>
-          <a:ext cx="0" cy="0"/>
-          <a:chOff x="0" y="0"/>
-          <a:chExt cx="0" cy="0"/>
-        </a:xfrm>
-      </p:grpSpPr>
-      <p:sp>
-        <p:nvSpPr>
-          <p:cNvPr id="2" name="Title 1"/>
-          <p:cNvSpPr>
-            <a:spLocks noGrp="1"/>
-          </p:cNvSpPr>
-          <p:nvPr>
-            <p:ph type="title"/>
-          </p:nvPr>
-        </p:nvSpPr>
-        <p:spPr/>
-        <p:txBody>
-          <a:bodyPr/>
-          <a:lstStyle/>
-          <a:p>
-            <a:r>
-              <a:rPr lang="en-US" dirty="0"/>
-              <a:t>Warm-up: 3 workers, binary tasks</a:t>
-            </a:r>
-          </a:p>
-        </p:txBody>
-      </p:sp>
-      <p:sp>
-        <p:nvSpPr>
-          <p:cNvPr id="3" name="Content Placeholder 2"/>
-          <p:cNvSpPr>
-            <a:spLocks noGrp="1"/>
-          </p:cNvSpPr>
-          <p:nvPr>
-            <p:ph sz="quarter" idx="1"/>
-          </p:nvPr>
-        </p:nvSpPr>
-        <p:spPr/>
-        <p:txBody>
-          <a:bodyPr/>
-          <a:lstStyle/>
-          <a:p>
-            <a:r>
-              <a:rPr lang="en-US" dirty="0" smtClean="0"/>
-              <a:t>Variance in p estimate depends on </a:t>
-            </a:r>
-          </a:p>
-          <a:p>
-            <a:pPr lvl="1"/>
-            <a:r>
-              <a:rPr lang="en-US" dirty="0" smtClean="0"/>
-              <a:t>Variance in q estimates</a:t>
-            </a:r>
-          </a:p>
-          <a:p>
-            <a:pPr lvl="1"/>
-            <a:r>
-              <a:rPr lang="en-US" dirty="0" err="1" smtClean="0"/>
-              <a:t>δf</a:t>
-            </a:r>
-            <a:r>
-              <a:rPr lang="en-US" baseline="-25000" dirty="0" err="1" smtClean="0"/>
-              <a:t>i</a:t>
-            </a:r>
-            <a:r>
-              <a:rPr lang="en-US" dirty="0" smtClean="0"/>
-              <a:t>/</a:t>
-            </a:r>
-            <a:r>
-              <a:rPr lang="en-US" dirty="0" err="1" smtClean="0"/>
-              <a:t>δq</a:t>
-            </a:r>
-            <a:r>
-              <a:rPr lang="en-US" baseline="-25000" dirty="0" err="1" smtClean="0"/>
-              <a:t>ij</a:t>
-            </a:r>
-            <a:r>
-              <a:rPr lang="en-US" dirty="0" smtClean="0"/>
-              <a:t>, </a:t>
-            </a:r>
-            <a:r>
-              <a:rPr lang="en-US" dirty="0" err="1" smtClean="0"/>
-              <a:t>δf</a:t>
-            </a:r>
-            <a:r>
-              <a:rPr lang="en-US" baseline="-25000" dirty="0" err="1" smtClean="0"/>
-              <a:t>i</a:t>
-            </a:r>
-            <a:r>
-              <a:rPr lang="en-US" dirty="0" smtClean="0"/>
-              <a:t>/</a:t>
-            </a:r>
-            <a:r>
-              <a:rPr lang="en-US" dirty="0" err="1" smtClean="0"/>
-              <a:t>δq</a:t>
-            </a:r>
-            <a:r>
-              <a:rPr lang="en-US" baseline="-25000" dirty="0" err="1" smtClean="0"/>
-              <a:t>jk</a:t>
-            </a:r>
-            <a:endParaRPr lang="en-US" baseline="-25000" dirty="0" smtClean="0"/>
-          </a:p>
-          <a:p>
-            <a:r>
-              <a:rPr lang="en-US" dirty="0" err="1" smtClean="0"/>
-              <a:t>Var</a:t>
-            </a:r>
-            <a:r>
-              <a:rPr lang="en-US" dirty="0" smtClean="0"/>
-              <a:t>(p</a:t>
-            </a:r>
-            <a:r>
-              <a:rPr lang="en-US" baseline="-25000" dirty="0" smtClean="0"/>
-              <a:t>i</a:t>
-            </a:r>
-            <a:r>
-              <a:rPr lang="en-US" dirty="0" smtClean="0"/>
-              <a:t>) = </a:t>
-            </a:r>
-            <a:r>
-              <a:rPr lang="en-US" dirty="0" err="1" smtClean="0"/>
-              <a:t>Σ</a:t>
-            </a:r>
-            <a:r>
-              <a:rPr lang="en-US" baseline="-25000" dirty="0" err="1" smtClean="0"/>
-              <a:t>q,q</a:t>
-            </a:r>
-            <a:r>
-              <a:rPr lang="en-US" baseline="-25000" dirty="0" smtClean="0"/>
-              <a:t>’</a:t>
-            </a:r>
-            <a:r>
-              <a:rPr lang="en-US" dirty="0" smtClean="0"/>
-              <a:t> </a:t>
-            </a:r>
-            <a:r>
-              <a:rPr lang="en-US" dirty="0" err="1" smtClean="0"/>
-              <a:t>Cov</a:t>
-            </a:r>
-            <a:r>
-              <a:rPr lang="en-US" dirty="0" smtClean="0"/>
-              <a:t> (</a:t>
-            </a:r>
-            <a:r>
-              <a:rPr lang="en-US" dirty="0" err="1" smtClean="0"/>
-              <a:t>q,q</a:t>
-            </a:r>
-            <a:r>
-              <a:rPr lang="en-US" dirty="0" smtClean="0"/>
-              <a:t>’) x </a:t>
-            </a:r>
-            <a:r>
-              <a:rPr lang="en-US" dirty="0" err="1" smtClean="0"/>
-              <a:t>δf</a:t>
-            </a:r>
-            <a:r>
-              <a:rPr lang="en-US" baseline="-25000" dirty="0" err="1" smtClean="0"/>
-              <a:t>i</a:t>
-            </a:r>
-            <a:r>
-              <a:rPr lang="en-US" dirty="0" smtClean="0"/>
-              <a:t>/</a:t>
-            </a:r>
-            <a:r>
-              <a:rPr lang="en-US" dirty="0" err="1" smtClean="0"/>
-              <a:t>δq</a:t>
-            </a:r>
-            <a:r>
-              <a:rPr lang="en-US" dirty="0" smtClean="0"/>
-              <a:t> x </a:t>
-            </a:r>
-            <a:r>
-              <a:rPr lang="en-US" dirty="0" err="1" smtClean="0"/>
-              <a:t>δf</a:t>
-            </a:r>
-            <a:r>
-              <a:rPr lang="en-US" baseline="-25000" dirty="0" err="1" smtClean="0"/>
-              <a:t>i</a:t>
-            </a:r>
-            <a:r>
-              <a:rPr lang="en-US" dirty="0" smtClean="0"/>
-              <a:t>/</a:t>
-            </a:r>
-            <a:r>
-              <a:rPr lang="en-US" dirty="0" err="1" smtClean="0"/>
-              <a:t>δq</a:t>
-            </a:r>
-            <a:r>
-              <a:rPr lang="en-US" dirty="0" smtClean="0"/>
-              <a:t>’</a:t>
-            </a:r>
-            <a:endParaRPr lang="en-US" dirty="0"/>
-          </a:p>
-          <a:p>
-            <a:r>
-              <a:rPr lang="en-US" dirty="0" smtClean="0"/>
-              <a:t>Estimate variances, derivatives</a:t>
-            </a:r>
-          </a:p>
-          <a:p>
-            <a:r>
-              <a:rPr lang="en-US" dirty="0" smtClean="0"/>
-              <a:t>Use E[p</a:t>
-            </a:r>
-            <a:r>
-              <a:rPr lang="en-US" baseline="-25000" dirty="0" smtClean="0"/>
-              <a:t>i</a:t>
-            </a:r>
-            <a:r>
-              <a:rPr lang="en-US" dirty="0" smtClean="0"/>
-              <a:t>], </a:t>
-            </a:r>
-            <a:r>
-              <a:rPr lang="en-US" dirty="0" err="1" smtClean="0"/>
-              <a:t>Var</a:t>
-            </a:r>
-            <a:r>
-              <a:rPr lang="en-US" dirty="0" smtClean="0"/>
-              <a:t>(p</a:t>
-            </a:r>
-            <a:r>
-              <a:rPr lang="en-US" baseline="-25000" dirty="0" smtClean="0"/>
-              <a:t>i</a:t>
-            </a:r>
-            <a:r>
-              <a:rPr lang="en-US" dirty="0" smtClean="0"/>
-              <a:t>) to get confidence interval</a:t>
-            </a:r>
-            <a:endParaRPr lang="en-US" dirty="0"/>
-          </a:p>
-          <a:p>
-            <a:endParaRPr lang="en-US" dirty="0"/>
-          </a:p>
-        </p:txBody>
-      </p:sp>
-    </p:spTree>
-    <p:extLst>
-      <p:ext uri="{BB962C8B-B14F-4D97-AF65-F5344CB8AC3E}">
-        <p14:creationId xmlns:p14="http://schemas.microsoft.com/office/powerpoint/2010/main" val="775948302"/>
-      </p:ext>
-    </p:extLst>
-  </p:cSld>
-  <p:clrMapOvr>
-    <a:masterClrMapping/>
-  </p:clrMapOvr>
-</p:sld>
-</file>
-
 <file path=ppt/slides/slide7.xml><?xml version="1.0" encoding="utf-8"?>
 <p:sld xmlns:a="http://schemas.openxmlformats.org/drawingml/2006/main" xmlns:r="http://schemas.openxmlformats.org/officeDocument/2006/relationships" xmlns:p="http://schemas.openxmlformats.org/presentationml/2006/main">
   <p:cSld>
@@ -17276,7 +18641,7 @@
           <a:p>
             <a:r>
               <a:rPr lang="en-US" dirty="0" smtClean="0"/>
-              <a:t>Generalizing to many workers</a:t>
+              <a:t>Warm-up: 3 workers, binary tasks</a:t>
             </a:r>
             <a:endParaRPr lang="en-US" dirty="0"/>
           </a:p>
@@ -17298,123 +18663,210 @@
           <a:lstStyle/>
           <a:p>
             <a:r>
-              <a:rPr lang="en-US" dirty="0" smtClean="0"/>
-              <a:t>Key Idea: Take multiple sets of 3 workers and combine estimates</a:t>
-            </a:r>
-          </a:p>
-          <a:p>
-            <a:r>
-              <a:rPr lang="en-US" dirty="0" smtClean="0"/>
-              <a:t>For each worker, form N/2 triples. </a:t>
-            </a:r>
-          </a:p>
-          <a:p>
-            <a:r>
-              <a:rPr lang="en-US" dirty="0" smtClean="0"/>
-              <a:t>E.g. For n=5, for ‘w</a:t>
-            </a:r>
-            <a:r>
-              <a:rPr lang="en-US" baseline="-25000" dirty="0" smtClean="0"/>
+              <a:rPr lang="en-US" b="1" dirty="0" smtClean="0"/>
+              <a:t>Theorem</a:t>
+            </a:r>
+            <a:r>
+              <a:rPr lang="en-US" dirty="0"/>
+              <a:t>: Y = f(X</a:t>
+            </a:r>
+            <a:r>
+              <a:rPr lang="en-US" baseline="-25000" dirty="0"/>
               <a:t>1</a:t>
             </a:r>
             <a:r>
-              <a:rPr lang="en-US" dirty="0" smtClean="0"/>
-              <a:t>’</a:t>
-            </a:r>
-            <a:r>
-              <a:rPr lang="en-US" baseline="-25000" dirty="0" smtClean="0"/>
+              <a:rPr lang="en-US" dirty="0"/>
+              <a:t>, X</a:t>
+            </a:r>
+            <a:r>
+              <a:rPr lang="en-US" baseline="-25000" dirty="0"/>
+              <a:t>2</a:t>
+            </a:r>
+            <a:r>
+              <a:rPr lang="en-US" dirty="0"/>
+              <a:t>, X</a:t>
+            </a:r>
+            <a:r>
+              <a:rPr lang="en-US" baseline="-25000" dirty="0"/>
+              <a:t>3</a:t>
+            </a:r>
+            <a:r>
+              <a:rPr lang="en-US" dirty="0"/>
+              <a:t>) </a:t>
+            </a:r>
+          </a:p>
+          <a:p>
+            <a:pPr lvl="1"/>
+            <a:r>
+              <a:rPr lang="en-US" dirty="0"/>
+              <a:t>X</a:t>
+            </a:r>
+            <a:r>
+              <a:rPr lang="en-US" baseline="-25000" dirty="0"/>
+              <a:t>i</a:t>
+            </a:r>
+            <a:r>
+              <a:rPr lang="en-US" dirty="0"/>
+              <a:t>’s </a:t>
+            </a:r>
+            <a:r>
+              <a:rPr lang="en-US" b="1" dirty="0"/>
+              <a:t>normal</a:t>
+            </a:r>
+            <a:r>
+              <a:rPr lang="en-US" dirty="0"/>
+              <a:t>, f </a:t>
+            </a:r>
+            <a:r>
+              <a:rPr lang="en-US" b="1" dirty="0"/>
+              <a:t>linear </a:t>
+            </a:r>
+            <a:r>
+              <a:rPr lang="en-US" dirty="0"/>
+              <a:t>(~ a</a:t>
+            </a:r>
+            <a:r>
+              <a:rPr lang="en-US" baseline="-25000" dirty="0"/>
+              <a:t>1</a:t>
+            </a:r>
+            <a:r>
+              <a:rPr lang="en-US" dirty="0"/>
+              <a:t>X</a:t>
+            </a:r>
+            <a:r>
+              <a:rPr lang="en-US" baseline="-25000" dirty="0"/>
+              <a:t>1</a:t>
+            </a:r>
+            <a:r>
+              <a:rPr lang="en-US" dirty="0"/>
+              <a:t> + a</a:t>
+            </a:r>
+            <a:r>
+              <a:rPr lang="en-US" baseline="-25000" dirty="0"/>
+              <a:t>2</a:t>
+            </a:r>
+            <a:r>
+              <a:rPr lang="en-US" dirty="0"/>
+              <a:t>X</a:t>
+            </a:r>
+            <a:r>
+              <a:rPr lang="en-US" baseline="-25000" dirty="0"/>
+              <a:t>2</a:t>
+            </a:r>
+            <a:r>
+              <a:rPr lang="en-US" dirty="0"/>
+              <a:t> + a</a:t>
+            </a:r>
+            <a:r>
+              <a:rPr lang="en-US" baseline="-25000" dirty="0"/>
+              <a:t>3</a:t>
+            </a:r>
+            <a:r>
+              <a:rPr lang="en-US" dirty="0"/>
+              <a:t>X</a:t>
+            </a:r>
+            <a:r>
+              <a:rPr lang="en-US" baseline="-25000" dirty="0"/>
+              <a:t>3</a:t>
+            </a:r>
+            <a:r>
+              <a:rPr lang="en-US" dirty="0"/>
+              <a:t>)</a:t>
+            </a:r>
+            <a:endParaRPr lang="en-US" b="1" dirty="0"/>
+          </a:p>
+          <a:p>
+            <a:pPr lvl="1"/>
+            <a:r>
+              <a:rPr lang="en-US" dirty="0" err="1"/>
+              <a:t>Var</a:t>
+            </a:r>
+            <a:r>
+              <a:rPr lang="en-US" dirty="0"/>
+              <a:t>(Y) =  </a:t>
+            </a:r>
+            <a:r>
+              <a:rPr lang="en-US" dirty="0" err="1"/>
+              <a:t>Σ</a:t>
+            </a:r>
+            <a:r>
+              <a:rPr lang="en-US" baseline="-25000" dirty="0" err="1"/>
+              <a:t>i,j</a:t>
+            </a:r>
+            <a:r>
+              <a:rPr lang="en-US" dirty="0"/>
               <a:t> </a:t>
             </a:r>
             <a:r>
-              <a:rPr lang="en-US" dirty="0" smtClean="0"/>
-              <a:t>we have groups (w</a:t>
-            </a:r>
-            <a:r>
-              <a:rPr lang="en-US" baseline="-25000" dirty="0" smtClean="0"/>
-              <a:t>1</a:t>
-            </a:r>
-            <a:r>
-              <a:rPr lang="en-US" dirty="0" smtClean="0"/>
-              <a:t>, w</a:t>
-            </a:r>
-            <a:r>
-              <a:rPr lang="en-US" baseline="-25000" dirty="0" smtClean="0"/>
-              <a:t>2</a:t>
-            </a:r>
-            <a:r>
-              <a:rPr lang="en-US" dirty="0" smtClean="0"/>
-              <a:t>, w</a:t>
-            </a:r>
-            <a:r>
-              <a:rPr lang="en-US" baseline="-25000" dirty="0" smtClean="0"/>
-              <a:t>3</a:t>
-            </a:r>
-            <a:r>
-              <a:rPr lang="en-US" dirty="0" smtClean="0"/>
-              <a:t>) (w</a:t>
-            </a:r>
-            <a:r>
-              <a:rPr lang="en-US" baseline="-25000" dirty="0" smtClean="0"/>
-              <a:t>1</a:t>
-            </a:r>
-            <a:r>
-              <a:rPr lang="en-US" dirty="0" smtClean="0"/>
-              <a:t>, w</a:t>
-            </a:r>
-            <a:r>
-              <a:rPr lang="en-US" baseline="-25000" dirty="0" smtClean="0"/>
-              <a:t>4</a:t>
-            </a:r>
-            <a:r>
-              <a:rPr lang="en-US" dirty="0" smtClean="0"/>
-              <a:t>, w</a:t>
-            </a:r>
-            <a:r>
-              <a:rPr lang="en-US" baseline="-25000" dirty="0" smtClean="0"/>
-              <a:t>5</a:t>
-            </a:r>
-            <a:r>
-              <a:rPr lang="en-US" dirty="0" smtClean="0"/>
+              <a:rPr lang="en-US" dirty="0" err="1"/>
+              <a:t>a</a:t>
+            </a:r>
+            <a:r>
+              <a:rPr lang="en-US" baseline="-25000" dirty="0" err="1"/>
+              <a:t>i</a:t>
+            </a:r>
+            <a:r>
+              <a:rPr lang="en-US" dirty="0" err="1"/>
+              <a:t>a</a:t>
+            </a:r>
+            <a:r>
+              <a:rPr lang="en-US" baseline="-25000" dirty="0" err="1"/>
+              <a:t>j</a:t>
+            </a:r>
+            <a:r>
+              <a:rPr lang="en-US" baseline="-25000" dirty="0"/>
+              <a:t> </a:t>
+            </a:r>
+            <a:r>
+              <a:rPr lang="en-US" dirty="0" err="1"/>
+              <a:t>Cov</a:t>
+            </a:r>
+            <a:r>
+              <a:rPr lang="en-US" dirty="0"/>
+              <a:t>(X</a:t>
+            </a:r>
+            <a:r>
+              <a:rPr lang="en-US" baseline="-25000" dirty="0"/>
+              <a:t>i</a:t>
+            </a:r>
+            <a:r>
+              <a:rPr lang="en-US" dirty="0"/>
+              <a:t>, </a:t>
+            </a:r>
+            <a:r>
+              <a:rPr lang="en-US" dirty="0" err="1"/>
+              <a:t>X</a:t>
+            </a:r>
+            <a:r>
+              <a:rPr lang="en-US" baseline="-25000" dirty="0" err="1"/>
+              <a:t>j</a:t>
+            </a:r>
+            <a:r>
+              <a:rPr lang="en-US" dirty="0"/>
               <a:t>)</a:t>
             </a:r>
           </a:p>
           <a:p>
             <a:r>
-              <a:rPr lang="en-US" dirty="0" smtClean="0"/>
-              <a:t>Use each triple to compute estimate for p</a:t>
-            </a:r>
-            <a:r>
-              <a:rPr lang="en-US" baseline="-25000" dirty="0" smtClean="0"/>
-              <a:t>1</a:t>
-            </a:r>
-            <a:endParaRPr lang="en-US" baseline="-25000" dirty="0"/>
-          </a:p>
-          <a:p>
-            <a:r>
-              <a:rPr lang="en-US" dirty="0" smtClean="0"/>
-              <a:t>Compute variances, </a:t>
-            </a:r>
-            <a:r>
-              <a:rPr lang="en-US" dirty="0" err="1" smtClean="0"/>
-              <a:t>covariances</a:t>
-            </a:r>
-            <a:r>
-              <a:rPr lang="en-US" dirty="0" smtClean="0"/>
-              <a:t> of estimates</a:t>
-            </a:r>
-          </a:p>
-          <a:p>
-            <a:r>
-              <a:rPr lang="en-US" dirty="0" smtClean="0"/>
-              <a:t>Use weighted combination of estimates</a:t>
-            </a:r>
+              <a:rPr lang="en-US" dirty="0"/>
+              <a:t>Works for approximately normal (binomial), locally linear (differentiable)</a:t>
+            </a:r>
+          </a:p>
+          <a:p>
+            <a:r>
+              <a:rPr lang="en-US" dirty="0"/>
+              <a:t>Linear coefficients given by partial derivatives</a:t>
+            </a:r>
+          </a:p>
+          <a:p>
+            <a:endParaRPr lang="en-US" dirty="0"/>
           </a:p>
         </p:txBody>
       </p:sp>
     </p:spTree>
     <p:extLst>
       <p:ext uri="{BB962C8B-B14F-4D97-AF65-F5344CB8AC3E}">
-        <p14:creationId xmlns:p14="http://schemas.microsoft.com/office/powerpoint/2010/main" val="1730068441"/>
+        <p14:creationId xmlns:p14="http://schemas.microsoft.com/office/powerpoint/2010/main" val="1877864000"/>
       </p:ext>
     </p:extLst>
   </p:cSld>
@@ -17458,7 +18910,7 @@
           <a:p>
             <a:r>
               <a:rPr lang="en-US" dirty="0"/>
-              <a:t>Generalizing to many workers</a:t>
+              <a:t>Warm-up: 3 workers, binary tasks</a:t>
             </a:r>
           </a:p>
         </p:txBody>
@@ -17479,79 +18931,190 @@
           <a:lstStyle/>
           <a:p>
             <a:r>
-              <a:rPr lang="en-US" dirty="0"/>
-              <a:t>Optimum weights for </a:t>
-            </a:r>
-            <a:r>
               <a:rPr lang="en-US" dirty="0" smtClean="0"/>
-              <a:t>combining</a:t>
+              <a:t>Variance in p estimate depends on </a:t>
             </a:r>
           </a:p>
           <a:p>
             <a:pPr lvl="1"/>
             <a:r>
               <a:rPr lang="en-US" dirty="0" smtClean="0"/>
-              <a:t>Covariance matrix A </a:t>
+              <a:t>Variance in q estimates</a:t>
             </a:r>
           </a:p>
           <a:p>
             <a:pPr lvl="1"/>
             <a:r>
+              <a:rPr lang="en-US" dirty="0" err="1" smtClean="0"/>
+              <a:t>δf</a:t>
+            </a:r>
+            <a:r>
+              <a:rPr lang="en-US" baseline="-25000" dirty="0" err="1" smtClean="0"/>
+              <a:t>i</a:t>
+            </a:r>
+            <a:r>
               <a:rPr lang="en-US" dirty="0" smtClean="0"/>
-              <a:t>Given by A</a:t>
-            </a:r>
-            <a:r>
-              <a:rPr lang="en-US" baseline="30000" dirty="0" smtClean="0"/>
-              <a:t>-1</a:t>
+              <a:t>/</a:t>
+            </a:r>
+            <a:r>
+              <a:rPr lang="en-US" dirty="0" err="1" smtClean="0"/>
+              <a:t>δq</a:t>
+            </a:r>
+            <a:r>
+              <a:rPr lang="en-US" baseline="-25000" dirty="0" err="1" smtClean="0"/>
+              <a:t>ij</a:t>
             </a:r>
             <a:r>
               <a:rPr lang="en-US" dirty="0" smtClean="0"/>
-              <a:t>L</a:t>
+              <a:t>, </a:t>
+            </a:r>
+            <a:r>
+              <a:rPr lang="en-US" dirty="0" err="1" smtClean="0"/>
+              <a:t>δf</a:t>
+            </a:r>
+            <a:r>
+              <a:rPr lang="en-US" baseline="-25000" dirty="0" err="1" smtClean="0"/>
+              <a:t>i</a:t>
+            </a:r>
+            <a:r>
+              <a:rPr lang="en-US" dirty="0" smtClean="0"/>
+              <a:t>/</a:t>
+            </a:r>
+            <a:r>
+              <a:rPr lang="en-US" dirty="0" err="1" smtClean="0"/>
+              <a:t>δq</a:t>
+            </a:r>
+            <a:r>
+              <a:rPr lang="en-US" baseline="-25000" dirty="0" err="1" smtClean="0"/>
+              <a:t>jk</a:t>
+            </a:r>
+            <a:endParaRPr lang="en-US" baseline="-25000" dirty="0" smtClean="0"/>
+          </a:p>
+          <a:p>
+            <a:r>
+              <a:rPr lang="en-US" dirty="0" err="1" smtClean="0"/>
+              <a:t>Var</a:t>
+            </a:r>
+            <a:r>
+              <a:rPr lang="en-US" dirty="0" smtClean="0"/>
+              <a:t>(p</a:t>
             </a:r>
             <a:r>
               <a:rPr lang="en-US" baseline="-25000" dirty="0" smtClean="0"/>
-              <a:t>N/2 </a:t>
+              <a:t>i</a:t>
             </a:r>
             <a:r>
               <a:rPr lang="en-US" dirty="0" smtClean="0"/>
-              <a:t>where </a:t>
+              <a:t>) = </a:t>
             </a:r>
             <a:r>
               <a:rPr lang="en-US" dirty="0" err="1" smtClean="0"/>
-              <a:t>L</a:t>
+              <a:t>Σ</a:t>
             </a:r>
             <a:r>
               <a:rPr lang="en-US" baseline="-25000" dirty="0" err="1" smtClean="0"/>
-              <a:t>k</a:t>
+              <a:t>q,q</a:t>
+            </a:r>
+            <a:r>
+              <a:rPr lang="en-US" baseline="-25000" dirty="0" smtClean="0"/>
+              <a:t>’</a:t>
             </a:r>
             <a:r>
               <a:rPr lang="en-US" dirty="0" smtClean="0"/>
-              <a:t> is a k-length vector with values 1/k</a:t>
-            </a:r>
-            <a:endParaRPr lang="en-US" baseline="-25000" dirty="0"/>
-          </a:p>
-          <a:p>
-            <a:r>
-              <a:rPr lang="en-US" dirty="0"/>
-              <a:t>Greedy way of group </a:t>
+              <a:t> </a:t>
+            </a:r>
+            <a:r>
+              <a:rPr lang="en-US" dirty="0" err="1" smtClean="0"/>
+              <a:t>Cov</a:t>
             </a:r>
             <a:r>
               <a:rPr lang="en-US" dirty="0" smtClean="0"/>
-              <a:t>forming</a:t>
-            </a:r>
-          </a:p>
-          <a:p>
-            <a:pPr lvl="1"/>
+              <a:t> (</a:t>
+            </a:r>
+            <a:r>
+              <a:rPr lang="en-US" dirty="0" err="1" smtClean="0"/>
+              <a:t>q,q</a:t>
+            </a:r>
             <a:r>
               <a:rPr lang="en-US" dirty="0" smtClean="0"/>
-              <a:t>Better to have two good workers in one group than one good worker in two groups, due to weighting</a:t>
-            </a:r>
-          </a:p>
-          <a:p>
-            <a:pPr lvl="1"/>
+              <a:t>’) x </a:t>
+            </a:r>
+            <a:r>
+              <a:rPr lang="en-US" dirty="0" err="1" smtClean="0"/>
+              <a:t>δf</a:t>
+            </a:r>
+            <a:r>
+              <a:rPr lang="en-US" baseline="-25000" dirty="0" err="1" smtClean="0"/>
+              <a:t>i</a:t>
+            </a:r>
             <a:r>
               <a:rPr lang="en-US" dirty="0" smtClean="0"/>
-              <a:t>Greedily form groups</a:t>
+              <a:t>/</a:t>
+            </a:r>
+            <a:r>
+              <a:rPr lang="en-US" dirty="0" err="1" smtClean="0"/>
+              <a:t>δq</a:t>
+            </a:r>
+            <a:r>
+              <a:rPr lang="en-US" dirty="0" smtClean="0"/>
+              <a:t> x </a:t>
+            </a:r>
+            <a:r>
+              <a:rPr lang="en-US" dirty="0" err="1" smtClean="0"/>
+              <a:t>δf</a:t>
+            </a:r>
+            <a:r>
+              <a:rPr lang="en-US" baseline="-25000" dirty="0" err="1" smtClean="0"/>
+              <a:t>i</a:t>
+            </a:r>
+            <a:r>
+              <a:rPr lang="en-US" dirty="0" smtClean="0"/>
+              <a:t>/</a:t>
+            </a:r>
+            <a:r>
+              <a:rPr lang="en-US" dirty="0" err="1" smtClean="0"/>
+              <a:t>δq</a:t>
+            </a:r>
+            <a:r>
+              <a:rPr lang="en-US" dirty="0" smtClean="0"/>
+              <a:t>’</a:t>
+            </a:r>
+            <a:endParaRPr lang="en-US" dirty="0"/>
+          </a:p>
+          <a:p>
+            <a:r>
+              <a:rPr lang="en-US" dirty="0" smtClean="0"/>
+              <a:t>Estimate variances, derivatives</a:t>
+            </a:r>
+          </a:p>
+          <a:p>
+            <a:r>
+              <a:rPr lang="en-US" dirty="0" smtClean="0"/>
+              <a:t>Use E[p</a:t>
+            </a:r>
+            <a:r>
+              <a:rPr lang="en-US" baseline="-25000" dirty="0" smtClean="0"/>
+              <a:t>i</a:t>
+            </a:r>
+            <a:r>
+              <a:rPr lang="en-US" dirty="0" smtClean="0"/>
+              <a:t>], </a:t>
+            </a:r>
+            <a:r>
+              <a:rPr lang="en-US" dirty="0" err="1" smtClean="0"/>
+              <a:t>Var</a:t>
+            </a:r>
+            <a:r>
+              <a:rPr lang="en-US" dirty="0" smtClean="0"/>
+              <a:t>(p</a:t>
+            </a:r>
+            <a:r>
+              <a:rPr lang="en-US" baseline="-25000" dirty="0" smtClean="0"/>
+              <a:t>i</a:t>
+            </a:r>
+            <a:r>
+              <a:rPr lang="en-US" dirty="0" smtClean="0"/>
+              <a:t>) to get confidence interval</a:t>
             </a:r>
             <a:endParaRPr lang="en-US" dirty="0"/>
           </a:p>
@@ -17563,7 +19126,7 @@
     </p:spTree>
     <p:extLst>
       <p:ext uri="{BB962C8B-B14F-4D97-AF65-F5344CB8AC3E}">
-        <p14:creationId xmlns:p14="http://schemas.microsoft.com/office/powerpoint/2010/main" val="1960022412"/>
+        <p14:creationId xmlns:p14="http://schemas.microsoft.com/office/powerpoint/2010/main" val="775948302"/>
       </p:ext>
     </p:extLst>
   </p:cSld>
@@ -17607,606 +19170,52 @@
           <a:p>
             <a:r>
               <a:rPr lang="en-US" dirty="0" smtClean="0"/>
-              <a:t>3 Workers Non-binary Tasks</a:t>
+              <a:t>Calibration Results (Synthetic Data)</a:t>
             </a:r>
             <a:endParaRPr lang="en-US" dirty="0"/>
           </a:p>
         </p:txBody>
       </p:sp>
-      <p:sp>
-        <p:nvSpPr>
-          <p:cNvPr id="3" name="Content Placeholder 2"/>
-          <p:cNvSpPr>
-            <a:spLocks noGrp="1"/>
-          </p:cNvSpPr>
-          <p:nvPr>
-            <p:ph sz="quarter" idx="1"/>
-          </p:nvPr>
-        </p:nvSpPr>
-        <p:spPr/>
-        <p:txBody>
-          <a:bodyPr/>
-          <a:lstStyle/>
-          <a:p>
-            <a:r>
-              <a:rPr lang="en-US" dirty="0" smtClean="0"/>
-              <a:t>Confusion matrix P</a:t>
-            </a:r>
-            <a:r>
-              <a:rPr lang="en-US" baseline="-25000" dirty="0" smtClean="0"/>
-              <a:t>i , </a:t>
-            </a:r>
-            <a:r>
-              <a:rPr lang="en-US" dirty="0" smtClean="0"/>
-              <a:t>Selectivity vector S, diagonal S</a:t>
-            </a:r>
-            <a:r>
-              <a:rPr lang="en-US" baseline="30000" dirty="0" smtClean="0"/>
-              <a:t>D</a:t>
-            </a:r>
-          </a:p>
-          <a:p>
-            <a:pPr marL="0" indent="0">
-              <a:buNone/>
-            </a:pPr>
-            <a:endParaRPr lang="en-US" dirty="0" smtClean="0"/>
-          </a:p>
-          <a:p>
-            <a:pPr marL="0" indent="0">
-              <a:buNone/>
-            </a:pPr>
-            <a:r>
-              <a:rPr lang="en-US" dirty="0" smtClean="0"/>
-              <a:t>    e.g.                           ,              , </a:t>
-            </a:r>
-            <a:endParaRPr lang="en-US" dirty="0"/>
-          </a:p>
-          <a:p>
-            <a:pPr marL="0" indent="0">
-              <a:buNone/>
-            </a:pPr>
-            <a:endParaRPr lang="en-US" dirty="0" smtClean="0"/>
-          </a:p>
-          <a:p>
-            <a:r>
-              <a:rPr lang="en-US" dirty="0" smtClean="0"/>
-              <a:t>P</a:t>
-            </a:r>
-            <a:r>
-              <a:rPr lang="en-US" baseline="-25000" dirty="0" smtClean="0"/>
-              <a:t>i</a:t>
-            </a:r>
-            <a:r>
-              <a:rPr lang="en-US" dirty="0" smtClean="0"/>
-              <a:t>’s, S : Column-stochastic, unknown</a:t>
-            </a:r>
-          </a:p>
-          <a:p>
-            <a:r>
-              <a:rPr lang="en-US" dirty="0" smtClean="0"/>
-              <a:t>Observation probabilities given by </a:t>
-            </a:r>
-            <a:r>
-              <a:rPr lang="en-US" b="1" dirty="0" err="1" smtClean="0"/>
-              <a:t>P</a:t>
-            </a:r>
-            <a:r>
-              <a:rPr lang="en-US" b="1" baseline="-25000" dirty="0" err="1" smtClean="0"/>
-              <a:t>i</a:t>
-            </a:r>
-            <a:r>
-              <a:rPr lang="en-US" b="1" dirty="0" err="1" smtClean="0"/>
-              <a:t>S</a:t>
-            </a:r>
-            <a:endParaRPr lang="en-US" b="1" dirty="0" smtClean="0"/>
-          </a:p>
-        </p:txBody>
-      </p:sp>
-      <p:graphicFrame>
-        <p:nvGraphicFramePr>
-          <p:cNvPr id="4" name="Table 3"/>
-          <p:cNvGraphicFramePr>
-            <a:graphicFrameLocks noGrp="1"/>
-          </p:cNvGraphicFramePr>
-          <p:nvPr>
-            <p:extLst>
-              <p:ext uri="{D42A27DB-BD31-4B8C-83A1-F6EECF244321}">
-                <p14:modId xmlns:p14="http://schemas.microsoft.com/office/powerpoint/2010/main" val="3266693032"/>
-              </p:ext>
-            </p:extLst>
-          </p:nvPr>
-        </p:nvGraphicFramePr>
-        <p:xfrm>
-          <a:off x="1537655" y="2097618"/>
-          <a:ext cx="1766952" cy="1320255"/>
-        </p:xfrm>
-        <a:graphic>
-          <a:graphicData uri="http://schemas.openxmlformats.org/drawingml/2006/table">
-            <a:tbl>
-              <a:tblPr firstRow="1" bandRow="1">
-                <a:tableStyleId>{5940675A-B579-460E-94D1-54222C63F5DA}</a:tableStyleId>
-              </a:tblPr>
-              <a:tblGrid>
-                <a:gridCol w="588984"/>
-                <a:gridCol w="588984"/>
-                <a:gridCol w="588984"/>
-              </a:tblGrid>
-              <a:tr h="440085">
-                <a:tc>
-                  <a:txBody>
-                    <a:bodyPr/>
-                    <a:lstStyle/>
-                    <a:p>
-                      <a:r>
-                        <a:rPr lang="en-US" dirty="0" smtClean="0"/>
-                        <a:t>0.8</a:t>
-                      </a:r>
-                      <a:endParaRPr lang="en-US" dirty="0"/>
-                    </a:p>
-                  </a:txBody>
-                  <a:tcPr/>
-                </a:tc>
-                <a:tc>
-                  <a:txBody>
-                    <a:bodyPr/>
-                    <a:lstStyle/>
-                    <a:p>
-                      <a:r>
-                        <a:rPr lang="en-US" dirty="0" smtClean="0"/>
-                        <a:t>0.1</a:t>
-                      </a:r>
-                      <a:endParaRPr lang="en-US" dirty="0"/>
-                    </a:p>
-                  </a:txBody>
-                  <a:tcPr/>
-                </a:tc>
-                <a:tc>
-                  <a:txBody>
-                    <a:bodyPr/>
-                    <a:lstStyle/>
-                    <a:p>
-                      <a:r>
-                        <a:rPr lang="en-US" dirty="0" smtClean="0"/>
-                        <a:t>0.3</a:t>
-                      </a:r>
-                      <a:endParaRPr lang="en-US" dirty="0"/>
-                    </a:p>
-                  </a:txBody>
-                  <a:tcPr/>
-                </a:tc>
-              </a:tr>
-              <a:tr h="440085">
-                <a:tc>
-                  <a:txBody>
-                    <a:bodyPr/>
-                    <a:lstStyle/>
-                    <a:p>
-                      <a:r>
-                        <a:rPr lang="en-US" dirty="0" smtClean="0"/>
-                        <a:t>0.1</a:t>
-                      </a:r>
-                      <a:endParaRPr lang="en-US" dirty="0"/>
-                    </a:p>
-                  </a:txBody>
-                  <a:tcPr/>
-                </a:tc>
-                <a:tc>
-                  <a:txBody>
-                    <a:bodyPr/>
-                    <a:lstStyle/>
-                    <a:p>
-                      <a:r>
-                        <a:rPr lang="en-US" dirty="0" smtClean="0"/>
-                        <a:t>0.7</a:t>
-                      </a:r>
-                      <a:endParaRPr lang="en-US" dirty="0"/>
-                    </a:p>
-                  </a:txBody>
-                  <a:tcPr/>
-                </a:tc>
-                <a:tc>
-                  <a:txBody>
-                    <a:bodyPr/>
-                    <a:lstStyle/>
-                    <a:p>
-                      <a:r>
-                        <a:rPr lang="en-US" dirty="0" smtClean="0"/>
-                        <a:t>0.1</a:t>
-                      </a:r>
-                      <a:endParaRPr lang="en-US" dirty="0"/>
-                    </a:p>
-                  </a:txBody>
-                  <a:tcPr/>
-                </a:tc>
-              </a:tr>
-              <a:tr h="440085">
-                <a:tc>
-                  <a:txBody>
-                    <a:bodyPr/>
-                    <a:lstStyle/>
-                    <a:p>
-                      <a:r>
-                        <a:rPr lang="en-US" dirty="0" smtClean="0"/>
-                        <a:t>0.1</a:t>
-                      </a:r>
-                      <a:endParaRPr lang="en-US" dirty="0"/>
-                    </a:p>
-                  </a:txBody>
-                  <a:tcPr/>
-                </a:tc>
-                <a:tc>
-                  <a:txBody>
-                    <a:bodyPr/>
-                    <a:lstStyle/>
-                    <a:p>
-                      <a:r>
-                        <a:rPr lang="en-US" dirty="0" smtClean="0"/>
-                        <a:t>0.2</a:t>
-                      </a:r>
-                      <a:endParaRPr lang="en-US" dirty="0"/>
-                    </a:p>
-                  </a:txBody>
-                  <a:tcPr/>
-                </a:tc>
-                <a:tc>
-                  <a:txBody>
-                    <a:bodyPr/>
-                    <a:lstStyle/>
-                    <a:p>
-                      <a:r>
-                        <a:rPr lang="en-US" dirty="0" smtClean="0"/>
-                        <a:t>0.6</a:t>
-                      </a:r>
-                      <a:endParaRPr lang="en-US" dirty="0"/>
-                    </a:p>
-                  </a:txBody>
-                  <a:tcPr/>
-                </a:tc>
-              </a:tr>
-            </a:tbl>
-          </a:graphicData>
-        </a:graphic>
-      </p:graphicFrame>
-      <p:graphicFrame>
-        <p:nvGraphicFramePr>
-          <p:cNvPr id="5" name="Table 4"/>
-          <p:cNvGraphicFramePr>
-            <a:graphicFrameLocks noGrp="1"/>
-          </p:cNvGraphicFramePr>
-          <p:nvPr>
-            <p:extLst>
-              <p:ext uri="{D42A27DB-BD31-4B8C-83A1-F6EECF244321}">
-                <p14:modId xmlns:p14="http://schemas.microsoft.com/office/powerpoint/2010/main" val="925992086"/>
-              </p:ext>
-            </p:extLst>
-          </p:nvPr>
-        </p:nvGraphicFramePr>
-        <p:xfrm>
-          <a:off x="4006581" y="2097617"/>
-          <a:ext cx="551621" cy="1320255"/>
-        </p:xfrm>
-        <a:graphic>
-          <a:graphicData uri="http://schemas.openxmlformats.org/drawingml/2006/table">
-            <a:tbl>
-              <a:tblPr firstRow="1" bandRow="1">
-                <a:tableStyleId>{5940675A-B579-460E-94D1-54222C63F5DA}</a:tableStyleId>
-              </a:tblPr>
-              <a:tblGrid>
-                <a:gridCol w="551621"/>
-              </a:tblGrid>
-              <a:tr h="440085">
-                <a:tc>
-                  <a:txBody>
-                    <a:bodyPr/>
-                    <a:lstStyle/>
-                    <a:p>
-                      <a:r>
-                        <a:rPr lang="en-US" dirty="0" smtClean="0"/>
-                        <a:t>0.4</a:t>
-                      </a:r>
-                      <a:endParaRPr lang="en-US" dirty="0"/>
-                    </a:p>
-                  </a:txBody>
-                  <a:tcPr/>
-                </a:tc>
-              </a:tr>
-              <a:tr h="440085">
-                <a:tc>
-                  <a:txBody>
-                    <a:bodyPr/>
-                    <a:lstStyle/>
-                    <a:p>
-                      <a:r>
-                        <a:rPr lang="en-US" dirty="0" smtClean="0"/>
-                        <a:t>0.2</a:t>
-                      </a:r>
-                      <a:endParaRPr lang="en-US" dirty="0"/>
-                    </a:p>
-                  </a:txBody>
-                  <a:tcPr/>
-                </a:tc>
-              </a:tr>
-              <a:tr h="440085">
-                <a:tc>
-                  <a:txBody>
-                    <a:bodyPr/>
-                    <a:lstStyle/>
-                    <a:p>
-                      <a:r>
-                        <a:rPr lang="en-US" dirty="0" smtClean="0"/>
-                        <a:t>0.4</a:t>
-                      </a:r>
-                      <a:endParaRPr lang="en-US" dirty="0"/>
-                    </a:p>
-                  </a:txBody>
-                  <a:tcPr/>
-                </a:tc>
-              </a:tr>
-            </a:tbl>
-          </a:graphicData>
-        </a:graphic>
-      </p:graphicFrame>
-      <p:graphicFrame>
-        <p:nvGraphicFramePr>
-          <p:cNvPr id="6" name="Table 5"/>
-          <p:cNvGraphicFramePr>
-            <a:graphicFrameLocks noGrp="1"/>
-          </p:cNvGraphicFramePr>
-          <p:nvPr>
-            <p:extLst>
-              <p:ext uri="{D42A27DB-BD31-4B8C-83A1-F6EECF244321}">
-                <p14:modId xmlns:p14="http://schemas.microsoft.com/office/powerpoint/2010/main" val="2925425624"/>
-              </p:ext>
-            </p:extLst>
-          </p:nvPr>
-        </p:nvGraphicFramePr>
-        <p:xfrm>
-          <a:off x="5377015" y="2088197"/>
-          <a:ext cx="1766952" cy="1320255"/>
-        </p:xfrm>
-        <a:graphic>
-          <a:graphicData uri="http://schemas.openxmlformats.org/drawingml/2006/table">
-            <a:tbl>
-              <a:tblPr firstRow="1" bandRow="1">
-                <a:tableStyleId>{5940675A-B579-460E-94D1-54222C63F5DA}</a:tableStyleId>
-              </a:tblPr>
-              <a:tblGrid>
-                <a:gridCol w="588984"/>
-                <a:gridCol w="588984"/>
-                <a:gridCol w="588984"/>
-              </a:tblGrid>
-              <a:tr h="440085">
-                <a:tc>
-                  <a:txBody>
-                    <a:bodyPr/>
-                    <a:lstStyle/>
-                    <a:p>
-                      <a:r>
-                        <a:rPr lang="en-US" dirty="0" smtClean="0"/>
-                        <a:t>0.4</a:t>
-                      </a:r>
-                      <a:endParaRPr lang="en-US" dirty="0"/>
-                    </a:p>
-                  </a:txBody>
-                  <a:tcPr/>
-                </a:tc>
-                <a:tc>
-                  <a:txBody>
-                    <a:bodyPr/>
-                    <a:lstStyle/>
-                    <a:p>
-                      <a:r>
-                        <a:rPr lang="en-US" dirty="0" smtClean="0"/>
-                        <a:t>0</a:t>
-                      </a:r>
-                      <a:endParaRPr lang="en-US" dirty="0"/>
-                    </a:p>
-                  </a:txBody>
-                  <a:tcPr/>
-                </a:tc>
-                <a:tc>
-                  <a:txBody>
-                    <a:bodyPr/>
-                    <a:lstStyle/>
-                    <a:p>
-                      <a:r>
-                        <a:rPr lang="en-US" dirty="0" smtClean="0"/>
-                        <a:t>0</a:t>
-                      </a:r>
-                      <a:endParaRPr lang="en-US" dirty="0"/>
-                    </a:p>
-                  </a:txBody>
-                  <a:tcPr/>
-                </a:tc>
-              </a:tr>
-              <a:tr h="440085">
-                <a:tc>
-                  <a:txBody>
-                    <a:bodyPr/>
-                    <a:lstStyle/>
-                    <a:p>
-                      <a:r>
-                        <a:rPr lang="en-US" dirty="0" smtClean="0"/>
-                        <a:t>0</a:t>
-                      </a:r>
-                      <a:endParaRPr lang="en-US" dirty="0"/>
-                    </a:p>
-                  </a:txBody>
-                  <a:tcPr/>
-                </a:tc>
-                <a:tc>
-                  <a:txBody>
-                    <a:bodyPr/>
-                    <a:lstStyle/>
-                    <a:p>
-                      <a:r>
-                        <a:rPr lang="en-US" dirty="0" smtClean="0"/>
-                        <a:t>0.2</a:t>
-                      </a:r>
-                      <a:endParaRPr lang="en-US" dirty="0"/>
-                    </a:p>
-                  </a:txBody>
-                  <a:tcPr/>
-                </a:tc>
-                <a:tc>
-                  <a:txBody>
-                    <a:bodyPr/>
-                    <a:lstStyle/>
-                    <a:p>
-                      <a:r>
-                        <a:rPr lang="en-US" dirty="0" smtClean="0"/>
-                        <a:t>0</a:t>
-                      </a:r>
-                      <a:endParaRPr lang="en-US" dirty="0"/>
-                    </a:p>
-                  </a:txBody>
-                  <a:tcPr/>
-                </a:tc>
-              </a:tr>
-              <a:tr h="440085">
-                <a:tc>
-                  <a:txBody>
-                    <a:bodyPr/>
-                    <a:lstStyle/>
-                    <a:p>
-                      <a:r>
-                        <a:rPr lang="en-US" dirty="0" smtClean="0"/>
-                        <a:t>0</a:t>
-                      </a:r>
-                      <a:endParaRPr lang="en-US" dirty="0"/>
-                    </a:p>
-                  </a:txBody>
-                  <a:tcPr/>
-                </a:tc>
-                <a:tc>
-                  <a:txBody>
-                    <a:bodyPr/>
-                    <a:lstStyle/>
-                    <a:p>
-                      <a:r>
-                        <a:rPr lang="en-US" dirty="0" smtClean="0"/>
-                        <a:t>0</a:t>
-                      </a:r>
-                      <a:endParaRPr lang="en-US" dirty="0"/>
-                    </a:p>
-                  </a:txBody>
-                  <a:tcPr/>
-                </a:tc>
-                <a:tc>
-                  <a:txBody>
-                    <a:bodyPr/>
-                    <a:lstStyle/>
-                    <a:p>
-                      <a:r>
-                        <a:rPr lang="en-US" dirty="0" smtClean="0"/>
-                        <a:t>0.4</a:t>
-                      </a:r>
-                      <a:endParaRPr lang="en-US" dirty="0"/>
-                    </a:p>
-                  </a:txBody>
-                  <a:tcPr/>
-                </a:tc>
-              </a:tr>
-            </a:tbl>
-          </a:graphicData>
-        </a:graphic>
-      </p:graphicFrame>
-      <p:graphicFrame>
-        <p:nvGraphicFramePr>
-          <p:cNvPr id="7" name="Table 6"/>
-          <p:cNvGraphicFramePr>
-            <a:graphicFrameLocks noGrp="1"/>
-          </p:cNvGraphicFramePr>
-          <p:nvPr>
-            <p:extLst>
-              <p:ext uri="{D42A27DB-BD31-4B8C-83A1-F6EECF244321}">
-                <p14:modId xmlns:p14="http://schemas.microsoft.com/office/powerpoint/2010/main" val="216597744"/>
-              </p:ext>
-            </p:extLst>
-          </p:nvPr>
-        </p:nvGraphicFramePr>
-        <p:xfrm>
-          <a:off x="827062" y="4707536"/>
-          <a:ext cx="710593" cy="1320255"/>
-        </p:xfrm>
-        <a:graphic>
-          <a:graphicData uri="http://schemas.openxmlformats.org/drawingml/2006/table">
-            <a:tbl>
-              <a:tblPr firstRow="1" bandRow="1">
-                <a:tableStyleId>{5940675A-B579-460E-94D1-54222C63F5DA}</a:tableStyleId>
-              </a:tblPr>
-              <a:tblGrid>
-                <a:gridCol w="710593"/>
-              </a:tblGrid>
-              <a:tr h="440085">
-                <a:tc>
-                  <a:txBody>
-                    <a:bodyPr/>
-                    <a:lstStyle/>
-                    <a:p>
-                      <a:r>
-                        <a:rPr lang="en-US" dirty="0" smtClean="0"/>
-                        <a:t>0.46</a:t>
-                      </a:r>
-                      <a:endParaRPr lang="en-US" dirty="0"/>
-                    </a:p>
-                  </a:txBody>
-                  <a:tcPr/>
-                </a:tc>
-              </a:tr>
-              <a:tr h="440085">
-                <a:tc>
-                  <a:txBody>
-                    <a:bodyPr/>
-                    <a:lstStyle/>
-                    <a:p>
-                      <a:r>
-                        <a:rPr lang="en-US" dirty="0" smtClean="0"/>
-                        <a:t>0.22</a:t>
-                      </a:r>
-                      <a:endParaRPr lang="en-US" dirty="0"/>
-                    </a:p>
-                  </a:txBody>
-                  <a:tcPr/>
-                </a:tc>
-              </a:tr>
-              <a:tr h="440085">
-                <a:tc>
-                  <a:txBody>
-                    <a:bodyPr/>
-                    <a:lstStyle/>
-                    <a:p>
-                      <a:r>
-                        <a:rPr lang="en-US" dirty="0" smtClean="0"/>
-                        <a:t>0.32</a:t>
-                      </a:r>
-                      <a:endParaRPr lang="en-US" dirty="0"/>
-                    </a:p>
-                  </a:txBody>
-                  <a:tcPr/>
-                </a:tc>
-              </a:tr>
-            </a:tbl>
-          </a:graphicData>
-        </a:graphic>
-      </p:graphicFrame>
+      <p:pic>
+        <p:nvPicPr>
+          <p:cNvPr id="6" name="Picture 5" descr="conf_acc.pdf"/>
+          <p:cNvPicPr>
+            <a:picLocks noChangeAspect="1"/>
+          </p:cNvPicPr>
+          <p:nvPr/>
+        </p:nvPicPr>
+        <p:blipFill>
+          <a:blip r:embed="rId2">
+            <a:extLst>
+              <a:ext uri="{28A0092B-C50C-407E-A947-70E740481C1C}">
+                <a14:useLocalDpi xmlns:a14="http://schemas.microsoft.com/office/drawing/2010/main" val="0"/>
+              </a:ext>
+            </a:extLst>
+          </a:blip>
+          <a:stretch>
+            <a:fillRect/>
+          </a:stretch>
+        </p:blipFill>
+        <p:spPr>
+          <a:xfrm>
+            <a:off x="130933" y="1545096"/>
+            <a:ext cx="8864131" cy="5159048"/>
+          </a:xfrm>
+          <a:prstGeom prst="rect">
+            <a:avLst/>
+          </a:prstGeom>
+        </p:spPr>
+      </p:pic>
     </p:spTree>
     <p:extLst>
       <p:ext uri="{BB962C8B-B14F-4D97-AF65-F5344CB8AC3E}">
-        <p14:creationId xmlns:p14="http://schemas.microsoft.com/office/powerpoint/2010/main" val="2726224389"/>
+        <p14:creationId xmlns:p14="http://schemas.microsoft.com/office/powerpoint/2010/main" val="3391006372"/>
       </p:ext>
     </p:extLst>
   </p:cSld>
   <p:clrMapOvr>
     <a:masterClrMapping/>
   </p:clrMapOvr>
-  <p:timing>
-    <p:tnLst>
-      <p:par>
-        <p:cTn xmlns:p14="http://schemas.microsoft.com/office/powerpoint/2010/main" id="1" dur="indefinite" restart="never" nodeType="tmRoot"/>
-      </p:par>
-    </p:tnLst>
-  </p:timing>
 </p:sld>
 </file>
 

--- a/Presentation/WorkerEval.pptx
+++ b/Presentation/WorkerEval.pptx
@@ -16,14 +16,15 @@
     <p:sldId id="276" r:id="rId10"/>
     <p:sldId id="277" r:id="rId11"/>
     <p:sldId id="259" r:id="rId12"/>
-    <p:sldId id="268" r:id="rId13"/>
-    <p:sldId id="269" r:id="rId14"/>
-    <p:sldId id="260" r:id="rId15"/>
-    <p:sldId id="266" r:id="rId16"/>
-    <p:sldId id="267" r:id="rId17"/>
-    <p:sldId id="271" r:id="rId18"/>
-    <p:sldId id="265" r:id="rId19"/>
-    <p:sldId id="273" r:id="rId20"/>
+    <p:sldId id="278" r:id="rId13"/>
+    <p:sldId id="268" r:id="rId14"/>
+    <p:sldId id="269" r:id="rId15"/>
+    <p:sldId id="260" r:id="rId16"/>
+    <p:sldId id="266" r:id="rId17"/>
+    <p:sldId id="267" r:id="rId18"/>
+    <p:sldId id="271" r:id="rId19"/>
+    <p:sldId id="265" r:id="rId20"/>
+    <p:sldId id="273" r:id="rId21"/>
   </p:sldIdLst>
   <p:sldSz cx="9144000" cy="6858000" type="screen4x3"/>
   <p:notesSz cx="6858000" cy="9144000"/>
@@ -14589,135 +14590,6 @@
           </a:p>
         </p:txBody>
       </p:sp>
-      <p:sp>
-        <p:nvSpPr>
-          <p:cNvPr id="3" name="Content Placeholder 2"/>
-          <p:cNvSpPr>
-            <a:spLocks noGrp="1"/>
-          </p:cNvSpPr>
-          <p:nvPr>
-            <p:ph sz="quarter" idx="1"/>
-          </p:nvPr>
-        </p:nvSpPr>
-        <p:spPr/>
-        <p:txBody>
-          <a:bodyPr/>
-          <a:lstStyle/>
-          <a:p>
-            <a:r>
-              <a:rPr lang="en-US" dirty="0" smtClean="0"/>
-              <a:t>Key Idea: Take multiple sets of 3 workers and combine estimates</a:t>
-            </a:r>
-          </a:p>
-          <a:p>
-            <a:r>
-              <a:rPr lang="en-US" dirty="0" smtClean="0"/>
-              <a:t>For each worker, form N/2 triples. </a:t>
-            </a:r>
-          </a:p>
-          <a:p>
-            <a:r>
-              <a:rPr lang="en-US" dirty="0" smtClean="0"/>
-              <a:t>E.g. For n=5, for ‘w</a:t>
-            </a:r>
-            <a:r>
-              <a:rPr lang="en-US" baseline="-25000" dirty="0" smtClean="0"/>
-              <a:t>1</a:t>
-            </a:r>
-            <a:r>
-              <a:rPr lang="en-US" dirty="0" smtClean="0"/>
-              <a:t>’</a:t>
-            </a:r>
-            <a:r>
-              <a:rPr lang="en-US" baseline="-25000" dirty="0" smtClean="0"/>
-              <a:t> </a:t>
-            </a:r>
-            <a:r>
-              <a:rPr lang="en-US" dirty="0" smtClean="0"/>
-              <a:t>we have groups (w</a:t>
-            </a:r>
-            <a:r>
-              <a:rPr lang="en-US" baseline="-25000" dirty="0" smtClean="0"/>
-              <a:t>1</a:t>
-            </a:r>
-            <a:r>
-              <a:rPr lang="en-US" dirty="0" smtClean="0"/>
-              <a:t>, w</a:t>
-            </a:r>
-            <a:r>
-              <a:rPr lang="en-US" baseline="-25000" dirty="0" smtClean="0"/>
-              <a:t>2</a:t>
-            </a:r>
-            <a:r>
-              <a:rPr lang="en-US" dirty="0" smtClean="0"/>
-              <a:t>, w</a:t>
-            </a:r>
-            <a:r>
-              <a:rPr lang="en-US" baseline="-25000" dirty="0" smtClean="0"/>
-              <a:t>3</a:t>
-            </a:r>
-            <a:r>
-              <a:rPr lang="en-US" dirty="0" smtClean="0"/>
-              <a:t>) (w</a:t>
-            </a:r>
-            <a:r>
-              <a:rPr lang="en-US" baseline="-25000" dirty="0" smtClean="0"/>
-              <a:t>1</a:t>
-            </a:r>
-            <a:r>
-              <a:rPr lang="en-US" dirty="0" smtClean="0"/>
-              <a:t>, w</a:t>
-            </a:r>
-            <a:r>
-              <a:rPr lang="en-US" baseline="-25000" dirty="0" smtClean="0"/>
-              <a:t>4</a:t>
-            </a:r>
-            <a:r>
-              <a:rPr lang="en-US" dirty="0" smtClean="0"/>
-              <a:t>, w</a:t>
-            </a:r>
-            <a:r>
-              <a:rPr lang="en-US" baseline="-25000" dirty="0" smtClean="0"/>
-              <a:t>5</a:t>
-            </a:r>
-            <a:r>
-              <a:rPr lang="en-US" dirty="0" smtClean="0"/>
-              <a:t>)</a:t>
-            </a:r>
-          </a:p>
-          <a:p>
-            <a:r>
-              <a:rPr lang="en-US" dirty="0" smtClean="0"/>
-              <a:t>Use each triple to compute estimate for p</a:t>
-            </a:r>
-            <a:r>
-              <a:rPr lang="en-US" baseline="-25000" dirty="0" smtClean="0"/>
-              <a:t>1</a:t>
-            </a:r>
-            <a:endParaRPr lang="en-US" baseline="-25000" dirty="0"/>
-          </a:p>
-          <a:p>
-            <a:r>
-              <a:rPr lang="en-US" dirty="0" smtClean="0"/>
-              <a:t>Compute variances, </a:t>
-            </a:r>
-            <a:r>
-              <a:rPr lang="en-US" dirty="0" err="1" smtClean="0"/>
-              <a:t>covariances</a:t>
-            </a:r>
-            <a:r>
-              <a:rPr lang="en-US" dirty="0" smtClean="0"/>
-              <a:t> of estimates</a:t>
-            </a:r>
-          </a:p>
-          <a:p>
-            <a:r>
-              <a:rPr lang="en-US" dirty="0" smtClean="0"/>
-              <a:t>Use weighted combination of estimates</a:t>
-            </a:r>
-          </a:p>
-        </p:txBody>
-      </p:sp>
     </p:spTree>
     <p:extLst>
       <p:ext uri="{BB962C8B-B14F-4D97-AF65-F5344CB8AC3E}">
@@ -14787,6 +14659,189 @@
           <a:p>
             <a:r>
               <a:rPr lang="en-US" dirty="0"/>
+              <a:t>Key Idea: Take multiple sets of 3 workers and combine estimates</a:t>
+            </a:r>
+          </a:p>
+          <a:p>
+            <a:r>
+              <a:rPr lang="en-US" dirty="0"/>
+              <a:t>For each worker, form N/2 triples. </a:t>
+            </a:r>
+          </a:p>
+          <a:p>
+            <a:r>
+              <a:rPr lang="en-US" dirty="0"/>
+              <a:t>E.g. For n=5, for ‘w</a:t>
+            </a:r>
+            <a:r>
+              <a:rPr lang="en-US" baseline="-25000" dirty="0"/>
+              <a:t>1</a:t>
+            </a:r>
+            <a:r>
+              <a:rPr lang="en-US" dirty="0"/>
+              <a:t>’</a:t>
+            </a:r>
+            <a:r>
+              <a:rPr lang="en-US" baseline="-25000" dirty="0"/>
+              <a:t> </a:t>
+            </a:r>
+            <a:r>
+              <a:rPr lang="en-US" dirty="0"/>
+              <a:t>we have groups (w</a:t>
+            </a:r>
+            <a:r>
+              <a:rPr lang="en-US" baseline="-25000" dirty="0"/>
+              <a:t>1</a:t>
+            </a:r>
+            <a:r>
+              <a:rPr lang="en-US" dirty="0"/>
+              <a:t>, w</a:t>
+            </a:r>
+            <a:r>
+              <a:rPr lang="en-US" baseline="-25000" dirty="0"/>
+              <a:t>2</a:t>
+            </a:r>
+            <a:r>
+              <a:rPr lang="en-US" dirty="0"/>
+              <a:t>, w</a:t>
+            </a:r>
+            <a:r>
+              <a:rPr lang="en-US" baseline="-25000" dirty="0"/>
+              <a:t>3</a:t>
+            </a:r>
+            <a:r>
+              <a:rPr lang="en-US" dirty="0"/>
+              <a:t>) (w</a:t>
+            </a:r>
+            <a:r>
+              <a:rPr lang="en-US" baseline="-25000" dirty="0"/>
+              <a:t>1</a:t>
+            </a:r>
+            <a:r>
+              <a:rPr lang="en-US" dirty="0"/>
+              <a:t>, w</a:t>
+            </a:r>
+            <a:r>
+              <a:rPr lang="en-US" baseline="-25000" dirty="0"/>
+              <a:t>4</a:t>
+            </a:r>
+            <a:r>
+              <a:rPr lang="en-US" dirty="0"/>
+              <a:t>, w</a:t>
+            </a:r>
+            <a:r>
+              <a:rPr lang="en-US" baseline="-25000" dirty="0"/>
+              <a:t>5</a:t>
+            </a:r>
+            <a:r>
+              <a:rPr lang="en-US" dirty="0"/>
+              <a:t>)</a:t>
+            </a:r>
+          </a:p>
+          <a:p>
+            <a:r>
+              <a:rPr lang="en-US" dirty="0"/>
+              <a:t>Use each triple to compute estimate for p</a:t>
+            </a:r>
+            <a:r>
+              <a:rPr lang="en-US" baseline="-25000" dirty="0"/>
+              <a:t>1</a:t>
+            </a:r>
+          </a:p>
+          <a:p>
+            <a:r>
+              <a:rPr lang="en-US" dirty="0"/>
+              <a:t>Compute variances, </a:t>
+            </a:r>
+            <a:r>
+              <a:rPr lang="en-US" dirty="0" err="1"/>
+              <a:t>covariances</a:t>
+            </a:r>
+            <a:r>
+              <a:rPr lang="en-US" dirty="0"/>
+              <a:t> of estimates</a:t>
+            </a:r>
+          </a:p>
+          <a:p>
+            <a:r>
+              <a:rPr lang="en-US" dirty="0"/>
+              <a:t>Use weighted combination of estimates</a:t>
+            </a:r>
+          </a:p>
+          <a:p>
+            <a:endParaRPr lang="en-US" dirty="0"/>
+          </a:p>
+        </p:txBody>
+      </p:sp>
+    </p:spTree>
+    <p:extLst>
+      <p:ext uri="{BB962C8B-B14F-4D97-AF65-F5344CB8AC3E}">
+        <p14:creationId xmlns:p14="http://schemas.microsoft.com/office/powerpoint/2010/main" val="3542882443"/>
+      </p:ext>
+    </p:extLst>
+  </p:cSld>
+  <p:clrMapOvr>
+    <a:masterClrMapping/>
+  </p:clrMapOvr>
+</p:sld>
+</file>
+
+<file path=ppt/slides/slide13.xml><?xml version="1.0" encoding="utf-8"?>
+<p:sld xmlns:a="http://schemas.openxmlformats.org/drawingml/2006/main" xmlns:r="http://schemas.openxmlformats.org/officeDocument/2006/relationships" xmlns:p="http://schemas.openxmlformats.org/presentationml/2006/main">
+  <p:cSld>
+    <p:spTree>
+      <p:nvGrpSpPr>
+        <p:cNvPr id="1" name=""/>
+        <p:cNvGrpSpPr/>
+        <p:nvPr/>
+      </p:nvGrpSpPr>
+      <p:grpSpPr>
+        <a:xfrm>
+          <a:off x="0" y="0"/>
+          <a:ext cx="0" cy="0"/>
+          <a:chOff x="0" y="0"/>
+          <a:chExt cx="0" cy="0"/>
+        </a:xfrm>
+      </p:grpSpPr>
+      <p:sp>
+        <p:nvSpPr>
+          <p:cNvPr id="2" name="Title 1"/>
+          <p:cNvSpPr>
+            <a:spLocks noGrp="1"/>
+          </p:cNvSpPr>
+          <p:nvPr>
+            <p:ph type="title"/>
+          </p:nvPr>
+        </p:nvSpPr>
+        <p:spPr/>
+        <p:txBody>
+          <a:bodyPr/>
+          <a:lstStyle/>
+          <a:p>
+            <a:r>
+              <a:rPr lang="en-US" dirty="0"/>
+              <a:t>Generalizing to many workers</a:t>
+            </a:r>
+          </a:p>
+        </p:txBody>
+      </p:sp>
+      <p:sp>
+        <p:nvSpPr>
+          <p:cNvPr id="3" name="Content Placeholder 2"/>
+          <p:cNvSpPr>
+            <a:spLocks noGrp="1"/>
+          </p:cNvSpPr>
+          <p:nvPr>
+            <p:ph sz="quarter" idx="1"/>
+          </p:nvPr>
+        </p:nvSpPr>
+        <p:spPr/>
+        <p:txBody>
+          <a:bodyPr/>
+          <a:lstStyle/>
+          <a:p>
+            <a:r>
+              <a:rPr lang="en-US" dirty="0"/>
               <a:t>Optimum weights for </a:t>
             </a:r>
             <a:r>
@@ -14851,16 +14906,27 @@
             <a:pPr lvl="1"/>
             <a:r>
               <a:rPr lang="en-US" dirty="0" smtClean="0"/>
-              <a:t>Better to have two good workers in one group than one good worker in two groups, due to weighting</a:t>
+              <a:t>Better to have two good workers in one group than one good worker in two groups, due </a:t>
+            </a:r>
+            <a:r>
+              <a:rPr lang="en-US" smtClean="0"/>
+              <a:t>to </a:t>
+            </a:r>
+            <a:r>
+              <a:rPr lang="en-US" smtClean="0"/>
+              <a:t>weighting</a:t>
             </a:r>
           </a:p>
           <a:p>
             <a:pPr lvl="1"/>
             <a:r>
+              <a:rPr lang="en-US" smtClean="0"/>
+              <a:t>Greedily </a:t>
+            </a:r>
+            <a:r>
               <a:rPr lang="en-US" dirty="0" smtClean="0"/>
-              <a:t>Greedily form groups</a:t>
-            </a:r>
-            <a:endParaRPr lang="en-US" dirty="0"/>
+              <a:t>form groups</a:t>
+            </a:r>
           </a:p>
           <a:p>
             <a:endParaRPr lang="en-US" dirty="0"/>
@@ -14880,7 +14946,7 @@
 </p:sld>
 </file>
 
-<file path=ppt/slides/slide13.xml><?xml version="1.0" encoding="utf-8"?>
+<file path=ppt/slides/slide14.xml><?xml version="1.0" encoding="utf-8"?>
 <p:sld xmlns:a="http://schemas.openxmlformats.org/drawingml/2006/main" xmlns:r="http://schemas.openxmlformats.org/officeDocument/2006/relationships" xmlns:p="http://schemas.openxmlformats.org/presentationml/2006/main">
   <p:cSld>
     <p:spTree>
@@ -14961,7 +15027,7 @@
 </p:sld>
 </file>
 
-<file path=ppt/slides/slide14.xml><?xml version="1.0" encoding="utf-8"?>
+<file path=ppt/slides/slide15.xml><?xml version="1.0" encoding="utf-8"?>
 <p:sld xmlns:a="http://schemas.openxmlformats.org/drawingml/2006/main" xmlns:r="http://schemas.openxmlformats.org/officeDocument/2006/relationships" xmlns:p="http://schemas.openxmlformats.org/presentationml/2006/main">
   <p:cSld>
     <p:spTree>
@@ -15598,308 +15664,6 @@
 </p:sld>
 </file>
 
-<file path=ppt/slides/slide15.xml><?xml version="1.0" encoding="utf-8"?>
-<p:sld xmlns:a="http://schemas.openxmlformats.org/drawingml/2006/main" xmlns:r="http://schemas.openxmlformats.org/officeDocument/2006/relationships" xmlns:p="http://schemas.openxmlformats.org/presentationml/2006/main">
-  <p:cSld>
-    <p:spTree>
-      <p:nvGrpSpPr>
-        <p:cNvPr id="1" name=""/>
-        <p:cNvGrpSpPr/>
-        <p:nvPr/>
-      </p:nvGrpSpPr>
-      <p:grpSpPr>
-        <a:xfrm>
-          <a:off x="0" y="0"/>
-          <a:ext cx="0" cy="0"/>
-          <a:chOff x="0" y="0"/>
-          <a:chExt cx="0" cy="0"/>
-        </a:xfrm>
-      </p:grpSpPr>
-      <p:sp>
-        <p:nvSpPr>
-          <p:cNvPr id="2" name="Title 1"/>
-          <p:cNvSpPr>
-            <a:spLocks noGrp="1"/>
-          </p:cNvSpPr>
-          <p:nvPr>
-            <p:ph type="title"/>
-          </p:nvPr>
-        </p:nvSpPr>
-        <p:spPr/>
-        <p:txBody>
-          <a:bodyPr/>
-          <a:lstStyle/>
-          <a:p>
-            <a:r>
-              <a:rPr lang="en-US" dirty="0"/>
-              <a:t>3 Workers Non-binary Tasks</a:t>
-            </a:r>
-          </a:p>
-        </p:txBody>
-      </p:sp>
-      <p:sp>
-        <p:nvSpPr>
-          <p:cNvPr id="3" name="Content Placeholder 2"/>
-          <p:cNvSpPr>
-            <a:spLocks noGrp="1"/>
-          </p:cNvSpPr>
-          <p:nvPr>
-            <p:ph sz="quarter" idx="1"/>
-          </p:nvPr>
-        </p:nvSpPr>
-        <p:spPr/>
-        <p:txBody>
-          <a:bodyPr>
-            <a:normAutofit/>
-          </a:bodyPr>
-          <a:lstStyle/>
-          <a:p>
-            <a:r>
-              <a:rPr lang="en-US" dirty="0" smtClean="0"/>
-              <a:t>Compute comparison matrices (frequencies of response-pairs of workers </a:t>
-            </a:r>
-            <a:r>
-              <a:rPr lang="en-US" dirty="0" err="1" smtClean="0"/>
-              <a:t>w</a:t>
-            </a:r>
-            <a:r>
-              <a:rPr lang="en-US" baseline="-25000" dirty="0" err="1" smtClean="0"/>
-              <a:t>i</a:t>
-            </a:r>
-            <a:r>
-              <a:rPr lang="en-US" dirty="0" err="1" smtClean="0"/>
-              <a:t>,w</a:t>
-            </a:r>
-            <a:r>
-              <a:rPr lang="en-US" baseline="-25000" dirty="0" err="1" smtClean="0"/>
-              <a:t>j</a:t>
-            </a:r>
-            <a:r>
-              <a:rPr lang="en-US" dirty="0" smtClean="0"/>
-              <a:t>) </a:t>
-            </a:r>
-          </a:p>
-          <a:p>
-            <a:r>
-              <a:rPr lang="en-US" dirty="0" err="1" smtClean="0"/>
-              <a:t>C</a:t>
-            </a:r>
-            <a:r>
-              <a:rPr lang="en-US" baseline="-25000" dirty="0" err="1" smtClean="0"/>
-              <a:t>ij</a:t>
-            </a:r>
-            <a:r>
-              <a:rPr lang="en-US" dirty="0" smtClean="0"/>
-              <a:t> ~ </a:t>
-            </a:r>
-            <a:r>
-              <a:rPr lang="en-US" dirty="0" err="1" smtClean="0"/>
-              <a:t>P</a:t>
-            </a:r>
-            <a:r>
-              <a:rPr lang="en-US" baseline="-25000" dirty="0" err="1" smtClean="0"/>
-              <a:t>i</a:t>
-            </a:r>
-            <a:r>
-              <a:rPr lang="en-US" dirty="0" err="1" smtClean="0"/>
-              <a:t>S</a:t>
-            </a:r>
-            <a:r>
-              <a:rPr lang="en-US" baseline="30000" dirty="0" err="1" smtClean="0"/>
-              <a:t>D</a:t>
-            </a:r>
-            <a:r>
-              <a:rPr lang="en-US" dirty="0" err="1" smtClean="0"/>
-              <a:t>P</a:t>
-            </a:r>
-            <a:r>
-              <a:rPr lang="en-US" baseline="-25000" dirty="0" err="1" smtClean="0"/>
-              <a:t>j</a:t>
-            </a:r>
-            <a:r>
-              <a:rPr lang="en-US" baseline="30000" dirty="0" err="1" smtClean="0"/>
-              <a:t>T</a:t>
-            </a:r>
-            <a:r>
-              <a:rPr lang="en-US" dirty="0"/>
-              <a:t> </a:t>
-            </a:r>
-            <a:endParaRPr lang="en-US" dirty="0" smtClean="0"/>
-          </a:p>
-          <a:p>
-            <a:r>
-              <a:rPr lang="en-US" dirty="0" smtClean="0"/>
-              <a:t>Compute D</a:t>
-            </a:r>
-            <a:r>
-              <a:rPr lang="en-US" baseline="-25000" dirty="0" smtClean="0"/>
-              <a:t>i</a:t>
-            </a:r>
-            <a:r>
-              <a:rPr lang="en-US" dirty="0" smtClean="0"/>
-              <a:t> </a:t>
-            </a:r>
-            <a:r>
-              <a:rPr lang="en-US" dirty="0"/>
-              <a:t>= </a:t>
-            </a:r>
-            <a:r>
-              <a:rPr lang="en-US" dirty="0" err="1"/>
-              <a:t>C</a:t>
-            </a:r>
-            <a:r>
-              <a:rPr lang="en-US" baseline="-25000" dirty="0" err="1"/>
-              <a:t>ij</a:t>
-            </a:r>
-            <a:r>
-              <a:rPr lang="en-US" dirty="0"/>
-              <a:t>(</a:t>
-            </a:r>
-            <a:r>
-              <a:rPr lang="en-US" dirty="0" err="1"/>
-              <a:t>C</a:t>
-            </a:r>
-            <a:r>
-              <a:rPr lang="en-US" baseline="-25000" dirty="0" err="1"/>
-              <a:t>jk</a:t>
-            </a:r>
-            <a:r>
-              <a:rPr lang="en-US" baseline="30000" dirty="0" err="1"/>
-              <a:t>T</a:t>
-            </a:r>
-            <a:r>
-              <a:rPr lang="en-US" dirty="0"/>
-              <a:t>)</a:t>
-            </a:r>
-            <a:r>
-              <a:rPr lang="en-US" baseline="30000" dirty="0"/>
-              <a:t>-1</a:t>
-            </a:r>
-            <a:r>
-              <a:rPr lang="en-US" dirty="0"/>
-              <a:t>C</a:t>
-            </a:r>
-            <a:r>
-              <a:rPr lang="en-US" baseline="-25000" dirty="0"/>
-              <a:t>ki</a:t>
-            </a:r>
-            <a:r>
-              <a:rPr lang="en-US" dirty="0"/>
-              <a:t> </a:t>
-            </a:r>
-            <a:r>
-              <a:rPr lang="en-US" dirty="0" smtClean="0"/>
-              <a:t>= </a:t>
-            </a:r>
-            <a:r>
-              <a:rPr lang="en-US" dirty="0" err="1"/>
-              <a:t>P</a:t>
-            </a:r>
-            <a:r>
-              <a:rPr lang="en-US" baseline="-25000" dirty="0" err="1"/>
-              <a:t>i</a:t>
-            </a:r>
-            <a:r>
-              <a:rPr lang="en-US" dirty="0" err="1"/>
-              <a:t>S</a:t>
-            </a:r>
-            <a:r>
-              <a:rPr lang="en-US" baseline="30000" dirty="0" err="1"/>
-              <a:t>D</a:t>
-            </a:r>
-            <a:r>
-              <a:rPr lang="en-US" dirty="0" err="1"/>
-              <a:t>P</a:t>
-            </a:r>
-            <a:r>
-              <a:rPr lang="en-US" baseline="-25000" dirty="0" err="1"/>
-              <a:t>i</a:t>
-            </a:r>
-            <a:r>
-              <a:rPr lang="en-US" baseline="30000" dirty="0" err="1"/>
-              <a:t>T</a:t>
-            </a:r>
-            <a:r>
-              <a:rPr lang="en-US" dirty="0"/>
-              <a:t> </a:t>
-            </a:r>
-          </a:p>
-          <a:p>
-            <a:r>
-              <a:rPr lang="en-US" dirty="0"/>
-              <a:t>Eigenvalue decomposition of D</a:t>
-            </a:r>
-            <a:r>
-              <a:rPr lang="en-US" baseline="-25000" dirty="0"/>
-              <a:t>i</a:t>
-            </a:r>
-            <a:r>
-              <a:rPr lang="en-US" dirty="0"/>
-              <a:t> gives V</a:t>
-            </a:r>
-            <a:r>
-              <a:rPr lang="en-US" baseline="-25000" dirty="0"/>
-              <a:t>i</a:t>
-            </a:r>
-            <a:r>
-              <a:rPr lang="en-US" dirty="0"/>
-              <a:t> </a:t>
-            </a:r>
-            <a:r>
-              <a:rPr lang="en-US" dirty="0" smtClean="0"/>
-              <a:t>= </a:t>
-            </a:r>
-            <a:r>
-              <a:rPr lang="en-US" dirty="0"/>
-              <a:t>U √S</a:t>
-            </a:r>
-            <a:r>
-              <a:rPr lang="en-US" baseline="30000" dirty="0"/>
-              <a:t>D </a:t>
-            </a:r>
-            <a:r>
-              <a:rPr lang="en-US" dirty="0"/>
-              <a:t>P</a:t>
-            </a:r>
-            <a:r>
-              <a:rPr lang="en-US" baseline="-25000" dirty="0"/>
-              <a:t>i</a:t>
-            </a:r>
-            <a:r>
-              <a:rPr lang="en-US" dirty="0"/>
-              <a:t>, for a unitary U. </a:t>
-            </a:r>
-          </a:p>
-          <a:p>
-            <a:endParaRPr lang="en-US" baseline="30000" dirty="0"/>
-          </a:p>
-          <a:p>
-            <a:pPr marL="0" indent="0">
-              <a:buNone/>
-            </a:pPr>
-            <a:endParaRPr lang="en-US" baseline="30000" dirty="0"/>
-          </a:p>
-          <a:p>
-            <a:pPr marL="0" indent="0">
-              <a:buNone/>
-            </a:pPr>
-            <a:endParaRPr lang="en-US" dirty="0" smtClean="0"/>
-          </a:p>
-        </p:txBody>
-      </p:sp>
-    </p:spTree>
-    <p:extLst>
-      <p:ext uri="{BB962C8B-B14F-4D97-AF65-F5344CB8AC3E}">
-        <p14:creationId xmlns:p14="http://schemas.microsoft.com/office/powerpoint/2010/main" val="3656939090"/>
-      </p:ext>
-    </p:extLst>
-  </p:cSld>
-  <p:clrMapOvr>
-    <a:masterClrMapping/>
-  </p:clrMapOvr>
-</p:sld>
-</file>
-
 <file path=ppt/slides/slide16.xml><?xml version="1.0" encoding="utf-8"?>
 <p:sld xmlns:a="http://schemas.openxmlformats.org/drawingml/2006/main" xmlns:r="http://schemas.openxmlformats.org/officeDocument/2006/relationships" xmlns:p="http://schemas.openxmlformats.org/presentationml/2006/main">
   <p:cSld>
@@ -15951,6 +15715,308 @@
         </p:nvSpPr>
         <p:spPr/>
         <p:txBody>
+          <a:bodyPr>
+            <a:normAutofit/>
+          </a:bodyPr>
+          <a:lstStyle/>
+          <a:p>
+            <a:r>
+              <a:rPr lang="en-US" dirty="0" smtClean="0"/>
+              <a:t>Compute comparison matrices (frequencies of response-pairs of workers </a:t>
+            </a:r>
+            <a:r>
+              <a:rPr lang="en-US" dirty="0" err="1" smtClean="0"/>
+              <a:t>w</a:t>
+            </a:r>
+            <a:r>
+              <a:rPr lang="en-US" baseline="-25000" dirty="0" err="1" smtClean="0"/>
+              <a:t>i</a:t>
+            </a:r>
+            <a:r>
+              <a:rPr lang="en-US" dirty="0" err="1" smtClean="0"/>
+              <a:t>,w</a:t>
+            </a:r>
+            <a:r>
+              <a:rPr lang="en-US" baseline="-25000" dirty="0" err="1" smtClean="0"/>
+              <a:t>j</a:t>
+            </a:r>
+            <a:r>
+              <a:rPr lang="en-US" dirty="0" smtClean="0"/>
+              <a:t>) </a:t>
+            </a:r>
+          </a:p>
+          <a:p>
+            <a:r>
+              <a:rPr lang="en-US" dirty="0" err="1" smtClean="0"/>
+              <a:t>C</a:t>
+            </a:r>
+            <a:r>
+              <a:rPr lang="en-US" baseline="-25000" dirty="0" err="1" smtClean="0"/>
+              <a:t>ij</a:t>
+            </a:r>
+            <a:r>
+              <a:rPr lang="en-US" dirty="0" smtClean="0"/>
+              <a:t> ~ </a:t>
+            </a:r>
+            <a:r>
+              <a:rPr lang="en-US" dirty="0" err="1" smtClean="0"/>
+              <a:t>P</a:t>
+            </a:r>
+            <a:r>
+              <a:rPr lang="en-US" baseline="-25000" dirty="0" err="1" smtClean="0"/>
+              <a:t>i</a:t>
+            </a:r>
+            <a:r>
+              <a:rPr lang="en-US" dirty="0" err="1" smtClean="0"/>
+              <a:t>S</a:t>
+            </a:r>
+            <a:r>
+              <a:rPr lang="en-US" baseline="30000" dirty="0" err="1" smtClean="0"/>
+              <a:t>D</a:t>
+            </a:r>
+            <a:r>
+              <a:rPr lang="en-US" dirty="0" err="1" smtClean="0"/>
+              <a:t>P</a:t>
+            </a:r>
+            <a:r>
+              <a:rPr lang="en-US" baseline="-25000" dirty="0" err="1" smtClean="0"/>
+              <a:t>j</a:t>
+            </a:r>
+            <a:r>
+              <a:rPr lang="en-US" baseline="30000" dirty="0" err="1" smtClean="0"/>
+              <a:t>T</a:t>
+            </a:r>
+            <a:r>
+              <a:rPr lang="en-US" dirty="0"/>
+              <a:t> </a:t>
+            </a:r>
+            <a:endParaRPr lang="en-US" dirty="0" smtClean="0"/>
+          </a:p>
+          <a:p>
+            <a:r>
+              <a:rPr lang="en-US" dirty="0" smtClean="0"/>
+              <a:t>Compute D</a:t>
+            </a:r>
+            <a:r>
+              <a:rPr lang="en-US" baseline="-25000" dirty="0" smtClean="0"/>
+              <a:t>i</a:t>
+            </a:r>
+            <a:r>
+              <a:rPr lang="en-US" dirty="0" smtClean="0"/>
+              <a:t> </a:t>
+            </a:r>
+            <a:r>
+              <a:rPr lang="en-US" dirty="0"/>
+              <a:t>= </a:t>
+            </a:r>
+            <a:r>
+              <a:rPr lang="en-US" dirty="0" err="1"/>
+              <a:t>C</a:t>
+            </a:r>
+            <a:r>
+              <a:rPr lang="en-US" baseline="-25000" dirty="0" err="1"/>
+              <a:t>ij</a:t>
+            </a:r>
+            <a:r>
+              <a:rPr lang="en-US" dirty="0"/>
+              <a:t>(</a:t>
+            </a:r>
+            <a:r>
+              <a:rPr lang="en-US" dirty="0" err="1"/>
+              <a:t>C</a:t>
+            </a:r>
+            <a:r>
+              <a:rPr lang="en-US" baseline="-25000" dirty="0" err="1"/>
+              <a:t>jk</a:t>
+            </a:r>
+            <a:r>
+              <a:rPr lang="en-US" baseline="30000" dirty="0" err="1"/>
+              <a:t>T</a:t>
+            </a:r>
+            <a:r>
+              <a:rPr lang="en-US" dirty="0"/>
+              <a:t>)</a:t>
+            </a:r>
+            <a:r>
+              <a:rPr lang="en-US" baseline="30000" dirty="0"/>
+              <a:t>-1</a:t>
+            </a:r>
+            <a:r>
+              <a:rPr lang="en-US" dirty="0"/>
+              <a:t>C</a:t>
+            </a:r>
+            <a:r>
+              <a:rPr lang="en-US" baseline="-25000" dirty="0"/>
+              <a:t>ki</a:t>
+            </a:r>
+            <a:r>
+              <a:rPr lang="en-US" dirty="0"/>
+              <a:t> </a:t>
+            </a:r>
+            <a:r>
+              <a:rPr lang="en-US" dirty="0" smtClean="0"/>
+              <a:t>= </a:t>
+            </a:r>
+            <a:r>
+              <a:rPr lang="en-US" dirty="0" err="1"/>
+              <a:t>P</a:t>
+            </a:r>
+            <a:r>
+              <a:rPr lang="en-US" baseline="-25000" dirty="0" err="1"/>
+              <a:t>i</a:t>
+            </a:r>
+            <a:r>
+              <a:rPr lang="en-US" dirty="0" err="1"/>
+              <a:t>S</a:t>
+            </a:r>
+            <a:r>
+              <a:rPr lang="en-US" baseline="30000" dirty="0" err="1"/>
+              <a:t>D</a:t>
+            </a:r>
+            <a:r>
+              <a:rPr lang="en-US" dirty="0" err="1"/>
+              <a:t>P</a:t>
+            </a:r>
+            <a:r>
+              <a:rPr lang="en-US" baseline="-25000" dirty="0" err="1"/>
+              <a:t>i</a:t>
+            </a:r>
+            <a:r>
+              <a:rPr lang="en-US" baseline="30000" dirty="0" err="1"/>
+              <a:t>T</a:t>
+            </a:r>
+            <a:r>
+              <a:rPr lang="en-US" dirty="0"/>
+              <a:t> </a:t>
+            </a:r>
+          </a:p>
+          <a:p>
+            <a:r>
+              <a:rPr lang="en-US" dirty="0"/>
+              <a:t>Eigenvalue decomposition of D</a:t>
+            </a:r>
+            <a:r>
+              <a:rPr lang="en-US" baseline="-25000" dirty="0"/>
+              <a:t>i</a:t>
+            </a:r>
+            <a:r>
+              <a:rPr lang="en-US" dirty="0"/>
+              <a:t> gives V</a:t>
+            </a:r>
+            <a:r>
+              <a:rPr lang="en-US" baseline="-25000" dirty="0"/>
+              <a:t>i</a:t>
+            </a:r>
+            <a:r>
+              <a:rPr lang="en-US" dirty="0"/>
+              <a:t> </a:t>
+            </a:r>
+            <a:r>
+              <a:rPr lang="en-US" dirty="0" smtClean="0"/>
+              <a:t>= </a:t>
+            </a:r>
+            <a:r>
+              <a:rPr lang="en-US" dirty="0"/>
+              <a:t>U √S</a:t>
+            </a:r>
+            <a:r>
+              <a:rPr lang="en-US" baseline="30000" dirty="0"/>
+              <a:t>D </a:t>
+            </a:r>
+            <a:r>
+              <a:rPr lang="en-US" dirty="0"/>
+              <a:t>P</a:t>
+            </a:r>
+            <a:r>
+              <a:rPr lang="en-US" baseline="-25000" dirty="0"/>
+              <a:t>i</a:t>
+            </a:r>
+            <a:r>
+              <a:rPr lang="en-US" dirty="0"/>
+              <a:t>, for a unitary U. </a:t>
+            </a:r>
+          </a:p>
+          <a:p>
+            <a:endParaRPr lang="en-US" baseline="30000" dirty="0"/>
+          </a:p>
+          <a:p>
+            <a:pPr marL="0" indent="0">
+              <a:buNone/>
+            </a:pPr>
+            <a:endParaRPr lang="en-US" baseline="30000" dirty="0"/>
+          </a:p>
+          <a:p>
+            <a:pPr marL="0" indent="0">
+              <a:buNone/>
+            </a:pPr>
+            <a:endParaRPr lang="en-US" dirty="0" smtClean="0"/>
+          </a:p>
+        </p:txBody>
+      </p:sp>
+    </p:spTree>
+    <p:extLst>
+      <p:ext uri="{BB962C8B-B14F-4D97-AF65-F5344CB8AC3E}">
+        <p14:creationId xmlns:p14="http://schemas.microsoft.com/office/powerpoint/2010/main" val="3656939090"/>
+      </p:ext>
+    </p:extLst>
+  </p:cSld>
+  <p:clrMapOvr>
+    <a:masterClrMapping/>
+  </p:clrMapOvr>
+</p:sld>
+</file>
+
+<file path=ppt/slides/slide17.xml><?xml version="1.0" encoding="utf-8"?>
+<p:sld xmlns:a="http://schemas.openxmlformats.org/drawingml/2006/main" xmlns:r="http://schemas.openxmlformats.org/officeDocument/2006/relationships" xmlns:p="http://schemas.openxmlformats.org/presentationml/2006/main">
+  <p:cSld>
+    <p:spTree>
+      <p:nvGrpSpPr>
+        <p:cNvPr id="1" name=""/>
+        <p:cNvGrpSpPr/>
+        <p:nvPr/>
+      </p:nvGrpSpPr>
+      <p:grpSpPr>
+        <a:xfrm>
+          <a:off x="0" y="0"/>
+          <a:ext cx="0" cy="0"/>
+          <a:chOff x="0" y="0"/>
+          <a:chExt cx="0" cy="0"/>
+        </a:xfrm>
+      </p:grpSpPr>
+      <p:sp>
+        <p:nvSpPr>
+          <p:cNvPr id="2" name="Title 1"/>
+          <p:cNvSpPr>
+            <a:spLocks noGrp="1"/>
+          </p:cNvSpPr>
+          <p:nvPr>
+            <p:ph type="title"/>
+          </p:nvPr>
+        </p:nvSpPr>
+        <p:spPr/>
+        <p:txBody>
+          <a:bodyPr/>
+          <a:lstStyle/>
+          <a:p>
+            <a:r>
+              <a:rPr lang="en-US" dirty="0"/>
+              <a:t>3 Workers Non-binary Tasks</a:t>
+            </a:r>
+          </a:p>
+        </p:txBody>
+      </p:sp>
+      <p:sp>
+        <p:nvSpPr>
+          <p:cNvPr id="3" name="Content Placeholder 2"/>
+          <p:cNvSpPr>
+            <a:spLocks noGrp="1"/>
+          </p:cNvSpPr>
+          <p:nvPr>
+            <p:ph sz="quarter" idx="1"/>
+          </p:nvPr>
+        </p:nvSpPr>
+        <p:spPr/>
+        <p:txBody>
           <a:bodyPr/>
           <a:lstStyle/>
           <a:p>
@@ -16029,7 +16095,7 @@
 </p:sld>
 </file>
 
-<file path=ppt/slides/slide17.xml><?xml version="1.0" encoding="utf-8"?>
+<file path=ppt/slides/slide18.xml><?xml version="1.0" encoding="utf-8"?>
 <p:sld xmlns:a="http://schemas.openxmlformats.org/drawingml/2006/main" xmlns:r="http://schemas.openxmlformats.org/officeDocument/2006/relationships" xmlns:p="http://schemas.openxmlformats.org/presentationml/2006/main">
   <p:cSld>
     <p:spTree>
@@ -16202,7 +16268,7 @@
 </p:sld>
 </file>
 
-<file path=ppt/slides/slide18.xml><?xml version="1.0" encoding="utf-8"?>
+<file path=ppt/slides/slide19.xml><?xml version="1.0" encoding="utf-8"?>
 <p:sld xmlns:a="http://schemas.openxmlformats.org/drawingml/2006/main" xmlns:r="http://schemas.openxmlformats.org/officeDocument/2006/relationships" xmlns:p="http://schemas.openxmlformats.org/presentationml/2006/main">
   <p:cSld>
     <p:spTree>
@@ -16373,94 +16439,6 @@
 </p:sld>
 </file>
 
-<file path=ppt/slides/slide19.xml><?xml version="1.0" encoding="utf-8"?>
-<p:sld xmlns:a="http://schemas.openxmlformats.org/drawingml/2006/main" xmlns:r="http://schemas.openxmlformats.org/officeDocument/2006/relationships" xmlns:p="http://schemas.openxmlformats.org/presentationml/2006/main">
-  <p:cSld>
-    <p:spTree>
-      <p:nvGrpSpPr>
-        <p:cNvPr id="1" name=""/>
-        <p:cNvGrpSpPr/>
-        <p:nvPr/>
-      </p:nvGrpSpPr>
-      <p:grpSpPr>
-        <a:xfrm>
-          <a:off x="0" y="0"/>
-          <a:ext cx="0" cy="0"/>
-          <a:chOff x="0" y="0"/>
-          <a:chExt cx="0" cy="0"/>
-        </a:xfrm>
-      </p:grpSpPr>
-      <p:sp>
-        <p:nvSpPr>
-          <p:cNvPr id="2" name="Title 1"/>
-          <p:cNvSpPr>
-            <a:spLocks noGrp="1"/>
-          </p:cNvSpPr>
-          <p:nvPr>
-            <p:ph type="title"/>
-          </p:nvPr>
-        </p:nvSpPr>
-        <p:spPr/>
-        <p:txBody>
-          <a:bodyPr/>
-          <a:lstStyle/>
-          <a:p>
-            <a:r>
-              <a:rPr lang="en-US" dirty="0" smtClean="0"/>
-              <a:t>Conclusion</a:t>
-            </a:r>
-            <a:endParaRPr lang="en-US" dirty="0"/>
-          </a:p>
-        </p:txBody>
-      </p:sp>
-      <p:sp>
-        <p:nvSpPr>
-          <p:cNvPr id="3" name="Content Placeholder 2"/>
-          <p:cNvSpPr>
-            <a:spLocks noGrp="1"/>
-          </p:cNvSpPr>
-          <p:nvPr>
-            <p:ph sz="quarter" idx="1"/>
-          </p:nvPr>
-        </p:nvSpPr>
-        <p:spPr/>
-        <p:txBody>
-          <a:bodyPr/>
-          <a:lstStyle/>
-          <a:p>
-            <a:r>
-              <a:rPr lang="en-US" dirty="0" smtClean="0"/>
-              <a:t>We can come up with accurate, tight confidence intervals in very general scenarios</a:t>
-            </a:r>
-          </a:p>
-          <a:p>
-            <a:r>
-              <a:rPr lang="en-US" dirty="0" smtClean="0"/>
-              <a:t>Confidence Intervals are useful for filtering workers</a:t>
-            </a:r>
-          </a:p>
-          <a:p>
-            <a:r>
-              <a:rPr lang="en-US" dirty="0" smtClean="0"/>
-              <a:t>Thank You! Questions?</a:t>
-            </a:r>
-            <a:endParaRPr lang="en-US" dirty="0"/>
-          </a:p>
-        </p:txBody>
-      </p:sp>
-    </p:spTree>
-    <p:extLst>
-      <p:ext uri="{BB962C8B-B14F-4D97-AF65-F5344CB8AC3E}">
-        <p14:creationId xmlns:p14="http://schemas.microsoft.com/office/powerpoint/2010/main" val="4178846398"/>
-      </p:ext>
-    </p:extLst>
-  </p:cSld>
-  <p:clrMapOvr>
-    <a:masterClrMapping/>
-  </p:clrMapOvr>
-</p:sld>
-</file>
-
 <file path=ppt/slides/slide2.xml><?xml version="1.0" encoding="utf-8"?>
 <p:sld xmlns:a="http://schemas.openxmlformats.org/drawingml/2006/main" xmlns:r="http://schemas.openxmlformats.org/officeDocument/2006/relationships" xmlns:p="http://schemas.openxmlformats.org/presentationml/2006/main">
   <p:cSld>
@@ -16614,6 +16592,94 @@
     <p:extLst>
       <p:ext uri="{BB962C8B-B14F-4D97-AF65-F5344CB8AC3E}">
         <p14:creationId xmlns:p14="http://schemas.microsoft.com/office/powerpoint/2010/main" val="2584856485"/>
+      </p:ext>
+    </p:extLst>
+  </p:cSld>
+  <p:clrMapOvr>
+    <a:masterClrMapping/>
+  </p:clrMapOvr>
+</p:sld>
+</file>
+
+<file path=ppt/slides/slide20.xml><?xml version="1.0" encoding="utf-8"?>
+<p:sld xmlns:a="http://schemas.openxmlformats.org/drawingml/2006/main" xmlns:r="http://schemas.openxmlformats.org/officeDocument/2006/relationships" xmlns:p="http://schemas.openxmlformats.org/presentationml/2006/main">
+  <p:cSld>
+    <p:spTree>
+      <p:nvGrpSpPr>
+        <p:cNvPr id="1" name=""/>
+        <p:cNvGrpSpPr/>
+        <p:nvPr/>
+      </p:nvGrpSpPr>
+      <p:grpSpPr>
+        <a:xfrm>
+          <a:off x="0" y="0"/>
+          <a:ext cx="0" cy="0"/>
+          <a:chOff x="0" y="0"/>
+          <a:chExt cx="0" cy="0"/>
+        </a:xfrm>
+      </p:grpSpPr>
+      <p:sp>
+        <p:nvSpPr>
+          <p:cNvPr id="2" name="Title 1"/>
+          <p:cNvSpPr>
+            <a:spLocks noGrp="1"/>
+          </p:cNvSpPr>
+          <p:nvPr>
+            <p:ph type="title"/>
+          </p:nvPr>
+        </p:nvSpPr>
+        <p:spPr/>
+        <p:txBody>
+          <a:bodyPr/>
+          <a:lstStyle/>
+          <a:p>
+            <a:r>
+              <a:rPr lang="en-US" dirty="0" smtClean="0"/>
+              <a:t>Conclusion</a:t>
+            </a:r>
+            <a:endParaRPr lang="en-US" dirty="0"/>
+          </a:p>
+        </p:txBody>
+      </p:sp>
+      <p:sp>
+        <p:nvSpPr>
+          <p:cNvPr id="3" name="Content Placeholder 2"/>
+          <p:cNvSpPr>
+            <a:spLocks noGrp="1"/>
+          </p:cNvSpPr>
+          <p:nvPr>
+            <p:ph sz="quarter" idx="1"/>
+          </p:nvPr>
+        </p:nvSpPr>
+        <p:spPr/>
+        <p:txBody>
+          <a:bodyPr/>
+          <a:lstStyle/>
+          <a:p>
+            <a:r>
+              <a:rPr lang="en-US" dirty="0" smtClean="0"/>
+              <a:t>We can come up with accurate, tight confidence intervals in very general scenarios</a:t>
+            </a:r>
+          </a:p>
+          <a:p>
+            <a:r>
+              <a:rPr lang="en-US" dirty="0" smtClean="0"/>
+              <a:t>Confidence Intervals are useful for filtering workers</a:t>
+            </a:r>
+          </a:p>
+          <a:p>
+            <a:r>
+              <a:rPr lang="en-US" dirty="0" smtClean="0"/>
+              <a:t>Thank You! Questions?</a:t>
+            </a:r>
+            <a:endParaRPr lang="en-US" dirty="0"/>
+          </a:p>
+        </p:txBody>
+      </p:sp>
+    </p:spTree>
+    <p:extLst>
+      <p:ext uri="{BB962C8B-B14F-4D97-AF65-F5344CB8AC3E}">
+        <p14:creationId xmlns:p14="http://schemas.microsoft.com/office/powerpoint/2010/main" val="4178846398"/>
       </p:ext>
     </p:extLst>
   </p:cSld>

--- a/Presentation/WorkerEval.pptx
+++ b/Presentation/WorkerEval.pptx
@@ -13,18 +13,19 @@
     <p:sldId id="258" r:id="rId7"/>
     <p:sldId id="275" r:id="rId8"/>
     <p:sldId id="264" r:id="rId9"/>
-    <p:sldId id="276" r:id="rId10"/>
-    <p:sldId id="277" r:id="rId11"/>
-    <p:sldId id="259" r:id="rId12"/>
-    <p:sldId id="278" r:id="rId13"/>
-    <p:sldId id="268" r:id="rId14"/>
-    <p:sldId id="269" r:id="rId15"/>
-    <p:sldId id="260" r:id="rId16"/>
-    <p:sldId id="266" r:id="rId17"/>
-    <p:sldId id="267" r:id="rId18"/>
-    <p:sldId id="271" r:id="rId19"/>
-    <p:sldId id="265" r:id="rId20"/>
-    <p:sldId id="273" r:id="rId21"/>
+    <p:sldId id="279" r:id="rId10"/>
+    <p:sldId id="276" r:id="rId11"/>
+    <p:sldId id="277" r:id="rId12"/>
+    <p:sldId id="280" r:id="rId13"/>
+    <p:sldId id="278" r:id="rId14"/>
+    <p:sldId id="268" r:id="rId15"/>
+    <p:sldId id="269" r:id="rId16"/>
+    <p:sldId id="260" r:id="rId17"/>
+    <p:sldId id="266" r:id="rId18"/>
+    <p:sldId id="267" r:id="rId19"/>
+    <p:sldId id="271" r:id="rId20"/>
+    <p:sldId id="265" r:id="rId21"/>
+    <p:sldId id="273" r:id="rId22"/>
   </p:sldIdLst>
   <p:sldSz cx="9144000" cy="6858000" type="screen4x3"/>
   <p:notesSz cx="6858000" cy="9144000"/>
@@ -14495,6 +14496,89 @@
           <a:lstStyle/>
           <a:p>
             <a:r>
+              <a:rPr lang="en-US" dirty="0" smtClean="0"/>
+              <a:t>Calibration Results (Synthetic Data)</a:t>
+            </a:r>
+            <a:endParaRPr lang="en-US" dirty="0"/>
+          </a:p>
+        </p:txBody>
+      </p:sp>
+      <p:pic>
+        <p:nvPicPr>
+          <p:cNvPr id="6" name="Picture 5" descr="conf_acc.pdf"/>
+          <p:cNvPicPr>
+            <a:picLocks noChangeAspect="1"/>
+          </p:cNvPicPr>
+          <p:nvPr/>
+        </p:nvPicPr>
+        <p:blipFill>
+          <a:blip r:embed="rId2">
+            <a:extLst>
+              <a:ext uri="{28A0092B-C50C-407E-A947-70E740481C1C}">
+                <a14:useLocalDpi xmlns:a14="http://schemas.microsoft.com/office/drawing/2010/main" val="0"/>
+              </a:ext>
+            </a:extLst>
+          </a:blip>
+          <a:stretch>
+            <a:fillRect/>
+          </a:stretch>
+        </p:blipFill>
+        <p:spPr>
+          <a:xfrm>
+            <a:off x="130933" y="1545096"/>
+            <a:ext cx="8864131" cy="5159048"/>
+          </a:xfrm>
+          <a:prstGeom prst="rect">
+            <a:avLst/>
+          </a:prstGeom>
+        </p:spPr>
+      </p:pic>
+    </p:spTree>
+    <p:extLst>
+      <p:ext uri="{BB962C8B-B14F-4D97-AF65-F5344CB8AC3E}">
+        <p14:creationId xmlns:p14="http://schemas.microsoft.com/office/powerpoint/2010/main" val="3391006372"/>
+      </p:ext>
+    </p:extLst>
+  </p:cSld>
+  <p:clrMapOvr>
+    <a:masterClrMapping/>
+  </p:clrMapOvr>
+</p:sld>
+</file>
+
+<file path=ppt/slides/slide11.xml><?xml version="1.0" encoding="utf-8"?>
+<p:sld xmlns:a="http://schemas.openxmlformats.org/drawingml/2006/main" xmlns:r="http://schemas.openxmlformats.org/officeDocument/2006/relationships" xmlns:p="http://schemas.openxmlformats.org/presentationml/2006/main">
+  <p:cSld>
+    <p:spTree>
+      <p:nvGrpSpPr>
+        <p:cNvPr id="1" name=""/>
+        <p:cNvGrpSpPr/>
+        <p:nvPr/>
+      </p:nvGrpSpPr>
+      <p:grpSpPr>
+        <a:xfrm>
+          <a:off x="0" y="0"/>
+          <a:ext cx="0" cy="0"/>
+          <a:chOff x="0" y="0"/>
+          <a:chExt cx="0" cy="0"/>
+        </a:xfrm>
+      </p:grpSpPr>
+      <p:sp>
+        <p:nvSpPr>
+          <p:cNvPr id="2" name="Title 1"/>
+          <p:cNvSpPr>
+            <a:spLocks noGrp="1"/>
+          </p:cNvSpPr>
+          <p:nvPr>
+            <p:ph type="title"/>
+          </p:nvPr>
+        </p:nvSpPr>
+        <p:spPr/>
+        <p:txBody>
+          <a:bodyPr/>
+          <a:lstStyle/>
+          <a:p>
+            <a:r>
               <a:rPr lang="en-US" dirty="0"/>
               <a:t>Calibration Results </a:t>
             </a:r>
@@ -14550,59 +14634,6 @@
 </p:sld>
 </file>
 
-<file path=ppt/slides/slide11.xml><?xml version="1.0" encoding="utf-8"?>
-<p:sld xmlns:a="http://schemas.openxmlformats.org/drawingml/2006/main" xmlns:r="http://schemas.openxmlformats.org/officeDocument/2006/relationships" xmlns:p="http://schemas.openxmlformats.org/presentationml/2006/main">
-  <p:cSld>
-    <p:spTree>
-      <p:nvGrpSpPr>
-        <p:cNvPr id="1" name=""/>
-        <p:cNvGrpSpPr/>
-        <p:nvPr/>
-      </p:nvGrpSpPr>
-      <p:grpSpPr>
-        <a:xfrm>
-          <a:off x="0" y="0"/>
-          <a:ext cx="0" cy="0"/>
-          <a:chOff x="0" y="0"/>
-          <a:chExt cx="0" cy="0"/>
-        </a:xfrm>
-      </p:grpSpPr>
-      <p:sp>
-        <p:nvSpPr>
-          <p:cNvPr id="2" name="Title 1"/>
-          <p:cNvSpPr>
-            <a:spLocks noGrp="1"/>
-          </p:cNvSpPr>
-          <p:nvPr>
-            <p:ph type="title"/>
-          </p:nvPr>
-        </p:nvSpPr>
-        <p:spPr/>
-        <p:txBody>
-          <a:bodyPr/>
-          <a:lstStyle/>
-          <a:p>
-            <a:r>
-              <a:rPr lang="en-US" dirty="0" smtClean="0"/>
-              <a:t>Generalizing to many workers</a:t>
-            </a:r>
-            <a:endParaRPr lang="en-US" dirty="0"/>
-          </a:p>
-        </p:txBody>
-      </p:sp>
-    </p:spTree>
-    <p:extLst>
-      <p:ext uri="{BB962C8B-B14F-4D97-AF65-F5344CB8AC3E}">
-        <p14:creationId xmlns:p14="http://schemas.microsoft.com/office/powerpoint/2010/main" val="1730068441"/>
-      </p:ext>
-    </p:extLst>
-  </p:cSld>
-  <p:clrMapOvr>
-    <a:masterClrMapping/>
-  </p:clrMapOvr>
-</p:sld>
-</file>
-
 <file path=ppt/slides/slide12.xml><?xml version="1.0" encoding="utf-8"?>
 <p:sld xmlns:a="http://schemas.openxmlformats.org/drawingml/2006/main" xmlns:r="http://schemas.openxmlformats.org/officeDocument/2006/relationships" xmlns:p="http://schemas.openxmlformats.org/presentationml/2006/main">
   <p:cSld>
@@ -14658,125 +14689,708 @@
           <a:lstStyle/>
           <a:p>
             <a:r>
-              <a:rPr lang="en-US" dirty="0"/>
-              <a:t>Key Idea: Take multiple sets of 3 workers and combine estimates</a:t>
-            </a:r>
-          </a:p>
-          <a:p>
-            <a:r>
-              <a:rPr lang="en-US" dirty="0"/>
-              <a:t>For each worker, form N/2 triples. </a:t>
-            </a:r>
-          </a:p>
-          <a:p>
-            <a:r>
-              <a:rPr lang="en-US" dirty="0"/>
-              <a:t>E.g. For n=5, for ‘w</a:t>
-            </a:r>
-            <a:r>
-              <a:rPr lang="en-US" baseline="-25000" dirty="0"/>
-              <a:t>1</a:t>
-            </a:r>
-            <a:r>
-              <a:rPr lang="en-US" dirty="0"/>
-              <a:t>’</a:t>
-            </a:r>
-            <a:r>
-              <a:rPr lang="en-US" baseline="-25000" dirty="0"/>
-              <a:t> </a:t>
-            </a:r>
-            <a:r>
-              <a:rPr lang="en-US" dirty="0"/>
-              <a:t>we have groups (w</a:t>
-            </a:r>
-            <a:r>
-              <a:rPr lang="en-US" baseline="-25000" dirty="0"/>
-              <a:t>1</a:t>
-            </a:r>
-            <a:r>
-              <a:rPr lang="en-US" dirty="0"/>
-              <a:t>, w</a:t>
-            </a:r>
-            <a:r>
-              <a:rPr lang="en-US" baseline="-25000" dirty="0"/>
-              <a:t>2</a:t>
-            </a:r>
-            <a:r>
-              <a:rPr lang="en-US" dirty="0"/>
-              <a:t>, w</a:t>
-            </a:r>
-            <a:r>
-              <a:rPr lang="en-US" baseline="-25000" dirty="0"/>
-              <a:t>3</a:t>
-            </a:r>
-            <a:r>
-              <a:rPr lang="en-US" dirty="0"/>
-              <a:t>) (w</a:t>
-            </a:r>
-            <a:r>
-              <a:rPr lang="en-US" baseline="-25000" dirty="0"/>
-              <a:t>1</a:t>
-            </a:r>
-            <a:r>
-              <a:rPr lang="en-US" dirty="0"/>
-              <a:t>, w</a:t>
-            </a:r>
-            <a:r>
-              <a:rPr lang="en-US" baseline="-25000" dirty="0"/>
-              <a:t>4</a:t>
-            </a:r>
-            <a:r>
-              <a:rPr lang="en-US" dirty="0"/>
-              <a:t>, w</a:t>
-            </a:r>
-            <a:r>
-              <a:rPr lang="en-US" baseline="-25000" dirty="0"/>
-              <a:t>5</a:t>
-            </a:r>
-            <a:r>
-              <a:rPr lang="en-US" dirty="0"/>
-              <a:t>)</a:t>
-            </a:r>
-          </a:p>
-          <a:p>
-            <a:r>
-              <a:rPr lang="en-US" dirty="0"/>
-              <a:t>Use each triple to compute estimate for p</a:t>
-            </a:r>
-            <a:r>
-              <a:rPr lang="en-US" baseline="-25000" dirty="0"/>
-              <a:t>1</a:t>
-            </a:r>
-          </a:p>
-          <a:p>
-            <a:r>
-              <a:rPr lang="en-US" dirty="0"/>
-              <a:t>Compute variances, </a:t>
-            </a:r>
-            <a:r>
-              <a:rPr lang="en-US" dirty="0" err="1"/>
-              <a:t>covariances</a:t>
-            </a:r>
-            <a:r>
-              <a:rPr lang="en-US" dirty="0"/>
-              <a:t> of estimates</a:t>
-            </a:r>
-          </a:p>
-          <a:p>
-            <a:r>
-              <a:rPr lang="en-US" dirty="0"/>
-              <a:t>Use weighted combination of estimates</a:t>
-            </a:r>
-          </a:p>
-          <a:p>
+              <a:rPr lang="en-US" dirty="0" smtClean="0"/>
+              <a:t>Example: To evaluate w1</a:t>
+            </a:r>
+          </a:p>
+          <a:p>
+            <a:pPr lvl="1"/>
+            <a:r>
+              <a:rPr lang="en-US" dirty="0" smtClean="0"/>
+              <a:t>w4, w5 `good’, `w2, w3’ bad</a:t>
+            </a:r>
+          </a:p>
+          <a:p>
+            <a:pPr lvl="1"/>
+            <a:r>
+              <a:rPr lang="en-US" dirty="0" smtClean="0"/>
+              <a:t>groups (w1, w2, w3), (w1, w4, w5)</a:t>
+            </a:r>
             <a:endParaRPr lang="en-US" dirty="0"/>
           </a:p>
         </p:txBody>
       </p:sp>
+      <p:graphicFrame>
+        <p:nvGraphicFramePr>
+          <p:cNvPr id="5" name="Table 4"/>
+          <p:cNvGraphicFramePr>
+            <a:graphicFrameLocks noGrp="1"/>
+          </p:cNvGraphicFramePr>
+          <p:nvPr>
+            <p:extLst>
+              <p:ext uri="{D42A27DB-BD31-4B8C-83A1-F6EECF244321}">
+                <p14:modId xmlns:p14="http://schemas.microsoft.com/office/powerpoint/2010/main" val="2757820091"/>
+              </p:ext>
+            </p:extLst>
+          </p:nvPr>
+        </p:nvGraphicFramePr>
+        <p:xfrm>
+          <a:off x="921710" y="3310020"/>
+          <a:ext cx="7169925" cy="2867592"/>
+        </p:xfrm>
+        <a:graphic>
+          <a:graphicData uri="http://schemas.openxmlformats.org/drawingml/2006/table">
+            <a:tbl>
+              <a:tblPr firstRow="1" bandRow="1">
+                <a:tableStyleId>{08FB837D-C827-4EFA-A057-4D05807E0F7C}</a:tableStyleId>
+              </a:tblPr>
+              <a:tblGrid>
+                <a:gridCol w="1024275"/>
+                <a:gridCol w="1024275"/>
+                <a:gridCol w="1024275"/>
+                <a:gridCol w="1024275"/>
+                <a:gridCol w="1024275"/>
+                <a:gridCol w="1024275"/>
+                <a:gridCol w="1024275"/>
+              </a:tblGrid>
+              <a:tr h="477932">
+                <a:tc>
+                  <a:txBody>
+                    <a:bodyPr/>
+                    <a:lstStyle/>
+                    <a:p>
+                      <a:endParaRPr lang="en-US" sz="2200" dirty="0"/>
+                    </a:p>
+                  </a:txBody>
+                  <a:tcPr/>
+                </a:tc>
+                <a:tc>
+                  <a:txBody>
+                    <a:bodyPr/>
+                    <a:lstStyle/>
+                    <a:p>
+                      <a:r>
+                        <a:rPr lang="en-US" sz="2200" dirty="0" smtClean="0"/>
+                        <a:t>t</a:t>
+                      </a:r>
+                      <a:r>
+                        <a:rPr lang="en-US" sz="2200" baseline="-25000" dirty="0" smtClean="0"/>
+                        <a:t>1</a:t>
+                      </a:r>
+                      <a:endParaRPr lang="en-US" sz="2200" baseline="-25000" dirty="0"/>
+                    </a:p>
+                  </a:txBody>
+                  <a:tcPr/>
+                </a:tc>
+                <a:tc>
+                  <a:txBody>
+                    <a:bodyPr/>
+                    <a:lstStyle/>
+                    <a:p>
+                      <a:r>
+                        <a:rPr lang="en-US" sz="2200" dirty="0" smtClean="0"/>
+                        <a:t>t</a:t>
+                      </a:r>
+                      <a:r>
+                        <a:rPr lang="en-US" sz="2200" baseline="-25000" dirty="0" smtClean="0"/>
+                        <a:t>2</a:t>
+                      </a:r>
+                      <a:endParaRPr lang="en-US" sz="2200" baseline="-25000" dirty="0"/>
+                    </a:p>
+                  </a:txBody>
+                  <a:tcPr/>
+                </a:tc>
+                <a:tc>
+                  <a:txBody>
+                    <a:bodyPr/>
+                    <a:lstStyle/>
+                    <a:p>
+                      <a:r>
+                        <a:rPr lang="en-US" sz="2200" dirty="0" smtClean="0"/>
+                        <a:t>t</a:t>
+                      </a:r>
+                      <a:r>
+                        <a:rPr lang="en-US" sz="2200" baseline="-25000" dirty="0" smtClean="0"/>
+                        <a:t>3</a:t>
+                      </a:r>
+                      <a:endParaRPr lang="en-US" sz="2200" baseline="-25000" dirty="0"/>
+                    </a:p>
+                  </a:txBody>
+                  <a:tcPr/>
+                </a:tc>
+                <a:tc>
+                  <a:txBody>
+                    <a:bodyPr/>
+                    <a:lstStyle/>
+                    <a:p>
+                      <a:r>
+                        <a:rPr lang="en-US" sz="2200" dirty="0" smtClean="0"/>
+                        <a:t>t</a:t>
+                      </a:r>
+                      <a:r>
+                        <a:rPr lang="en-US" sz="2200" baseline="-25000" dirty="0" smtClean="0"/>
+                        <a:t>4</a:t>
+                      </a:r>
+                      <a:endParaRPr lang="en-US" sz="2200" baseline="-25000" dirty="0"/>
+                    </a:p>
+                  </a:txBody>
+                  <a:tcPr/>
+                </a:tc>
+                <a:tc>
+                  <a:txBody>
+                    <a:bodyPr/>
+                    <a:lstStyle/>
+                    <a:p>
+                      <a:r>
+                        <a:rPr lang="en-US" sz="2200" dirty="0" smtClean="0"/>
+                        <a:t>t</a:t>
+                      </a:r>
+                      <a:r>
+                        <a:rPr lang="en-US" sz="2200" baseline="-25000" dirty="0" smtClean="0"/>
+                        <a:t>5</a:t>
+                      </a:r>
+                      <a:endParaRPr lang="en-US" sz="2200" baseline="-25000" dirty="0"/>
+                    </a:p>
+                  </a:txBody>
+                  <a:tcPr/>
+                </a:tc>
+                <a:tc>
+                  <a:txBody>
+                    <a:bodyPr/>
+                    <a:lstStyle/>
+                    <a:p>
+                      <a:r>
+                        <a:rPr lang="en-US" sz="2200" dirty="0" smtClean="0"/>
+                        <a:t>t</a:t>
+                      </a:r>
+                      <a:r>
+                        <a:rPr lang="en-US" sz="2200" baseline="-25000" dirty="0" smtClean="0"/>
+                        <a:t>6</a:t>
+                      </a:r>
+                      <a:endParaRPr lang="en-US" sz="2200" baseline="-25000" dirty="0"/>
+                    </a:p>
+                  </a:txBody>
+                  <a:tcPr/>
+                </a:tc>
+              </a:tr>
+              <a:tr h="477932">
+                <a:tc>
+                  <a:txBody>
+                    <a:bodyPr/>
+                    <a:lstStyle/>
+                    <a:p>
+                      <a:r>
+                        <a:rPr lang="en-US" sz="2200" dirty="0" smtClean="0"/>
+                        <a:t>w</a:t>
+                      </a:r>
+                      <a:r>
+                        <a:rPr lang="en-US" sz="2200" baseline="-25000" dirty="0" smtClean="0"/>
+                        <a:t>1</a:t>
+                      </a:r>
+                      <a:endParaRPr lang="en-US" sz="2200" baseline="-25000" dirty="0"/>
+                    </a:p>
+                  </a:txBody>
+                  <a:tcPr/>
+                </a:tc>
+                <a:tc>
+                  <a:txBody>
+                    <a:bodyPr/>
+                    <a:lstStyle/>
+                    <a:p>
+                      <a:r>
+                        <a:rPr lang="en-US" sz="2200" dirty="0" smtClean="0"/>
+                        <a:t>y</a:t>
+                      </a:r>
+                      <a:endParaRPr lang="en-US" sz="2200" dirty="0"/>
+                    </a:p>
+                  </a:txBody>
+                  <a:tcPr/>
+                </a:tc>
+                <a:tc>
+                  <a:txBody>
+                    <a:bodyPr/>
+                    <a:lstStyle/>
+                    <a:p>
+                      <a:r>
+                        <a:rPr lang="en-US" sz="2200" dirty="0" smtClean="0"/>
+                        <a:t>y</a:t>
+                      </a:r>
+                      <a:endParaRPr lang="en-US" sz="2200" dirty="0"/>
+                    </a:p>
+                  </a:txBody>
+                  <a:tcPr/>
+                </a:tc>
+                <a:tc>
+                  <a:txBody>
+                    <a:bodyPr/>
+                    <a:lstStyle/>
+                    <a:p>
+                      <a:r>
+                        <a:rPr lang="en-US" sz="2200" dirty="0" smtClean="0"/>
+                        <a:t>n</a:t>
+                      </a:r>
+                      <a:endParaRPr lang="en-US" sz="2200" dirty="0"/>
+                    </a:p>
+                  </a:txBody>
+                  <a:tcPr/>
+                </a:tc>
+                <a:tc>
+                  <a:txBody>
+                    <a:bodyPr/>
+                    <a:lstStyle/>
+                    <a:p>
+                      <a:r>
+                        <a:rPr lang="en-US" sz="2200" dirty="0" smtClean="0"/>
+                        <a:t>n</a:t>
+                      </a:r>
+                      <a:endParaRPr lang="en-US" sz="2200" dirty="0"/>
+                    </a:p>
+                  </a:txBody>
+                  <a:tcPr/>
+                </a:tc>
+                <a:tc>
+                  <a:txBody>
+                    <a:bodyPr/>
+                    <a:lstStyle/>
+                    <a:p>
+                      <a:r>
+                        <a:rPr lang="en-US" sz="2200" dirty="0" smtClean="0"/>
+                        <a:t>y</a:t>
+                      </a:r>
+                      <a:endParaRPr lang="en-US" sz="2200" dirty="0"/>
+                    </a:p>
+                  </a:txBody>
+                  <a:tcPr/>
+                </a:tc>
+                <a:tc>
+                  <a:txBody>
+                    <a:bodyPr/>
+                    <a:lstStyle/>
+                    <a:p>
+                      <a:r>
+                        <a:rPr lang="en-US" sz="2200" dirty="0" smtClean="0"/>
+                        <a:t>-</a:t>
+                      </a:r>
+                      <a:endParaRPr lang="en-US" sz="2200" dirty="0"/>
+                    </a:p>
+                  </a:txBody>
+                  <a:tcPr/>
+                </a:tc>
+              </a:tr>
+              <a:tr h="477932">
+                <a:tc>
+                  <a:txBody>
+                    <a:bodyPr/>
+                    <a:lstStyle/>
+                    <a:p>
+                      <a:r>
+                        <a:rPr lang="en-US" sz="2200" dirty="0" smtClean="0"/>
+                        <a:t>w</a:t>
+                      </a:r>
+                      <a:r>
+                        <a:rPr lang="en-US" sz="2200" baseline="-25000" dirty="0" smtClean="0"/>
+                        <a:t>2</a:t>
+                      </a:r>
+                      <a:endParaRPr lang="en-US" sz="2200" baseline="-25000" dirty="0"/>
+                    </a:p>
+                  </a:txBody>
+                  <a:tcPr/>
+                </a:tc>
+                <a:tc>
+                  <a:txBody>
+                    <a:bodyPr/>
+                    <a:lstStyle/>
+                    <a:p>
+                      <a:r>
+                        <a:rPr lang="en-US" sz="2200" dirty="0" smtClean="0"/>
+                        <a:t>y</a:t>
+                      </a:r>
+                      <a:endParaRPr lang="en-US" sz="2200" dirty="0"/>
+                    </a:p>
+                  </a:txBody>
+                  <a:tcPr/>
+                </a:tc>
+                <a:tc>
+                  <a:txBody>
+                    <a:bodyPr/>
+                    <a:lstStyle/>
+                    <a:p>
+                      <a:r>
+                        <a:rPr lang="en-US" sz="2200" dirty="0" smtClean="0"/>
+                        <a:t>-</a:t>
+                      </a:r>
+                      <a:endParaRPr lang="en-US" sz="2200" dirty="0"/>
+                    </a:p>
+                  </a:txBody>
+                  <a:tcPr/>
+                </a:tc>
+                <a:tc>
+                  <a:txBody>
+                    <a:bodyPr/>
+                    <a:lstStyle/>
+                    <a:p>
+                      <a:r>
+                        <a:rPr lang="en-US" sz="2200" dirty="0" smtClean="0"/>
+                        <a:t>n</a:t>
+                      </a:r>
+                      <a:endParaRPr lang="en-US" sz="2200" dirty="0"/>
+                    </a:p>
+                  </a:txBody>
+                  <a:tcPr/>
+                </a:tc>
+                <a:tc>
+                  <a:txBody>
+                    <a:bodyPr/>
+                    <a:lstStyle/>
+                    <a:p>
+                      <a:r>
+                        <a:rPr lang="en-US" sz="2200" dirty="0" smtClean="0"/>
+                        <a:t>n</a:t>
+                      </a:r>
+                      <a:endParaRPr lang="en-US" sz="2200" dirty="0"/>
+                    </a:p>
+                  </a:txBody>
+                  <a:tcPr/>
+                </a:tc>
+                <a:tc>
+                  <a:txBody>
+                    <a:bodyPr/>
+                    <a:lstStyle/>
+                    <a:p>
+                      <a:r>
+                        <a:rPr lang="en-US" sz="2200" dirty="0" smtClean="0"/>
+                        <a:t>-</a:t>
+                      </a:r>
+                      <a:endParaRPr lang="en-US" sz="2200" dirty="0"/>
+                    </a:p>
+                  </a:txBody>
+                  <a:tcPr/>
+                </a:tc>
+                <a:tc>
+                  <a:txBody>
+                    <a:bodyPr/>
+                    <a:lstStyle/>
+                    <a:p>
+                      <a:r>
+                        <a:rPr lang="en-US" sz="2200" dirty="0" smtClean="0"/>
+                        <a:t>n</a:t>
+                      </a:r>
+                      <a:endParaRPr lang="en-US" sz="2200" dirty="0"/>
+                    </a:p>
+                  </a:txBody>
+                  <a:tcPr/>
+                </a:tc>
+              </a:tr>
+              <a:tr h="477932">
+                <a:tc>
+                  <a:txBody>
+                    <a:bodyPr/>
+                    <a:lstStyle/>
+                    <a:p>
+                      <a:r>
+                        <a:rPr lang="en-US" sz="2200" dirty="0" smtClean="0"/>
+                        <a:t>w</a:t>
+                      </a:r>
+                      <a:r>
+                        <a:rPr lang="en-US" sz="2200" baseline="-25000" dirty="0" smtClean="0"/>
+                        <a:t>3</a:t>
+                      </a:r>
+                      <a:endParaRPr lang="en-US" sz="2200" baseline="-25000" dirty="0"/>
+                    </a:p>
+                  </a:txBody>
+                  <a:tcPr/>
+                </a:tc>
+                <a:tc>
+                  <a:txBody>
+                    <a:bodyPr/>
+                    <a:lstStyle/>
+                    <a:p>
+                      <a:r>
+                        <a:rPr lang="en-US" sz="2200" dirty="0" smtClean="0"/>
+                        <a:t>y</a:t>
+                      </a:r>
+                      <a:endParaRPr lang="en-US" sz="2200" dirty="0"/>
+                    </a:p>
+                  </a:txBody>
+                  <a:tcPr/>
+                </a:tc>
+                <a:tc>
+                  <a:txBody>
+                    <a:bodyPr/>
+                    <a:lstStyle/>
+                    <a:p>
+                      <a:r>
+                        <a:rPr lang="en-US" sz="2200" dirty="0" smtClean="0"/>
+                        <a:t>y</a:t>
+                      </a:r>
+                      <a:endParaRPr lang="en-US" sz="2200" dirty="0"/>
+                    </a:p>
+                  </a:txBody>
+                  <a:tcPr/>
+                </a:tc>
+                <a:tc>
+                  <a:txBody>
+                    <a:bodyPr/>
+                    <a:lstStyle/>
+                    <a:p>
+                      <a:r>
+                        <a:rPr lang="en-US" sz="2200" dirty="0" smtClean="0"/>
+                        <a:t>y</a:t>
+                      </a:r>
+                      <a:endParaRPr lang="en-US" sz="2200" dirty="0"/>
+                    </a:p>
+                  </a:txBody>
+                  <a:tcPr/>
+                </a:tc>
+                <a:tc>
+                  <a:txBody>
+                    <a:bodyPr/>
+                    <a:lstStyle/>
+                    <a:p>
+                      <a:r>
+                        <a:rPr lang="en-US" sz="2200" dirty="0" smtClean="0"/>
+                        <a:t>n</a:t>
+                      </a:r>
+                      <a:endParaRPr lang="en-US" sz="2200" dirty="0"/>
+                    </a:p>
+                  </a:txBody>
+                  <a:tcPr/>
+                </a:tc>
+                <a:tc>
+                  <a:txBody>
+                    <a:bodyPr/>
+                    <a:lstStyle/>
+                    <a:p>
+                      <a:r>
+                        <a:rPr lang="en-US" sz="2200" dirty="0" smtClean="0"/>
+                        <a:t>-</a:t>
+                      </a:r>
+                      <a:endParaRPr lang="en-US" sz="2200" dirty="0"/>
+                    </a:p>
+                  </a:txBody>
+                  <a:tcPr/>
+                </a:tc>
+                <a:tc>
+                  <a:txBody>
+                    <a:bodyPr/>
+                    <a:lstStyle/>
+                    <a:p>
+                      <a:r>
+                        <a:rPr lang="en-US" sz="2200" dirty="0" smtClean="0"/>
+                        <a:t>-</a:t>
+                      </a:r>
+                      <a:endParaRPr lang="en-US" sz="2200" dirty="0"/>
+                    </a:p>
+                  </a:txBody>
+                  <a:tcPr/>
+                </a:tc>
+              </a:tr>
+              <a:tr h="477932">
+                <a:tc>
+                  <a:txBody>
+                    <a:bodyPr/>
+                    <a:lstStyle/>
+                    <a:p>
+                      <a:r>
+                        <a:rPr lang="en-US" sz="2200" dirty="0" smtClean="0"/>
+                        <a:t>w</a:t>
+                      </a:r>
+                      <a:r>
+                        <a:rPr lang="en-US" sz="2200" baseline="-25000" dirty="0" smtClean="0"/>
+                        <a:t>4</a:t>
+                      </a:r>
+                      <a:endParaRPr lang="en-US" sz="2200" baseline="-25000" dirty="0"/>
+                    </a:p>
+                  </a:txBody>
+                  <a:tcPr/>
+                </a:tc>
+                <a:tc>
+                  <a:txBody>
+                    <a:bodyPr/>
+                    <a:lstStyle/>
+                    <a:p>
+                      <a:r>
+                        <a:rPr lang="en-US" sz="2200" dirty="0" smtClean="0"/>
+                        <a:t>n</a:t>
+                      </a:r>
+                      <a:endParaRPr lang="en-US" sz="2200" dirty="0"/>
+                    </a:p>
+                  </a:txBody>
+                  <a:tcPr/>
+                </a:tc>
+                <a:tc>
+                  <a:txBody>
+                    <a:bodyPr/>
+                    <a:lstStyle/>
+                    <a:p>
+                      <a:r>
+                        <a:rPr lang="en-US" sz="2200" dirty="0" smtClean="0"/>
+                        <a:t>y</a:t>
+                      </a:r>
+                      <a:endParaRPr lang="en-US" sz="2200" dirty="0"/>
+                    </a:p>
+                  </a:txBody>
+                  <a:tcPr/>
+                </a:tc>
+                <a:tc>
+                  <a:txBody>
+                    <a:bodyPr/>
+                    <a:lstStyle/>
+                    <a:p>
+                      <a:r>
+                        <a:rPr lang="en-US" sz="2200" dirty="0" smtClean="0"/>
+                        <a:t>n</a:t>
+                      </a:r>
+                      <a:endParaRPr lang="en-US" sz="2200" dirty="0"/>
+                    </a:p>
+                  </a:txBody>
+                  <a:tcPr/>
+                </a:tc>
+                <a:tc>
+                  <a:txBody>
+                    <a:bodyPr/>
+                    <a:lstStyle/>
+                    <a:p>
+                      <a:r>
+                        <a:rPr lang="en-US" sz="2200" dirty="0" smtClean="0"/>
+                        <a:t>n</a:t>
+                      </a:r>
+                      <a:endParaRPr lang="en-US" sz="2200" dirty="0"/>
+                    </a:p>
+                  </a:txBody>
+                  <a:tcPr/>
+                </a:tc>
+                <a:tc>
+                  <a:txBody>
+                    <a:bodyPr/>
+                    <a:lstStyle/>
+                    <a:p>
+                      <a:r>
+                        <a:rPr lang="en-US" sz="2200" dirty="0" smtClean="0"/>
+                        <a:t>y</a:t>
+                      </a:r>
+                      <a:endParaRPr lang="en-US" sz="2200" dirty="0"/>
+                    </a:p>
+                  </a:txBody>
+                  <a:tcPr/>
+                </a:tc>
+                <a:tc>
+                  <a:txBody>
+                    <a:bodyPr/>
+                    <a:lstStyle/>
+                    <a:p>
+                      <a:r>
+                        <a:rPr lang="en-US" sz="2200" dirty="0" smtClean="0"/>
+                        <a:t>-</a:t>
+                      </a:r>
+                      <a:endParaRPr lang="en-US" sz="2200" dirty="0"/>
+                    </a:p>
+                  </a:txBody>
+                  <a:tcPr/>
+                </a:tc>
+              </a:tr>
+              <a:tr h="477932">
+                <a:tc>
+                  <a:txBody>
+                    <a:bodyPr/>
+                    <a:lstStyle/>
+                    <a:p>
+                      <a:r>
+                        <a:rPr lang="en-US" sz="2200" dirty="0" smtClean="0"/>
+                        <a:t>w</a:t>
+                      </a:r>
+                      <a:r>
+                        <a:rPr lang="en-US" sz="2200" baseline="-25000" dirty="0" smtClean="0"/>
+                        <a:t>5</a:t>
+                      </a:r>
+                      <a:endParaRPr lang="en-US" sz="2200" baseline="-25000" dirty="0"/>
+                    </a:p>
+                  </a:txBody>
+                  <a:tcPr/>
+                </a:tc>
+                <a:tc>
+                  <a:txBody>
+                    <a:bodyPr/>
+                    <a:lstStyle/>
+                    <a:p>
+                      <a:r>
+                        <a:rPr lang="en-US" sz="2200" dirty="0" smtClean="0"/>
+                        <a:t>y</a:t>
+                      </a:r>
+                      <a:endParaRPr lang="en-US" sz="2200" dirty="0"/>
+                    </a:p>
+                  </a:txBody>
+                  <a:tcPr/>
+                </a:tc>
+                <a:tc>
+                  <a:txBody>
+                    <a:bodyPr/>
+                    <a:lstStyle/>
+                    <a:p>
+                      <a:r>
+                        <a:rPr lang="en-US" sz="2200" dirty="0" smtClean="0"/>
+                        <a:t>n</a:t>
+                      </a:r>
+                      <a:endParaRPr lang="en-US" sz="2200" dirty="0"/>
+                    </a:p>
+                  </a:txBody>
+                  <a:tcPr/>
+                </a:tc>
+                <a:tc>
+                  <a:txBody>
+                    <a:bodyPr/>
+                    <a:lstStyle/>
+                    <a:p>
+                      <a:r>
+                        <a:rPr lang="en-US" sz="2200" dirty="0" smtClean="0"/>
+                        <a:t>n</a:t>
+                      </a:r>
+                      <a:endParaRPr lang="en-US" sz="2200" dirty="0"/>
+                    </a:p>
+                  </a:txBody>
+                  <a:tcPr/>
+                </a:tc>
+                <a:tc>
+                  <a:txBody>
+                    <a:bodyPr/>
+                    <a:lstStyle/>
+                    <a:p>
+                      <a:r>
+                        <a:rPr lang="en-US" sz="2200" dirty="0" smtClean="0"/>
+                        <a:t>n</a:t>
+                      </a:r>
+                      <a:endParaRPr lang="en-US" sz="2200" dirty="0"/>
+                    </a:p>
+                  </a:txBody>
+                  <a:tcPr/>
+                </a:tc>
+                <a:tc>
+                  <a:txBody>
+                    <a:bodyPr/>
+                    <a:lstStyle/>
+                    <a:p>
+                      <a:r>
+                        <a:rPr lang="en-US" sz="2200" dirty="0" smtClean="0"/>
+                        <a:t>-</a:t>
+                      </a:r>
+                      <a:endParaRPr lang="en-US" sz="2200" dirty="0"/>
+                    </a:p>
+                  </a:txBody>
+                  <a:tcPr/>
+                </a:tc>
+                <a:tc>
+                  <a:txBody>
+                    <a:bodyPr/>
+                    <a:lstStyle/>
+                    <a:p>
+                      <a:r>
+                        <a:rPr lang="en-US" sz="2200" dirty="0" smtClean="0"/>
+                        <a:t>n</a:t>
+                      </a:r>
+                      <a:endParaRPr lang="en-US" sz="2200" dirty="0"/>
+                    </a:p>
+                  </a:txBody>
+                  <a:tcPr/>
+                </a:tc>
+              </a:tr>
+            </a:tbl>
+          </a:graphicData>
+        </a:graphic>
+      </p:graphicFrame>
     </p:spTree>
     <p:extLst>
       <p:ext uri="{BB962C8B-B14F-4D97-AF65-F5344CB8AC3E}">
-        <p14:creationId xmlns:p14="http://schemas.microsoft.com/office/powerpoint/2010/main" val="3542882443"/>
+        <p14:creationId xmlns:p14="http://schemas.microsoft.com/office/powerpoint/2010/main" val="4233176828"/>
       </p:ext>
     </p:extLst>
   </p:cSld>
@@ -14842,6 +15456,195 @@
           <a:p>
             <a:r>
               <a:rPr lang="en-US" dirty="0"/>
+              <a:t>Key Idea: Take multiple sets of 3 workers and combine estimates</a:t>
+            </a:r>
+          </a:p>
+          <a:p>
+            <a:r>
+              <a:rPr lang="en-US" dirty="0"/>
+              <a:t>For each worker, form N/2 triples. </a:t>
+            </a:r>
+          </a:p>
+          <a:p>
+            <a:r>
+              <a:rPr lang="en-US" dirty="0" smtClean="0"/>
+              <a:t>Use </a:t>
+            </a:r>
+            <a:r>
+              <a:rPr lang="en-US" dirty="0"/>
+              <a:t>each triple </a:t>
+            </a:r>
+            <a:r>
+              <a:rPr lang="en-US" dirty="0" smtClean="0"/>
+              <a:t>T</a:t>
+            </a:r>
+            <a:r>
+              <a:rPr lang="en-US" baseline="-25000" dirty="0" smtClean="0"/>
+              <a:t>i</a:t>
+            </a:r>
+            <a:r>
+              <a:rPr lang="en-US" dirty="0" smtClean="0"/>
+              <a:t> to </a:t>
+            </a:r>
+            <a:r>
+              <a:rPr lang="en-US" dirty="0"/>
+              <a:t>compute estimate </a:t>
+            </a:r>
+            <a:r>
+              <a:rPr lang="en-US" dirty="0" err="1" smtClean="0"/>
+              <a:t>e</a:t>
+            </a:r>
+            <a:r>
+              <a:rPr lang="en-US" baseline="-25000" dirty="0" err="1" smtClean="0"/>
+              <a:t>i</a:t>
+            </a:r>
+            <a:r>
+              <a:rPr lang="en-US" dirty="0" smtClean="0"/>
+              <a:t> for </a:t>
+            </a:r>
+            <a:r>
+              <a:rPr lang="en-US" dirty="0"/>
+              <a:t>p</a:t>
+            </a:r>
+            <a:r>
+              <a:rPr lang="en-US" baseline="-25000" dirty="0"/>
+              <a:t>1</a:t>
+            </a:r>
+          </a:p>
+          <a:p>
+            <a:r>
+              <a:rPr lang="en-US" dirty="0"/>
+              <a:t>Compute variances, </a:t>
+            </a:r>
+            <a:r>
+              <a:rPr lang="en-US" dirty="0" err="1"/>
+              <a:t>covariances</a:t>
+            </a:r>
+            <a:r>
+              <a:rPr lang="en-US" dirty="0"/>
+              <a:t> of estimates</a:t>
+            </a:r>
+          </a:p>
+          <a:p>
+            <a:r>
+              <a:rPr lang="en-US" dirty="0"/>
+              <a:t>Use weighted combination of </a:t>
+            </a:r>
+            <a:r>
+              <a:rPr lang="en-US" dirty="0" smtClean="0"/>
+              <a:t>estimates</a:t>
+            </a:r>
+          </a:p>
+          <a:p>
+            <a:pPr lvl="1"/>
+            <a:r>
+              <a:rPr lang="en-US" dirty="0" smtClean="0"/>
+              <a:t>p = </a:t>
+            </a:r>
+            <a:r>
+              <a:rPr lang="en-US" dirty="0" err="1" smtClean="0"/>
+              <a:t>Σ</a:t>
+            </a:r>
+            <a:r>
+              <a:rPr lang="en-US" baseline="-25000" dirty="0" err="1" smtClean="0"/>
+              <a:t>i</a:t>
+            </a:r>
+            <a:r>
+              <a:rPr lang="en-US" dirty="0" smtClean="0"/>
+              <a:t> </a:t>
+            </a:r>
+            <a:r>
+              <a:rPr lang="en-US" dirty="0" err="1" smtClean="0"/>
+              <a:t>a</a:t>
+            </a:r>
+            <a:r>
+              <a:rPr lang="en-US" baseline="-25000" dirty="0" err="1" smtClean="0"/>
+              <a:t>i</a:t>
+            </a:r>
+            <a:r>
+              <a:rPr lang="en-US" dirty="0" err="1" smtClean="0"/>
+              <a:t>e</a:t>
+            </a:r>
+            <a:r>
+              <a:rPr lang="en-US" baseline="-25000" dirty="0" err="1" smtClean="0"/>
+              <a:t>i</a:t>
+            </a:r>
+            <a:endParaRPr lang="en-US" baseline="-25000" dirty="0"/>
+          </a:p>
+          <a:p>
+            <a:endParaRPr lang="en-US" dirty="0"/>
+          </a:p>
+        </p:txBody>
+      </p:sp>
+    </p:spTree>
+    <p:extLst>
+      <p:ext uri="{BB962C8B-B14F-4D97-AF65-F5344CB8AC3E}">
+        <p14:creationId xmlns:p14="http://schemas.microsoft.com/office/powerpoint/2010/main" val="3542882443"/>
+      </p:ext>
+    </p:extLst>
+  </p:cSld>
+  <p:clrMapOvr>
+    <a:masterClrMapping/>
+  </p:clrMapOvr>
+</p:sld>
+</file>
+
+<file path=ppt/slides/slide14.xml><?xml version="1.0" encoding="utf-8"?>
+<p:sld xmlns:a="http://schemas.openxmlformats.org/drawingml/2006/main" xmlns:r="http://schemas.openxmlformats.org/officeDocument/2006/relationships" xmlns:p="http://schemas.openxmlformats.org/presentationml/2006/main">
+  <p:cSld>
+    <p:spTree>
+      <p:nvGrpSpPr>
+        <p:cNvPr id="1" name=""/>
+        <p:cNvGrpSpPr/>
+        <p:nvPr/>
+      </p:nvGrpSpPr>
+      <p:grpSpPr>
+        <a:xfrm>
+          <a:off x="0" y="0"/>
+          <a:ext cx="0" cy="0"/>
+          <a:chOff x="0" y="0"/>
+          <a:chExt cx="0" cy="0"/>
+        </a:xfrm>
+      </p:grpSpPr>
+      <p:sp>
+        <p:nvSpPr>
+          <p:cNvPr id="2" name="Title 1"/>
+          <p:cNvSpPr>
+            <a:spLocks noGrp="1"/>
+          </p:cNvSpPr>
+          <p:nvPr>
+            <p:ph type="title"/>
+          </p:nvPr>
+        </p:nvSpPr>
+        <p:spPr/>
+        <p:txBody>
+          <a:bodyPr/>
+          <a:lstStyle/>
+          <a:p>
+            <a:r>
+              <a:rPr lang="en-US" dirty="0"/>
+              <a:t>Generalizing to many workers</a:t>
+            </a:r>
+          </a:p>
+        </p:txBody>
+      </p:sp>
+      <p:sp>
+        <p:nvSpPr>
+          <p:cNvPr id="3" name="Content Placeholder 2"/>
+          <p:cNvSpPr>
+            <a:spLocks noGrp="1"/>
+          </p:cNvSpPr>
+          <p:nvPr>
+            <p:ph sz="quarter" idx="1"/>
+          </p:nvPr>
+        </p:nvSpPr>
+        <p:spPr/>
+        <p:txBody>
+          <a:bodyPr/>
+          <a:lstStyle/>
+          <a:p>
+            <a:r>
+              <a:rPr lang="en-US" dirty="0"/>
               <a:t>Optimum weights for </a:t>
             </a:r>
             <a:r>
@@ -14906,26 +15709,18 @@
             <a:pPr lvl="1"/>
             <a:r>
               <a:rPr lang="en-US" dirty="0" smtClean="0"/>
-              <a:t>Better to have two good workers in one group than one good worker in two groups, due </a:t>
-            </a:r>
-            <a:r>
-              <a:rPr lang="en-US" smtClean="0"/>
-              <a:t>to </a:t>
-            </a:r>
-            <a:r>
-              <a:rPr lang="en-US" smtClean="0"/>
+              <a:t>Better to have two good workers in one group than one good worker in two groups, due to </a:t>
+            </a:r>
+            <a:r>
+              <a:rPr lang="en-US" dirty="0" smtClean="0"/>
               <a:t>weighting</a:t>
             </a:r>
           </a:p>
           <a:p>
             <a:pPr lvl="1"/>
             <a:r>
-              <a:rPr lang="en-US" smtClean="0"/>
-              <a:t>Greedily </a:t>
-            </a:r>
-            <a:r>
               <a:rPr lang="en-US" dirty="0" smtClean="0"/>
-              <a:t>form groups</a:t>
+              <a:t>Greedily form groups</a:t>
             </a:r>
           </a:p>
           <a:p>
@@ -14946,7 +15741,7 @@
 </p:sld>
 </file>
 
-<file path=ppt/slides/slide14.xml><?xml version="1.0" encoding="utf-8"?>
+<file path=ppt/slides/slide15.xml><?xml version="1.0" encoding="utf-8"?>
 <p:sld xmlns:a="http://schemas.openxmlformats.org/drawingml/2006/main" xmlns:r="http://schemas.openxmlformats.org/officeDocument/2006/relationships" xmlns:p="http://schemas.openxmlformats.org/presentationml/2006/main">
   <p:cSld>
     <p:spTree>
@@ -15027,7 +15822,7 @@
 </p:sld>
 </file>
 
-<file path=ppt/slides/slide15.xml><?xml version="1.0" encoding="utf-8"?>
+<file path=ppt/slides/slide16.xml><?xml version="1.0" encoding="utf-8"?>
 <p:sld xmlns:a="http://schemas.openxmlformats.org/drawingml/2006/main" xmlns:r="http://schemas.openxmlformats.org/officeDocument/2006/relationships" xmlns:p="http://schemas.openxmlformats.org/presentationml/2006/main">
   <p:cSld>
     <p:spTree>
@@ -15664,308 +16459,6 @@
 </p:sld>
 </file>
 
-<file path=ppt/slides/slide16.xml><?xml version="1.0" encoding="utf-8"?>
-<p:sld xmlns:a="http://schemas.openxmlformats.org/drawingml/2006/main" xmlns:r="http://schemas.openxmlformats.org/officeDocument/2006/relationships" xmlns:p="http://schemas.openxmlformats.org/presentationml/2006/main">
-  <p:cSld>
-    <p:spTree>
-      <p:nvGrpSpPr>
-        <p:cNvPr id="1" name=""/>
-        <p:cNvGrpSpPr/>
-        <p:nvPr/>
-      </p:nvGrpSpPr>
-      <p:grpSpPr>
-        <a:xfrm>
-          <a:off x="0" y="0"/>
-          <a:ext cx="0" cy="0"/>
-          <a:chOff x="0" y="0"/>
-          <a:chExt cx="0" cy="0"/>
-        </a:xfrm>
-      </p:grpSpPr>
-      <p:sp>
-        <p:nvSpPr>
-          <p:cNvPr id="2" name="Title 1"/>
-          <p:cNvSpPr>
-            <a:spLocks noGrp="1"/>
-          </p:cNvSpPr>
-          <p:nvPr>
-            <p:ph type="title"/>
-          </p:nvPr>
-        </p:nvSpPr>
-        <p:spPr/>
-        <p:txBody>
-          <a:bodyPr/>
-          <a:lstStyle/>
-          <a:p>
-            <a:r>
-              <a:rPr lang="en-US" dirty="0"/>
-              <a:t>3 Workers Non-binary Tasks</a:t>
-            </a:r>
-          </a:p>
-        </p:txBody>
-      </p:sp>
-      <p:sp>
-        <p:nvSpPr>
-          <p:cNvPr id="3" name="Content Placeholder 2"/>
-          <p:cNvSpPr>
-            <a:spLocks noGrp="1"/>
-          </p:cNvSpPr>
-          <p:nvPr>
-            <p:ph sz="quarter" idx="1"/>
-          </p:nvPr>
-        </p:nvSpPr>
-        <p:spPr/>
-        <p:txBody>
-          <a:bodyPr>
-            <a:normAutofit/>
-          </a:bodyPr>
-          <a:lstStyle/>
-          <a:p>
-            <a:r>
-              <a:rPr lang="en-US" dirty="0" smtClean="0"/>
-              <a:t>Compute comparison matrices (frequencies of response-pairs of workers </a:t>
-            </a:r>
-            <a:r>
-              <a:rPr lang="en-US" dirty="0" err="1" smtClean="0"/>
-              <a:t>w</a:t>
-            </a:r>
-            <a:r>
-              <a:rPr lang="en-US" baseline="-25000" dirty="0" err="1" smtClean="0"/>
-              <a:t>i</a:t>
-            </a:r>
-            <a:r>
-              <a:rPr lang="en-US" dirty="0" err="1" smtClean="0"/>
-              <a:t>,w</a:t>
-            </a:r>
-            <a:r>
-              <a:rPr lang="en-US" baseline="-25000" dirty="0" err="1" smtClean="0"/>
-              <a:t>j</a:t>
-            </a:r>
-            <a:r>
-              <a:rPr lang="en-US" dirty="0" smtClean="0"/>
-              <a:t>) </a:t>
-            </a:r>
-          </a:p>
-          <a:p>
-            <a:r>
-              <a:rPr lang="en-US" dirty="0" err="1" smtClean="0"/>
-              <a:t>C</a:t>
-            </a:r>
-            <a:r>
-              <a:rPr lang="en-US" baseline="-25000" dirty="0" err="1" smtClean="0"/>
-              <a:t>ij</a:t>
-            </a:r>
-            <a:r>
-              <a:rPr lang="en-US" dirty="0" smtClean="0"/>
-              <a:t> ~ </a:t>
-            </a:r>
-            <a:r>
-              <a:rPr lang="en-US" dirty="0" err="1" smtClean="0"/>
-              <a:t>P</a:t>
-            </a:r>
-            <a:r>
-              <a:rPr lang="en-US" baseline="-25000" dirty="0" err="1" smtClean="0"/>
-              <a:t>i</a:t>
-            </a:r>
-            <a:r>
-              <a:rPr lang="en-US" dirty="0" err="1" smtClean="0"/>
-              <a:t>S</a:t>
-            </a:r>
-            <a:r>
-              <a:rPr lang="en-US" baseline="30000" dirty="0" err="1" smtClean="0"/>
-              <a:t>D</a:t>
-            </a:r>
-            <a:r>
-              <a:rPr lang="en-US" dirty="0" err="1" smtClean="0"/>
-              <a:t>P</a:t>
-            </a:r>
-            <a:r>
-              <a:rPr lang="en-US" baseline="-25000" dirty="0" err="1" smtClean="0"/>
-              <a:t>j</a:t>
-            </a:r>
-            <a:r>
-              <a:rPr lang="en-US" baseline="30000" dirty="0" err="1" smtClean="0"/>
-              <a:t>T</a:t>
-            </a:r>
-            <a:r>
-              <a:rPr lang="en-US" dirty="0"/>
-              <a:t> </a:t>
-            </a:r>
-            <a:endParaRPr lang="en-US" dirty="0" smtClean="0"/>
-          </a:p>
-          <a:p>
-            <a:r>
-              <a:rPr lang="en-US" dirty="0" smtClean="0"/>
-              <a:t>Compute D</a:t>
-            </a:r>
-            <a:r>
-              <a:rPr lang="en-US" baseline="-25000" dirty="0" smtClean="0"/>
-              <a:t>i</a:t>
-            </a:r>
-            <a:r>
-              <a:rPr lang="en-US" dirty="0" smtClean="0"/>
-              <a:t> </a:t>
-            </a:r>
-            <a:r>
-              <a:rPr lang="en-US" dirty="0"/>
-              <a:t>= </a:t>
-            </a:r>
-            <a:r>
-              <a:rPr lang="en-US" dirty="0" err="1"/>
-              <a:t>C</a:t>
-            </a:r>
-            <a:r>
-              <a:rPr lang="en-US" baseline="-25000" dirty="0" err="1"/>
-              <a:t>ij</a:t>
-            </a:r>
-            <a:r>
-              <a:rPr lang="en-US" dirty="0"/>
-              <a:t>(</a:t>
-            </a:r>
-            <a:r>
-              <a:rPr lang="en-US" dirty="0" err="1"/>
-              <a:t>C</a:t>
-            </a:r>
-            <a:r>
-              <a:rPr lang="en-US" baseline="-25000" dirty="0" err="1"/>
-              <a:t>jk</a:t>
-            </a:r>
-            <a:r>
-              <a:rPr lang="en-US" baseline="30000" dirty="0" err="1"/>
-              <a:t>T</a:t>
-            </a:r>
-            <a:r>
-              <a:rPr lang="en-US" dirty="0"/>
-              <a:t>)</a:t>
-            </a:r>
-            <a:r>
-              <a:rPr lang="en-US" baseline="30000" dirty="0"/>
-              <a:t>-1</a:t>
-            </a:r>
-            <a:r>
-              <a:rPr lang="en-US" dirty="0"/>
-              <a:t>C</a:t>
-            </a:r>
-            <a:r>
-              <a:rPr lang="en-US" baseline="-25000" dirty="0"/>
-              <a:t>ki</a:t>
-            </a:r>
-            <a:r>
-              <a:rPr lang="en-US" dirty="0"/>
-              <a:t> </a:t>
-            </a:r>
-            <a:r>
-              <a:rPr lang="en-US" dirty="0" smtClean="0"/>
-              <a:t>= </a:t>
-            </a:r>
-            <a:r>
-              <a:rPr lang="en-US" dirty="0" err="1"/>
-              <a:t>P</a:t>
-            </a:r>
-            <a:r>
-              <a:rPr lang="en-US" baseline="-25000" dirty="0" err="1"/>
-              <a:t>i</a:t>
-            </a:r>
-            <a:r>
-              <a:rPr lang="en-US" dirty="0" err="1"/>
-              <a:t>S</a:t>
-            </a:r>
-            <a:r>
-              <a:rPr lang="en-US" baseline="30000" dirty="0" err="1"/>
-              <a:t>D</a:t>
-            </a:r>
-            <a:r>
-              <a:rPr lang="en-US" dirty="0" err="1"/>
-              <a:t>P</a:t>
-            </a:r>
-            <a:r>
-              <a:rPr lang="en-US" baseline="-25000" dirty="0" err="1"/>
-              <a:t>i</a:t>
-            </a:r>
-            <a:r>
-              <a:rPr lang="en-US" baseline="30000" dirty="0" err="1"/>
-              <a:t>T</a:t>
-            </a:r>
-            <a:r>
-              <a:rPr lang="en-US" dirty="0"/>
-              <a:t> </a:t>
-            </a:r>
-          </a:p>
-          <a:p>
-            <a:r>
-              <a:rPr lang="en-US" dirty="0"/>
-              <a:t>Eigenvalue decomposition of D</a:t>
-            </a:r>
-            <a:r>
-              <a:rPr lang="en-US" baseline="-25000" dirty="0"/>
-              <a:t>i</a:t>
-            </a:r>
-            <a:r>
-              <a:rPr lang="en-US" dirty="0"/>
-              <a:t> gives V</a:t>
-            </a:r>
-            <a:r>
-              <a:rPr lang="en-US" baseline="-25000" dirty="0"/>
-              <a:t>i</a:t>
-            </a:r>
-            <a:r>
-              <a:rPr lang="en-US" dirty="0"/>
-              <a:t> </a:t>
-            </a:r>
-            <a:r>
-              <a:rPr lang="en-US" dirty="0" smtClean="0"/>
-              <a:t>= </a:t>
-            </a:r>
-            <a:r>
-              <a:rPr lang="en-US" dirty="0"/>
-              <a:t>U √S</a:t>
-            </a:r>
-            <a:r>
-              <a:rPr lang="en-US" baseline="30000" dirty="0"/>
-              <a:t>D </a:t>
-            </a:r>
-            <a:r>
-              <a:rPr lang="en-US" dirty="0"/>
-              <a:t>P</a:t>
-            </a:r>
-            <a:r>
-              <a:rPr lang="en-US" baseline="-25000" dirty="0"/>
-              <a:t>i</a:t>
-            </a:r>
-            <a:r>
-              <a:rPr lang="en-US" dirty="0"/>
-              <a:t>, for a unitary U. </a:t>
-            </a:r>
-          </a:p>
-          <a:p>
-            <a:endParaRPr lang="en-US" baseline="30000" dirty="0"/>
-          </a:p>
-          <a:p>
-            <a:pPr marL="0" indent="0">
-              <a:buNone/>
-            </a:pPr>
-            <a:endParaRPr lang="en-US" baseline="30000" dirty="0"/>
-          </a:p>
-          <a:p>
-            <a:pPr marL="0" indent="0">
-              <a:buNone/>
-            </a:pPr>
-            <a:endParaRPr lang="en-US" dirty="0" smtClean="0"/>
-          </a:p>
-        </p:txBody>
-      </p:sp>
-    </p:spTree>
-    <p:extLst>
-      <p:ext uri="{BB962C8B-B14F-4D97-AF65-F5344CB8AC3E}">
-        <p14:creationId xmlns:p14="http://schemas.microsoft.com/office/powerpoint/2010/main" val="3656939090"/>
-      </p:ext>
-    </p:extLst>
-  </p:cSld>
-  <p:clrMapOvr>
-    <a:masterClrMapping/>
-  </p:clrMapOvr>
-</p:sld>
-</file>
-
 <file path=ppt/slides/slide17.xml><?xml version="1.0" encoding="utf-8"?>
 <p:sld xmlns:a="http://schemas.openxmlformats.org/drawingml/2006/main" xmlns:r="http://schemas.openxmlformats.org/officeDocument/2006/relationships" xmlns:p="http://schemas.openxmlformats.org/presentationml/2006/main">
   <p:cSld>
@@ -16017,75 +16510,248 @@
         </p:nvSpPr>
         <p:spPr/>
         <p:txBody>
-          <a:bodyPr/>
+          <a:bodyPr>
+            <a:normAutofit/>
+          </a:bodyPr>
           <a:lstStyle/>
           <a:p>
             <a:r>
               <a:rPr lang="en-US" dirty="0" smtClean="0"/>
-              <a:t>U </a:t>
+              <a:t>Compute comparison matrices (frequencies of response-pairs of workers </a:t>
+            </a:r>
+            <a:r>
+              <a:rPr lang="en-US" dirty="0" err="1" smtClean="0"/>
+              <a:t>w</a:t>
+            </a:r>
+            <a:r>
+              <a:rPr lang="en-US" baseline="-25000" dirty="0" err="1" smtClean="0"/>
+              <a:t>i</a:t>
+            </a:r>
+            <a:r>
+              <a:rPr lang="en-US" dirty="0" err="1" smtClean="0"/>
+              <a:t>,w</a:t>
+            </a:r>
+            <a:r>
+              <a:rPr lang="en-US" baseline="-25000" dirty="0" err="1" smtClean="0"/>
+              <a:t>j</a:t>
+            </a:r>
+            <a:r>
+              <a:rPr lang="en-US" dirty="0" smtClean="0"/>
+              <a:t>) </a:t>
+            </a:r>
+          </a:p>
+          <a:p>
+            <a:r>
+              <a:rPr lang="en-US" dirty="0" err="1" smtClean="0"/>
+              <a:t>C</a:t>
+            </a:r>
+            <a:r>
+              <a:rPr lang="en-US" baseline="-25000" dirty="0" err="1" smtClean="0"/>
+              <a:t>ij</a:t>
+            </a:r>
+            <a:r>
+              <a:rPr lang="en-US" dirty="0" smtClean="0"/>
+              <a:t> ~ </a:t>
+            </a:r>
+            <a:r>
+              <a:rPr lang="en-US" dirty="0" err="1" smtClean="0"/>
+              <a:t>P</a:t>
+            </a:r>
+            <a:r>
+              <a:rPr lang="en-US" baseline="-25000" dirty="0" err="1" smtClean="0"/>
+              <a:t>i</a:t>
+            </a:r>
+            <a:r>
+              <a:rPr lang="en-US" dirty="0" err="1" smtClean="0"/>
+              <a:t>S</a:t>
+            </a:r>
+            <a:r>
+              <a:rPr lang="en-US" baseline="30000" dirty="0" err="1" smtClean="0"/>
+              <a:t>D</a:t>
+            </a:r>
+            <a:r>
+              <a:rPr lang="en-US" dirty="0" err="1" smtClean="0"/>
+              <a:t>P</a:t>
+            </a:r>
+            <a:r>
+              <a:rPr lang="en-US" baseline="-25000" dirty="0" err="1" smtClean="0"/>
+              <a:t>j</a:t>
+            </a:r>
+            <a:r>
+              <a:rPr lang="en-US" baseline="30000" dirty="0" err="1" smtClean="0"/>
+              <a:t>T</a:t>
             </a:r>
             <a:r>
               <a:rPr lang="en-US" dirty="0"/>
-              <a:t>can be recovered using 3-way </a:t>
-            </a:r>
+              <a:t> </a:t>
+            </a:r>
+            <a:endParaRPr lang="en-US" dirty="0" smtClean="0"/>
+          </a:p>
+          <a:p>
             <a:r>
               <a:rPr lang="en-US" dirty="0" smtClean="0"/>
-              <a:t>comparisons</a:t>
-            </a:r>
-            <a:endParaRPr lang="en-US" dirty="0"/>
-          </a:p>
-          <a:p>
+              <a:t>Compute D</a:t>
+            </a:r>
+            <a:r>
+              <a:rPr lang="en-US" baseline="-25000" dirty="0" smtClean="0"/>
+              <a:t>i</a:t>
+            </a:r>
+            <a:r>
+              <a:rPr lang="en-US" dirty="0" smtClean="0"/>
+              <a:t> </a:t>
+            </a:r>
             <a:r>
               <a:rPr lang="en-US" dirty="0"/>
+              <a:t>= </a:t>
+            </a:r>
+            <a:r>
+              <a:rPr lang="en-US" dirty="0" err="1"/>
+              <a:t>C</a:t>
+            </a:r>
+            <a:r>
+              <a:rPr lang="en-US" baseline="-25000" dirty="0" err="1"/>
+              <a:t>ij</a:t>
+            </a:r>
+            <a:r>
+              <a:rPr lang="en-US" dirty="0"/>
+              <a:t>(</a:t>
+            </a:r>
+            <a:r>
+              <a:rPr lang="en-US" dirty="0" err="1"/>
+              <a:t>C</a:t>
+            </a:r>
+            <a:r>
+              <a:rPr lang="en-US" baseline="-25000" dirty="0" err="1"/>
+              <a:t>jk</a:t>
+            </a:r>
+            <a:r>
+              <a:rPr lang="en-US" baseline="30000" dirty="0" err="1"/>
+              <a:t>T</a:t>
+            </a:r>
+            <a:r>
+              <a:rPr lang="en-US" dirty="0"/>
+              <a:t>)</a:t>
+            </a:r>
+            <a:r>
+              <a:rPr lang="en-US" baseline="30000" dirty="0"/>
+              <a:t>-1</a:t>
+            </a:r>
+            <a:r>
+              <a:rPr lang="en-US" dirty="0"/>
+              <a:t>C</a:t>
+            </a:r>
+            <a:r>
+              <a:rPr lang="en-US" baseline="-25000" dirty="0"/>
+              <a:t>ki</a:t>
+            </a:r>
+            <a:r>
+              <a:rPr lang="en-US" dirty="0"/>
+              <a:t> </a:t>
+            </a:r>
+            <a:r>
+              <a:rPr lang="en-US" dirty="0" smtClean="0"/>
+              <a:t>= </a:t>
+            </a:r>
+            <a:r>
+              <a:rPr lang="en-US" dirty="0" err="1"/>
+              <a:t>P</a:t>
+            </a:r>
+            <a:r>
+              <a:rPr lang="en-US" baseline="-25000" dirty="0" err="1"/>
+              <a:t>i</a:t>
+            </a:r>
+            <a:r>
+              <a:rPr lang="en-US" dirty="0" err="1"/>
               <a:t>S</a:t>
             </a:r>
             <a:r>
+              <a:rPr lang="en-US" baseline="30000" dirty="0" err="1"/>
+              <a:t>D</a:t>
+            </a:r>
+            <a:r>
+              <a:rPr lang="en-US" dirty="0" err="1"/>
+              <a:t>P</a:t>
+            </a:r>
+            <a:r>
+              <a:rPr lang="en-US" baseline="-25000" dirty="0" err="1"/>
+              <a:t>i</a:t>
+            </a:r>
+            <a:r>
+              <a:rPr lang="en-US" baseline="30000" dirty="0" err="1"/>
+              <a:t>T</a:t>
+            </a:r>
+            <a:r>
+              <a:rPr lang="en-US" dirty="0"/>
+              <a:t> </a:t>
+            </a:r>
+          </a:p>
+          <a:p>
+            <a:r>
+              <a:rPr lang="en-US" dirty="0"/>
+              <a:t>Eigenvalue decomposition of D</a:t>
+            </a:r>
+            <a:r>
+              <a:rPr lang="en-US" baseline="-25000" dirty="0"/>
+              <a:t>i</a:t>
+            </a:r>
+            <a:r>
+              <a:rPr lang="en-US" dirty="0"/>
+              <a:t> gives V</a:t>
+            </a:r>
+            <a:r>
+              <a:rPr lang="en-US" baseline="-25000" dirty="0"/>
+              <a:t>i</a:t>
+            </a:r>
+            <a:r>
+              <a:rPr lang="en-US" dirty="0"/>
+              <a:t> </a:t>
+            </a:r>
+            <a:r>
+              <a:rPr lang="en-US" dirty="0" smtClean="0"/>
+              <a:t>= </a:t>
+            </a:r>
+            <a:r>
+              <a:rPr lang="en-US" dirty="0"/>
+              <a:t>U √S</a:t>
+            </a:r>
+            <a:r>
               <a:rPr lang="en-US" baseline="30000" dirty="0"/>
-              <a:t>D</a:t>
+              <a:t>D </a:t>
             </a:r>
             <a:r>
               <a:rPr lang="en-US" dirty="0"/>
-              <a:t> can be recovered using column </a:t>
-            </a:r>
-            <a:r>
-              <a:rPr lang="en-US" dirty="0" err="1"/>
-              <a:t>stochasticity</a:t>
+              <a:t>P</a:t>
+            </a:r>
+            <a:r>
+              <a:rPr lang="en-US" baseline="-25000" dirty="0"/>
+              <a:t>i</a:t>
             </a:r>
             <a:r>
               <a:rPr lang="en-US" dirty="0"/>
-              <a:t> of </a:t>
-            </a:r>
-            <a:r>
-              <a:rPr lang="en-US" dirty="0" smtClean="0"/>
-              <a:t>P</a:t>
-            </a:r>
-            <a:r>
-              <a:rPr lang="en-US" baseline="30000" dirty="0" smtClean="0"/>
-              <a:t>i</a:t>
-            </a:r>
-          </a:p>
-          <a:p>
-            <a:r>
-              <a:rPr lang="en-US" dirty="0" smtClean="0"/>
-              <a:t>For confidence intervals, use variances/derivatives like in the binary tasks case</a:t>
-            </a:r>
-          </a:p>
-          <a:p>
-            <a:r>
-              <a:rPr lang="en-US" dirty="0" smtClean="0"/>
-              <a:t>Details in paper</a:t>
-            </a:r>
-            <a:endParaRPr lang="en-US" dirty="0"/>
-          </a:p>
-          <a:p>
-            <a:endParaRPr lang="en-US" dirty="0"/>
+              <a:t>, for a unitary U. </a:t>
+            </a:r>
+          </a:p>
+          <a:p>
+            <a:endParaRPr lang="en-US" baseline="30000" dirty="0"/>
+          </a:p>
+          <a:p>
+            <a:pPr marL="0" indent="0">
+              <a:buNone/>
+            </a:pPr>
+            <a:endParaRPr lang="en-US" baseline="30000" dirty="0"/>
+          </a:p>
+          <a:p>
+            <a:pPr marL="0" indent="0">
+              <a:buNone/>
+            </a:pPr>
+            <a:endParaRPr lang="en-US" dirty="0" smtClean="0"/>
           </a:p>
         </p:txBody>
       </p:sp>
     </p:spTree>
     <p:extLst>
       <p:ext uri="{BB962C8B-B14F-4D97-AF65-F5344CB8AC3E}">
-        <p14:creationId xmlns:p14="http://schemas.microsoft.com/office/powerpoint/2010/main" val="40208919"/>
+        <p14:creationId xmlns:p14="http://schemas.microsoft.com/office/powerpoint/2010/main" val="3656939090"/>
       </p:ext>
     </p:extLst>
   </p:cSld>
@@ -16128,129 +16794,85 @@
           <a:lstStyle/>
           <a:p>
             <a:r>
-              <a:rPr lang="en-US" dirty="0" smtClean="0"/>
-              <a:t>Results: Calibration (Synthetic Data)</a:t>
-            </a:r>
-            <a:endParaRPr lang="en-US" dirty="0"/>
-          </a:p>
-        </p:txBody>
-      </p:sp>
-      <p:pic>
-        <p:nvPicPr>
-          <p:cNvPr id="4" name="Picture 3" descr="conf_acc.pdf"/>
-          <p:cNvPicPr>
-            <a:picLocks noChangeAspect="1"/>
-          </p:cNvPicPr>
-          <p:nvPr/>
-        </p:nvPicPr>
-        <p:blipFill>
-          <a:blip r:embed="rId2">
-            <a:extLst>
-              <a:ext uri="{28A0092B-C50C-407E-A947-70E740481C1C}">
-                <a14:useLocalDpi xmlns:a14="http://schemas.microsoft.com/office/drawing/2010/main" val="0"/>
-              </a:ext>
-            </a:extLst>
-          </a:blip>
-          <a:stretch>
-            <a:fillRect/>
-          </a:stretch>
-        </p:blipFill>
-        <p:spPr>
-          <a:xfrm>
-            <a:off x="301752" y="1552181"/>
-            <a:ext cx="4177221" cy="3104022"/>
-          </a:xfrm>
-          <a:prstGeom prst="rect">
-            <a:avLst/>
-          </a:prstGeom>
-        </p:spPr>
-      </p:pic>
-      <p:pic>
-        <p:nvPicPr>
-          <p:cNvPr id="5" name="Picture 4" descr="k_conf_acc.pdf"/>
-          <p:cNvPicPr>
-            <a:picLocks noChangeAspect="1"/>
-          </p:cNvPicPr>
-          <p:nvPr/>
-        </p:nvPicPr>
-        <p:blipFill>
-          <a:blip r:embed="rId3">
-            <a:extLst>
-              <a:ext uri="{28A0092B-C50C-407E-A947-70E740481C1C}">
-                <a14:useLocalDpi xmlns:a14="http://schemas.microsoft.com/office/drawing/2010/main" val="0"/>
-              </a:ext>
-            </a:extLst>
-          </a:blip>
-          <a:stretch>
-            <a:fillRect/>
-          </a:stretch>
-        </p:blipFill>
-        <p:spPr>
-          <a:xfrm>
-            <a:off x="4771283" y="1552181"/>
-            <a:ext cx="4064869" cy="3104022"/>
-          </a:xfrm>
-          <a:prstGeom prst="rect">
-            <a:avLst/>
-          </a:prstGeom>
-        </p:spPr>
-      </p:pic>
-      <p:sp>
-        <p:nvSpPr>
-          <p:cNvPr id="6" name="TextBox 5"/>
-          <p:cNvSpPr txBox="1"/>
-          <p:nvPr/>
-        </p:nvSpPr>
-        <p:spPr>
-          <a:xfrm>
-            <a:off x="1611337" y="4805744"/>
-            <a:ext cx="1502034" cy="369332"/>
-          </a:xfrm>
-          <a:prstGeom prst="rect">
-            <a:avLst/>
-          </a:prstGeom>
-          <a:noFill/>
-        </p:spPr>
-        <p:txBody>
-          <a:bodyPr wrap="none" rtlCol="0">
-            <a:spAutoFit/>
-          </a:bodyPr>
-          <a:lstStyle/>
-          <a:p>
-            <a:r>
-              <a:rPr lang="en-US" dirty="0" smtClean="0"/>
-              <a:t>Binary Tasks</a:t>
-            </a:r>
-            <a:endParaRPr lang="en-US" dirty="0"/>
+              <a:rPr lang="en-US" dirty="0"/>
+              <a:t>3 Workers Non-binary Tasks</a:t>
+            </a:r>
           </a:p>
         </p:txBody>
       </p:sp>
       <p:sp>
         <p:nvSpPr>
-          <p:cNvPr id="7" name="TextBox 6"/>
-          <p:cNvSpPr txBox="1"/>
-          <p:nvPr/>
+          <p:cNvPr id="3" name="Content Placeholder 2"/>
+          <p:cNvSpPr>
+            <a:spLocks noGrp="1"/>
+          </p:cNvSpPr>
+          <p:nvPr>
+            <p:ph sz="quarter" idx="1"/>
+          </p:nvPr>
         </p:nvSpPr>
-        <p:spPr>
-          <a:xfrm>
-            <a:off x="5983257" y="4805744"/>
-            <a:ext cx="2026253" cy="369332"/>
-          </a:xfrm>
-          <a:prstGeom prst="rect">
-            <a:avLst/>
-          </a:prstGeom>
-          <a:noFill/>
-        </p:spPr>
+        <p:spPr/>
         <p:txBody>
-          <a:bodyPr wrap="none" rtlCol="0">
-            <a:spAutoFit/>
-          </a:bodyPr>
+          <a:bodyPr/>
           <a:lstStyle/>
           <a:p>
             <a:r>
               <a:rPr lang="en-US" dirty="0" smtClean="0"/>
-              <a:t>Non-Binary Tasks</a:t>
-            </a:r>
+              <a:t>U </a:t>
+            </a:r>
+            <a:r>
+              <a:rPr lang="en-US" dirty="0"/>
+              <a:t>can be recovered using 3-way </a:t>
+            </a:r>
+            <a:r>
+              <a:rPr lang="en-US" dirty="0" smtClean="0"/>
+              <a:t>comparisons</a:t>
+            </a:r>
+            <a:endParaRPr lang="en-US" dirty="0"/>
+          </a:p>
+          <a:p>
+            <a:r>
+              <a:rPr lang="en-US" dirty="0"/>
+              <a:t>S</a:t>
+            </a:r>
+            <a:r>
+              <a:rPr lang="en-US" baseline="30000" dirty="0"/>
+              <a:t>D</a:t>
+            </a:r>
+            <a:r>
+              <a:rPr lang="en-US" dirty="0"/>
+              <a:t> can be recovered using column </a:t>
+            </a:r>
+            <a:r>
+              <a:rPr lang="en-US" dirty="0" err="1"/>
+              <a:t>stochasticity</a:t>
+            </a:r>
+            <a:r>
+              <a:rPr lang="en-US" dirty="0"/>
+              <a:t> of </a:t>
+            </a:r>
+            <a:r>
+              <a:rPr lang="en-US" dirty="0" smtClean="0"/>
+              <a:t>P</a:t>
+            </a:r>
+            <a:r>
+              <a:rPr lang="en-US" baseline="30000" dirty="0" smtClean="0"/>
+              <a:t>i</a:t>
+            </a:r>
+          </a:p>
+          <a:p>
+            <a:r>
+              <a:rPr lang="en-US" dirty="0" smtClean="0"/>
+              <a:t>For confidence intervals, use variances/derivatives like in the binary tasks case</a:t>
+            </a:r>
+          </a:p>
+          <a:p>
+            <a:r>
+              <a:rPr lang="en-US" dirty="0" smtClean="0"/>
+              <a:t>Details in paper</a:t>
+            </a:r>
+            <a:endParaRPr lang="en-US" dirty="0"/>
+          </a:p>
+          <a:p>
             <a:endParaRPr lang="en-US" dirty="0"/>
           </a:p>
         </p:txBody>
@@ -16258,7 +16880,7 @@
     </p:spTree>
     <p:extLst>
       <p:ext uri="{BB962C8B-B14F-4D97-AF65-F5344CB8AC3E}">
-        <p14:creationId xmlns:p14="http://schemas.microsoft.com/office/powerpoint/2010/main" val="3430038789"/>
+        <p14:creationId xmlns:p14="http://schemas.microsoft.com/office/powerpoint/2010/main" val="40208919"/>
       </p:ext>
     </p:extLst>
   </p:cSld>
@@ -16302,7 +16924,7 @@
           <a:p>
             <a:r>
               <a:rPr lang="en-US" dirty="0" smtClean="0"/>
-              <a:t>Results: Calibration (Real Data)</a:t>
+              <a:t>Results: Calibration (Synthetic Data)</a:t>
             </a:r>
             <a:endParaRPr lang="en-US" dirty="0"/>
           </a:p>
@@ -16310,102 +16932,14 @@
       </p:sp>
       <p:pic>
         <p:nvPicPr>
-          <p:cNvPr id="9" name="Content Placeholder 8" descr="k_conf_acc_real.pdf"/>
-          <p:cNvPicPr>
-            <a:picLocks noGrp="1" noChangeAspect="1"/>
-          </p:cNvPicPr>
-          <p:nvPr>
-            <p:ph sz="quarter" idx="1"/>
-          </p:nvPr>
-        </p:nvPicPr>
-        <p:blipFill rotWithShape="1">
-          <a:blip r:embed="rId2">
-            <a:extLst>
-              <a:ext uri="{28A0092B-C50C-407E-A947-70E740481C1C}">
-                <a14:useLocalDpi xmlns:a14="http://schemas.microsoft.com/office/drawing/2010/main" val="0"/>
-              </a:ext>
-            </a:extLst>
-          </a:blip>
-          <a:srcRect t="-547" b="-2402"/>
-          <a:stretch/>
-        </p:blipFill>
-        <p:spPr>
-          <a:xfrm>
-            <a:off x="4695463" y="1588490"/>
-            <a:ext cx="4250038" cy="3149640"/>
-          </a:xfrm>
-        </p:spPr>
-      </p:pic>
-      <p:sp>
-        <p:nvSpPr>
-          <p:cNvPr id="10" name="TextBox 9"/>
-          <p:cNvSpPr txBox="1"/>
-          <p:nvPr/>
-        </p:nvSpPr>
-        <p:spPr>
-          <a:xfrm>
-            <a:off x="1763737" y="4794948"/>
-            <a:ext cx="1502034" cy="369332"/>
-          </a:xfrm>
-          <a:prstGeom prst="rect">
-            <a:avLst/>
-          </a:prstGeom>
-          <a:noFill/>
-        </p:spPr>
-        <p:txBody>
-          <a:bodyPr wrap="none" rtlCol="0">
-            <a:spAutoFit/>
-          </a:bodyPr>
-          <a:lstStyle/>
-          <a:p>
-            <a:r>
-              <a:rPr lang="en-US" dirty="0" smtClean="0"/>
-              <a:t>Binary Tasks</a:t>
-            </a:r>
-            <a:endParaRPr lang="en-US" dirty="0"/>
-          </a:p>
-        </p:txBody>
-      </p:sp>
-      <p:sp>
-        <p:nvSpPr>
-          <p:cNvPr id="11" name="TextBox 10"/>
-          <p:cNvSpPr txBox="1"/>
-          <p:nvPr/>
-        </p:nvSpPr>
-        <p:spPr>
-          <a:xfrm>
-            <a:off x="5903516" y="4794948"/>
-            <a:ext cx="2026253" cy="369332"/>
-          </a:xfrm>
-          <a:prstGeom prst="rect">
-            <a:avLst/>
-          </a:prstGeom>
-          <a:noFill/>
-        </p:spPr>
-        <p:txBody>
-          <a:bodyPr wrap="none" rtlCol="0">
-            <a:spAutoFit/>
-          </a:bodyPr>
-          <a:lstStyle/>
-          <a:p>
-            <a:r>
-              <a:rPr lang="en-US" dirty="0" smtClean="0"/>
-              <a:t>Non-Binary Tasks</a:t>
-            </a:r>
-            <a:endParaRPr lang="en-US" dirty="0"/>
-          </a:p>
-        </p:txBody>
-      </p:sp>
-      <p:pic>
-        <p:nvPicPr>
-          <p:cNvPr id="3" name="Picture 2" descr="conf_acc_real_improved.pdf"/>
+          <p:cNvPr id="5" name="Picture 4" descr="k_conf_acc.pdf"/>
           <p:cNvPicPr>
             <a:picLocks noChangeAspect="1"/>
           </p:cNvPicPr>
           <p:nvPr/>
         </p:nvPicPr>
         <p:blipFill>
-          <a:blip r:embed="rId3">
+          <a:blip r:embed="rId2">
             <a:extLst>
               <a:ext uri="{28A0092B-C50C-407E-A947-70E740481C1C}">
                 <a14:useLocalDpi xmlns:a14="http://schemas.microsoft.com/office/drawing/2010/main" val="0"/>
@@ -16418,8 +16952,8 @@
         </p:blipFill>
         <p:spPr>
           <a:xfrm>
-            <a:off x="123463" y="1588490"/>
-            <a:ext cx="4341336" cy="3046798"/>
+            <a:off x="0" y="1552181"/>
+            <a:ext cx="8995063" cy="5151964"/>
           </a:xfrm>
           <a:prstGeom prst="rect">
             <a:avLst/>
@@ -16429,7 +16963,7 @@
     </p:spTree>
     <p:extLst>
       <p:ext uri="{BB962C8B-B14F-4D97-AF65-F5344CB8AC3E}">
-        <p14:creationId xmlns:p14="http://schemas.microsoft.com/office/powerpoint/2010/main" val="3251541435"/>
+        <p14:creationId xmlns:p14="http://schemas.microsoft.com/office/powerpoint/2010/main" val="3430038789"/>
       </p:ext>
     </p:extLst>
   </p:cSld>
@@ -16635,6 +17169,87 @@
           <a:p>
             <a:r>
               <a:rPr lang="en-US" dirty="0" smtClean="0"/>
+              <a:t>Results: Calibration (Real Data)</a:t>
+            </a:r>
+            <a:endParaRPr lang="en-US" dirty="0"/>
+          </a:p>
+        </p:txBody>
+      </p:sp>
+      <p:pic>
+        <p:nvPicPr>
+          <p:cNvPr id="9" name="Content Placeholder 8" descr="k_conf_acc_real.pdf"/>
+          <p:cNvPicPr>
+            <a:picLocks noGrp="1" noChangeAspect="1"/>
+          </p:cNvPicPr>
+          <p:nvPr>
+            <p:ph sz="quarter" idx="1"/>
+          </p:nvPr>
+        </p:nvPicPr>
+        <p:blipFill rotWithShape="1">
+          <a:blip r:embed="rId2">
+            <a:extLst>
+              <a:ext uri="{28A0092B-C50C-407E-A947-70E740481C1C}">
+                <a14:useLocalDpi xmlns:a14="http://schemas.microsoft.com/office/drawing/2010/main" val="0"/>
+              </a:ext>
+            </a:extLst>
+          </a:blip>
+          <a:srcRect t="-547" b="-2402"/>
+          <a:stretch/>
+        </p:blipFill>
+        <p:spPr>
+          <a:xfrm>
+            <a:off x="0" y="1588490"/>
+            <a:ext cx="8999974" cy="5269510"/>
+          </a:xfrm>
+        </p:spPr>
+      </p:pic>
+    </p:spTree>
+    <p:extLst>
+      <p:ext uri="{BB962C8B-B14F-4D97-AF65-F5344CB8AC3E}">
+        <p14:creationId xmlns:p14="http://schemas.microsoft.com/office/powerpoint/2010/main" val="3251541435"/>
+      </p:ext>
+    </p:extLst>
+  </p:cSld>
+  <p:clrMapOvr>
+    <a:masterClrMapping/>
+  </p:clrMapOvr>
+</p:sld>
+</file>
+
+<file path=ppt/slides/slide21.xml><?xml version="1.0" encoding="utf-8"?>
+<p:sld xmlns:a="http://schemas.openxmlformats.org/drawingml/2006/main" xmlns:r="http://schemas.openxmlformats.org/officeDocument/2006/relationships" xmlns:p="http://schemas.openxmlformats.org/presentationml/2006/main">
+  <p:cSld>
+    <p:spTree>
+      <p:nvGrpSpPr>
+        <p:cNvPr id="1" name=""/>
+        <p:cNvGrpSpPr/>
+        <p:nvPr/>
+      </p:nvGrpSpPr>
+      <p:grpSpPr>
+        <a:xfrm>
+          <a:off x="0" y="0"/>
+          <a:ext cx="0" cy="0"/>
+          <a:chOff x="0" y="0"/>
+          <a:chExt cx="0" cy="0"/>
+        </a:xfrm>
+      </p:grpSpPr>
+      <p:sp>
+        <p:nvSpPr>
+          <p:cNvPr id="2" name="Title 1"/>
+          <p:cNvSpPr>
+            <a:spLocks noGrp="1"/>
+          </p:cNvSpPr>
+          <p:nvPr>
+            <p:ph type="title"/>
+          </p:nvPr>
+        </p:nvSpPr>
+        <p:spPr/>
+        <p:txBody>
+          <a:bodyPr/>
+          <a:lstStyle/>
+          <a:p>
+            <a:r>
+              <a:rPr lang="en-US" dirty="0" smtClean="0"/>
               <a:t>Conclusion</a:t>
             </a:r>
             <a:endParaRPr lang="en-US" dirty="0"/>
@@ -16830,7 +17445,7 @@
           <p:nvPr>
             <p:extLst>
               <p:ext uri="{D42A27DB-BD31-4B8C-83A1-F6EECF244321}">
-                <p14:modId xmlns:p14="http://schemas.microsoft.com/office/powerpoint/2010/main" val="1057560951"/>
+                <p14:modId xmlns:p14="http://schemas.microsoft.com/office/powerpoint/2010/main" val="2230679324"/>
               </p:ext>
             </p:extLst>
           </p:nvPr>
@@ -16859,7 +17474,7 @@
                     <a:bodyPr/>
                     <a:lstStyle/>
                     <a:p>
-                      <a:endParaRPr lang="en-US" dirty="0"/>
+                      <a:endParaRPr lang="en-US" sz="2200" dirty="0"/>
                     </a:p>
                   </a:txBody>
                   <a:tcPr/>
@@ -16870,10 +17485,14 @@
                     <a:lstStyle/>
                     <a:p>
                       <a:r>
-                        <a:rPr lang="en-US" dirty="0" smtClean="0"/>
-                        <a:t>T1</a:t>
+                        <a:rPr lang="en-US" sz="2200" dirty="0" smtClean="0"/>
+                        <a:t>t</a:t>
                       </a:r>
-                      <a:endParaRPr lang="en-US" dirty="0"/>
+                      <a:r>
+                        <a:rPr lang="en-US" sz="2200" baseline="-25000" dirty="0" smtClean="0"/>
+                        <a:t>1</a:t>
+                      </a:r>
+                      <a:endParaRPr lang="en-US" sz="2200" baseline="-25000" dirty="0"/>
                     </a:p>
                   </a:txBody>
                   <a:tcPr/>
@@ -16884,10 +17503,14 @@
                     <a:lstStyle/>
                     <a:p>
                       <a:r>
-                        <a:rPr lang="en-US" dirty="0" smtClean="0"/>
-                        <a:t>T2</a:t>
+                        <a:rPr lang="en-US" sz="2200" dirty="0" smtClean="0"/>
+                        <a:t>t</a:t>
                       </a:r>
-                      <a:endParaRPr lang="en-US" dirty="0"/>
+                      <a:r>
+                        <a:rPr lang="en-US" sz="2200" baseline="-25000" dirty="0" smtClean="0"/>
+                        <a:t>2</a:t>
+                      </a:r>
+                      <a:endParaRPr lang="en-US" sz="2200" baseline="-25000" dirty="0"/>
                     </a:p>
                   </a:txBody>
                   <a:tcPr/>
@@ -16898,10 +17521,14 @@
                     <a:lstStyle/>
                     <a:p>
                       <a:r>
-                        <a:rPr lang="en-US" dirty="0" smtClean="0"/>
-                        <a:t>T3</a:t>
+                        <a:rPr lang="en-US" sz="2200" dirty="0" smtClean="0"/>
+                        <a:t>t</a:t>
                       </a:r>
-                      <a:endParaRPr lang="en-US" dirty="0"/>
+                      <a:r>
+                        <a:rPr lang="en-US" sz="2200" baseline="-25000" dirty="0" smtClean="0"/>
+                        <a:t>3</a:t>
+                      </a:r>
+                      <a:endParaRPr lang="en-US" sz="2200" baseline="-25000" dirty="0"/>
                     </a:p>
                   </a:txBody>
                   <a:tcPr/>
@@ -16912,10 +17539,14 @@
                     <a:lstStyle/>
                     <a:p>
                       <a:r>
-                        <a:rPr lang="en-US" dirty="0" smtClean="0"/>
-                        <a:t>T4</a:t>
+                        <a:rPr lang="en-US" sz="2200" dirty="0" smtClean="0"/>
+                        <a:t>t</a:t>
                       </a:r>
-                      <a:endParaRPr lang="en-US" dirty="0"/>
+                      <a:r>
+                        <a:rPr lang="en-US" sz="2200" baseline="-25000" dirty="0" smtClean="0"/>
+                        <a:t>4</a:t>
+                      </a:r>
+                      <a:endParaRPr lang="en-US" sz="2200" baseline="-25000" dirty="0"/>
                     </a:p>
                   </a:txBody>
                   <a:tcPr/>
@@ -16926,10 +17557,14 @@
                     <a:lstStyle/>
                     <a:p>
                       <a:r>
-                        <a:rPr lang="en-US" dirty="0" smtClean="0"/>
-                        <a:t>T5</a:t>
+                        <a:rPr lang="en-US" sz="2200" dirty="0" smtClean="0"/>
+                        <a:t>t</a:t>
                       </a:r>
-                      <a:endParaRPr lang="en-US" dirty="0"/>
+                      <a:r>
+                        <a:rPr lang="en-US" sz="2200" baseline="-25000" dirty="0" smtClean="0"/>
+                        <a:t>5</a:t>
+                      </a:r>
+                      <a:endParaRPr lang="en-US" sz="2200" baseline="-25000" dirty="0"/>
                     </a:p>
                   </a:txBody>
                   <a:tcPr/>
@@ -16942,10 +17577,18 @@
                     <a:lstStyle/>
                     <a:p>
                       <a:r>
-                        <a:rPr lang="en-US" baseline="0" dirty="0" smtClean="0"/>
-                        <a:t>w1     </a:t>
+                        <a:rPr lang="en-US" sz="2200" baseline="0" dirty="0" smtClean="0"/>
+                        <a:t>w</a:t>
                       </a:r>
-                      <a:endParaRPr lang="en-US" dirty="0"/>
+                      <a:r>
+                        <a:rPr lang="en-US" sz="2200" baseline="-25000" dirty="0" smtClean="0"/>
+                        <a:t>1</a:t>
+                      </a:r>
+                      <a:r>
+                        <a:rPr lang="en-US" sz="2200" baseline="0" dirty="0" smtClean="0"/>
+                        <a:t>     </a:t>
+                      </a:r>
+                      <a:endParaRPr lang="en-US" sz="2200" dirty="0"/>
                     </a:p>
                   </a:txBody>
                   <a:tcPr/>
@@ -16956,10 +17599,14 @@
                     <a:lstStyle/>
                     <a:p>
                       <a:r>
-                        <a:rPr lang="en-US" dirty="0" smtClean="0"/>
-                        <a:t>r1</a:t>
+                        <a:rPr lang="en-US" sz="2200" dirty="0" smtClean="0"/>
+                        <a:t>r</a:t>
                       </a:r>
-                      <a:endParaRPr lang="en-US" dirty="0"/>
+                      <a:r>
+                        <a:rPr lang="en-US" sz="2200" baseline="-25000" dirty="0" smtClean="0"/>
+                        <a:t>1</a:t>
+                      </a:r>
+                      <a:endParaRPr lang="en-US" sz="2200" baseline="-25000" dirty="0"/>
                     </a:p>
                   </a:txBody>
                   <a:tcPr/>
@@ -16970,10 +17617,14 @@
                     <a:lstStyle/>
                     <a:p>
                       <a:r>
-                        <a:rPr lang="en-US" dirty="0" smtClean="0"/>
-                        <a:t>r2</a:t>
+                        <a:rPr lang="en-US" sz="2200" dirty="0" smtClean="0"/>
+                        <a:t>r</a:t>
                       </a:r>
-                      <a:endParaRPr lang="en-US" dirty="0"/>
+                      <a:r>
+                        <a:rPr lang="en-US" sz="2200" baseline="-25000" dirty="0" smtClean="0"/>
+                        <a:t>2</a:t>
+                      </a:r>
+                      <a:endParaRPr lang="en-US" sz="2200" baseline="-25000" dirty="0"/>
                     </a:p>
                   </a:txBody>
                   <a:tcPr/>
@@ -16984,10 +17635,14 @@
                     <a:lstStyle/>
                     <a:p>
                       <a:r>
-                        <a:rPr lang="en-US" dirty="0" smtClean="0"/>
-                        <a:t>r3</a:t>
+                        <a:rPr lang="en-US" sz="2200" dirty="0" smtClean="0"/>
+                        <a:t>r</a:t>
                       </a:r>
-                      <a:endParaRPr lang="en-US" dirty="0"/>
+                      <a:r>
+                        <a:rPr lang="en-US" sz="2200" baseline="-25000" dirty="0" smtClean="0"/>
+                        <a:t>3</a:t>
+                      </a:r>
+                      <a:endParaRPr lang="en-US" sz="2200" baseline="-25000" dirty="0"/>
                     </a:p>
                   </a:txBody>
                   <a:tcPr/>
@@ -16998,10 +17653,10 @@
                     <a:lstStyle/>
                     <a:p>
                       <a:r>
-                        <a:rPr lang="en-US" dirty="0" smtClean="0"/>
+                        <a:rPr lang="en-US" sz="2200" dirty="0" smtClean="0"/>
                         <a:t>-</a:t>
                       </a:r>
-                      <a:endParaRPr lang="en-US" dirty="0"/>
+                      <a:endParaRPr lang="en-US" sz="2200" dirty="0"/>
                     </a:p>
                   </a:txBody>
                   <a:tcPr/>
@@ -17012,10 +17667,14 @@
                     <a:lstStyle/>
                     <a:p>
                       <a:r>
-                        <a:rPr lang="en-US" dirty="0" smtClean="0"/>
-                        <a:t>r1</a:t>
+                        <a:rPr lang="en-US" sz="2200" dirty="0" smtClean="0"/>
+                        <a:t>r</a:t>
                       </a:r>
-                      <a:endParaRPr lang="en-US" dirty="0"/>
+                      <a:r>
+                        <a:rPr lang="en-US" sz="2200" baseline="-25000" dirty="0" smtClean="0"/>
+                        <a:t>1</a:t>
+                      </a:r>
+                      <a:endParaRPr lang="en-US" sz="2200" baseline="-25000" dirty="0"/>
                     </a:p>
                   </a:txBody>
                   <a:tcPr/>
@@ -17028,10 +17687,14 @@
                     <a:lstStyle/>
                     <a:p>
                       <a:r>
-                        <a:rPr lang="en-US" dirty="0" smtClean="0"/>
-                        <a:t>w2</a:t>
+                        <a:rPr lang="en-US" sz="2200" dirty="0" smtClean="0"/>
+                        <a:t>w</a:t>
                       </a:r>
-                      <a:endParaRPr lang="en-US" dirty="0"/>
+                      <a:r>
+                        <a:rPr lang="en-US" sz="2200" baseline="-25000" dirty="0" smtClean="0"/>
+                        <a:t>2</a:t>
+                      </a:r>
+                      <a:endParaRPr lang="en-US" sz="2200" baseline="-25000" dirty="0"/>
                     </a:p>
                   </a:txBody>
                   <a:tcPr/>
@@ -17042,10 +17705,14 @@
                     <a:lstStyle/>
                     <a:p>
                       <a:r>
-                        <a:rPr lang="en-US" dirty="0" smtClean="0"/>
-                        <a:t>r1</a:t>
+                        <a:rPr lang="en-US" sz="2200" dirty="0" smtClean="0"/>
+                        <a:t>r</a:t>
                       </a:r>
-                      <a:endParaRPr lang="en-US" dirty="0"/>
+                      <a:r>
+                        <a:rPr lang="en-US" sz="2200" baseline="-25000" dirty="0" smtClean="0"/>
+                        <a:t>1</a:t>
+                      </a:r>
+                      <a:endParaRPr lang="en-US" sz="2200" baseline="-25000" dirty="0"/>
                     </a:p>
                   </a:txBody>
                   <a:tcPr/>
@@ -17056,10 +17723,14 @@
                     <a:lstStyle/>
                     <a:p>
                       <a:r>
-                        <a:rPr lang="en-US" dirty="0" smtClean="0"/>
-                        <a:t>r2</a:t>
+                        <a:rPr lang="en-US" sz="2200" dirty="0" smtClean="0"/>
+                        <a:t>r</a:t>
                       </a:r>
-                      <a:endParaRPr lang="en-US" dirty="0"/>
+                      <a:r>
+                        <a:rPr lang="en-US" sz="2200" baseline="-25000" dirty="0" smtClean="0"/>
+                        <a:t>2</a:t>
+                      </a:r>
+                      <a:endParaRPr lang="en-US" sz="2200" baseline="-25000" dirty="0"/>
                     </a:p>
                   </a:txBody>
                   <a:tcPr/>
@@ -17070,10 +17741,10 @@
                     <a:lstStyle/>
                     <a:p>
                       <a:r>
-                        <a:rPr lang="en-US" dirty="0" smtClean="0"/>
+                        <a:rPr lang="en-US" sz="2200" dirty="0" smtClean="0"/>
                         <a:t>-</a:t>
                       </a:r>
-                      <a:endParaRPr lang="en-US" dirty="0"/>
+                      <a:endParaRPr lang="en-US" sz="2200" dirty="0"/>
                     </a:p>
                   </a:txBody>
                   <a:tcPr/>
@@ -17084,10 +17755,14 @@
                     <a:lstStyle/>
                     <a:p>
                       <a:r>
-                        <a:rPr lang="en-US" dirty="0" smtClean="0"/>
-                        <a:t>r1</a:t>
+                        <a:rPr lang="en-US" sz="2200" dirty="0" smtClean="0"/>
+                        <a:t>r</a:t>
                       </a:r>
-                      <a:endParaRPr lang="en-US" dirty="0"/>
+                      <a:r>
+                        <a:rPr lang="en-US" sz="2200" baseline="-25000" dirty="0" smtClean="0"/>
+                        <a:t>1</a:t>
+                      </a:r>
+                      <a:endParaRPr lang="en-US" sz="2200" baseline="-25000" dirty="0"/>
                     </a:p>
                   </a:txBody>
                   <a:tcPr/>
@@ -17098,10 +17773,14 @@
                     <a:lstStyle/>
                     <a:p>
                       <a:r>
-                        <a:rPr lang="en-US" dirty="0" smtClean="0"/>
-                        <a:t>r1</a:t>
+                        <a:rPr lang="en-US" sz="2200" dirty="0" smtClean="0"/>
+                        <a:t>r</a:t>
                       </a:r>
-                      <a:endParaRPr lang="en-US" dirty="0"/>
+                      <a:r>
+                        <a:rPr lang="en-US" sz="2200" baseline="-25000" dirty="0" smtClean="0"/>
+                        <a:t>1</a:t>
+                      </a:r>
+                      <a:endParaRPr lang="en-US" sz="2200" baseline="-25000" dirty="0"/>
                     </a:p>
                   </a:txBody>
                   <a:tcPr/>
@@ -17114,10 +17793,14 @@
                     <a:lstStyle/>
                     <a:p>
                       <a:r>
-                        <a:rPr lang="en-US" dirty="0" smtClean="0"/>
-                        <a:t>w3</a:t>
+                        <a:rPr lang="en-US" sz="2200" dirty="0" smtClean="0"/>
+                        <a:t>w</a:t>
                       </a:r>
-                      <a:endParaRPr lang="en-US" dirty="0"/>
+                      <a:r>
+                        <a:rPr lang="en-US" sz="2200" baseline="-25000" dirty="0" smtClean="0"/>
+                        <a:t>3</a:t>
+                      </a:r>
+                      <a:endParaRPr lang="en-US" sz="2200" baseline="-25000" dirty="0"/>
                     </a:p>
                   </a:txBody>
                   <a:tcPr/>
@@ -17128,10 +17811,10 @@
                     <a:lstStyle/>
                     <a:p>
                       <a:r>
-                        <a:rPr lang="en-US" dirty="0" smtClean="0"/>
+                        <a:rPr lang="en-US" sz="2200" dirty="0" smtClean="0"/>
                         <a:t>-</a:t>
                       </a:r>
-                      <a:endParaRPr lang="en-US" dirty="0"/>
+                      <a:endParaRPr lang="en-US" sz="2200" dirty="0"/>
                     </a:p>
                   </a:txBody>
                   <a:tcPr/>
@@ -17142,10 +17825,14 @@
                     <a:lstStyle/>
                     <a:p>
                       <a:r>
-                        <a:rPr lang="en-US" dirty="0" smtClean="0"/>
-                        <a:t>r3</a:t>
+                        <a:rPr lang="en-US" sz="2200" dirty="0" smtClean="0"/>
+                        <a:t>r</a:t>
                       </a:r>
-                      <a:endParaRPr lang="en-US" dirty="0"/>
+                      <a:r>
+                        <a:rPr lang="en-US" sz="2200" baseline="-25000" dirty="0" smtClean="0"/>
+                        <a:t>3</a:t>
+                      </a:r>
+                      <a:endParaRPr lang="en-US" sz="2200" baseline="-25000" dirty="0"/>
                     </a:p>
                   </a:txBody>
                   <a:tcPr/>
@@ -17156,10 +17843,14 @@
                     <a:lstStyle/>
                     <a:p>
                       <a:r>
-                        <a:rPr lang="en-US" dirty="0" smtClean="0"/>
-                        <a:t>r3</a:t>
+                        <a:rPr lang="en-US" sz="2200" dirty="0" smtClean="0"/>
+                        <a:t>r</a:t>
                       </a:r>
-                      <a:endParaRPr lang="en-US" dirty="0"/>
+                      <a:r>
+                        <a:rPr lang="en-US" sz="2200" baseline="-25000" dirty="0" smtClean="0"/>
+                        <a:t>3</a:t>
+                      </a:r>
+                      <a:endParaRPr lang="en-US" sz="2200" baseline="-25000" dirty="0"/>
                     </a:p>
                   </a:txBody>
                   <a:tcPr/>
@@ -17170,10 +17861,14 @@
                     <a:lstStyle/>
                     <a:p>
                       <a:r>
-                        <a:rPr lang="en-US" dirty="0" smtClean="0"/>
-                        <a:t>r2</a:t>
+                        <a:rPr lang="en-US" sz="2200" dirty="0" smtClean="0"/>
+                        <a:t>r</a:t>
                       </a:r>
-                      <a:endParaRPr lang="en-US" dirty="0"/>
+                      <a:r>
+                        <a:rPr lang="en-US" sz="2200" baseline="-25000" dirty="0" smtClean="0"/>
+                        <a:t>2</a:t>
+                      </a:r>
+                      <a:endParaRPr lang="en-US" sz="2200" baseline="-25000" dirty="0"/>
                     </a:p>
                   </a:txBody>
                   <a:tcPr/>
@@ -17184,10 +17879,14 @@
                     <a:lstStyle/>
                     <a:p>
                       <a:r>
-                        <a:rPr lang="en-US" dirty="0" smtClean="0"/>
-                        <a:t>r1</a:t>
+                        <a:rPr lang="en-US" sz="2200" dirty="0" smtClean="0"/>
+                        <a:t>r</a:t>
                       </a:r>
-                      <a:endParaRPr lang="en-US" dirty="0"/>
+                      <a:r>
+                        <a:rPr lang="en-US" sz="2200" baseline="-25000" dirty="0" smtClean="0"/>
+                        <a:t>1</a:t>
+                      </a:r>
+                      <a:endParaRPr lang="en-US" sz="2200" baseline="-25000" dirty="0"/>
                     </a:p>
                   </a:txBody>
                   <a:tcPr/>
@@ -17200,10 +17899,14 @@
                     <a:lstStyle/>
                     <a:p>
                       <a:r>
-                        <a:rPr lang="en-US" dirty="0" smtClean="0"/>
-                        <a:t>w4</a:t>
+                        <a:rPr lang="en-US" sz="2200" dirty="0" smtClean="0"/>
+                        <a:t>w</a:t>
                       </a:r>
-                      <a:endParaRPr lang="en-US" dirty="0"/>
+                      <a:r>
+                        <a:rPr lang="en-US" sz="2200" baseline="-25000" dirty="0" smtClean="0"/>
+                        <a:t>4</a:t>
+                      </a:r>
+                      <a:endParaRPr lang="en-US" sz="2200" baseline="-25000" dirty="0"/>
                     </a:p>
                   </a:txBody>
                   <a:tcPr/>
@@ -17214,10 +17917,14 @@
                     <a:lstStyle/>
                     <a:p>
                       <a:r>
-                        <a:rPr lang="en-US" dirty="0" smtClean="0"/>
-                        <a:t>r1</a:t>
+                        <a:rPr lang="en-US" sz="2200" dirty="0" smtClean="0"/>
+                        <a:t>r</a:t>
                       </a:r>
-                      <a:endParaRPr lang="en-US" dirty="0"/>
+                      <a:r>
+                        <a:rPr lang="en-US" sz="2200" baseline="-25000" dirty="0" smtClean="0"/>
+                        <a:t>1</a:t>
+                      </a:r>
+                      <a:endParaRPr lang="en-US" sz="2200" baseline="-25000" dirty="0"/>
                     </a:p>
                   </a:txBody>
                   <a:tcPr/>
@@ -17228,10 +17935,14 @@
                     <a:lstStyle/>
                     <a:p>
                       <a:r>
-                        <a:rPr lang="en-US" dirty="0" smtClean="0"/>
-                        <a:t>r2</a:t>
+                        <a:rPr lang="en-US" sz="2200" dirty="0" smtClean="0"/>
+                        <a:t>r</a:t>
                       </a:r>
-                      <a:endParaRPr lang="en-US" dirty="0"/>
+                      <a:r>
+                        <a:rPr lang="en-US" sz="2200" baseline="-25000" dirty="0" smtClean="0"/>
+                        <a:t>2</a:t>
+                      </a:r>
+                      <a:endParaRPr lang="en-US" sz="2200" baseline="-25000" dirty="0"/>
                     </a:p>
                   </a:txBody>
                   <a:tcPr/>
@@ -17242,10 +17953,14 @@
                     <a:lstStyle/>
                     <a:p>
                       <a:r>
-                        <a:rPr lang="en-US" dirty="0" smtClean="0"/>
-                        <a:t>r3</a:t>
+                        <a:rPr lang="en-US" sz="2200" dirty="0" smtClean="0"/>
+                        <a:t>r</a:t>
                       </a:r>
-                      <a:endParaRPr lang="en-US" dirty="0"/>
+                      <a:r>
+                        <a:rPr lang="en-US" sz="2200" baseline="-25000" dirty="0" smtClean="0"/>
+                        <a:t>3</a:t>
+                      </a:r>
+                      <a:endParaRPr lang="en-US" sz="2200" baseline="-25000" dirty="0"/>
                     </a:p>
                   </a:txBody>
                   <a:tcPr/>
@@ -17256,10 +17971,10 @@
                     <a:lstStyle/>
                     <a:p>
                       <a:r>
-                        <a:rPr lang="en-US" dirty="0" smtClean="0"/>
+                        <a:rPr lang="en-US" sz="2200" dirty="0" smtClean="0"/>
                         <a:t>-</a:t>
                       </a:r>
-                      <a:endParaRPr lang="en-US" dirty="0"/>
+                      <a:endParaRPr lang="en-US" sz="2200" dirty="0"/>
                     </a:p>
                   </a:txBody>
                   <a:tcPr/>
@@ -17270,10 +17985,14 @@
                     <a:lstStyle/>
                     <a:p>
                       <a:r>
-                        <a:rPr lang="en-US" dirty="0" smtClean="0"/>
-                        <a:t>r2</a:t>
+                        <a:rPr lang="en-US" sz="2200" dirty="0" smtClean="0"/>
+                        <a:t>r</a:t>
                       </a:r>
-                      <a:endParaRPr lang="en-US" dirty="0"/>
+                      <a:r>
+                        <a:rPr lang="en-US" sz="2200" baseline="-25000" dirty="0" smtClean="0"/>
+                        <a:t>2</a:t>
+                      </a:r>
+                      <a:endParaRPr lang="en-US" sz="2200" baseline="-25000" dirty="0"/>
                     </a:p>
                   </a:txBody>
                   <a:tcPr/>
@@ -17988,7 +18707,15 @@
             </a:pPr>
             <a:r>
               <a:rPr lang="en-US" dirty="0" smtClean="0"/>
-              <a:t>             = ½ + ½ √((</a:t>
+              <a:t>             = ½ </a:t>
+            </a:r>
+            <a:r>
+              <a:rPr lang="en-US" dirty="0" smtClean="0"/>
+              <a:t>- </a:t>
+            </a:r>
+            <a:r>
+              <a:rPr lang="en-US" dirty="0" smtClean="0"/>
+              <a:t>½ √((</a:t>
             </a:r>
             <a:r>
               <a:rPr lang="en-US" dirty="0" err="1" smtClean="0"/>
@@ -18039,14 +18766,14 @@
           <p:nvPr>
             <p:extLst>
               <p:ext uri="{D42A27DB-BD31-4B8C-83A1-F6EECF244321}">
-                <p14:modId xmlns:p14="http://schemas.microsoft.com/office/powerpoint/2010/main" val="255962805"/>
+                <p14:modId xmlns:p14="http://schemas.microsoft.com/office/powerpoint/2010/main" val="1711571589"/>
               </p:ext>
             </p:extLst>
           </p:nvPr>
         </p:nvGraphicFramePr>
         <p:xfrm>
           <a:off x="636399" y="2171073"/>
-          <a:ext cx="3746988" cy="1679510"/>
+          <a:ext cx="3746988" cy="1752600"/>
         </p:xfrm>
         <a:graphic>
           <a:graphicData uri="http://schemas.openxmlformats.org/drawingml/2006/table">
@@ -18068,7 +18795,7 @@
                     <a:bodyPr/>
                     <a:lstStyle/>
                     <a:p>
-                      <a:endParaRPr lang="en-US" sz="1500" dirty="0"/>
+                      <a:endParaRPr lang="en-US" sz="1700" dirty="0"/>
                     </a:p>
                   </a:txBody>
                   <a:tcPr/>
@@ -18079,14 +18806,14 @@
                     <a:lstStyle/>
                     <a:p>
                       <a:r>
-                        <a:rPr lang="en-US" sz="1500" dirty="0" smtClean="0"/>
+                        <a:rPr lang="en-US" sz="1700" dirty="0" smtClean="0"/>
                         <a:t>t</a:t>
                       </a:r>
                       <a:r>
-                        <a:rPr lang="en-US" sz="1500" baseline="-25000" dirty="0" smtClean="0"/>
+                        <a:rPr lang="en-US" sz="1700" baseline="-25000" dirty="0" smtClean="0"/>
                         <a:t>1</a:t>
                       </a:r>
-                      <a:endParaRPr lang="en-US" sz="1500" baseline="-25000" dirty="0"/>
+                      <a:endParaRPr lang="en-US" sz="1700" baseline="-25000" dirty="0"/>
                     </a:p>
                   </a:txBody>
                   <a:tcPr/>
@@ -18097,14 +18824,14 @@
                     <a:lstStyle/>
                     <a:p>
                       <a:r>
-                        <a:rPr lang="en-US" sz="1500" dirty="0" smtClean="0"/>
+                        <a:rPr lang="en-US" sz="1700" dirty="0" smtClean="0"/>
                         <a:t>t</a:t>
                       </a:r>
                       <a:r>
-                        <a:rPr lang="en-US" sz="1500" baseline="-25000" dirty="0" smtClean="0"/>
+                        <a:rPr lang="en-US" sz="1700" baseline="-25000" dirty="0" smtClean="0"/>
                         <a:t>2</a:t>
                       </a:r>
-                      <a:endParaRPr lang="en-US" sz="1500" baseline="-25000" dirty="0"/>
+                      <a:endParaRPr lang="en-US" sz="1700" baseline="-25000" dirty="0"/>
                     </a:p>
                   </a:txBody>
                   <a:tcPr/>
@@ -18115,14 +18842,14 @@
                     <a:lstStyle/>
                     <a:p>
                       <a:r>
-                        <a:rPr lang="en-US" sz="1500" dirty="0" smtClean="0"/>
+                        <a:rPr lang="en-US" sz="1700" dirty="0" smtClean="0"/>
                         <a:t>t</a:t>
                       </a:r>
                       <a:r>
-                        <a:rPr lang="en-US" sz="1500" baseline="-25000" dirty="0" smtClean="0"/>
+                        <a:rPr lang="en-US" sz="1700" baseline="-25000" dirty="0" smtClean="0"/>
                         <a:t>3</a:t>
                       </a:r>
-                      <a:endParaRPr lang="en-US" sz="1500" baseline="-25000" dirty="0"/>
+                      <a:endParaRPr lang="en-US" sz="1700" baseline="-25000" dirty="0"/>
                     </a:p>
                   </a:txBody>
                   <a:tcPr/>
@@ -18133,14 +18860,14 @@
                     <a:lstStyle/>
                     <a:p>
                       <a:r>
-                        <a:rPr lang="en-US" sz="1500" dirty="0" smtClean="0"/>
+                        <a:rPr lang="en-US" sz="1700" dirty="0" smtClean="0"/>
                         <a:t>t</a:t>
                       </a:r>
                       <a:r>
-                        <a:rPr lang="en-US" sz="1500" baseline="-25000" dirty="0" smtClean="0"/>
+                        <a:rPr lang="en-US" sz="1700" baseline="-25000" dirty="0" smtClean="0"/>
                         <a:t>4</a:t>
                       </a:r>
-                      <a:endParaRPr lang="en-US" sz="1500" baseline="-25000" dirty="0"/>
+                      <a:endParaRPr lang="en-US" sz="1700" baseline="-25000" dirty="0"/>
                     </a:p>
                   </a:txBody>
                   <a:tcPr/>
@@ -18151,14 +18878,14 @@
                     <a:lstStyle/>
                     <a:p>
                       <a:r>
-                        <a:rPr lang="en-US" sz="1500" dirty="0" smtClean="0"/>
+                        <a:rPr lang="en-US" sz="1700" dirty="0" smtClean="0"/>
                         <a:t>t</a:t>
                       </a:r>
                       <a:r>
-                        <a:rPr lang="en-US" sz="1500" baseline="-25000" dirty="0" smtClean="0"/>
+                        <a:rPr lang="en-US" sz="1700" baseline="-25000" dirty="0" smtClean="0"/>
                         <a:t>5</a:t>
                       </a:r>
-                      <a:endParaRPr lang="en-US" sz="1500" baseline="-25000" dirty="0"/>
+                      <a:endParaRPr lang="en-US" sz="1700" baseline="-25000" dirty="0"/>
                     </a:p>
                   </a:txBody>
                   <a:tcPr/>
@@ -18171,14 +18898,14 @@
                     <a:lstStyle/>
                     <a:p>
                       <a:r>
-                        <a:rPr lang="en-US" sz="1500" dirty="0" smtClean="0"/>
+                        <a:rPr lang="en-US" sz="1700" dirty="0" smtClean="0"/>
                         <a:t>w</a:t>
                       </a:r>
                       <a:r>
-                        <a:rPr lang="en-US" sz="1500" baseline="-25000" dirty="0" smtClean="0"/>
+                        <a:rPr lang="en-US" sz="1700" baseline="-25000" dirty="0" smtClean="0"/>
                         <a:t>1</a:t>
                       </a:r>
-                      <a:endParaRPr lang="en-US" sz="1500" baseline="-25000" dirty="0"/>
+                      <a:endParaRPr lang="en-US" sz="1700" baseline="-25000" dirty="0"/>
                     </a:p>
                   </a:txBody>
                   <a:tcPr/>
@@ -18189,10 +18916,10 @@
                     <a:lstStyle/>
                     <a:p>
                       <a:r>
-                        <a:rPr lang="en-US" sz="1500" dirty="0" smtClean="0"/>
-                        <a:t>Y</a:t>
+                        <a:rPr lang="en-US" sz="1700" dirty="0" smtClean="0"/>
+                        <a:t>y</a:t>
                       </a:r>
-                      <a:endParaRPr lang="en-US" sz="1500" dirty="0"/>
+                      <a:endParaRPr lang="en-US" sz="1700" dirty="0"/>
                     </a:p>
                   </a:txBody>
                   <a:tcPr/>
@@ -18203,10 +18930,10 @@
                     <a:lstStyle/>
                     <a:p>
                       <a:r>
-                        <a:rPr lang="en-US" sz="1500" dirty="0" smtClean="0"/>
-                        <a:t>Y</a:t>
+                        <a:rPr lang="en-US" sz="1700" dirty="0" smtClean="0"/>
+                        <a:t>y</a:t>
                       </a:r>
-                      <a:endParaRPr lang="en-US" sz="1500" dirty="0"/>
+                      <a:endParaRPr lang="en-US" sz="1700" dirty="0"/>
                     </a:p>
                   </a:txBody>
                   <a:tcPr/>
@@ -18217,10 +18944,10 @@
                     <a:lstStyle/>
                     <a:p>
                       <a:r>
-                        <a:rPr lang="en-US" sz="1500" dirty="0" smtClean="0"/>
+                        <a:rPr lang="en-US" sz="1700" dirty="0" smtClean="0"/>
                         <a:t>-</a:t>
                       </a:r>
-                      <a:endParaRPr lang="en-US" sz="1500" dirty="0"/>
+                      <a:endParaRPr lang="en-US" sz="1700" dirty="0"/>
                     </a:p>
                   </a:txBody>
                   <a:tcPr/>
@@ -18231,10 +18958,10 @@
                     <a:lstStyle/>
                     <a:p>
                       <a:r>
-                        <a:rPr lang="en-US" sz="1500" dirty="0" smtClean="0"/>
-                        <a:t>N</a:t>
+                        <a:rPr lang="en-US" sz="1700" dirty="0" smtClean="0"/>
+                        <a:t>n</a:t>
                       </a:r>
-                      <a:endParaRPr lang="en-US" sz="1500" dirty="0"/>
+                      <a:endParaRPr lang="en-US" sz="1700" dirty="0"/>
                     </a:p>
                   </a:txBody>
                   <a:tcPr/>
@@ -18245,10 +18972,10 @@
                     <a:lstStyle/>
                     <a:p>
                       <a:r>
-                        <a:rPr lang="en-US" sz="1500" dirty="0" smtClean="0"/>
-                        <a:t>N</a:t>
+                        <a:rPr lang="en-US" sz="1700" dirty="0" smtClean="0"/>
+                        <a:t>n</a:t>
                       </a:r>
-                      <a:endParaRPr lang="en-US" sz="1500" dirty="0"/>
+                      <a:endParaRPr lang="en-US" sz="1700" dirty="0"/>
                     </a:p>
                   </a:txBody>
                   <a:tcPr/>
@@ -18261,14 +18988,14 @@
                     <a:lstStyle/>
                     <a:p>
                       <a:r>
-                        <a:rPr lang="en-US" sz="1500" dirty="0" smtClean="0"/>
+                        <a:rPr lang="en-US" sz="1700" dirty="0" smtClean="0"/>
                         <a:t>w</a:t>
                       </a:r>
                       <a:r>
-                        <a:rPr lang="en-US" sz="1500" baseline="-25000" dirty="0" smtClean="0"/>
+                        <a:rPr lang="en-US" sz="1700" baseline="-25000" dirty="0" smtClean="0"/>
                         <a:t>2</a:t>
                       </a:r>
-                      <a:endParaRPr lang="en-US" sz="1500" baseline="-25000" dirty="0"/>
+                      <a:endParaRPr lang="en-US" sz="1700" baseline="-25000" dirty="0"/>
                     </a:p>
                   </a:txBody>
                   <a:tcPr/>
@@ -18279,10 +19006,10 @@
                     <a:lstStyle/>
                     <a:p>
                       <a:r>
-                        <a:rPr lang="en-US" sz="1500" dirty="0" smtClean="0"/>
-                        <a:t>N</a:t>
+                        <a:rPr lang="en-US" sz="1700" dirty="0" smtClean="0"/>
+                        <a:t>n</a:t>
                       </a:r>
-                      <a:endParaRPr lang="en-US" sz="1500" dirty="0"/>
+                      <a:endParaRPr lang="en-US" sz="1700" dirty="0"/>
                     </a:p>
                   </a:txBody>
                   <a:tcPr/>
@@ -18293,10 +19020,10 @@
                     <a:lstStyle/>
                     <a:p>
                       <a:r>
-                        <a:rPr lang="en-US" sz="1500" dirty="0" smtClean="0"/>
+                        <a:rPr lang="en-US" sz="1700" dirty="0" smtClean="0"/>
                         <a:t>-</a:t>
                       </a:r>
-                      <a:endParaRPr lang="en-US" sz="1500" dirty="0"/>
+                      <a:endParaRPr lang="en-US" sz="1700" dirty="0"/>
                     </a:p>
                   </a:txBody>
                   <a:tcPr/>
@@ -18307,10 +19034,10 @@
                     <a:lstStyle/>
                     <a:p>
                       <a:r>
-                        <a:rPr lang="en-US" sz="1500" dirty="0" smtClean="0"/>
-                        <a:t>Y</a:t>
+                        <a:rPr lang="en-US" sz="1700" dirty="0" smtClean="0"/>
+                        <a:t>y</a:t>
                       </a:r>
-                      <a:endParaRPr lang="en-US" sz="1500" dirty="0"/>
+                      <a:endParaRPr lang="en-US" sz="1700" dirty="0"/>
                     </a:p>
                   </a:txBody>
                   <a:tcPr/>
@@ -18321,10 +19048,10 @@
                     <a:lstStyle/>
                     <a:p>
                       <a:r>
-                        <a:rPr lang="en-US" sz="1500" dirty="0" smtClean="0"/>
-                        <a:t>N</a:t>
+                        <a:rPr lang="en-US" sz="1700" dirty="0" smtClean="0"/>
+                        <a:t>n</a:t>
                       </a:r>
-                      <a:endParaRPr lang="en-US" sz="1500" dirty="0"/>
+                      <a:endParaRPr lang="en-US" sz="1700" dirty="0"/>
                     </a:p>
                   </a:txBody>
                   <a:tcPr/>
@@ -18335,10 +19062,10 @@
                     <a:lstStyle/>
                     <a:p>
                       <a:r>
-                        <a:rPr lang="en-US" sz="1500" dirty="0" smtClean="0"/>
-                        <a:t>N</a:t>
+                        <a:rPr lang="en-US" sz="1700" dirty="0" smtClean="0"/>
+                        <a:t>n</a:t>
                       </a:r>
-                      <a:endParaRPr lang="en-US" sz="1500" dirty="0"/>
+                      <a:endParaRPr lang="en-US" sz="1700" dirty="0"/>
                     </a:p>
                   </a:txBody>
                   <a:tcPr/>
@@ -18351,14 +19078,14 @@
                     <a:lstStyle/>
                     <a:p>
                       <a:r>
-                        <a:rPr lang="en-US" sz="1500" dirty="0" smtClean="0"/>
+                        <a:rPr lang="en-US" sz="1700" dirty="0" smtClean="0"/>
                         <a:t>w</a:t>
                       </a:r>
                       <a:r>
-                        <a:rPr lang="en-US" sz="1500" baseline="-25000" dirty="0" smtClean="0"/>
+                        <a:rPr lang="en-US" sz="1700" baseline="-25000" dirty="0" smtClean="0"/>
                         <a:t>3</a:t>
                       </a:r>
-                      <a:endParaRPr lang="en-US" sz="1500" baseline="-25000" dirty="0"/>
+                      <a:endParaRPr lang="en-US" sz="1700" baseline="-25000" dirty="0"/>
                     </a:p>
                   </a:txBody>
                   <a:tcPr/>
@@ -18369,10 +19096,10 @@
                     <a:lstStyle/>
                     <a:p>
                       <a:r>
-                        <a:rPr lang="en-US" sz="1500" dirty="0" smtClean="0"/>
+                        <a:rPr lang="en-US" sz="1700" dirty="0" smtClean="0"/>
                         <a:t>-</a:t>
                       </a:r>
-                      <a:endParaRPr lang="en-US" sz="1500" dirty="0"/>
+                      <a:endParaRPr lang="en-US" sz="1700" dirty="0"/>
                     </a:p>
                   </a:txBody>
                   <a:tcPr/>
@@ -18383,10 +19110,10 @@
                     <a:lstStyle/>
                     <a:p>
                       <a:r>
-                        <a:rPr lang="en-US" sz="1500" dirty="0" smtClean="0"/>
-                        <a:t>Y</a:t>
+                        <a:rPr lang="en-US" sz="1700" dirty="0" smtClean="0"/>
+                        <a:t>y</a:t>
                       </a:r>
-                      <a:endParaRPr lang="en-US" sz="1500" dirty="0"/>
+                      <a:endParaRPr lang="en-US" sz="1700" dirty="0"/>
                     </a:p>
                   </a:txBody>
                   <a:tcPr/>
@@ -18397,10 +19124,10 @@
                     <a:lstStyle/>
                     <a:p>
                       <a:r>
-                        <a:rPr lang="en-US" sz="1500" dirty="0" smtClean="0"/>
-                        <a:t>Y</a:t>
+                        <a:rPr lang="en-US" sz="1700" dirty="0" smtClean="0"/>
+                        <a:t>y</a:t>
                       </a:r>
-                      <a:endParaRPr lang="en-US" sz="1500" dirty="0"/>
+                      <a:endParaRPr lang="en-US" sz="1700" dirty="0"/>
                     </a:p>
                   </a:txBody>
                   <a:tcPr/>
@@ -18411,10 +19138,10 @@
                     <a:lstStyle/>
                     <a:p>
                       <a:r>
-                        <a:rPr lang="en-US" sz="1500" dirty="0" smtClean="0"/>
-                        <a:t>N</a:t>
+                        <a:rPr lang="en-US" sz="1700" dirty="0" smtClean="0"/>
+                        <a:t>n</a:t>
                       </a:r>
-                      <a:endParaRPr lang="en-US" sz="1500" dirty="0"/>
+                      <a:endParaRPr lang="en-US" sz="1700" dirty="0"/>
                     </a:p>
                   </a:txBody>
                   <a:tcPr/>
@@ -18425,10 +19152,10 @@
                     <a:lstStyle/>
                     <a:p>
                       <a:r>
-                        <a:rPr lang="en-US" sz="1500" dirty="0" smtClean="0"/>
-                        <a:t>Y</a:t>
+                        <a:rPr lang="en-US" sz="1700" dirty="0" smtClean="0"/>
+                        <a:t>y</a:t>
                       </a:r>
-                      <a:endParaRPr lang="en-US" sz="1500" dirty="0"/>
+                      <a:endParaRPr lang="en-US" sz="1700" dirty="0"/>
                     </a:p>
                   </a:txBody>
                   <a:tcPr/>
@@ -18455,10 +19182,10 @@
                     <a:lstStyle/>
                     <a:p>
                       <a:r>
-                        <a:rPr lang="en-US" sz="1500" dirty="0" smtClean="0"/>
-                        <a:t>N</a:t>
+                        <a:rPr lang="en-US" sz="1700" dirty="0" smtClean="0"/>
+                        <a:t>n</a:t>
                       </a:r>
-                      <a:endParaRPr lang="en-US" sz="1500" dirty="0"/>
+                      <a:endParaRPr lang="en-US" sz="1700" dirty="0"/>
                     </a:p>
                   </a:txBody>
                   <a:tcPr/>
@@ -18469,10 +19196,10 @@
                     <a:lstStyle/>
                     <a:p>
                       <a:r>
-                        <a:rPr lang="en-US" sz="1500" dirty="0" smtClean="0"/>
-                        <a:t>Y</a:t>
+                        <a:rPr lang="en-US" sz="1700" dirty="0" smtClean="0"/>
+                        <a:t>y</a:t>
                       </a:r>
-                      <a:endParaRPr lang="en-US" sz="1500" dirty="0"/>
+                      <a:endParaRPr lang="en-US" sz="1700" dirty="0"/>
                     </a:p>
                   </a:txBody>
                   <a:tcPr/>
@@ -18483,10 +19210,10 @@
                     <a:lstStyle/>
                     <a:p>
                       <a:r>
-                        <a:rPr lang="en-US" sz="1500" dirty="0" smtClean="0"/>
-                        <a:t>Y</a:t>
+                        <a:rPr lang="en-US" sz="1700" dirty="0" smtClean="0"/>
+                        <a:t>y</a:t>
                       </a:r>
-                      <a:endParaRPr lang="en-US" sz="1500" dirty="0"/>
+                      <a:endParaRPr lang="en-US" sz="1700" dirty="0"/>
                     </a:p>
                   </a:txBody>
                   <a:tcPr/>
@@ -18497,10 +19224,10 @@
                     <a:lstStyle/>
                     <a:p>
                       <a:r>
-                        <a:rPr lang="en-US" sz="1500" dirty="0" smtClean="0"/>
-                        <a:t>N</a:t>
+                        <a:rPr lang="en-US" sz="1700" dirty="0" smtClean="0"/>
+                        <a:t>n</a:t>
                       </a:r>
-                      <a:endParaRPr lang="en-US" sz="1500" dirty="0"/>
+                      <a:endParaRPr lang="en-US" sz="1700" dirty="0"/>
                     </a:p>
                   </a:txBody>
                   <a:tcPr/>
@@ -18511,10 +19238,10 @@
                     <a:lstStyle/>
                     <a:p>
                       <a:r>
-                        <a:rPr lang="en-US" sz="1500" dirty="0" smtClean="0"/>
-                        <a:t>N</a:t>
+                        <a:rPr lang="en-US" sz="1700" dirty="0" smtClean="0"/>
+                        <a:t>n</a:t>
                       </a:r>
-                      <a:endParaRPr lang="en-US" sz="1500" dirty="0"/>
+                      <a:endParaRPr lang="en-US" sz="1700" dirty="0"/>
                     </a:p>
                   </a:txBody>
                   <a:tcPr/>
@@ -18729,6 +19456,36 @@
           <a:lstStyle/>
           <a:p>
             <a:r>
+              <a:rPr lang="en-US" dirty="0" smtClean="0"/>
+              <a:t>To find variance in p</a:t>
+            </a:r>
+            <a:r>
+              <a:rPr lang="en-US" baseline="-25000" dirty="0" smtClean="0"/>
+              <a:t>i</a:t>
+            </a:r>
+            <a:r>
+              <a:rPr lang="en-US" dirty="0" smtClean="0"/>
+              <a:t> using </a:t>
+            </a:r>
+            <a:r>
+              <a:rPr lang="en-US" dirty="0" err="1" smtClean="0"/>
+              <a:t>q</a:t>
+            </a:r>
+            <a:r>
+              <a:rPr lang="en-US" baseline="-25000" dirty="0" err="1" smtClean="0"/>
+              <a:t>ij</a:t>
+            </a:r>
+            <a:r>
+              <a:rPr lang="en-US" dirty="0" err="1" smtClean="0"/>
+              <a:t>’s</a:t>
+            </a:r>
+            <a:r>
+              <a:rPr lang="en-US" dirty="0" smtClean="0"/>
+              <a:t> we use:</a:t>
+            </a:r>
+          </a:p>
+          <a:p>
+            <a:r>
               <a:rPr lang="en-US" b="1" dirty="0" smtClean="0"/>
               <a:t>Theorem</a:t>
             </a:r>
@@ -18998,7 +19755,61 @@
           <a:p>
             <a:r>
               <a:rPr lang="en-US" dirty="0" smtClean="0"/>
-              <a:t>Variance in p estimate depends on </a:t>
+              <a:t>p</a:t>
+            </a:r>
+            <a:r>
+              <a:rPr lang="en-US" baseline="-25000" dirty="0" smtClean="0"/>
+              <a:t>i</a:t>
+            </a:r>
+            <a:r>
+              <a:rPr lang="en-US" dirty="0" smtClean="0"/>
+              <a:t> is Y; </a:t>
+            </a:r>
+            <a:r>
+              <a:rPr lang="en-US" dirty="0" err="1" smtClean="0"/>
+              <a:t>q</a:t>
+            </a:r>
+            <a:r>
+              <a:rPr lang="en-US" baseline="-25000" dirty="0" err="1" smtClean="0"/>
+              <a:t>ij</a:t>
+            </a:r>
+            <a:r>
+              <a:rPr lang="en-US" dirty="0" smtClean="0"/>
+              <a:t>, </a:t>
+            </a:r>
+            <a:r>
+              <a:rPr lang="en-US" dirty="0" err="1" smtClean="0"/>
+              <a:t>q</a:t>
+            </a:r>
+            <a:r>
+              <a:rPr lang="en-US" baseline="-25000" dirty="0" err="1" smtClean="0"/>
+              <a:t>ik</a:t>
+            </a:r>
+            <a:r>
+              <a:rPr lang="en-US" dirty="0" smtClean="0"/>
+              <a:t>, </a:t>
+            </a:r>
+            <a:r>
+              <a:rPr lang="en-US" dirty="0" err="1" smtClean="0"/>
+              <a:t>q</a:t>
+            </a:r>
+            <a:r>
+              <a:rPr lang="en-US" baseline="-25000" dirty="0" err="1" smtClean="0"/>
+              <a:t>jk</a:t>
+            </a:r>
+            <a:r>
+              <a:rPr lang="en-US" dirty="0" smtClean="0"/>
+              <a:t> are X’s</a:t>
+            </a:r>
+          </a:p>
+          <a:p>
+            <a:r>
+              <a:rPr lang="en-US" dirty="0" smtClean="0"/>
+              <a:t>Variance </a:t>
+            </a:r>
+            <a:r>
+              <a:rPr lang="en-US" dirty="0" smtClean="0"/>
+              <a:t>in p estimate depends on </a:t>
             </a:r>
           </a:p>
           <a:p>
@@ -19236,46 +20047,51 @@
           <a:p>
             <a:r>
               <a:rPr lang="en-US" dirty="0" smtClean="0"/>
-              <a:t>Calibration Results (Synthetic Data)</a:t>
+              <a:t>Calibration Experiment</a:t>
             </a:r>
             <a:endParaRPr lang="en-US" dirty="0"/>
           </a:p>
         </p:txBody>
       </p:sp>
-      <p:pic>
-        <p:nvPicPr>
-          <p:cNvPr id="6" name="Picture 5" descr="conf_acc.pdf"/>
-          <p:cNvPicPr>
-            <a:picLocks noChangeAspect="1"/>
-          </p:cNvPicPr>
-          <p:nvPr/>
-        </p:nvPicPr>
-        <p:blipFill>
-          <a:blip r:embed="rId2">
-            <a:extLst>
-              <a:ext uri="{28A0092B-C50C-407E-A947-70E740481C1C}">
-                <a14:useLocalDpi xmlns:a14="http://schemas.microsoft.com/office/drawing/2010/main" val="0"/>
-              </a:ext>
-            </a:extLst>
-          </a:blip>
-          <a:stretch>
-            <a:fillRect/>
-          </a:stretch>
-        </p:blipFill>
-        <p:spPr>
-          <a:xfrm>
-            <a:off x="130933" y="1545096"/>
-            <a:ext cx="8864131" cy="5159048"/>
-          </a:xfrm>
-          <a:prstGeom prst="rect">
-            <a:avLst/>
-          </a:prstGeom>
-        </p:spPr>
-      </p:pic>
+      <p:sp>
+        <p:nvSpPr>
+          <p:cNvPr id="3" name="Content Placeholder 2"/>
+          <p:cNvSpPr>
+            <a:spLocks noGrp="1"/>
+          </p:cNvSpPr>
+          <p:nvPr>
+            <p:ph sz="quarter" idx="1"/>
+          </p:nvPr>
+        </p:nvSpPr>
+        <p:spPr/>
+        <p:txBody>
+          <a:bodyPr/>
+          <a:lstStyle/>
+          <a:p>
+            <a:r>
+              <a:rPr lang="en-US" dirty="0" smtClean="0"/>
+              <a:t>Accuracy is the fraction of times a confidence interval contains correct value</a:t>
+            </a:r>
+          </a:p>
+          <a:p>
+            <a:r>
+              <a:rPr lang="en-US" dirty="0" smtClean="0"/>
+              <a:t>Safe: Accuracy of c-confidence interval &gt; c</a:t>
+            </a:r>
+          </a:p>
+          <a:p>
+            <a:r>
+              <a:rPr lang="en-US" dirty="0" smtClean="0"/>
+              <a:t>Tight: Accuracy &lt;= c </a:t>
+            </a:r>
+            <a:endParaRPr lang="en-US" dirty="0"/>
+          </a:p>
+        </p:txBody>
+      </p:sp>
     </p:spTree>
     <p:extLst>
       <p:ext uri="{BB962C8B-B14F-4D97-AF65-F5344CB8AC3E}">
-        <p14:creationId xmlns:p14="http://schemas.microsoft.com/office/powerpoint/2010/main" val="3391006372"/>
+        <p14:creationId xmlns:p14="http://schemas.microsoft.com/office/powerpoint/2010/main" val="3954626727"/>
       </p:ext>
     </p:extLst>
   </p:cSld>

--- a/Presentation/WorkerEval.pptx
+++ b/Presentation/WorkerEval.pptx
@@ -3881,35 +3881,35 @@
     </dgm:pt>
   </dgm:ptLst>
   <dgm:cxnLst>
-    <dgm:cxn modelId="{DF29CD4F-7904-2E45-A41F-79E55EE04902}" srcId="{F110C852-6F45-FB48-B1FF-E7AAA445E08A}" destId="{BC511722-39B0-C544-9215-E00E086D6D9D}" srcOrd="0" destOrd="0" parTransId="{3F3A86FB-CB67-D642-ABF2-0B5740AEC9C5}" sibTransId="{BA5D79F3-533E-194C-ABE5-0BEAA9DE3D8E}"/>
-    <dgm:cxn modelId="{E1FF5F0F-3C30-EA4D-A27B-1EC4F659009A}" srcId="{0940C72B-4554-074E-BA3E-548C7F341CA7}" destId="{6A786F66-321C-D144-87D5-6AEFA9B69512}" srcOrd="0" destOrd="0" parTransId="{6DA661F8-EF02-FF4E-BDAA-7AF8DC641AAF}" sibTransId="{A6270F27-CC75-DB4F-B27C-FA3A163E10AA}"/>
-    <dgm:cxn modelId="{3940CA54-EC5B-0846-9881-2CDABE3CC066}" type="presOf" srcId="{EAD6E5A0-9F70-3F45-ACC5-45D1D1E92FFB}" destId="{8171E798-D9AC-E041-824F-31746C8DCC3B}" srcOrd="0" destOrd="1" presId="urn:microsoft.com/office/officeart/2005/8/layout/hChevron3"/>
+    <dgm:cxn modelId="{180B7986-E35D-4545-BEC4-FCA233C2C3D1}" type="presOf" srcId="{A1C6CD64-1D5E-2145-ADE2-4CA90A397E7C}" destId="{15ED0ADA-5FBF-4B4C-9FB1-35E9FCFC8C0A}" srcOrd="0" destOrd="2" presId="urn:microsoft.com/office/officeart/2005/8/layout/hChevron3"/>
+    <dgm:cxn modelId="{581E594E-7755-AC42-B9DC-05F1E9235722}" srcId="{0940C72B-4554-074E-BA3E-548C7F341CA7}" destId="{49570BFE-7D50-9848-8767-AE38C8AEB623}" srcOrd="2" destOrd="0" parTransId="{7F0FCC64-197C-EF44-BFB8-03441512624A}" sibTransId="{F4C95928-736B-2A47-ADAA-73922ADDA6B8}"/>
+    <dgm:cxn modelId="{791558F9-8566-3341-9C0E-C1FF9F969E6E}" type="presOf" srcId="{57E308DC-0EC2-3A4A-AE1A-51AEC3F6FB47}" destId="{8171E798-D9AC-E041-824F-31746C8DCC3B}" srcOrd="0" destOrd="2" presId="urn:microsoft.com/office/officeart/2005/8/layout/hChevron3"/>
+    <dgm:cxn modelId="{5B76B91E-6398-1748-AAD1-248C12EA16D7}" srcId="{F08485FE-D0FD-7745-B0CE-242137B291CA}" destId="{A1C6CD64-1D5E-2145-ADE2-4CA90A397E7C}" srcOrd="1" destOrd="0" parTransId="{ECE55DAD-09B4-0945-812D-F209EB8B0285}" sibTransId="{5D57D0ED-45B9-CA4F-86C2-744F68C5A205}"/>
+    <dgm:cxn modelId="{0DA52ADF-367A-AD46-8252-EC2ADAB19519}" type="presOf" srcId="{2A545BEE-8B91-AF4E-9E6C-BB8912719D4D}" destId="{15ED0ADA-5FBF-4B4C-9FB1-35E9FCFC8C0A}" srcOrd="0" destOrd="3" presId="urn:microsoft.com/office/officeart/2005/8/layout/hChevron3"/>
+    <dgm:cxn modelId="{20B85CE3-E9ED-DB4B-AFC7-E21E50188335}" srcId="{F08485FE-D0FD-7745-B0CE-242137B291CA}" destId="{2A545BEE-8B91-AF4E-9E6C-BB8912719D4D}" srcOrd="2" destOrd="0" parTransId="{0E88FA0C-BA93-DB4A-8EB1-E8CADAA6E3B4}" sibTransId="{3E485B0C-A3A7-3747-A517-8AEC4263EF6B}"/>
+    <dgm:cxn modelId="{2716E152-237C-2246-A687-1EE45EBB6B42}" type="presOf" srcId="{38BEECF8-0B02-604B-8C93-6F24C8521E73}" destId="{C7A5FC32-AE72-0B43-A11C-5CC3B880802E}" srcOrd="0" destOrd="0" presId="urn:microsoft.com/office/officeart/2005/8/layout/hChevron3"/>
+    <dgm:cxn modelId="{6F06F21B-2B18-BB4B-966A-C18899732967}" srcId="{116F74F5-4028-3F45-88E2-8C0B0C95263C}" destId="{57E308DC-0EC2-3A4A-AE1A-51AEC3F6FB47}" srcOrd="1" destOrd="0" parTransId="{9E72F64B-F4FC-9E4D-8EE4-B467A85DB5BB}" sibTransId="{47279E9B-3DE1-734D-9192-83E819833D93}"/>
+    <dgm:cxn modelId="{D99CB240-F89C-7A43-A1DF-B6AD3E33CCF6}" type="presOf" srcId="{68D95848-EFCF-C74B-8B3E-5464E5A4673B}" destId="{15ED0ADA-5FBF-4B4C-9FB1-35E9FCFC8C0A}" srcOrd="0" destOrd="1" presId="urn:microsoft.com/office/officeart/2005/8/layout/hChevron3"/>
     <dgm:cxn modelId="{A56B41DD-F38B-A246-9DFA-A99EF0EA8A99}" type="presOf" srcId="{116F74F5-4028-3F45-88E2-8C0B0C95263C}" destId="{8171E798-D9AC-E041-824F-31746C8DCC3B}" srcOrd="0" destOrd="0" presId="urn:microsoft.com/office/officeart/2005/8/layout/hChevron3"/>
-    <dgm:cxn modelId="{59C95870-F28A-4345-9958-FD5905C37BCF}" type="presOf" srcId="{F08485FE-D0FD-7745-B0CE-242137B291CA}" destId="{15ED0ADA-5FBF-4B4C-9FB1-35E9FCFC8C0A}" srcOrd="0" destOrd="0" presId="urn:microsoft.com/office/officeart/2005/8/layout/hChevron3"/>
-    <dgm:cxn modelId="{0E5F1AA5-51FC-2D47-AD82-52F89CFE74F2}" type="presOf" srcId="{49570BFE-7D50-9848-8767-AE38C8AEB623}" destId="{827653F9-5CDF-B546-81B1-5AC2A9226BD2}" srcOrd="0" destOrd="3" presId="urn:microsoft.com/office/officeart/2005/8/layout/hChevron3"/>
-    <dgm:cxn modelId="{C9290AD7-8A76-3247-A3B8-BFAFB581723F}" type="presOf" srcId="{0940C72B-4554-074E-BA3E-548C7F341CA7}" destId="{827653F9-5CDF-B546-81B1-5AC2A9226BD2}" srcOrd="0" destOrd="0" presId="urn:microsoft.com/office/officeart/2005/8/layout/hChevron3"/>
-    <dgm:cxn modelId="{8D49BACA-E91E-5E47-B1F3-9C5DB6633183}" srcId="{38BEECF8-0B02-604B-8C93-6F24C8521E73}" destId="{116F74F5-4028-3F45-88E2-8C0B0C95263C}" srcOrd="0" destOrd="0" parTransId="{ACE8C5C1-36D9-D74D-8610-4DE5A697F5BD}" sibTransId="{A18E541C-B6F8-F34E-9BA2-931C40DA63B6}"/>
+    <dgm:cxn modelId="{CEDEA953-40C2-9847-8A59-02F857334E7C}" srcId="{116F74F5-4028-3F45-88E2-8C0B0C95263C}" destId="{EAD6E5A0-9F70-3F45-ACC5-45D1D1E92FFB}" srcOrd="0" destOrd="0" parTransId="{E11809C5-32E7-3C46-845E-F86694928719}" sibTransId="{00ED442B-D535-194A-9768-7D457ABDFF00}"/>
     <dgm:cxn modelId="{30B6E3D6-E5CF-9B43-9F60-8CCE32493B9F}" type="presOf" srcId="{F110C852-6F45-FB48-B1FF-E7AAA445E08A}" destId="{7C3EB1D9-14A3-6F48-AC6B-8A6E615BA113}" srcOrd="0" destOrd="0" presId="urn:microsoft.com/office/officeart/2005/8/layout/hChevron3"/>
-    <dgm:cxn modelId="{0DA52ADF-367A-AD46-8252-EC2ADAB19519}" type="presOf" srcId="{2A545BEE-8B91-AF4E-9E6C-BB8912719D4D}" destId="{15ED0ADA-5FBF-4B4C-9FB1-35E9FCFC8C0A}" srcOrd="0" destOrd="3" presId="urn:microsoft.com/office/officeart/2005/8/layout/hChevron3"/>
     <dgm:cxn modelId="{F59AD8F8-07F0-F844-BC2B-CF9BF901CDC5}" type="presOf" srcId="{6A786F66-321C-D144-87D5-6AEFA9B69512}" destId="{827653F9-5CDF-B546-81B1-5AC2A9226BD2}" srcOrd="0" destOrd="1" presId="urn:microsoft.com/office/officeart/2005/8/layout/hChevron3"/>
-    <dgm:cxn modelId="{7F8DAE13-42CD-E14E-B570-EA60A9D76A4C}" type="presOf" srcId="{BC511722-39B0-C544-9215-E00E086D6D9D}" destId="{7C3EB1D9-14A3-6F48-AC6B-8A6E615BA113}" srcOrd="0" destOrd="1" presId="urn:microsoft.com/office/officeart/2005/8/layout/hChevron3"/>
-    <dgm:cxn modelId="{4335E355-DEE4-5940-A577-47251E52DDD8}" srcId="{F110C852-6F45-FB48-B1FF-E7AAA445E08A}" destId="{9A15DA94-001B-3749-BD29-ED2F428A5EFB}" srcOrd="1" destOrd="0" parTransId="{A3B5D4E9-E83C-754D-BA54-07DF7C596D53}" sibTransId="{6E8ED6EA-BDAB-2546-941D-66BEE8909944}"/>
-    <dgm:cxn modelId="{7EF08AE2-A023-EE4C-8341-F538DEFC1DA6}" type="presOf" srcId="{EAF09015-B620-4843-BA44-7E16D6D51C9B}" destId="{827653F9-5CDF-B546-81B1-5AC2A9226BD2}" srcOrd="0" destOrd="2" presId="urn:microsoft.com/office/officeart/2005/8/layout/hChevron3"/>
-    <dgm:cxn modelId="{791558F9-8566-3341-9C0E-C1FF9F969E6E}" type="presOf" srcId="{57E308DC-0EC2-3A4A-AE1A-51AEC3F6FB47}" destId="{8171E798-D9AC-E041-824F-31746C8DCC3B}" srcOrd="0" destOrd="2" presId="urn:microsoft.com/office/officeart/2005/8/layout/hChevron3"/>
-    <dgm:cxn modelId="{2716E152-237C-2246-A687-1EE45EBB6B42}" type="presOf" srcId="{38BEECF8-0B02-604B-8C93-6F24C8521E73}" destId="{C7A5FC32-AE72-0B43-A11C-5CC3B880802E}" srcOrd="0" destOrd="0" presId="urn:microsoft.com/office/officeart/2005/8/layout/hChevron3"/>
-    <dgm:cxn modelId="{E4DDD113-FF0C-1546-81FC-1E0E2EE1052C}" srcId="{38BEECF8-0B02-604B-8C93-6F24C8521E73}" destId="{F08485FE-D0FD-7745-B0CE-242137B291CA}" srcOrd="3" destOrd="0" parTransId="{696F3056-08D5-0344-A7DC-64D0E19B860B}" sibTransId="{6D5FF295-B56C-1E46-B4C0-BF9D53C99390}"/>
-    <dgm:cxn modelId="{D99CB240-F89C-7A43-A1DF-B6AD3E33CCF6}" type="presOf" srcId="{68D95848-EFCF-C74B-8B3E-5464E5A4673B}" destId="{15ED0ADA-5FBF-4B4C-9FB1-35E9FCFC8C0A}" srcOrd="0" destOrd="1" presId="urn:microsoft.com/office/officeart/2005/8/layout/hChevron3"/>
-    <dgm:cxn modelId="{CEDEA953-40C2-9847-8A59-02F857334E7C}" srcId="{116F74F5-4028-3F45-88E2-8C0B0C95263C}" destId="{EAD6E5A0-9F70-3F45-ACC5-45D1D1E92FFB}" srcOrd="0" destOrd="0" parTransId="{E11809C5-32E7-3C46-845E-F86694928719}" sibTransId="{00ED442B-D535-194A-9768-7D457ABDFF00}"/>
-    <dgm:cxn modelId="{180B7986-E35D-4545-BEC4-FCA233C2C3D1}" type="presOf" srcId="{A1C6CD64-1D5E-2145-ADE2-4CA90A397E7C}" destId="{15ED0ADA-5FBF-4B4C-9FB1-35E9FCFC8C0A}" srcOrd="0" destOrd="2" presId="urn:microsoft.com/office/officeart/2005/8/layout/hChevron3"/>
-    <dgm:cxn modelId="{20B85CE3-E9ED-DB4B-AFC7-E21E50188335}" srcId="{F08485FE-D0FD-7745-B0CE-242137B291CA}" destId="{2A545BEE-8B91-AF4E-9E6C-BB8912719D4D}" srcOrd="2" destOrd="0" parTransId="{0E88FA0C-BA93-DB4A-8EB1-E8CADAA6E3B4}" sibTransId="{3E485B0C-A3A7-3747-A517-8AEC4263EF6B}"/>
     <dgm:cxn modelId="{415097DD-1744-694A-8AEF-A4608CB56BCB}" srcId="{38BEECF8-0B02-604B-8C93-6F24C8521E73}" destId="{F110C852-6F45-FB48-B1FF-E7AAA445E08A}" srcOrd="2" destOrd="0" parTransId="{9EFCFFDB-A8ED-7D47-8710-26948EB2A4B9}" sibTransId="{E74471A5-F2F0-EB4B-AF20-2282F540ACA6}"/>
-    <dgm:cxn modelId="{837DAAB8-08FD-CB40-9368-C88A49066D80}" srcId="{0940C72B-4554-074E-BA3E-548C7F341CA7}" destId="{EAF09015-B620-4843-BA44-7E16D6D51C9B}" srcOrd="1" destOrd="0" parTransId="{93FDBF4A-797E-6944-8397-37C50DB73AA5}" sibTransId="{9CEC6EA0-D1F2-D74B-AE2E-ACFFFFCD6939}"/>
-    <dgm:cxn modelId="{581E594E-7755-AC42-B9DC-05F1E9235722}" srcId="{0940C72B-4554-074E-BA3E-548C7F341CA7}" destId="{49570BFE-7D50-9848-8767-AE38C8AEB623}" srcOrd="2" destOrd="0" parTransId="{7F0FCC64-197C-EF44-BFB8-03441512624A}" sibTransId="{F4C95928-736B-2A47-ADAA-73922ADDA6B8}"/>
-    <dgm:cxn modelId="{5B76B91E-6398-1748-AAD1-248C12EA16D7}" srcId="{F08485FE-D0FD-7745-B0CE-242137B291CA}" destId="{A1C6CD64-1D5E-2145-ADE2-4CA90A397E7C}" srcOrd="1" destOrd="0" parTransId="{ECE55DAD-09B4-0945-812D-F209EB8B0285}" sibTransId="{5D57D0ED-45B9-CA4F-86C2-744F68C5A205}"/>
-    <dgm:cxn modelId="{6F06F21B-2B18-BB4B-966A-C18899732967}" srcId="{116F74F5-4028-3F45-88E2-8C0B0C95263C}" destId="{57E308DC-0EC2-3A4A-AE1A-51AEC3F6FB47}" srcOrd="1" destOrd="0" parTransId="{9E72F64B-F4FC-9E4D-8EE4-B467A85DB5BB}" sibTransId="{47279E9B-3DE1-734D-9192-83E819833D93}"/>
     <dgm:cxn modelId="{ADBADC1C-C3FF-1141-9138-7F3B039C5592}" srcId="{38BEECF8-0B02-604B-8C93-6F24C8521E73}" destId="{0940C72B-4554-074E-BA3E-548C7F341CA7}" srcOrd="1" destOrd="0" parTransId="{DA754511-A3C2-ED43-9303-E46DF35D80A8}" sibTransId="{F4190928-EC8A-7442-B34F-11F3FB06E220}"/>
     <dgm:cxn modelId="{5BEA15F4-01B9-894B-9D83-F53FDA1F6236}" srcId="{F08485FE-D0FD-7745-B0CE-242137B291CA}" destId="{68D95848-EFCF-C74B-8B3E-5464E5A4673B}" srcOrd="0" destOrd="0" parTransId="{D8BE48FA-80D5-2D46-8103-D63AA139B9BC}" sibTransId="{1CB48D96-7C19-9342-9A3E-30CA81ED0485}"/>
+    <dgm:cxn modelId="{8D49BACA-E91E-5E47-B1F3-9C5DB6633183}" srcId="{38BEECF8-0B02-604B-8C93-6F24C8521E73}" destId="{116F74F5-4028-3F45-88E2-8C0B0C95263C}" srcOrd="0" destOrd="0" parTransId="{ACE8C5C1-36D9-D74D-8610-4DE5A697F5BD}" sibTransId="{A18E541C-B6F8-F34E-9BA2-931C40DA63B6}"/>
+    <dgm:cxn modelId="{DF29CD4F-7904-2E45-A41F-79E55EE04902}" srcId="{F110C852-6F45-FB48-B1FF-E7AAA445E08A}" destId="{BC511722-39B0-C544-9215-E00E086D6D9D}" srcOrd="0" destOrd="0" parTransId="{3F3A86FB-CB67-D642-ABF2-0B5740AEC9C5}" sibTransId="{BA5D79F3-533E-194C-ABE5-0BEAA9DE3D8E}"/>
+    <dgm:cxn modelId="{837DAAB8-08FD-CB40-9368-C88A49066D80}" srcId="{0940C72B-4554-074E-BA3E-548C7F341CA7}" destId="{EAF09015-B620-4843-BA44-7E16D6D51C9B}" srcOrd="1" destOrd="0" parTransId="{93FDBF4A-797E-6944-8397-37C50DB73AA5}" sibTransId="{9CEC6EA0-D1F2-D74B-AE2E-ACFFFFCD6939}"/>
+    <dgm:cxn modelId="{59C95870-F28A-4345-9958-FD5905C37BCF}" type="presOf" srcId="{F08485FE-D0FD-7745-B0CE-242137B291CA}" destId="{15ED0ADA-5FBF-4B4C-9FB1-35E9FCFC8C0A}" srcOrd="0" destOrd="0" presId="urn:microsoft.com/office/officeart/2005/8/layout/hChevron3"/>
+    <dgm:cxn modelId="{7EF08AE2-A023-EE4C-8341-F538DEFC1DA6}" type="presOf" srcId="{EAF09015-B620-4843-BA44-7E16D6D51C9B}" destId="{827653F9-5CDF-B546-81B1-5AC2A9226BD2}" srcOrd="0" destOrd="2" presId="urn:microsoft.com/office/officeart/2005/8/layout/hChevron3"/>
+    <dgm:cxn modelId="{E1FF5F0F-3C30-EA4D-A27B-1EC4F659009A}" srcId="{0940C72B-4554-074E-BA3E-548C7F341CA7}" destId="{6A786F66-321C-D144-87D5-6AEFA9B69512}" srcOrd="0" destOrd="0" parTransId="{6DA661F8-EF02-FF4E-BDAA-7AF8DC641AAF}" sibTransId="{A6270F27-CC75-DB4F-B27C-FA3A163E10AA}"/>
+    <dgm:cxn modelId="{7F8DAE13-42CD-E14E-B570-EA60A9D76A4C}" type="presOf" srcId="{BC511722-39B0-C544-9215-E00E086D6D9D}" destId="{7C3EB1D9-14A3-6F48-AC6B-8A6E615BA113}" srcOrd="0" destOrd="1" presId="urn:microsoft.com/office/officeart/2005/8/layout/hChevron3"/>
+    <dgm:cxn modelId="{E4DDD113-FF0C-1546-81FC-1E0E2EE1052C}" srcId="{38BEECF8-0B02-604B-8C93-6F24C8521E73}" destId="{F08485FE-D0FD-7745-B0CE-242137B291CA}" srcOrd="3" destOrd="0" parTransId="{696F3056-08D5-0344-A7DC-64D0E19B860B}" sibTransId="{6D5FF295-B56C-1E46-B4C0-BF9D53C99390}"/>
+    <dgm:cxn modelId="{0E5F1AA5-51FC-2D47-AD82-52F89CFE74F2}" type="presOf" srcId="{49570BFE-7D50-9848-8767-AE38C8AEB623}" destId="{827653F9-5CDF-B546-81B1-5AC2A9226BD2}" srcOrd="0" destOrd="3" presId="urn:microsoft.com/office/officeart/2005/8/layout/hChevron3"/>
+    <dgm:cxn modelId="{4335E355-DEE4-5940-A577-47251E52DDD8}" srcId="{F110C852-6F45-FB48-B1FF-E7AAA445E08A}" destId="{9A15DA94-001B-3749-BD29-ED2F428A5EFB}" srcOrd="1" destOrd="0" parTransId="{A3B5D4E9-E83C-754D-BA54-07DF7C596D53}" sibTransId="{6E8ED6EA-BDAB-2546-941D-66BEE8909944}"/>
+    <dgm:cxn modelId="{3940CA54-EC5B-0846-9881-2CDABE3CC066}" type="presOf" srcId="{EAD6E5A0-9F70-3F45-ACC5-45D1D1E92FFB}" destId="{8171E798-D9AC-E041-824F-31746C8DCC3B}" srcOrd="0" destOrd="1" presId="urn:microsoft.com/office/officeart/2005/8/layout/hChevron3"/>
     <dgm:cxn modelId="{49885272-934D-484B-BA44-454A69050205}" type="presOf" srcId="{9A15DA94-001B-3749-BD29-ED2F428A5EFB}" destId="{7C3EB1D9-14A3-6F48-AC6B-8A6E615BA113}" srcOrd="0" destOrd="2" presId="urn:microsoft.com/office/officeart/2005/8/layout/hChevron3"/>
+    <dgm:cxn modelId="{C9290AD7-8A76-3247-A3B8-BFAFB581723F}" type="presOf" srcId="{0940C72B-4554-074E-BA3E-548C7F341CA7}" destId="{827653F9-5CDF-B546-81B1-5AC2A9226BD2}" srcOrd="0" destOrd="0" presId="urn:microsoft.com/office/officeart/2005/8/layout/hChevron3"/>
     <dgm:cxn modelId="{DC71007E-1DE1-D145-9DB7-5F70AA16388E}" type="presParOf" srcId="{C7A5FC32-AE72-0B43-A11C-5CC3B880802E}" destId="{8171E798-D9AC-E041-824F-31746C8DCC3B}" srcOrd="0" destOrd="0" presId="urn:microsoft.com/office/officeart/2005/8/layout/hChevron3"/>
     <dgm:cxn modelId="{137569D0-E7A9-374E-BE60-84A3A292F626}" type="presParOf" srcId="{C7A5FC32-AE72-0B43-A11C-5CC3B880802E}" destId="{E0E8DA2A-C56F-944E-942E-1C0A6B4493EC}" srcOrd="1" destOrd="0" presId="urn:microsoft.com/office/officeart/2005/8/layout/hChevron3"/>
     <dgm:cxn modelId="{B4950D7C-C237-284B-A7F6-B3F3B04D7579}" type="presParOf" srcId="{C7A5FC32-AE72-0B43-A11C-5CC3B880802E}" destId="{827653F9-5CDF-B546-81B1-5AC2A9226BD2}" srcOrd="2" destOrd="0" presId="urn:microsoft.com/office/officeart/2005/8/layout/hChevron3"/>
@@ -8665,7 +8665,7 @@
             <a:fld id="{9D21D778-B565-4D7E-94D7-64010A445B68}" type="datetimeFigureOut">
               <a:rPr lang="en-US" smtClean="0"/>
               <a:pPr eaLnBrk="1" latinLnBrk="0" hangingPunct="1"/>
-              <a:t>4/5/15</a:t>
+              <a:t>4/8/15</a:t>
             </a:fld>
             <a:endParaRPr lang="en-US"/>
           </a:p>
@@ -9067,7 +9067,7 @@
             <a:fld id="{9D21D778-B565-4D7E-94D7-64010A445B68}" type="datetimeFigureOut">
               <a:rPr lang="en-US" smtClean="0"/>
               <a:pPr eaLnBrk="1" latinLnBrk="0" hangingPunct="1"/>
-              <a:t>4/5/15</a:t>
+              <a:t>4/8/15</a:t>
             </a:fld>
             <a:endParaRPr lang="en-US"/>
           </a:p>
@@ -9603,7 +9603,7 @@
             <a:fld id="{9D21D778-B565-4D7E-94D7-64010A445B68}" type="datetimeFigureOut">
               <a:rPr lang="en-US" smtClean="0"/>
               <a:pPr eaLnBrk="1" latinLnBrk="0" hangingPunct="1"/>
-              <a:t>4/5/15</a:t>
+              <a:t>4/8/15</a:t>
             </a:fld>
             <a:endParaRPr lang="en-US"/>
           </a:p>
@@ -9738,7 +9738,7 @@
             <a:fld id="{9D21D778-B565-4D7E-94D7-64010A445B68}" type="datetimeFigureOut">
               <a:rPr lang="en-US" smtClean="0"/>
               <a:pPr eaLnBrk="1" latinLnBrk="0" hangingPunct="1"/>
-              <a:t>4/5/15</a:t>
+              <a:t>4/8/15</a:t>
             </a:fld>
             <a:endParaRPr lang="en-US"/>
           </a:p>
@@ -10284,7 +10284,7 @@
             <a:fld id="{9D21D778-B565-4D7E-94D7-64010A445B68}" type="datetimeFigureOut">
               <a:rPr lang="en-US" smtClean="0"/>
               <a:pPr eaLnBrk="1" latinLnBrk="0" hangingPunct="1"/>
-              <a:t>4/5/15</a:t>
+              <a:t>4/8/15</a:t>
             </a:fld>
             <a:endParaRPr lang="en-US"/>
           </a:p>
@@ -10588,7 +10588,7 @@
             <a:fld id="{9D21D778-B565-4D7E-94D7-64010A445B68}" type="datetimeFigureOut">
               <a:rPr lang="en-US" smtClean="0"/>
               <a:pPr eaLnBrk="1" latinLnBrk="0" hangingPunct="1"/>
-              <a:t>4/5/15</a:t>
+              <a:t>4/8/15</a:t>
             </a:fld>
             <a:endParaRPr lang="en-US"/>
           </a:p>
@@ -11250,7 +11250,7 @@
             <a:fld id="{9D21D778-B565-4D7E-94D7-64010A445B68}" type="datetimeFigureOut">
               <a:rPr lang="en-US" smtClean="0"/>
               <a:pPr eaLnBrk="1" latinLnBrk="0" hangingPunct="1"/>
-              <a:t>4/5/15</a:t>
+              <a:t>4/8/15</a:t>
             </a:fld>
             <a:endParaRPr lang="en-US"/>
           </a:p>
@@ -11690,7 +11690,7 @@
             <a:fld id="{9D21D778-B565-4D7E-94D7-64010A445B68}" type="datetimeFigureOut">
               <a:rPr lang="en-US" smtClean="0"/>
               <a:pPr eaLnBrk="1" latinLnBrk="0" hangingPunct="1"/>
-              <a:t>4/5/15</a:t>
+              <a:t>4/8/15</a:t>
             </a:fld>
             <a:endParaRPr lang="en-US"/>
           </a:p>
@@ -12006,7 +12006,7 @@
             <a:fld id="{9D21D778-B565-4D7E-94D7-64010A445B68}" type="datetimeFigureOut">
               <a:rPr lang="en-US" smtClean="0"/>
               <a:pPr eaLnBrk="1" latinLnBrk="0" hangingPunct="1"/>
-              <a:t>4/5/15</a:t>
+              <a:t>4/8/15</a:t>
             </a:fld>
             <a:endParaRPr lang="en-US"/>
           </a:p>
@@ -12752,7 +12752,7 @@
             <a:fld id="{9D21D778-B565-4D7E-94D7-64010A445B68}" type="datetimeFigureOut">
               <a:rPr lang="en-US" smtClean="0"/>
               <a:pPr eaLnBrk="1" latinLnBrk="0" hangingPunct="1"/>
-              <a:t>4/5/15</a:t>
+              <a:t>4/8/15</a:t>
             </a:fld>
             <a:endParaRPr lang="en-US"/>
           </a:p>
@@ -13419,7 +13419,7 @@
             <a:fld id="{9D21D778-B565-4D7E-94D7-64010A445B68}" type="datetimeFigureOut">
               <a:rPr lang="en-US" smtClean="0"/>
               <a:pPr eaLnBrk="1" latinLnBrk="0" hangingPunct="1"/>
-              <a:t>4/5/15</a:t>
+              <a:t>4/8/15</a:t>
             </a:fld>
             <a:endParaRPr lang="en-US" dirty="0"/>
           </a:p>
@@ -13694,7 +13694,7 @@
             <a:fld id="{9D21D778-B565-4D7E-94D7-64010A445B68}" type="datetimeFigureOut">
               <a:rPr lang="en-US" smtClean="0"/>
               <a:pPr algn="r" eaLnBrk="1" latinLnBrk="0" hangingPunct="1"/>
-              <a:t>4/5/15</a:t>
+              <a:t>4/8/15</a:t>
             </a:fld>
             <a:endParaRPr lang="en-US" sz="1400" dirty="0">
               <a:solidFill>
@@ -15709,11 +15709,7 @@
             <a:pPr lvl="1"/>
             <a:r>
               <a:rPr lang="en-US" dirty="0" smtClean="0"/>
-              <a:t>Better to have two good workers in one group than one good worker in two groups, due to </a:t>
-            </a:r>
-            <a:r>
-              <a:rPr lang="en-US" dirty="0" smtClean="0"/>
-              <a:t>weighting</a:t>
+              <a:t>Better to have two good workers in one group than one good worker in two groups, due to weighting</a:t>
             </a:r>
           </a:p>
           <a:p>
@@ -17030,29 +17026,13 @@
           <a:p>
             <a:r>
               <a:rPr lang="en-US" dirty="0" smtClean="0"/>
-              <a:t>Crowdsourcing: </a:t>
-            </a:r>
+              <a:t>Crowdsourcing: Tasks such as image tagging</a:t>
+            </a:r>
+          </a:p>
+          <a:p>
             <a:r>
               <a:rPr lang="en-US" dirty="0" smtClean="0"/>
-              <a:t>Tasks such </a:t>
-            </a:r>
-            <a:r>
-              <a:rPr lang="en-US" dirty="0" smtClean="0"/>
-              <a:t>as image </a:t>
-            </a:r>
-            <a:r>
-              <a:rPr lang="en-US" dirty="0" smtClean="0"/>
-              <a:t>tagging</a:t>
-            </a:r>
-          </a:p>
-          <a:p>
-            <a:r>
-              <a:rPr lang="en-US" dirty="0" smtClean="0"/>
-              <a:t>Workers </a:t>
-            </a:r>
-            <a:r>
-              <a:rPr lang="en-US" dirty="0" smtClean="0"/>
-              <a:t>are often </a:t>
+              <a:t>Workers are often </a:t>
             </a:r>
             <a:r>
               <a:rPr lang="en-US" i="1" dirty="0" smtClean="0"/>
@@ -17073,20 +17053,11 @@
               <a:rPr lang="en-US" dirty="0" smtClean="0"/>
               <a:t>Lack of skill</a:t>
             </a:r>
-            <a:endParaRPr lang="en-US" dirty="0" smtClean="0"/>
           </a:p>
           <a:p>
             <a:r>
               <a:rPr lang="en-US" dirty="0" smtClean="0"/>
-              <a:t>Need </a:t>
-            </a:r>
-            <a:r>
-              <a:rPr lang="en-US" dirty="0" smtClean="0"/>
-              <a:t>to assess </a:t>
-            </a:r>
-            <a:r>
-              <a:rPr lang="en-US" dirty="0" smtClean="0"/>
-              <a:t>worker quality</a:t>
+              <a:t>Need to assess worker quality</a:t>
             </a:r>
           </a:p>
           <a:p>
@@ -17113,7 +17084,7 @@
           <a:p>
             <a:r>
               <a:rPr lang="en-US" dirty="0" smtClean="0"/>
-              <a:t>Worker filtering experiment</a:t>
+              <a:t>Upper confidence threshold for worker filtering</a:t>
             </a:r>
             <a:endParaRPr lang="en-US" dirty="0" smtClean="0"/>
           </a:p>
@@ -17391,11 +17362,7 @@
             </a:r>
             <a:r>
               <a:rPr lang="en-US" dirty="0" smtClean="0"/>
-              <a:t> </a:t>
-            </a:r>
-            <a:r>
-              <a:rPr lang="en-US" dirty="0" smtClean="0"/>
-              <a:t>workers (w</a:t>
+              <a:t> workers (w</a:t>
             </a:r>
             <a:r>
               <a:rPr lang="en-US" baseline="-25000" dirty="0" smtClean="0"/>
@@ -18246,13 +18213,21 @@
               <a:t>, or confusion matrix </a:t>
             </a:r>
             <a:r>
-              <a:rPr lang="en-US" b="1" dirty="0"/>
+              <a:rPr lang="en-US" b="1" dirty="0" smtClean="0"/>
               <a:t>P</a:t>
             </a:r>
             <a:r>
-              <a:rPr lang="en-US" b="1" baseline="-25000" dirty="0"/>
+              <a:rPr lang="en-US" b="1" baseline="-25000" dirty="0" smtClean="0"/>
               <a:t>i</a:t>
             </a:r>
+          </a:p>
+          <a:p>
+            <a:pPr lvl="1"/>
+            <a:r>
+              <a:rPr lang="en-US" dirty="0" smtClean="0"/>
+              <a:t>Non-malicious workers (better than random)</a:t>
+            </a:r>
+            <a:endParaRPr lang="en-US" dirty="0"/>
           </a:p>
           <a:p>
             <a:pPr lvl="1"/>
@@ -18272,7 +18247,15 @@
           <a:p>
             <a:r>
               <a:rPr lang="en-US" dirty="0" smtClean="0"/>
-              <a:t>Goal : Given desired confidence level c, find c-confidence interval for p</a:t>
+              <a:t>Goal : Given </a:t>
+            </a:r>
+            <a:r>
+              <a:rPr lang="en-US" dirty="0" smtClean="0"/>
+              <a:t>user-specified confidence </a:t>
+            </a:r>
+            <a:r>
+              <a:rPr lang="en-US" dirty="0" smtClean="0"/>
+              <a:t>level c, find c-confidence interval for p</a:t>
             </a:r>
             <a:r>
               <a:rPr lang="en-US" baseline="-25000" dirty="0" smtClean="0"/>
@@ -18280,7 +18263,11 @@
             </a:r>
             <a:r>
               <a:rPr lang="en-US" dirty="0" smtClean="0"/>
-              <a:t> or P</a:t>
+              <a:t> or </a:t>
+            </a:r>
+            <a:r>
+              <a:rPr lang="en-US" dirty="0" smtClean="0"/>
+              <a:t>entries in P</a:t>
             </a:r>
             <a:r>
               <a:rPr lang="en-US" baseline="-25000" dirty="0" smtClean="0"/>
@@ -18538,11 +18525,7 @@
           <a:p>
             <a:r>
               <a:rPr lang="en-US" dirty="0" smtClean="0"/>
-              <a:t>Compute agreement rates </a:t>
-            </a:r>
-            <a:r>
-              <a:rPr lang="en-US" dirty="0" smtClean="0"/>
-              <a:t>(</a:t>
+              <a:t>Compute agreement rates (</a:t>
             </a:r>
             <a:r>
               <a:rPr lang="en-US" dirty="0" err="1" smtClean="0"/>
@@ -18554,11 +18537,7 @@
             </a:r>
             <a:r>
               <a:rPr lang="en-US" dirty="0" smtClean="0"/>
-              <a:t> </a:t>
-            </a:r>
-            <a:r>
-              <a:rPr lang="en-US" dirty="0" smtClean="0"/>
-              <a:t>for worker </a:t>
+              <a:t> for worker </a:t>
             </a:r>
             <a:r>
               <a:rPr lang="en-US" dirty="0" err="1" smtClean="0"/>
@@ -18608,11 +18587,7 @@
             </a:r>
             <a:r>
               <a:rPr lang="en-US" dirty="0" smtClean="0"/>
-              <a:t> </a:t>
-            </a:r>
-            <a:r>
-              <a:rPr lang="en-US" dirty="0" smtClean="0"/>
-              <a:t>~ </a:t>
+              <a:t> ~ </a:t>
             </a:r>
             <a:r>
               <a:rPr lang="en-US" dirty="0" err="1" smtClean="0"/>
@@ -18707,15 +18682,7 @@
             </a:pPr>
             <a:r>
               <a:rPr lang="en-US" dirty="0" smtClean="0"/>
-              <a:t>             = ½ </a:t>
-            </a:r>
-            <a:r>
-              <a:rPr lang="en-US" dirty="0" smtClean="0"/>
-              <a:t>- </a:t>
-            </a:r>
-            <a:r>
-              <a:rPr lang="en-US" dirty="0" smtClean="0"/>
-              <a:t>½ √((</a:t>
+              <a:t>             = ½ - ½ √((</a:t>
             </a:r>
             <a:r>
               <a:rPr lang="en-US" dirty="0" err="1" smtClean="0"/>
@@ -19325,11 +19292,7 @@
             <a:pPr algn="ctr"/>
             <a:r>
               <a:rPr lang="en-US" dirty="0" smtClean="0"/>
-              <a:t>E</a:t>
-            </a:r>
-            <a:r>
-              <a:rPr lang="en-US" dirty="0" smtClean="0"/>
-              <a:t>[q</a:t>
+              <a:t>E[q</a:t>
             </a:r>
             <a:r>
               <a:rPr lang="en-US" baseline="-25000" dirty="0" smtClean="0"/>
@@ -19805,19 +19768,35 @@
           <a:p>
             <a:r>
               <a:rPr lang="en-US" dirty="0" smtClean="0"/>
-              <a:t>Variance </a:t>
-            </a:r>
+              <a:t>Variance in p estimate depends on </a:t>
+            </a:r>
+          </a:p>
+          <a:p>
+            <a:pPr lvl="1"/>
             <a:r>
               <a:rPr lang="en-US" dirty="0" smtClean="0"/>
-              <a:t>in p estimate depends on </a:t>
+              <a:t>Variance in q </a:t>
+            </a:r>
+            <a:r>
+              <a:rPr lang="en-US" dirty="0" smtClean="0"/>
+              <a:t>estimates</a:t>
             </a:r>
           </a:p>
           <a:p>
             <a:pPr lvl="1"/>
             <a:r>
+              <a:rPr lang="en-US" dirty="0" err="1" smtClean="0"/>
+              <a:t>Covariances</a:t>
+            </a:r>
+            <a:r>
               <a:rPr lang="en-US" dirty="0" smtClean="0"/>
-              <a:t>Variance in q estimates</a:t>
-            </a:r>
+              <a:t> between </a:t>
+            </a:r>
+            <a:r>
+              <a:rPr lang="en-US" smtClean="0"/>
+              <a:t>q estimates</a:t>
+            </a:r>
+            <a:endParaRPr lang="en-US" dirty="0" smtClean="0"/>
           </a:p>
           <a:p>
             <a:pPr lvl="1"/>
